--- a/assets/images.pptx
+++ b/assets/images.pptx
@@ -5,7 +5,15 @@
     <p:sldMasterId id="2147483648" r:id="rId1"/>
   </p:sldMasterIdLst>
   <p:sldIdLst>
-    <p:sldId id="256" r:id="rId2"/>
+    <p:sldId id="257" r:id="rId2"/>
+    <p:sldId id="261" r:id="rId3"/>
+    <p:sldId id="256" r:id="rId4"/>
+    <p:sldId id="260" r:id="rId5"/>
+    <p:sldId id="258" r:id="rId6"/>
+    <p:sldId id="259" r:id="rId7"/>
+    <p:sldId id="262" r:id="rId8"/>
+    <p:sldId id="264" r:id="rId9"/>
+    <p:sldId id="263" r:id="rId10"/>
   </p:sldIdLst>
   <p:sldSz cx="12192000" cy="6858000"/>
   <p:notesSz cx="6858000" cy="9144000"/>
@@ -3321,10 +3329,8003 @@
           <a:chExt cx="0" cy="0"/>
         </a:xfrm>
       </p:grpSpPr>
+      <p:sp>
+        <p:nvSpPr>
+          <p:cNvPr id="2" name="TextBox 1">
+            <a:extLst>
+              <a:ext uri="{FF2B5EF4-FFF2-40B4-BE49-F238E27FC236}">
+                <a16:creationId xmlns:a16="http://schemas.microsoft.com/office/drawing/2014/main" id="{AF53483D-1A80-C107-D3AB-6901351F1D3F}"/>
+              </a:ext>
+            </a:extLst>
+          </p:cNvPr>
+          <p:cNvSpPr txBox="1"/>
+          <p:nvPr/>
+        </p:nvSpPr>
+        <p:spPr>
+          <a:xfrm>
+            <a:off x="10388600" y="6596390"/>
+            <a:ext cx="1803400" cy="261610"/>
+          </a:xfrm>
+          <a:prstGeom prst="rect">
+            <a:avLst/>
+          </a:prstGeom>
+          <a:noFill/>
+        </p:spPr>
+        <p:txBody>
+          <a:bodyPr wrap="square" rtlCol="0">
+            <a:spAutoFit/>
+          </a:bodyPr>
+          <a:lstStyle/>
+          <a:p>
+            <a:pPr algn="r"/>
+            <a:r>
+              <a:rPr lang="en-US" altLang="ko-KR" sz="1100" dirty="0"/>
+              <a:t>Kim0lil/80700</a:t>
+            </a:r>
+            <a:endParaRPr lang="ko-KR" altLang="en-US" sz="1100" dirty="0"/>
+          </a:p>
+        </p:txBody>
+      </p:sp>
+      <p:grpSp>
+        <p:nvGrpSpPr>
+          <p:cNvPr id="40" name="그룹 39">
+            <a:extLst>
+              <a:ext uri="{FF2B5EF4-FFF2-40B4-BE49-F238E27FC236}">
+                <a16:creationId xmlns:a16="http://schemas.microsoft.com/office/drawing/2014/main" id="{5C1CAB90-CAE0-87C3-653A-9B3DEA009B99}"/>
+              </a:ext>
+            </a:extLst>
+          </p:cNvPr>
+          <p:cNvGrpSpPr/>
+          <p:nvPr/>
+        </p:nvGrpSpPr>
+        <p:grpSpPr>
+          <a:xfrm>
+            <a:off x="384312" y="309829"/>
+            <a:ext cx="11343862" cy="6064467"/>
+            <a:chOff x="384312" y="309829"/>
+            <a:chExt cx="11343862" cy="6064467"/>
+          </a:xfrm>
+        </p:grpSpPr>
+        <p:sp>
+          <p:nvSpPr>
+            <p:cNvPr id="41" name="직사각형 40">
+              <a:extLst>
+                <a:ext uri="{FF2B5EF4-FFF2-40B4-BE49-F238E27FC236}">
+                  <a16:creationId xmlns:a16="http://schemas.microsoft.com/office/drawing/2014/main" id="{6AD5E3CF-9857-569B-DD05-DB7A71664C42}"/>
+                </a:ext>
+              </a:extLst>
+            </p:cNvPr>
+            <p:cNvSpPr/>
+            <p:nvPr/>
+          </p:nvSpPr>
+          <p:spPr>
+            <a:xfrm>
+              <a:off x="384312" y="309829"/>
+              <a:ext cx="11343862" cy="6064467"/>
+            </a:xfrm>
+            <a:prstGeom prst="rect">
+              <a:avLst/>
+            </a:prstGeom>
+            <a:noFill/>
+            <a:ln w="9525" cap="flat" cmpd="sng" algn="ctr">
+              <a:solidFill>
+                <a:schemeClr val="accent1"/>
+              </a:solidFill>
+              <a:prstDash val="solid"/>
+              <a:round/>
+              <a:headEnd type="none" w="med" len="med"/>
+              <a:tailEnd type="none" w="med" len="med"/>
+            </a:ln>
+          </p:spPr>
+          <p:style>
+            <a:lnRef idx="0">
+              <a:scrgbClr r="0" g="0" b="0"/>
+            </a:lnRef>
+            <a:fillRef idx="0">
+              <a:scrgbClr r="0" g="0" b="0"/>
+            </a:fillRef>
+            <a:effectRef idx="0">
+              <a:scrgbClr r="0" g="0" b="0"/>
+            </a:effectRef>
+            <a:fontRef idx="minor">
+              <a:schemeClr val="accent1"/>
+            </a:fontRef>
+          </p:style>
+          <p:txBody>
+            <a:bodyPr rtlCol="0" anchor="ctr"/>
+            <a:lstStyle/>
+            <a:p>
+              <a:pPr algn="ctr"/>
+              <a:endParaRPr lang="en-US" altLang="ko-KR" b="0" dirty="0">
+                <a:solidFill>
+                  <a:srgbClr val="D4D4D4"/>
+                </a:solidFill>
+                <a:effectLst/>
+                <a:latin typeface="Consolas" panose="020B0609020204030204" pitchFamily="49" charset="0"/>
+              </a:endParaRPr>
+            </a:p>
+          </p:txBody>
+        </p:sp>
+        <p:sp>
+          <p:nvSpPr>
+            <p:cNvPr id="42" name="직사각형 41">
+              <a:extLst>
+                <a:ext uri="{FF2B5EF4-FFF2-40B4-BE49-F238E27FC236}">
+                  <a16:creationId xmlns:a16="http://schemas.microsoft.com/office/drawing/2014/main" id="{8F1F0AC0-AC99-E2BA-CC03-392ECE165274}"/>
+                </a:ext>
+              </a:extLst>
+            </p:cNvPr>
+            <p:cNvSpPr/>
+            <p:nvPr/>
+          </p:nvSpPr>
+          <p:spPr>
+            <a:xfrm>
+              <a:off x="536713" y="462230"/>
+              <a:ext cx="2802836" cy="5753040"/>
+            </a:xfrm>
+            <a:prstGeom prst="rect">
+              <a:avLst/>
+            </a:prstGeom>
+            <a:solidFill>
+              <a:schemeClr val="tx1">
+                <a:lumMod val="75000"/>
+                <a:lumOff val="25000"/>
+              </a:schemeClr>
+            </a:solidFill>
+            <a:ln w="9525" cap="flat" cmpd="sng" algn="ctr">
+              <a:solidFill>
+                <a:schemeClr val="accent1"/>
+              </a:solidFill>
+              <a:prstDash val="solid"/>
+              <a:round/>
+              <a:headEnd type="none" w="med" len="med"/>
+              <a:tailEnd type="none" w="med" len="med"/>
+            </a:ln>
+          </p:spPr>
+          <p:style>
+            <a:lnRef idx="0">
+              <a:scrgbClr r="0" g="0" b="0"/>
+            </a:lnRef>
+            <a:fillRef idx="0">
+              <a:scrgbClr r="0" g="0" b="0"/>
+            </a:fillRef>
+            <a:effectRef idx="0">
+              <a:scrgbClr r="0" g="0" b="0"/>
+            </a:effectRef>
+            <a:fontRef idx="minor">
+              <a:schemeClr val="accent1"/>
+            </a:fontRef>
+          </p:style>
+          <p:txBody>
+            <a:bodyPr rtlCol="0" anchor="b"/>
+            <a:lstStyle/>
+            <a:p>
+              <a:pPr algn="ctr"/>
+              <a:r>
+                <a:rPr lang="en-US" altLang="ko-KR" b="1" dirty="0">
+                  <a:solidFill>
+                    <a:schemeClr val="bg1"/>
+                  </a:solidFill>
+                  <a:effectLst/>
+                  <a:latin typeface="Consolas" panose="020B0609020204030204" pitchFamily="49" charset="0"/>
+                </a:rPr>
+                <a:t>Node </a:t>
+              </a:r>
+              <a:r>
+                <a:rPr lang="en-US" altLang="ko-KR" b="1" dirty="0">
+                  <a:solidFill>
+                    <a:schemeClr val="bg1">
+                      <a:lumMod val="65000"/>
+                    </a:schemeClr>
+                  </a:solidFill>
+                  <a:effectLst/>
+                  <a:latin typeface="Consolas" panose="020B0609020204030204" pitchFamily="49" charset="0"/>
+                </a:rPr>
+                <a:t>(Master)</a:t>
+              </a:r>
+            </a:p>
+            <a:p>
+              <a:pPr algn="ctr"/>
+              <a:endParaRPr lang="en-US" altLang="ko-KR" b="0" dirty="0">
+                <a:solidFill>
+                  <a:schemeClr val="bg1">
+                    <a:lumMod val="65000"/>
+                  </a:schemeClr>
+                </a:solidFill>
+                <a:effectLst/>
+                <a:latin typeface="Consolas" panose="020B0609020204030204" pitchFamily="49" charset="0"/>
+              </a:endParaRPr>
+            </a:p>
+          </p:txBody>
+        </p:sp>
+        <p:sp>
+          <p:nvSpPr>
+            <p:cNvPr id="43" name="직사각형 42">
+              <a:extLst>
+                <a:ext uri="{FF2B5EF4-FFF2-40B4-BE49-F238E27FC236}">
+                  <a16:creationId xmlns:a16="http://schemas.microsoft.com/office/drawing/2014/main" id="{9CDB818A-E95B-1E1F-AFEA-50FF85F64575}"/>
+                </a:ext>
+              </a:extLst>
+            </p:cNvPr>
+            <p:cNvSpPr/>
+            <p:nvPr/>
+          </p:nvSpPr>
+          <p:spPr>
+            <a:xfrm>
+              <a:off x="3644347" y="462230"/>
+              <a:ext cx="2802836" cy="5753040"/>
+            </a:xfrm>
+            <a:prstGeom prst="rect">
+              <a:avLst/>
+            </a:prstGeom>
+            <a:solidFill>
+              <a:schemeClr val="tx1">
+                <a:lumMod val="75000"/>
+                <a:lumOff val="25000"/>
+              </a:schemeClr>
+            </a:solidFill>
+            <a:ln w="9525" cap="flat" cmpd="sng" algn="ctr">
+              <a:solidFill>
+                <a:schemeClr val="accent1"/>
+              </a:solidFill>
+              <a:prstDash val="solid"/>
+              <a:round/>
+              <a:headEnd type="none" w="med" len="med"/>
+              <a:tailEnd type="none" w="med" len="med"/>
+            </a:ln>
+          </p:spPr>
+          <p:style>
+            <a:lnRef idx="0">
+              <a:scrgbClr r="0" g="0" b="0"/>
+            </a:lnRef>
+            <a:fillRef idx="0">
+              <a:scrgbClr r="0" g="0" b="0"/>
+            </a:fillRef>
+            <a:effectRef idx="0">
+              <a:scrgbClr r="0" g="0" b="0"/>
+            </a:effectRef>
+            <a:fontRef idx="minor">
+              <a:schemeClr val="accent1"/>
+            </a:fontRef>
+          </p:style>
+          <p:txBody>
+            <a:bodyPr rtlCol="0" anchor="b"/>
+            <a:lstStyle/>
+            <a:p>
+              <a:pPr algn="ctr"/>
+              <a:r>
+                <a:rPr lang="en-US" altLang="ko-KR" b="1" dirty="0">
+                  <a:solidFill>
+                    <a:schemeClr val="bg1"/>
+                  </a:solidFill>
+                  <a:effectLst/>
+                  <a:latin typeface="Consolas" panose="020B0609020204030204" pitchFamily="49" charset="0"/>
+                </a:rPr>
+                <a:t>Node </a:t>
+              </a:r>
+              <a:r>
+                <a:rPr lang="en-US" altLang="ko-KR" b="1" dirty="0">
+                  <a:solidFill>
+                    <a:schemeClr val="bg1">
+                      <a:lumMod val="65000"/>
+                    </a:schemeClr>
+                  </a:solidFill>
+                  <a:effectLst/>
+                  <a:latin typeface="Consolas" panose="020B0609020204030204" pitchFamily="49" charset="0"/>
+                </a:rPr>
+                <a:t>(</a:t>
+              </a:r>
+              <a:r>
+                <a:rPr lang="en-US" altLang="ko-KR" b="1" dirty="0">
+                  <a:solidFill>
+                    <a:srgbClr val="0070C0"/>
+                  </a:solidFill>
+                  <a:effectLst/>
+                  <a:latin typeface="Consolas" panose="020B0609020204030204" pitchFamily="49" charset="0"/>
+                </a:rPr>
+                <a:t>Slave</a:t>
+              </a:r>
+              <a:r>
+                <a:rPr lang="en-US" altLang="ko-KR" b="1" dirty="0">
+                  <a:solidFill>
+                    <a:schemeClr val="bg1">
+                      <a:lumMod val="65000"/>
+                    </a:schemeClr>
+                  </a:solidFill>
+                  <a:effectLst/>
+                  <a:latin typeface="Consolas" panose="020B0609020204030204" pitchFamily="49" charset="0"/>
+                </a:rPr>
+                <a:t>)</a:t>
+              </a:r>
+            </a:p>
+            <a:p>
+              <a:pPr algn="ctr"/>
+              <a:endParaRPr lang="en-US" altLang="ko-KR" b="0" dirty="0">
+                <a:solidFill>
+                  <a:schemeClr val="bg1">
+                    <a:lumMod val="65000"/>
+                  </a:schemeClr>
+                </a:solidFill>
+                <a:effectLst/>
+                <a:latin typeface="Consolas" panose="020B0609020204030204" pitchFamily="49" charset="0"/>
+              </a:endParaRPr>
+            </a:p>
+          </p:txBody>
+        </p:sp>
+        <p:sp>
+          <p:nvSpPr>
+            <p:cNvPr id="44" name="직사각형 43">
+              <a:extLst>
+                <a:ext uri="{FF2B5EF4-FFF2-40B4-BE49-F238E27FC236}">
+                  <a16:creationId xmlns:a16="http://schemas.microsoft.com/office/drawing/2014/main" id="{86655A8F-9C24-D955-8ABD-5FC82A0B0B83}"/>
+                </a:ext>
+              </a:extLst>
+            </p:cNvPr>
+            <p:cNvSpPr/>
+            <p:nvPr/>
+          </p:nvSpPr>
+          <p:spPr>
+            <a:xfrm>
+              <a:off x="6751981" y="462230"/>
+              <a:ext cx="2802836" cy="5753040"/>
+            </a:xfrm>
+            <a:prstGeom prst="rect">
+              <a:avLst/>
+            </a:prstGeom>
+            <a:solidFill>
+              <a:schemeClr val="tx1">
+                <a:lumMod val="75000"/>
+                <a:lumOff val="25000"/>
+              </a:schemeClr>
+            </a:solidFill>
+            <a:ln w="9525" cap="flat" cmpd="sng" algn="ctr">
+              <a:solidFill>
+                <a:schemeClr val="accent1"/>
+              </a:solidFill>
+              <a:prstDash val="solid"/>
+              <a:round/>
+              <a:headEnd type="none" w="med" len="med"/>
+              <a:tailEnd type="none" w="med" len="med"/>
+            </a:ln>
+          </p:spPr>
+          <p:style>
+            <a:lnRef idx="0">
+              <a:scrgbClr r="0" g="0" b="0"/>
+            </a:lnRef>
+            <a:fillRef idx="0">
+              <a:scrgbClr r="0" g="0" b="0"/>
+            </a:fillRef>
+            <a:effectRef idx="0">
+              <a:scrgbClr r="0" g="0" b="0"/>
+            </a:effectRef>
+            <a:fontRef idx="minor">
+              <a:schemeClr val="accent1"/>
+            </a:fontRef>
+          </p:style>
+          <p:txBody>
+            <a:bodyPr rtlCol="0" anchor="b"/>
+            <a:lstStyle/>
+            <a:p>
+              <a:pPr algn="ctr"/>
+              <a:r>
+                <a:rPr lang="en-US" altLang="ko-KR" b="1" dirty="0">
+                  <a:solidFill>
+                    <a:schemeClr val="bg1"/>
+                  </a:solidFill>
+                  <a:effectLst/>
+                  <a:latin typeface="Consolas" panose="020B0609020204030204" pitchFamily="49" charset="0"/>
+                </a:rPr>
+                <a:t>Node </a:t>
+              </a:r>
+              <a:r>
+                <a:rPr lang="en-US" altLang="ko-KR" b="1" dirty="0">
+                  <a:solidFill>
+                    <a:schemeClr val="bg1">
+                      <a:lumMod val="65000"/>
+                    </a:schemeClr>
+                  </a:solidFill>
+                  <a:effectLst/>
+                  <a:latin typeface="Consolas" panose="020B0609020204030204" pitchFamily="49" charset="0"/>
+                </a:rPr>
+                <a:t>(</a:t>
+              </a:r>
+              <a:r>
+                <a:rPr lang="en-US" altLang="ko-KR" b="1" dirty="0">
+                  <a:solidFill>
+                    <a:srgbClr val="0070C0"/>
+                  </a:solidFill>
+                  <a:effectLst/>
+                  <a:latin typeface="Consolas" panose="020B0609020204030204" pitchFamily="49" charset="0"/>
+                </a:rPr>
+                <a:t>Slave</a:t>
+              </a:r>
+              <a:r>
+                <a:rPr lang="en-US" altLang="ko-KR" b="1" dirty="0">
+                  <a:solidFill>
+                    <a:schemeClr val="bg1">
+                      <a:lumMod val="65000"/>
+                    </a:schemeClr>
+                  </a:solidFill>
+                  <a:effectLst/>
+                  <a:latin typeface="Consolas" panose="020B0609020204030204" pitchFamily="49" charset="0"/>
+                </a:rPr>
+                <a:t>)</a:t>
+              </a:r>
+            </a:p>
+            <a:p>
+              <a:pPr algn="ctr"/>
+              <a:endParaRPr lang="en-US" altLang="ko-KR" b="0" dirty="0">
+                <a:solidFill>
+                  <a:schemeClr val="bg1">
+                    <a:lumMod val="65000"/>
+                  </a:schemeClr>
+                </a:solidFill>
+                <a:effectLst/>
+                <a:latin typeface="Consolas" panose="020B0609020204030204" pitchFamily="49" charset="0"/>
+              </a:endParaRPr>
+            </a:p>
+          </p:txBody>
+        </p:sp>
+        <p:sp>
+          <p:nvSpPr>
+            <p:cNvPr id="45" name="직사각형 44">
+              <a:extLst>
+                <a:ext uri="{FF2B5EF4-FFF2-40B4-BE49-F238E27FC236}">
+                  <a16:creationId xmlns:a16="http://schemas.microsoft.com/office/drawing/2014/main" id="{1D6CE72C-C66A-C5EE-3C25-9C0D013A11C5}"/>
+                </a:ext>
+              </a:extLst>
+            </p:cNvPr>
+            <p:cNvSpPr/>
+            <p:nvPr/>
+          </p:nvSpPr>
+          <p:spPr>
+            <a:xfrm>
+              <a:off x="9859615" y="309829"/>
+              <a:ext cx="1577009" cy="6064467"/>
+            </a:xfrm>
+            <a:prstGeom prst="rect">
+              <a:avLst/>
+            </a:prstGeom>
+            <a:noFill/>
+            <a:ln w="9525" cap="flat" cmpd="sng" algn="ctr">
+              <a:noFill/>
+              <a:prstDash val="solid"/>
+              <a:round/>
+              <a:headEnd type="none" w="med" len="med"/>
+              <a:tailEnd type="none" w="med" len="med"/>
+            </a:ln>
+          </p:spPr>
+          <p:style>
+            <a:lnRef idx="0">
+              <a:scrgbClr r="0" g="0" b="0"/>
+            </a:lnRef>
+            <a:fillRef idx="0">
+              <a:scrgbClr r="0" g="0" b="0"/>
+            </a:fillRef>
+            <a:effectRef idx="0">
+              <a:scrgbClr r="0" g="0" b="0"/>
+            </a:effectRef>
+            <a:fontRef idx="minor">
+              <a:schemeClr val="accent1"/>
+            </a:fontRef>
+          </p:style>
+          <p:txBody>
+            <a:bodyPr rtlCol="0" anchor="ctr"/>
+            <a:lstStyle/>
+            <a:p>
+              <a:pPr algn="ctr"/>
+              <a:r>
+                <a:rPr lang="en-US" altLang="ko-KR" b="1" dirty="0">
+                  <a:solidFill>
+                    <a:srgbClr val="569CD6"/>
+                  </a:solidFill>
+                  <a:effectLst/>
+                  <a:latin typeface="Consolas" panose="020B0609020204030204" pitchFamily="49" charset="0"/>
+                </a:rPr>
+                <a:t>Kubernetes</a:t>
+              </a:r>
+              <a:endParaRPr lang="en-US" altLang="ko-KR" b="0" dirty="0">
+                <a:solidFill>
+                  <a:srgbClr val="D4D4D4"/>
+                </a:solidFill>
+                <a:effectLst/>
+                <a:latin typeface="Consolas" panose="020B0609020204030204" pitchFamily="49" charset="0"/>
+              </a:endParaRPr>
+            </a:p>
+          </p:txBody>
+        </p:sp>
+        <p:sp>
+          <p:nvSpPr>
+            <p:cNvPr id="46" name="직사각형 45">
+              <a:extLst>
+                <a:ext uri="{FF2B5EF4-FFF2-40B4-BE49-F238E27FC236}">
+                  <a16:creationId xmlns:a16="http://schemas.microsoft.com/office/drawing/2014/main" id="{AE6AC566-0671-8A17-7555-030E4C5A40C1}"/>
+                </a:ext>
+              </a:extLst>
+            </p:cNvPr>
+            <p:cNvSpPr/>
+            <p:nvPr/>
+          </p:nvSpPr>
+          <p:spPr>
+            <a:xfrm>
+              <a:off x="732184" y="1810635"/>
+              <a:ext cx="2411894" cy="1013792"/>
+            </a:xfrm>
+            <a:prstGeom prst="rect">
+              <a:avLst/>
+            </a:prstGeom>
+            <a:solidFill>
+              <a:schemeClr val="accent1">
+                <a:lumMod val="75000"/>
+              </a:schemeClr>
+            </a:solidFill>
+            <a:ln w="9525" cap="flat" cmpd="sng" algn="ctr">
+              <a:solidFill>
+                <a:schemeClr val="accent1"/>
+              </a:solidFill>
+              <a:prstDash val="solid"/>
+              <a:round/>
+              <a:headEnd type="none" w="med" len="med"/>
+              <a:tailEnd type="none" w="med" len="med"/>
+            </a:ln>
+          </p:spPr>
+          <p:style>
+            <a:lnRef idx="0">
+              <a:scrgbClr r="0" g="0" b="0"/>
+            </a:lnRef>
+            <a:fillRef idx="0">
+              <a:scrgbClr r="0" g="0" b="0"/>
+            </a:fillRef>
+            <a:effectRef idx="0">
+              <a:scrgbClr r="0" g="0" b="0"/>
+            </a:effectRef>
+            <a:fontRef idx="minor">
+              <a:schemeClr val="accent1"/>
+            </a:fontRef>
+          </p:style>
+          <p:txBody>
+            <a:bodyPr rtlCol="0" anchor="ctr"/>
+            <a:lstStyle/>
+            <a:p>
+              <a:pPr algn="ctr"/>
+              <a:r>
+                <a:rPr lang="en-US" altLang="ko-KR" b="1" dirty="0">
+                  <a:solidFill>
+                    <a:schemeClr val="bg1"/>
+                  </a:solidFill>
+                  <a:effectLst/>
+                  <a:latin typeface="Consolas" panose="020B0609020204030204" pitchFamily="49" charset="0"/>
+                </a:rPr>
+                <a:t>Pod</a:t>
+              </a:r>
+              <a:endParaRPr lang="en-US" altLang="ko-KR" b="0" dirty="0">
+                <a:solidFill>
+                  <a:schemeClr val="bg1">
+                    <a:lumMod val="65000"/>
+                  </a:schemeClr>
+                </a:solidFill>
+                <a:effectLst/>
+                <a:latin typeface="Consolas" panose="020B0609020204030204" pitchFamily="49" charset="0"/>
+              </a:endParaRPr>
+            </a:p>
+          </p:txBody>
+        </p:sp>
+        <p:sp>
+          <p:nvSpPr>
+            <p:cNvPr id="47" name="직사각형 46">
+              <a:extLst>
+                <a:ext uri="{FF2B5EF4-FFF2-40B4-BE49-F238E27FC236}">
+                  <a16:creationId xmlns:a16="http://schemas.microsoft.com/office/drawing/2014/main" id="{F75AE1F8-3A68-98C9-8FD2-E74140024F2F}"/>
+                </a:ext>
+              </a:extLst>
+            </p:cNvPr>
+            <p:cNvSpPr/>
+            <p:nvPr/>
+          </p:nvSpPr>
+          <p:spPr>
+            <a:xfrm>
+              <a:off x="6947452" y="1810635"/>
+              <a:ext cx="2411894" cy="1013792"/>
+            </a:xfrm>
+            <a:prstGeom prst="rect">
+              <a:avLst/>
+            </a:prstGeom>
+            <a:solidFill>
+              <a:schemeClr val="accent1">
+                <a:lumMod val="75000"/>
+              </a:schemeClr>
+            </a:solidFill>
+            <a:ln w="9525" cap="flat" cmpd="sng" algn="ctr">
+              <a:solidFill>
+                <a:schemeClr val="accent1"/>
+              </a:solidFill>
+              <a:prstDash val="solid"/>
+              <a:round/>
+              <a:headEnd type="none" w="med" len="med"/>
+              <a:tailEnd type="none" w="med" len="med"/>
+            </a:ln>
+          </p:spPr>
+          <p:style>
+            <a:lnRef idx="0">
+              <a:scrgbClr r="0" g="0" b="0"/>
+            </a:lnRef>
+            <a:fillRef idx="0">
+              <a:scrgbClr r="0" g="0" b="0"/>
+            </a:fillRef>
+            <a:effectRef idx="0">
+              <a:scrgbClr r="0" g="0" b="0"/>
+            </a:effectRef>
+            <a:fontRef idx="minor">
+              <a:schemeClr val="accent1"/>
+            </a:fontRef>
+          </p:style>
+          <p:txBody>
+            <a:bodyPr rtlCol="0" anchor="ctr"/>
+            <a:lstStyle/>
+            <a:p>
+              <a:pPr algn="ctr"/>
+              <a:r>
+                <a:rPr lang="en-US" altLang="ko-KR" b="1" dirty="0">
+                  <a:solidFill>
+                    <a:schemeClr val="bg1"/>
+                  </a:solidFill>
+                  <a:effectLst/>
+                  <a:latin typeface="Consolas" panose="020B0609020204030204" pitchFamily="49" charset="0"/>
+                </a:rPr>
+                <a:t>Pod</a:t>
+              </a:r>
+              <a:endParaRPr lang="en-US" altLang="ko-KR" b="0" dirty="0">
+                <a:solidFill>
+                  <a:schemeClr val="bg1">
+                    <a:lumMod val="65000"/>
+                  </a:schemeClr>
+                </a:solidFill>
+                <a:effectLst/>
+                <a:latin typeface="Consolas" panose="020B0609020204030204" pitchFamily="49" charset="0"/>
+              </a:endParaRPr>
+            </a:p>
+          </p:txBody>
+        </p:sp>
+        <p:sp>
+          <p:nvSpPr>
+            <p:cNvPr id="48" name="직사각형 47">
+              <a:extLst>
+                <a:ext uri="{FF2B5EF4-FFF2-40B4-BE49-F238E27FC236}">
+                  <a16:creationId xmlns:a16="http://schemas.microsoft.com/office/drawing/2014/main" id="{11A4B13D-EC2D-4996-9A8C-CC3EE730691A}"/>
+                </a:ext>
+              </a:extLst>
+            </p:cNvPr>
+            <p:cNvSpPr/>
+            <p:nvPr/>
+          </p:nvSpPr>
+          <p:spPr>
+            <a:xfrm>
+              <a:off x="732184" y="639534"/>
+              <a:ext cx="2411894" cy="1013792"/>
+            </a:xfrm>
+            <a:prstGeom prst="rect">
+              <a:avLst/>
+            </a:prstGeom>
+            <a:solidFill>
+              <a:schemeClr val="accent1">
+                <a:lumMod val="75000"/>
+              </a:schemeClr>
+            </a:solidFill>
+            <a:ln w="9525" cap="flat" cmpd="sng" algn="ctr">
+              <a:solidFill>
+                <a:schemeClr val="accent1"/>
+              </a:solidFill>
+              <a:prstDash val="solid"/>
+              <a:round/>
+              <a:headEnd type="none" w="med" len="med"/>
+              <a:tailEnd type="none" w="med" len="med"/>
+            </a:ln>
+          </p:spPr>
+          <p:style>
+            <a:lnRef idx="0">
+              <a:scrgbClr r="0" g="0" b="0"/>
+            </a:lnRef>
+            <a:fillRef idx="0">
+              <a:scrgbClr r="0" g="0" b="0"/>
+            </a:fillRef>
+            <a:effectRef idx="0">
+              <a:scrgbClr r="0" g="0" b="0"/>
+            </a:effectRef>
+            <a:fontRef idx="minor">
+              <a:schemeClr val="accent1"/>
+            </a:fontRef>
+          </p:style>
+          <p:txBody>
+            <a:bodyPr rtlCol="0" anchor="ctr"/>
+            <a:lstStyle/>
+            <a:p>
+              <a:pPr algn="ctr"/>
+              <a:r>
+                <a:rPr lang="en-US" altLang="ko-KR" b="1" dirty="0">
+                  <a:solidFill>
+                    <a:schemeClr val="bg1"/>
+                  </a:solidFill>
+                  <a:effectLst/>
+                  <a:latin typeface="Consolas" panose="020B0609020204030204" pitchFamily="49" charset="0"/>
+                </a:rPr>
+                <a:t>Pod</a:t>
+              </a:r>
+              <a:endParaRPr lang="en-US" altLang="ko-KR" b="0" dirty="0">
+                <a:solidFill>
+                  <a:schemeClr val="bg1">
+                    <a:lumMod val="65000"/>
+                  </a:schemeClr>
+                </a:solidFill>
+                <a:effectLst/>
+                <a:latin typeface="Consolas" panose="020B0609020204030204" pitchFamily="49" charset="0"/>
+              </a:endParaRPr>
+            </a:p>
+          </p:txBody>
+        </p:sp>
+        <p:sp>
+          <p:nvSpPr>
+            <p:cNvPr id="49" name="직사각형 48">
+              <a:extLst>
+                <a:ext uri="{FF2B5EF4-FFF2-40B4-BE49-F238E27FC236}">
+                  <a16:creationId xmlns:a16="http://schemas.microsoft.com/office/drawing/2014/main" id="{2CCE9009-9DDE-1738-14D2-4C953C7F79A8}"/>
+                </a:ext>
+              </a:extLst>
+            </p:cNvPr>
+            <p:cNvSpPr/>
+            <p:nvPr/>
+          </p:nvSpPr>
+          <p:spPr>
+            <a:xfrm>
+              <a:off x="3839818" y="639534"/>
+              <a:ext cx="2411894" cy="1013792"/>
+            </a:xfrm>
+            <a:prstGeom prst="rect">
+              <a:avLst/>
+            </a:prstGeom>
+            <a:solidFill>
+              <a:schemeClr val="accent1">
+                <a:lumMod val="75000"/>
+              </a:schemeClr>
+            </a:solidFill>
+            <a:ln w="9525" cap="flat" cmpd="sng" algn="ctr">
+              <a:solidFill>
+                <a:schemeClr val="accent1"/>
+              </a:solidFill>
+              <a:prstDash val="solid"/>
+              <a:round/>
+              <a:headEnd type="none" w="med" len="med"/>
+              <a:tailEnd type="none" w="med" len="med"/>
+            </a:ln>
+          </p:spPr>
+          <p:style>
+            <a:lnRef idx="0">
+              <a:scrgbClr r="0" g="0" b="0"/>
+            </a:lnRef>
+            <a:fillRef idx="0">
+              <a:scrgbClr r="0" g="0" b="0"/>
+            </a:fillRef>
+            <a:effectRef idx="0">
+              <a:scrgbClr r="0" g="0" b="0"/>
+            </a:effectRef>
+            <a:fontRef idx="minor">
+              <a:schemeClr val="accent1"/>
+            </a:fontRef>
+          </p:style>
+          <p:txBody>
+            <a:bodyPr rtlCol="0" anchor="ctr"/>
+            <a:lstStyle/>
+            <a:p>
+              <a:pPr algn="ctr"/>
+              <a:r>
+                <a:rPr lang="en-US" altLang="ko-KR" b="1" dirty="0">
+                  <a:solidFill>
+                    <a:schemeClr val="bg1"/>
+                  </a:solidFill>
+                  <a:effectLst/>
+                  <a:latin typeface="Consolas" panose="020B0609020204030204" pitchFamily="49" charset="0"/>
+                </a:rPr>
+                <a:t>Pod</a:t>
+              </a:r>
+              <a:endParaRPr lang="en-US" altLang="ko-KR" b="0" dirty="0">
+                <a:solidFill>
+                  <a:schemeClr val="bg1">
+                    <a:lumMod val="65000"/>
+                  </a:schemeClr>
+                </a:solidFill>
+                <a:effectLst/>
+                <a:latin typeface="Consolas" panose="020B0609020204030204" pitchFamily="49" charset="0"/>
+              </a:endParaRPr>
+            </a:p>
+          </p:txBody>
+        </p:sp>
+        <p:sp>
+          <p:nvSpPr>
+            <p:cNvPr id="50" name="직사각형 49">
+              <a:extLst>
+                <a:ext uri="{FF2B5EF4-FFF2-40B4-BE49-F238E27FC236}">
+                  <a16:creationId xmlns:a16="http://schemas.microsoft.com/office/drawing/2014/main" id="{2CE8BBFB-A567-9D64-4FA5-81E066B3DDB6}"/>
+                </a:ext>
+              </a:extLst>
+            </p:cNvPr>
+            <p:cNvSpPr/>
+            <p:nvPr/>
+          </p:nvSpPr>
+          <p:spPr>
+            <a:xfrm>
+              <a:off x="6947452" y="639534"/>
+              <a:ext cx="2411894" cy="1013792"/>
+            </a:xfrm>
+            <a:prstGeom prst="rect">
+              <a:avLst/>
+            </a:prstGeom>
+            <a:solidFill>
+              <a:schemeClr val="accent1">
+                <a:lumMod val="75000"/>
+              </a:schemeClr>
+            </a:solidFill>
+            <a:ln w="9525" cap="flat" cmpd="sng" algn="ctr">
+              <a:solidFill>
+                <a:schemeClr val="accent1"/>
+              </a:solidFill>
+              <a:prstDash val="solid"/>
+              <a:round/>
+              <a:headEnd type="none" w="med" len="med"/>
+              <a:tailEnd type="none" w="med" len="med"/>
+            </a:ln>
+          </p:spPr>
+          <p:style>
+            <a:lnRef idx="0">
+              <a:scrgbClr r="0" g="0" b="0"/>
+            </a:lnRef>
+            <a:fillRef idx="0">
+              <a:scrgbClr r="0" g="0" b="0"/>
+            </a:fillRef>
+            <a:effectRef idx="0">
+              <a:scrgbClr r="0" g="0" b="0"/>
+            </a:effectRef>
+            <a:fontRef idx="minor">
+              <a:schemeClr val="accent1"/>
+            </a:fontRef>
+          </p:style>
+          <p:txBody>
+            <a:bodyPr rtlCol="0" anchor="ctr"/>
+            <a:lstStyle/>
+            <a:p>
+              <a:pPr algn="ctr"/>
+              <a:r>
+                <a:rPr lang="en-US" altLang="ko-KR" b="1" dirty="0">
+                  <a:solidFill>
+                    <a:schemeClr val="bg1"/>
+                  </a:solidFill>
+                  <a:effectLst/>
+                  <a:latin typeface="Consolas" panose="020B0609020204030204" pitchFamily="49" charset="0"/>
+                </a:rPr>
+                <a:t>Pod</a:t>
+              </a:r>
+              <a:endParaRPr lang="en-US" altLang="ko-KR" b="0" dirty="0">
+                <a:solidFill>
+                  <a:schemeClr val="bg1">
+                    <a:lumMod val="65000"/>
+                  </a:schemeClr>
+                </a:solidFill>
+                <a:effectLst/>
+                <a:latin typeface="Consolas" panose="020B0609020204030204" pitchFamily="49" charset="0"/>
+              </a:endParaRPr>
+            </a:p>
+          </p:txBody>
+        </p:sp>
+      </p:grpSp>
+    </p:spTree>
+    <p:extLst>
+      <p:ext uri="{BB962C8B-B14F-4D97-AF65-F5344CB8AC3E}">
+        <p14:creationId xmlns:p14="http://schemas.microsoft.com/office/powerpoint/2010/main" val="1180181073"/>
+      </p:ext>
+    </p:extLst>
+  </p:cSld>
+  <p:clrMapOvr>
+    <a:masterClrMapping/>
+  </p:clrMapOvr>
+</p:sld>
+</file>
+
+<file path=ppt/slides/slide2.xml><?xml version="1.0" encoding="utf-8"?>
+<p:sld xmlns:a="http://schemas.openxmlformats.org/drawingml/2006/main" xmlns:r="http://schemas.openxmlformats.org/officeDocument/2006/relationships" xmlns:p="http://schemas.openxmlformats.org/presentationml/2006/main">
+  <p:cSld>
+    <p:spTree>
+      <p:nvGrpSpPr>
+        <p:cNvPr id="1" name=""/>
+        <p:cNvGrpSpPr/>
+        <p:nvPr/>
+      </p:nvGrpSpPr>
+      <p:grpSpPr>
+        <a:xfrm>
+          <a:off x="0" y="0"/>
+          <a:ext cx="0" cy="0"/>
+          <a:chOff x="0" y="0"/>
+          <a:chExt cx="0" cy="0"/>
+        </a:xfrm>
+      </p:grpSpPr>
+      <p:sp>
+        <p:nvSpPr>
+          <p:cNvPr id="18" name="TextBox 17">
+            <a:extLst>
+              <a:ext uri="{FF2B5EF4-FFF2-40B4-BE49-F238E27FC236}">
+                <a16:creationId xmlns:a16="http://schemas.microsoft.com/office/drawing/2014/main" id="{0011D05C-B3CD-1012-4321-96D7A890E309}"/>
+              </a:ext>
+            </a:extLst>
+          </p:cNvPr>
+          <p:cNvSpPr txBox="1"/>
+          <p:nvPr/>
+        </p:nvSpPr>
+        <p:spPr>
+          <a:xfrm>
+            <a:off x="10388600" y="6596390"/>
+            <a:ext cx="1803400" cy="261610"/>
+          </a:xfrm>
+          <a:prstGeom prst="rect">
+            <a:avLst/>
+          </a:prstGeom>
+          <a:noFill/>
+        </p:spPr>
+        <p:txBody>
+          <a:bodyPr wrap="square" rtlCol="0">
+            <a:spAutoFit/>
+          </a:bodyPr>
+          <a:lstStyle/>
+          <a:p>
+            <a:pPr algn="r"/>
+            <a:r>
+              <a:rPr lang="en-US" altLang="ko-KR" sz="1100" dirty="0"/>
+              <a:t>Kim0lil/80700</a:t>
+            </a:r>
+            <a:endParaRPr lang="ko-KR" altLang="en-US" sz="1100" dirty="0"/>
+          </a:p>
+        </p:txBody>
+      </p:sp>
+      <p:grpSp>
+        <p:nvGrpSpPr>
+          <p:cNvPr id="69" name="그룹 68">
+            <a:extLst>
+              <a:ext uri="{FF2B5EF4-FFF2-40B4-BE49-F238E27FC236}">
+                <a16:creationId xmlns:a16="http://schemas.microsoft.com/office/drawing/2014/main" id="{2C78162B-590E-927B-05DF-7943E5F454DC}"/>
+              </a:ext>
+            </a:extLst>
+          </p:cNvPr>
+          <p:cNvGrpSpPr/>
+          <p:nvPr/>
+        </p:nvGrpSpPr>
+        <p:grpSpPr>
+          <a:xfrm>
+            <a:off x="384312" y="309829"/>
+            <a:ext cx="11343862" cy="6064467"/>
+            <a:chOff x="384312" y="309829"/>
+            <a:chExt cx="11343862" cy="6064467"/>
+          </a:xfrm>
+        </p:grpSpPr>
+        <p:sp>
+          <p:nvSpPr>
+            <p:cNvPr id="20" name="직사각형 19">
+              <a:extLst>
+                <a:ext uri="{FF2B5EF4-FFF2-40B4-BE49-F238E27FC236}">
+                  <a16:creationId xmlns:a16="http://schemas.microsoft.com/office/drawing/2014/main" id="{EDD9939C-A73C-406B-369E-BCDAA559457C}"/>
+                </a:ext>
+              </a:extLst>
+            </p:cNvPr>
+            <p:cNvSpPr/>
+            <p:nvPr/>
+          </p:nvSpPr>
+          <p:spPr>
+            <a:xfrm>
+              <a:off x="384312" y="309829"/>
+              <a:ext cx="11343862" cy="6064467"/>
+            </a:xfrm>
+            <a:prstGeom prst="rect">
+              <a:avLst/>
+            </a:prstGeom>
+            <a:noFill/>
+            <a:ln w="9525" cap="flat" cmpd="sng" algn="ctr">
+              <a:solidFill>
+                <a:schemeClr val="accent1"/>
+              </a:solidFill>
+              <a:prstDash val="solid"/>
+              <a:round/>
+              <a:headEnd type="none" w="med" len="med"/>
+              <a:tailEnd type="none" w="med" len="med"/>
+            </a:ln>
+          </p:spPr>
+          <p:style>
+            <a:lnRef idx="0">
+              <a:scrgbClr r="0" g="0" b="0"/>
+            </a:lnRef>
+            <a:fillRef idx="0">
+              <a:scrgbClr r="0" g="0" b="0"/>
+            </a:fillRef>
+            <a:effectRef idx="0">
+              <a:scrgbClr r="0" g="0" b="0"/>
+            </a:effectRef>
+            <a:fontRef idx="minor">
+              <a:schemeClr val="accent1"/>
+            </a:fontRef>
+          </p:style>
+          <p:txBody>
+            <a:bodyPr rtlCol="0" anchor="ctr"/>
+            <a:lstStyle/>
+            <a:p>
+              <a:pPr algn="ctr"/>
+              <a:endParaRPr lang="en-US" altLang="ko-KR" b="0" dirty="0">
+                <a:solidFill>
+                  <a:srgbClr val="D4D4D4"/>
+                </a:solidFill>
+                <a:effectLst/>
+                <a:latin typeface="Consolas" panose="020B0609020204030204" pitchFamily="49" charset="0"/>
+              </a:endParaRPr>
+            </a:p>
+          </p:txBody>
+        </p:sp>
+        <p:sp>
+          <p:nvSpPr>
+            <p:cNvPr id="21" name="직사각형 20">
+              <a:extLst>
+                <a:ext uri="{FF2B5EF4-FFF2-40B4-BE49-F238E27FC236}">
+                  <a16:creationId xmlns:a16="http://schemas.microsoft.com/office/drawing/2014/main" id="{0FFCCE5F-FA8F-2F1F-E6F4-6A224F7BD3D0}"/>
+                </a:ext>
+              </a:extLst>
+            </p:cNvPr>
+            <p:cNvSpPr/>
+            <p:nvPr/>
+          </p:nvSpPr>
+          <p:spPr>
+            <a:xfrm>
+              <a:off x="536713" y="462230"/>
+              <a:ext cx="2802836" cy="4162779"/>
+            </a:xfrm>
+            <a:prstGeom prst="rect">
+              <a:avLst/>
+            </a:prstGeom>
+            <a:solidFill>
+              <a:schemeClr val="tx1">
+                <a:lumMod val="75000"/>
+                <a:lumOff val="25000"/>
+              </a:schemeClr>
+            </a:solidFill>
+            <a:ln w="9525" cap="flat" cmpd="sng" algn="ctr">
+              <a:solidFill>
+                <a:schemeClr val="accent1"/>
+              </a:solidFill>
+              <a:prstDash val="solid"/>
+              <a:round/>
+              <a:headEnd type="none" w="med" len="med"/>
+              <a:tailEnd type="none" w="med" len="med"/>
+            </a:ln>
+          </p:spPr>
+          <p:style>
+            <a:lnRef idx="0">
+              <a:scrgbClr r="0" g="0" b="0"/>
+            </a:lnRef>
+            <a:fillRef idx="0">
+              <a:scrgbClr r="0" g="0" b="0"/>
+            </a:fillRef>
+            <a:effectRef idx="0">
+              <a:scrgbClr r="0" g="0" b="0"/>
+            </a:effectRef>
+            <a:fontRef idx="minor">
+              <a:schemeClr val="accent1"/>
+            </a:fontRef>
+          </p:style>
+          <p:txBody>
+            <a:bodyPr rtlCol="0" anchor="b"/>
+            <a:lstStyle/>
+            <a:p>
+              <a:pPr algn="ctr"/>
+              <a:r>
+                <a:rPr lang="en-US" altLang="ko-KR" b="1" dirty="0">
+                  <a:solidFill>
+                    <a:schemeClr val="bg1"/>
+                  </a:solidFill>
+                  <a:effectLst/>
+                  <a:latin typeface="Consolas" panose="020B0609020204030204" pitchFamily="49" charset="0"/>
+                </a:rPr>
+                <a:t>Node </a:t>
+              </a:r>
+              <a:r>
+                <a:rPr lang="en-US" altLang="ko-KR" b="1" dirty="0">
+                  <a:solidFill>
+                    <a:schemeClr val="bg1">
+                      <a:lumMod val="65000"/>
+                    </a:schemeClr>
+                  </a:solidFill>
+                  <a:effectLst/>
+                  <a:latin typeface="Consolas" panose="020B0609020204030204" pitchFamily="49" charset="0"/>
+                </a:rPr>
+                <a:t>(Master)</a:t>
+              </a:r>
+            </a:p>
+            <a:p>
+              <a:pPr algn="ctr"/>
+              <a:endParaRPr lang="en-US" altLang="ko-KR" b="0" dirty="0">
+                <a:solidFill>
+                  <a:schemeClr val="bg1">
+                    <a:lumMod val="65000"/>
+                  </a:schemeClr>
+                </a:solidFill>
+                <a:effectLst/>
+                <a:latin typeface="Consolas" panose="020B0609020204030204" pitchFamily="49" charset="0"/>
+              </a:endParaRPr>
+            </a:p>
+          </p:txBody>
+        </p:sp>
+        <p:sp>
+          <p:nvSpPr>
+            <p:cNvPr id="22" name="직사각형 21">
+              <a:extLst>
+                <a:ext uri="{FF2B5EF4-FFF2-40B4-BE49-F238E27FC236}">
+                  <a16:creationId xmlns:a16="http://schemas.microsoft.com/office/drawing/2014/main" id="{76AE2C41-5AAB-63BA-3F0B-040D34E8C1E3}"/>
+                </a:ext>
+              </a:extLst>
+            </p:cNvPr>
+            <p:cNvSpPr/>
+            <p:nvPr/>
+          </p:nvSpPr>
+          <p:spPr>
+            <a:xfrm>
+              <a:off x="3644347" y="462230"/>
+              <a:ext cx="2802836" cy="4162779"/>
+            </a:xfrm>
+            <a:prstGeom prst="rect">
+              <a:avLst/>
+            </a:prstGeom>
+            <a:solidFill>
+              <a:schemeClr val="tx1">
+                <a:lumMod val="75000"/>
+                <a:lumOff val="25000"/>
+              </a:schemeClr>
+            </a:solidFill>
+            <a:ln w="9525" cap="flat" cmpd="sng" algn="ctr">
+              <a:solidFill>
+                <a:schemeClr val="accent1"/>
+              </a:solidFill>
+              <a:prstDash val="solid"/>
+              <a:round/>
+              <a:headEnd type="none" w="med" len="med"/>
+              <a:tailEnd type="none" w="med" len="med"/>
+            </a:ln>
+          </p:spPr>
+          <p:style>
+            <a:lnRef idx="0">
+              <a:scrgbClr r="0" g="0" b="0"/>
+            </a:lnRef>
+            <a:fillRef idx="0">
+              <a:scrgbClr r="0" g="0" b="0"/>
+            </a:fillRef>
+            <a:effectRef idx="0">
+              <a:scrgbClr r="0" g="0" b="0"/>
+            </a:effectRef>
+            <a:fontRef idx="minor">
+              <a:schemeClr val="accent1"/>
+            </a:fontRef>
+          </p:style>
+          <p:txBody>
+            <a:bodyPr rtlCol="0" anchor="b"/>
+            <a:lstStyle/>
+            <a:p>
+              <a:pPr algn="ctr"/>
+              <a:r>
+                <a:rPr lang="en-US" altLang="ko-KR" b="1" dirty="0">
+                  <a:solidFill>
+                    <a:schemeClr val="bg1"/>
+                  </a:solidFill>
+                  <a:effectLst/>
+                  <a:latin typeface="Consolas" panose="020B0609020204030204" pitchFamily="49" charset="0"/>
+                </a:rPr>
+                <a:t>Node </a:t>
+              </a:r>
+              <a:r>
+                <a:rPr lang="en-US" altLang="ko-KR" b="1" dirty="0">
+                  <a:solidFill>
+                    <a:schemeClr val="bg1">
+                      <a:lumMod val="65000"/>
+                    </a:schemeClr>
+                  </a:solidFill>
+                  <a:effectLst/>
+                  <a:latin typeface="Consolas" panose="020B0609020204030204" pitchFamily="49" charset="0"/>
+                </a:rPr>
+                <a:t>(</a:t>
+              </a:r>
+              <a:r>
+                <a:rPr lang="en-US" altLang="ko-KR" b="1" dirty="0">
+                  <a:solidFill>
+                    <a:srgbClr val="0070C0"/>
+                  </a:solidFill>
+                  <a:effectLst/>
+                  <a:latin typeface="Consolas" panose="020B0609020204030204" pitchFamily="49" charset="0"/>
+                </a:rPr>
+                <a:t>Slave</a:t>
+              </a:r>
+              <a:r>
+                <a:rPr lang="en-US" altLang="ko-KR" b="1" dirty="0">
+                  <a:solidFill>
+                    <a:schemeClr val="bg1">
+                      <a:lumMod val="65000"/>
+                    </a:schemeClr>
+                  </a:solidFill>
+                  <a:effectLst/>
+                  <a:latin typeface="Consolas" panose="020B0609020204030204" pitchFamily="49" charset="0"/>
+                </a:rPr>
+                <a:t>)</a:t>
+              </a:r>
+            </a:p>
+            <a:p>
+              <a:pPr algn="ctr"/>
+              <a:endParaRPr lang="en-US" altLang="ko-KR" b="0" dirty="0">
+                <a:solidFill>
+                  <a:schemeClr val="bg1">
+                    <a:lumMod val="65000"/>
+                  </a:schemeClr>
+                </a:solidFill>
+                <a:effectLst/>
+                <a:latin typeface="Consolas" panose="020B0609020204030204" pitchFamily="49" charset="0"/>
+              </a:endParaRPr>
+            </a:p>
+          </p:txBody>
+        </p:sp>
+        <p:sp>
+          <p:nvSpPr>
+            <p:cNvPr id="23" name="직사각형 22">
+              <a:extLst>
+                <a:ext uri="{FF2B5EF4-FFF2-40B4-BE49-F238E27FC236}">
+                  <a16:creationId xmlns:a16="http://schemas.microsoft.com/office/drawing/2014/main" id="{AAE1A565-7C44-AEE9-B4C3-9B5FC66751FC}"/>
+                </a:ext>
+              </a:extLst>
+            </p:cNvPr>
+            <p:cNvSpPr/>
+            <p:nvPr/>
+          </p:nvSpPr>
+          <p:spPr>
+            <a:xfrm>
+              <a:off x="6751981" y="462230"/>
+              <a:ext cx="2802836" cy="4162779"/>
+            </a:xfrm>
+            <a:prstGeom prst="rect">
+              <a:avLst/>
+            </a:prstGeom>
+            <a:solidFill>
+              <a:schemeClr val="tx1">
+                <a:lumMod val="75000"/>
+                <a:lumOff val="25000"/>
+              </a:schemeClr>
+            </a:solidFill>
+            <a:ln w="9525" cap="flat" cmpd="sng" algn="ctr">
+              <a:solidFill>
+                <a:schemeClr val="accent1"/>
+              </a:solidFill>
+              <a:prstDash val="solid"/>
+              <a:round/>
+              <a:headEnd type="none" w="med" len="med"/>
+              <a:tailEnd type="none" w="med" len="med"/>
+            </a:ln>
+          </p:spPr>
+          <p:style>
+            <a:lnRef idx="0">
+              <a:scrgbClr r="0" g="0" b="0"/>
+            </a:lnRef>
+            <a:fillRef idx="0">
+              <a:scrgbClr r="0" g="0" b="0"/>
+            </a:fillRef>
+            <a:effectRef idx="0">
+              <a:scrgbClr r="0" g="0" b="0"/>
+            </a:effectRef>
+            <a:fontRef idx="minor">
+              <a:schemeClr val="accent1"/>
+            </a:fontRef>
+          </p:style>
+          <p:txBody>
+            <a:bodyPr rtlCol="0" anchor="b"/>
+            <a:lstStyle/>
+            <a:p>
+              <a:pPr algn="ctr"/>
+              <a:r>
+                <a:rPr lang="en-US" altLang="ko-KR" b="1" dirty="0">
+                  <a:solidFill>
+                    <a:schemeClr val="bg1"/>
+                  </a:solidFill>
+                  <a:effectLst/>
+                  <a:latin typeface="Consolas" panose="020B0609020204030204" pitchFamily="49" charset="0"/>
+                </a:rPr>
+                <a:t>Node </a:t>
+              </a:r>
+              <a:r>
+                <a:rPr lang="en-US" altLang="ko-KR" b="1" dirty="0">
+                  <a:solidFill>
+                    <a:schemeClr val="bg1">
+                      <a:lumMod val="65000"/>
+                    </a:schemeClr>
+                  </a:solidFill>
+                  <a:effectLst/>
+                  <a:latin typeface="Consolas" panose="020B0609020204030204" pitchFamily="49" charset="0"/>
+                </a:rPr>
+                <a:t>(</a:t>
+              </a:r>
+              <a:r>
+                <a:rPr lang="en-US" altLang="ko-KR" b="1" dirty="0">
+                  <a:solidFill>
+                    <a:srgbClr val="0070C0"/>
+                  </a:solidFill>
+                  <a:effectLst/>
+                  <a:latin typeface="Consolas" panose="020B0609020204030204" pitchFamily="49" charset="0"/>
+                </a:rPr>
+                <a:t>Slave</a:t>
+              </a:r>
+              <a:r>
+                <a:rPr lang="en-US" altLang="ko-KR" b="1" dirty="0">
+                  <a:solidFill>
+                    <a:schemeClr val="bg1">
+                      <a:lumMod val="65000"/>
+                    </a:schemeClr>
+                  </a:solidFill>
+                  <a:effectLst/>
+                  <a:latin typeface="Consolas" panose="020B0609020204030204" pitchFamily="49" charset="0"/>
+                </a:rPr>
+                <a:t>)</a:t>
+              </a:r>
+            </a:p>
+            <a:p>
+              <a:pPr algn="ctr"/>
+              <a:endParaRPr lang="en-US" altLang="ko-KR" b="0" dirty="0">
+                <a:solidFill>
+                  <a:schemeClr val="bg1">
+                    <a:lumMod val="65000"/>
+                  </a:schemeClr>
+                </a:solidFill>
+                <a:effectLst/>
+                <a:latin typeface="Consolas" panose="020B0609020204030204" pitchFamily="49" charset="0"/>
+              </a:endParaRPr>
+            </a:p>
+          </p:txBody>
+        </p:sp>
+        <p:sp>
+          <p:nvSpPr>
+            <p:cNvPr id="24" name="직사각형 23">
+              <a:extLst>
+                <a:ext uri="{FF2B5EF4-FFF2-40B4-BE49-F238E27FC236}">
+                  <a16:creationId xmlns:a16="http://schemas.microsoft.com/office/drawing/2014/main" id="{1F0527EF-C4B3-3B29-2094-22DE269BAA8F}"/>
+                </a:ext>
+              </a:extLst>
+            </p:cNvPr>
+            <p:cNvSpPr/>
+            <p:nvPr/>
+          </p:nvSpPr>
+          <p:spPr>
+            <a:xfrm>
+              <a:off x="9859615" y="309829"/>
+              <a:ext cx="1577009" cy="6064467"/>
+            </a:xfrm>
+            <a:prstGeom prst="rect">
+              <a:avLst/>
+            </a:prstGeom>
+            <a:noFill/>
+            <a:ln w="9525" cap="flat" cmpd="sng" algn="ctr">
+              <a:noFill/>
+              <a:prstDash val="solid"/>
+              <a:round/>
+              <a:headEnd type="none" w="med" len="med"/>
+              <a:tailEnd type="none" w="med" len="med"/>
+            </a:ln>
+          </p:spPr>
+          <p:style>
+            <a:lnRef idx="0">
+              <a:scrgbClr r="0" g="0" b="0"/>
+            </a:lnRef>
+            <a:fillRef idx="0">
+              <a:scrgbClr r="0" g="0" b="0"/>
+            </a:fillRef>
+            <a:effectRef idx="0">
+              <a:scrgbClr r="0" g="0" b="0"/>
+            </a:effectRef>
+            <a:fontRef idx="minor">
+              <a:schemeClr val="accent1"/>
+            </a:fontRef>
+          </p:style>
+          <p:txBody>
+            <a:bodyPr rtlCol="0" anchor="ctr"/>
+            <a:lstStyle/>
+            <a:p>
+              <a:pPr algn="ctr"/>
+              <a:r>
+                <a:rPr lang="en-US" altLang="ko-KR" b="1" dirty="0">
+                  <a:solidFill>
+                    <a:srgbClr val="569CD6"/>
+                  </a:solidFill>
+                  <a:effectLst/>
+                  <a:latin typeface="Consolas" panose="020B0609020204030204" pitchFamily="49" charset="0"/>
+                </a:rPr>
+                <a:t>Kubernetes</a:t>
+              </a:r>
+              <a:endParaRPr lang="en-US" altLang="ko-KR" b="0" dirty="0">
+                <a:solidFill>
+                  <a:srgbClr val="D4D4D4"/>
+                </a:solidFill>
+                <a:effectLst/>
+                <a:latin typeface="Consolas" panose="020B0609020204030204" pitchFamily="49" charset="0"/>
+              </a:endParaRPr>
+            </a:p>
+          </p:txBody>
+        </p:sp>
+        <p:sp>
+          <p:nvSpPr>
+            <p:cNvPr id="27" name="직사각형 26">
+              <a:extLst>
+                <a:ext uri="{FF2B5EF4-FFF2-40B4-BE49-F238E27FC236}">
+                  <a16:creationId xmlns:a16="http://schemas.microsoft.com/office/drawing/2014/main" id="{15715E18-D92F-0673-26E6-1148469C5937}"/>
+                </a:ext>
+              </a:extLst>
+            </p:cNvPr>
+            <p:cNvSpPr/>
+            <p:nvPr/>
+          </p:nvSpPr>
+          <p:spPr>
+            <a:xfrm>
+              <a:off x="1403074" y="1810635"/>
+              <a:ext cx="1741003" cy="1013792"/>
+            </a:xfrm>
+            <a:prstGeom prst="rect">
+              <a:avLst/>
+            </a:prstGeom>
+            <a:solidFill>
+              <a:schemeClr val="accent1">
+                <a:lumMod val="75000"/>
+              </a:schemeClr>
+            </a:solidFill>
+            <a:ln w="9525" cap="flat" cmpd="sng" algn="ctr">
+              <a:solidFill>
+                <a:schemeClr val="accent1"/>
+              </a:solidFill>
+              <a:prstDash val="solid"/>
+              <a:round/>
+              <a:headEnd type="none" w="med" len="med"/>
+              <a:tailEnd type="none" w="med" len="med"/>
+            </a:ln>
+          </p:spPr>
+          <p:style>
+            <a:lnRef idx="0">
+              <a:scrgbClr r="0" g="0" b="0"/>
+            </a:lnRef>
+            <a:fillRef idx="0">
+              <a:scrgbClr r="0" g="0" b="0"/>
+            </a:fillRef>
+            <a:effectRef idx="0">
+              <a:scrgbClr r="0" g="0" b="0"/>
+            </a:effectRef>
+            <a:fontRef idx="minor">
+              <a:schemeClr val="accent1"/>
+            </a:fontRef>
+          </p:style>
+          <p:txBody>
+            <a:bodyPr rtlCol="0" anchor="ctr"/>
+            <a:lstStyle/>
+            <a:p>
+              <a:pPr algn="ctr"/>
+              <a:r>
+                <a:rPr lang="en-US" altLang="ko-KR" b="1" dirty="0">
+                  <a:solidFill>
+                    <a:schemeClr val="bg1"/>
+                  </a:solidFill>
+                  <a:effectLst/>
+                  <a:latin typeface="Consolas" panose="020B0609020204030204" pitchFamily="49" charset="0"/>
+                </a:rPr>
+                <a:t>Pod</a:t>
+              </a:r>
+              <a:endParaRPr lang="en-US" altLang="ko-KR" b="0" dirty="0">
+                <a:solidFill>
+                  <a:schemeClr val="bg1">
+                    <a:lumMod val="65000"/>
+                  </a:schemeClr>
+                </a:solidFill>
+                <a:effectLst/>
+                <a:latin typeface="Consolas" panose="020B0609020204030204" pitchFamily="49" charset="0"/>
+              </a:endParaRPr>
+            </a:p>
+          </p:txBody>
+        </p:sp>
+        <p:sp>
+          <p:nvSpPr>
+            <p:cNvPr id="40" name="직사각형 39">
+              <a:extLst>
+                <a:ext uri="{FF2B5EF4-FFF2-40B4-BE49-F238E27FC236}">
+                  <a16:creationId xmlns:a16="http://schemas.microsoft.com/office/drawing/2014/main" id="{D266E740-7E09-6359-6D07-D267A4DA5F4B}"/>
+                </a:ext>
+              </a:extLst>
+            </p:cNvPr>
+            <p:cNvSpPr/>
+            <p:nvPr/>
+          </p:nvSpPr>
+          <p:spPr>
+            <a:xfrm>
+              <a:off x="7618342" y="1810635"/>
+              <a:ext cx="1741004" cy="1013792"/>
+            </a:xfrm>
+            <a:prstGeom prst="rect">
+              <a:avLst/>
+            </a:prstGeom>
+            <a:solidFill>
+              <a:schemeClr val="accent1">
+                <a:lumMod val="75000"/>
+              </a:schemeClr>
+            </a:solidFill>
+            <a:ln w="9525" cap="flat" cmpd="sng" algn="ctr">
+              <a:solidFill>
+                <a:schemeClr val="accent1"/>
+              </a:solidFill>
+              <a:prstDash val="solid"/>
+              <a:round/>
+              <a:headEnd type="none" w="med" len="med"/>
+              <a:tailEnd type="none" w="med" len="med"/>
+            </a:ln>
+          </p:spPr>
+          <p:style>
+            <a:lnRef idx="0">
+              <a:scrgbClr r="0" g="0" b="0"/>
+            </a:lnRef>
+            <a:fillRef idx="0">
+              <a:scrgbClr r="0" g="0" b="0"/>
+            </a:fillRef>
+            <a:effectRef idx="0">
+              <a:scrgbClr r="0" g="0" b="0"/>
+            </a:effectRef>
+            <a:fontRef idx="minor">
+              <a:schemeClr val="accent1"/>
+            </a:fontRef>
+          </p:style>
+          <p:txBody>
+            <a:bodyPr rtlCol="0" anchor="ctr"/>
+            <a:lstStyle/>
+            <a:p>
+              <a:pPr algn="ctr"/>
+              <a:r>
+                <a:rPr lang="en-US" altLang="ko-KR" b="1" dirty="0">
+                  <a:solidFill>
+                    <a:schemeClr val="bg1"/>
+                  </a:solidFill>
+                  <a:effectLst/>
+                  <a:latin typeface="Consolas" panose="020B0609020204030204" pitchFamily="49" charset="0"/>
+                </a:rPr>
+                <a:t>Pod</a:t>
+              </a:r>
+              <a:endParaRPr lang="en-US" altLang="ko-KR" b="0" dirty="0">
+                <a:solidFill>
+                  <a:schemeClr val="bg1">
+                    <a:lumMod val="65000"/>
+                  </a:schemeClr>
+                </a:solidFill>
+                <a:effectLst/>
+                <a:latin typeface="Consolas" panose="020B0609020204030204" pitchFamily="49" charset="0"/>
+              </a:endParaRPr>
+            </a:p>
+          </p:txBody>
+        </p:sp>
+        <p:sp>
+          <p:nvSpPr>
+            <p:cNvPr id="41" name="직사각형 40">
+              <a:extLst>
+                <a:ext uri="{FF2B5EF4-FFF2-40B4-BE49-F238E27FC236}">
+                  <a16:creationId xmlns:a16="http://schemas.microsoft.com/office/drawing/2014/main" id="{8EF6D1CD-E442-25DC-555E-4A29905E94F7}"/>
+                </a:ext>
+              </a:extLst>
+            </p:cNvPr>
+            <p:cNvSpPr/>
+            <p:nvPr/>
+          </p:nvSpPr>
+          <p:spPr>
+            <a:xfrm>
+              <a:off x="1403074" y="639534"/>
+              <a:ext cx="1741003" cy="1013792"/>
+            </a:xfrm>
+            <a:prstGeom prst="rect">
+              <a:avLst/>
+            </a:prstGeom>
+            <a:solidFill>
+              <a:schemeClr val="accent1">
+                <a:lumMod val="75000"/>
+              </a:schemeClr>
+            </a:solidFill>
+            <a:ln w="9525" cap="flat" cmpd="sng" algn="ctr">
+              <a:solidFill>
+                <a:schemeClr val="accent1"/>
+              </a:solidFill>
+              <a:prstDash val="solid"/>
+              <a:round/>
+              <a:headEnd type="none" w="med" len="med"/>
+              <a:tailEnd type="none" w="med" len="med"/>
+            </a:ln>
+          </p:spPr>
+          <p:style>
+            <a:lnRef idx="0">
+              <a:scrgbClr r="0" g="0" b="0"/>
+            </a:lnRef>
+            <a:fillRef idx="0">
+              <a:scrgbClr r="0" g="0" b="0"/>
+            </a:fillRef>
+            <a:effectRef idx="0">
+              <a:scrgbClr r="0" g="0" b="0"/>
+            </a:effectRef>
+            <a:fontRef idx="minor">
+              <a:schemeClr val="accent1"/>
+            </a:fontRef>
+          </p:style>
+          <p:txBody>
+            <a:bodyPr rtlCol="0" anchor="ctr"/>
+            <a:lstStyle/>
+            <a:p>
+              <a:pPr algn="ctr"/>
+              <a:r>
+                <a:rPr lang="en-US" altLang="ko-KR" b="1" dirty="0">
+                  <a:solidFill>
+                    <a:schemeClr val="bg1"/>
+                  </a:solidFill>
+                  <a:effectLst/>
+                  <a:latin typeface="Consolas" panose="020B0609020204030204" pitchFamily="49" charset="0"/>
+                </a:rPr>
+                <a:t>Pod</a:t>
+              </a:r>
+              <a:endParaRPr lang="en-US" altLang="ko-KR" b="0" dirty="0">
+                <a:solidFill>
+                  <a:schemeClr val="bg1">
+                    <a:lumMod val="65000"/>
+                  </a:schemeClr>
+                </a:solidFill>
+                <a:effectLst/>
+                <a:latin typeface="Consolas" panose="020B0609020204030204" pitchFamily="49" charset="0"/>
+              </a:endParaRPr>
+            </a:p>
+          </p:txBody>
+        </p:sp>
+        <p:sp>
+          <p:nvSpPr>
+            <p:cNvPr id="42" name="직사각형 41">
+              <a:extLst>
+                <a:ext uri="{FF2B5EF4-FFF2-40B4-BE49-F238E27FC236}">
+                  <a16:creationId xmlns:a16="http://schemas.microsoft.com/office/drawing/2014/main" id="{58D531D4-2489-1018-5CBC-607637E62819}"/>
+                </a:ext>
+              </a:extLst>
+            </p:cNvPr>
+            <p:cNvSpPr/>
+            <p:nvPr/>
+          </p:nvSpPr>
+          <p:spPr>
+            <a:xfrm>
+              <a:off x="4510708" y="639534"/>
+              <a:ext cx="1741004" cy="1013792"/>
+            </a:xfrm>
+            <a:prstGeom prst="rect">
+              <a:avLst/>
+            </a:prstGeom>
+            <a:solidFill>
+              <a:schemeClr val="accent1">
+                <a:lumMod val="75000"/>
+              </a:schemeClr>
+            </a:solidFill>
+            <a:ln w="9525" cap="flat" cmpd="sng" algn="ctr">
+              <a:solidFill>
+                <a:schemeClr val="accent1"/>
+              </a:solidFill>
+              <a:prstDash val="solid"/>
+              <a:round/>
+              <a:headEnd type="none" w="med" len="med"/>
+              <a:tailEnd type="none" w="med" len="med"/>
+            </a:ln>
+          </p:spPr>
+          <p:style>
+            <a:lnRef idx="0">
+              <a:scrgbClr r="0" g="0" b="0"/>
+            </a:lnRef>
+            <a:fillRef idx="0">
+              <a:scrgbClr r="0" g="0" b="0"/>
+            </a:fillRef>
+            <a:effectRef idx="0">
+              <a:scrgbClr r="0" g="0" b="0"/>
+            </a:effectRef>
+            <a:fontRef idx="minor">
+              <a:schemeClr val="accent1"/>
+            </a:fontRef>
+          </p:style>
+          <p:txBody>
+            <a:bodyPr rtlCol="0" anchor="ctr"/>
+            <a:lstStyle/>
+            <a:p>
+              <a:pPr algn="ctr"/>
+              <a:r>
+                <a:rPr lang="en-US" altLang="ko-KR" b="1" dirty="0">
+                  <a:solidFill>
+                    <a:schemeClr val="bg1"/>
+                  </a:solidFill>
+                  <a:effectLst/>
+                  <a:latin typeface="Consolas" panose="020B0609020204030204" pitchFamily="49" charset="0"/>
+                </a:rPr>
+                <a:t>Pod</a:t>
+              </a:r>
+              <a:endParaRPr lang="en-US" altLang="ko-KR" b="0" dirty="0">
+                <a:solidFill>
+                  <a:schemeClr val="bg1">
+                    <a:lumMod val="65000"/>
+                  </a:schemeClr>
+                </a:solidFill>
+                <a:effectLst/>
+                <a:latin typeface="Consolas" panose="020B0609020204030204" pitchFamily="49" charset="0"/>
+              </a:endParaRPr>
+            </a:p>
+          </p:txBody>
+        </p:sp>
+        <p:sp>
+          <p:nvSpPr>
+            <p:cNvPr id="43" name="직사각형 42">
+              <a:extLst>
+                <a:ext uri="{FF2B5EF4-FFF2-40B4-BE49-F238E27FC236}">
+                  <a16:creationId xmlns:a16="http://schemas.microsoft.com/office/drawing/2014/main" id="{3FC0C767-4883-C5DC-35F3-59EA931EC1FE}"/>
+                </a:ext>
+              </a:extLst>
+            </p:cNvPr>
+            <p:cNvSpPr/>
+            <p:nvPr/>
+          </p:nvSpPr>
+          <p:spPr>
+            <a:xfrm>
+              <a:off x="7618342" y="639534"/>
+              <a:ext cx="1741004" cy="1013792"/>
+            </a:xfrm>
+            <a:prstGeom prst="rect">
+              <a:avLst/>
+            </a:prstGeom>
+            <a:solidFill>
+              <a:schemeClr val="accent1">
+                <a:lumMod val="75000"/>
+              </a:schemeClr>
+            </a:solidFill>
+            <a:ln w="9525" cap="flat" cmpd="sng" algn="ctr">
+              <a:solidFill>
+                <a:schemeClr val="accent1"/>
+              </a:solidFill>
+              <a:prstDash val="solid"/>
+              <a:round/>
+              <a:headEnd type="none" w="med" len="med"/>
+              <a:tailEnd type="none" w="med" len="med"/>
+            </a:ln>
+          </p:spPr>
+          <p:style>
+            <a:lnRef idx="0">
+              <a:scrgbClr r="0" g="0" b="0"/>
+            </a:lnRef>
+            <a:fillRef idx="0">
+              <a:scrgbClr r="0" g="0" b="0"/>
+            </a:fillRef>
+            <a:effectRef idx="0">
+              <a:scrgbClr r="0" g="0" b="0"/>
+            </a:effectRef>
+            <a:fontRef idx="minor">
+              <a:schemeClr val="accent1"/>
+            </a:fontRef>
+          </p:style>
+          <p:txBody>
+            <a:bodyPr rtlCol="0" anchor="ctr"/>
+            <a:lstStyle/>
+            <a:p>
+              <a:pPr algn="ctr"/>
+              <a:r>
+                <a:rPr lang="en-US" altLang="ko-KR" b="1" dirty="0">
+                  <a:solidFill>
+                    <a:schemeClr val="bg1"/>
+                  </a:solidFill>
+                  <a:effectLst/>
+                  <a:latin typeface="Consolas" panose="020B0609020204030204" pitchFamily="49" charset="0"/>
+                </a:rPr>
+                <a:t>Pod</a:t>
+              </a:r>
+              <a:endParaRPr lang="en-US" altLang="ko-KR" b="0" dirty="0">
+                <a:solidFill>
+                  <a:schemeClr val="bg1">
+                    <a:lumMod val="65000"/>
+                  </a:schemeClr>
+                </a:solidFill>
+                <a:effectLst/>
+                <a:latin typeface="Consolas" panose="020B0609020204030204" pitchFamily="49" charset="0"/>
+              </a:endParaRPr>
+            </a:p>
+          </p:txBody>
+        </p:sp>
+        <p:sp>
+          <p:nvSpPr>
+            <p:cNvPr id="44" name="직사각형 43">
+              <a:extLst>
+                <a:ext uri="{FF2B5EF4-FFF2-40B4-BE49-F238E27FC236}">
+                  <a16:creationId xmlns:a16="http://schemas.microsoft.com/office/drawing/2014/main" id="{C8B2CC4D-5D91-4EC3-F97A-A3C7BF0990B1}"/>
+                </a:ext>
+              </a:extLst>
+            </p:cNvPr>
+            <p:cNvSpPr/>
+            <p:nvPr/>
+          </p:nvSpPr>
+          <p:spPr>
+            <a:xfrm>
+              <a:off x="1403075" y="4311261"/>
+              <a:ext cx="1070113" cy="279274"/>
+            </a:xfrm>
+            <a:prstGeom prst="rect">
+              <a:avLst/>
+            </a:prstGeom>
+            <a:noFill/>
+            <a:ln w="9525" cap="flat" cmpd="sng" algn="ctr">
+              <a:noFill/>
+              <a:prstDash val="solid"/>
+              <a:round/>
+              <a:headEnd type="none" w="med" len="med"/>
+              <a:tailEnd type="none" w="med" len="med"/>
+            </a:ln>
+          </p:spPr>
+          <p:style>
+            <a:lnRef idx="0">
+              <a:scrgbClr r="0" g="0" b="0"/>
+            </a:lnRef>
+            <a:fillRef idx="0">
+              <a:scrgbClr r="0" g="0" b="0"/>
+            </a:fillRef>
+            <a:effectRef idx="0">
+              <a:scrgbClr r="0" g="0" b="0"/>
+            </a:effectRef>
+            <a:fontRef idx="minor">
+              <a:schemeClr val="accent1"/>
+            </a:fontRef>
+          </p:style>
+          <p:txBody>
+            <a:bodyPr rtlCol="0" anchor="ctr"/>
+            <a:lstStyle/>
+            <a:p>
+              <a:pPr algn="ctr"/>
+              <a:r>
+                <a:rPr lang="en-US" altLang="ko-KR" sz="1200" b="1" dirty="0">
+                  <a:solidFill>
+                    <a:schemeClr val="bg1"/>
+                  </a:solidFill>
+                  <a:effectLst/>
+                  <a:latin typeface="Consolas" panose="020B0609020204030204" pitchFamily="49" charset="0"/>
+                </a:rPr>
+                <a:t>10.0.1.0</a:t>
+              </a:r>
+              <a:endParaRPr lang="en-US" altLang="ko-KR" sz="1200" b="0" dirty="0">
+                <a:solidFill>
+                  <a:schemeClr val="bg1">
+                    <a:lumMod val="65000"/>
+                  </a:schemeClr>
+                </a:solidFill>
+                <a:effectLst/>
+                <a:latin typeface="Consolas" panose="020B0609020204030204" pitchFamily="49" charset="0"/>
+              </a:endParaRPr>
+            </a:p>
+          </p:txBody>
+        </p:sp>
+        <p:sp>
+          <p:nvSpPr>
+            <p:cNvPr id="45" name="직사각형 44">
+              <a:extLst>
+                <a:ext uri="{FF2B5EF4-FFF2-40B4-BE49-F238E27FC236}">
+                  <a16:creationId xmlns:a16="http://schemas.microsoft.com/office/drawing/2014/main" id="{7B167BD6-9836-9A9D-F766-9B9D24B1E871}"/>
+                </a:ext>
+              </a:extLst>
+            </p:cNvPr>
+            <p:cNvSpPr/>
+            <p:nvPr/>
+          </p:nvSpPr>
+          <p:spPr>
+            <a:xfrm>
+              <a:off x="4510708" y="4311261"/>
+              <a:ext cx="1070113" cy="279274"/>
+            </a:xfrm>
+            <a:prstGeom prst="rect">
+              <a:avLst/>
+            </a:prstGeom>
+            <a:noFill/>
+            <a:ln w="9525" cap="flat" cmpd="sng" algn="ctr">
+              <a:noFill/>
+              <a:prstDash val="solid"/>
+              <a:round/>
+              <a:headEnd type="none" w="med" len="med"/>
+              <a:tailEnd type="none" w="med" len="med"/>
+            </a:ln>
+          </p:spPr>
+          <p:style>
+            <a:lnRef idx="0">
+              <a:scrgbClr r="0" g="0" b="0"/>
+            </a:lnRef>
+            <a:fillRef idx="0">
+              <a:scrgbClr r="0" g="0" b="0"/>
+            </a:fillRef>
+            <a:effectRef idx="0">
+              <a:scrgbClr r="0" g="0" b="0"/>
+            </a:effectRef>
+            <a:fontRef idx="minor">
+              <a:schemeClr val="accent1"/>
+            </a:fontRef>
+          </p:style>
+          <p:txBody>
+            <a:bodyPr rtlCol="0" anchor="ctr"/>
+            <a:lstStyle/>
+            <a:p>
+              <a:pPr algn="ctr"/>
+              <a:r>
+                <a:rPr lang="en-US" altLang="ko-KR" sz="1200" b="1" dirty="0">
+                  <a:solidFill>
+                    <a:schemeClr val="bg1"/>
+                  </a:solidFill>
+                  <a:effectLst/>
+                  <a:latin typeface="Consolas" panose="020B0609020204030204" pitchFamily="49" charset="0"/>
+                </a:rPr>
+                <a:t>10.0.2.0</a:t>
+              </a:r>
+              <a:endParaRPr lang="en-US" altLang="ko-KR" sz="1200" b="0" dirty="0">
+                <a:solidFill>
+                  <a:schemeClr val="bg1">
+                    <a:lumMod val="65000"/>
+                  </a:schemeClr>
+                </a:solidFill>
+                <a:effectLst/>
+                <a:latin typeface="Consolas" panose="020B0609020204030204" pitchFamily="49" charset="0"/>
+              </a:endParaRPr>
+            </a:p>
+          </p:txBody>
+        </p:sp>
+        <p:sp>
+          <p:nvSpPr>
+            <p:cNvPr id="46" name="직사각형 45">
+              <a:extLst>
+                <a:ext uri="{FF2B5EF4-FFF2-40B4-BE49-F238E27FC236}">
+                  <a16:creationId xmlns:a16="http://schemas.microsoft.com/office/drawing/2014/main" id="{FDD603F9-40EE-D1D3-3E32-AAFB73587993}"/>
+                </a:ext>
+              </a:extLst>
+            </p:cNvPr>
+            <p:cNvSpPr/>
+            <p:nvPr/>
+          </p:nvSpPr>
+          <p:spPr>
+            <a:xfrm>
+              <a:off x="7618342" y="4308133"/>
+              <a:ext cx="1070113" cy="279274"/>
+            </a:xfrm>
+            <a:prstGeom prst="rect">
+              <a:avLst/>
+            </a:prstGeom>
+            <a:noFill/>
+            <a:ln w="9525" cap="flat" cmpd="sng" algn="ctr">
+              <a:noFill/>
+              <a:prstDash val="solid"/>
+              <a:round/>
+              <a:headEnd type="none" w="med" len="med"/>
+              <a:tailEnd type="none" w="med" len="med"/>
+            </a:ln>
+          </p:spPr>
+          <p:style>
+            <a:lnRef idx="0">
+              <a:scrgbClr r="0" g="0" b="0"/>
+            </a:lnRef>
+            <a:fillRef idx="0">
+              <a:scrgbClr r="0" g="0" b="0"/>
+            </a:fillRef>
+            <a:effectRef idx="0">
+              <a:scrgbClr r="0" g="0" b="0"/>
+            </a:effectRef>
+            <a:fontRef idx="minor">
+              <a:schemeClr val="accent1"/>
+            </a:fontRef>
+          </p:style>
+          <p:txBody>
+            <a:bodyPr rtlCol="0" anchor="ctr"/>
+            <a:lstStyle/>
+            <a:p>
+              <a:pPr algn="ctr"/>
+              <a:r>
+                <a:rPr lang="en-US" altLang="ko-KR" sz="1200" b="1" dirty="0">
+                  <a:solidFill>
+                    <a:schemeClr val="bg1"/>
+                  </a:solidFill>
+                  <a:effectLst/>
+                  <a:latin typeface="Consolas" panose="020B0609020204030204" pitchFamily="49" charset="0"/>
+                </a:rPr>
+                <a:t>10.0.3.0</a:t>
+              </a:r>
+              <a:endParaRPr lang="en-US" altLang="ko-KR" sz="1200" b="0" dirty="0">
+                <a:solidFill>
+                  <a:schemeClr val="bg1">
+                    <a:lumMod val="65000"/>
+                  </a:schemeClr>
+                </a:solidFill>
+                <a:effectLst/>
+                <a:latin typeface="Consolas" panose="020B0609020204030204" pitchFamily="49" charset="0"/>
+              </a:endParaRPr>
+            </a:p>
+          </p:txBody>
+        </p:sp>
+        <p:sp>
+          <p:nvSpPr>
+            <p:cNvPr id="47" name="직사각형 46">
+              <a:extLst>
+                <a:ext uri="{FF2B5EF4-FFF2-40B4-BE49-F238E27FC236}">
+                  <a16:creationId xmlns:a16="http://schemas.microsoft.com/office/drawing/2014/main" id="{F94DC966-E764-3CB2-B281-A31036CDDFDC}"/>
+                </a:ext>
+              </a:extLst>
+            </p:cNvPr>
+            <p:cNvSpPr/>
+            <p:nvPr/>
+          </p:nvSpPr>
+          <p:spPr>
+            <a:xfrm>
+              <a:off x="1318588" y="2516563"/>
+              <a:ext cx="1070113" cy="279274"/>
+            </a:xfrm>
+            <a:prstGeom prst="rect">
+              <a:avLst/>
+            </a:prstGeom>
+            <a:noFill/>
+            <a:ln w="9525" cap="flat" cmpd="sng" algn="ctr">
+              <a:noFill/>
+              <a:prstDash val="solid"/>
+              <a:round/>
+              <a:headEnd type="none" w="med" len="med"/>
+              <a:tailEnd type="none" w="med" len="med"/>
+            </a:ln>
+          </p:spPr>
+          <p:style>
+            <a:lnRef idx="0">
+              <a:scrgbClr r="0" g="0" b="0"/>
+            </a:lnRef>
+            <a:fillRef idx="0">
+              <a:scrgbClr r="0" g="0" b="0"/>
+            </a:fillRef>
+            <a:effectRef idx="0">
+              <a:scrgbClr r="0" g="0" b="0"/>
+            </a:effectRef>
+            <a:fontRef idx="minor">
+              <a:schemeClr val="accent1"/>
+            </a:fontRef>
+          </p:style>
+          <p:txBody>
+            <a:bodyPr rtlCol="0" anchor="ctr"/>
+            <a:lstStyle/>
+            <a:p>
+              <a:pPr algn="ctr"/>
+              <a:r>
+                <a:rPr lang="en-US" altLang="ko-KR" sz="1200" b="1" dirty="0">
+                  <a:solidFill>
+                    <a:schemeClr val="bg1"/>
+                  </a:solidFill>
+                  <a:effectLst/>
+                  <a:latin typeface="Consolas" panose="020B0609020204030204" pitchFamily="49" charset="0"/>
+                </a:rPr>
+                <a:t>10.0.1.1</a:t>
+              </a:r>
+              <a:endParaRPr lang="en-US" altLang="ko-KR" sz="1200" b="0" dirty="0">
+                <a:solidFill>
+                  <a:schemeClr val="bg1">
+                    <a:lumMod val="65000"/>
+                  </a:schemeClr>
+                </a:solidFill>
+                <a:effectLst/>
+                <a:latin typeface="Consolas" panose="020B0609020204030204" pitchFamily="49" charset="0"/>
+              </a:endParaRPr>
+            </a:p>
+          </p:txBody>
+        </p:sp>
+        <p:sp>
+          <p:nvSpPr>
+            <p:cNvPr id="48" name="직사각형 47">
+              <a:extLst>
+                <a:ext uri="{FF2B5EF4-FFF2-40B4-BE49-F238E27FC236}">
+                  <a16:creationId xmlns:a16="http://schemas.microsoft.com/office/drawing/2014/main" id="{D705B830-59A1-01E3-D62C-6A59A5B0AA7E}"/>
+                </a:ext>
+              </a:extLst>
+            </p:cNvPr>
+            <p:cNvSpPr/>
+            <p:nvPr/>
+          </p:nvSpPr>
+          <p:spPr>
+            <a:xfrm>
+              <a:off x="1336811" y="1349760"/>
+              <a:ext cx="1070113" cy="279274"/>
+            </a:xfrm>
+            <a:prstGeom prst="rect">
+              <a:avLst/>
+            </a:prstGeom>
+            <a:noFill/>
+            <a:ln w="9525" cap="flat" cmpd="sng" algn="ctr">
+              <a:noFill/>
+              <a:prstDash val="solid"/>
+              <a:round/>
+              <a:headEnd type="none" w="med" len="med"/>
+              <a:tailEnd type="none" w="med" len="med"/>
+            </a:ln>
+          </p:spPr>
+          <p:style>
+            <a:lnRef idx="0">
+              <a:scrgbClr r="0" g="0" b="0"/>
+            </a:lnRef>
+            <a:fillRef idx="0">
+              <a:scrgbClr r="0" g="0" b="0"/>
+            </a:fillRef>
+            <a:effectRef idx="0">
+              <a:scrgbClr r="0" g="0" b="0"/>
+            </a:effectRef>
+            <a:fontRef idx="minor">
+              <a:schemeClr val="accent1"/>
+            </a:fontRef>
+          </p:style>
+          <p:txBody>
+            <a:bodyPr rtlCol="0" anchor="ctr"/>
+            <a:lstStyle/>
+            <a:p>
+              <a:pPr algn="ctr"/>
+              <a:r>
+                <a:rPr lang="en-US" altLang="ko-KR" sz="1200" b="1" dirty="0">
+                  <a:solidFill>
+                    <a:schemeClr val="bg1"/>
+                  </a:solidFill>
+                  <a:effectLst/>
+                  <a:latin typeface="Consolas" panose="020B0609020204030204" pitchFamily="49" charset="0"/>
+                </a:rPr>
+                <a:t>10.0.1.2</a:t>
+              </a:r>
+              <a:endParaRPr lang="en-US" altLang="ko-KR" sz="1200" b="0" dirty="0">
+                <a:solidFill>
+                  <a:schemeClr val="bg1">
+                    <a:lumMod val="65000"/>
+                  </a:schemeClr>
+                </a:solidFill>
+                <a:effectLst/>
+                <a:latin typeface="Consolas" panose="020B0609020204030204" pitchFamily="49" charset="0"/>
+              </a:endParaRPr>
+            </a:p>
+          </p:txBody>
+        </p:sp>
+        <p:sp>
+          <p:nvSpPr>
+            <p:cNvPr id="51" name="직사각형 50">
+              <a:extLst>
+                <a:ext uri="{FF2B5EF4-FFF2-40B4-BE49-F238E27FC236}">
+                  <a16:creationId xmlns:a16="http://schemas.microsoft.com/office/drawing/2014/main" id="{5F2A175D-CB86-5C3F-35FB-2E186A5E4334}"/>
+                </a:ext>
+              </a:extLst>
+            </p:cNvPr>
+            <p:cNvSpPr/>
+            <p:nvPr/>
+          </p:nvSpPr>
+          <p:spPr>
+            <a:xfrm>
+              <a:off x="4457697" y="1349760"/>
+              <a:ext cx="1070113" cy="279274"/>
+            </a:xfrm>
+            <a:prstGeom prst="rect">
+              <a:avLst/>
+            </a:prstGeom>
+            <a:noFill/>
+            <a:ln w="9525" cap="flat" cmpd="sng" algn="ctr">
+              <a:noFill/>
+              <a:prstDash val="solid"/>
+              <a:round/>
+              <a:headEnd type="none" w="med" len="med"/>
+              <a:tailEnd type="none" w="med" len="med"/>
+            </a:ln>
+          </p:spPr>
+          <p:style>
+            <a:lnRef idx="0">
+              <a:scrgbClr r="0" g="0" b="0"/>
+            </a:lnRef>
+            <a:fillRef idx="0">
+              <a:scrgbClr r="0" g="0" b="0"/>
+            </a:fillRef>
+            <a:effectRef idx="0">
+              <a:scrgbClr r="0" g="0" b="0"/>
+            </a:effectRef>
+            <a:fontRef idx="minor">
+              <a:schemeClr val="accent1"/>
+            </a:fontRef>
+          </p:style>
+          <p:txBody>
+            <a:bodyPr rtlCol="0" anchor="ctr"/>
+            <a:lstStyle/>
+            <a:p>
+              <a:pPr algn="ctr"/>
+              <a:r>
+                <a:rPr lang="en-US" altLang="ko-KR" sz="1200" b="1" dirty="0">
+                  <a:solidFill>
+                    <a:schemeClr val="bg1"/>
+                  </a:solidFill>
+                  <a:effectLst/>
+                  <a:latin typeface="Consolas" panose="020B0609020204030204" pitchFamily="49" charset="0"/>
+                </a:rPr>
+                <a:t>10.0.2.1</a:t>
+              </a:r>
+              <a:endParaRPr lang="en-US" altLang="ko-KR" sz="1200" b="0" dirty="0">
+                <a:solidFill>
+                  <a:schemeClr val="bg1">
+                    <a:lumMod val="65000"/>
+                  </a:schemeClr>
+                </a:solidFill>
+                <a:effectLst/>
+                <a:latin typeface="Consolas" panose="020B0609020204030204" pitchFamily="49" charset="0"/>
+              </a:endParaRPr>
+            </a:p>
+          </p:txBody>
+        </p:sp>
+        <p:sp>
+          <p:nvSpPr>
+            <p:cNvPr id="52" name="직사각형 51">
+              <a:extLst>
+                <a:ext uri="{FF2B5EF4-FFF2-40B4-BE49-F238E27FC236}">
+                  <a16:creationId xmlns:a16="http://schemas.microsoft.com/office/drawing/2014/main" id="{CF60679C-EF50-78AD-721A-1D36A4FCC47E}"/>
+                </a:ext>
+              </a:extLst>
+            </p:cNvPr>
+            <p:cNvSpPr/>
+            <p:nvPr/>
+          </p:nvSpPr>
+          <p:spPr>
+            <a:xfrm>
+              <a:off x="7613371" y="2516563"/>
+              <a:ext cx="1070113" cy="279274"/>
+            </a:xfrm>
+            <a:prstGeom prst="rect">
+              <a:avLst/>
+            </a:prstGeom>
+            <a:noFill/>
+            <a:ln w="9525" cap="flat" cmpd="sng" algn="ctr">
+              <a:noFill/>
+              <a:prstDash val="solid"/>
+              <a:round/>
+              <a:headEnd type="none" w="med" len="med"/>
+              <a:tailEnd type="none" w="med" len="med"/>
+            </a:ln>
+          </p:spPr>
+          <p:style>
+            <a:lnRef idx="0">
+              <a:scrgbClr r="0" g="0" b="0"/>
+            </a:lnRef>
+            <a:fillRef idx="0">
+              <a:scrgbClr r="0" g="0" b="0"/>
+            </a:fillRef>
+            <a:effectRef idx="0">
+              <a:scrgbClr r="0" g="0" b="0"/>
+            </a:effectRef>
+            <a:fontRef idx="minor">
+              <a:schemeClr val="accent1"/>
+            </a:fontRef>
+          </p:style>
+          <p:txBody>
+            <a:bodyPr rtlCol="0" anchor="ctr"/>
+            <a:lstStyle/>
+            <a:p>
+              <a:pPr algn="ctr"/>
+              <a:r>
+                <a:rPr lang="en-US" altLang="ko-KR" sz="1200" b="1" dirty="0">
+                  <a:solidFill>
+                    <a:schemeClr val="bg1"/>
+                  </a:solidFill>
+                  <a:effectLst/>
+                  <a:latin typeface="Consolas" panose="020B0609020204030204" pitchFamily="49" charset="0"/>
+                </a:rPr>
+                <a:t>10.0.3.1</a:t>
+              </a:r>
+              <a:endParaRPr lang="en-US" altLang="ko-KR" sz="1200" b="0" dirty="0">
+                <a:solidFill>
+                  <a:schemeClr val="bg1">
+                    <a:lumMod val="65000"/>
+                  </a:schemeClr>
+                </a:solidFill>
+                <a:effectLst/>
+                <a:latin typeface="Consolas" panose="020B0609020204030204" pitchFamily="49" charset="0"/>
+              </a:endParaRPr>
+            </a:p>
+          </p:txBody>
+        </p:sp>
+        <p:sp>
+          <p:nvSpPr>
+            <p:cNvPr id="53" name="직사각형 52">
+              <a:extLst>
+                <a:ext uri="{FF2B5EF4-FFF2-40B4-BE49-F238E27FC236}">
+                  <a16:creationId xmlns:a16="http://schemas.microsoft.com/office/drawing/2014/main" id="{CF17346A-3D9F-7532-08F0-D7D1F95B0FBC}"/>
+                </a:ext>
+              </a:extLst>
+            </p:cNvPr>
+            <p:cNvSpPr/>
+            <p:nvPr/>
+          </p:nvSpPr>
+          <p:spPr>
+            <a:xfrm>
+              <a:off x="7619995" y="1330914"/>
+              <a:ext cx="1070113" cy="279274"/>
+            </a:xfrm>
+            <a:prstGeom prst="rect">
+              <a:avLst/>
+            </a:prstGeom>
+            <a:noFill/>
+            <a:ln w="9525" cap="flat" cmpd="sng" algn="ctr">
+              <a:noFill/>
+              <a:prstDash val="solid"/>
+              <a:round/>
+              <a:headEnd type="none" w="med" len="med"/>
+              <a:tailEnd type="none" w="med" len="med"/>
+            </a:ln>
+          </p:spPr>
+          <p:style>
+            <a:lnRef idx="0">
+              <a:scrgbClr r="0" g="0" b="0"/>
+            </a:lnRef>
+            <a:fillRef idx="0">
+              <a:scrgbClr r="0" g="0" b="0"/>
+            </a:fillRef>
+            <a:effectRef idx="0">
+              <a:scrgbClr r="0" g="0" b="0"/>
+            </a:effectRef>
+            <a:fontRef idx="minor">
+              <a:schemeClr val="accent1"/>
+            </a:fontRef>
+          </p:style>
+          <p:txBody>
+            <a:bodyPr rtlCol="0" anchor="ctr"/>
+            <a:lstStyle/>
+            <a:p>
+              <a:pPr algn="ctr"/>
+              <a:r>
+                <a:rPr lang="en-US" altLang="ko-KR" sz="1200" b="1" dirty="0">
+                  <a:solidFill>
+                    <a:schemeClr val="bg1"/>
+                  </a:solidFill>
+                  <a:effectLst/>
+                  <a:latin typeface="Consolas" panose="020B0609020204030204" pitchFamily="49" charset="0"/>
+                </a:rPr>
+                <a:t>10.0.3.2</a:t>
+              </a:r>
+              <a:endParaRPr lang="en-US" altLang="ko-KR" sz="1200" b="0" dirty="0">
+                <a:solidFill>
+                  <a:schemeClr val="bg1">
+                    <a:lumMod val="65000"/>
+                  </a:schemeClr>
+                </a:solidFill>
+                <a:effectLst/>
+                <a:latin typeface="Consolas" panose="020B0609020204030204" pitchFamily="49" charset="0"/>
+              </a:endParaRPr>
+            </a:p>
+          </p:txBody>
+        </p:sp>
+        <p:grpSp>
+          <p:nvGrpSpPr>
+            <p:cNvPr id="60" name="그룹 59">
+              <a:extLst>
+                <a:ext uri="{FF2B5EF4-FFF2-40B4-BE49-F238E27FC236}">
+                  <a16:creationId xmlns:a16="http://schemas.microsoft.com/office/drawing/2014/main" id="{0AE4D6B9-5707-7E90-DEAE-DB49D73A4CAD}"/>
+                </a:ext>
+              </a:extLst>
+            </p:cNvPr>
+            <p:cNvGrpSpPr/>
+            <p:nvPr/>
+          </p:nvGrpSpPr>
+          <p:grpSpPr>
+            <a:xfrm>
+              <a:off x="1938131" y="4625009"/>
+              <a:ext cx="6215268" cy="1510748"/>
+              <a:chOff x="1938131" y="4625009"/>
+              <a:chExt cx="6215268" cy="1510748"/>
+            </a:xfrm>
+          </p:grpSpPr>
+          <p:cxnSp>
+            <p:nvCxnSpPr>
+              <p:cNvPr id="55" name="연결선: 꺾임 54">
+                <a:extLst>
+                  <a:ext uri="{FF2B5EF4-FFF2-40B4-BE49-F238E27FC236}">
+                    <a16:creationId xmlns:a16="http://schemas.microsoft.com/office/drawing/2014/main" id="{384145B2-6E96-F8D4-AA95-27794CBE5AAD}"/>
+                  </a:ext>
+                </a:extLst>
+              </p:cNvPr>
+              <p:cNvCxnSpPr>
+                <a:endCxn id="46" idx="2"/>
+              </p:cNvCxnSpPr>
+              <p:nvPr/>
+            </p:nvCxnSpPr>
+            <p:spPr>
+              <a:xfrm>
+                <a:off x="1938131" y="4625009"/>
+                <a:ext cx="6215268" cy="12700"/>
+              </a:xfrm>
+              <a:prstGeom prst="bentConnector4">
+                <a:avLst>
+                  <a:gd name="adj1" fmla="val -80"/>
+                  <a:gd name="adj2" fmla="val 11865213"/>
+                </a:avLst>
+              </a:prstGeom>
+              <a:ln w="28575">
+                <a:headEnd type="triangle"/>
+                <a:tailEnd type="triangle"/>
+              </a:ln>
+            </p:spPr>
+            <p:style>
+              <a:lnRef idx="1">
+                <a:schemeClr val="accent1"/>
+              </a:lnRef>
+              <a:fillRef idx="0">
+                <a:schemeClr val="accent1"/>
+              </a:fillRef>
+              <a:effectRef idx="0">
+                <a:schemeClr val="accent1"/>
+              </a:effectRef>
+              <a:fontRef idx="minor">
+                <a:schemeClr val="tx1"/>
+              </a:fontRef>
+            </p:style>
+          </p:cxnSp>
+          <p:cxnSp>
+            <p:nvCxnSpPr>
+              <p:cNvPr id="59" name="직선 화살표 연결선 58">
+                <a:extLst>
+                  <a:ext uri="{FF2B5EF4-FFF2-40B4-BE49-F238E27FC236}">
+                    <a16:creationId xmlns:a16="http://schemas.microsoft.com/office/drawing/2014/main" id="{7BE64AC4-1C0A-B23E-54E7-9AFC6808D558}"/>
+                  </a:ext>
+                </a:extLst>
+              </p:cNvPr>
+              <p:cNvCxnSpPr>
+                <a:stCxn id="22" idx="2"/>
+              </p:cNvCxnSpPr>
+              <p:nvPr/>
+            </p:nvCxnSpPr>
+            <p:spPr>
+              <a:xfrm flipH="1">
+                <a:off x="5035826" y="4625009"/>
+                <a:ext cx="9939" cy="1510748"/>
+              </a:xfrm>
+              <a:prstGeom prst="straightConnector1">
+                <a:avLst/>
+              </a:prstGeom>
+              <a:ln w="28575">
+                <a:headEnd type="triangle" w="med" len="med"/>
+                <a:tailEnd type="none" w="med" len="med"/>
+              </a:ln>
+            </p:spPr>
+            <p:style>
+              <a:lnRef idx="1">
+                <a:schemeClr val="accent1"/>
+              </a:lnRef>
+              <a:fillRef idx="0">
+                <a:schemeClr val="accent1"/>
+              </a:fillRef>
+              <a:effectRef idx="0">
+                <a:schemeClr val="accent1"/>
+              </a:effectRef>
+              <a:fontRef idx="minor">
+                <a:schemeClr val="tx1"/>
+              </a:fontRef>
+            </p:style>
+          </p:cxnSp>
+        </p:grpSp>
+        <p:cxnSp>
+          <p:nvCxnSpPr>
+            <p:cNvPr id="61" name="연결선: 꺾임 60">
+              <a:extLst>
+                <a:ext uri="{FF2B5EF4-FFF2-40B4-BE49-F238E27FC236}">
+                  <a16:creationId xmlns:a16="http://schemas.microsoft.com/office/drawing/2014/main" id="{67FA810A-C0DC-E8D7-83DD-9280F9059E35}"/>
+                </a:ext>
+              </a:extLst>
+            </p:cNvPr>
+            <p:cNvCxnSpPr>
+              <a:cxnSpLocks/>
+              <a:stCxn id="41" idx="1"/>
+              <a:endCxn id="27" idx="1"/>
+            </p:cNvCxnSpPr>
+            <p:nvPr/>
+          </p:nvCxnSpPr>
+          <p:spPr>
+            <a:xfrm rot="10800000" flipV="1">
+              <a:off x="1403074" y="1146429"/>
+              <a:ext cx="12700" cy="1171101"/>
+            </a:xfrm>
+            <a:prstGeom prst="bentConnector3">
+              <a:avLst>
+                <a:gd name="adj1" fmla="val 3991307"/>
+              </a:avLst>
+            </a:prstGeom>
+            <a:ln w="28575">
+              <a:solidFill>
+                <a:schemeClr val="bg1">
+                  <a:lumMod val="85000"/>
+                </a:schemeClr>
+              </a:solidFill>
+              <a:headEnd type="triangle"/>
+              <a:tailEnd type="triangle"/>
+            </a:ln>
+          </p:spPr>
+          <p:style>
+            <a:lnRef idx="1">
+              <a:schemeClr val="accent1"/>
+            </a:lnRef>
+            <a:fillRef idx="0">
+              <a:schemeClr val="accent1"/>
+            </a:fillRef>
+            <a:effectRef idx="0">
+              <a:schemeClr val="accent1"/>
+            </a:effectRef>
+            <a:fontRef idx="minor">
+              <a:schemeClr val="tx1"/>
+            </a:fontRef>
+          </p:style>
+        </p:cxnSp>
+        <p:cxnSp>
+          <p:nvCxnSpPr>
+            <p:cNvPr id="65" name="연결선: 꺾임 64">
+              <a:extLst>
+                <a:ext uri="{FF2B5EF4-FFF2-40B4-BE49-F238E27FC236}">
+                  <a16:creationId xmlns:a16="http://schemas.microsoft.com/office/drawing/2014/main" id="{110775A5-8CAB-6CC9-1947-CC55DFCD7CF1}"/>
+                </a:ext>
+              </a:extLst>
+            </p:cNvPr>
+            <p:cNvCxnSpPr>
+              <a:cxnSpLocks/>
+              <a:stCxn id="43" idx="1"/>
+              <a:endCxn id="40" idx="1"/>
+            </p:cNvCxnSpPr>
+            <p:nvPr/>
+          </p:nvCxnSpPr>
+          <p:spPr>
+            <a:xfrm rot="10800000" flipV="1">
+              <a:off x="7618342" y="1146429"/>
+              <a:ext cx="12700" cy="1171101"/>
+            </a:xfrm>
+            <a:prstGeom prst="bentConnector3">
+              <a:avLst>
+                <a:gd name="adj1" fmla="val 3782606"/>
+              </a:avLst>
+            </a:prstGeom>
+            <a:ln w="28575">
+              <a:solidFill>
+                <a:schemeClr val="bg1">
+                  <a:lumMod val="85000"/>
+                </a:schemeClr>
+              </a:solidFill>
+              <a:headEnd type="triangle"/>
+              <a:tailEnd type="triangle"/>
+            </a:ln>
+          </p:spPr>
+          <p:style>
+            <a:lnRef idx="1">
+              <a:schemeClr val="accent1"/>
+            </a:lnRef>
+            <a:fillRef idx="0">
+              <a:schemeClr val="accent1"/>
+            </a:fillRef>
+            <a:effectRef idx="0">
+              <a:schemeClr val="accent1"/>
+            </a:effectRef>
+            <a:fontRef idx="minor">
+              <a:schemeClr val="tx1"/>
+            </a:fontRef>
+          </p:style>
+        </p:cxnSp>
+      </p:grpSp>
+    </p:spTree>
+    <p:extLst>
+      <p:ext uri="{BB962C8B-B14F-4D97-AF65-F5344CB8AC3E}">
+        <p14:creationId xmlns:p14="http://schemas.microsoft.com/office/powerpoint/2010/main" val="1700929253"/>
+      </p:ext>
+    </p:extLst>
+  </p:cSld>
+  <p:clrMapOvr>
+    <a:masterClrMapping/>
+  </p:clrMapOvr>
+</p:sld>
+</file>
+
+<file path=ppt/slides/slide3.xml><?xml version="1.0" encoding="utf-8"?>
+<p:sld xmlns:a="http://schemas.openxmlformats.org/drawingml/2006/main" xmlns:r="http://schemas.openxmlformats.org/officeDocument/2006/relationships" xmlns:p="http://schemas.openxmlformats.org/presentationml/2006/main">
+  <p:cSld>
+    <p:spTree>
+      <p:nvGrpSpPr>
+        <p:cNvPr id="1" name=""/>
+        <p:cNvGrpSpPr/>
+        <p:nvPr/>
+      </p:nvGrpSpPr>
+      <p:grpSpPr>
+        <a:xfrm>
+          <a:off x="0" y="0"/>
+          <a:ext cx="0" cy="0"/>
+          <a:chOff x="0" y="0"/>
+          <a:chExt cx="0" cy="0"/>
+        </a:xfrm>
+      </p:grpSpPr>
+      <p:grpSp>
+        <p:nvGrpSpPr>
+          <p:cNvPr id="9" name="그룹 8">
+            <a:extLst>
+              <a:ext uri="{FF2B5EF4-FFF2-40B4-BE49-F238E27FC236}">
+                <a16:creationId xmlns:a16="http://schemas.microsoft.com/office/drawing/2014/main" id="{9B226724-EB2F-FD41-A548-9F9A468CC5CB}"/>
+              </a:ext>
+            </a:extLst>
+          </p:cNvPr>
+          <p:cNvGrpSpPr/>
+          <p:nvPr/>
+        </p:nvGrpSpPr>
+        <p:grpSpPr>
+          <a:xfrm>
+            <a:off x="520700" y="419100"/>
+            <a:ext cx="3911600" cy="2679700"/>
+            <a:chOff x="1409700" y="609600"/>
+            <a:chExt cx="3911600" cy="2679700"/>
+          </a:xfrm>
+        </p:grpSpPr>
+        <p:sp>
+          <p:nvSpPr>
+            <p:cNvPr id="5" name="정육면체 4">
+              <a:extLst>
+                <a:ext uri="{FF2B5EF4-FFF2-40B4-BE49-F238E27FC236}">
+                  <a16:creationId xmlns:a16="http://schemas.microsoft.com/office/drawing/2014/main" id="{697062A1-A3DE-B5F2-C172-55070594AB5D}"/>
+                </a:ext>
+              </a:extLst>
+            </p:cNvPr>
+            <p:cNvSpPr/>
+            <p:nvPr/>
+          </p:nvSpPr>
+          <p:spPr>
+            <a:xfrm>
+              <a:off x="1409700" y="609600"/>
+              <a:ext cx="3911600" cy="2679700"/>
+            </a:xfrm>
+            <a:prstGeom prst="cube">
+              <a:avLst>
+                <a:gd name="adj" fmla="val 8886"/>
+              </a:avLst>
+            </a:prstGeom>
+          </p:spPr>
+          <p:style>
+            <a:lnRef idx="2">
+              <a:schemeClr val="accent2">
+                <a:shade val="50000"/>
+              </a:schemeClr>
+            </a:lnRef>
+            <a:fillRef idx="1">
+              <a:schemeClr val="accent2"/>
+            </a:fillRef>
+            <a:effectRef idx="0">
+              <a:schemeClr val="accent2"/>
+            </a:effectRef>
+            <a:fontRef idx="minor">
+              <a:schemeClr val="lt1"/>
+            </a:fontRef>
+          </p:style>
+          <p:txBody>
+            <a:bodyPr rtlCol="0" anchor="ctr"/>
+            <a:lstStyle/>
+            <a:p>
+              <a:pPr algn="ctr"/>
+              <a:r>
+                <a:rPr lang="ko-KR" altLang="en-US" dirty="0"/>
+                <a:t>파드</a:t>
+              </a:r>
+              <a:r>
+                <a:rPr lang="en-US" altLang="ko-KR" dirty="0"/>
+                <a:t>-1</a:t>
+              </a:r>
+            </a:p>
+          </p:txBody>
+        </p:sp>
+        <p:sp>
+          <p:nvSpPr>
+            <p:cNvPr id="7" name="정육면체 6">
+              <a:extLst>
+                <a:ext uri="{FF2B5EF4-FFF2-40B4-BE49-F238E27FC236}">
+                  <a16:creationId xmlns:a16="http://schemas.microsoft.com/office/drawing/2014/main" id="{CCF53C4F-9A02-2361-C74F-8A52F813C8A9}"/>
+                </a:ext>
+              </a:extLst>
+            </p:cNvPr>
+            <p:cNvSpPr/>
+            <p:nvPr/>
+          </p:nvSpPr>
+          <p:spPr>
+            <a:xfrm>
+              <a:off x="1714500" y="2438400"/>
+              <a:ext cx="3098800" cy="635000"/>
+            </a:xfrm>
+            <a:prstGeom prst="cube">
+              <a:avLst>
+                <a:gd name="adj" fmla="val 21007"/>
+              </a:avLst>
+            </a:prstGeom>
+          </p:spPr>
+          <p:style>
+            <a:lnRef idx="3">
+              <a:schemeClr val="lt1"/>
+            </a:lnRef>
+            <a:fillRef idx="1">
+              <a:schemeClr val="accent1"/>
+            </a:fillRef>
+            <a:effectRef idx="1">
+              <a:schemeClr val="accent1"/>
+            </a:effectRef>
+            <a:fontRef idx="minor">
+              <a:schemeClr val="lt1"/>
+            </a:fontRef>
+          </p:style>
+          <p:txBody>
+            <a:bodyPr rtlCol="0" anchor="ctr"/>
+            <a:lstStyle/>
+            <a:p>
+              <a:pPr algn="ctr"/>
+              <a:r>
+                <a:rPr lang="ko-KR" altLang="en-US" sz="1200" dirty="0"/>
+                <a:t>컨테이너</a:t>
+              </a:r>
+              <a:r>
+                <a:rPr lang="en-US" altLang="ko-KR" sz="1200" dirty="0"/>
+                <a:t>-2 ( flask</a:t>
+              </a:r>
+              <a:r>
+                <a:rPr lang="ko-KR" altLang="en-US" sz="1200" dirty="0"/>
+                <a:t> </a:t>
+              </a:r>
+              <a:r>
+                <a:rPr lang="en-US" altLang="ko-KR" sz="1200" dirty="0"/>
+                <a:t>)</a:t>
+              </a:r>
+            </a:p>
+          </p:txBody>
+        </p:sp>
+        <p:sp>
+          <p:nvSpPr>
+            <p:cNvPr id="8" name="정육면체 7">
+              <a:extLst>
+                <a:ext uri="{FF2B5EF4-FFF2-40B4-BE49-F238E27FC236}">
+                  <a16:creationId xmlns:a16="http://schemas.microsoft.com/office/drawing/2014/main" id="{25D1C46B-888F-F201-D909-6559E5B180C1}"/>
+                </a:ext>
+              </a:extLst>
+            </p:cNvPr>
+            <p:cNvSpPr/>
+            <p:nvPr/>
+          </p:nvSpPr>
+          <p:spPr>
+            <a:xfrm>
+              <a:off x="1714500" y="1054100"/>
+              <a:ext cx="3098800" cy="635000"/>
+            </a:xfrm>
+            <a:prstGeom prst="cube">
+              <a:avLst>
+                <a:gd name="adj" fmla="val 21007"/>
+              </a:avLst>
+            </a:prstGeom>
+          </p:spPr>
+          <p:style>
+            <a:lnRef idx="3">
+              <a:schemeClr val="lt1"/>
+            </a:lnRef>
+            <a:fillRef idx="1">
+              <a:schemeClr val="accent1"/>
+            </a:fillRef>
+            <a:effectRef idx="1">
+              <a:schemeClr val="accent1"/>
+            </a:effectRef>
+            <a:fontRef idx="minor">
+              <a:schemeClr val="lt1"/>
+            </a:fontRef>
+          </p:style>
+          <p:txBody>
+            <a:bodyPr rtlCol="0" anchor="ctr"/>
+            <a:lstStyle/>
+            <a:p>
+              <a:pPr algn="ctr"/>
+              <a:r>
+                <a:rPr lang="ko-KR" altLang="en-US" sz="1200" dirty="0"/>
+                <a:t>컨테이너</a:t>
+              </a:r>
+              <a:r>
+                <a:rPr lang="en-US" altLang="ko-KR" sz="1200" dirty="0"/>
+                <a:t>-1 ( node )</a:t>
+              </a:r>
+            </a:p>
+          </p:txBody>
+        </p:sp>
+      </p:grpSp>
+      <p:sp>
+        <p:nvSpPr>
+          <p:cNvPr id="11" name="TextBox 10">
+            <a:extLst>
+              <a:ext uri="{FF2B5EF4-FFF2-40B4-BE49-F238E27FC236}">
+                <a16:creationId xmlns:a16="http://schemas.microsoft.com/office/drawing/2014/main" id="{3B2253F3-89D2-DFA6-346A-73B197567951}"/>
+              </a:ext>
+            </a:extLst>
+          </p:cNvPr>
+          <p:cNvSpPr txBox="1"/>
+          <p:nvPr/>
+        </p:nvSpPr>
+        <p:spPr>
+          <a:xfrm>
+            <a:off x="10388600" y="6596390"/>
+            <a:ext cx="1803400" cy="261610"/>
+          </a:xfrm>
+          <a:prstGeom prst="rect">
+            <a:avLst/>
+          </a:prstGeom>
+          <a:noFill/>
+        </p:spPr>
+        <p:txBody>
+          <a:bodyPr wrap="square" rtlCol="0">
+            <a:spAutoFit/>
+          </a:bodyPr>
+          <a:lstStyle/>
+          <a:p>
+            <a:pPr algn="r"/>
+            <a:r>
+              <a:rPr lang="en-US" altLang="ko-KR" sz="1100" dirty="0"/>
+              <a:t>Kim0lil/80700</a:t>
+            </a:r>
+            <a:endParaRPr lang="ko-KR" altLang="en-US" sz="1100" dirty="0"/>
+          </a:p>
+        </p:txBody>
+      </p:sp>
     </p:spTree>
     <p:extLst>
       <p:ext uri="{BB962C8B-B14F-4D97-AF65-F5344CB8AC3E}">
         <p14:creationId xmlns:p14="http://schemas.microsoft.com/office/powerpoint/2010/main" val="341249016"/>
+      </p:ext>
+    </p:extLst>
+  </p:cSld>
+  <p:clrMapOvr>
+    <a:masterClrMapping/>
+  </p:clrMapOvr>
+</p:sld>
+</file>
+
+<file path=ppt/slides/slide4.xml><?xml version="1.0" encoding="utf-8"?>
+<p:sld xmlns:a="http://schemas.openxmlformats.org/drawingml/2006/main" xmlns:r="http://schemas.openxmlformats.org/officeDocument/2006/relationships" xmlns:p="http://schemas.openxmlformats.org/presentationml/2006/main">
+  <p:cSld>
+    <p:spTree>
+      <p:nvGrpSpPr>
+        <p:cNvPr id="1" name=""/>
+        <p:cNvGrpSpPr/>
+        <p:nvPr/>
+      </p:nvGrpSpPr>
+      <p:grpSpPr>
+        <a:xfrm>
+          <a:off x="0" y="0"/>
+          <a:ext cx="0" cy="0"/>
+          <a:chOff x="0" y="0"/>
+          <a:chExt cx="0" cy="0"/>
+        </a:xfrm>
+      </p:grpSpPr>
+      <p:sp>
+        <p:nvSpPr>
+          <p:cNvPr id="2" name="TextBox 1">
+            <a:extLst>
+              <a:ext uri="{FF2B5EF4-FFF2-40B4-BE49-F238E27FC236}">
+                <a16:creationId xmlns:a16="http://schemas.microsoft.com/office/drawing/2014/main" id="{AF53483D-1A80-C107-D3AB-6901351F1D3F}"/>
+              </a:ext>
+            </a:extLst>
+          </p:cNvPr>
+          <p:cNvSpPr txBox="1"/>
+          <p:nvPr/>
+        </p:nvSpPr>
+        <p:spPr>
+          <a:xfrm>
+            <a:off x="10388600" y="6596390"/>
+            <a:ext cx="1803400" cy="261610"/>
+          </a:xfrm>
+          <a:prstGeom prst="rect">
+            <a:avLst/>
+          </a:prstGeom>
+          <a:noFill/>
+        </p:spPr>
+        <p:txBody>
+          <a:bodyPr wrap="square" rtlCol="0">
+            <a:spAutoFit/>
+          </a:bodyPr>
+          <a:lstStyle/>
+          <a:p>
+            <a:pPr algn="r"/>
+            <a:r>
+              <a:rPr lang="en-US" altLang="ko-KR" sz="1100" dirty="0"/>
+              <a:t>Kim0lil/80700</a:t>
+            </a:r>
+            <a:endParaRPr lang="ko-KR" altLang="en-US" sz="1100" dirty="0"/>
+          </a:p>
+        </p:txBody>
+      </p:sp>
+      <p:grpSp>
+        <p:nvGrpSpPr>
+          <p:cNvPr id="23" name="그룹 22">
+            <a:extLst>
+              <a:ext uri="{FF2B5EF4-FFF2-40B4-BE49-F238E27FC236}">
+                <a16:creationId xmlns:a16="http://schemas.microsoft.com/office/drawing/2014/main" id="{D034A8B0-DCB5-34EA-0226-8FBC14416F5C}"/>
+              </a:ext>
+            </a:extLst>
+          </p:cNvPr>
+          <p:cNvGrpSpPr/>
+          <p:nvPr/>
+        </p:nvGrpSpPr>
+        <p:grpSpPr>
+          <a:xfrm>
+            <a:off x="225287" y="203812"/>
+            <a:ext cx="4379840" cy="1139688"/>
+            <a:chOff x="212035" y="2840994"/>
+            <a:chExt cx="4379840" cy="1139688"/>
+          </a:xfrm>
+        </p:grpSpPr>
+        <p:sp>
+          <p:nvSpPr>
+            <p:cNvPr id="3" name="직사각형 2">
+              <a:extLst>
+                <a:ext uri="{FF2B5EF4-FFF2-40B4-BE49-F238E27FC236}">
+                  <a16:creationId xmlns:a16="http://schemas.microsoft.com/office/drawing/2014/main" id="{66413941-F700-8984-01FC-82B3789F4DDC}"/>
+                </a:ext>
+              </a:extLst>
+            </p:cNvPr>
+            <p:cNvSpPr/>
+            <p:nvPr/>
+          </p:nvSpPr>
+          <p:spPr>
+            <a:xfrm>
+              <a:off x="212035" y="2851052"/>
+              <a:ext cx="516835" cy="1129630"/>
+            </a:xfrm>
+            <a:prstGeom prst="rect">
+              <a:avLst/>
+            </a:prstGeom>
+          </p:spPr>
+          <p:style>
+            <a:lnRef idx="2">
+              <a:schemeClr val="dk1">
+                <a:shade val="50000"/>
+              </a:schemeClr>
+            </a:lnRef>
+            <a:fillRef idx="1">
+              <a:schemeClr val="dk1"/>
+            </a:fillRef>
+            <a:effectRef idx="0">
+              <a:schemeClr val="dk1"/>
+            </a:effectRef>
+            <a:fontRef idx="minor">
+              <a:schemeClr val="lt1"/>
+            </a:fontRef>
+          </p:style>
+          <p:txBody>
+            <a:bodyPr rtlCol="0" anchor="ctr"/>
+            <a:lstStyle/>
+            <a:p>
+              <a:pPr algn="ctr"/>
+              <a:r>
+                <a:rPr lang="ko-KR" altLang="en-US" sz="1400" dirty="0"/>
+                <a:t>사</a:t>
+              </a:r>
+              <a:endParaRPr lang="en-US" altLang="ko-KR" sz="1400" dirty="0"/>
+            </a:p>
+            <a:p>
+              <a:pPr algn="ctr"/>
+              <a:r>
+                <a:rPr lang="ko-KR" altLang="en-US" sz="1400" dirty="0"/>
+                <a:t>용</a:t>
+              </a:r>
+              <a:endParaRPr lang="en-US" altLang="ko-KR" sz="1400" dirty="0"/>
+            </a:p>
+            <a:p>
+              <a:pPr algn="ctr"/>
+              <a:r>
+                <a:rPr lang="ko-KR" altLang="en-US" sz="1400" dirty="0"/>
+                <a:t>자</a:t>
+              </a:r>
+            </a:p>
+          </p:txBody>
+        </p:sp>
+        <p:sp>
+          <p:nvSpPr>
+            <p:cNvPr id="6" name="직사각형 5">
+              <a:extLst>
+                <a:ext uri="{FF2B5EF4-FFF2-40B4-BE49-F238E27FC236}">
+                  <a16:creationId xmlns:a16="http://schemas.microsoft.com/office/drawing/2014/main" id="{A353697B-DC2E-34E9-2FD1-F3303CA4866F}"/>
+                </a:ext>
+              </a:extLst>
+            </p:cNvPr>
+            <p:cNvSpPr/>
+            <p:nvPr/>
+          </p:nvSpPr>
+          <p:spPr>
+            <a:xfrm>
+              <a:off x="2405268" y="2840994"/>
+              <a:ext cx="2186607" cy="1139687"/>
+            </a:xfrm>
+            <a:prstGeom prst="rect">
+              <a:avLst/>
+            </a:prstGeom>
+          </p:spPr>
+          <p:style>
+            <a:lnRef idx="2">
+              <a:schemeClr val="accent1">
+                <a:shade val="50000"/>
+              </a:schemeClr>
+            </a:lnRef>
+            <a:fillRef idx="1">
+              <a:schemeClr val="accent1"/>
+            </a:fillRef>
+            <a:effectRef idx="0">
+              <a:schemeClr val="accent1"/>
+            </a:effectRef>
+            <a:fontRef idx="minor">
+              <a:schemeClr val="lt1"/>
+            </a:fontRef>
+          </p:style>
+          <p:txBody>
+            <a:bodyPr rtlCol="0" anchor="ctr"/>
+            <a:lstStyle/>
+            <a:p>
+              <a:pPr algn="ctr"/>
+              <a:r>
+                <a:rPr lang="en-US" altLang="ko-KR" dirty="0"/>
+                <a:t>REST API Server</a:t>
+              </a:r>
+              <a:endParaRPr lang="ko-KR" altLang="en-US" dirty="0"/>
+            </a:p>
+          </p:txBody>
+        </p:sp>
+        <p:cxnSp>
+          <p:nvCxnSpPr>
+            <p:cNvPr id="11" name="직선 화살표 연결선 10">
+              <a:extLst>
+                <a:ext uri="{FF2B5EF4-FFF2-40B4-BE49-F238E27FC236}">
+                  <a16:creationId xmlns:a16="http://schemas.microsoft.com/office/drawing/2014/main" id="{854549B8-0C91-0315-5AFF-621602379016}"/>
+                </a:ext>
+              </a:extLst>
+            </p:cNvPr>
+            <p:cNvCxnSpPr>
+              <a:cxnSpLocks/>
+              <a:stCxn id="3" idx="3"/>
+              <a:endCxn id="6" idx="1"/>
+            </p:cNvCxnSpPr>
+            <p:nvPr/>
+          </p:nvCxnSpPr>
+          <p:spPr>
+            <a:xfrm flipV="1">
+              <a:off x="728870" y="3410838"/>
+              <a:ext cx="1676398" cy="5029"/>
+            </a:xfrm>
+            <a:prstGeom prst="straightConnector1">
+              <a:avLst/>
+            </a:prstGeom>
+            <a:ln>
+              <a:tailEnd type="triangle"/>
+            </a:ln>
+          </p:spPr>
+          <p:style>
+            <a:lnRef idx="1">
+              <a:schemeClr val="accent1"/>
+            </a:lnRef>
+            <a:fillRef idx="0">
+              <a:schemeClr val="accent1"/>
+            </a:fillRef>
+            <a:effectRef idx="0">
+              <a:schemeClr val="accent1"/>
+            </a:effectRef>
+            <a:fontRef idx="minor">
+              <a:schemeClr val="tx1"/>
+            </a:fontRef>
+          </p:style>
+        </p:cxnSp>
+        <p:sp>
+          <p:nvSpPr>
+            <p:cNvPr id="18" name="직사각형 17">
+              <a:extLst>
+                <a:ext uri="{FF2B5EF4-FFF2-40B4-BE49-F238E27FC236}">
+                  <a16:creationId xmlns:a16="http://schemas.microsoft.com/office/drawing/2014/main" id="{79DBD43B-1F04-0561-D41F-D7918B90B514}"/>
+                </a:ext>
+              </a:extLst>
+            </p:cNvPr>
+            <p:cNvSpPr/>
+            <p:nvPr/>
+          </p:nvSpPr>
+          <p:spPr>
+            <a:xfrm>
+              <a:off x="881268" y="2851052"/>
+              <a:ext cx="1371602" cy="382657"/>
+            </a:xfrm>
+            <a:prstGeom prst="rect">
+              <a:avLst/>
+            </a:prstGeom>
+            <a:ln w="28575">
+              <a:solidFill>
+                <a:srgbClr val="FF0000"/>
+              </a:solidFill>
+            </a:ln>
+          </p:spPr>
+          <p:style>
+            <a:lnRef idx="2">
+              <a:schemeClr val="accent5"/>
+            </a:lnRef>
+            <a:fillRef idx="1">
+              <a:schemeClr val="lt1"/>
+            </a:fillRef>
+            <a:effectRef idx="0">
+              <a:schemeClr val="accent5"/>
+            </a:effectRef>
+            <a:fontRef idx="minor">
+              <a:schemeClr val="dk1"/>
+            </a:fontRef>
+          </p:style>
+          <p:txBody>
+            <a:bodyPr rtlCol="0" anchor="ctr"/>
+            <a:lstStyle/>
+            <a:p>
+              <a:pPr algn="ctr"/>
+              <a:r>
+                <a:rPr lang="en-US" altLang="ko-KR" sz="1200" dirty="0"/>
+                <a:t>(1) kubectl</a:t>
+              </a:r>
+              <a:endParaRPr lang="ko-KR" altLang="en-US" sz="1200" dirty="0"/>
+            </a:p>
+          </p:txBody>
+        </p:sp>
+      </p:grpSp>
+    </p:spTree>
+    <p:extLst>
+      <p:ext uri="{BB962C8B-B14F-4D97-AF65-F5344CB8AC3E}">
+        <p14:creationId xmlns:p14="http://schemas.microsoft.com/office/powerpoint/2010/main" val="1105819"/>
+      </p:ext>
+    </p:extLst>
+  </p:cSld>
+  <p:clrMapOvr>
+    <a:masterClrMapping/>
+  </p:clrMapOvr>
+</p:sld>
+</file>
+
+<file path=ppt/slides/slide5.xml><?xml version="1.0" encoding="utf-8"?>
+<p:sld xmlns:a="http://schemas.openxmlformats.org/drawingml/2006/main" xmlns:r="http://schemas.openxmlformats.org/officeDocument/2006/relationships" xmlns:p="http://schemas.openxmlformats.org/presentationml/2006/main">
+  <p:cSld>
+    <p:spTree>
+      <p:nvGrpSpPr>
+        <p:cNvPr id="1" name=""/>
+        <p:cNvGrpSpPr/>
+        <p:nvPr/>
+      </p:nvGrpSpPr>
+      <p:grpSpPr>
+        <a:xfrm>
+          <a:off x="0" y="0"/>
+          <a:ext cx="0" cy="0"/>
+          <a:chOff x="0" y="0"/>
+          <a:chExt cx="0" cy="0"/>
+        </a:xfrm>
+      </p:grpSpPr>
+      <p:sp>
+        <p:nvSpPr>
+          <p:cNvPr id="2" name="TextBox 1">
+            <a:extLst>
+              <a:ext uri="{FF2B5EF4-FFF2-40B4-BE49-F238E27FC236}">
+                <a16:creationId xmlns:a16="http://schemas.microsoft.com/office/drawing/2014/main" id="{AF53483D-1A80-C107-D3AB-6901351F1D3F}"/>
+              </a:ext>
+            </a:extLst>
+          </p:cNvPr>
+          <p:cNvSpPr txBox="1"/>
+          <p:nvPr/>
+        </p:nvSpPr>
+        <p:spPr>
+          <a:xfrm>
+            <a:off x="10388600" y="6596390"/>
+            <a:ext cx="1803400" cy="261610"/>
+          </a:xfrm>
+          <a:prstGeom prst="rect">
+            <a:avLst/>
+          </a:prstGeom>
+          <a:noFill/>
+        </p:spPr>
+        <p:txBody>
+          <a:bodyPr wrap="square" rtlCol="0">
+            <a:spAutoFit/>
+          </a:bodyPr>
+          <a:lstStyle/>
+          <a:p>
+            <a:pPr algn="r"/>
+            <a:r>
+              <a:rPr lang="en-US" altLang="ko-KR" sz="1100" dirty="0"/>
+              <a:t>Kim0lil/80700</a:t>
+            </a:r>
+            <a:endParaRPr lang="ko-KR" altLang="en-US" sz="1100" dirty="0"/>
+          </a:p>
+        </p:txBody>
+      </p:sp>
+      <p:grpSp>
+        <p:nvGrpSpPr>
+          <p:cNvPr id="60" name="그룹 59">
+            <a:extLst>
+              <a:ext uri="{FF2B5EF4-FFF2-40B4-BE49-F238E27FC236}">
+                <a16:creationId xmlns:a16="http://schemas.microsoft.com/office/drawing/2014/main" id="{A7DD4043-40D2-5EA3-F83D-CDEDC9E4B841}"/>
+              </a:ext>
+            </a:extLst>
+          </p:cNvPr>
+          <p:cNvGrpSpPr/>
+          <p:nvPr/>
+        </p:nvGrpSpPr>
+        <p:grpSpPr>
+          <a:xfrm>
+            <a:off x="225287" y="203812"/>
+            <a:ext cx="8521143" cy="2045912"/>
+            <a:chOff x="225287" y="203812"/>
+            <a:chExt cx="8521143" cy="2045912"/>
+          </a:xfrm>
+        </p:grpSpPr>
+        <p:grpSp>
+          <p:nvGrpSpPr>
+            <p:cNvPr id="23" name="그룹 22">
+              <a:extLst>
+                <a:ext uri="{FF2B5EF4-FFF2-40B4-BE49-F238E27FC236}">
+                  <a16:creationId xmlns:a16="http://schemas.microsoft.com/office/drawing/2014/main" id="{D034A8B0-DCB5-34EA-0226-8FBC14416F5C}"/>
+                </a:ext>
+              </a:extLst>
+            </p:cNvPr>
+            <p:cNvGrpSpPr/>
+            <p:nvPr/>
+          </p:nvGrpSpPr>
+          <p:grpSpPr>
+            <a:xfrm>
+              <a:off x="225287" y="203812"/>
+              <a:ext cx="4379840" cy="1139688"/>
+              <a:chOff x="212035" y="2840994"/>
+              <a:chExt cx="4379840" cy="1139688"/>
+            </a:xfrm>
+          </p:grpSpPr>
+          <p:sp>
+            <p:nvSpPr>
+              <p:cNvPr id="3" name="직사각형 2">
+                <a:extLst>
+                  <a:ext uri="{FF2B5EF4-FFF2-40B4-BE49-F238E27FC236}">
+                    <a16:creationId xmlns:a16="http://schemas.microsoft.com/office/drawing/2014/main" id="{66413941-F700-8984-01FC-82B3789F4DDC}"/>
+                  </a:ext>
+                </a:extLst>
+              </p:cNvPr>
+              <p:cNvSpPr/>
+              <p:nvPr/>
+            </p:nvSpPr>
+            <p:spPr>
+              <a:xfrm>
+                <a:off x="212035" y="2851052"/>
+                <a:ext cx="516835" cy="1129630"/>
+              </a:xfrm>
+              <a:prstGeom prst="rect">
+                <a:avLst/>
+              </a:prstGeom>
+            </p:spPr>
+            <p:style>
+              <a:lnRef idx="2">
+                <a:schemeClr val="dk1">
+                  <a:shade val="50000"/>
+                </a:schemeClr>
+              </a:lnRef>
+              <a:fillRef idx="1">
+                <a:schemeClr val="dk1"/>
+              </a:fillRef>
+              <a:effectRef idx="0">
+                <a:schemeClr val="dk1"/>
+              </a:effectRef>
+              <a:fontRef idx="minor">
+                <a:schemeClr val="lt1"/>
+              </a:fontRef>
+            </p:style>
+            <p:txBody>
+              <a:bodyPr rtlCol="0" anchor="ctr"/>
+              <a:lstStyle/>
+              <a:p>
+                <a:pPr algn="ctr"/>
+                <a:r>
+                  <a:rPr lang="ko-KR" altLang="en-US" sz="1400" dirty="0"/>
+                  <a:t>사</a:t>
+                </a:r>
+                <a:endParaRPr lang="en-US" altLang="ko-KR" sz="1400" dirty="0"/>
+              </a:p>
+              <a:p>
+                <a:pPr algn="ctr"/>
+                <a:r>
+                  <a:rPr lang="ko-KR" altLang="en-US" sz="1400" dirty="0"/>
+                  <a:t>용</a:t>
+                </a:r>
+                <a:endParaRPr lang="en-US" altLang="ko-KR" sz="1400" dirty="0"/>
+              </a:p>
+              <a:p>
+                <a:pPr algn="ctr"/>
+                <a:r>
+                  <a:rPr lang="ko-KR" altLang="en-US" sz="1400" dirty="0"/>
+                  <a:t>자</a:t>
+                </a:r>
+              </a:p>
+            </p:txBody>
+          </p:sp>
+          <p:sp>
+            <p:nvSpPr>
+              <p:cNvPr id="6" name="직사각형 5">
+                <a:extLst>
+                  <a:ext uri="{FF2B5EF4-FFF2-40B4-BE49-F238E27FC236}">
+                    <a16:creationId xmlns:a16="http://schemas.microsoft.com/office/drawing/2014/main" id="{A353697B-DC2E-34E9-2FD1-F3303CA4866F}"/>
+                  </a:ext>
+                </a:extLst>
+              </p:cNvPr>
+              <p:cNvSpPr/>
+              <p:nvPr/>
+            </p:nvSpPr>
+            <p:spPr>
+              <a:xfrm>
+                <a:off x="2405268" y="2840994"/>
+                <a:ext cx="2186607" cy="1139687"/>
+              </a:xfrm>
+              <a:prstGeom prst="rect">
+                <a:avLst/>
+              </a:prstGeom>
+            </p:spPr>
+            <p:style>
+              <a:lnRef idx="2">
+                <a:schemeClr val="accent1">
+                  <a:shade val="50000"/>
+                </a:schemeClr>
+              </a:lnRef>
+              <a:fillRef idx="1">
+                <a:schemeClr val="accent1"/>
+              </a:fillRef>
+              <a:effectRef idx="0">
+                <a:schemeClr val="accent1"/>
+              </a:effectRef>
+              <a:fontRef idx="minor">
+                <a:schemeClr val="lt1"/>
+              </a:fontRef>
+            </p:style>
+            <p:txBody>
+              <a:bodyPr rtlCol="0" anchor="ctr"/>
+              <a:lstStyle/>
+              <a:p>
+                <a:pPr algn="ctr"/>
+                <a:r>
+                  <a:rPr lang="en-US" altLang="ko-KR" dirty="0"/>
+                  <a:t>REST API Server</a:t>
+                </a:r>
+                <a:endParaRPr lang="ko-KR" altLang="en-US" dirty="0"/>
+              </a:p>
+            </p:txBody>
+          </p:sp>
+          <p:cxnSp>
+            <p:nvCxnSpPr>
+              <p:cNvPr id="11" name="직선 화살표 연결선 10">
+                <a:extLst>
+                  <a:ext uri="{FF2B5EF4-FFF2-40B4-BE49-F238E27FC236}">
+                    <a16:creationId xmlns:a16="http://schemas.microsoft.com/office/drawing/2014/main" id="{854549B8-0C91-0315-5AFF-621602379016}"/>
+                  </a:ext>
+                </a:extLst>
+              </p:cNvPr>
+              <p:cNvCxnSpPr>
+                <a:cxnSpLocks/>
+                <a:stCxn id="3" idx="3"/>
+                <a:endCxn id="6" idx="1"/>
+              </p:cNvCxnSpPr>
+              <p:nvPr/>
+            </p:nvCxnSpPr>
+            <p:spPr>
+              <a:xfrm flipV="1">
+                <a:off x="728870" y="3410838"/>
+                <a:ext cx="1676398" cy="5029"/>
+              </a:xfrm>
+              <a:prstGeom prst="straightConnector1">
+                <a:avLst/>
+              </a:prstGeom>
+              <a:ln>
+                <a:tailEnd type="triangle"/>
+              </a:ln>
+            </p:spPr>
+            <p:style>
+              <a:lnRef idx="1">
+                <a:schemeClr val="accent1"/>
+              </a:lnRef>
+              <a:fillRef idx="0">
+                <a:schemeClr val="accent1"/>
+              </a:fillRef>
+              <a:effectRef idx="0">
+                <a:schemeClr val="accent1"/>
+              </a:effectRef>
+              <a:fontRef idx="minor">
+                <a:schemeClr val="tx1"/>
+              </a:fontRef>
+            </p:style>
+          </p:cxnSp>
+          <p:sp>
+            <p:nvSpPr>
+              <p:cNvPr id="18" name="직사각형 17">
+                <a:extLst>
+                  <a:ext uri="{FF2B5EF4-FFF2-40B4-BE49-F238E27FC236}">
+                    <a16:creationId xmlns:a16="http://schemas.microsoft.com/office/drawing/2014/main" id="{79DBD43B-1F04-0561-D41F-D7918B90B514}"/>
+                  </a:ext>
+                </a:extLst>
+              </p:cNvPr>
+              <p:cNvSpPr/>
+              <p:nvPr/>
+            </p:nvSpPr>
+            <p:spPr>
+              <a:xfrm>
+                <a:off x="881268" y="2851052"/>
+                <a:ext cx="1371602" cy="382657"/>
+              </a:xfrm>
+              <a:prstGeom prst="rect">
+                <a:avLst/>
+              </a:prstGeom>
+              <a:ln w="28575">
+                <a:solidFill>
+                  <a:srgbClr val="FF0000"/>
+                </a:solidFill>
+              </a:ln>
+            </p:spPr>
+            <p:style>
+              <a:lnRef idx="2">
+                <a:schemeClr val="accent5"/>
+              </a:lnRef>
+              <a:fillRef idx="1">
+                <a:schemeClr val="lt1"/>
+              </a:fillRef>
+              <a:effectRef idx="0">
+                <a:schemeClr val="accent5"/>
+              </a:effectRef>
+              <a:fontRef idx="minor">
+                <a:schemeClr val="dk1"/>
+              </a:fontRef>
+            </p:style>
+            <p:txBody>
+              <a:bodyPr rtlCol="0" anchor="ctr"/>
+              <a:lstStyle/>
+              <a:p>
+                <a:pPr algn="ctr"/>
+                <a:r>
+                  <a:rPr lang="en-US" altLang="ko-KR" sz="1200" dirty="0"/>
+                  <a:t>(1) kubectl</a:t>
+                </a:r>
+                <a:endParaRPr lang="ko-KR" altLang="en-US" sz="1200" dirty="0"/>
+              </a:p>
+            </p:txBody>
+          </p:sp>
+        </p:grpSp>
+        <p:cxnSp>
+          <p:nvCxnSpPr>
+            <p:cNvPr id="4" name="직선 화살표 연결선 3">
+              <a:extLst>
+                <a:ext uri="{FF2B5EF4-FFF2-40B4-BE49-F238E27FC236}">
+                  <a16:creationId xmlns:a16="http://schemas.microsoft.com/office/drawing/2014/main" id="{E9383F86-AE9F-4ADE-7812-45740865FB79}"/>
+                </a:ext>
+              </a:extLst>
+            </p:cNvPr>
+            <p:cNvCxnSpPr>
+              <a:cxnSpLocks/>
+              <a:stCxn id="6" idx="3"/>
+              <a:endCxn id="7" idx="2"/>
+            </p:cNvCxnSpPr>
+            <p:nvPr/>
+          </p:nvCxnSpPr>
+          <p:spPr>
+            <a:xfrm flipV="1">
+              <a:off x="4605127" y="773655"/>
+              <a:ext cx="1610144" cy="1"/>
+            </a:xfrm>
+            <a:prstGeom prst="straightConnector1">
+              <a:avLst/>
+            </a:prstGeom>
+            <a:ln w="12700">
+              <a:tailEnd type="triangle"/>
+            </a:ln>
+          </p:spPr>
+          <p:style>
+            <a:lnRef idx="1">
+              <a:schemeClr val="accent1"/>
+            </a:lnRef>
+            <a:fillRef idx="0">
+              <a:schemeClr val="accent1"/>
+            </a:fillRef>
+            <a:effectRef idx="0">
+              <a:schemeClr val="accent1"/>
+            </a:effectRef>
+            <a:fontRef idx="minor">
+              <a:schemeClr val="tx1"/>
+            </a:fontRef>
+          </p:style>
+        </p:cxnSp>
+        <p:sp>
+          <p:nvSpPr>
+            <p:cNvPr id="5" name="직사각형 4">
+              <a:extLst>
+                <a:ext uri="{FF2B5EF4-FFF2-40B4-BE49-F238E27FC236}">
+                  <a16:creationId xmlns:a16="http://schemas.microsoft.com/office/drawing/2014/main" id="{B0B40904-FFC5-95CB-6B29-B7977A74134F}"/>
+                </a:ext>
+              </a:extLst>
+            </p:cNvPr>
+            <p:cNvSpPr/>
+            <p:nvPr/>
+          </p:nvSpPr>
+          <p:spPr>
+            <a:xfrm>
+              <a:off x="6215271" y="1689938"/>
+              <a:ext cx="1013799" cy="559786"/>
+            </a:xfrm>
+            <a:prstGeom prst="rect">
+              <a:avLst/>
+            </a:prstGeom>
+          </p:spPr>
+          <p:style>
+            <a:lnRef idx="2">
+              <a:schemeClr val="accent2">
+                <a:shade val="50000"/>
+              </a:schemeClr>
+            </a:lnRef>
+            <a:fillRef idx="1">
+              <a:schemeClr val="accent2"/>
+            </a:fillRef>
+            <a:effectRef idx="0">
+              <a:schemeClr val="accent2"/>
+            </a:effectRef>
+            <a:fontRef idx="minor">
+              <a:schemeClr val="lt1"/>
+            </a:fontRef>
+          </p:style>
+          <p:txBody>
+            <a:bodyPr rtlCol="0" anchor="ctr"/>
+            <a:lstStyle/>
+            <a:p>
+              <a:pPr algn="ctr"/>
+              <a:r>
+                <a:rPr lang="en-US" altLang="ko-KR" sz="1400" dirty="0"/>
+                <a:t>Scheduler</a:t>
+              </a:r>
+              <a:endParaRPr lang="ko-KR" altLang="en-US" sz="1400" dirty="0"/>
+            </a:p>
+          </p:txBody>
+        </p:sp>
+        <p:sp>
+          <p:nvSpPr>
+            <p:cNvPr id="7" name="원통형 6">
+              <a:extLst>
+                <a:ext uri="{FF2B5EF4-FFF2-40B4-BE49-F238E27FC236}">
+                  <a16:creationId xmlns:a16="http://schemas.microsoft.com/office/drawing/2014/main" id="{6413BFE5-C944-7158-C1D7-810C7EB85967}"/>
+                </a:ext>
+              </a:extLst>
+            </p:cNvPr>
+            <p:cNvSpPr/>
+            <p:nvPr/>
+          </p:nvSpPr>
+          <p:spPr>
+            <a:xfrm>
+              <a:off x="6215271" y="311414"/>
+              <a:ext cx="1013799" cy="924482"/>
+            </a:xfrm>
+            <a:prstGeom prst="can">
+              <a:avLst>
+                <a:gd name="adj" fmla="val 32806"/>
+              </a:avLst>
+            </a:prstGeom>
+          </p:spPr>
+          <p:style>
+            <a:lnRef idx="2">
+              <a:schemeClr val="accent1">
+                <a:shade val="50000"/>
+              </a:schemeClr>
+            </a:lnRef>
+            <a:fillRef idx="1">
+              <a:schemeClr val="accent1"/>
+            </a:fillRef>
+            <a:effectRef idx="0">
+              <a:schemeClr val="accent1"/>
+            </a:effectRef>
+            <a:fontRef idx="minor">
+              <a:schemeClr val="lt1"/>
+            </a:fontRef>
+          </p:style>
+          <p:txBody>
+            <a:bodyPr rtlCol="0" anchor="ctr"/>
+            <a:lstStyle/>
+            <a:p>
+              <a:pPr algn="ctr"/>
+              <a:r>
+                <a:rPr lang="en-US" altLang="ko-KR" sz="1400" dirty="0"/>
+                <a:t>ETCD</a:t>
+              </a:r>
+              <a:endParaRPr lang="ko-KR" altLang="en-US" sz="1400" dirty="0"/>
+            </a:p>
+          </p:txBody>
+        </p:sp>
+        <p:sp>
+          <p:nvSpPr>
+            <p:cNvPr id="16" name="직사각형 15">
+              <a:extLst>
+                <a:ext uri="{FF2B5EF4-FFF2-40B4-BE49-F238E27FC236}">
+                  <a16:creationId xmlns:a16="http://schemas.microsoft.com/office/drawing/2014/main" id="{28F0E143-4AA5-1C00-25F2-04BB373CD848}"/>
+                </a:ext>
+              </a:extLst>
+            </p:cNvPr>
+            <p:cNvSpPr/>
+            <p:nvPr/>
+          </p:nvSpPr>
+          <p:spPr>
+            <a:xfrm>
+              <a:off x="4757525" y="203812"/>
+              <a:ext cx="1371602" cy="382657"/>
+            </a:xfrm>
+            <a:prstGeom prst="rect">
+              <a:avLst/>
+            </a:prstGeom>
+            <a:ln w="28575">
+              <a:solidFill>
+                <a:srgbClr val="FF0000"/>
+              </a:solidFill>
+            </a:ln>
+          </p:spPr>
+          <p:style>
+            <a:lnRef idx="2">
+              <a:schemeClr val="accent2"/>
+            </a:lnRef>
+            <a:fillRef idx="1">
+              <a:schemeClr val="lt1"/>
+            </a:fillRef>
+            <a:effectRef idx="0">
+              <a:schemeClr val="accent2"/>
+            </a:effectRef>
+            <a:fontRef idx="minor">
+              <a:schemeClr val="dk1"/>
+            </a:fontRef>
+          </p:style>
+          <p:txBody>
+            <a:bodyPr rtlCol="0" anchor="ctr"/>
+            <a:lstStyle/>
+            <a:p>
+              <a:pPr algn="ctr"/>
+              <a:r>
+                <a:rPr lang="en-US" altLang="ko-KR" sz="1200" dirty="0"/>
+                <a:t>(2) </a:t>
+              </a:r>
+              <a:r>
+                <a:rPr lang="ko-KR" altLang="en-US" sz="1200" dirty="0"/>
+                <a:t>정보 저장</a:t>
+              </a:r>
+            </a:p>
+          </p:txBody>
+        </p:sp>
+        <p:sp>
+          <p:nvSpPr>
+            <p:cNvPr id="19" name="직사각형 18">
+              <a:extLst>
+                <a:ext uri="{FF2B5EF4-FFF2-40B4-BE49-F238E27FC236}">
+                  <a16:creationId xmlns:a16="http://schemas.microsoft.com/office/drawing/2014/main" id="{D45FAD8A-00B0-FB4A-9908-5D1378362BC2}"/>
+                </a:ext>
+              </a:extLst>
+            </p:cNvPr>
+            <p:cNvSpPr/>
+            <p:nvPr/>
+          </p:nvSpPr>
+          <p:spPr>
+            <a:xfrm>
+              <a:off x="4757525" y="1307149"/>
+              <a:ext cx="1371602" cy="535086"/>
+            </a:xfrm>
+            <a:prstGeom prst="rect">
+              <a:avLst/>
+            </a:prstGeom>
+            <a:ln w="28575">
+              <a:solidFill>
+                <a:srgbClr val="FF0000"/>
+              </a:solidFill>
+            </a:ln>
+          </p:spPr>
+          <p:style>
+            <a:lnRef idx="2">
+              <a:schemeClr val="accent2"/>
+            </a:lnRef>
+            <a:fillRef idx="1">
+              <a:schemeClr val="lt1"/>
+            </a:fillRef>
+            <a:effectRef idx="0">
+              <a:schemeClr val="accent2"/>
+            </a:effectRef>
+            <a:fontRef idx="minor">
+              <a:schemeClr val="dk1"/>
+            </a:fontRef>
+          </p:style>
+          <p:txBody>
+            <a:bodyPr rtlCol="0" anchor="ctr"/>
+            <a:lstStyle/>
+            <a:p>
+              <a:pPr algn="ctr"/>
+              <a:r>
+                <a:rPr lang="en-US" altLang="ko-KR" sz="1200" dirty="0"/>
+                <a:t>(3) </a:t>
+              </a:r>
+              <a:r>
+                <a:rPr lang="ko-KR" altLang="en-US" sz="1200" dirty="0"/>
+                <a:t>적재 가능한 노드 스캐줄링</a:t>
+              </a:r>
+            </a:p>
+          </p:txBody>
+        </p:sp>
+        <p:cxnSp>
+          <p:nvCxnSpPr>
+            <p:cNvPr id="25" name="연결선: 꺾임 24">
+              <a:extLst>
+                <a:ext uri="{FF2B5EF4-FFF2-40B4-BE49-F238E27FC236}">
+                  <a16:creationId xmlns:a16="http://schemas.microsoft.com/office/drawing/2014/main" id="{09540C65-2FB3-7633-EA2A-8A62BFCF2ADC}"/>
+                </a:ext>
+              </a:extLst>
+            </p:cNvPr>
+            <p:cNvCxnSpPr>
+              <a:cxnSpLocks/>
+              <a:endCxn id="5" idx="1"/>
+            </p:cNvCxnSpPr>
+            <p:nvPr/>
+          </p:nvCxnSpPr>
+          <p:spPr>
+            <a:xfrm>
+              <a:off x="4015409" y="1341616"/>
+              <a:ext cx="2199862" cy="628215"/>
+            </a:xfrm>
+            <a:prstGeom prst="bentConnector3">
+              <a:avLst>
+                <a:gd name="adj1" fmla="val -4819"/>
+              </a:avLst>
+            </a:prstGeom>
+            <a:ln w="12700">
+              <a:prstDash val="dash"/>
+              <a:tailEnd type="triangle"/>
+            </a:ln>
+          </p:spPr>
+          <p:style>
+            <a:lnRef idx="1">
+              <a:schemeClr val="accent1"/>
+            </a:lnRef>
+            <a:fillRef idx="0">
+              <a:schemeClr val="accent1"/>
+            </a:fillRef>
+            <a:effectRef idx="0">
+              <a:schemeClr val="accent1"/>
+            </a:effectRef>
+            <a:fontRef idx="minor">
+              <a:schemeClr val="tx1"/>
+            </a:fontRef>
+          </p:style>
+        </p:cxnSp>
+        <p:sp>
+          <p:nvSpPr>
+            <p:cNvPr id="28" name="직사각형 27">
+              <a:extLst>
+                <a:ext uri="{FF2B5EF4-FFF2-40B4-BE49-F238E27FC236}">
+                  <a16:creationId xmlns:a16="http://schemas.microsoft.com/office/drawing/2014/main" id="{4AA9DC86-D879-7961-C810-2BE87E0C9081}"/>
+                </a:ext>
+              </a:extLst>
+            </p:cNvPr>
+            <p:cNvSpPr/>
+            <p:nvPr/>
+          </p:nvSpPr>
+          <p:spPr>
+            <a:xfrm>
+              <a:off x="7374828" y="1307149"/>
+              <a:ext cx="1371602" cy="535086"/>
+            </a:xfrm>
+            <a:prstGeom prst="rect">
+              <a:avLst/>
+            </a:prstGeom>
+            <a:ln w="28575">
+              <a:solidFill>
+                <a:srgbClr val="FF0000"/>
+              </a:solidFill>
+            </a:ln>
+          </p:spPr>
+          <p:style>
+            <a:lnRef idx="2">
+              <a:schemeClr val="accent2"/>
+            </a:lnRef>
+            <a:fillRef idx="1">
+              <a:schemeClr val="lt1"/>
+            </a:fillRef>
+            <a:effectRef idx="0">
+              <a:schemeClr val="accent2"/>
+            </a:effectRef>
+            <a:fontRef idx="minor">
+              <a:schemeClr val="dk1"/>
+            </a:fontRef>
+          </p:style>
+          <p:txBody>
+            <a:bodyPr rtlCol="0" anchor="ctr"/>
+            <a:lstStyle/>
+            <a:p>
+              <a:pPr algn="ctr"/>
+              <a:r>
+                <a:rPr lang="en-US" altLang="ko-KR" sz="1200" dirty="0"/>
+                <a:t>(4) </a:t>
+              </a:r>
+              <a:r>
+                <a:rPr lang="ko-KR" altLang="en-US" sz="1200" dirty="0"/>
+                <a:t>적재 가능한 노드 통지</a:t>
+              </a:r>
+            </a:p>
+          </p:txBody>
+        </p:sp>
+        <p:cxnSp>
+          <p:nvCxnSpPr>
+            <p:cNvPr id="30" name="연결선: 꺾임 29">
+              <a:extLst>
+                <a:ext uri="{FF2B5EF4-FFF2-40B4-BE49-F238E27FC236}">
+                  <a16:creationId xmlns:a16="http://schemas.microsoft.com/office/drawing/2014/main" id="{EEC5712B-F048-E912-F6AA-69A78C09E7A1}"/>
+                </a:ext>
+              </a:extLst>
+            </p:cNvPr>
+            <p:cNvCxnSpPr>
+              <a:cxnSpLocks/>
+              <a:stCxn id="5" idx="3"/>
+              <a:endCxn id="6" idx="2"/>
+            </p:cNvCxnSpPr>
+            <p:nvPr/>
+          </p:nvCxnSpPr>
+          <p:spPr>
+            <a:xfrm flipH="1" flipV="1">
+              <a:off x="3511824" y="1343499"/>
+              <a:ext cx="3717246" cy="626332"/>
+            </a:xfrm>
+            <a:prstGeom prst="bentConnector4">
+              <a:avLst>
+                <a:gd name="adj1" fmla="val -23619"/>
+                <a:gd name="adj2" fmla="val -149818"/>
+              </a:avLst>
+            </a:prstGeom>
+            <a:ln w="12700">
+              <a:tailEnd type="triangle"/>
+            </a:ln>
+          </p:spPr>
+          <p:style>
+            <a:lnRef idx="1">
+              <a:schemeClr val="accent1"/>
+            </a:lnRef>
+            <a:fillRef idx="0">
+              <a:schemeClr val="accent1"/>
+            </a:fillRef>
+            <a:effectRef idx="0">
+              <a:schemeClr val="accent1"/>
+            </a:effectRef>
+            <a:fontRef idx="minor">
+              <a:schemeClr val="tx1"/>
+            </a:fontRef>
+          </p:style>
+        </p:cxnSp>
+      </p:grpSp>
+    </p:spTree>
+    <p:extLst>
+      <p:ext uri="{BB962C8B-B14F-4D97-AF65-F5344CB8AC3E}">
+        <p14:creationId xmlns:p14="http://schemas.microsoft.com/office/powerpoint/2010/main" val="42835482"/>
+      </p:ext>
+    </p:extLst>
+  </p:cSld>
+  <p:clrMapOvr>
+    <a:masterClrMapping/>
+  </p:clrMapOvr>
+</p:sld>
+</file>
+
+<file path=ppt/slides/slide6.xml><?xml version="1.0" encoding="utf-8"?>
+<p:sld xmlns:a="http://schemas.openxmlformats.org/drawingml/2006/main" xmlns:r="http://schemas.openxmlformats.org/officeDocument/2006/relationships" xmlns:p="http://schemas.openxmlformats.org/presentationml/2006/main">
+  <p:cSld>
+    <p:spTree>
+      <p:nvGrpSpPr>
+        <p:cNvPr id="1" name=""/>
+        <p:cNvGrpSpPr/>
+        <p:nvPr/>
+      </p:nvGrpSpPr>
+      <p:grpSpPr>
+        <a:xfrm>
+          <a:off x="0" y="0"/>
+          <a:ext cx="0" cy="0"/>
+          <a:chOff x="0" y="0"/>
+          <a:chExt cx="0" cy="0"/>
+        </a:xfrm>
+      </p:grpSpPr>
+      <p:sp>
+        <p:nvSpPr>
+          <p:cNvPr id="2" name="TextBox 1">
+            <a:extLst>
+              <a:ext uri="{FF2B5EF4-FFF2-40B4-BE49-F238E27FC236}">
+                <a16:creationId xmlns:a16="http://schemas.microsoft.com/office/drawing/2014/main" id="{AF53483D-1A80-C107-D3AB-6901351F1D3F}"/>
+              </a:ext>
+            </a:extLst>
+          </p:cNvPr>
+          <p:cNvSpPr txBox="1"/>
+          <p:nvPr/>
+        </p:nvSpPr>
+        <p:spPr>
+          <a:xfrm>
+            <a:off x="10388600" y="6596390"/>
+            <a:ext cx="1803400" cy="261610"/>
+          </a:xfrm>
+          <a:prstGeom prst="rect">
+            <a:avLst/>
+          </a:prstGeom>
+          <a:noFill/>
+        </p:spPr>
+        <p:txBody>
+          <a:bodyPr wrap="square" rtlCol="0">
+            <a:spAutoFit/>
+          </a:bodyPr>
+          <a:lstStyle/>
+          <a:p>
+            <a:pPr algn="r"/>
+            <a:r>
+              <a:rPr lang="en-US" altLang="ko-KR" sz="1100" dirty="0"/>
+              <a:t>Kim0lil/80700</a:t>
+            </a:r>
+            <a:endParaRPr lang="ko-KR" altLang="en-US" sz="1100" dirty="0"/>
+          </a:p>
+        </p:txBody>
+      </p:sp>
+      <p:grpSp>
+        <p:nvGrpSpPr>
+          <p:cNvPr id="8" name="그룹 7">
+            <a:extLst>
+              <a:ext uri="{FF2B5EF4-FFF2-40B4-BE49-F238E27FC236}">
+                <a16:creationId xmlns:a16="http://schemas.microsoft.com/office/drawing/2014/main" id="{5FFA95A5-C6EB-DC83-8938-2DC6AD5F01BD}"/>
+              </a:ext>
+            </a:extLst>
+          </p:cNvPr>
+          <p:cNvGrpSpPr/>
+          <p:nvPr/>
+        </p:nvGrpSpPr>
+        <p:grpSpPr>
+          <a:xfrm>
+            <a:off x="225286" y="203812"/>
+            <a:ext cx="8521144" cy="5738073"/>
+            <a:chOff x="225286" y="203812"/>
+            <a:chExt cx="8521144" cy="5738073"/>
+          </a:xfrm>
+        </p:grpSpPr>
+        <p:grpSp>
+          <p:nvGrpSpPr>
+            <p:cNvPr id="23" name="그룹 22">
+              <a:extLst>
+                <a:ext uri="{FF2B5EF4-FFF2-40B4-BE49-F238E27FC236}">
+                  <a16:creationId xmlns:a16="http://schemas.microsoft.com/office/drawing/2014/main" id="{D034A8B0-DCB5-34EA-0226-8FBC14416F5C}"/>
+                </a:ext>
+              </a:extLst>
+            </p:cNvPr>
+            <p:cNvGrpSpPr/>
+            <p:nvPr/>
+          </p:nvGrpSpPr>
+          <p:grpSpPr>
+            <a:xfrm>
+              <a:off x="225287" y="203812"/>
+              <a:ext cx="4379840" cy="1139688"/>
+              <a:chOff x="212035" y="2840994"/>
+              <a:chExt cx="4379840" cy="1139688"/>
+            </a:xfrm>
+          </p:grpSpPr>
+          <p:sp>
+            <p:nvSpPr>
+              <p:cNvPr id="3" name="직사각형 2">
+                <a:extLst>
+                  <a:ext uri="{FF2B5EF4-FFF2-40B4-BE49-F238E27FC236}">
+                    <a16:creationId xmlns:a16="http://schemas.microsoft.com/office/drawing/2014/main" id="{66413941-F700-8984-01FC-82B3789F4DDC}"/>
+                  </a:ext>
+                </a:extLst>
+              </p:cNvPr>
+              <p:cNvSpPr/>
+              <p:nvPr/>
+            </p:nvSpPr>
+            <p:spPr>
+              <a:xfrm>
+                <a:off x="212035" y="2851052"/>
+                <a:ext cx="516835" cy="1129630"/>
+              </a:xfrm>
+              <a:prstGeom prst="rect">
+                <a:avLst/>
+              </a:prstGeom>
+            </p:spPr>
+            <p:style>
+              <a:lnRef idx="2">
+                <a:schemeClr val="dk1">
+                  <a:shade val="50000"/>
+                </a:schemeClr>
+              </a:lnRef>
+              <a:fillRef idx="1">
+                <a:schemeClr val="dk1"/>
+              </a:fillRef>
+              <a:effectRef idx="0">
+                <a:schemeClr val="dk1"/>
+              </a:effectRef>
+              <a:fontRef idx="minor">
+                <a:schemeClr val="lt1"/>
+              </a:fontRef>
+            </p:style>
+            <p:txBody>
+              <a:bodyPr rtlCol="0" anchor="ctr"/>
+              <a:lstStyle/>
+              <a:p>
+                <a:pPr algn="ctr"/>
+                <a:r>
+                  <a:rPr lang="ko-KR" altLang="en-US" sz="1400" dirty="0"/>
+                  <a:t>사</a:t>
+                </a:r>
+                <a:endParaRPr lang="en-US" altLang="ko-KR" sz="1400" dirty="0"/>
+              </a:p>
+              <a:p>
+                <a:pPr algn="ctr"/>
+                <a:r>
+                  <a:rPr lang="ko-KR" altLang="en-US" sz="1400" dirty="0"/>
+                  <a:t>용</a:t>
+                </a:r>
+                <a:endParaRPr lang="en-US" altLang="ko-KR" sz="1400" dirty="0"/>
+              </a:p>
+              <a:p>
+                <a:pPr algn="ctr"/>
+                <a:r>
+                  <a:rPr lang="ko-KR" altLang="en-US" sz="1400" dirty="0"/>
+                  <a:t>자</a:t>
+                </a:r>
+              </a:p>
+            </p:txBody>
+          </p:sp>
+          <p:sp>
+            <p:nvSpPr>
+              <p:cNvPr id="6" name="직사각형 5">
+                <a:extLst>
+                  <a:ext uri="{FF2B5EF4-FFF2-40B4-BE49-F238E27FC236}">
+                    <a16:creationId xmlns:a16="http://schemas.microsoft.com/office/drawing/2014/main" id="{A353697B-DC2E-34E9-2FD1-F3303CA4866F}"/>
+                  </a:ext>
+                </a:extLst>
+              </p:cNvPr>
+              <p:cNvSpPr/>
+              <p:nvPr/>
+            </p:nvSpPr>
+            <p:spPr>
+              <a:xfrm>
+                <a:off x="2405268" y="2840994"/>
+                <a:ext cx="2186607" cy="1139687"/>
+              </a:xfrm>
+              <a:prstGeom prst="rect">
+                <a:avLst/>
+              </a:prstGeom>
+            </p:spPr>
+            <p:style>
+              <a:lnRef idx="2">
+                <a:schemeClr val="accent1">
+                  <a:shade val="50000"/>
+                </a:schemeClr>
+              </a:lnRef>
+              <a:fillRef idx="1">
+                <a:schemeClr val="accent1"/>
+              </a:fillRef>
+              <a:effectRef idx="0">
+                <a:schemeClr val="accent1"/>
+              </a:effectRef>
+              <a:fontRef idx="minor">
+                <a:schemeClr val="lt1"/>
+              </a:fontRef>
+            </p:style>
+            <p:txBody>
+              <a:bodyPr rtlCol="0" anchor="ctr"/>
+              <a:lstStyle/>
+              <a:p>
+                <a:pPr algn="ctr"/>
+                <a:r>
+                  <a:rPr lang="en-US" altLang="ko-KR" dirty="0"/>
+                  <a:t>REST API Server</a:t>
+                </a:r>
+                <a:endParaRPr lang="ko-KR" altLang="en-US" dirty="0"/>
+              </a:p>
+            </p:txBody>
+          </p:sp>
+          <p:cxnSp>
+            <p:nvCxnSpPr>
+              <p:cNvPr id="11" name="직선 화살표 연결선 10">
+                <a:extLst>
+                  <a:ext uri="{FF2B5EF4-FFF2-40B4-BE49-F238E27FC236}">
+                    <a16:creationId xmlns:a16="http://schemas.microsoft.com/office/drawing/2014/main" id="{854549B8-0C91-0315-5AFF-621602379016}"/>
+                  </a:ext>
+                </a:extLst>
+              </p:cNvPr>
+              <p:cNvCxnSpPr>
+                <a:cxnSpLocks/>
+                <a:stCxn id="3" idx="3"/>
+                <a:endCxn id="6" idx="1"/>
+              </p:cNvCxnSpPr>
+              <p:nvPr/>
+            </p:nvCxnSpPr>
+            <p:spPr>
+              <a:xfrm flipV="1">
+                <a:off x="728870" y="3410838"/>
+                <a:ext cx="1676398" cy="5029"/>
+              </a:xfrm>
+              <a:prstGeom prst="straightConnector1">
+                <a:avLst/>
+              </a:prstGeom>
+              <a:ln>
+                <a:tailEnd type="triangle"/>
+              </a:ln>
+            </p:spPr>
+            <p:style>
+              <a:lnRef idx="1">
+                <a:schemeClr val="accent1"/>
+              </a:lnRef>
+              <a:fillRef idx="0">
+                <a:schemeClr val="accent1"/>
+              </a:fillRef>
+              <a:effectRef idx="0">
+                <a:schemeClr val="accent1"/>
+              </a:effectRef>
+              <a:fontRef idx="minor">
+                <a:schemeClr val="tx1"/>
+              </a:fontRef>
+            </p:style>
+          </p:cxnSp>
+          <p:sp>
+            <p:nvSpPr>
+              <p:cNvPr id="18" name="직사각형 17">
+                <a:extLst>
+                  <a:ext uri="{FF2B5EF4-FFF2-40B4-BE49-F238E27FC236}">
+                    <a16:creationId xmlns:a16="http://schemas.microsoft.com/office/drawing/2014/main" id="{79DBD43B-1F04-0561-D41F-D7918B90B514}"/>
+                  </a:ext>
+                </a:extLst>
+              </p:cNvPr>
+              <p:cNvSpPr/>
+              <p:nvPr/>
+            </p:nvSpPr>
+            <p:spPr>
+              <a:xfrm>
+                <a:off x="881268" y="2851052"/>
+                <a:ext cx="1371602" cy="382657"/>
+              </a:xfrm>
+              <a:prstGeom prst="rect">
+                <a:avLst/>
+              </a:prstGeom>
+              <a:ln w="28575">
+                <a:solidFill>
+                  <a:srgbClr val="FF0000"/>
+                </a:solidFill>
+              </a:ln>
+            </p:spPr>
+            <p:style>
+              <a:lnRef idx="2">
+                <a:schemeClr val="accent5"/>
+              </a:lnRef>
+              <a:fillRef idx="1">
+                <a:schemeClr val="lt1"/>
+              </a:fillRef>
+              <a:effectRef idx="0">
+                <a:schemeClr val="accent5"/>
+              </a:effectRef>
+              <a:fontRef idx="minor">
+                <a:schemeClr val="dk1"/>
+              </a:fontRef>
+            </p:style>
+            <p:txBody>
+              <a:bodyPr rtlCol="0" anchor="ctr"/>
+              <a:lstStyle/>
+              <a:p>
+                <a:pPr algn="ctr"/>
+                <a:r>
+                  <a:rPr lang="en-US" altLang="ko-KR" sz="1200" dirty="0"/>
+                  <a:t>(1) kubectl</a:t>
+                </a:r>
+                <a:endParaRPr lang="ko-KR" altLang="en-US" sz="1200" dirty="0"/>
+              </a:p>
+            </p:txBody>
+          </p:sp>
+        </p:grpSp>
+        <p:cxnSp>
+          <p:nvCxnSpPr>
+            <p:cNvPr id="4" name="직선 화살표 연결선 3">
+              <a:extLst>
+                <a:ext uri="{FF2B5EF4-FFF2-40B4-BE49-F238E27FC236}">
+                  <a16:creationId xmlns:a16="http://schemas.microsoft.com/office/drawing/2014/main" id="{E9383F86-AE9F-4ADE-7812-45740865FB79}"/>
+                </a:ext>
+              </a:extLst>
+            </p:cNvPr>
+            <p:cNvCxnSpPr>
+              <a:cxnSpLocks/>
+              <a:stCxn id="6" idx="3"/>
+              <a:endCxn id="7" idx="2"/>
+            </p:cNvCxnSpPr>
+            <p:nvPr/>
+          </p:nvCxnSpPr>
+          <p:spPr>
+            <a:xfrm flipV="1">
+              <a:off x="4605127" y="773655"/>
+              <a:ext cx="1610144" cy="1"/>
+            </a:xfrm>
+            <a:prstGeom prst="straightConnector1">
+              <a:avLst/>
+            </a:prstGeom>
+            <a:ln w="12700">
+              <a:tailEnd type="triangle"/>
+            </a:ln>
+          </p:spPr>
+          <p:style>
+            <a:lnRef idx="1">
+              <a:schemeClr val="accent1"/>
+            </a:lnRef>
+            <a:fillRef idx="0">
+              <a:schemeClr val="accent1"/>
+            </a:fillRef>
+            <a:effectRef idx="0">
+              <a:schemeClr val="accent1"/>
+            </a:effectRef>
+            <a:fontRef idx="minor">
+              <a:schemeClr val="tx1"/>
+            </a:fontRef>
+          </p:style>
+        </p:cxnSp>
+        <p:sp>
+          <p:nvSpPr>
+            <p:cNvPr id="5" name="직사각형 4">
+              <a:extLst>
+                <a:ext uri="{FF2B5EF4-FFF2-40B4-BE49-F238E27FC236}">
+                  <a16:creationId xmlns:a16="http://schemas.microsoft.com/office/drawing/2014/main" id="{B0B40904-FFC5-95CB-6B29-B7977A74134F}"/>
+                </a:ext>
+              </a:extLst>
+            </p:cNvPr>
+            <p:cNvSpPr/>
+            <p:nvPr/>
+          </p:nvSpPr>
+          <p:spPr>
+            <a:xfrm>
+              <a:off x="6215271" y="1689938"/>
+              <a:ext cx="1013799" cy="559786"/>
+            </a:xfrm>
+            <a:prstGeom prst="rect">
+              <a:avLst/>
+            </a:prstGeom>
+          </p:spPr>
+          <p:style>
+            <a:lnRef idx="2">
+              <a:schemeClr val="accent2">
+                <a:shade val="50000"/>
+              </a:schemeClr>
+            </a:lnRef>
+            <a:fillRef idx="1">
+              <a:schemeClr val="accent2"/>
+            </a:fillRef>
+            <a:effectRef idx="0">
+              <a:schemeClr val="accent2"/>
+            </a:effectRef>
+            <a:fontRef idx="minor">
+              <a:schemeClr val="lt1"/>
+            </a:fontRef>
+          </p:style>
+          <p:txBody>
+            <a:bodyPr rtlCol="0" anchor="ctr"/>
+            <a:lstStyle/>
+            <a:p>
+              <a:pPr algn="ctr"/>
+              <a:r>
+                <a:rPr lang="en-US" altLang="ko-KR" sz="1400" dirty="0"/>
+                <a:t>Scheduler</a:t>
+              </a:r>
+              <a:endParaRPr lang="ko-KR" altLang="en-US" sz="1400" dirty="0"/>
+            </a:p>
+          </p:txBody>
+        </p:sp>
+        <p:sp>
+          <p:nvSpPr>
+            <p:cNvPr id="7" name="원통형 6">
+              <a:extLst>
+                <a:ext uri="{FF2B5EF4-FFF2-40B4-BE49-F238E27FC236}">
+                  <a16:creationId xmlns:a16="http://schemas.microsoft.com/office/drawing/2014/main" id="{6413BFE5-C944-7158-C1D7-810C7EB85967}"/>
+                </a:ext>
+              </a:extLst>
+            </p:cNvPr>
+            <p:cNvSpPr/>
+            <p:nvPr/>
+          </p:nvSpPr>
+          <p:spPr>
+            <a:xfrm>
+              <a:off x="6215271" y="311414"/>
+              <a:ext cx="1013799" cy="924482"/>
+            </a:xfrm>
+            <a:prstGeom prst="can">
+              <a:avLst>
+                <a:gd name="adj" fmla="val 32806"/>
+              </a:avLst>
+            </a:prstGeom>
+          </p:spPr>
+          <p:style>
+            <a:lnRef idx="2">
+              <a:schemeClr val="accent1">
+                <a:shade val="50000"/>
+              </a:schemeClr>
+            </a:lnRef>
+            <a:fillRef idx="1">
+              <a:schemeClr val="accent1"/>
+            </a:fillRef>
+            <a:effectRef idx="0">
+              <a:schemeClr val="accent1"/>
+            </a:effectRef>
+            <a:fontRef idx="minor">
+              <a:schemeClr val="lt1"/>
+            </a:fontRef>
+          </p:style>
+          <p:txBody>
+            <a:bodyPr rtlCol="0" anchor="ctr"/>
+            <a:lstStyle/>
+            <a:p>
+              <a:pPr algn="ctr"/>
+              <a:r>
+                <a:rPr lang="en-US" altLang="ko-KR" sz="1400" dirty="0"/>
+                <a:t>ETCD</a:t>
+              </a:r>
+              <a:endParaRPr lang="ko-KR" altLang="en-US" sz="1400" dirty="0"/>
+            </a:p>
+          </p:txBody>
+        </p:sp>
+        <p:sp>
+          <p:nvSpPr>
+            <p:cNvPr id="16" name="직사각형 15">
+              <a:extLst>
+                <a:ext uri="{FF2B5EF4-FFF2-40B4-BE49-F238E27FC236}">
+                  <a16:creationId xmlns:a16="http://schemas.microsoft.com/office/drawing/2014/main" id="{28F0E143-4AA5-1C00-25F2-04BB373CD848}"/>
+                </a:ext>
+              </a:extLst>
+            </p:cNvPr>
+            <p:cNvSpPr/>
+            <p:nvPr/>
+          </p:nvSpPr>
+          <p:spPr>
+            <a:xfrm>
+              <a:off x="4757525" y="203812"/>
+              <a:ext cx="1371602" cy="382657"/>
+            </a:xfrm>
+            <a:prstGeom prst="rect">
+              <a:avLst/>
+            </a:prstGeom>
+            <a:ln w="28575">
+              <a:solidFill>
+                <a:srgbClr val="FF0000"/>
+              </a:solidFill>
+            </a:ln>
+          </p:spPr>
+          <p:style>
+            <a:lnRef idx="2">
+              <a:schemeClr val="accent2"/>
+            </a:lnRef>
+            <a:fillRef idx="1">
+              <a:schemeClr val="lt1"/>
+            </a:fillRef>
+            <a:effectRef idx="0">
+              <a:schemeClr val="accent2"/>
+            </a:effectRef>
+            <a:fontRef idx="minor">
+              <a:schemeClr val="dk1"/>
+            </a:fontRef>
+          </p:style>
+          <p:txBody>
+            <a:bodyPr rtlCol="0" anchor="ctr"/>
+            <a:lstStyle/>
+            <a:p>
+              <a:pPr algn="ctr"/>
+              <a:r>
+                <a:rPr lang="en-US" altLang="ko-KR" sz="1200" dirty="0"/>
+                <a:t>(2) </a:t>
+              </a:r>
+              <a:r>
+                <a:rPr lang="ko-KR" altLang="en-US" sz="1200" dirty="0"/>
+                <a:t>정보 저장</a:t>
+              </a:r>
+            </a:p>
+          </p:txBody>
+        </p:sp>
+        <p:sp>
+          <p:nvSpPr>
+            <p:cNvPr id="19" name="직사각형 18">
+              <a:extLst>
+                <a:ext uri="{FF2B5EF4-FFF2-40B4-BE49-F238E27FC236}">
+                  <a16:creationId xmlns:a16="http://schemas.microsoft.com/office/drawing/2014/main" id="{D45FAD8A-00B0-FB4A-9908-5D1378362BC2}"/>
+                </a:ext>
+              </a:extLst>
+            </p:cNvPr>
+            <p:cNvSpPr/>
+            <p:nvPr/>
+          </p:nvSpPr>
+          <p:spPr>
+            <a:xfrm>
+              <a:off x="4757525" y="1307149"/>
+              <a:ext cx="1371602" cy="535086"/>
+            </a:xfrm>
+            <a:prstGeom prst="rect">
+              <a:avLst/>
+            </a:prstGeom>
+            <a:ln w="28575">
+              <a:solidFill>
+                <a:srgbClr val="FF0000"/>
+              </a:solidFill>
+            </a:ln>
+          </p:spPr>
+          <p:style>
+            <a:lnRef idx="2">
+              <a:schemeClr val="accent2"/>
+            </a:lnRef>
+            <a:fillRef idx="1">
+              <a:schemeClr val="lt1"/>
+            </a:fillRef>
+            <a:effectRef idx="0">
+              <a:schemeClr val="accent2"/>
+            </a:effectRef>
+            <a:fontRef idx="minor">
+              <a:schemeClr val="dk1"/>
+            </a:fontRef>
+          </p:style>
+          <p:txBody>
+            <a:bodyPr rtlCol="0" anchor="ctr"/>
+            <a:lstStyle/>
+            <a:p>
+              <a:pPr algn="ctr"/>
+              <a:r>
+                <a:rPr lang="en-US" altLang="ko-KR" sz="1200" dirty="0"/>
+                <a:t>(3) </a:t>
+              </a:r>
+              <a:r>
+                <a:rPr lang="ko-KR" altLang="en-US" sz="1200" dirty="0"/>
+                <a:t>적재 가능한 노드 스캐줄링</a:t>
+              </a:r>
+            </a:p>
+          </p:txBody>
+        </p:sp>
+        <p:cxnSp>
+          <p:nvCxnSpPr>
+            <p:cNvPr id="25" name="연결선: 꺾임 24">
+              <a:extLst>
+                <a:ext uri="{FF2B5EF4-FFF2-40B4-BE49-F238E27FC236}">
+                  <a16:creationId xmlns:a16="http://schemas.microsoft.com/office/drawing/2014/main" id="{09540C65-2FB3-7633-EA2A-8A62BFCF2ADC}"/>
+                </a:ext>
+              </a:extLst>
+            </p:cNvPr>
+            <p:cNvCxnSpPr>
+              <a:cxnSpLocks/>
+              <a:endCxn id="5" idx="1"/>
+            </p:cNvCxnSpPr>
+            <p:nvPr/>
+          </p:nvCxnSpPr>
+          <p:spPr>
+            <a:xfrm>
+              <a:off x="4015409" y="1341616"/>
+              <a:ext cx="2199862" cy="628215"/>
+            </a:xfrm>
+            <a:prstGeom prst="bentConnector3">
+              <a:avLst>
+                <a:gd name="adj1" fmla="val -4819"/>
+              </a:avLst>
+            </a:prstGeom>
+            <a:ln w="12700">
+              <a:prstDash val="dash"/>
+              <a:tailEnd type="triangle"/>
+            </a:ln>
+          </p:spPr>
+          <p:style>
+            <a:lnRef idx="1">
+              <a:schemeClr val="accent1"/>
+            </a:lnRef>
+            <a:fillRef idx="0">
+              <a:schemeClr val="accent1"/>
+            </a:fillRef>
+            <a:effectRef idx="0">
+              <a:schemeClr val="accent1"/>
+            </a:effectRef>
+            <a:fontRef idx="minor">
+              <a:schemeClr val="tx1"/>
+            </a:fontRef>
+          </p:style>
+        </p:cxnSp>
+        <p:sp>
+          <p:nvSpPr>
+            <p:cNvPr id="28" name="직사각형 27">
+              <a:extLst>
+                <a:ext uri="{FF2B5EF4-FFF2-40B4-BE49-F238E27FC236}">
+                  <a16:creationId xmlns:a16="http://schemas.microsoft.com/office/drawing/2014/main" id="{4AA9DC86-D879-7961-C810-2BE87E0C9081}"/>
+                </a:ext>
+              </a:extLst>
+            </p:cNvPr>
+            <p:cNvSpPr/>
+            <p:nvPr/>
+          </p:nvSpPr>
+          <p:spPr>
+            <a:xfrm>
+              <a:off x="7374828" y="1307149"/>
+              <a:ext cx="1371602" cy="535086"/>
+            </a:xfrm>
+            <a:prstGeom prst="rect">
+              <a:avLst/>
+            </a:prstGeom>
+            <a:ln w="28575">
+              <a:solidFill>
+                <a:srgbClr val="FF0000"/>
+              </a:solidFill>
+            </a:ln>
+          </p:spPr>
+          <p:style>
+            <a:lnRef idx="2">
+              <a:schemeClr val="accent2"/>
+            </a:lnRef>
+            <a:fillRef idx="1">
+              <a:schemeClr val="lt1"/>
+            </a:fillRef>
+            <a:effectRef idx="0">
+              <a:schemeClr val="accent2"/>
+            </a:effectRef>
+            <a:fontRef idx="minor">
+              <a:schemeClr val="dk1"/>
+            </a:fontRef>
+          </p:style>
+          <p:txBody>
+            <a:bodyPr rtlCol="0" anchor="ctr"/>
+            <a:lstStyle/>
+            <a:p>
+              <a:pPr algn="ctr"/>
+              <a:r>
+                <a:rPr lang="en-US" altLang="ko-KR" sz="1200" dirty="0"/>
+                <a:t>(4) </a:t>
+              </a:r>
+              <a:r>
+                <a:rPr lang="ko-KR" altLang="en-US" sz="1200" dirty="0"/>
+                <a:t>적재 가능한 노드 통지</a:t>
+              </a:r>
+            </a:p>
+          </p:txBody>
+        </p:sp>
+        <p:cxnSp>
+          <p:nvCxnSpPr>
+            <p:cNvPr id="30" name="연결선: 꺾임 29">
+              <a:extLst>
+                <a:ext uri="{FF2B5EF4-FFF2-40B4-BE49-F238E27FC236}">
+                  <a16:creationId xmlns:a16="http://schemas.microsoft.com/office/drawing/2014/main" id="{EEC5712B-F048-E912-F6AA-69A78C09E7A1}"/>
+                </a:ext>
+              </a:extLst>
+            </p:cNvPr>
+            <p:cNvCxnSpPr>
+              <a:cxnSpLocks/>
+              <a:stCxn id="5" idx="3"/>
+              <a:endCxn id="6" idx="2"/>
+            </p:cNvCxnSpPr>
+            <p:nvPr/>
+          </p:nvCxnSpPr>
+          <p:spPr>
+            <a:xfrm flipH="1" flipV="1">
+              <a:off x="3511824" y="1343499"/>
+              <a:ext cx="3717246" cy="626332"/>
+            </a:xfrm>
+            <a:prstGeom prst="bentConnector4">
+              <a:avLst>
+                <a:gd name="adj1" fmla="val -23619"/>
+                <a:gd name="adj2" fmla="val -149818"/>
+              </a:avLst>
+            </a:prstGeom>
+            <a:ln w="12700">
+              <a:tailEnd type="triangle"/>
+            </a:ln>
+          </p:spPr>
+          <p:style>
+            <a:lnRef idx="1">
+              <a:schemeClr val="accent1"/>
+            </a:lnRef>
+            <a:fillRef idx="0">
+              <a:schemeClr val="accent1"/>
+            </a:fillRef>
+            <a:effectRef idx="0">
+              <a:schemeClr val="accent1"/>
+            </a:effectRef>
+            <a:fontRef idx="minor">
+              <a:schemeClr val="tx1"/>
+            </a:fontRef>
+          </p:style>
+        </p:cxnSp>
+        <p:sp>
+          <p:nvSpPr>
+            <p:cNvPr id="36" name="직사각형 35">
+              <a:extLst>
+                <a:ext uri="{FF2B5EF4-FFF2-40B4-BE49-F238E27FC236}">
+                  <a16:creationId xmlns:a16="http://schemas.microsoft.com/office/drawing/2014/main" id="{50799D9C-06DA-FF51-B205-646FB7ADBE7C}"/>
+                </a:ext>
+              </a:extLst>
+            </p:cNvPr>
+            <p:cNvSpPr/>
+            <p:nvPr/>
+          </p:nvSpPr>
+          <p:spPr>
+            <a:xfrm>
+              <a:off x="225286" y="4232472"/>
+              <a:ext cx="3498575" cy="1709413"/>
+            </a:xfrm>
+            <a:prstGeom prst="rect">
+              <a:avLst/>
+            </a:prstGeom>
+          </p:spPr>
+          <p:style>
+            <a:lnRef idx="2">
+              <a:schemeClr val="accent6"/>
+            </a:lnRef>
+            <a:fillRef idx="1">
+              <a:schemeClr val="lt1"/>
+            </a:fillRef>
+            <a:effectRef idx="0">
+              <a:schemeClr val="accent6"/>
+            </a:effectRef>
+            <a:fontRef idx="minor">
+              <a:schemeClr val="dk1"/>
+            </a:fontRef>
+          </p:style>
+          <p:txBody>
+            <a:bodyPr rtlCol="0" anchor="ctr"/>
+            <a:lstStyle/>
+            <a:p>
+              <a:pPr algn="ctr"/>
+              <a:r>
+                <a:rPr lang="en-US" altLang="ko-KR" dirty="0"/>
+                <a:t>pod</a:t>
+              </a:r>
+              <a:endParaRPr lang="ko-KR" altLang="en-US" dirty="0"/>
+            </a:p>
+          </p:txBody>
+        </p:sp>
+        <p:sp>
+          <p:nvSpPr>
+            <p:cNvPr id="37" name="직사각형 36">
+              <a:extLst>
+                <a:ext uri="{FF2B5EF4-FFF2-40B4-BE49-F238E27FC236}">
+                  <a16:creationId xmlns:a16="http://schemas.microsoft.com/office/drawing/2014/main" id="{025FC2A2-EA51-84C1-F0D7-A67F113EAAB7}"/>
+                </a:ext>
+              </a:extLst>
+            </p:cNvPr>
+            <p:cNvSpPr/>
+            <p:nvPr/>
+          </p:nvSpPr>
+          <p:spPr>
+            <a:xfrm>
+              <a:off x="2564291" y="4486488"/>
+              <a:ext cx="947532" cy="453163"/>
+            </a:xfrm>
+            <a:prstGeom prst="rect">
+              <a:avLst/>
+            </a:prstGeom>
+          </p:spPr>
+          <p:style>
+            <a:lnRef idx="2">
+              <a:schemeClr val="accent2">
+                <a:shade val="50000"/>
+              </a:schemeClr>
+            </a:lnRef>
+            <a:fillRef idx="1">
+              <a:schemeClr val="accent2"/>
+            </a:fillRef>
+            <a:effectRef idx="0">
+              <a:schemeClr val="accent2"/>
+            </a:effectRef>
+            <a:fontRef idx="minor">
+              <a:schemeClr val="lt1"/>
+            </a:fontRef>
+          </p:style>
+          <p:txBody>
+            <a:bodyPr rtlCol="0" anchor="ctr"/>
+            <a:lstStyle/>
+            <a:p>
+              <a:pPr algn="ctr"/>
+              <a:r>
+                <a:rPr lang="en-US" altLang="ko-KR" sz="1100" dirty="0"/>
+                <a:t>kubelet</a:t>
+              </a:r>
+              <a:endParaRPr lang="ko-KR" altLang="en-US" sz="1100" dirty="0"/>
+            </a:p>
+          </p:txBody>
+        </p:sp>
+        <p:cxnSp>
+          <p:nvCxnSpPr>
+            <p:cNvPr id="45" name="직선 화살표 연결선 44">
+              <a:extLst>
+                <a:ext uri="{FF2B5EF4-FFF2-40B4-BE49-F238E27FC236}">
+                  <a16:creationId xmlns:a16="http://schemas.microsoft.com/office/drawing/2014/main" id="{0126C862-AC1C-E345-99A7-3D49F57E414F}"/>
+                </a:ext>
+              </a:extLst>
+            </p:cNvPr>
+            <p:cNvCxnSpPr>
+              <a:cxnSpLocks/>
+            </p:cNvCxnSpPr>
+            <p:nvPr/>
+          </p:nvCxnSpPr>
+          <p:spPr>
+            <a:xfrm>
+              <a:off x="3059184" y="1341616"/>
+              <a:ext cx="7043" cy="3143931"/>
+            </a:xfrm>
+            <a:prstGeom prst="straightConnector1">
+              <a:avLst/>
+            </a:prstGeom>
+            <a:ln w="12700">
+              <a:prstDash val="dash"/>
+              <a:tailEnd type="triangle"/>
+            </a:ln>
+          </p:spPr>
+          <p:style>
+            <a:lnRef idx="1">
+              <a:schemeClr val="accent1"/>
+            </a:lnRef>
+            <a:fillRef idx="0">
+              <a:schemeClr val="accent1"/>
+            </a:fillRef>
+            <a:effectRef idx="0">
+              <a:schemeClr val="accent1"/>
+            </a:effectRef>
+            <a:fontRef idx="minor">
+              <a:schemeClr val="tx1"/>
+            </a:fontRef>
+          </p:style>
+        </p:cxnSp>
+        <p:sp>
+          <p:nvSpPr>
+            <p:cNvPr id="46" name="직사각형 45">
+              <a:extLst>
+                <a:ext uri="{FF2B5EF4-FFF2-40B4-BE49-F238E27FC236}">
+                  <a16:creationId xmlns:a16="http://schemas.microsoft.com/office/drawing/2014/main" id="{59DCB70F-F701-1452-D1A7-F4520DD2B0E2}"/>
+                </a:ext>
+              </a:extLst>
+            </p:cNvPr>
+            <p:cNvSpPr/>
+            <p:nvPr/>
+          </p:nvSpPr>
+          <p:spPr>
+            <a:xfrm>
+              <a:off x="1520284" y="2695152"/>
+              <a:ext cx="1371602" cy="535086"/>
+            </a:xfrm>
+            <a:prstGeom prst="rect">
+              <a:avLst/>
+            </a:prstGeom>
+            <a:ln w="28575">
+              <a:solidFill>
+                <a:srgbClr val="FF0000"/>
+              </a:solidFill>
+            </a:ln>
+          </p:spPr>
+          <p:style>
+            <a:lnRef idx="2">
+              <a:schemeClr val="accent2"/>
+            </a:lnRef>
+            <a:fillRef idx="1">
+              <a:schemeClr val="lt1"/>
+            </a:fillRef>
+            <a:effectRef idx="0">
+              <a:schemeClr val="accent2"/>
+            </a:effectRef>
+            <a:fontRef idx="minor">
+              <a:schemeClr val="dk1"/>
+            </a:fontRef>
+          </p:style>
+          <p:txBody>
+            <a:bodyPr rtlCol="0" anchor="ctr"/>
+            <a:lstStyle/>
+            <a:p>
+              <a:pPr algn="ctr"/>
+              <a:r>
+                <a:rPr lang="en-US" altLang="ko-KR" sz="1200" dirty="0"/>
+                <a:t>(5) </a:t>
+              </a:r>
+              <a:r>
+                <a:rPr lang="ko-KR" altLang="en-US" sz="1200" dirty="0"/>
+                <a:t>이벤트 발생</a:t>
+              </a:r>
+            </a:p>
+          </p:txBody>
+        </p:sp>
+        <p:sp>
+          <p:nvSpPr>
+            <p:cNvPr id="51" name="직사각형 50">
+              <a:extLst>
+                <a:ext uri="{FF2B5EF4-FFF2-40B4-BE49-F238E27FC236}">
+                  <a16:creationId xmlns:a16="http://schemas.microsoft.com/office/drawing/2014/main" id="{12ACBA92-55C5-1F40-FD58-561A96E8C4DA}"/>
+                </a:ext>
+              </a:extLst>
+            </p:cNvPr>
+            <p:cNvSpPr/>
+            <p:nvPr/>
+          </p:nvSpPr>
+          <p:spPr>
+            <a:xfrm>
+              <a:off x="483704" y="4485547"/>
+              <a:ext cx="947532" cy="453163"/>
+            </a:xfrm>
+            <a:prstGeom prst="rect">
+              <a:avLst/>
+            </a:prstGeom>
+          </p:spPr>
+          <p:style>
+            <a:lnRef idx="2">
+              <a:schemeClr val="accent1">
+                <a:shade val="50000"/>
+              </a:schemeClr>
+            </a:lnRef>
+            <a:fillRef idx="1">
+              <a:schemeClr val="accent1"/>
+            </a:fillRef>
+            <a:effectRef idx="0">
+              <a:schemeClr val="accent1"/>
+            </a:effectRef>
+            <a:fontRef idx="minor">
+              <a:schemeClr val="lt1"/>
+            </a:fontRef>
+          </p:style>
+          <p:txBody>
+            <a:bodyPr rtlCol="0" anchor="ctr"/>
+            <a:lstStyle/>
+            <a:p>
+              <a:pPr algn="ctr"/>
+              <a:r>
+                <a:rPr lang="en-US" altLang="ko-KR" sz="1100" dirty="0"/>
+                <a:t>docker</a:t>
+              </a:r>
+              <a:endParaRPr lang="ko-KR" altLang="en-US" sz="1100" dirty="0"/>
+            </a:p>
+          </p:txBody>
+        </p:sp>
+        <p:cxnSp>
+          <p:nvCxnSpPr>
+            <p:cNvPr id="53" name="직선 화살표 연결선 52">
+              <a:extLst>
+                <a:ext uri="{FF2B5EF4-FFF2-40B4-BE49-F238E27FC236}">
+                  <a16:creationId xmlns:a16="http://schemas.microsoft.com/office/drawing/2014/main" id="{184DB069-6563-1226-6133-FF89139C80D3}"/>
+                </a:ext>
+              </a:extLst>
+            </p:cNvPr>
+            <p:cNvCxnSpPr>
+              <a:stCxn id="37" idx="1"/>
+              <a:endCxn id="51" idx="3"/>
+            </p:cNvCxnSpPr>
+            <p:nvPr/>
+          </p:nvCxnSpPr>
+          <p:spPr>
+            <a:xfrm flipH="1" flipV="1">
+              <a:off x="1431236" y="4712129"/>
+              <a:ext cx="1133055" cy="941"/>
+            </a:xfrm>
+            <a:prstGeom prst="straightConnector1">
+              <a:avLst/>
+            </a:prstGeom>
+            <a:ln>
+              <a:tailEnd type="triangle"/>
+            </a:ln>
+          </p:spPr>
+          <p:style>
+            <a:lnRef idx="1">
+              <a:schemeClr val="accent1"/>
+            </a:lnRef>
+            <a:fillRef idx="0">
+              <a:schemeClr val="accent1"/>
+            </a:fillRef>
+            <a:effectRef idx="0">
+              <a:schemeClr val="accent1"/>
+            </a:effectRef>
+            <a:fontRef idx="minor">
+              <a:schemeClr val="tx1"/>
+            </a:fontRef>
+          </p:style>
+        </p:cxnSp>
+        <p:sp>
+          <p:nvSpPr>
+            <p:cNvPr id="54" name="직사각형 53">
+              <a:extLst>
+                <a:ext uri="{FF2B5EF4-FFF2-40B4-BE49-F238E27FC236}">
+                  <a16:creationId xmlns:a16="http://schemas.microsoft.com/office/drawing/2014/main" id="{59BEAB08-E22C-4273-4834-43F6000CD30F}"/>
+                </a:ext>
+              </a:extLst>
+            </p:cNvPr>
+            <p:cNvSpPr/>
+            <p:nvPr/>
+          </p:nvSpPr>
+          <p:spPr>
+            <a:xfrm>
+              <a:off x="3853697" y="4444585"/>
+              <a:ext cx="1049599" cy="535086"/>
+            </a:xfrm>
+            <a:prstGeom prst="rect">
+              <a:avLst/>
+            </a:prstGeom>
+            <a:ln w="28575">
+              <a:solidFill>
+                <a:srgbClr val="FF0000"/>
+              </a:solidFill>
+            </a:ln>
+          </p:spPr>
+          <p:style>
+            <a:lnRef idx="2">
+              <a:schemeClr val="accent2"/>
+            </a:lnRef>
+            <a:fillRef idx="1">
+              <a:schemeClr val="lt1"/>
+            </a:fillRef>
+            <a:effectRef idx="0">
+              <a:schemeClr val="accent2"/>
+            </a:effectRef>
+            <a:fontRef idx="minor">
+              <a:schemeClr val="dk1"/>
+            </a:fontRef>
+          </p:style>
+          <p:txBody>
+            <a:bodyPr rtlCol="0" anchor="ctr"/>
+            <a:lstStyle/>
+            <a:p>
+              <a:pPr algn="ctr"/>
+              <a:r>
+                <a:rPr lang="en-US" altLang="ko-KR" sz="1200" dirty="0"/>
+                <a:t>(6) </a:t>
+              </a:r>
+              <a:r>
+                <a:rPr lang="ko-KR" altLang="en-US" sz="1200" dirty="0"/>
+                <a:t>컨테이너 생성 요청</a:t>
+              </a:r>
+            </a:p>
+          </p:txBody>
+        </p:sp>
+      </p:grpSp>
+    </p:spTree>
+    <p:extLst>
+      <p:ext uri="{BB962C8B-B14F-4D97-AF65-F5344CB8AC3E}">
+        <p14:creationId xmlns:p14="http://schemas.microsoft.com/office/powerpoint/2010/main" val="2848032900"/>
+      </p:ext>
+    </p:extLst>
+  </p:cSld>
+  <p:clrMapOvr>
+    <a:masterClrMapping/>
+  </p:clrMapOvr>
+</p:sld>
+</file>
+
+<file path=ppt/slides/slide7.xml><?xml version="1.0" encoding="utf-8"?>
+<p:sld xmlns:a="http://schemas.openxmlformats.org/drawingml/2006/main" xmlns:r="http://schemas.openxmlformats.org/officeDocument/2006/relationships" xmlns:p="http://schemas.openxmlformats.org/presentationml/2006/main">
+  <p:cSld>
+    <p:spTree>
+      <p:nvGrpSpPr>
+        <p:cNvPr id="1" name=""/>
+        <p:cNvGrpSpPr/>
+        <p:nvPr/>
+      </p:nvGrpSpPr>
+      <p:grpSpPr>
+        <a:xfrm>
+          <a:off x="0" y="0"/>
+          <a:ext cx="0" cy="0"/>
+          <a:chOff x="0" y="0"/>
+          <a:chExt cx="0" cy="0"/>
+        </a:xfrm>
+      </p:grpSpPr>
+      <p:sp>
+        <p:nvSpPr>
+          <p:cNvPr id="2" name="TextBox 1">
+            <a:extLst>
+              <a:ext uri="{FF2B5EF4-FFF2-40B4-BE49-F238E27FC236}">
+                <a16:creationId xmlns:a16="http://schemas.microsoft.com/office/drawing/2014/main" id="{AF53483D-1A80-C107-D3AB-6901351F1D3F}"/>
+              </a:ext>
+            </a:extLst>
+          </p:cNvPr>
+          <p:cNvSpPr txBox="1"/>
+          <p:nvPr/>
+        </p:nvSpPr>
+        <p:spPr>
+          <a:xfrm>
+            <a:off x="10388600" y="6596390"/>
+            <a:ext cx="1803400" cy="261610"/>
+          </a:xfrm>
+          <a:prstGeom prst="rect">
+            <a:avLst/>
+          </a:prstGeom>
+          <a:noFill/>
+        </p:spPr>
+        <p:txBody>
+          <a:bodyPr wrap="square" rtlCol="0">
+            <a:spAutoFit/>
+          </a:bodyPr>
+          <a:lstStyle/>
+          <a:p>
+            <a:pPr algn="r"/>
+            <a:r>
+              <a:rPr lang="en-US" altLang="ko-KR" sz="1100" dirty="0"/>
+              <a:t>Kim0lil/80700</a:t>
+            </a:r>
+            <a:endParaRPr lang="ko-KR" altLang="en-US" sz="1100" dirty="0"/>
+          </a:p>
+        </p:txBody>
+      </p:sp>
+      <p:grpSp>
+        <p:nvGrpSpPr>
+          <p:cNvPr id="77" name="그룹 76">
+            <a:extLst>
+              <a:ext uri="{FF2B5EF4-FFF2-40B4-BE49-F238E27FC236}">
+                <a16:creationId xmlns:a16="http://schemas.microsoft.com/office/drawing/2014/main" id="{645A7494-D59C-3D87-A43A-27BC8B6F812C}"/>
+              </a:ext>
+            </a:extLst>
+          </p:cNvPr>
+          <p:cNvGrpSpPr/>
+          <p:nvPr/>
+        </p:nvGrpSpPr>
+        <p:grpSpPr>
+          <a:xfrm>
+            <a:off x="2133600" y="666039"/>
+            <a:ext cx="7765774" cy="5231178"/>
+            <a:chOff x="2133600" y="666039"/>
+            <a:chExt cx="7765774" cy="5231178"/>
+          </a:xfrm>
+        </p:grpSpPr>
+        <p:sp>
+          <p:nvSpPr>
+            <p:cNvPr id="27" name="직사각형 26">
+              <a:extLst>
+                <a:ext uri="{FF2B5EF4-FFF2-40B4-BE49-F238E27FC236}">
+                  <a16:creationId xmlns:a16="http://schemas.microsoft.com/office/drawing/2014/main" id="{22A3CEDF-CD33-4FC3-A40C-D0F3ED511F80}"/>
+                </a:ext>
+              </a:extLst>
+            </p:cNvPr>
+            <p:cNvSpPr/>
+            <p:nvPr/>
+          </p:nvSpPr>
+          <p:spPr>
+            <a:xfrm>
+              <a:off x="2146852" y="666039"/>
+              <a:ext cx="7752522" cy="5231178"/>
+            </a:xfrm>
+            <a:prstGeom prst="rect">
+              <a:avLst/>
+            </a:prstGeom>
+            <a:solidFill>
+              <a:schemeClr val="tx1">
+                <a:lumMod val="75000"/>
+                <a:lumOff val="25000"/>
+              </a:schemeClr>
+            </a:solidFill>
+            <a:ln w="9525" cap="flat" cmpd="sng" algn="ctr">
+              <a:solidFill>
+                <a:schemeClr val="accent1"/>
+              </a:solidFill>
+              <a:prstDash val="solid"/>
+              <a:round/>
+              <a:headEnd type="none" w="med" len="med"/>
+              <a:tailEnd type="none" w="med" len="med"/>
+            </a:ln>
+          </p:spPr>
+          <p:style>
+            <a:lnRef idx="0">
+              <a:scrgbClr r="0" g="0" b="0"/>
+            </a:lnRef>
+            <a:fillRef idx="0">
+              <a:scrgbClr r="0" g="0" b="0"/>
+            </a:fillRef>
+            <a:effectRef idx="0">
+              <a:scrgbClr r="0" g="0" b="0"/>
+            </a:effectRef>
+            <a:fontRef idx="minor">
+              <a:schemeClr val="accent1"/>
+            </a:fontRef>
+          </p:style>
+          <p:txBody>
+            <a:bodyPr rtlCol="0" anchor="b"/>
+            <a:lstStyle/>
+            <a:p>
+              <a:pPr algn="ctr"/>
+              <a:r>
+                <a:rPr lang="en-US" altLang="ko-KR" b="1" dirty="0">
+                  <a:solidFill>
+                    <a:schemeClr val="bg1"/>
+                  </a:solidFill>
+                  <a:effectLst/>
+                  <a:latin typeface="Consolas" panose="020B0609020204030204" pitchFamily="49" charset="0"/>
+                </a:rPr>
+                <a:t>Node </a:t>
+              </a:r>
+              <a:r>
+                <a:rPr lang="en-US" altLang="ko-KR" b="1" dirty="0">
+                  <a:solidFill>
+                    <a:schemeClr val="bg1">
+                      <a:lumMod val="65000"/>
+                    </a:schemeClr>
+                  </a:solidFill>
+                  <a:effectLst/>
+                  <a:latin typeface="Consolas" panose="020B0609020204030204" pitchFamily="49" charset="0"/>
+                </a:rPr>
+                <a:t>(Master)</a:t>
+              </a:r>
+            </a:p>
+            <a:p>
+              <a:pPr algn="ctr"/>
+              <a:endParaRPr lang="en-US" altLang="ko-KR" b="0" dirty="0">
+                <a:solidFill>
+                  <a:schemeClr val="bg1">
+                    <a:lumMod val="65000"/>
+                  </a:schemeClr>
+                </a:solidFill>
+                <a:effectLst/>
+                <a:latin typeface="Consolas" panose="020B0609020204030204" pitchFamily="49" charset="0"/>
+              </a:endParaRPr>
+            </a:p>
+          </p:txBody>
+        </p:sp>
+        <p:grpSp>
+          <p:nvGrpSpPr>
+            <p:cNvPr id="29" name="그룹 28">
+              <a:extLst>
+                <a:ext uri="{FF2B5EF4-FFF2-40B4-BE49-F238E27FC236}">
+                  <a16:creationId xmlns:a16="http://schemas.microsoft.com/office/drawing/2014/main" id="{D1C6E92E-10D4-B080-9B80-0D27F789BAFD}"/>
+                </a:ext>
+              </a:extLst>
+            </p:cNvPr>
+            <p:cNvGrpSpPr/>
+            <p:nvPr/>
+          </p:nvGrpSpPr>
+          <p:grpSpPr>
+            <a:xfrm>
+              <a:off x="7697027" y="984090"/>
+              <a:ext cx="1807266" cy="1013792"/>
+              <a:chOff x="1336811" y="639534"/>
+              <a:chExt cx="1807266" cy="1013792"/>
+            </a:xfrm>
+          </p:grpSpPr>
+          <p:sp>
+            <p:nvSpPr>
+              <p:cNvPr id="31" name="직사각형 30">
+                <a:extLst>
+                  <a:ext uri="{FF2B5EF4-FFF2-40B4-BE49-F238E27FC236}">
+                    <a16:creationId xmlns:a16="http://schemas.microsoft.com/office/drawing/2014/main" id="{646BD1CE-49C5-D3A2-9F7D-EE3413F0E5A1}"/>
+                  </a:ext>
+                </a:extLst>
+              </p:cNvPr>
+              <p:cNvSpPr/>
+              <p:nvPr/>
+            </p:nvSpPr>
+            <p:spPr>
+              <a:xfrm>
+                <a:off x="1403074" y="639534"/>
+                <a:ext cx="1741003" cy="1013792"/>
+              </a:xfrm>
+              <a:prstGeom prst="rect">
+                <a:avLst/>
+              </a:prstGeom>
+              <a:solidFill>
+                <a:schemeClr val="accent1">
+                  <a:lumMod val="75000"/>
+                </a:schemeClr>
+              </a:solidFill>
+              <a:ln w="9525" cap="flat" cmpd="sng" algn="ctr">
+                <a:solidFill>
+                  <a:schemeClr val="accent1"/>
+                </a:solidFill>
+                <a:prstDash val="solid"/>
+                <a:round/>
+                <a:headEnd type="none" w="med" len="med"/>
+                <a:tailEnd type="none" w="med" len="med"/>
+              </a:ln>
+            </p:spPr>
+            <p:style>
+              <a:lnRef idx="0">
+                <a:scrgbClr r="0" g="0" b="0"/>
+              </a:lnRef>
+              <a:fillRef idx="0">
+                <a:scrgbClr r="0" g="0" b="0"/>
+              </a:fillRef>
+              <a:effectRef idx="0">
+                <a:scrgbClr r="0" g="0" b="0"/>
+              </a:effectRef>
+              <a:fontRef idx="minor">
+                <a:schemeClr val="accent1"/>
+              </a:fontRef>
+            </p:style>
+            <p:txBody>
+              <a:bodyPr rtlCol="0" anchor="ctr"/>
+              <a:lstStyle/>
+              <a:p>
+                <a:pPr algn="ctr"/>
+                <a:r>
+                  <a:rPr lang="en-US" altLang="ko-KR" b="1" dirty="0">
+                    <a:solidFill>
+                      <a:schemeClr val="bg1"/>
+                    </a:solidFill>
+                    <a:effectLst/>
+                    <a:latin typeface="Consolas" panose="020B0609020204030204" pitchFamily="49" charset="0"/>
+                  </a:rPr>
+                  <a:t>Pod</a:t>
+                </a:r>
+                <a:endParaRPr lang="en-US" altLang="ko-KR" b="0" dirty="0">
+                  <a:solidFill>
+                    <a:schemeClr val="bg1">
+                      <a:lumMod val="65000"/>
+                    </a:schemeClr>
+                  </a:solidFill>
+                  <a:effectLst/>
+                  <a:latin typeface="Consolas" panose="020B0609020204030204" pitchFamily="49" charset="0"/>
+                </a:endParaRPr>
+              </a:p>
+            </p:txBody>
+          </p:sp>
+          <p:sp>
+            <p:nvSpPr>
+              <p:cNvPr id="32" name="직사각형 31">
+                <a:extLst>
+                  <a:ext uri="{FF2B5EF4-FFF2-40B4-BE49-F238E27FC236}">
+                    <a16:creationId xmlns:a16="http://schemas.microsoft.com/office/drawing/2014/main" id="{C2BBDDEB-73CD-A195-1338-050470BDAE1E}"/>
+                  </a:ext>
+                </a:extLst>
+              </p:cNvPr>
+              <p:cNvSpPr/>
+              <p:nvPr/>
+            </p:nvSpPr>
+            <p:spPr>
+              <a:xfrm>
+                <a:off x="1336811" y="1349760"/>
+                <a:ext cx="1070113" cy="279274"/>
+              </a:xfrm>
+              <a:prstGeom prst="rect">
+                <a:avLst/>
+              </a:prstGeom>
+              <a:noFill/>
+              <a:ln w="9525" cap="flat" cmpd="sng" algn="ctr">
+                <a:noFill/>
+                <a:prstDash val="solid"/>
+                <a:round/>
+                <a:headEnd type="none" w="med" len="med"/>
+                <a:tailEnd type="none" w="med" len="med"/>
+              </a:ln>
+            </p:spPr>
+            <p:style>
+              <a:lnRef idx="0">
+                <a:scrgbClr r="0" g="0" b="0"/>
+              </a:lnRef>
+              <a:fillRef idx="0">
+                <a:scrgbClr r="0" g="0" b="0"/>
+              </a:fillRef>
+              <a:effectRef idx="0">
+                <a:scrgbClr r="0" g="0" b="0"/>
+              </a:effectRef>
+              <a:fontRef idx="minor">
+                <a:schemeClr val="accent1"/>
+              </a:fontRef>
+            </p:style>
+            <p:txBody>
+              <a:bodyPr rtlCol="0" anchor="ctr"/>
+              <a:lstStyle/>
+              <a:p>
+                <a:pPr algn="ctr"/>
+                <a:r>
+                  <a:rPr lang="en-US" altLang="ko-KR" sz="1200" b="1" dirty="0">
+                    <a:solidFill>
+                      <a:schemeClr val="bg1"/>
+                    </a:solidFill>
+                    <a:effectLst/>
+                    <a:latin typeface="Consolas" panose="020B0609020204030204" pitchFamily="49" charset="0"/>
+                  </a:rPr>
+                  <a:t>10.0.1.1</a:t>
+                </a:r>
+                <a:endParaRPr lang="en-US" altLang="ko-KR" sz="1200" b="0" dirty="0">
+                  <a:solidFill>
+                    <a:schemeClr val="bg1">
+                      <a:lumMod val="65000"/>
+                    </a:schemeClr>
+                  </a:solidFill>
+                  <a:effectLst/>
+                  <a:latin typeface="Consolas" panose="020B0609020204030204" pitchFamily="49" charset="0"/>
+                </a:endParaRPr>
+              </a:p>
+            </p:txBody>
+          </p:sp>
+        </p:grpSp>
+        <p:grpSp>
+          <p:nvGrpSpPr>
+            <p:cNvPr id="33" name="그룹 32">
+              <a:extLst>
+                <a:ext uri="{FF2B5EF4-FFF2-40B4-BE49-F238E27FC236}">
+                  <a16:creationId xmlns:a16="http://schemas.microsoft.com/office/drawing/2014/main" id="{245D7A45-5571-2490-4726-620170D2E887}"/>
+                </a:ext>
+              </a:extLst>
+            </p:cNvPr>
+            <p:cNvGrpSpPr/>
+            <p:nvPr/>
+          </p:nvGrpSpPr>
+          <p:grpSpPr>
+            <a:xfrm>
+              <a:off x="7697027" y="2448455"/>
+              <a:ext cx="1807266" cy="1013792"/>
+              <a:chOff x="1336811" y="639534"/>
+              <a:chExt cx="1807266" cy="1013792"/>
+            </a:xfrm>
+          </p:grpSpPr>
+          <p:sp>
+            <p:nvSpPr>
+              <p:cNvPr id="34" name="직사각형 33">
+                <a:extLst>
+                  <a:ext uri="{FF2B5EF4-FFF2-40B4-BE49-F238E27FC236}">
+                    <a16:creationId xmlns:a16="http://schemas.microsoft.com/office/drawing/2014/main" id="{7279A57A-7D88-2DF6-01AB-4DE3FF2467E9}"/>
+                  </a:ext>
+                </a:extLst>
+              </p:cNvPr>
+              <p:cNvSpPr/>
+              <p:nvPr/>
+            </p:nvSpPr>
+            <p:spPr>
+              <a:xfrm>
+                <a:off x="1403074" y="639534"/>
+                <a:ext cx="1741003" cy="1013792"/>
+              </a:xfrm>
+              <a:prstGeom prst="rect">
+                <a:avLst/>
+              </a:prstGeom>
+              <a:solidFill>
+                <a:schemeClr val="accent1">
+                  <a:lumMod val="75000"/>
+                </a:schemeClr>
+              </a:solidFill>
+              <a:ln w="9525" cap="flat" cmpd="sng" algn="ctr">
+                <a:solidFill>
+                  <a:schemeClr val="accent1"/>
+                </a:solidFill>
+                <a:prstDash val="solid"/>
+                <a:round/>
+                <a:headEnd type="none" w="med" len="med"/>
+                <a:tailEnd type="none" w="med" len="med"/>
+              </a:ln>
+            </p:spPr>
+            <p:style>
+              <a:lnRef idx="0">
+                <a:scrgbClr r="0" g="0" b="0"/>
+              </a:lnRef>
+              <a:fillRef idx="0">
+                <a:scrgbClr r="0" g="0" b="0"/>
+              </a:fillRef>
+              <a:effectRef idx="0">
+                <a:scrgbClr r="0" g="0" b="0"/>
+              </a:effectRef>
+              <a:fontRef idx="minor">
+                <a:schemeClr val="accent1"/>
+              </a:fontRef>
+            </p:style>
+            <p:txBody>
+              <a:bodyPr rtlCol="0" anchor="ctr"/>
+              <a:lstStyle/>
+              <a:p>
+                <a:pPr algn="ctr"/>
+                <a:r>
+                  <a:rPr lang="en-US" altLang="ko-KR" b="1" dirty="0">
+                    <a:solidFill>
+                      <a:schemeClr val="bg1"/>
+                    </a:solidFill>
+                    <a:effectLst/>
+                    <a:latin typeface="Consolas" panose="020B0609020204030204" pitchFamily="49" charset="0"/>
+                  </a:rPr>
+                  <a:t>Pod</a:t>
+                </a:r>
+                <a:endParaRPr lang="en-US" altLang="ko-KR" b="0" dirty="0">
+                  <a:solidFill>
+                    <a:schemeClr val="bg1">
+                      <a:lumMod val="65000"/>
+                    </a:schemeClr>
+                  </a:solidFill>
+                  <a:effectLst/>
+                  <a:latin typeface="Consolas" panose="020B0609020204030204" pitchFamily="49" charset="0"/>
+                </a:endParaRPr>
+              </a:p>
+            </p:txBody>
+          </p:sp>
+          <p:sp>
+            <p:nvSpPr>
+              <p:cNvPr id="35" name="직사각형 34">
+                <a:extLst>
+                  <a:ext uri="{FF2B5EF4-FFF2-40B4-BE49-F238E27FC236}">
+                    <a16:creationId xmlns:a16="http://schemas.microsoft.com/office/drawing/2014/main" id="{D21DC116-C75C-70C4-7C85-1EF065D168EB}"/>
+                  </a:ext>
+                </a:extLst>
+              </p:cNvPr>
+              <p:cNvSpPr/>
+              <p:nvPr/>
+            </p:nvSpPr>
+            <p:spPr>
+              <a:xfrm>
+                <a:off x="1336811" y="1349760"/>
+                <a:ext cx="1070113" cy="279274"/>
+              </a:xfrm>
+              <a:prstGeom prst="rect">
+                <a:avLst/>
+              </a:prstGeom>
+              <a:noFill/>
+              <a:ln w="9525" cap="flat" cmpd="sng" algn="ctr">
+                <a:noFill/>
+                <a:prstDash val="solid"/>
+                <a:round/>
+                <a:headEnd type="none" w="med" len="med"/>
+                <a:tailEnd type="none" w="med" len="med"/>
+              </a:ln>
+            </p:spPr>
+            <p:style>
+              <a:lnRef idx="0">
+                <a:scrgbClr r="0" g="0" b="0"/>
+              </a:lnRef>
+              <a:fillRef idx="0">
+                <a:scrgbClr r="0" g="0" b="0"/>
+              </a:fillRef>
+              <a:effectRef idx="0">
+                <a:scrgbClr r="0" g="0" b="0"/>
+              </a:effectRef>
+              <a:fontRef idx="minor">
+                <a:schemeClr val="accent1"/>
+              </a:fontRef>
+            </p:style>
+            <p:txBody>
+              <a:bodyPr rtlCol="0" anchor="ctr"/>
+              <a:lstStyle/>
+              <a:p>
+                <a:pPr algn="ctr"/>
+                <a:r>
+                  <a:rPr lang="en-US" altLang="ko-KR" sz="1200" b="1" dirty="0">
+                    <a:solidFill>
+                      <a:schemeClr val="bg1"/>
+                    </a:solidFill>
+                    <a:effectLst/>
+                    <a:latin typeface="Consolas" panose="020B0609020204030204" pitchFamily="49" charset="0"/>
+                  </a:rPr>
+                  <a:t>10.0.1.2</a:t>
+                </a:r>
+                <a:endParaRPr lang="en-US" altLang="ko-KR" sz="1200" b="0" dirty="0">
+                  <a:solidFill>
+                    <a:schemeClr val="bg1">
+                      <a:lumMod val="65000"/>
+                    </a:schemeClr>
+                  </a:solidFill>
+                  <a:effectLst/>
+                  <a:latin typeface="Consolas" panose="020B0609020204030204" pitchFamily="49" charset="0"/>
+                </a:endParaRPr>
+              </a:p>
+            </p:txBody>
+          </p:sp>
+        </p:grpSp>
+        <p:grpSp>
+          <p:nvGrpSpPr>
+            <p:cNvPr id="38" name="그룹 37">
+              <a:extLst>
+                <a:ext uri="{FF2B5EF4-FFF2-40B4-BE49-F238E27FC236}">
+                  <a16:creationId xmlns:a16="http://schemas.microsoft.com/office/drawing/2014/main" id="{566FE4EE-6F86-4E6C-5DBC-18CEB9834DCC}"/>
+                </a:ext>
+              </a:extLst>
+            </p:cNvPr>
+            <p:cNvGrpSpPr/>
+            <p:nvPr/>
+          </p:nvGrpSpPr>
+          <p:grpSpPr>
+            <a:xfrm>
+              <a:off x="7697027" y="3912820"/>
+              <a:ext cx="1807266" cy="1013792"/>
+              <a:chOff x="1336811" y="639534"/>
+              <a:chExt cx="1807266" cy="1013792"/>
+            </a:xfrm>
+          </p:grpSpPr>
+          <p:sp>
+            <p:nvSpPr>
+              <p:cNvPr id="39" name="직사각형 38">
+                <a:extLst>
+                  <a:ext uri="{FF2B5EF4-FFF2-40B4-BE49-F238E27FC236}">
+                    <a16:creationId xmlns:a16="http://schemas.microsoft.com/office/drawing/2014/main" id="{21535098-6214-D6B0-72B6-86EEAA603DA2}"/>
+                  </a:ext>
+                </a:extLst>
+              </p:cNvPr>
+              <p:cNvSpPr/>
+              <p:nvPr/>
+            </p:nvSpPr>
+            <p:spPr>
+              <a:xfrm>
+                <a:off x="1403074" y="639534"/>
+                <a:ext cx="1741003" cy="1013792"/>
+              </a:xfrm>
+              <a:prstGeom prst="rect">
+                <a:avLst/>
+              </a:prstGeom>
+              <a:solidFill>
+                <a:schemeClr val="accent1">
+                  <a:lumMod val="75000"/>
+                </a:schemeClr>
+              </a:solidFill>
+              <a:ln w="9525" cap="flat" cmpd="sng" algn="ctr">
+                <a:solidFill>
+                  <a:schemeClr val="accent1"/>
+                </a:solidFill>
+                <a:prstDash val="solid"/>
+                <a:round/>
+                <a:headEnd type="none" w="med" len="med"/>
+                <a:tailEnd type="none" w="med" len="med"/>
+              </a:ln>
+            </p:spPr>
+            <p:style>
+              <a:lnRef idx="0">
+                <a:scrgbClr r="0" g="0" b="0"/>
+              </a:lnRef>
+              <a:fillRef idx="0">
+                <a:scrgbClr r="0" g="0" b="0"/>
+              </a:fillRef>
+              <a:effectRef idx="0">
+                <a:scrgbClr r="0" g="0" b="0"/>
+              </a:effectRef>
+              <a:fontRef idx="minor">
+                <a:schemeClr val="accent1"/>
+              </a:fontRef>
+            </p:style>
+            <p:txBody>
+              <a:bodyPr rtlCol="0" anchor="ctr"/>
+              <a:lstStyle/>
+              <a:p>
+                <a:pPr algn="ctr"/>
+                <a:r>
+                  <a:rPr lang="en-US" altLang="ko-KR" b="1" dirty="0">
+                    <a:solidFill>
+                      <a:schemeClr val="bg1"/>
+                    </a:solidFill>
+                    <a:effectLst/>
+                    <a:latin typeface="Consolas" panose="020B0609020204030204" pitchFamily="49" charset="0"/>
+                  </a:rPr>
+                  <a:t>Pod</a:t>
+                </a:r>
+                <a:endParaRPr lang="en-US" altLang="ko-KR" b="0" dirty="0">
+                  <a:solidFill>
+                    <a:schemeClr val="bg1">
+                      <a:lumMod val="65000"/>
+                    </a:schemeClr>
+                  </a:solidFill>
+                  <a:effectLst/>
+                  <a:latin typeface="Consolas" panose="020B0609020204030204" pitchFamily="49" charset="0"/>
+                </a:endParaRPr>
+              </a:p>
+            </p:txBody>
+          </p:sp>
+          <p:sp>
+            <p:nvSpPr>
+              <p:cNvPr id="40" name="직사각형 39">
+                <a:extLst>
+                  <a:ext uri="{FF2B5EF4-FFF2-40B4-BE49-F238E27FC236}">
+                    <a16:creationId xmlns:a16="http://schemas.microsoft.com/office/drawing/2014/main" id="{55F75D76-9559-8E43-3A59-A8F905AD9B95}"/>
+                  </a:ext>
+                </a:extLst>
+              </p:cNvPr>
+              <p:cNvSpPr/>
+              <p:nvPr/>
+            </p:nvSpPr>
+            <p:spPr>
+              <a:xfrm>
+                <a:off x="1336811" y="1349760"/>
+                <a:ext cx="1070113" cy="279274"/>
+              </a:xfrm>
+              <a:prstGeom prst="rect">
+                <a:avLst/>
+              </a:prstGeom>
+              <a:noFill/>
+              <a:ln w="9525" cap="flat" cmpd="sng" algn="ctr">
+                <a:noFill/>
+                <a:prstDash val="solid"/>
+                <a:round/>
+                <a:headEnd type="none" w="med" len="med"/>
+                <a:tailEnd type="none" w="med" len="med"/>
+              </a:ln>
+            </p:spPr>
+            <p:style>
+              <a:lnRef idx="0">
+                <a:scrgbClr r="0" g="0" b="0"/>
+              </a:lnRef>
+              <a:fillRef idx="0">
+                <a:scrgbClr r="0" g="0" b="0"/>
+              </a:fillRef>
+              <a:effectRef idx="0">
+                <a:scrgbClr r="0" g="0" b="0"/>
+              </a:effectRef>
+              <a:fontRef idx="minor">
+                <a:schemeClr val="accent1"/>
+              </a:fontRef>
+            </p:style>
+            <p:txBody>
+              <a:bodyPr rtlCol="0" anchor="ctr"/>
+              <a:lstStyle/>
+              <a:p>
+                <a:pPr algn="ctr"/>
+                <a:r>
+                  <a:rPr lang="en-US" altLang="ko-KR" sz="1200" b="1" dirty="0">
+                    <a:solidFill>
+                      <a:schemeClr val="bg1"/>
+                    </a:solidFill>
+                    <a:effectLst/>
+                    <a:latin typeface="Consolas" panose="020B0609020204030204" pitchFamily="49" charset="0"/>
+                  </a:rPr>
+                  <a:t>10.0.1.3</a:t>
+                </a:r>
+                <a:endParaRPr lang="en-US" altLang="ko-KR" sz="1200" b="0" dirty="0">
+                  <a:solidFill>
+                    <a:schemeClr val="bg1">
+                      <a:lumMod val="65000"/>
+                    </a:schemeClr>
+                  </a:solidFill>
+                  <a:effectLst/>
+                  <a:latin typeface="Consolas" panose="020B0609020204030204" pitchFamily="49" charset="0"/>
+                </a:endParaRPr>
+              </a:p>
+            </p:txBody>
+          </p:sp>
+        </p:grpSp>
+        <p:sp>
+          <p:nvSpPr>
+            <p:cNvPr id="41" name="직사각형 40">
+              <a:extLst>
+                <a:ext uri="{FF2B5EF4-FFF2-40B4-BE49-F238E27FC236}">
+                  <a16:creationId xmlns:a16="http://schemas.microsoft.com/office/drawing/2014/main" id="{9B410D7F-D09B-9456-D8D3-DC9EF4448147}"/>
+                </a:ext>
+              </a:extLst>
+            </p:cNvPr>
+            <p:cNvSpPr/>
+            <p:nvPr/>
+          </p:nvSpPr>
+          <p:spPr>
+            <a:xfrm>
+              <a:off x="2804904" y="984090"/>
+              <a:ext cx="1070113" cy="3942522"/>
+            </a:xfrm>
+            <a:prstGeom prst="rect">
+              <a:avLst/>
+            </a:prstGeom>
+          </p:spPr>
+          <p:style>
+            <a:lnRef idx="2">
+              <a:schemeClr val="accent2">
+                <a:shade val="50000"/>
+              </a:schemeClr>
+            </a:lnRef>
+            <a:fillRef idx="1">
+              <a:schemeClr val="accent2"/>
+            </a:fillRef>
+            <a:effectRef idx="0">
+              <a:schemeClr val="accent2"/>
+            </a:effectRef>
+            <a:fontRef idx="minor">
+              <a:schemeClr val="lt1"/>
+            </a:fontRef>
+          </p:style>
+          <p:txBody>
+            <a:bodyPr rtlCol="0" anchor="ctr"/>
+            <a:lstStyle/>
+            <a:p>
+              <a:pPr algn="ctr"/>
+              <a:r>
+                <a:rPr lang="en-US" altLang="ko-KR" sz="1400" b="1" dirty="0">
+                  <a:latin typeface="Consolas" panose="020B0609020204030204" pitchFamily="49" charset="0"/>
+                </a:rPr>
+                <a:t>Service</a:t>
+              </a:r>
+              <a:endParaRPr lang="ko-KR" altLang="en-US" sz="1400" b="1" dirty="0">
+                <a:latin typeface="Consolas" panose="020B0609020204030204" pitchFamily="49" charset="0"/>
+              </a:endParaRPr>
+            </a:p>
+          </p:txBody>
+        </p:sp>
+        <p:cxnSp>
+          <p:nvCxnSpPr>
+            <p:cNvPr id="52" name="연결선: 꺾임 51">
+              <a:extLst>
+                <a:ext uri="{FF2B5EF4-FFF2-40B4-BE49-F238E27FC236}">
+                  <a16:creationId xmlns:a16="http://schemas.microsoft.com/office/drawing/2014/main" id="{E7E2D7C2-B1F1-813D-26E6-B78C8F3F9FD9}"/>
+                </a:ext>
+              </a:extLst>
+            </p:cNvPr>
+            <p:cNvCxnSpPr>
+              <a:cxnSpLocks/>
+              <a:stCxn id="41" idx="3"/>
+              <a:endCxn id="31" idx="1"/>
+            </p:cNvCxnSpPr>
+            <p:nvPr/>
+          </p:nvCxnSpPr>
+          <p:spPr>
+            <a:xfrm flipV="1">
+              <a:off x="3875017" y="1490986"/>
+              <a:ext cx="3888273" cy="1464365"/>
+            </a:xfrm>
+            <a:prstGeom prst="bentConnector3">
+              <a:avLst>
+                <a:gd name="adj1" fmla="val 50000"/>
+              </a:avLst>
+            </a:prstGeom>
+            <a:ln w="25400">
+              <a:solidFill>
+                <a:schemeClr val="bg1"/>
+              </a:solidFill>
+              <a:tailEnd type="triangle"/>
+            </a:ln>
+          </p:spPr>
+          <p:style>
+            <a:lnRef idx="1">
+              <a:schemeClr val="accent1"/>
+            </a:lnRef>
+            <a:fillRef idx="0">
+              <a:schemeClr val="accent1"/>
+            </a:fillRef>
+            <a:effectRef idx="0">
+              <a:schemeClr val="accent1"/>
+            </a:effectRef>
+            <a:fontRef idx="minor">
+              <a:schemeClr val="tx1"/>
+            </a:fontRef>
+          </p:style>
+        </p:cxnSp>
+        <p:cxnSp>
+          <p:nvCxnSpPr>
+            <p:cNvPr id="58" name="연결선: 꺾임 57">
+              <a:extLst>
+                <a:ext uri="{FF2B5EF4-FFF2-40B4-BE49-F238E27FC236}">
+                  <a16:creationId xmlns:a16="http://schemas.microsoft.com/office/drawing/2014/main" id="{1617694E-AE1B-A10F-AB7F-2522065F7257}"/>
+                </a:ext>
+              </a:extLst>
+            </p:cNvPr>
+            <p:cNvCxnSpPr>
+              <a:cxnSpLocks/>
+              <a:stCxn id="41" idx="3"/>
+              <a:endCxn id="39" idx="1"/>
+            </p:cNvCxnSpPr>
+            <p:nvPr/>
+          </p:nvCxnSpPr>
+          <p:spPr>
+            <a:xfrm>
+              <a:off x="3875017" y="2955351"/>
+              <a:ext cx="3888273" cy="1464365"/>
+            </a:xfrm>
+            <a:prstGeom prst="bentConnector3">
+              <a:avLst>
+                <a:gd name="adj1" fmla="val 50000"/>
+              </a:avLst>
+            </a:prstGeom>
+            <a:ln w="25400">
+              <a:solidFill>
+                <a:schemeClr val="bg1"/>
+              </a:solidFill>
+              <a:tailEnd type="triangle"/>
+            </a:ln>
+          </p:spPr>
+          <p:style>
+            <a:lnRef idx="1">
+              <a:schemeClr val="accent1"/>
+            </a:lnRef>
+            <a:fillRef idx="0">
+              <a:schemeClr val="accent1"/>
+            </a:fillRef>
+            <a:effectRef idx="0">
+              <a:schemeClr val="accent1"/>
+            </a:effectRef>
+            <a:fontRef idx="minor">
+              <a:schemeClr val="tx1"/>
+            </a:fontRef>
+          </p:style>
+        </p:cxnSp>
+        <p:cxnSp>
+          <p:nvCxnSpPr>
+            <p:cNvPr id="62" name="직선 화살표 연결선 61">
+              <a:extLst>
+                <a:ext uri="{FF2B5EF4-FFF2-40B4-BE49-F238E27FC236}">
+                  <a16:creationId xmlns:a16="http://schemas.microsoft.com/office/drawing/2014/main" id="{0F151123-ACBD-A4D3-93C9-451456DF3634}"/>
+                </a:ext>
+              </a:extLst>
+            </p:cNvPr>
+            <p:cNvCxnSpPr>
+              <a:stCxn id="41" idx="3"/>
+              <a:endCxn id="34" idx="1"/>
+            </p:cNvCxnSpPr>
+            <p:nvPr/>
+          </p:nvCxnSpPr>
+          <p:spPr>
+            <a:xfrm>
+              <a:off x="3875017" y="2955351"/>
+              <a:ext cx="3888273" cy="0"/>
+            </a:xfrm>
+            <a:prstGeom prst="straightConnector1">
+              <a:avLst/>
+            </a:prstGeom>
+            <a:ln w="22225">
+              <a:solidFill>
+                <a:schemeClr val="bg1"/>
+              </a:solidFill>
+              <a:tailEnd type="triangle"/>
+            </a:ln>
+          </p:spPr>
+          <p:style>
+            <a:lnRef idx="1">
+              <a:schemeClr val="accent1"/>
+            </a:lnRef>
+            <a:fillRef idx="0">
+              <a:schemeClr val="accent1"/>
+            </a:fillRef>
+            <a:effectRef idx="0">
+              <a:schemeClr val="accent1"/>
+            </a:effectRef>
+            <a:fontRef idx="minor">
+              <a:schemeClr val="tx1"/>
+            </a:fontRef>
+          </p:style>
+        </p:cxnSp>
+        <p:cxnSp>
+          <p:nvCxnSpPr>
+            <p:cNvPr id="69" name="직선 화살표 연결선 68">
+              <a:extLst>
+                <a:ext uri="{FF2B5EF4-FFF2-40B4-BE49-F238E27FC236}">
+                  <a16:creationId xmlns:a16="http://schemas.microsoft.com/office/drawing/2014/main" id="{127DC17E-71E5-74F2-380B-BF2203A258EB}"/>
+                </a:ext>
+              </a:extLst>
+            </p:cNvPr>
+            <p:cNvCxnSpPr>
+              <a:cxnSpLocks/>
+              <a:endCxn id="41" idx="1"/>
+            </p:cNvCxnSpPr>
+            <p:nvPr/>
+          </p:nvCxnSpPr>
+          <p:spPr>
+            <a:xfrm>
+              <a:off x="2133600" y="2955351"/>
+              <a:ext cx="671304" cy="0"/>
+            </a:xfrm>
+            <a:prstGeom prst="straightConnector1">
+              <a:avLst/>
+            </a:prstGeom>
+            <a:ln w="22225">
+              <a:solidFill>
+                <a:schemeClr val="bg1"/>
+              </a:solidFill>
+              <a:tailEnd type="triangle"/>
+            </a:ln>
+          </p:spPr>
+          <p:style>
+            <a:lnRef idx="1">
+              <a:schemeClr val="accent1"/>
+            </a:lnRef>
+            <a:fillRef idx="0">
+              <a:schemeClr val="accent1"/>
+            </a:fillRef>
+            <a:effectRef idx="0">
+              <a:schemeClr val="accent1"/>
+            </a:effectRef>
+            <a:fontRef idx="minor">
+              <a:schemeClr val="tx1"/>
+            </a:fontRef>
+          </p:style>
+        </p:cxnSp>
+        <p:sp>
+          <p:nvSpPr>
+            <p:cNvPr id="76" name="직사각형 75">
+              <a:extLst>
+                <a:ext uri="{FF2B5EF4-FFF2-40B4-BE49-F238E27FC236}">
+                  <a16:creationId xmlns:a16="http://schemas.microsoft.com/office/drawing/2014/main" id="{1F23F48F-B9C5-09D7-5C19-94D707301B5C}"/>
+                </a:ext>
+              </a:extLst>
+            </p:cNvPr>
+            <p:cNvSpPr/>
+            <p:nvPr/>
+          </p:nvSpPr>
+          <p:spPr>
+            <a:xfrm>
+              <a:off x="4212121" y="2254387"/>
+              <a:ext cx="1371602" cy="535086"/>
+            </a:xfrm>
+            <a:prstGeom prst="rect">
+              <a:avLst/>
+            </a:prstGeom>
+            <a:ln w="28575">
+              <a:solidFill>
+                <a:srgbClr val="FF0000"/>
+              </a:solidFill>
+            </a:ln>
+          </p:spPr>
+          <p:style>
+            <a:lnRef idx="2">
+              <a:schemeClr val="accent2"/>
+            </a:lnRef>
+            <a:fillRef idx="1">
+              <a:schemeClr val="lt1"/>
+            </a:fillRef>
+            <a:effectRef idx="0">
+              <a:schemeClr val="accent2"/>
+            </a:effectRef>
+            <a:fontRef idx="minor">
+              <a:schemeClr val="dk1"/>
+            </a:fontRef>
+          </p:style>
+          <p:txBody>
+            <a:bodyPr rtlCol="0" anchor="ctr"/>
+            <a:lstStyle/>
+            <a:p>
+              <a:pPr algn="ctr"/>
+              <a:r>
+                <a:rPr lang="en-US" altLang="ko-KR" sz="1200" dirty="0"/>
+                <a:t>(1) </a:t>
+              </a:r>
+              <a:r>
+                <a:rPr lang="ko-KR" altLang="en-US" sz="1200" dirty="0"/>
+                <a:t>처리를 분리</a:t>
+              </a:r>
+            </a:p>
+          </p:txBody>
+        </p:sp>
+      </p:grpSp>
+    </p:spTree>
+    <p:extLst>
+      <p:ext uri="{BB962C8B-B14F-4D97-AF65-F5344CB8AC3E}">
+        <p14:creationId xmlns:p14="http://schemas.microsoft.com/office/powerpoint/2010/main" val="124494810"/>
+      </p:ext>
+    </p:extLst>
+  </p:cSld>
+  <p:clrMapOvr>
+    <a:masterClrMapping/>
+  </p:clrMapOvr>
+</p:sld>
+</file>
+
+<file path=ppt/slides/slide8.xml><?xml version="1.0" encoding="utf-8"?>
+<p:sld xmlns:a="http://schemas.openxmlformats.org/drawingml/2006/main" xmlns:r="http://schemas.openxmlformats.org/officeDocument/2006/relationships" xmlns:p="http://schemas.openxmlformats.org/presentationml/2006/main">
+  <p:cSld>
+    <p:spTree>
+      <p:nvGrpSpPr>
+        <p:cNvPr id="1" name=""/>
+        <p:cNvGrpSpPr/>
+        <p:nvPr/>
+      </p:nvGrpSpPr>
+      <p:grpSpPr>
+        <a:xfrm>
+          <a:off x="0" y="0"/>
+          <a:ext cx="0" cy="0"/>
+          <a:chOff x="0" y="0"/>
+          <a:chExt cx="0" cy="0"/>
+        </a:xfrm>
+      </p:grpSpPr>
+      <p:sp>
+        <p:nvSpPr>
+          <p:cNvPr id="2" name="TextBox 1">
+            <a:extLst>
+              <a:ext uri="{FF2B5EF4-FFF2-40B4-BE49-F238E27FC236}">
+                <a16:creationId xmlns:a16="http://schemas.microsoft.com/office/drawing/2014/main" id="{AF53483D-1A80-C107-D3AB-6901351F1D3F}"/>
+              </a:ext>
+            </a:extLst>
+          </p:cNvPr>
+          <p:cNvSpPr txBox="1"/>
+          <p:nvPr/>
+        </p:nvSpPr>
+        <p:spPr>
+          <a:xfrm>
+            <a:off x="10388600" y="6596390"/>
+            <a:ext cx="1803400" cy="261610"/>
+          </a:xfrm>
+          <a:prstGeom prst="rect">
+            <a:avLst/>
+          </a:prstGeom>
+          <a:noFill/>
+        </p:spPr>
+        <p:txBody>
+          <a:bodyPr wrap="square" rtlCol="0">
+            <a:spAutoFit/>
+          </a:bodyPr>
+          <a:lstStyle/>
+          <a:p>
+            <a:pPr algn="r"/>
+            <a:r>
+              <a:rPr lang="en-US" altLang="ko-KR" sz="1100" dirty="0"/>
+              <a:t>Kim0lil/80700</a:t>
+            </a:r>
+            <a:endParaRPr lang="ko-KR" altLang="en-US" sz="1100" dirty="0"/>
+          </a:p>
+        </p:txBody>
+      </p:sp>
+      <p:grpSp>
+        <p:nvGrpSpPr>
+          <p:cNvPr id="43" name="그룹 42">
+            <a:extLst>
+              <a:ext uri="{FF2B5EF4-FFF2-40B4-BE49-F238E27FC236}">
+                <a16:creationId xmlns:a16="http://schemas.microsoft.com/office/drawing/2014/main" id="{1B313714-62A6-DCE4-9098-4EBE9CF01B91}"/>
+              </a:ext>
+            </a:extLst>
+          </p:cNvPr>
+          <p:cNvGrpSpPr/>
+          <p:nvPr/>
+        </p:nvGrpSpPr>
+        <p:grpSpPr>
+          <a:xfrm>
+            <a:off x="2133600" y="666039"/>
+            <a:ext cx="7765774" cy="5231178"/>
+            <a:chOff x="2133600" y="666039"/>
+            <a:chExt cx="7765774" cy="5231178"/>
+          </a:xfrm>
+        </p:grpSpPr>
+        <p:sp>
+          <p:nvSpPr>
+            <p:cNvPr id="27" name="직사각형 26">
+              <a:extLst>
+                <a:ext uri="{FF2B5EF4-FFF2-40B4-BE49-F238E27FC236}">
+                  <a16:creationId xmlns:a16="http://schemas.microsoft.com/office/drawing/2014/main" id="{22A3CEDF-CD33-4FC3-A40C-D0F3ED511F80}"/>
+                </a:ext>
+              </a:extLst>
+            </p:cNvPr>
+            <p:cNvSpPr/>
+            <p:nvPr/>
+          </p:nvSpPr>
+          <p:spPr>
+            <a:xfrm>
+              <a:off x="2146852" y="666039"/>
+              <a:ext cx="7752522" cy="5231178"/>
+            </a:xfrm>
+            <a:prstGeom prst="rect">
+              <a:avLst/>
+            </a:prstGeom>
+            <a:solidFill>
+              <a:schemeClr val="tx1">
+                <a:lumMod val="75000"/>
+                <a:lumOff val="25000"/>
+              </a:schemeClr>
+            </a:solidFill>
+            <a:ln w="9525" cap="flat" cmpd="sng" algn="ctr">
+              <a:solidFill>
+                <a:schemeClr val="accent1"/>
+              </a:solidFill>
+              <a:prstDash val="solid"/>
+              <a:round/>
+              <a:headEnd type="none" w="med" len="med"/>
+              <a:tailEnd type="none" w="med" len="med"/>
+            </a:ln>
+          </p:spPr>
+          <p:style>
+            <a:lnRef idx="0">
+              <a:scrgbClr r="0" g="0" b="0"/>
+            </a:lnRef>
+            <a:fillRef idx="0">
+              <a:scrgbClr r="0" g="0" b="0"/>
+            </a:fillRef>
+            <a:effectRef idx="0">
+              <a:scrgbClr r="0" g="0" b="0"/>
+            </a:effectRef>
+            <a:fontRef idx="minor">
+              <a:schemeClr val="accent1"/>
+            </a:fontRef>
+          </p:style>
+          <p:txBody>
+            <a:bodyPr rtlCol="0" anchor="b"/>
+            <a:lstStyle/>
+            <a:p>
+              <a:pPr algn="ctr"/>
+              <a:r>
+                <a:rPr lang="en-US" altLang="ko-KR" b="1" dirty="0">
+                  <a:solidFill>
+                    <a:schemeClr val="bg1"/>
+                  </a:solidFill>
+                  <a:effectLst/>
+                  <a:latin typeface="Consolas" panose="020B0609020204030204" pitchFamily="49" charset="0"/>
+                </a:rPr>
+                <a:t>Node </a:t>
+              </a:r>
+              <a:r>
+                <a:rPr lang="en-US" altLang="ko-KR" b="1" dirty="0">
+                  <a:solidFill>
+                    <a:schemeClr val="bg1">
+                      <a:lumMod val="65000"/>
+                    </a:schemeClr>
+                  </a:solidFill>
+                  <a:effectLst/>
+                  <a:latin typeface="Consolas" panose="020B0609020204030204" pitchFamily="49" charset="0"/>
+                </a:rPr>
+                <a:t>(Master)</a:t>
+              </a:r>
+            </a:p>
+            <a:p>
+              <a:pPr algn="ctr"/>
+              <a:endParaRPr lang="en-US" altLang="ko-KR" b="0" dirty="0">
+                <a:solidFill>
+                  <a:schemeClr val="bg1">
+                    <a:lumMod val="65000"/>
+                  </a:schemeClr>
+                </a:solidFill>
+                <a:effectLst/>
+                <a:latin typeface="Consolas" panose="020B0609020204030204" pitchFamily="49" charset="0"/>
+              </a:endParaRPr>
+            </a:p>
+          </p:txBody>
+        </p:sp>
+        <p:sp>
+          <p:nvSpPr>
+            <p:cNvPr id="41" name="직사각형 40">
+              <a:extLst>
+                <a:ext uri="{FF2B5EF4-FFF2-40B4-BE49-F238E27FC236}">
+                  <a16:creationId xmlns:a16="http://schemas.microsoft.com/office/drawing/2014/main" id="{9B410D7F-D09B-9456-D8D3-DC9EF4448147}"/>
+                </a:ext>
+              </a:extLst>
+            </p:cNvPr>
+            <p:cNvSpPr/>
+            <p:nvPr/>
+          </p:nvSpPr>
+          <p:spPr>
+            <a:xfrm>
+              <a:off x="2804904" y="984090"/>
+              <a:ext cx="1070113" cy="3942522"/>
+            </a:xfrm>
+            <a:prstGeom prst="rect">
+              <a:avLst/>
+            </a:prstGeom>
+          </p:spPr>
+          <p:style>
+            <a:lnRef idx="2">
+              <a:schemeClr val="accent2">
+                <a:shade val="50000"/>
+              </a:schemeClr>
+            </a:lnRef>
+            <a:fillRef idx="1">
+              <a:schemeClr val="accent2"/>
+            </a:fillRef>
+            <a:effectRef idx="0">
+              <a:schemeClr val="accent2"/>
+            </a:effectRef>
+            <a:fontRef idx="minor">
+              <a:schemeClr val="lt1"/>
+            </a:fontRef>
+          </p:style>
+          <p:txBody>
+            <a:bodyPr rtlCol="0" anchor="ctr"/>
+            <a:lstStyle/>
+            <a:p>
+              <a:pPr algn="ctr"/>
+              <a:r>
+                <a:rPr lang="en-US" altLang="ko-KR" sz="1400" b="1" dirty="0">
+                  <a:latin typeface="Consolas" panose="020B0609020204030204" pitchFamily="49" charset="0"/>
+                </a:rPr>
+                <a:t>Service</a:t>
+              </a:r>
+              <a:endParaRPr lang="ko-KR" altLang="en-US" sz="1400" b="1" dirty="0">
+                <a:latin typeface="Consolas" panose="020B0609020204030204" pitchFamily="49" charset="0"/>
+              </a:endParaRPr>
+            </a:p>
+          </p:txBody>
+        </p:sp>
+        <p:cxnSp>
+          <p:nvCxnSpPr>
+            <p:cNvPr id="69" name="직선 화살표 연결선 68">
+              <a:extLst>
+                <a:ext uri="{FF2B5EF4-FFF2-40B4-BE49-F238E27FC236}">
+                  <a16:creationId xmlns:a16="http://schemas.microsoft.com/office/drawing/2014/main" id="{127DC17E-71E5-74F2-380B-BF2203A258EB}"/>
+                </a:ext>
+              </a:extLst>
+            </p:cNvPr>
+            <p:cNvCxnSpPr>
+              <a:cxnSpLocks/>
+              <a:endCxn id="41" idx="1"/>
+            </p:cNvCxnSpPr>
+            <p:nvPr/>
+          </p:nvCxnSpPr>
+          <p:spPr>
+            <a:xfrm>
+              <a:off x="2133600" y="2955351"/>
+              <a:ext cx="671304" cy="0"/>
+            </a:xfrm>
+            <a:prstGeom prst="straightConnector1">
+              <a:avLst/>
+            </a:prstGeom>
+            <a:ln w="22225">
+              <a:solidFill>
+                <a:schemeClr val="bg1"/>
+              </a:solidFill>
+              <a:tailEnd type="triangle"/>
+            </a:ln>
+          </p:spPr>
+          <p:style>
+            <a:lnRef idx="1">
+              <a:schemeClr val="accent1"/>
+            </a:lnRef>
+            <a:fillRef idx="0">
+              <a:schemeClr val="accent1"/>
+            </a:fillRef>
+            <a:effectRef idx="0">
+              <a:schemeClr val="accent1"/>
+            </a:effectRef>
+            <a:fontRef idx="minor">
+              <a:schemeClr val="tx1"/>
+            </a:fontRef>
+          </p:style>
+        </p:cxnSp>
+        <p:sp>
+          <p:nvSpPr>
+            <p:cNvPr id="76" name="직사각형 75">
+              <a:extLst>
+                <a:ext uri="{FF2B5EF4-FFF2-40B4-BE49-F238E27FC236}">
+                  <a16:creationId xmlns:a16="http://schemas.microsoft.com/office/drawing/2014/main" id="{1F23F48F-B9C5-09D7-5C19-94D707301B5C}"/>
+                </a:ext>
+              </a:extLst>
+            </p:cNvPr>
+            <p:cNvSpPr/>
+            <p:nvPr/>
+          </p:nvSpPr>
+          <p:spPr>
+            <a:xfrm>
+              <a:off x="4161606" y="1878450"/>
+              <a:ext cx="2301731" cy="535086"/>
+            </a:xfrm>
+            <a:prstGeom prst="rect">
+              <a:avLst/>
+            </a:prstGeom>
+            <a:ln w="28575">
+              <a:solidFill>
+                <a:srgbClr val="FF0000"/>
+              </a:solidFill>
+            </a:ln>
+          </p:spPr>
+          <p:style>
+            <a:lnRef idx="2">
+              <a:schemeClr val="accent2"/>
+            </a:lnRef>
+            <a:fillRef idx="1">
+              <a:schemeClr val="lt1"/>
+            </a:fillRef>
+            <a:effectRef idx="0">
+              <a:schemeClr val="accent2"/>
+            </a:effectRef>
+            <a:fontRef idx="minor">
+              <a:schemeClr val="dk1"/>
+            </a:fontRef>
+          </p:style>
+          <p:txBody>
+            <a:bodyPr rtlCol="0" anchor="ctr"/>
+            <a:lstStyle/>
+            <a:p>
+              <a:pPr algn="ctr"/>
+              <a:r>
+                <a:rPr lang="en-US" altLang="ko-KR" sz="1200" dirty="0"/>
+                <a:t>(1) </a:t>
+              </a:r>
+              <a:r>
+                <a:rPr lang="ko-KR" altLang="en-US" sz="1200" dirty="0"/>
+                <a:t>수평적인 무한한 확장성</a:t>
+              </a:r>
+            </a:p>
+          </p:txBody>
+        </p:sp>
+        <p:cxnSp>
+          <p:nvCxnSpPr>
+            <p:cNvPr id="17" name="직선 화살표 연결선 16">
+              <a:extLst>
+                <a:ext uri="{FF2B5EF4-FFF2-40B4-BE49-F238E27FC236}">
+                  <a16:creationId xmlns:a16="http://schemas.microsoft.com/office/drawing/2014/main" id="{4443022C-37AD-0A22-BEC8-234345B05787}"/>
+                </a:ext>
+              </a:extLst>
+            </p:cNvPr>
+            <p:cNvCxnSpPr>
+              <a:cxnSpLocks/>
+              <a:stCxn id="41" idx="3"/>
+              <a:endCxn id="31" idx="1"/>
+            </p:cNvCxnSpPr>
+            <p:nvPr/>
+          </p:nvCxnSpPr>
+          <p:spPr>
+            <a:xfrm>
+              <a:off x="3875017" y="2955351"/>
+              <a:ext cx="1310726" cy="0"/>
+            </a:xfrm>
+            <a:prstGeom prst="straightConnector1">
+              <a:avLst/>
+            </a:prstGeom>
+            <a:ln w="22225">
+              <a:solidFill>
+                <a:schemeClr val="bg1"/>
+              </a:solidFill>
+              <a:tailEnd type="triangle"/>
+            </a:ln>
+          </p:spPr>
+          <p:style>
+            <a:lnRef idx="1">
+              <a:schemeClr val="accent1"/>
+            </a:lnRef>
+            <a:fillRef idx="0">
+              <a:schemeClr val="accent1"/>
+            </a:fillRef>
+            <a:effectRef idx="0">
+              <a:schemeClr val="accent1"/>
+            </a:effectRef>
+            <a:fontRef idx="minor">
+              <a:schemeClr val="tx1"/>
+            </a:fontRef>
+          </p:style>
+        </p:cxnSp>
+        <p:grpSp>
+          <p:nvGrpSpPr>
+            <p:cNvPr id="42" name="그룹 41">
+              <a:extLst>
+                <a:ext uri="{FF2B5EF4-FFF2-40B4-BE49-F238E27FC236}">
+                  <a16:creationId xmlns:a16="http://schemas.microsoft.com/office/drawing/2014/main" id="{E7916449-4796-6322-3595-F24981F2A67A}"/>
+                </a:ext>
+              </a:extLst>
+            </p:cNvPr>
+            <p:cNvGrpSpPr/>
+            <p:nvPr/>
+          </p:nvGrpSpPr>
+          <p:grpSpPr>
+            <a:xfrm>
+              <a:off x="5119480" y="2619135"/>
+              <a:ext cx="2412733" cy="1143513"/>
+              <a:chOff x="5119480" y="2619135"/>
+              <a:chExt cx="2412733" cy="1143513"/>
+            </a:xfrm>
+          </p:grpSpPr>
+          <p:grpSp>
+            <p:nvGrpSpPr>
+              <p:cNvPr id="29" name="그룹 28">
+                <a:extLst>
+                  <a:ext uri="{FF2B5EF4-FFF2-40B4-BE49-F238E27FC236}">
+                    <a16:creationId xmlns:a16="http://schemas.microsoft.com/office/drawing/2014/main" id="{D1C6E92E-10D4-B080-9B80-0D27F789BAFD}"/>
+                  </a:ext>
+                </a:extLst>
+              </p:cNvPr>
+              <p:cNvGrpSpPr/>
+              <p:nvPr/>
+            </p:nvGrpSpPr>
+            <p:grpSpPr>
+              <a:xfrm>
+                <a:off x="5119480" y="2619135"/>
+                <a:ext cx="1807266" cy="672432"/>
+                <a:chOff x="1336811" y="639534"/>
+                <a:chExt cx="1807266" cy="1013792"/>
+              </a:xfrm>
+            </p:grpSpPr>
+            <p:sp>
+              <p:nvSpPr>
+                <p:cNvPr id="31" name="직사각형 30">
+                  <a:extLst>
+                    <a:ext uri="{FF2B5EF4-FFF2-40B4-BE49-F238E27FC236}">
+                      <a16:creationId xmlns:a16="http://schemas.microsoft.com/office/drawing/2014/main" id="{646BD1CE-49C5-D3A2-9F7D-EE3413F0E5A1}"/>
+                    </a:ext>
+                  </a:extLst>
+                </p:cNvPr>
+                <p:cNvSpPr/>
+                <p:nvPr/>
+              </p:nvSpPr>
+              <p:spPr>
+                <a:xfrm>
+                  <a:off x="1403074" y="639534"/>
+                  <a:ext cx="1741003" cy="1013792"/>
+                </a:xfrm>
+                <a:prstGeom prst="rect">
+                  <a:avLst/>
+                </a:prstGeom>
+                <a:solidFill>
+                  <a:schemeClr val="accent1">
+                    <a:lumMod val="75000"/>
+                  </a:schemeClr>
+                </a:solidFill>
+                <a:ln w="9525" cap="flat" cmpd="sng" algn="ctr">
+                  <a:solidFill>
+                    <a:schemeClr val="accent1"/>
+                  </a:solidFill>
+                  <a:prstDash val="solid"/>
+                  <a:round/>
+                  <a:headEnd type="none" w="med" len="med"/>
+                  <a:tailEnd type="none" w="med" len="med"/>
+                </a:ln>
+              </p:spPr>
+              <p:style>
+                <a:lnRef idx="0">
+                  <a:scrgbClr r="0" g="0" b="0"/>
+                </a:lnRef>
+                <a:fillRef idx="0">
+                  <a:scrgbClr r="0" g="0" b="0"/>
+                </a:fillRef>
+                <a:effectRef idx="0">
+                  <a:scrgbClr r="0" g="0" b="0"/>
+                </a:effectRef>
+                <a:fontRef idx="minor">
+                  <a:schemeClr val="accent1"/>
+                </a:fontRef>
+              </p:style>
+              <p:txBody>
+                <a:bodyPr rtlCol="0" anchor="ctr"/>
+                <a:lstStyle/>
+                <a:p>
+                  <a:pPr algn="ctr"/>
+                  <a:r>
+                    <a:rPr lang="en-US" altLang="ko-KR" b="1" dirty="0">
+                      <a:solidFill>
+                        <a:schemeClr val="bg1"/>
+                      </a:solidFill>
+                      <a:effectLst/>
+                      <a:latin typeface="Consolas" panose="020B0609020204030204" pitchFamily="49" charset="0"/>
+                    </a:rPr>
+                    <a:t>Pod</a:t>
+                  </a:r>
+                  <a:endParaRPr lang="en-US" altLang="ko-KR" b="0" dirty="0">
+                    <a:solidFill>
+                      <a:schemeClr val="bg1">
+                        <a:lumMod val="65000"/>
+                      </a:schemeClr>
+                    </a:solidFill>
+                    <a:effectLst/>
+                    <a:latin typeface="Consolas" panose="020B0609020204030204" pitchFamily="49" charset="0"/>
+                  </a:endParaRPr>
+                </a:p>
+              </p:txBody>
+            </p:sp>
+            <p:sp>
+              <p:nvSpPr>
+                <p:cNvPr id="32" name="직사각형 31">
+                  <a:extLst>
+                    <a:ext uri="{FF2B5EF4-FFF2-40B4-BE49-F238E27FC236}">
+                      <a16:creationId xmlns:a16="http://schemas.microsoft.com/office/drawing/2014/main" id="{C2BBDDEB-73CD-A195-1338-050470BDAE1E}"/>
+                    </a:ext>
+                  </a:extLst>
+                </p:cNvPr>
+                <p:cNvSpPr/>
+                <p:nvPr/>
+              </p:nvSpPr>
+              <p:spPr>
+                <a:xfrm>
+                  <a:off x="1336811" y="1349760"/>
+                  <a:ext cx="1070113" cy="279274"/>
+                </a:xfrm>
+                <a:prstGeom prst="rect">
+                  <a:avLst/>
+                </a:prstGeom>
+                <a:noFill/>
+                <a:ln w="9525" cap="flat" cmpd="sng" algn="ctr">
+                  <a:noFill/>
+                  <a:prstDash val="solid"/>
+                  <a:round/>
+                  <a:headEnd type="none" w="med" len="med"/>
+                  <a:tailEnd type="none" w="med" len="med"/>
+                </a:ln>
+              </p:spPr>
+              <p:style>
+                <a:lnRef idx="0">
+                  <a:scrgbClr r="0" g="0" b="0"/>
+                </a:lnRef>
+                <a:fillRef idx="0">
+                  <a:scrgbClr r="0" g="0" b="0"/>
+                </a:fillRef>
+                <a:effectRef idx="0">
+                  <a:scrgbClr r="0" g="0" b="0"/>
+                </a:effectRef>
+                <a:fontRef idx="minor">
+                  <a:schemeClr val="accent1"/>
+                </a:fontRef>
+              </p:style>
+              <p:txBody>
+                <a:bodyPr rtlCol="0" anchor="ctr"/>
+                <a:lstStyle/>
+                <a:p>
+                  <a:pPr algn="ctr"/>
+                  <a:r>
+                    <a:rPr lang="en-US" altLang="ko-KR" sz="1200" b="1" dirty="0">
+                      <a:solidFill>
+                        <a:schemeClr val="bg1"/>
+                      </a:solidFill>
+                      <a:effectLst/>
+                      <a:latin typeface="Consolas" panose="020B0609020204030204" pitchFamily="49" charset="0"/>
+                    </a:rPr>
+                    <a:t>10.0.1.x</a:t>
+                  </a:r>
+                  <a:endParaRPr lang="en-US" altLang="ko-KR" sz="1200" b="0" dirty="0">
+                    <a:solidFill>
+                      <a:schemeClr val="bg1">
+                        <a:lumMod val="65000"/>
+                      </a:schemeClr>
+                    </a:solidFill>
+                    <a:effectLst/>
+                    <a:latin typeface="Consolas" panose="020B0609020204030204" pitchFamily="49" charset="0"/>
+                  </a:endParaRPr>
+                </a:p>
+              </p:txBody>
+            </p:sp>
+          </p:grpSp>
+          <p:grpSp>
+            <p:nvGrpSpPr>
+              <p:cNvPr id="22" name="그룹 21">
+                <a:extLst>
+                  <a:ext uri="{FF2B5EF4-FFF2-40B4-BE49-F238E27FC236}">
+                    <a16:creationId xmlns:a16="http://schemas.microsoft.com/office/drawing/2014/main" id="{C792D18A-B844-4FCA-5EAE-5DFF6F69F82B}"/>
+                  </a:ext>
+                </a:extLst>
+              </p:cNvPr>
+              <p:cNvGrpSpPr/>
+              <p:nvPr/>
+            </p:nvGrpSpPr>
+            <p:grpSpPr>
+              <a:xfrm>
+                <a:off x="5328199" y="2756568"/>
+                <a:ext cx="1807266" cy="672432"/>
+                <a:chOff x="1336811" y="639534"/>
+                <a:chExt cx="1807266" cy="1013792"/>
+              </a:xfrm>
+            </p:grpSpPr>
+            <p:sp>
+              <p:nvSpPr>
+                <p:cNvPr id="23" name="직사각형 22">
+                  <a:extLst>
+                    <a:ext uri="{FF2B5EF4-FFF2-40B4-BE49-F238E27FC236}">
+                      <a16:creationId xmlns:a16="http://schemas.microsoft.com/office/drawing/2014/main" id="{D2EB8AD4-90DB-7816-0237-E05F46E98E16}"/>
+                    </a:ext>
+                  </a:extLst>
+                </p:cNvPr>
+                <p:cNvSpPr/>
+                <p:nvPr/>
+              </p:nvSpPr>
+              <p:spPr>
+                <a:xfrm>
+                  <a:off x="1403074" y="639534"/>
+                  <a:ext cx="1741003" cy="1013792"/>
+                </a:xfrm>
+                <a:prstGeom prst="rect">
+                  <a:avLst/>
+                </a:prstGeom>
+                <a:solidFill>
+                  <a:schemeClr val="accent1">
+                    <a:lumMod val="75000"/>
+                  </a:schemeClr>
+                </a:solidFill>
+                <a:ln w="9525" cap="flat" cmpd="sng" algn="ctr">
+                  <a:solidFill>
+                    <a:schemeClr val="accent1"/>
+                  </a:solidFill>
+                  <a:prstDash val="solid"/>
+                  <a:round/>
+                  <a:headEnd type="none" w="med" len="med"/>
+                  <a:tailEnd type="none" w="med" len="med"/>
+                </a:ln>
+              </p:spPr>
+              <p:style>
+                <a:lnRef idx="0">
+                  <a:scrgbClr r="0" g="0" b="0"/>
+                </a:lnRef>
+                <a:fillRef idx="0">
+                  <a:scrgbClr r="0" g="0" b="0"/>
+                </a:fillRef>
+                <a:effectRef idx="0">
+                  <a:scrgbClr r="0" g="0" b="0"/>
+                </a:effectRef>
+                <a:fontRef idx="minor">
+                  <a:schemeClr val="accent1"/>
+                </a:fontRef>
+              </p:style>
+              <p:txBody>
+                <a:bodyPr rtlCol="0" anchor="ctr"/>
+                <a:lstStyle/>
+                <a:p>
+                  <a:pPr algn="ctr"/>
+                  <a:r>
+                    <a:rPr lang="en-US" altLang="ko-KR" b="1" dirty="0">
+                      <a:solidFill>
+                        <a:schemeClr val="bg1"/>
+                      </a:solidFill>
+                      <a:effectLst/>
+                      <a:latin typeface="Consolas" panose="020B0609020204030204" pitchFamily="49" charset="0"/>
+                    </a:rPr>
+                    <a:t>Pod</a:t>
+                  </a:r>
+                  <a:endParaRPr lang="en-US" altLang="ko-KR" b="0" dirty="0">
+                    <a:solidFill>
+                      <a:schemeClr val="bg1">
+                        <a:lumMod val="65000"/>
+                      </a:schemeClr>
+                    </a:solidFill>
+                    <a:effectLst/>
+                    <a:latin typeface="Consolas" panose="020B0609020204030204" pitchFamily="49" charset="0"/>
+                  </a:endParaRPr>
+                </a:p>
+              </p:txBody>
+            </p:sp>
+            <p:sp>
+              <p:nvSpPr>
+                <p:cNvPr id="24" name="직사각형 23">
+                  <a:extLst>
+                    <a:ext uri="{FF2B5EF4-FFF2-40B4-BE49-F238E27FC236}">
+                      <a16:creationId xmlns:a16="http://schemas.microsoft.com/office/drawing/2014/main" id="{D9B92AF4-A13E-502A-42B7-EAF6D38C818F}"/>
+                    </a:ext>
+                  </a:extLst>
+                </p:cNvPr>
+                <p:cNvSpPr/>
+                <p:nvPr/>
+              </p:nvSpPr>
+              <p:spPr>
+                <a:xfrm>
+                  <a:off x="1336811" y="1349760"/>
+                  <a:ext cx="1070113" cy="279274"/>
+                </a:xfrm>
+                <a:prstGeom prst="rect">
+                  <a:avLst/>
+                </a:prstGeom>
+                <a:noFill/>
+                <a:ln w="9525" cap="flat" cmpd="sng" algn="ctr">
+                  <a:noFill/>
+                  <a:prstDash val="solid"/>
+                  <a:round/>
+                  <a:headEnd type="none" w="med" len="med"/>
+                  <a:tailEnd type="none" w="med" len="med"/>
+                </a:ln>
+              </p:spPr>
+              <p:style>
+                <a:lnRef idx="0">
+                  <a:scrgbClr r="0" g="0" b="0"/>
+                </a:lnRef>
+                <a:fillRef idx="0">
+                  <a:scrgbClr r="0" g="0" b="0"/>
+                </a:fillRef>
+                <a:effectRef idx="0">
+                  <a:scrgbClr r="0" g="0" b="0"/>
+                </a:effectRef>
+                <a:fontRef idx="minor">
+                  <a:schemeClr val="accent1"/>
+                </a:fontRef>
+              </p:style>
+              <p:txBody>
+                <a:bodyPr rtlCol="0" anchor="ctr"/>
+                <a:lstStyle/>
+                <a:p>
+                  <a:pPr algn="ctr"/>
+                  <a:r>
+                    <a:rPr lang="en-US" altLang="ko-KR" sz="1200" b="1" dirty="0">
+                      <a:solidFill>
+                        <a:schemeClr val="bg1"/>
+                      </a:solidFill>
+                      <a:effectLst/>
+                      <a:latin typeface="Consolas" panose="020B0609020204030204" pitchFamily="49" charset="0"/>
+                    </a:rPr>
+                    <a:t>10.0.1.x</a:t>
+                  </a:r>
+                  <a:endParaRPr lang="en-US" altLang="ko-KR" sz="1200" b="0" dirty="0">
+                    <a:solidFill>
+                      <a:schemeClr val="bg1">
+                        <a:lumMod val="65000"/>
+                      </a:schemeClr>
+                    </a:solidFill>
+                    <a:effectLst/>
+                    <a:latin typeface="Consolas" panose="020B0609020204030204" pitchFamily="49" charset="0"/>
+                  </a:endParaRPr>
+                </a:p>
+              </p:txBody>
+            </p:sp>
+          </p:grpSp>
+          <p:grpSp>
+            <p:nvGrpSpPr>
+              <p:cNvPr id="25" name="그룹 24">
+                <a:extLst>
+                  <a:ext uri="{FF2B5EF4-FFF2-40B4-BE49-F238E27FC236}">
+                    <a16:creationId xmlns:a16="http://schemas.microsoft.com/office/drawing/2014/main" id="{A40EDD39-D913-007F-1156-0EFE265873D1}"/>
+                  </a:ext>
+                </a:extLst>
+              </p:cNvPr>
+              <p:cNvGrpSpPr/>
+              <p:nvPr/>
+            </p:nvGrpSpPr>
+            <p:grpSpPr>
+              <a:xfrm>
+                <a:off x="5526573" y="2939239"/>
+                <a:ext cx="1807266" cy="672432"/>
+                <a:chOff x="1336811" y="639534"/>
+                <a:chExt cx="1807266" cy="1013792"/>
+              </a:xfrm>
+            </p:grpSpPr>
+            <p:sp>
+              <p:nvSpPr>
+                <p:cNvPr id="26" name="직사각형 25">
+                  <a:extLst>
+                    <a:ext uri="{FF2B5EF4-FFF2-40B4-BE49-F238E27FC236}">
+                      <a16:creationId xmlns:a16="http://schemas.microsoft.com/office/drawing/2014/main" id="{5CABF17B-FE5C-C785-39B7-AF555E30355E}"/>
+                    </a:ext>
+                  </a:extLst>
+                </p:cNvPr>
+                <p:cNvSpPr/>
+                <p:nvPr/>
+              </p:nvSpPr>
+              <p:spPr>
+                <a:xfrm>
+                  <a:off x="1403074" y="639534"/>
+                  <a:ext cx="1741003" cy="1013792"/>
+                </a:xfrm>
+                <a:prstGeom prst="rect">
+                  <a:avLst/>
+                </a:prstGeom>
+                <a:solidFill>
+                  <a:schemeClr val="accent1">
+                    <a:lumMod val="75000"/>
+                  </a:schemeClr>
+                </a:solidFill>
+                <a:ln w="9525" cap="flat" cmpd="sng" algn="ctr">
+                  <a:solidFill>
+                    <a:schemeClr val="accent1"/>
+                  </a:solidFill>
+                  <a:prstDash val="solid"/>
+                  <a:round/>
+                  <a:headEnd type="none" w="med" len="med"/>
+                  <a:tailEnd type="none" w="med" len="med"/>
+                </a:ln>
+              </p:spPr>
+              <p:style>
+                <a:lnRef idx="0">
+                  <a:scrgbClr r="0" g="0" b="0"/>
+                </a:lnRef>
+                <a:fillRef idx="0">
+                  <a:scrgbClr r="0" g="0" b="0"/>
+                </a:fillRef>
+                <a:effectRef idx="0">
+                  <a:scrgbClr r="0" g="0" b="0"/>
+                </a:effectRef>
+                <a:fontRef idx="minor">
+                  <a:schemeClr val="accent1"/>
+                </a:fontRef>
+              </p:style>
+              <p:txBody>
+                <a:bodyPr rtlCol="0" anchor="ctr"/>
+                <a:lstStyle/>
+                <a:p>
+                  <a:pPr algn="ctr"/>
+                  <a:r>
+                    <a:rPr lang="en-US" altLang="ko-KR" b="1" dirty="0">
+                      <a:solidFill>
+                        <a:schemeClr val="bg1"/>
+                      </a:solidFill>
+                      <a:effectLst/>
+                      <a:latin typeface="Consolas" panose="020B0609020204030204" pitchFamily="49" charset="0"/>
+                    </a:rPr>
+                    <a:t>Pod</a:t>
+                  </a:r>
+                  <a:endParaRPr lang="en-US" altLang="ko-KR" b="0" dirty="0">
+                    <a:solidFill>
+                      <a:schemeClr val="bg1">
+                        <a:lumMod val="65000"/>
+                      </a:schemeClr>
+                    </a:solidFill>
+                    <a:effectLst/>
+                    <a:latin typeface="Consolas" panose="020B0609020204030204" pitchFamily="49" charset="0"/>
+                  </a:endParaRPr>
+                </a:p>
+              </p:txBody>
+            </p:sp>
+            <p:sp>
+              <p:nvSpPr>
+                <p:cNvPr id="28" name="직사각형 27">
+                  <a:extLst>
+                    <a:ext uri="{FF2B5EF4-FFF2-40B4-BE49-F238E27FC236}">
+                      <a16:creationId xmlns:a16="http://schemas.microsoft.com/office/drawing/2014/main" id="{0A175B2C-D76F-3DD9-D74A-91A26B3DF53C}"/>
+                    </a:ext>
+                  </a:extLst>
+                </p:cNvPr>
+                <p:cNvSpPr/>
+                <p:nvPr/>
+              </p:nvSpPr>
+              <p:spPr>
+                <a:xfrm>
+                  <a:off x="1336811" y="1349760"/>
+                  <a:ext cx="1070113" cy="279274"/>
+                </a:xfrm>
+                <a:prstGeom prst="rect">
+                  <a:avLst/>
+                </a:prstGeom>
+                <a:noFill/>
+                <a:ln w="9525" cap="flat" cmpd="sng" algn="ctr">
+                  <a:noFill/>
+                  <a:prstDash val="solid"/>
+                  <a:round/>
+                  <a:headEnd type="none" w="med" len="med"/>
+                  <a:tailEnd type="none" w="med" len="med"/>
+                </a:ln>
+              </p:spPr>
+              <p:style>
+                <a:lnRef idx="0">
+                  <a:scrgbClr r="0" g="0" b="0"/>
+                </a:lnRef>
+                <a:fillRef idx="0">
+                  <a:scrgbClr r="0" g="0" b="0"/>
+                </a:fillRef>
+                <a:effectRef idx="0">
+                  <a:scrgbClr r="0" g="0" b="0"/>
+                </a:effectRef>
+                <a:fontRef idx="minor">
+                  <a:schemeClr val="accent1"/>
+                </a:fontRef>
+              </p:style>
+              <p:txBody>
+                <a:bodyPr rtlCol="0" anchor="ctr"/>
+                <a:lstStyle/>
+                <a:p>
+                  <a:pPr algn="ctr"/>
+                  <a:r>
+                    <a:rPr lang="en-US" altLang="ko-KR" sz="1200" b="1" dirty="0">
+                      <a:solidFill>
+                        <a:schemeClr val="bg1"/>
+                      </a:solidFill>
+                      <a:effectLst/>
+                      <a:latin typeface="Consolas" panose="020B0609020204030204" pitchFamily="49" charset="0"/>
+                    </a:rPr>
+                    <a:t>10.0.1.x</a:t>
+                  </a:r>
+                  <a:endParaRPr lang="en-US" altLang="ko-KR" sz="1200" b="0" dirty="0">
+                    <a:solidFill>
+                      <a:schemeClr val="bg1">
+                        <a:lumMod val="65000"/>
+                      </a:schemeClr>
+                    </a:solidFill>
+                    <a:effectLst/>
+                    <a:latin typeface="Consolas" panose="020B0609020204030204" pitchFamily="49" charset="0"/>
+                  </a:endParaRPr>
+                </a:p>
+              </p:txBody>
+            </p:sp>
+          </p:grpSp>
+          <p:grpSp>
+            <p:nvGrpSpPr>
+              <p:cNvPr id="30" name="그룹 29">
+                <a:extLst>
+                  <a:ext uri="{FF2B5EF4-FFF2-40B4-BE49-F238E27FC236}">
+                    <a16:creationId xmlns:a16="http://schemas.microsoft.com/office/drawing/2014/main" id="{917BA90F-8EFB-1D82-4386-7CF7B568F61A}"/>
+                  </a:ext>
+                </a:extLst>
+              </p:cNvPr>
+              <p:cNvGrpSpPr/>
+              <p:nvPr/>
+            </p:nvGrpSpPr>
+            <p:grpSpPr>
+              <a:xfrm>
+                <a:off x="5724947" y="3090216"/>
+                <a:ext cx="1807266" cy="672432"/>
+                <a:chOff x="1336811" y="639534"/>
+                <a:chExt cx="1807266" cy="1013792"/>
+              </a:xfrm>
+            </p:grpSpPr>
+            <p:sp>
+              <p:nvSpPr>
+                <p:cNvPr id="36" name="직사각형 35">
+                  <a:extLst>
+                    <a:ext uri="{FF2B5EF4-FFF2-40B4-BE49-F238E27FC236}">
+                      <a16:creationId xmlns:a16="http://schemas.microsoft.com/office/drawing/2014/main" id="{91338806-F136-B221-2430-D133CEE34918}"/>
+                    </a:ext>
+                  </a:extLst>
+                </p:cNvPr>
+                <p:cNvSpPr/>
+                <p:nvPr/>
+              </p:nvSpPr>
+              <p:spPr>
+                <a:xfrm>
+                  <a:off x="1403074" y="639534"/>
+                  <a:ext cx="1741003" cy="1013792"/>
+                </a:xfrm>
+                <a:prstGeom prst="rect">
+                  <a:avLst/>
+                </a:prstGeom>
+                <a:solidFill>
+                  <a:schemeClr val="accent1">
+                    <a:lumMod val="75000"/>
+                  </a:schemeClr>
+                </a:solidFill>
+                <a:ln w="9525" cap="flat" cmpd="sng" algn="ctr">
+                  <a:solidFill>
+                    <a:schemeClr val="accent1"/>
+                  </a:solidFill>
+                  <a:prstDash val="solid"/>
+                  <a:round/>
+                  <a:headEnd type="none" w="med" len="med"/>
+                  <a:tailEnd type="none" w="med" len="med"/>
+                </a:ln>
+              </p:spPr>
+              <p:style>
+                <a:lnRef idx="0">
+                  <a:scrgbClr r="0" g="0" b="0"/>
+                </a:lnRef>
+                <a:fillRef idx="0">
+                  <a:scrgbClr r="0" g="0" b="0"/>
+                </a:fillRef>
+                <a:effectRef idx="0">
+                  <a:scrgbClr r="0" g="0" b="0"/>
+                </a:effectRef>
+                <a:fontRef idx="minor">
+                  <a:schemeClr val="accent1"/>
+                </a:fontRef>
+              </p:style>
+              <p:txBody>
+                <a:bodyPr rtlCol="0" anchor="ctr"/>
+                <a:lstStyle/>
+                <a:p>
+                  <a:pPr algn="ctr"/>
+                  <a:r>
+                    <a:rPr lang="en-US" altLang="ko-KR" b="1" dirty="0">
+                      <a:solidFill>
+                        <a:schemeClr val="bg1"/>
+                      </a:solidFill>
+                      <a:effectLst/>
+                      <a:latin typeface="Consolas" panose="020B0609020204030204" pitchFamily="49" charset="0"/>
+                    </a:rPr>
+                    <a:t>Pod</a:t>
+                  </a:r>
+                  <a:endParaRPr lang="en-US" altLang="ko-KR" b="0" dirty="0">
+                    <a:solidFill>
+                      <a:schemeClr val="bg1">
+                        <a:lumMod val="65000"/>
+                      </a:schemeClr>
+                    </a:solidFill>
+                    <a:effectLst/>
+                    <a:latin typeface="Consolas" panose="020B0609020204030204" pitchFamily="49" charset="0"/>
+                  </a:endParaRPr>
+                </a:p>
+              </p:txBody>
+            </p:sp>
+            <p:sp>
+              <p:nvSpPr>
+                <p:cNvPr id="37" name="직사각형 36">
+                  <a:extLst>
+                    <a:ext uri="{FF2B5EF4-FFF2-40B4-BE49-F238E27FC236}">
+                      <a16:creationId xmlns:a16="http://schemas.microsoft.com/office/drawing/2014/main" id="{61346E9A-624E-8C71-750D-BB80608A7B04}"/>
+                    </a:ext>
+                  </a:extLst>
+                </p:cNvPr>
+                <p:cNvSpPr/>
+                <p:nvPr/>
+              </p:nvSpPr>
+              <p:spPr>
+                <a:xfrm>
+                  <a:off x="1336811" y="1349760"/>
+                  <a:ext cx="1070113" cy="279274"/>
+                </a:xfrm>
+                <a:prstGeom prst="rect">
+                  <a:avLst/>
+                </a:prstGeom>
+                <a:noFill/>
+                <a:ln w="9525" cap="flat" cmpd="sng" algn="ctr">
+                  <a:noFill/>
+                  <a:prstDash val="solid"/>
+                  <a:round/>
+                  <a:headEnd type="none" w="med" len="med"/>
+                  <a:tailEnd type="none" w="med" len="med"/>
+                </a:ln>
+              </p:spPr>
+              <p:style>
+                <a:lnRef idx="0">
+                  <a:scrgbClr r="0" g="0" b="0"/>
+                </a:lnRef>
+                <a:fillRef idx="0">
+                  <a:scrgbClr r="0" g="0" b="0"/>
+                </a:fillRef>
+                <a:effectRef idx="0">
+                  <a:scrgbClr r="0" g="0" b="0"/>
+                </a:effectRef>
+                <a:fontRef idx="minor">
+                  <a:schemeClr val="accent1"/>
+                </a:fontRef>
+              </p:style>
+              <p:txBody>
+                <a:bodyPr rtlCol="0" anchor="ctr"/>
+                <a:lstStyle/>
+                <a:p>
+                  <a:pPr algn="ctr"/>
+                  <a:r>
+                    <a:rPr lang="en-US" altLang="ko-KR" sz="1200" b="1" dirty="0">
+                      <a:solidFill>
+                        <a:schemeClr val="bg1"/>
+                      </a:solidFill>
+                      <a:effectLst/>
+                      <a:latin typeface="Consolas" panose="020B0609020204030204" pitchFamily="49" charset="0"/>
+                    </a:rPr>
+                    <a:t>10.0.1.x</a:t>
+                  </a:r>
+                  <a:endParaRPr lang="en-US" altLang="ko-KR" sz="1200" b="0" dirty="0">
+                    <a:solidFill>
+                      <a:schemeClr val="bg1">
+                        <a:lumMod val="65000"/>
+                      </a:schemeClr>
+                    </a:solidFill>
+                    <a:effectLst/>
+                    <a:latin typeface="Consolas" panose="020B0609020204030204" pitchFamily="49" charset="0"/>
+                  </a:endParaRPr>
+                </a:p>
+              </p:txBody>
+            </p:sp>
+          </p:grpSp>
+        </p:grpSp>
+      </p:grpSp>
+    </p:spTree>
+    <p:extLst>
+      <p:ext uri="{BB962C8B-B14F-4D97-AF65-F5344CB8AC3E}">
+        <p14:creationId xmlns:p14="http://schemas.microsoft.com/office/powerpoint/2010/main" val="4041155778"/>
+      </p:ext>
+    </p:extLst>
+  </p:cSld>
+  <p:clrMapOvr>
+    <a:masterClrMapping/>
+  </p:clrMapOvr>
+</p:sld>
+</file>
+
+<file path=ppt/slides/slide9.xml><?xml version="1.0" encoding="utf-8"?>
+<p:sld xmlns:a="http://schemas.openxmlformats.org/drawingml/2006/main" xmlns:r="http://schemas.openxmlformats.org/officeDocument/2006/relationships" xmlns:p="http://schemas.openxmlformats.org/presentationml/2006/main">
+  <p:cSld>
+    <p:spTree>
+      <p:nvGrpSpPr>
+        <p:cNvPr id="1" name=""/>
+        <p:cNvGrpSpPr/>
+        <p:nvPr/>
+      </p:nvGrpSpPr>
+      <p:grpSpPr>
+        <a:xfrm>
+          <a:off x="0" y="0"/>
+          <a:ext cx="0" cy="0"/>
+          <a:chOff x="0" y="0"/>
+          <a:chExt cx="0" cy="0"/>
+        </a:xfrm>
+      </p:grpSpPr>
+      <p:sp>
+        <p:nvSpPr>
+          <p:cNvPr id="2" name="TextBox 1">
+            <a:extLst>
+              <a:ext uri="{FF2B5EF4-FFF2-40B4-BE49-F238E27FC236}">
+                <a16:creationId xmlns:a16="http://schemas.microsoft.com/office/drawing/2014/main" id="{AF53483D-1A80-C107-D3AB-6901351F1D3F}"/>
+              </a:ext>
+            </a:extLst>
+          </p:cNvPr>
+          <p:cNvSpPr txBox="1"/>
+          <p:nvPr/>
+        </p:nvSpPr>
+        <p:spPr>
+          <a:xfrm>
+            <a:off x="10388600" y="6596390"/>
+            <a:ext cx="1803400" cy="261610"/>
+          </a:xfrm>
+          <a:prstGeom prst="rect">
+            <a:avLst/>
+          </a:prstGeom>
+          <a:noFill/>
+        </p:spPr>
+        <p:txBody>
+          <a:bodyPr wrap="square" rtlCol="0">
+            <a:spAutoFit/>
+          </a:bodyPr>
+          <a:lstStyle/>
+          <a:p>
+            <a:pPr algn="r"/>
+            <a:r>
+              <a:rPr lang="en-US" altLang="ko-KR" sz="1100" dirty="0"/>
+              <a:t>Kim0lil/80700</a:t>
+            </a:r>
+            <a:endParaRPr lang="ko-KR" altLang="en-US" sz="1100" dirty="0"/>
+          </a:p>
+        </p:txBody>
+      </p:sp>
+      <p:grpSp>
+        <p:nvGrpSpPr>
+          <p:cNvPr id="4" name="그룹 3">
+            <a:extLst>
+              <a:ext uri="{FF2B5EF4-FFF2-40B4-BE49-F238E27FC236}">
+                <a16:creationId xmlns:a16="http://schemas.microsoft.com/office/drawing/2014/main" id="{7D4D1737-7010-A289-6748-4A3EFE7FF16A}"/>
+              </a:ext>
+            </a:extLst>
+          </p:cNvPr>
+          <p:cNvGrpSpPr/>
+          <p:nvPr/>
+        </p:nvGrpSpPr>
+        <p:grpSpPr>
+          <a:xfrm>
+            <a:off x="2133600" y="666039"/>
+            <a:ext cx="7765774" cy="5231178"/>
+            <a:chOff x="2133600" y="666039"/>
+            <a:chExt cx="7765774" cy="5231178"/>
+          </a:xfrm>
+        </p:grpSpPr>
+        <p:sp>
+          <p:nvSpPr>
+            <p:cNvPr id="27" name="직사각형 26">
+              <a:extLst>
+                <a:ext uri="{FF2B5EF4-FFF2-40B4-BE49-F238E27FC236}">
+                  <a16:creationId xmlns:a16="http://schemas.microsoft.com/office/drawing/2014/main" id="{22A3CEDF-CD33-4FC3-A40C-D0F3ED511F80}"/>
+                </a:ext>
+              </a:extLst>
+            </p:cNvPr>
+            <p:cNvSpPr/>
+            <p:nvPr/>
+          </p:nvSpPr>
+          <p:spPr>
+            <a:xfrm>
+              <a:off x="2146852" y="666039"/>
+              <a:ext cx="7752522" cy="5231178"/>
+            </a:xfrm>
+            <a:prstGeom prst="rect">
+              <a:avLst/>
+            </a:prstGeom>
+            <a:solidFill>
+              <a:schemeClr val="tx1">
+                <a:lumMod val="75000"/>
+                <a:lumOff val="25000"/>
+              </a:schemeClr>
+            </a:solidFill>
+            <a:ln w="9525" cap="flat" cmpd="sng" algn="ctr">
+              <a:solidFill>
+                <a:schemeClr val="accent1"/>
+              </a:solidFill>
+              <a:prstDash val="solid"/>
+              <a:round/>
+              <a:headEnd type="none" w="med" len="med"/>
+              <a:tailEnd type="none" w="med" len="med"/>
+            </a:ln>
+          </p:spPr>
+          <p:style>
+            <a:lnRef idx="0">
+              <a:scrgbClr r="0" g="0" b="0"/>
+            </a:lnRef>
+            <a:fillRef idx="0">
+              <a:scrgbClr r="0" g="0" b="0"/>
+            </a:fillRef>
+            <a:effectRef idx="0">
+              <a:scrgbClr r="0" g="0" b="0"/>
+            </a:effectRef>
+            <a:fontRef idx="minor">
+              <a:schemeClr val="accent1"/>
+            </a:fontRef>
+          </p:style>
+          <p:txBody>
+            <a:bodyPr rtlCol="0" anchor="b"/>
+            <a:lstStyle/>
+            <a:p>
+              <a:pPr algn="ctr"/>
+              <a:r>
+                <a:rPr lang="en-US" altLang="ko-KR" b="1" dirty="0">
+                  <a:solidFill>
+                    <a:schemeClr val="bg1"/>
+                  </a:solidFill>
+                  <a:effectLst/>
+                  <a:latin typeface="Consolas" panose="020B0609020204030204" pitchFamily="49" charset="0"/>
+                </a:rPr>
+                <a:t>Node </a:t>
+              </a:r>
+              <a:r>
+                <a:rPr lang="en-US" altLang="ko-KR" b="1" dirty="0">
+                  <a:solidFill>
+                    <a:schemeClr val="bg1">
+                      <a:lumMod val="65000"/>
+                    </a:schemeClr>
+                  </a:solidFill>
+                  <a:effectLst/>
+                  <a:latin typeface="Consolas" panose="020B0609020204030204" pitchFamily="49" charset="0"/>
+                </a:rPr>
+                <a:t>(Master)</a:t>
+              </a:r>
+            </a:p>
+            <a:p>
+              <a:pPr algn="ctr"/>
+              <a:endParaRPr lang="en-US" altLang="ko-KR" b="0" dirty="0">
+                <a:solidFill>
+                  <a:schemeClr val="bg1">
+                    <a:lumMod val="65000"/>
+                  </a:schemeClr>
+                </a:solidFill>
+                <a:effectLst/>
+                <a:latin typeface="Consolas" panose="020B0609020204030204" pitchFamily="49" charset="0"/>
+              </a:endParaRPr>
+            </a:p>
+          </p:txBody>
+        </p:sp>
+        <p:grpSp>
+          <p:nvGrpSpPr>
+            <p:cNvPr id="29" name="그룹 28">
+              <a:extLst>
+                <a:ext uri="{FF2B5EF4-FFF2-40B4-BE49-F238E27FC236}">
+                  <a16:creationId xmlns:a16="http://schemas.microsoft.com/office/drawing/2014/main" id="{D1C6E92E-10D4-B080-9B80-0D27F789BAFD}"/>
+                </a:ext>
+              </a:extLst>
+            </p:cNvPr>
+            <p:cNvGrpSpPr/>
+            <p:nvPr/>
+          </p:nvGrpSpPr>
+          <p:grpSpPr>
+            <a:xfrm>
+              <a:off x="7697027" y="984090"/>
+              <a:ext cx="1807266" cy="1013792"/>
+              <a:chOff x="1336811" y="639534"/>
+              <a:chExt cx="1807266" cy="1013792"/>
+            </a:xfrm>
+          </p:grpSpPr>
+          <p:sp>
+            <p:nvSpPr>
+              <p:cNvPr id="31" name="직사각형 30">
+                <a:extLst>
+                  <a:ext uri="{FF2B5EF4-FFF2-40B4-BE49-F238E27FC236}">
+                    <a16:creationId xmlns:a16="http://schemas.microsoft.com/office/drawing/2014/main" id="{646BD1CE-49C5-D3A2-9F7D-EE3413F0E5A1}"/>
+                  </a:ext>
+                </a:extLst>
+              </p:cNvPr>
+              <p:cNvSpPr/>
+              <p:nvPr/>
+            </p:nvSpPr>
+            <p:spPr>
+              <a:xfrm>
+                <a:off x="1403074" y="639534"/>
+                <a:ext cx="1741003" cy="1013792"/>
+              </a:xfrm>
+              <a:prstGeom prst="rect">
+                <a:avLst/>
+              </a:prstGeom>
+              <a:solidFill>
+                <a:schemeClr val="accent1">
+                  <a:lumMod val="75000"/>
+                </a:schemeClr>
+              </a:solidFill>
+              <a:ln w="9525" cap="flat" cmpd="sng" algn="ctr">
+                <a:solidFill>
+                  <a:schemeClr val="accent1"/>
+                </a:solidFill>
+                <a:prstDash val="solid"/>
+                <a:round/>
+                <a:headEnd type="none" w="med" len="med"/>
+                <a:tailEnd type="none" w="med" len="med"/>
+              </a:ln>
+            </p:spPr>
+            <p:style>
+              <a:lnRef idx="0">
+                <a:scrgbClr r="0" g="0" b="0"/>
+              </a:lnRef>
+              <a:fillRef idx="0">
+                <a:scrgbClr r="0" g="0" b="0"/>
+              </a:fillRef>
+              <a:effectRef idx="0">
+                <a:scrgbClr r="0" g="0" b="0"/>
+              </a:effectRef>
+              <a:fontRef idx="minor">
+                <a:schemeClr val="accent1"/>
+              </a:fontRef>
+            </p:style>
+            <p:txBody>
+              <a:bodyPr rtlCol="0" anchor="ctr"/>
+              <a:lstStyle/>
+              <a:p>
+                <a:pPr algn="ctr"/>
+                <a:r>
+                  <a:rPr lang="en-US" altLang="ko-KR" b="1" dirty="0">
+                    <a:solidFill>
+                      <a:schemeClr val="bg1"/>
+                    </a:solidFill>
+                    <a:effectLst/>
+                    <a:latin typeface="Consolas" panose="020B0609020204030204" pitchFamily="49" charset="0"/>
+                  </a:rPr>
+                  <a:t>Pod</a:t>
+                </a:r>
+                <a:endParaRPr lang="en-US" altLang="ko-KR" b="0" dirty="0">
+                  <a:solidFill>
+                    <a:schemeClr val="bg1">
+                      <a:lumMod val="65000"/>
+                    </a:schemeClr>
+                  </a:solidFill>
+                  <a:effectLst/>
+                  <a:latin typeface="Consolas" panose="020B0609020204030204" pitchFamily="49" charset="0"/>
+                </a:endParaRPr>
+              </a:p>
+            </p:txBody>
+          </p:sp>
+          <p:sp>
+            <p:nvSpPr>
+              <p:cNvPr id="32" name="직사각형 31">
+                <a:extLst>
+                  <a:ext uri="{FF2B5EF4-FFF2-40B4-BE49-F238E27FC236}">
+                    <a16:creationId xmlns:a16="http://schemas.microsoft.com/office/drawing/2014/main" id="{C2BBDDEB-73CD-A195-1338-050470BDAE1E}"/>
+                  </a:ext>
+                </a:extLst>
+              </p:cNvPr>
+              <p:cNvSpPr/>
+              <p:nvPr/>
+            </p:nvSpPr>
+            <p:spPr>
+              <a:xfrm>
+                <a:off x="1336811" y="1349760"/>
+                <a:ext cx="1070113" cy="279274"/>
+              </a:xfrm>
+              <a:prstGeom prst="rect">
+                <a:avLst/>
+              </a:prstGeom>
+              <a:noFill/>
+              <a:ln w="9525" cap="flat" cmpd="sng" algn="ctr">
+                <a:noFill/>
+                <a:prstDash val="solid"/>
+                <a:round/>
+                <a:headEnd type="none" w="med" len="med"/>
+                <a:tailEnd type="none" w="med" len="med"/>
+              </a:ln>
+            </p:spPr>
+            <p:style>
+              <a:lnRef idx="0">
+                <a:scrgbClr r="0" g="0" b="0"/>
+              </a:lnRef>
+              <a:fillRef idx="0">
+                <a:scrgbClr r="0" g="0" b="0"/>
+              </a:fillRef>
+              <a:effectRef idx="0">
+                <a:scrgbClr r="0" g="0" b="0"/>
+              </a:effectRef>
+              <a:fontRef idx="minor">
+                <a:schemeClr val="accent1"/>
+              </a:fontRef>
+            </p:style>
+            <p:txBody>
+              <a:bodyPr rtlCol="0" anchor="ctr"/>
+              <a:lstStyle/>
+              <a:p>
+                <a:pPr algn="ctr"/>
+                <a:r>
+                  <a:rPr lang="en-US" altLang="ko-KR" sz="1200" b="1" dirty="0">
+                    <a:solidFill>
+                      <a:schemeClr val="bg1"/>
+                    </a:solidFill>
+                    <a:effectLst/>
+                    <a:latin typeface="Consolas" panose="020B0609020204030204" pitchFamily="49" charset="0"/>
+                  </a:rPr>
+                  <a:t>10.0.1.1</a:t>
+                </a:r>
+                <a:endParaRPr lang="en-US" altLang="ko-KR" sz="1200" b="0" dirty="0">
+                  <a:solidFill>
+                    <a:schemeClr val="bg1">
+                      <a:lumMod val="65000"/>
+                    </a:schemeClr>
+                  </a:solidFill>
+                  <a:effectLst/>
+                  <a:latin typeface="Consolas" panose="020B0609020204030204" pitchFamily="49" charset="0"/>
+                </a:endParaRPr>
+              </a:p>
+            </p:txBody>
+          </p:sp>
+        </p:grpSp>
+        <p:grpSp>
+          <p:nvGrpSpPr>
+            <p:cNvPr id="33" name="그룹 32">
+              <a:extLst>
+                <a:ext uri="{FF2B5EF4-FFF2-40B4-BE49-F238E27FC236}">
+                  <a16:creationId xmlns:a16="http://schemas.microsoft.com/office/drawing/2014/main" id="{245D7A45-5571-2490-4726-620170D2E887}"/>
+                </a:ext>
+              </a:extLst>
+            </p:cNvPr>
+            <p:cNvGrpSpPr/>
+            <p:nvPr/>
+          </p:nvGrpSpPr>
+          <p:grpSpPr>
+            <a:xfrm>
+              <a:off x="7697027" y="2448455"/>
+              <a:ext cx="1807266" cy="1013792"/>
+              <a:chOff x="1336811" y="639534"/>
+              <a:chExt cx="1807266" cy="1013792"/>
+            </a:xfrm>
+          </p:grpSpPr>
+          <p:sp>
+            <p:nvSpPr>
+              <p:cNvPr id="34" name="직사각형 33">
+                <a:extLst>
+                  <a:ext uri="{FF2B5EF4-FFF2-40B4-BE49-F238E27FC236}">
+                    <a16:creationId xmlns:a16="http://schemas.microsoft.com/office/drawing/2014/main" id="{7279A57A-7D88-2DF6-01AB-4DE3FF2467E9}"/>
+                  </a:ext>
+                </a:extLst>
+              </p:cNvPr>
+              <p:cNvSpPr/>
+              <p:nvPr/>
+            </p:nvSpPr>
+            <p:spPr>
+              <a:xfrm>
+                <a:off x="1403074" y="639534"/>
+                <a:ext cx="1741003" cy="1013792"/>
+              </a:xfrm>
+              <a:prstGeom prst="rect">
+                <a:avLst/>
+              </a:prstGeom>
+              <a:solidFill>
+                <a:schemeClr val="accent1">
+                  <a:lumMod val="75000"/>
+                </a:schemeClr>
+              </a:solidFill>
+              <a:ln w="9525" cap="flat" cmpd="sng" algn="ctr">
+                <a:solidFill>
+                  <a:schemeClr val="accent1"/>
+                </a:solidFill>
+                <a:prstDash val="solid"/>
+                <a:round/>
+                <a:headEnd type="none" w="med" len="med"/>
+                <a:tailEnd type="none" w="med" len="med"/>
+              </a:ln>
+            </p:spPr>
+            <p:style>
+              <a:lnRef idx="0">
+                <a:scrgbClr r="0" g="0" b="0"/>
+              </a:lnRef>
+              <a:fillRef idx="0">
+                <a:scrgbClr r="0" g="0" b="0"/>
+              </a:fillRef>
+              <a:effectRef idx="0">
+                <a:scrgbClr r="0" g="0" b="0"/>
+              </a:effectRef>
+              <a:fontRef idx="minor">
+                <a:schemeClr val="accent1"/>
+              </a:fontRef>
+            </p:style>
+            <p:txBody>
+              <a:bodyPr rtlCol="0" anchor="ctr"/>
+              <a:lstStyle/>
+              <a:p>
+                <a:pPr algn="ctr"/>
+                <a:r>
+                  <a:rPr lang="en-US" altLang="ko-KR" b="1" dirty="0">
+                    <a:solidFill>
+                      <a:schemeClr val="bg1"/>
+                    </a:solidFill>
+                    <a:effectLst/>
+                    <a:latin typeface="Consolas" panose="020B0609020204030204" pitchFamily="49" charset="0"/>
+                  </a:rPr>
+                  <a:t>Pod</a:t>
+                </a:r>
+                <a:endParaRPr lang="en-US" altLang="ko-KR" b="0" dirty="0">
+                  <a:solidFill>
+                    <a:schemeClr val="bg1">
+                      <a:lumMod val="65000"/>
+                    </a:schemeClr>
+                  </a:solidFill>
+                  <a:effectLst/>
+                  <a:latin typeface="Consolas" panose="020B0609020204030204" pitchFamily="49" charset="0"/>
+                </a:endParaRPr>
+              </a:p>
+            </p:txBody>
+          </p:sp>
+          <p:sp>
+            <p:nvSpPr>
+              <p:cNvPr id="35" name="직사각형 34">
+                <a:extLst>
+                  <a:ext uri="{FF2B5EF4-FFF2-40B4-BE49-F238E27FC236}">
+                    <a16:creationId xmlns:a16="http://schemas.microsoft.com/office/drawing/2014/main" id="{D21DC116-C75C-70C4-7C85-1EF065D168EB}"/>
+                  </a:ext>
+                </a:extLst>
+              </p:cNvPr>
+              <p:cNvSpPr/>
+              <p:nvPr/>
+            </p:nvSpPr>
+            <p:spPr>
+              <a:xfrm>
+                <a:off x="1336811" y="1349760"/>
+                <a:ext cx="1070113" cy="279274"/>
+              </a:xfrm>
+              <a:prstGeom prst="rect">
+                <a:avLst/>
+              </a:prstGeom>
+              <a:noFill/>
+              <a:ln w="9525" cap="flat" cmpd="sng" algn="ctr">
+                <a:noFill/>
+                <a:prstDash val="solid"/>
+                <a:round/>
+                <a:headEnd type="none" w="med" len="med"/>
+                <a:tailEnd type="none" w="med" len="med"/>
+              </a:ln>
+            </p:spPr>
+            <p:style>
+              <a:lnRef idx="0">
+                <a:scrgbClr r="0" g="0" b="0"/>
+              </a:lnRef>
+              <a:fillRef idx="0">
+                <a:scrgbClr r="0" g="0" b="0"/>
+              </a:fillRef>
+              <a:effectRef idx="0">
+                <a:scrgbClr r="0" g="0" b="0"/>
+              </a:effectRef>
+              <a:fontRef idx="minor">
+                <a:schemeClr val="accent1"/>
+              </a:fontRef>
+            </p:style>
+            <p:txBody>
+              <a:bodyPr rtlCol="0" anchor="ctr"/>
+              <a:lstStyle/>
+              <a:p>
+                <a:pPr algn="ctr"/>
+                <a:r>
+                  <a:rPr lang="en-US" altLang="ko-KR" sz="1200" b="1" dirty="0">
+                    <a:solidFill>
+                      <a:schemeClr val="bg1"/>
+                    </a:solidFill>
+                    <a:effectLst/>
+                    <a:latin typeface="Consolas" panose="020B0609020204030204" pitchFamily="49" charset="0"/>
+                  </a:rPr>
+                  <a:t>10.0.1.2</a:t>
+                </a:r>
+                <a:endParaRPr lang="en-US" altLang="ko-KR" sz="1200" b="0" dirty="0">
+                  <a:solidFill>
+                    <a:schemeClr val="bg1">
+                      <a:lumMod val="65000"/>
+                    </a:schemeClr>
+                  </a:solidFill>
+                  <a:effectLst/>
+                  <a:latin typeface="Consolas" panose="020B0609020204030204" pitchFamily="49" charset="0"/>
+                </a:endParaRPr>
+              </a:p>
+            </p:txBody>
+          </p:sp>
+        </p:grpSp>
+        <p:grpSp>
+          <p:nvGrpSpPr>
+            <p:cNvPr id="38" name="그룹 37">
+              <a:extLst>
+                <a:ext uri="{FF2B5EF4-FFF2-40B4-BE49-F238E27FC236}">
+                  <a16:creationId xmlns:a16="http://schemas.microsoft.com/office/drawing/2014/main" id="{566FE4EE-6F86-4E6C-5DBC-18CEB9834DCC}"/>
+                </a:ext>
+              </a:extLst>
+            </p:cNvPr>
+            <p:cNvGrpSpPr/>
+            <p:nvPr/>
+          </p:nvGrpSpPr>
+          <p:grpSpPr>
+            <a:xfrm>
+              <a:off x="7697027" y="3912820"/>
+              <a:ext cx="1807266" cy="1013792"/>
+              <a:chOff x="1336811" y="639534"/>
+              <a:chExt cx="1807266" cy="1013792"/>
+            </a:xfrm>
+          </p:grpSpPr>
+          <p:sp>
+            <p:nvSpPr>
+              <p:cNvPr id="39" name="직사각형 38">
+                <a:extLst>
+                  <a:ext uri="{FF2B5EF4-FFF2-40B4-BE49-F238E27FC236}">
+                    <a16:creationId xmlns:a16="http://schemas.microsoft.com/office/drawing/2014/main" id="{21535098-6214-D6B0-72B6-86EEAA603DA2}"/>
+                  </a:ext>
+                </a:extLst>
+              </p:cNvPr>
+              <p:cNvSpPr/>
+              <p:nvPr/>
+            </p:nvSpPr>
+            <p:spPr>
+              <a:xfrm>
+                <a:off x="1403074" y="639534"/>
+                <a:ext cx="1741003" cy="1013792"/>
+              </a:xfrm>
+              <a:prstGeom prst="rect">
+                <a:avLst/>
+              </a:prstGeom>
+              <a:solidFill>
+                <a:schemeClr val="accent1">
+                  <a:lumMod val="75000"/>
+                </a:schemeClr>
+              </a:solidFill>
+              <a:ln w="9525" cap="flat" cmpd="sng" algn="ctr">
+                <a:solidFill>
+                  <a:schemeClr val="accent1"/>
+                </a:solidFill>
+                <a:prstDash val="solid"/>
+                <a:round/>
+                <a:headEnd type="none" w="med" len="med"/>
+                <a:tailEnd type="none" w="med" len="med"/>
+              </a:ln>
+            </p:spPr>
+            <p:style>
+              <a:lnRef idx="0">
+                <a:scrgbClr r="0" g="0" b="0"/>
+              </a:lnRef>
+              <a:fillRef idx="0">
+                <a:scrgbClr r="0" g="0" b="0"/>
+              </a:fillRef>
+              <a:effectRef idx="0">
+                <a:scrgbClr r="0" g="0" b="0"/>
+              </a:effectRef>
+              <a:fontRef idx="minor">
+                <a:schemeClr val="accent1"/>
+              </a:fontRef>
+            </p:style>
+            <p:txBody>
+              <a:bodyPr rtlCol="0" anchor="ctr"/>
+              <a:lstStyle/>
+              <a:p>
+                <a:pPr algn="ctr"/>
+                <a:r>
+                  <a:rPr lang="en-US" altLang="ko-KR" b="1" dirty="0">
+                    <a:solidFill>
+                      <a:schemeClr val="bg1"/>
+                    </a:solidFill>
+                    <a:effectLst/>
+                    <a:latin typeface="Consolas" panose="020B0609020204030204" pitchFamily="49" charset="0"/>
+                  </a:rPr>
+                  <a:t>Pod</a:t>
+                </a:r>
+                <a:endParaRPr lang="en-US" altLang="ko-KR" b="0" dirty="0">
+                  <a:solidFill>
+                    <a:schemeClr val="bg1">
+                      <a:lumMod val="65000"/>
+                    </a:schemeClr>
+                  </a:solidFill>
+                  <a:effectLst/>
+                  <a:latin typeface="Consolas" panose="020B0609020204030204" pitchFamily="49" charset="0"/>
+                </a:endParaRPr>
+              </a:p>
+            </p:txBody>
+          </p:sp>
+          <p:sp>
+            <p:nvSpPr>
+              <p:cNvPr id="40" name="직사각형 39">
+                <a:extLst>
+                  <a:ext uri="{FF2B5EF4-FFF2-40B4-BE49-F238E27FC236}">
+                    <a16:creationId xmlns:a16="http://schemas.microsoft.com/office/drawing/2014/main" id="{55F75D76-9559-8E43-3A59-A8F905AD9B95}"/>
+                  </a:ext>
+                </a:extLst>
+              </p:cNvPr>
+              <p:cNvSpPr/>
+              <p:nvPr/>
+            </p:nvSpPr>
+            <p:spPr>
+              <a:xfrm>
+                <a:off x="1336811" y="1349760"/>
+                <a:ext cx="1070113" cy="279274"/>
+              </a:xfrm>
+              <a:prstGeom prst="rect">
+                <a:avLst/>
+              </a:prstGeom>
+              <a:noFill/>
+              <a:ln w="9525" cap="flat" cmpd="sng" algn="ctr">
+                <a:noFill/>
+                <a:prstDash val="solid"/>
+                <a:round/>
+                <a:headEnd type="none" w="med" len="med"/>
+                <a:tailEnd type="none" w="med" len="med"/>
+              </a:ln>
+            </p:spPr>
+            <p:style>
+              <a:lnRef idx="0">
+                <a:scrgbClr r="0" g="0" b="0"/>
+              </a:lnRef>
+              <a:fillRef idx="0">
+                <a:scrgbClr r="0" g="0" b="0"/>
+              </a:fillRef>
+              <a:effectRef idx="0">
+                <a:scrgbClr r="0" g="0" b="0"/>
+              </a:effectRef>
+              <a:fontRef idx="minor">
+                <a:schemeClr val="accent1"/>
+              </a:fontRef>
+            </p:style>
+            <p:txBody>
+              <a:bodyPr rtlCol="0" anchor="ctr"/>
+              <a:lstStyle/>
+              <a:p>
+                <a:pPr algn="ctr"/>
+                <a:r>
+                  <a:rPr lang="en-US" altLang="ko-KR" sz="1200" b="1" dirty="0">
+                    <a:solidFill>
+                      <a:schemeClr val="bg1"/>
+                    </a:solidFill>
+                    <a:effectLst/>
+                    <a:latin typeface="Consolas" panose="020B0609020204030204" pitchFamily="49" charset="0"/>
+                  </a:rPr>
+                  <a:t>10.0.1.3</a:t>
+                </a:r>
+                <a:endParaRPr lang="en-US" altLang="ko-KR" sz="1200" b="0" dirty="0">
+                  <a:solidFill>
+                    <a:schemeClr val="bg1">
+                      <a:lumMod val="65000"/>
+                    </a:schemeClr>
+                  </a:solidFill>
+                  <a:effectLst/>
+                  <a:latin typeface="Consolas" panose="020B0609020204030204" pitchFamily="49" charset="0"/>
+                </a:endParaRPr>
+              </a:p>
+            </p:txBody>
+          </p:sp>
+        </p:grpSp>
+        <p:sp>
+          <p:nvSpPr>
+            <p:cNvPr id="41" name="직사각형 40">
+              <a:extLst>
+                <a:ext uri="{FF2B5EF4-FFF2-40B4-BE49-F238E27FC236}">
+                  <a16:creationId xmlns:a16="http://schemas.microsoft.com/office/drawing/2014/main" id="{9B410D7F-D09B-9456-D8D3-DC9EF4448147}"/>
+                </a:ext>
+              </a:extLst>
+            </p:cNvPr>
+            <p:cNvSpPr/>
+            <p:nvPr/>
+          </p:nvSpPr>
+          <p:spPr>
+            <a:xfrm>
+              <a:off x="2804904" y="984090"/>
+              <a:ext cx="1070113" cy="3942522"/>
+            </a:xfrm>
+            <a:prstGeom prst="rect">
+              <a:avLst/>
+            </a:prstGeom>
+          </p:spPr>
+          <p:style>
+            <a:lnRef idx="2">
+              <a:schemeClr val="accent2">
+                <a:shade val="50000"/>
+              </a:schemeClr>
+            </a:lnRef>
+            <a:fillRef idx="1">
+              <a:schemeClr val="accent2"/>
+            </a:fillRef>
+            <a:effectRef idx="0">
+              <a:schemeClr val="accent2"/>
+            </a:effectRef>
+            <a:fontRef idx="minor">
+              <a:schemeClr val="lt1"/>
+            </a:fontRef>
+          </p:style>
+          <p:txBody>
+            <a:bodyPr rtlCol="0" anchor="ctr"/>
+            <a:lstStyle/>
+            <a:p>
+              <a:pPr algn="ctr"/>
+              <a:r>
+                <a:rPr lang="en-US" altLang="ko-KR" sz="1400" b="1" dirty="0">
+                  <a:latin typeface="Consolas" panose="020B0609020204030204" pitchFamily="49" charset="0"/>
+                </a:rPr>
+                <a:t>Service</a:t>
+              </a:r>
+              <a:endParaRPr lang="ko-KR" altLang="en-US" sz="1400" b="1" dirty="0">
+                <a:latin typeface="Consolas" panose="020B0609020204030204" pitchFamily="49" charset="0"/>
+              </a:endParaRPr>
+            </a:p>
+          </p:txBody>
+        </p:sp>
+        <p:cxnSp>
+          <p:nvCxnSpPr>
+            <p:cNvPr id="52" name="연결선: 꺾임 51">
+              <a:extLst>
+                <a:ext uri="{FF2B5EF4-FFF2-40B4-BE49-F238E27FC236}">
+                  <a16:creationId xmlns:a16="http://schemas.microsoft.com/office/drawing/2014/main" id="{E7E2D7C2-B1F1-813D-26E6-B78C8F3F9FD9}"/>
+                </a:ext>
+              </a:extLst>
+            </p:cNvPr>
+            <p:cNvCxnSpPr>
+              <a:cxnSpLocks/>
+              <a:stCxn id="41" idx="3"/>
+              <a:endCxn id="31" idx="1"/>
+            </p:cNvCxnSpPr>
+            <p:nvPr/>
+          </p:nvCxnSpPr>
+          <p:spPr>
+            <a:xfrm flipV="1">
+              <a:off x="3875017" y="1490986"/>
+              <a:ext cx="3888273" cy="1464365"/>
+            </a:xfrm>
+            <a:prstGeom prst="bentConnector3">
+              <a:avLst>
+                <a:gd name="adj1" fmla="val 50000"/>
+              </a:avLst>
+            </a:prstGeom>
+            <a:ln w="25400">
+              <a:solidFill>
+                <a:schemeClr val="bg1"/>
+              </a:solidFill>
+              <a:tailEnd type="triangle"/>
+            </a:ln>
+          </p:spPr>
+          <p:style>
+            <a:lnRef idx="1">
+              <a:schemeClr val="accent1"/>
+            </a:lnRef>
+            <a:fillRef idx="0">
+              <a:schemeClr val="accent1"/>
+            </a:fillRef>
+            <a:effectRef idx="0">
+              <a:schemeClr val="accent1"/>
+            </a:effectRef>
+            <a:fontRef idx="minor">
+              <a:schemeClr val="tx1"/>
+            </a:fontRef>
+          </p:style>
+        </p:cxnSp>
+        <p:cxnSp>
+          <p:nvCxnSpPr>
+            <p:cNvPr id="58" name="연결선: 꺾임 57">
+              <a:extLst>
+                <a:ext uri="{FF2B5EF4-FFF2-40B4-BE49-F238E27FC236}">
+                  <a16:creationId xmlns:a16="http://schemas.microsoft.com/office/drawing/2014/main" id="{1617694E-AE1B-A10F-AB7F-2522065F7257}"/>
+                </a:ext>
+              </a:extLst>
+            </p:cNvPr>
+            <p:cNvCxnSpPr>
+              <a:cxnSpLocks/>
+              <a:stCxn id="41" idx="3"/>
+              <a:endCxn id="39" idx="1"/>
+            </p:cNvCxnSpPr>
+            <p:nvPr/>
+          </p:nvCxnSpPr>
+          <p:spPr>
+            <a:xfrm>
+              <a:off x="3875017" y="2955351"/>
+              <a:ext cx="3888273" cy="1464365"/>
+            </a:xfrm>
+            <a:prstGeom prst="bentConnector3">
+              <a:avLst>
+                <a:gd name="adj1" fmla="val 50000"/>
+              </a:avLst>
+            </a:prstGeom>
+            <a:ln w="25400">
+              <a:solidFill>
+                <a:schemeClr val="bg1"/>
+              </a:solidFill>
+              <a:tailEnd type="triangle"/>
+            </a:ln>
+          </p:spPr>
+          <p:style>
+            <a:lnRef idx="1">
+              <a:schemeClr val="accent1"/>
+            </a:lnRef>
+            <a:fillRef idx="0">
+              <a:schemeClr val="accent1"/>
+            </a:fillRef>
+            <a:effectRef idx="0">
+              <a:schemeClr val="accent1"/>
+            </a:effectRef>
+            <a:fontRef idx="minor">
+              <a:schemeClr val="tx1"/>
+            </a:fontRef>
+          </p:style>
+        </p:cxnSp>
+        <p:cxnSp>
+          <p:nvCxnSpPr>
+            <p:cNvPr id="62" name="직선 화살표 연결선 61">
+              <a:extLst>
+                <a:ext uri="{FF2B5EF4-FFF2-40B4-BE49-F238E27FC236}">
+                  <a16:creationId xmlns:a16="http://schemas.microsoft.com/office/drawing/2014/main" id="{0F151123-ACBD-A4D3-93C9-451456DF3634}"/>
+                </a:ext>
+              </a:extLst>
+            </p:cNvPr>
+            <p:cNvCxnSpPr>
+              <a:stCxn id="41" idx="3"/>
+              <a:endCxn id="34" idx="1"/>
+            </p:cNvCxnSpPr>
+            <p:nvPr/>
+          </p:nvCxnSpPr>
+          <p:spPr>
+            <a:xfrm>
+              <a:off x="3875017" y="2955351"/>
+              <a:ext cx="3888273" cy="0"/>
+            </a:xfrm>
+            <a:prstGeom prst="straightConnector1">
+              <a:avLst/>
+            </a:prstGeom>
+            <a:ln w="22225">
+              <a:solidFill>
+                <a:schemeClr val="bg1"/>
+              </a:solidFill>
+              <a:tailEnd type="triangle"/>
+            </a:ln>
+          </p:spPr>
+          <p:style>
+            <a:lnRef idx="1">
+              <a:schemeClr val="accent1"/>
+            </a:lnRef>
+            <a:fillRef idx="0">
+              <a:schemeClr val="accent1"/>
+            </a:fillRef>
+            <a:effectRef idx="0">
+              <a:schemeClr val="accent1"/>
+            </a:effectRef>
+            <a:fontRef idx="minor">
+              <a:schemeClr val="tx1"/>
+            </a:fontRef>
+          </p:style>
+        </p:cxnSp>
+        <p:cxnSp>
+          <p:nvCxnSpPr>
+            <p:cNvPr id="69" name="직선 화살표 연결선 68">
+              <a:extLst>
+                <a:ext uri="{FF2B5EF4-FFF2-40B4-BE49-F238E27FC236}">
+                  <a16:creationId xmlns:a16="http://schemas.microsoft.com/office/drawing/2014/main" id="{127DC17E-71E5-74F2-380B-BF2203A258EB}"/>
+                </a:ext>
+              </a:extLst>
+            </p:cNvPr>
+            <p:cNvCxnSpPr>
+              <a:cxnSpLocks/>
+              <a:endCxn id="41" idx="1"/>
+            </p:cNvCxnSpPr>
+            <p:nvPr/>
+          </p:nvCxnSpPr>
+          <p:spPr>
+            <a:xfrm>
+              <a:off x="2133600" y="2955351"/>
+              <a:ext cx="671304" cy="0"/>
+            </a:xfrm>
+            <a:prstGeom prst="straightConnector1">
+              <a:avLst/>
+            </a:prstGeom>
+            <a:ln w="22225">
+              <a:solidFill>
+                <a:schemeClr val="bg1"/>
+              </a:solidFill>
+              <a:tailEnd type="triangle"/>
+            </a:ln>
+          </p:spPr>
+          <p:style>
+            <a:lnRef idx="1">
+              <a:schemeClr val="accent1"/>
+            </a:lnRef>
+            <a:fillRef idx="0">
+              <a:schemeClr val="accent1"/>
+            </a:fillRef>
+            <a:effectRef idx="0">
+              <a:schemeClr val="accent1"/>
+            </a:effectRef>
+            <a:fontRef idx="minor">
+              <a:schemeClr val="tx1"/>
+            </a:fontRef>
+          </p:style>
+        </p:cxnSp>
+        <p:sp>
+          <p:nvSpPr>
+            <p:cNvPr id="76" name="직사각형 75">
+              <a:extLst>
+                <a:ext uri="{FF2B5EF4-FFF2-40B4-BE49-F238E27FC236}">
+                  <a16:creationId xmlns:a16="http://schemas.microsoft.com/office/drawing/2014/main" id="{1F23F48F-B9C5-09D7-5C19-94D707301B5C}"/>
+                </a:ext>
+              </a:extLst>
+            </p:cNvPr>
+            <p:cNvSpPr/>
+            <p:nvPr/>
+          </p:nvSpPr>
+          <p:spPr>
+            <a:xfrm>
+              <a:off x="4212121" y="2254387"/>
+              <a:ext cx="1371602" cy="535086"/>
+            </a:xfrm>
+            <a:prstGeom prst="rect">
+              <a:avLst/>
+            </a:prstGeom>
+            <a:ln w="28575">
+              <a:solidFill>
+                <a:srgbClr val="FF0000"/>
+              </a:solidFill>
+            </a:ln>
+          </p:spPr>
+          <p:style>
+            <a:lnRef idx="2">
+              <a:schemeClr val="accent2"/>
+            </a:lnRef>
+            <a:fillRef idx="1">
+              <a:schemeClr val="lt1"/>
+            </a:fillRef>
+            <a:effectRef idx="0">
+              <a:schemeClr val="accent2"/>
+            </a:effectRef>
+            <a:fontRef idx="minor">
+              <a:schemeClr val="dk1"/>
+            </a:fontRef>
+          </p:style>
+          <p:txBody>
+            <a:bodyPr rtlCol="0" anchor="ctr"/>
+            <a:lstStyle/>
+            <a:p>
+              <a:pPr algn="ctr"/>
+              <a:r>
+                <a:rPr lang="en-US" altLang="ko-KR" sz="1200" dirty="0"/>
+                <a:t>(1) </a:t>
+              </a:r>
+              <a:r>
+                <a:rPr lang="ko-KR" altLang="en-US" sz="1200" dirty="0"/>
+                <a:t>처리의 분리가 불가능</a:t>
+              </a:r>
+            </a:p>
+          </p:txBody>
+        </p:sp>
+        <p:sp>
+          <p:nvSpPr>
+            <p:cNvPr id="3" name="원통형 2">
+              <a:extLst>
+                <a:ext uri="{FF2B5EF4-FFF2-40B4-BE49-F238E27FC236}">
+                  <a16:creationId xmlns:a16="http://schemas.microsoft.com/office/drawing/2014/main" id="{804A8E09-3FCC-3B1D-7694-DF81242EF27D}"/>
+                </a:ext>
+              </a:extLst>
+            </p:cNvPr>
+            <p:cNvSpPr/>
+            <p:nvPr/>
+          </p:nvSpPr>
+          <p:spPr>
+            <a:xfrm>
+              <a:off x="8889107" y="1424046"/>
+              <a:ext cx="817078" cy="706092"/>
+            </a:xfrm>
+            <a:prstGeom prst="can">
+              <a:avLst>
+                <a:gd name="adj" fmla="val 34278"/>
+              </a:avLst>
+            </a:prstGeom>
+          </p:spPr>
+          <p:style>
+            <a:lnRef idx="2">
+              <a:schemeClr val="accent6"/>
+            </a:lnRef>
+            <a:fillRef idx="1">
+              <a:schemeClr val="lt1"/>
+            </a:fillRef>
+            <a:effectRef idx="0">
+              <a:schemeClr val="accent6"/>
+            </a:effectRef>
+            <a:fontRef idx="minor">
+              <a:schemeClr val="dk1"/>
+            </a:fontRef>
+          </p:style>
+          <p:txBody>
+            <a:bodyPr rtlCol="0" anchor="ctr"/>
+            <a:lstStyle/>
+            <a:p>
+              <a:pPr algn="ctr"/>
+              <a:r>
+                <a:rPr lang="ko-KR" altLang="en-US" sz="900" dirty="0"/>
+                <a:t>내부 저장소</a:t>
+              </a:r>
+            </a:p>
+          </p:txBody>
+        </p:sp>
+      </p:grpSp>
+    </p:spTree>
+    <p:extLst>
+      <p:ext uri="{BB962C8B-B14F-4D97-AF65-F5344CB8AC3E}">
+        <p14:creationId xmlns:p14="http://schemas.microsoft.com/office/powerpoint/2010/main" val="3164222441"/>
       </p:ext>
     </p:extLst>
   </p:cSld>

--- a/assets/images.pptx
+++ b/assets/images.pptx
@@ -14,6 +14,10 @@
     <p:sldId id="262" r:id="rId8"/>
     <p:sldId id="264" r:id="rId9"/>
     <p:sldId id="263" r:id="rId10"/>
+    <p:sldId id="265" r:id="rId11"/>
+    <p:sldId id="266" r:id="rId12"/>
+    <p:sldId id="267" r:id="rId13"/>
+    <p:sldId id="268" r:id="rId14"/>
   </p:sldIdLst>
   <p:sldSz cx="12192000" cy="6858000"/>
   <p:notesSz cx="6858000" cy="9144000"/>
@@ -4219,6 +4223,4619 @@
     <p:extLst>
       <p:ext uri="{BB962C8B-B14F-4D97-AF65-F5344CB8AC3E}">
         <p14:creationId xmlns:p14="http://schemas.microsoft.com/office/powerpoint/2010/main" val="1180181073"/>
+      </p:ext>
+    </p:extLst>
+  </p:cSld>
+  <p:clrMapOvr>
+    <a:masterClrMapping/>
+  </p:clrMapOvr>
+</p:sld>
+</file>
+
+<file path=ppt/slides/slide10.xml><?xml version="1.0" encoding="utf-8"?>
+<p:sld xmlns:a="http://schemas.openxmlformats.org/drawingml/2006/main" xmlns:r="http://schemas.openxmlformats.org/officeDocument/2006/relationships" xmlns:p="http://schemas.openxmlformats.org/presentationml/2006/main">
+  <p:cSld>
+    <p:spTree>
+      <p:nvGrpSpPr>
+        <p:cNvPr id="1" name=""/>
+        <p:cNvGrpSpPr/>
+        <p:nvPr/>
+      </p:nvGrpSpPr>
+      <p:grpSpPr>
+        <a:xfrm>
+          <a:off x="0" y="0"/>
+          <a:ext cx="0" cy="0"/>
+          <a:chOff x="0" y="0"/>
+          <a:chExt cx="0" cy="0"/>
+        </a:xfrm>
+      </p:grpSpPr>
+      <p:sp>
+        <p:nvSpPr>
+          <p:cNvPr id="2" name="TextBox 1">
+            <a:extLst>
+              <a:ext uri="{FF2B5EF4-FFF2-40B4-BE49-F238E27FC236}">
+                <a16:creationId xmlns:a16="http://schemas.microsoft.com/office/drawing/2014/main" id="{AF53483D-1A80-C107-D3AB-6901351F1D3F}"/>
+              </a:ext>
+            </a:extLst>
+          </p:cNvPr>
+          <p:cNvSpPr txBox="1"/>
+          <p:nvPr/>
+        </p:nvSpPr>
+        <p:spPr>
+          <a:xfrm>
+            <a:off x="10388600" y="6596390"/>
+            <a:ext cx="1803400" cy="261610"/>
+          </a:xfrm>
+          <a:prstGeom prst="rect">
+            <a:avLst/>
+          </a:prstGeom>
+          <a:noFill/>
+        </p:spPr>
+        <p:txBody>
+          <a:bodyPr wrap="square" rtlCol="0">
+            <a:spAutoFit/>
+          </a:bodyPr>
+          <a:lstStyle/>
+          <a:p>
+            <a:pPr algn="r"/>
+            <a:r>
+              <a:rPr lang="en-US" altLang="ko-KR" sz="1100" dirty="0"/>
+              <a:t>Kim0lil/80700</a:t>
+            </a:r>
+            <a:endParaRPr lang="ko-KR" altLang="en-US" sz="1100" dirty="0"/>
+          </a:p>
+        </p:txBody>
+      </p:sp>
+      <p:grpSp>
+        <p:nvGrpSpPr>
+          <p:cNvPr id="17" name="그룹 16">
+            <a:extLst>
+              <a:ext uri="{FF2B5EF4-FFF2-40B4-BE49-F238E27FC236}">
+                <a16:creationId xmlns:a16="http://schemas.microsoft.com/office/drawing/2014/main" id="{A13FD15C-B67B-20F5-6C81-163664E3BA98}"/>
+              </a:ext>
+            </a:extLst>
+          </p:cNvPr>
+          <p:cNvGrpSpPr/>
+          <p:nvPr/>
+        </p:nvGrpSpPr>
+        <p:grpSpPr>
+          <a:xfrm>
+            <a:off x="2133600" y="666039"/>
+            <a:ext cx="7765774" cy="5231178"/>
+            <a:chOff x="2133600" y="666039"/>
+            <a:chExt cx="7765774" cy="5231178"/>
+          </a:xfrm>
+        </p:grpSpPr>
+        <p:sp>
+          <p:nvSpPr>
+            <p:cNvPr id="27" name="직사각형 26">
+              <a:extLst>
+                <a:ext uri="{FF2B5EF4-FFF2-40B4-BE49-F238E27FC236}">
+                  <a16:creationId xmlns:a16="http://schemas.microsoft.com/office/drawing/2014/main" id="{22A3CEDF-CD33-4FC3-A40C-D0F3ED511F80}"/>
+                </a:ext>
+              </a:extLst>
+            </p:cNvPr>
+            <p:cNvSpPr/>
+            <p:nvPr/>
+          </p:nvSpPr>
+          <p:spPr>
+            <a:xfrm>
+              <a:off x="2146852" y="666039"/>
+              <a:ext cx="7752522" cy="5231178"/>
+            </a:xfrm>
+            <a:prstGeom prst="rect">
+              <a:avLst/>
+            </a:prstGeom>
+            <a:solidFill>
+              <a:schemeClr val="tx1">
+                <a:lumMod val="75000"/>
+                <a:lumOff val="25000"/>
+              </a:schemeClr>
+            </a:solidFill>
+            <a:ln w="9525" cap="flat" cmpd="sng" algn="ctr">
+              <a:solidFill>
+                <a:schemeClr val="accent1"/>
+              </a:solidFill>
+              <a:prstDash val="solid"/>
+              <a:round/>
+              <a:headEnd type="none" w="med" len="med"/>
+              <a:tailEnd type="none" w="med" len="med"/>
+            </a:ln>
+          </p:spPr>
+          <p:style>
+            <a:lnRef idx="0">
+              <a:scrgbClr r="0" g="0" b="0"/>
+            </a:lnRef>
+            <a:fillRef idx="0">
+              <a:scrgbClr r="0" g="0" b="0"/>
+            </a:fillRef>
+            <a:effectRef idx="0">
+              <a:scrgbClr r="0" g="0" b="0"/>
+            </a:effectRef>
+            <a:fontRef idx="minor">
+              <a:schemeClr val="accent1"/>
+            </a:fontRef>
+          </p:style>
+          <p:txBody>
+            <a:bodyPr rtlCol="0" anchor="b"/>
+            <a:lstStyle/>
+            <a:p>
+              <a:pPr algn="ctr"/>
+              <a:r>
+                <a:rPr lang="en-US" altLang="ko-KR" b="1" dirty="0">
+                  <a:solidFill>
+                    <a:schemeClr val="bg1"/>
+                  </a:solidFill>
+                  <a:effectLst/>
+                  <a:latin typeface="Consolas" panose="020B0609020204030204" pitchFamily="49" charset="0"/>
+                </a:rPr>
+                <a:t>Node </a:t>
+              </a:r>
+              <a:r>
+                <a:rPr lang="en-US" altLang="ko-KR" b="1" dirty="0">
+                  <a:solidFill>
+                    <a:schemeClr val="bg1">
+                      <a:lumMod val="65000"/>
+                    </a:schemeClr>
+                  </a:solidFill>
+                  <a:effectLst/>
+                  <a:latin typeface="Consolas" panose="020B0609020204030204" pitchFamily="49" charset="0"/>
+                </a:rPr>
+                <a:t>(Master)</a:t>
+              </a:r>
+            </a:p>
+            <a:p>
+              <a:pPr algn="ctr"/>
+              <a:endParaRPr lang="en-US" altLang="ko-KR" b="0" dirty="0">
+                <a:solidFill>
+                  <a:schemeClr val="bg1">
+                    <a:lumMod val="65000"/>
+                  </a:schemeClr>
+                </a:solidFill>
+                <a:effectLst/>
+                <a:latin typeface="Consolas" panose="020B0609020204030204" pitchFamily="49" charset="0"/>
+              </a:endParaRPr>
+            </a:p>
+          </p:txBody>
+        </p:sp>
+        <p:grpSp>
+          <p:nvGrpSpPr>
+            <p:cNvPr id="29" name="그룹 28">
+              <a:extLst>
+                <a:ext uri="{FF2B5EF4-FFF2-40B4-BE49-F238E27FC236}">
+                  <a16:creationId xmlns:a16="http://schemas.microsoft.com/office/drawing/2014/main" id="{D1C6E92E-10D4-B080-9B80-0D27F789BAFD}"/>
+                </a:ext>
+              </a:extLst>
+            </p:cNvPr>
+            <p:cNvGrpSpPr/>
+            <p:nvPr/>
+          </p:nvGrpSpPr>
+          <p:grpSpPr>
+            <a:xfrm>
+              <a:off x="7697027" y="984090"/>
+              <a:ext cx="1807266" cy="1013792"/>
+              <a:chOff x="1336811" y="639534"/>
+              <a:chExt cx="1807266" cy="1013792"/>
+            </a:xfrm>
+          </p:grpSpPr>
+          <p:sp>
+            <p:nvSpPr>
+              <p:cNvPr id="31" name="직사각형 30">
+                <a:extLst>
+                  <a:ext uri="{FF2B5EF4-FFF2-40B4-BE49-F238E27FC236}">
+                    <a16:creationId xmlns:a16="http://schemas.microsoft.com/office/drawing/2014/main" id="{646BD1CE-49C5-D3A2-9F7D-EE3413F0E5A1}"/>
+                  </a:ext>
+                </a:extLst>
+              </p:cNvPr>
+              <p:cNvSpPr/>
+              <p:nvPr/>
+            </p:nvSpPr>
+            <p:spPr>
+              <a:xfrm>
+                <a:off x="1403074" y="639534"/>
+                <a:ext cx="1741003" cy="1013792"/>
+              </a:xfrm>
+              <a:prstGeom prst="rect">
+                <a:avLst/>
+              </a:prstGeom>
+              <a:solidFill>
+                <a:schemeClr val="accent1">
+                  <a:lumMod val="75000"/>
+                </a:schemeClr>
+              </a:solidFill>
+              <a:ln w="9525" cap="flat" cmpd="sng" algn="ctr">
+                <a:solidFill>
+                  <a:schemeClr val="accent1"/>
+                </a:solidFill>
+                <a:prstDash val="solid"/>
+                <a:round/>
+                <a:headEnd type="none" w="med" len="med"/>
+                <a:tailEnd type="none" w="med" len="med"/>
+              </a:ln>
+            </p:spPr>
+            <p:style>
+              <a:lnRef idx="0">
+                <a:scrgbClr r="0" g="0" b="0"/>
+              </a:lnRef>
+              <a:fillRef idx="0">
+                <a:scrgbClr r="0" g="0" b="0"/>
+              </a:fillRef>
+              <a:effectRef idx="0">
+                <a:scrgbClr r="0" g="0" b="0"/>
+              </a:effectRef>
+              <a:fontRef idx="minor">
+                <a:schemeClr val="accent1"/>
+              </a:fontRef>
+            </p:style>
+            <p:txBody>
+              <a:bodyPr rtlCol="0" anchor="ctr"/>
+              <a:lstStyle/>
+              <a:p>
+                <a:pPr algn="ctr"/>
+                <a:r>
+                  <a:rPr lang="en-US" altLang="ko-KR" b="1" dirty="0">
+                    <a:solidFill>
+                      <a:schemeClr val="bg1"/>
+                    </a:solidFill>
+                    <a:effectLst/>
+                    <a:latin typeface="Consolas" panose="020B0609020204030204" pitchFamily="49" charset="0"/>
+                  </a:rPr>
+                  <a:t>Pod</a:t>
+                </a:r>
+                <a:endParaRPr lang="en-US" altLang="ko-KR" b="0" dirty="0">
+                  <a:solidFill>
+                    <a:schemeClr val="bg1">
+                      <a:lumMod val="65000"/>
+                    </a:schemeClr>
+                  </a:solidFill>
+                  <a:effectLst/>
+                  <a:latin typeface="Consolas" panose="020B0609020204030204" pitchFamily="49" charset="0"/>
+                </a:endParaRPr>
+              </a:p>
+            </p:txBody>
+          </p:sp>
+          <p:sp>
+            <p:nvSpPr>
+              <p:cNvPr id="32" name="직사각형 31">
+                <a:extLst>
+                  <a:ext uri="{FF2B5EF4-FFF2-40B4-BE49-F238E27FC236}">
+                    <a16:creationId xmlns:a16="http://schemas.microsoft.com/office/drawing/2014/main" id="{C2BBDDEB-73CD-A195-1338-050470BDAE1E}"/>
+                  </a:ext>
+                </a:extLst>
+              </p:cNvPr>
+              <p:cNvSpPr/>
+              <p:nvPr/>
+            </p:nvSpPr>
+            <p:spPr>
+              <a:xfrm>
+                <a:off x="1336811" y="1349760"/>
+                <a:ext cx="1070113" cy="279274"/>
+              </a:xfrm>
+              <a:prstGeom prst="rect">
+                <a:avLst/>
+              </a:prstGeom>
+              <a:noFill/>
+              <a:ln w="9525" cap="flat" cmpd="sng" algn="ctr">
+                <a:noFill/>
+                <a:prstDash val="solid"/>
+                <a:round/>
+                <a:headEnd type="none" w="med" len="med"/>
+                <a:tailEnd type="none" w="med" len="med"/>
+              </a:ln>
+            </p:spPr>
+            <p:style>
+              <a:lnRef idx="0">
+                <a:scrgbClr r="0" g="0" b="0"/>
+              </a:lnRef>
+              <a:fillRef idx="0">
+                <a:scrgbClr r="0" g="0" b="0"/>
+              </a:fillRef>
+              <a:effectRef idx="0">
+                <a:scrgbClr r="0" g="0" b="0"/>
+              </a:effectRef>
+              <a:fontRef idx="minor">
+                <a:schemeClr val="accent1"/>
+              </a:fontRef>
+            </p:style>
+            <p:txBody>
+              <a:bodyPr rtlCol="0" anchor="ctr"/>
+              <a:lstStyle/>
+              <a:p>
+                <a:pPr algn="ctr"/>
+                <a:r>
+                  <a:rPr lang="en-US" altLang="ko-KR" sz="1200" b="1" dirty="0">
+                    <a:solidFill>
+                      <a:schemeClr val="bg1"/>
+                    </a:solidFill>
+                    <a:effectLst/>
+                    <a:latin typeface="Consolas" panose="020B0609020204030204" pitchFamily="49" charset="0"/>
+                  </a:rPr>
+                  <a:t>10.0.1.1</a:t>
+                </a:r>
+                <a:endParaRPr lang="en-US" altLang="ko-KR" sz="1200" b="0" dirty="0">
+                  <a:solidFill>
+                    <a:schemeClr val="bg1">
+                      <a:lumMod val="65000"/>
+                    </a:schemeClr>
+                  </a:solidFill>
+                  <a:effectLst/>
+                  <a:latin typeface="Consolas" panose="020B0609020204030204" pitchFamily="49" charset="0"/>
+                </a:endParaRPr>
+              </a:p>
+            </p:txBody>
+          </p:sp>
+        </p:grpSp>
+        <p:grpSp>
+          <p:nvGrpSpPr>
+            <p:cNvPr id="33" name="그룹 32">
+              <a:extLst>
+                <a:ext uri="{FF2B5EF4-FFF2-40B4-BE49-F238E27FC236}">
+                  <a16:creationId xmlns:a16="http://schemas.microsoft.com/office/drawing/2014/main" id="{245D7A45-5571-2490-4726-620170D2E887}"/>
+                </a:ext>
+              </a:extLst>
+            </p:cNvPr>
+            <p:cNvGrpSpPr/>
+            <p:nvPr/>
+          </p:nvGrpSpPr>
+          <p:grpSpPr>
+            <a:xfrm>
+              <a:off x="7697027" y="2448455"/>
+              <a:ext cx="1807266" cy="1013792"/>
+              <a:chOff x="1336811" y="639534"/>
+              <a:chExt cx="1807266" cy="1013792"/>
+            </a:xfrm>
+          </p:grpSpPr>
+          <p:sp>
+            <p:nvSpPr>
+              <p:cNvPr id="34" name="직사각형 33">
+                <a:extLst>
+                  <a:ext uri="{FF2B5EF4-FFF2-40B4-BE49-F238E27FC236}">
+                    <a16:creationId xmlns:a16="http://schemas.microsoft.com/office/drawing/2014/main" id="{7279A57A-7D88-2DF6-01AB-4DE3FF2467E9}"/>
+                  </a:ext>
+                </a:extLst>
+              </p:cNvPr>
+              <p:cNvSpPr/>
+              <p:nvPr/>
+            </p:nvSpPr>
+            <p:spPr>
+              <a:xfrm>
+                <a:off x="1403074" y="639534"/>
+                <a:ext cx="1741003" cy="1013792"/>
+              </a:xfrm>
+              <a:prstGeom prst="rect">
+                <a:avLst/>
+              </a:prstGeom>
+              <a:solidFill>
+                <a:schemeClr val="accent1">
+                  <a:lumMod val="75000"/>
+                </a:schemeClr>
+              </a:solidFill>
+              <a:ln w="9525" cap="flat" cmpd="sng" algn="ctr">
+                <a:solidFill>
+                  <a:schemeClr val="accent1"/>
+                </a:solidFill>
+                <a:prstDash val="solid"/>
+                <a:round/>
+                <a:headEnd type="none" w="med" len="med"/>
+                <a:tailEnd type="none" w="med" len="med"/>
+              </a:ln>
+            </p:spPr>
+            <p:style>
+              <a:lnRef idx="0">
+                <a:scrgbClr r="0" g="0" b="0"/>
+              </a:lnRef>
+              <a:fillRef idx="0">
+                <a:scrgbClr r="0" g="0" b="0"/>
+              </a:fillRef>
+              <a:effectRef idx="0">
+                <a:scrgbClr r="0" g="0" b="0"/>
+              </a:effectRef>
+              <a:fontRef idx="minor">
+                <a:schemeClr val="accent1"/>
+              </a:fontRef>
+            </p:style>
+            <p:txBody>
+              <a:bodyPr rtlCol="0" anchor="ctr"/>
+              <a:lstStyle/>
+              <a:p>
+                <a:pPr algn="ctr"/>
+                <a:r>
+                  <a:rPr lang="en-US" altLang="ko-KR" b="1" dirty="0">
+                    <a:solidFill>
+                      <a:schemeClr val="bg1"/>
+                    </a:solidFill>
+                    <a:effectLst/>
+                    <a:latin typeface="Consolas" panose="020B0609020204030204" pitchFamily="49" charset="0"/>
+                  </a:rPr>
+                  <a:t>Pod</a:t>
+                </a:r>
+                <a:endParaRPr lang="en-US" altLang="ko-KR" b="0" dirty="0">
+                  <a:solidFill>
+                    <a:schemeClr val="bg1">
+                      <a:lumMod val="65000"/>
+                    </a:schemeClr>
+                  </a:solidFill>
+                  <a:effectLst/>
+                  <a:latin typeface="Consolas" panose="020B0609020204030204" pitchFamily="49" charset="0"/>
+                </a:endParaRPr>
+              </a:p>
+            </p:txBody>
+          </p:sp>
+          <p:sp>
+            <p:nvSpPr>
+              <p:cNvPr id="35" name="직사각형 34">
+                <a:extLst>
+                  <a:ext uri="{FF2B5EF4-FFF2-40B4-BE49-F238E27FC236}">
+                    <a16:creationId xmlns:a16="http://schemas.microsoft.com/office/drawing/2014/main" id="{D21DC116-C75C-70C4-7C85-1EF065D168EB}"/>
+                  </a:ext>
+                </a:extLst>
+              </p:cNvPr>
+              <p:cNvSpPr/>
+              <p:nvPr/>
+            </p:nvSpPr>
+            <p:spPr>
+              <a:xfrm>
+                <a:off x="1336811" y="1349760"/>
+                <a:ext cx="1070113" cy="279274"/>
+              </a:xfrm>
+              <a:prstGeom prst="rect">
+                <a:avLst/>
+              </a:prstGeom>
+              <a:noFill/>
+              <a:ln w="9525" cap="flat" cmpd="sng" algn="ctr">
+                <a:noFill/>
+                <a:prstDash val="solid"/>
+                <a:round/>
+                <a:headEnd type="none" w="med" len="med"/>
+                <a:tailEnd type="none" w="med" len="med"/>
+              </a:ln>
+            </p:spPr>
+            <p:style>
+              <a:lnRef idx="0">
+                <a:scrgbClr r="0" g="0" b="0"/>
+              </a:lnRef>
+              <a:fillRef idx="0">
+                <a:scrgbClr r="0" g="0" b="0"/>
+              </a:fillRef>
+              <a:effectRef idx="0">
+                <a:scrgbClr r="0" g="0" b="0"/>
+              </a:effectRef>
+              <a:fontRef idx="minor">
+                <a:schemeClr val="accent1"/>
+              </a:fontRef>
+            </p:style>
+            <p:txBody>
+              <a:bodyPr rtlCol="0" anchor="ctr"/>
+              <a:lstStyle/>
+              <a:p>
+                <a:pPr algn="ctr"/>
+                <a:r>
+                  <a:rPr lang="en-US" altLang="ko-KR" sz="1200" b="1" dirty="0">
+                    <a:solidFill>
+                      <a:schemeClr val="bg1"/>
+                    </a:solidFill>
+                    <a:effectLst/>
+                    <a:latin typeface="Consolas" panose="020B0609020204030204" pitchFamily="49" charset="0"/>
+                  </a:rPr>
+                  <a:t>10.0.1.2</a:t>
+                </a:r>
+                <a:endParaRPr lang="en-US" altLang="ko-KR" sz="1200" b="0" dirty="0">
+                  <a:solidFill>
+                    <a:schemeClr val="bg1">
+                      <a:lumMod val="65000"/>
+                    </a:schemeClr>
+                  </a:solidFill>
+                  <a:effectLst/>
+                  <a:latin typeface="Consolas" panose="020B0609020204030204" pitchFamily="49" charset="0"/>
+                </a:endParaRPr>
+              </a:p>
+            </p:txBody>
+          </p:sp>
+        </p:grpSp>
+        <p:grpSp>
+          <p:nvGrpSpPr>
+            <p:cNvPr id="38" name="그룹 37">
+              <a:extLst>
+                <a:ext uri="{FF2B5EF4-FFF2-40B4-BE49-F238E27FC236}">
+                  <a16:creationId xmlns:a16="http://schemas.microsoft.com/office/drawing/2014/main" id="{566FE4EE-6F86-4E6C-5DBC-18CEB9834DCC}"/>
+                </a:ext>
+              </a:extLst>
+            </p:cNvPr>
+            <p:cNvGrpSpPr/>
+            <p:nvPr/>
+          </p:nvGrpSpPr>
+          <p:grpSpPr>
+            <a:xfrm>
+              <a:off x="7697027" y="3912820"/>
+              <a:ext cx="1807266" cy="1013792"/>
+              <a:chOff x="1336811" y="639534"/>
+              <a:chExt cx="1807266" cy="1013792"/>
+            </a:xfrm>
+          </p:grpSpPr>
+          <p:sp>
+            <p:nvSpPr>
+              <p:cNvPr id="39" name="직사각형 38">
+                <a:extLst>
+                  <a:ext uri="{FF2B5EF4-FFF2-40B4-BE49-F238E27FC236}">
+                    <a16:creationId xmlns:a16="http://schemas.microsoft.com/office/drawing/2014/main" id="{21535098-6214-D6B0-72B6-86EEAA603DA2}"/>
+                  </a:ext>
+                </a:extLst>
+              </p:cNvPr>
+              <p:cNvSpPr/>
+              <p:nvPr/>
+            </p:nvSpPr>
+            <p:spPr>
+              <a:xfrm>
+                <a:off x="1403074" y="639534"/>
+                <a:ext cx="1741003" cy="1013792"/>
+              </a:xfrm>
+              <a:prstGeom prst="rect">
+                <a:avLst/>
+              </a:prstGeom>
+              <a:solidFill>
+                <a:schemeClr val="accent1">
+                  <a:lumMod val="75000"/>
+                </a:schemeClr>
+              </a:solidFill>
+              <a:ln w="9525" cap="flat" cmpd="sng" algn="ctr">
+                <a:solidFill>
+                  <a:schemeClr val="accent1"/>
+                </a:solidFill>
+                <a:prstDash val="solid"/>
+                <a:round/>
+                <a:headEnd type="none" w="med" len="med"/>
+                <a:tailEnd type="none" w="med" len="med"/>
+              </a:ln>
+            </p:spPr>
+            <p:style>
+              <a:lnRef idx="0">
+                <a:scrgbClr r="0" g="0" b="0"/>
+              </a:lnRef>
+              <a:fillRef idx="0">
+                <a:scrgbClr r="0" g="0" b="0"/>
+              </a:fillRef>
+              <a:effectRef idx="0">
+                <a:scrgbClr r="0" g="0" b="0"/>
+              </a:effectRef>
+              <a:fontRef idx="minor">
+                <a:schemeClr val="accent1"/>
+              </a:fontRef>
+            </p:style>
+            <p:txBody>
+              <a:bodyPr rtlCol="0" anchor="ctr"/>
+              <a:lstStyle/>
+              <a:p>
+                <a:pPr algn="ctr"/>
+                <a:r>
+                  <a:rPr lang="en-US" altLang="ko-KR" b="1" dirty="0">
+                    <a:solidFill>
+                      <a:schemeClr val="bg1"/>
+                    </a:solidFill>
+                    <a:effectLst/>
+                    <a:latin typeface="Consolas" panose="020B0609020204030204" pitchFamily="49" charset="0"/>
+                  </a:rPr>
+                  <a:t>Pod</a:t>
+                </a:r>
+                <a:endParaRPr lang="en-US" altLang="ko-KR" b="0" dirty="0">
+                  <a:solidFill>
+                    <a:schemeClr val="bg1">
+                      <a:lumMod val="65000"/>
+                    </a:schemeClr>
+                  </a:solidFill>
+                  <a:effectLst/>
+                  <a:latin typeface="Consolas" panose="020B0609020204030204" pitchFamily="49" charset="0"/>
+                </a:endParaRPr>
+              </a:p>
+            </p:txBody>
+          </p:sp>
+          <p:sp>
+            <p:nvSpPr>
+              <p:cNvPr id="40" name="직사각형 39">
+                <a:extLst>
+                  <a:ext uri="{FF2B5EF4-FFF2-40B4-BE49-F238E27FC236}">
+                    <a16:creationId xmlns:a16="http://schemas.microsoft.com/office/drawing/2014/main" id="{55F75D76-9559-8E43-3A59-A8F905AD9B95}"/>
+                  </a:ext>
+                </a:extLst>
+              </p:cNvPr>
+              <p:cNvSpPr/>
+              <p:nvPr/>
+            </p:nvSpPr>
+            <p:spPr>
+              <a:xfrm>
+                <a:off x="1336811" y="1349760"/>
+                <a:ext cx="1070113" cy="279274"/>
+              </a:xfrm>
+              <a:prstGeom prst="rect">
+                <a:avLst/>
+              </a:prstGeom>
+              <a:noFill/>
+              <a:ln w="9525" cap="flat" cmpd="sng" algn="ctr">
+                <a:noFill/>
+                <a:prstDash val="solid"/>
+                <a:round/>
+                <a:headEnd type="none" w="med" len="med"/>
+                <a:tailEnd type="none" w="med" len="med"/>
+              </a:ln>
+            </p:spPr>
+            <p:style>
+              <a:lnRef idx="0">
+                <a:scrgbClr r="0" g="0" b="0"/>
+              </a:lnRef>
+              <a:fillRef idx="0">
+                <a:scrgbClr r="0" g="0" b="0"/>
+              </a:fillRef>
+              <a:effectRef idx="0">
+                <a:scrgbClr r="0" g="0" b="0"/>
+              </a:effectRef>
+              <a:fontRef idx="minor">
+                <a:schemeClr val="accent1"/>
+              </a:fontRef>
+            </p:style>
+            <p:txBody>
+              <a:bodyPr rtlCol="0" anchor="ctr"/>
+              <a:lstStyle/>
+              <a:p>
+                <a:pPr algn="ctr"/>
+                <a:r>
+                  <a:rPr lang="en-US" altLang="ko-KR" sz="1200" b="1" dirty="0">
+                    <a:solidFill>
+                      <a:schemeClr val="bg1"/>
+                    </a:solidFill>
+                    <a:effectLst/>
+                    <a:latin typeface="Consolas" panose="020B0609020204030204" pitchFamily="49" charset="0"/>
+                  </a:rPr>
+                  <a:t>10.0.1.3</a:t>
+                </a:r>
+                <a:endParaRPr lang="en-US" altLang="ko-KR" sz="1200" b="0" dirty="0">
+                  <a:solidFill>
+                    <a:schemeClr val="bg1">
+                      <a:lumMod val="65000"/>
+                    </a:schemeClr>
+                  </a:solidFill>
+                  <a:effectLst/>
+                  <a:latin typeface="Consolas" panose="020B0609020204030204" pitchFamily="49" charset="0"/>
+                </a:endParaRPr>
+              </a:p>
+            </p:txBody>
+          </p:sp>
+        </p:grpSp>
+        <p:sp>
+          <p:nvSpPr>
+            <p:cNvPr id="41" name="직사각형 40">
+              <a:extLst>
+                <a:ext uri="{FF2B5EF4-FFF2-40B4-BE49-F238E27FC236}">
+                  <a16:creationId xmlns:a16="http://schemas.microsoft.com/office/drawing/2014/main" id="{9B410D7F-D09B-9456-D8D3-DC9EF4448147}"/>
+                </a:ext>
+              </a:extLst>
+            </p:cNvPr>
+            <p:cNvSpPr/>
+            <p:nvPr/>
+          </p:nvSpPr>
+          <p:spPr>
+            <a:xfrm>
+              <a:off x="2804904" y="984090"/>
+              <a:ext cx="1070113" cy="3942522"/>
+            </a:xfrm>
+            <a:prstGeom prst="rect">
+              <a:avLst/>
+            </a:prstGeom>
+          </p:spPr>
+          <p:style>
+            <a:lnRef idx="2">
+              <a:schemeClr val="accent2">
+                <a:shade val="50000"/>
+              </a:schemeClr>
+            </a:lnRef>
+            <a:fillRef idx="1">
+              <a:schemeClr val="accent2"/>
+            </a:fillRef>
+            <a:effectRef idx="0">
+              <a:schemeClr val="accent2"/>
+            </a:effectRef>
+            <a:fontRef idx="minor">
+              <a:schemeClr val="lt1"/>
+            </a:fontRef>
+          </p:style>
+          <p:txBody>
+            <a:bodyPr rtlCol="0" anchor="ctr"/>
+            <a:lstStyle/>
+            <a:p>
+              <a:pPr algn="ctr"/>
+              <a:r>
+                <a:rPr lang="en-US" altLang="ko-KR" sz="1400" b="1" dirty="0">
+                  <a:latin typeface="Consolas" panose="020B0609020204030204" pitchFamily="49" charset="0"/>
+                </a:rPr>
+                <a:t>Service</a:t>
+              </a:r>
+              <a:endParaRPr lang="ko-KR" altLang="en-US" sz="1400" b="1" dirty="0">
+                <a:latin typeface="Consolas" panose="020B0609020204030204" pitchFamily="49" charset="0"/>
+              </a:endParaRPr>
+            </a:p>
+          </p:txBody>
+        </p:sp>
+        <p:cxnSp>
+          <p:nvCxnSpPr>
+            <p:cNvPr id="52" name="연결선: 꺾임 51">
+              <a:extLst>
+                <a:ext uri="{FF2B5EF4-FFF2-40B4-BE49-F238E27FC236}">
+                  <a16:creationId xmlns:a16="http://schemas.microsoft.com/office/drawing/2014/main" id="{E7E2D7C2-B1F1-813D-26E6-B78C8F3F9FD9}"/>
+                </a:ext>
+              </a:extLst>
+            </p:cNvPr>
+            <p:cNvCxnSpPr>
+              <a:cxnSpLocks/>
+              <a:stCxn id="9" idx="0"/>
+              <a:endCxn id="31" idx="1"/>
+            </p:cNvCxnSpPr>
+            <p:nvPr/>
+          </p:nvCxnSpPr>
+          <p:spPr>
+            <a:xfrm rot="5400000" flipH="1" flipV="1">
+              <a:off x="6110049" y="1171305"/>
+              <a:ext cx="1333560" cy="1972922"/>
+            </a:xfrm>
+            <a:prstGeom prst="bentConnector2">
+              <a:avLst/>
+            </a:prstGeom>
+            <a:ln w="25400">
+              <a:solidFill>
+                <a:srgbClr val="FFC000"/>
+              </a:solidFill>
+              <a:prstDash val="dash"/>
+              <a:tailEnd type="triangle"/>
+            </a:ln>
+          </p:spPr>
+          <p:style>
+            <a:lnRef idx="1">
+              <a:schemeClr val="accent1"/>
+            </a:lnRef>
+            <a:fillRef idx="0">
+              <a:schemeClr val="accent1"/>
+            </a:fillRef>
+            <a:effectRef idx="0">
+              <a:schemeClr val="accent1"/>
+            </a:effectRef>
+            <a:fontRef idx="minor">
+              <a:schemeClr val="tx1"/>
+            </a:fontRef>
+          </p:style>
+        </p:cxnSp>
+        <p:cxnSp>
+          <p:nvCxnSpPr>
+            <p:cNvPr id="58" name="연결선: 꺾임 57">
+              <a:extLst>
+                <a:ext uri="{FF2B5EF4-FFF2-40B4-BE49-F238E27FC236}">
+                  <a16:creationId xmlns:a16="http://schemas.microsoft.com/office/drawing/2014/main" id="{1617694E-AE1B-A10F-AB7F-2522065F7257}"/>
+                </a:ext>
+              </a:extLst>
+            </p:cNvPr>
+            <p:cNvCxnSpPr>
+              <a:cxnSpLocks/>
+              <a:stCxn id="9" idx="4"/>
+              <a:endCxn id="39" idx="1"/>
+            </p:cNvCxnSpPr>
+            <p:nvPr/>
+          </p:nvCxnSpPr>
+          <p:spPr>
+            <a:xfrm rot="16200000" flipH="1">
+              <a:off x="6110049" y="2766475"/>
+              <a:ext cx="1333560" cy="1972922"/>
+            </a:xfrm>
+            <a:prstGeom prst="bentConnector2">
+              <a:avLst/>
+            </a:prstGeom>
+            <a:ln w="25400">
+              <a:solidFill>
+                <a:schemeClr val="bg1"/>
+              </a:solidFill>
+              <a:tailEnd type="triangle"/>
+            </a:ln>
+          </p:spPr>
+          <p:style>
+            <a:lnRef idx="1">
+              <a:schemeClr val="accent1"/>
+            </a:lnRef>
+            <a:fillRef idx="0">
+              <a:schemeClr val="accent1"/>
+            </a:fillRef>
+            <a:effectRef idx="0">
+              <a:schemeClr val="accent1"/>
+            </a:effectRef>
+            <a:fontRef idx="minor">
+              <a:schemeClr val="tx1"/>
+            </a:fontRef>
+          </p:style>
+        </p:cxnSp>
+        <p:cxnSp>
+          <p:nvCxnSpPr>
+            <p:cNvPr id="62" name="직선 화살표 연결선 61">
+              <a:extLst>
+                <a:ext uri="{FF2B5EF4-FFF2-40B4-BE49-F238E27FC236}">
+                  <a16:creationId xmlns:a16="http://schemas.microsoft.com/office/drawing/2014/main" id="{0F151123-ACBD-A4D3-93C9-451456DF3634}"/>
+                </a:ext>
+              </a:extLst>
+            </p:cNvPr>
+            <p:cNvCxnSpPr>
+              <a:cxnSpLocks/>
+              <a:stCxn id="9" idx="6"/>
+              <a:endCxn id="34" idx="1"/>
+            </p:cNvCxnSpPr>
+            <p:nvPr/>
+          </p:nvCxnSpPr>
+          <p:spPr>
+            <a:xfrm>
+              <a:off x="5922890" y="2955351"/>
+              <a:ext cx="1840400" cy="0"/>
+            </a:xfrm>
+            <a:prstGeom prst="straightConnector1">
+              <a:avLst/>
+            </a:prstGeom>
+            <a:ln w="22225">
+              <a:solidFill>
+                <a:srgbClr val="FFC000"/>
+              </a:solidFill>
+              <a:prstDash val="dash"/>
+              <a:tailEnd type="triangle"/>
+            </a:ln>
+          </p:spPr>
+          <p:style>
+            <a:lnRef idx="1">
+              <a:schemeClr val="accent1"/>
+            </a:lnRef>
+            <a:fillRef idx="0">
+              <a:schemeClr val="accent1"/>
+            </a:fillRef>
+            <a:effectRef idx="0">
+              <a:schemeClr val="accent1"/>
+            </a:effectRef>
+            <a:fontRef idx="minor">
+              <a:schemeClr val="tx1"/>
+            </a:fontRef>
+          </p:style>
+        </p:cxnSp>
+        <p:cxnSp>
+          <p:nvCxnSpPr>
+            <p:cNvPr id="69" name="직선 화살표 연결선 68">
+              <a:extLst>
+                <a:ext uri="{FF2B5EF4-FFF2-40B4-BE49-F238E27FC236}">
+                  <a16:creationId xmlns:a16="http://schemas.microsoft.com/office/drawing/2014/main" id="{127DC17E-71E5-74F2-380B-BF2203A258EB}"/>
+                </a:ext>
+              </a:extLst>
+            </p:cNvPr>
+            <p:cNvCxnSpPr>
+              <a:cxnSpLocks/>
+              <a:endCxn id="41" idx="1"/>
+            </p:cNvCxnSpPr>
+            <p:nvPr/>
+          </p:nvCxnSpPr>
+          <p:spPr>
+            <a:xfrm>
+              <a:off x="2133600" y="2955351"/>
+              <a:ext cx="671304" cy="0"/>
+            </a:xfrm>
+            <a:prstGeom prst="straightConnector1">
+              <a:avLst/>
+            </a:prstGeom>
+            <a:ln w="22225">
+              <a:solidFill>
+                <a:schemeClr val="bg1"/>
+              </a:solidFill>
+              <a:tailEnd type="triangle"/>
+            </a:ln>
+          </p:spPr>
+          <p:style>
+            <a:lnRef idx="1">
+              <a:schemeClr val="accent1"/>
+            </a:lnRef>
+            <a:fillRef idx="0">
+              <a:schemeClr val="accent1"/>
+            </a:fillRef>
+            <a:effectRef idx="0">
+              <a:schemeClr val="accent1"/>
+            </a:effectRef>
+            <a:fontRef idx="minor">
+              <a:schemeClr val="tx1"/>
+            </a:fontRef>
+          </p:style>
+        </p:cxnSp>
+        <p:sp>
+          <p:nvSpPr>
+            <p:cNvPr id="76" name="직사각형 75">
+              <a:extLst>
+                <a:ext uri="{FF2B5EF4-FFF2-40B4-BE49-F238E27FC236}">
+                  <a16:creationId xmlns:a16="http://schemas.microsoft.com/office/drawing/2014/main" id="{1F23F48F-B9C5-09D7-5C19-94D707301B5C}"/>
+                </a:ext>
+              </a:extLst>
+            </p:cNvPr>
+            <p:cNvSpPr/>
+            <p:nvPr/>
+          </p:nvSpPr>
+          <p:spPr>
+            <a:xfrm>
+              <a:off x="3959918" y="2331241"/>
+              <a:ext cx="1371602" cy="535086"/>
+            </a:xfrm>
+            <a:prstGeom prst="rect">
+              <a:avLst/>
+            </a:prstGeom>
+            <a:ln w="28575">
+              <a:solidFill>
+                <a:srgbClr val="00B0F0"/>
+              </a:solidFill>
+            </a:ln>
+          </p:spPr>
+          <p:style>
+            <a:lnRef idx="2">
+              <a:schemeClr val="accent2"/>
+            </a:lnRef>
+            <a:fillRef idx="1">
+              <a:schemeClr val="lt1"/>
+            </a:fillRef>
+            <a:effectRef idx="0">
+              <a:schemeClr val="accent2"/>
+            </a:effectRef>
+            <a:fontRef idx="minor">
+              <a:schemeClr val="dk1"/>
+            </a:fontRef>
+          </p:style>
+          <p:txBody>
+            <a:bodyPr rtlCol="0" anchor="ctr"/>
+            <a:lstStyle/>
+            <a:p>
+              <a:pPr algn="ctr"/>
+              <a:r>
+                <a:rPr lang="en-US" altLang="ko-KR" sz="1200" dirty="0"/>
+                <a:t>app=node</a:t>
+              </a:r>
+              <a:endParaRPr lang="ko-KR" altLang="en-US" sz="1200" dirty="0"/>
+            </a:p>
+          </p:txBody>
+        </p:sp>
+        <p:sp>
+          <p:nvSpPr>
+            <p:cNvPr id="5" name="직사각형 4">
+              <a:extLst>
+                <a:ext uri="{FF2B5EF4-FFF2-40B4-BE49-F238E27FC236}">
+                  <a16:creationId xmlns:a16="http://schemas.microsoft.com/office/drawing/2014/main" id="{2F51D1A9-4076-025D-AA71-D9451179705C}"/>
+                </a:ext>
+              </a:extLst>
+            </p:cNvPr>
+            <p:cNvSpPr/>
+            <p:nvPr/>
+          </p:nvSpPr>
+          <p:spPr>
+            <a:xfrm>
+              <a:off x="6860481" y="780760"/>
+              <a:ext cx="1371602" cy="535086"/>
+            </a:xfrm>
+            <a:prstGeom prst="rect">
+              <a:avLst/>
+            </a:prstGeom>
+            <a:ln w="28575">
+              <a:solidFill>
+                <a:srgbClr val="00B0F0"/>
+              </a:solidFill>
+            </a:ln>
+          </p:spPr>
+          <p:style>
+            <a:lnRef idx="2">
+              <a:schemeClr val="accent2"/>
+            </a:lnRef>
+            <a:fillRef idx="1">
+              <a:schemeClr val="lt1"/>
+            </a:fillRef>
+            <a:effectRef idx="0">
+              <a:schemeClr val="accent2"/>
+            </a:effectRef>
+            <a:fontRef idx="minor">
+              <a:schemeClr val="dk1"/>
+            </a:fontRef>
+          </p:style>
+          <p:txBody>
+            <a:bodyPr rtlCol="0" anchor="ctr"/>
+            <a:lstStyle/>
+            <a:p>
+              <a:pPr algn="ctr"/>
+              <a:r>
+                <a:rPr lang="en-US" altLang="ko-KR" sz="1200" dirty="0"/>
+                <a:t>app=node</a:t>
+              </a:r>
+              <a:endParaRPr lang="ko-KR" altLang="en-US" sz="1200" dirty="0"/>
+            </a:p>
+          </p:txBody>
+        </p:sp>
+        <p:sp>
+          <p:nvSpPr>
+            <p:cNvPr id="6" name="직사각형 5">
+              <a:extLst>
+                <a:ext uri="{FF2B5EF4-FFF2-40B4-BE49-F238E27FC236}">
+                  <a16:creationId xmlns:a16="http://schemas.microsoft.com/office/drawing/2014/main" id="{C4AEEAAF-CF40-9294-FC3B-EC812A07A98B}"/>
+                </a:ext>
+              </a:extLst>
+            </p:cNvPr>
+            <p:cNvSpPr/>
+            <p:nvPr/>
+          </p:nvSpPr>
+          <p:spPr>
+            <a:xfrm>
+              <a:off x="6860481" y="2311472"/>
+              <a:ext cx="1371602" cy="535086"/>
+            </a:xfrm>
+            <a:prstGeom prst="rect">
+              <a:avLst/>
+            </a:prstGeom>
+            <a:ln w="28575">
+              <a:solidFill>
+                <a:srgbClr val="00B0F0"/>
+              </a:solidFill>
+            </a:ln>
+          </p:spPr>
+          <p:style>
+            <a:lnRef idx="2">
+              <a:schemeClr val="accent2"/>
+            </a:lnRef>
+            <a:fillRef idx="1">
+              <a:schemeClr val="lt1"/>
+            </a:fillRef>
+            <a:effectRef idx="0">
+              <a:schemeClr val="accent2"/>
+            </a:effectRef>
+            <a:fontRef idx="minor">
+              <a:schemeClr val="dk1"/>
+            </a:fontRef>
+          </p:style>
+          <p:txBody>
+            <a:bodyPr rtlCol="0" anchor="ctr"/>
+            <a:lstStyle/>
+            <a:p>
+              <a:pPr algn="ctr"/>
+              <a:r>
+                <a:rPr lang="en-US" altLang="ko-KR" sz="1200" dirty="0"/>
+                <a:t>app=node</a:t>
+              </a:r>
+              <a:endParaRPr lang="ko-KR" altLang="en-US" sz="1200" dirty="0"/>
+            </a:p>
+          </p:txBody>
+        </p:sp>
+        <p:sp>
+          <p:nvSpPr>
+            <p:cNvPr id="7" name="직사각형 6">
+              <a:extLst>
+                <a:ext uri="{FF2B5EF4-FFF2-40B4-BE49-F238E27FC236}">
+                  <a16:creationId xmlns:a16="http://schemas.microsoft.com/office/drawing/2014/main" id="{4EE27F31-8A49-408B-D5E9-7E9097896DC4}"/>
+                </a:ext>
+              </a:extLst>
+            </p:cNvPr>
+            <p:cNvSpPr/>
+            <p:nvPr/>
+          </p:nvSpPr>
+          <p:spPr>
+            <a:xfrm>
+              <a:off x="6860481" y="3757065"/>
+              <a:ext cx="1371602" cy="535086"/>
+            </a:xfrm>
+            <a:prstGeom prst="rect">
+              <a:avLst/>
+            </a:prstGeom>
+            <a:ln w="28575">
+              <a:solidFill>
+                <a:srgbClr val="FF0000"/>
+              </a:solidFill>
+            </a:ln>
+          </p:spPr>
+          <p:style>
+            <a:lnRef idx="2">
+              <a:schemeClr val="accent2"/>
+            </a:lnRef>
+            <a:fillRef idx="1">
+              <a:schemeClr val="lt1"/>
+            </a:fillRef>
+            <a:effectRef idx="0">
+              <a:schemeClr val="accent2"/>
+            </a:effectRef>
+            <a:fontRef idx="minor">
+              <a:schemeClr val="dk1"/>
+            </a:fontRef>
+          </p:style>
+          <p:txBody>
+            <a:bodyPr rtlCol="0" anchor="ctr"/>
+            <a:lstStyle/>
+            <a:p>
+              <a:pPr algn="ctr"/>
+              <a:r>
+                <a:rPr lang="en-US" altLang="ko-KR" sz="1200" dirty="0"/>
+                <a:t>app=python</a:t>
+              </a:r>
+              <a:endParaRPr lang="ko-KR" altLang="en-US" sz="1200" dirty="0"/>
+            </a:p>
+          </p:txBody>
+        </p:sp>
+        <p:sp>
+          <p:nvSpPr>
+            <p:cNvPr id="9" name="타원 8">
+              <a:extLst>
+                <a:ext uri="{FF2B5EF4-FFF2-40B4-BE49-F238E27FC236}">
+                  <a16:creationId xmlns:a16="http://schemas.microsoft.com/office/drawing/2014/main" id="{9FFC921F-8C85-9253-5F40-576CC96203FF}"/>
+                </a:ext>
+              </a:extLst>
+            </p:cNvPr>
+            <p:cNvSpPr/>
+            <p:nvPr/>
+          </p:nvSpPr>
+          <p:spPr>
+            <a:xfrm>
+              <a:off x="5657845" y="2824546"/>
+              <a:ext cx="265045" cy="261610"/>
+            </a:xfrm>
+            <a:prstGeom prst="ellipse">
+              <a:avLst/>
+            </a:prstGeom>
+          </p:spPr>
+          <p:style>
+            <a:lnRef idx="2">
+              <a:schemeClr val="accent1">
+                <a:shade val="50000"/>
+              </a:schemeClr>
+            </a:lnRef>
+            <a:fillRef idx="1">
+              <a:schemeClr val="accent1"/>
+            </a:fillRef>
+            <a:effectRef idx="0">
+              <a:schemeClr val="accent1"/>
+            </a:effectRef>
+            <a:fontRef idx="minor">
+              <a:schemeClr val="lt1"/>
+            </a:fontRef>
+          </p:style>
+          <p:txBody>
+            <a:bodyPr rtlCol="0" anchor="ctr"/>
+            <a:lstStyle/>
+            <a:p>
+              <a:pPr algn="ctr"/>
+              <a:endParaRPr lang="ko-KR" altLang="en-US"/>
+            </a:p>
+          </p:txBody>
+        </p:sp>
+        <p:cxnSp>
+          <p:nvCxnSpPr>
+            <p:cNvPr id="14" name="직선 화살표 연결선 13">
+              <a:extLst>
+                <a:ext uri="{FF2B5EF4-FFF2-40B4-BE49-F238E27FC236}">
+                  <a16:creationId xmlns:a16="http://schemas.microsoft.com/office/drawing/2014/main" id="{98D10192-8FA9-A998-F495-6F25781FAA3C}"/>
+                </a:ext>
+              </a:extLst>
+            </p:cNvPr>
+            <p:cNvCxnSpPr>
+              <a:cxnSpLocks/>
+              <a:stCxn id="41" idx="3"/>
+              <a:endCxn id="9" idx="2"/>
+            </p:cNvCxnSpPr>
+            <p:nvPr/>
+          </p:nvCxnSpPr>
+          <p:spPr>
+            <a:xfrm>
+              <a:off x="3875017" y="2955351"/>
+              <a:ext cx="1782828" cy="0"/>
+            </a:xfrm>
+            <a:prstGeom prst="straightConnector1">
+              <a:avLst/>
+            </a:prstGeom>
+            <a:ln w="22225">
+              <a:solidFill>
+                <a:schemeClr val="bg1"/>
+              </a:solidFill>
+              <a:prstDash val="solid"/>
+              <a:tailEnd type="triangle"/>
+            </a:ln>
+          </p:spPr>
+          <p:style>
+            <a:lnRef idx="1">
+              <a:schemeClr val="accent1"/>
+            </a:lnRef>
+            <a:fillRef idx="0">
+              <a:schemeClr val="accent1"/>
+            </a:fillRef>
+            <a:effectRef idx="0">
+              <a:schemeClr val="accent1"/>
+            </a:effectRef>
+            <a:fontRef idx="minor">
+              <a:schemeClr val="tx1"/>
+            </a:fontRef>
+          </p:style>
+        </p:cxnSp>
+      </p:grpSp>
+    </p:spTree>
+    <p:extLst>
+      <p:ext uri="{BB962C8B-B14F-4D97-AF65-F5344CB8AC3E}">
+        <p14:creationId xmlns:p14="http://schemas.microsoft.com/office/powerpoint/2010/main" val="1165516801"/>
+      </p:ext>
+    </p:extLst>
+  </p:cSld>
+  <p:clrMapOvr>
+    <a:masterClrMapping/>
+  </p:clrMapOvr>
+</p:sld>
+</file>
+
+<file path=ppt/slides/slide11.xml><?xml version="1.0" encoding="utf-8"?>
+<p:sld xmlns:a="http://schemas.openxmlformats.org/drawingml/2006/main" xmlns:r="http://schemas.openxmlformats.org/officeDocument/2006/relationships" xmlns:p="http://schemas.openxmlformats.org/presentationml/2006/main">
+  <p:cSld>
+    <p:spTree>
+      <p:nvGrpSpPr>
+        <p:cNvPr id="1" name=""/>
+        <p:cNvGrpSpPr/>
+        <p:nvPr/>
+      </p:nvGrpSpPr>
+      <p:grpSpPr>
+        <a:xfrm>
+          <a:off x="0" y="0"/>
+          <a:ext cx="0" cy="0"/>
+          <a:chOff x="0" y="0"/>
+          <a:chExt cx="0" cy="0"/>
+        </a:xfrm>
+      </p:grpSpPr>
+      <p:sp>
+        <p:nvSpPr>
+          <p:cNvPr id="2" name="TextBox 1">
+            <a:extLst>
+              <a:ext uri="{FF2B5EF4-FFF2-40B4-BE49-F238E27FC236}">
+                <a16:creationId xmlns:a16="http://schemas.microsoft.com/office/drawing/2014/main" id="{AF53483D-1A80-C107-D3AB-6901351F1D3F}"/>
+              </a:ext>
+            </a:extLst>
+          </p:cNvPr>
+          <p:cNvSpPr txBox="1"/>
+          <p:nvPr/>
+        </p:nvSpPr>
+        <p:spPr>
+          <a:xfrm>
+            <a:off x="10388600" y="6596390"/>
+            <a:ext cx="1803400" cy="261610"/>
+          </a:xfrm>
+          <a:prstGeom prst="rect">
+            <a:avLst/>
+          </a:prstGeom>
+          <a:noFill/>
+        </p:spPr>
+        <p:txBody>
+          <a:bodyPr wrap="square" rtlCol="0">
+            <a:spAutoFit/>
+          </a:bodyPr>
+          <a:lstStyle/>
+          <a:p>
+            <a:pPr algn="r"/>
+            <a:r>
+              <a:rPr lang="en-US" altLang="ko-KR" sz="1100" dirty="0"/>
+              <a:t>Kim0lil/80700</a:t>
+            </a:r>
+            <a:endParaRPr lang="ko-KR" altLang="en-US" sz="1100" dirty="0"/>
+          </a:p>
+        </p:txBody>
+      </p:sp>
+      <p:grpSp>
+        <p:nvGrpSpPr>
+          <p:cNvPr id="77" name="그룹 76">
+            <a:extLst>
+              <a:ext uri="{FF2B5EF4-FFF2-40B4-BE49-F238E27FC236}">
+                <a16:creationId xmlns:a16="http://schemas.microsoft.com/office/drawing/2014/main" id="{C6ECDE07-458B-AE4E-A35A-C38B3EF9852D}"/>
+              </a:ext>
+            </a:extLst>
+          </p:cNvPr>
+          <p:cNvGrpSpPr/>
+          <p:nvPr/>
+        </p:nvGrpSpPr>
+        <p:grpSpPr>
+          <a:xfrm>
+            <a:off x="2133600" y="666039"/>
+            <a:ext cx="8494642" cy="5231178"/>
+            <a:chOff x="2133600" y="666039"/>
+            <a:chExt cx="8494642" cy="5231178"/>
+          </a:xfrm>
+        </p:grpSpPr>
+        <p:sp>
+          <p:nvSpPr>
+            <p:cNvPr id="27" name="직사각형 26">
+              <a:extLst>
+                <a:ext uri="{FF2B5EF4-FFF2-40B4-BE49-F238E27FC236}">
+                  <a16:creationId xmlns:a16="http://schemas.microsoft.com/office/drawing/2014/main" id="{22A3CEDF-CD33-4FC3-A40C-D0F3ED511F80}"/>
+                </a:ext>
+              </a:extLst>
+            </p:cNvPr>
+            <p:cNvSpPr/>
+            <p:nvPr/>
+          </p:nvSpPr>
+          <p:spPr>
+            <a:xfrm>
+              <a:off x="2146851" y="666039"/>
+              <a:ext cx="8481391" cy="5231178"/>
+            </a:xfrm>
+            <a:prstGeom prst="rect">
+              <a:avLst/>
+            </a:prstGeom>
+            <a:solidFill>
+              <a:schemeClr val="tx1">
+                <a:lumMod val="75000"/>
+                <a:lumOff val="25000"/>
+              </a:schemeClr>
+            </a:solidFill>
+            <a:ln w="9525" cap="flat" cmpd="sng" algn="ctr">
+              <a:solidFill>
+                <a:schemeClr val="accent1"/>
+              </a:solidFill>
+              <a:prstDash val="solid"/>
+              <a:round/>
+              <a:headEnd type="none" w="med" len="med"/>
+              <a:tailEnd type="none" w="med" len="med"/>
+            </a:ln>
+          </p:spPr>
+          <p:style>
+            <a:lnRef idx="0">
+              <a:scrgbClr r="0" g="0" b="0"/>
+            </a:lnRef>
+            <a:fillRef idx="0">
+              <a:scrgbClr r="0" g="0" b="0"/>
+            </a:fillRef>
+            <a:effectRef idx="0">
+              <a:scrgbClr r="0" g="0" b="0"/>
+            </a:effectRef>
+            <a:fontRef idx="minor">
+              <a:schemeClr val="accent1"/>
+            </a:fontRef>
+          </p:style>
+          <p:txBody>
+            <a:bodyPr rtlCol="0" anchor="b"/>
+            <a:lstStyle/>
+            <a:p>
+              <a:pPr algn="ctr"/>
+              <a:r>
+                <a:rPr lang="en-US" altLang="ko-KR" b="1" dirty="0">
+                  <a:solidFill>
+                    <a:schemeClr val="bg1"/>
+                  </a:solidFill>
+                  <a:effectLst/>
+                  <a:latin typeface="Consolas" panose="020B0609020204030204" pitchFamily="49" charset="0"/>
+                </a:rPr>
+                <a:t>Node </a:t>
+              </a:r>
+              <a:r>
+                <a:rPr lang="en-US" altLang="ko-KR" b="1" dirty="0">
+                  <a:solidFill>
+                    <a:schemeClr val="bg1">
+                      <a:lumMod val="65000"/>
+                    </a:schemeClr>
+                  </a:solidFill>
+                  <a:effectLst/>
+                  <a:latin typeface="Consolas" panose="020B0609020204030204" pitchFamily="49" charset="0"/>
+                </a:rPr>
+                <a:t>(Master)</a:t>
+              </a:r>
+            </a:p>
+            <a:p>
+              <a:pPr algn="ctr"/>
+              <a:endParaRPr lang="en-US" altLang="ko-KR" b="0" dirty="0">
+                <a:solidFill>
+                  <a:schemeClr val="bg1">
+                    <a:lumMod val="65000"/>
+                  </a:schemeClr>
+                </a:solidFill>
+                <a:effectLst/>
+                <a:latin typeface="Consolas" panose="020B0609020204030204" pitchFamily="49" charset="0"/>
+              </a:endParaRPr>
+            </a:p>
+          </p:txBody>
+        </p:sp>
+        <p:grpSp>
+          <p:nvGrpSpPr>
+            <p:cNvPr id="29" name="그룹 28">
+              <a:extLst>
+                <a:ext uri="{FF2B5EF4-FFF2-40B4-BE49-F238E27FC236}">
+                  <a16:creationId xmlns:a16="http://schemas.microsoft.com/office/drawing/2014/main" id="{D1C6E92E-10D4-B080-9B80-0D27F789BAFD}"/>
+                </a:ext>
+              </a:extLst>
+            </p:cNvPr>
+            <p:cNvGrpSpPr/>
+            <p:nvPr/>
+          </p:nvGrpSpPr>
+          <p:grpSpPr>
+            <a:xfrm>
+              <a:off x="8647043" y="984090"/>
+              <a:ext cx="1807266" cy="1013792"/>
+              <a:chOff x="1336811" y="639534"/>
+              <a:chExt cx="1807266" cy="1013792"/>
+            </a:xfrm>
+          </p:grpSpPr>
+          <p:sp>
+            <p:nvSpPr>
+              <p:cNvPr id="31" name="직사각형 30">
+                <a:extLst>
+                  <a:ext uri="{FF2B5EF4-FFF2-40B4-BE49-F238E27FC236}">
+                    <a16:creationId xmlns:a16="http://schemas.microsoft.com/office/drawing/2014/main" id="{646BD1CE-49C5-D3A2-9F7D-EE3413F0E5A1}"/>
+                  </a:ext>
+                </a:extLst>
+              </p:cNvPr>
+              <p:cNvSpPr/>
+              <p:nvPr/>
+            </p:nvSpPr>
+            <p:spPr>
+              <a:xfrm>
+                <a:off x="1403074" y="639534"/>
+                <a:ext cx="1741003" cy="1013792"/>
+              </a:xfrm>
+              <a:prstGeom prst="rect">
+                <a:avLst/>
+              </a:prstGeom>
+              <a:solidFill>
+                <a:schemeClr val="accent1">
+                  <a:lumMod val="75000"/>
+                </a:schemeClr>
+              </a:solidFill>
+              <a:ln w="9525" cap="flat" cmpd="sng" algn="ctr">
+                <a:solidFill>
+                  <a:schemeClr val="accent1"/>
+                </a:solidFill>
+                <a:prstDash val="solid"/>
+                <a:round/>
+                <a:headEnd type="none" w="med" len="med"/>
+                <a:tailEnd type="none" w="med" len="med"/>
+              </a:ln>
+            </p:spPr>
+            <p:style>
+              <a:lnRef idx="0">
+                <a:scrgbClr r="0" g="0" b="0"/>
+              </a:lnRef>
+              <a:fillRef idx="0">
+                <a:scrgbClr r="0" g="0" b="0"/>
+              </a:fillRef>
+              <a:effectRef idx="0">
+                <a:scrgbClr r="0" g="0" b="0"/>
+              </a:effectRef>
+              <a:fontRef idx="minor">
+                <a:schemeClr val="accent1"/>
+              </a:fontRef>
+            </p:style>
+            <p:txBody>
+              <a:bodyPr rtlCol="0" anchor="ctr"/>
+              <a:lstStyle/>
+              <a:p>
+                <a:pPr algn="ctr"/>
+                <a:r>
+                  <a:rPr lang="en-US" altLang="ko-KR" b="1" dirty="0">
+                    <a:solidFill>
+                      <a:schemeClr val="bg1"/>
+                    </a:solidFill>
+                    <a:effectLst/>
+                    <a:latin typeface="Consolas" panose="020B0609020204030204" pitchFamily="49" charset="0"/>
+                  </a:rPr>
+                  <a:t>Pod</a:t>
+                </a:r>
+                <a:endParaRPr lang="en-US" altLang="ko-KR" b="0" dirty="0">
+                  <a:solidFill>
+                    <a:schemeClr val="bg1">
+                      <a:lumMod val="65000"/>
+                    </a:schemeClr>
+                  </a:solidFill>
+                  <a:effectLst/>
+                  <a:latin typeface="Consolas" panose="020B0609020204030204" pitchFamily="49" charset="0"/>
+                </a:endParaRPr>
+              </a:p>
+            </p:txBody>
+          </p:sp>
+          <p:sp>
+            <p:nvSpPr>
+              <p:cNvPr id="32" name="직사각형 31">
+                <a:extLst>
+                  <a:ext uri="{FF2B5EF4-FFF2-40B4-BE49-F238E27FC236}">
+                    <a16:creationId xmlns:a16="http://schemas.microsoft.com/office/drawing/2014/main" id="{C2BBDDEB-73CD-A195-1338-050470BDAE1E}"/>
+                  </a:ext>
+                </a:extLst>
+              </p:cNvPr>
+              <p:cNvSpPr/>
+              <p:nvPr/>
+            </p:nvSpPr>
+            <p:spPr>
+              <a:xfrm>
+                <a:off x="1336811" y="1349760"/>
+                <a:ext cx="1070113" cy="279274"/>
+              </a:xfrm>
+              <a:prstGeom prst="rect">
+                <a:avLst/>
+              </a:prstGeom>
+              <a:noFill/>
+              <a:ln w="9525" cap="flat" cmpd="sng" algn="ctr">
+                <a:noFill/>
+                <a:prstDash val="solid"/>
+                <a:round/>
+                <a:headEnd type="none" w="med" len="med"/>
+                <a:tailEnd type="none" w="med" len="med"/>
+              </a:ln>
+            </p:spPr>
+            <p:style>
+              <a:lnRef idx="0">
+                <a:scrgbClr r="0" g="0" b="0"/>
+              </a:lnRef>
+              <a:fillRef idx="0">
+                <a:scrgbClr r="0" g="0" b="0"/>
+              </a:fillRef>
+              <a:effectRef idx="0">
+                <a:scrgbClr r="0" g="0" b="0"/>
+              </a:effectRef>
+              <a:fontRef idx="minor">
+                <a:schemeClr val="accent1"/>
+              </a:fontRef>
+            </p:style>
+            <p:txBody>
+              <a:bodyPr rtlCol="0" anchor="ctr"/>
+              <a:lstStyle/>
+              <a:p>
+                <a:pPr algn="ctr"/>
+                <a:r>
+                  <a:rPr lang="en-US" altLang="ko-KR" sz="1200" b="1" dirty="0">
+                    <a:solidFill>
+                      <a:schemeClr val="bg1"/>
+                    </a:solidFill>
+                    <a:effectLst/>
+                    <a:latin typeface="Consolas" panose="020B0609020204030204" pitchFamily="49" charset="0"/>
+                  </a:rPr>
+                  <a:t>10.0.1.1</a:t>
+                </a:r>
+                <a:endParaRPr lang="en-US" altLang="ko-KR" sz="1200" b="0" dirty="0">
+                  <a:solidFill>
+                    <a:schemeClr val="bg1">
+                      <a:lumMod val="65000"/>
+                    </a:schemeClr>
+                  </a:solidFill>
+                  <a:effectLst/>
+                  <a:latin typeface="Consolas" panose="020B0609020204030204" pitchFamily="49" charset="0"/>
+                </a:endParaRPr>
+              </a:p>
+            </p:txBody>
+          </p:sp>
+        </p:grpSp>
+        <p:grpSp>
+          <p:nvGrpSpPr>
+            <p:cNvPr id="33" name="그룹 32">
+              <a:extLst>
+                <a:ext uri="{FF2B5EF4-FFF2-40B4-BE49-F238E27FC236}">
+                  <a16:creationId xmlns:a16="http://schemas.microsoft.com/office/drawing/2014/main" id="{245D7A45-5571-2490-4726-620170D2E887}"/>
+                </a:ext>
+              </a:extLst>
+            </p:cNvPr>
+            <p:cNvGrpSpPr/>
+            <p:nvPr/>
+          </p:nvGrpSpPr>
+          <p:grpSpPr>
+            <a:xfrm>
+              <a:off x="8647043" y="2448455"/>
+              <a:ext cx="1807266" cy="1013792"/>
+              <a:chOff x="1336811" y="639534"/>
+              <a:chExt cx="1807266" cy="1013792"/>
+            </a:xfrm>
+          </p:grpSpPr>
+          <p:sp>
+            <p:nvSpPr>
+              <p:cNvPr id="34" name="직사각형 33">
+                <a:extLst>
+                  <a:ext uri="{FF2B5EF4-FFF2-40B4-BE49-F238E27FC236}">
+                    <a16:creationId xmlns:a16="http://schemas.microsoft.com/office/drawing/2014/main" id="{7279A57A-7D88-2DF6-01AB-4DE3FF2467E9}"/>
+                  </a:ext>
+                </a:extLst>
+              </p:cNvPr>
+              <p:cNvSpPr/>
+              <p:nvPr/>
+            </p:nvSpPr>
+            <p:spPr>
+              <a:xfrm>
+                <a:off x="1403074" y="639534"/>
+                <a:ext cx="1741003" cy="1013792"/>
+              </a:xfrm>
+              <a:prstGeom prst="rect">
+                <a:avLst/>
+              </a:prstGeom>
+              <a:solidFill>
+                <a:schemeClr val="accent1">
+                  <a:lumMod val="75000"/>
+                </a:schemeClr>
+              </a:solidFill>
+              <a:ln w="9525" cap="flat" cmpd="sng" algn="ctr">
+                <a:solidFill>
+                  <a:schemeClr val="accent1"/>
+                </a:solidFill>
+                <a:prstDash val="solid"/>
+                <a:round/>
+                <a:headEnd type="none" w="med" len="med"/>
+                <a:tailEnd type="none" w="med" len="med"/>
+              </a:ln>
+            </p:spPr>
+            <p:style>
+              <a:lnRef idx="0">
+                <a:scrgbClr r="0" g="0" b="0"/>
+              </a:lnRef>
+              <a:fillRef idx="0">
+                <a:scrgbClr r="0" g="0" b="0"/>
+              </a:fillRef>
+              <a:effectRef idx="0">
+                <a:scrgbClr r="0" g="0" b="0"/>
+              </a:effectRef>
+              <a:fontRef idx="minor">
+                <a:schemeClr val="accent1"/>
+              </a:fontRef>
+            </p:style>
+            <p:txBody>
+              <a:bodyPr rtlCol="0" anchor="ctr"/>
+              <a:lstStyle/>
+              <a:p>
+                <a:pPr algn="ctr"/>
+                <a:r>
+                  <a:rPr lang="en-US" altLang="ko-KR" b="1" dirty="0">
+                    <a:solidFill>
+                      <a:schemeClr val="bg1"/>
+                    </a:solidFill>
+                    <a:effectLst/>
+                    <a:latin typeface="Consolas" panose="020B0609020204030204" pitchFamily="49" charset="0"/>
+                  </a:rPr>
+                  <a:t>Pod</a:t>
+                </a:r>
+                <a:endParaRPr lang="en-US" altLang="ko-KR" b="0" dirty="0">
+                  <a:solidFill>
+                    <a:schemeClr val="bg1">
+                      <a:lumMod val="65000"/>
+                    </a:schemeClr>
+                  </a:solidFill>
+                  <a:effectLst/>
+                  <a:latin typeface="Consolas" panose="020B0609020204030204" pitchFamily="49" charset="0"/>
+                </a:endParaRPr>
+              </a:p>
+            </p:txBody>
+          </p:sp>
+          <p:sp>
+            <p:nvSpPr>
+              <p:cNvPr id="35" name="직사각형 34">
+                <a:extLst>
+                  <a:ext uri="{FF2B5EF4-FFF2-40B4-BE49-F238E27FC236}">
+                    <a16:creationId xmlns:a16="http://schemas.microsoft.com/office/drawing/2014/main" id="{D21DC116-C75C-70C4-7C85-1EF065D168EB}"/>
+                  </a:ext>
+                </a:extLst>
+              </p:cNvPr>
+              <p:cNvSpPr/>
+              <p:nvPr/>
+            </p:nvSpPr>
+            <p:spPr>
+              <a:xfrm>
+                <a:off x="1336811" y="1349760"/>
+                <a:ext cx="1070113" cy="279274"/>
+              </a:xfrm>
+              <a:prstGeom prst="rect">
+                <a:avLst/>
+              </a:prstGeom>
+              <a:noFill/>
+              <a:ln w="9525" cap="flat" cmpd="sng" algn="ctr">
+                <a:noFill/>
+                <a:prstDash val="solid"/>
+                <a:round/>
+                <a:headEnd type="none" w="med" len="med"/>
+                <a:tailEnd type="none" w="med" len="med"/>
+              </a:ln>
+            </p:spPr>
+            <p:style>
+              <a:lnRef idx="0">
+                <a:scrgbClr r="0" g="0" b="0"/>
+              </a:lnRef>
+              <a:fillRef idx="0">
+                <a:scrgbClr r="0" g="0" b="0"/>
+              </a:fillRef>
+              <a:effectRef idx="0">
+                <a:scrgbClr r="0" g="0" b="0"/>
+              </a:effectRef>
+              <a:fontRef idx="minor">
+                <a:schemeClr val="accent1"/>
+              </a:fontRef>
+            </p:style>
+            <p:txBody>
+              <a:bodyPr rtlCol="0" anchor="ctr"/>
+              <a:lstStyle/>
+              <a:p>
+                <a:pPr algn="ctr"/>
+                <a:r>
+                  <a:rPr lang="en-US" altLang="ko-KR" sz="1200" b="1" dirty="0">
+                    <a:solidFill>
+                      <a:schemeClr val="bg1"/>
+                    </a:solidFill>
+                    <a:effectLst/>
+                    <a:latin typeface="Consolas" panose="020B0609020204030204" pitchFamily="49" charset="0"/>
+                  </a:rPr>
+                  <a:t>10.0.1.2</a:t>
+                </a:r>
+                <a:endParaRPr lang="en-US" altLang="ko-KR" sz="1200" b="0" dirty="0">
+                  <a:solidFill>
+                    <a:schemeClr val="bg1">
+                      <a:lumMod val="65000"/>
+                    </a:schemeClr>
+                  </a:solidFill>
+                  <a:effectLst/>
+                  <a:latin typeface="Consolas" panose="020B0609020204030204" pitchFamily="49" charset="0"/>
+                </a:endParaRPr>
+              </a:p>
+            </p:txBody>
+          </p:sp>
+        </p:grpSp>
+        <p:grpSp>
+          <p:nvGrpSpPr>
+            <p:cNvPr id="38" name="그룹 37">
+              <a:extLst>
+                <a:ext uri="{FF2B5EF4-FFF2-40B4-BE49-F238E27FC236}">
+                  <a16:creationId xmlns:a16="http://schemas.microsoft.com/office/drawing/2014/main" id="{566FE4EE-6F86-4E6C-5DBC-18CEB9834DCC}"/>
+                </a:ext>
+              </a:extLst>
+            </p:cNvPr>
+            <p:cNvGrpSpPr/>
+            <p:nvPr/>
+          </p:nvGrpSpPr>
+          <p:grpSpPr>
+            <a:xfrm>
+              <a:off x="8647043" y="3912820"/>
+              <a:ext cx="1807266" cy="1013792"/>
+              <a:chOff x="1336811" y="639534"/>
+              <a:chExt cx="1807266" cy="1013792"/>
+            </a:xfrm>
+          </p:grpSpPr>
+          <p:sp>
+            <p:nvSpPr>
+              <p:cNvPr id="39" name="직사각형 38">
+                <a:extLst>
+                  <a:ext uri="{FF2B5EF4-FFF2-40B4-BE49-F238E27FC236}">
+                    <a16:creationId xmlns:a16="http://schemas.microsoft.com/office/drawing/2014/main" id="{21535098-6214-D6B0-72B6-86EEAA603DA2}"/>
+                  </a:ext>
+                </a:extLst>
+              </p:cNvPr>
+              <p:cNvSpPr/>
+              <p:nvPr/>
+            </p:nvSpPr>
+            <p:spPr>
+              <a:xfrm>
+                <a:off x="1403074" y="639534"/>
+                <a:ext cx="1741003" cy="1013792"/>
+              </a:xfrm>
+              <a:prstGeom prst="rect">
+                <a:avLst/>
+              </a:prstGeom>
+              <a:solidFill>
+                <a:schemeClr val="accent1">
+                  <a:lumMod val="75000"/>
+                </a:schemeClr>
+              </a:solidFill>
+              <a:ln w="9525" cap="flat" cmpd="sng" algn="ctr">
+                <a:solidFill>
+                  <a:schemeClr val="accent1"/>
+                </a:solidFill>
+                <a:prstDash val="solid"/>
+                <a:round/>
+                <a:headEnd type="none" w="med" len="med"/>
+                <a:tailEnd type="none" w="med" len="med"/>
+              </a:ln>
+            </p:spPr>
+            <p:style>
+              <a:lnRef idx="0">
+                <a:scrgbClr r="0" g="0" b="0"/>
+              </a:lnRef>
+              <a:fillRef idx="0">
+                <a:scrgbClr r="0" g="0" b="0"/>
+              </a:fillRef>
+              <a:effectRef idx="0">
+                <a:scrgbClr r="0" g="0" b="0"/>
+              </a:effectRef>
+              <a:fontRef idx="minor">
+                <a:schemeClr val="accent1"/>
+              </a:fontRef>
+            </p:style>
+            <p:txBody>
+              <a:bodyPr rtlCol="0" anchor="ctr"/>
+              <a:lstStyle/>
+              <a:p>
+                <a:pPr algn="ctr"/>
+                <a:r>
+                  <a:rPr lang="en-US" altLang="ko-KR" b="1" dirty="0">
+                    <a:solidFill>
+                      <a:schemeClr val="bg1"/>
+                    </a:solidFill>
+                    <a:effectLst/>
+                    <a:latin typeface="Consolas" panose="020B0609020204030204" pitchFamily="49" charset="0"/>
+                  </a:rPr>
+                  <a:t>Pod</a:t>
+                </a:r>
+                <a:endParaRPr lang="en-US" altLang="ko-KR" b="0" dirty="0">
+                  <a:solidFill>
+                    <a:schemeClr val="bg1">
+                      <a:lumMod val="65000"/>
+                    </a:schemeClr>
+                  </a:solidFill>
+                  <a:effectLst/>
+                  <a:latin typeface="Consolas" panose="020B0609020204030204" pitchFamily="49" charset="0"/>
+                </a:endParaRPr>
+              </a:p>
+            </p:txBody>
+          </p:sp>
+          <p:sp>
+            <p:nvSpPr>
+              <p:cNvPr id="40" name="직사각형 39">
+                <a:extLst>
+                  <a:ext uri="{FF2B5EF4-FFF2-40B4-BE49-F238E27FC236}">
+                    <a16:creationId xmlns:a16="http://schemas.microsoft.com/office/drawing/2014/main" id="{55F75D76-9559-8E43-3A59-A8F905AD9B95}"/>
+                  </a:ext>
+                </a:extLst>
+              </p:cNvPr>
+              <p:cNvSpPr/>
+              <p:nvPr/>
+            </p:nvSpPr>
+            <p:spPr>
+              <a:xfrm>
+                <a:off x="1336811" y="1349760"/>
+                <a:ext cx="1070113" cy="279274"/>
+              </a:xfrm>
+              <a:prstGeom prst="rect">
+                <a:avLst/>
+              </a:prstGeom>
+              <a:noFill/>
+              <a:ln w="9525" cap="flat" cmpd="sng" algn="ctr">
+                <a:noFill/>
+                <a:prstDash val="solid"/>
+                <a:round/>
+                <a:headEnd type="none" w="med" len="med"/>
+                <a:tailEnd type="none" w="med" len="med"/>
+              </a:ln>
+            </p:spPr>
+            <p:style>
+              <a:lnRef idx="0">
+                <a:scrgbClr r="0" g="0" b="0"/>
+              </a:lnRef>
+              <a:fillRef idx="0">
+                <a:scrgbClr r="0" g="0" b="0"/>
+              </a:fillRef>
+              <a:effectRef idx="0">
+                <a:scrgbClr r="0" g="0" b="0"/>
+              </a:effectRef>
+              <a:fontRef idx="minor">
+                <a:schemeClr val="accent1"/>
+              </a:fontRef>
+            </p:style>
+            <p:txBody>
+              <a:bodyPr rtlCol="0" anchor="ctr"/>
+              <a:lstStyle/>
+              <a:p>
+                <a:pPr algn="ctr"/>
+                <a:r>
+                  <a:rPr lang="en-US" altLang="ko-KR" sz="1200" b="1" dirty="0">
+                    <a:solidFill>
+                      <a:schemeClr val="bg1"/>
+                    </a:solidFill>
+                    <a:effectLst/>
+                    <a:latin typeface="Consolas" panose="020B0609020204030204" pitchFamily="49" charset="0"/>
+                  </a:rPr>
+                  <a:t>10.0.1.3</a:t>
+                </a:r>
+                <a:endParaRPr lang="en-US" altLang="ko-KR" sz="1200" b="0" dirty="0">
+                  <a:solidFill>
+                    <a:schemeClr val="bg1">
+                      <a:lumMod val="65000"/>
+                    </a:schemeClr>
+                  </a:solidFill>
+                  <a:effectLst/>
+                  <a:latin typeface="Consolas" panose="020B0609020204030204" pitchFamily="49" charset="0"/>
+                </a:endParaRPr>
+              </a:p>
+            </p:txBody>
+          </p:sp>
+        </p:grpSp>
+        <p:sp>
+          <p:nvSpPr>
+            <p:cNvPr id="41" name="직사각형 40">
+              <a:extLst>
+                <a:ext uri="{FF2B5EF4-FFF2-40B4-BE49-F238E27FC236}">
+                  <a16:creationId xmlns:a16="http://schemas.microsoft.com/office/drawing/2014/main" id="{9B410D7F-D09B-9456-D8D3-DC9EF4448147}"/>
+                </a:ext>
+              </a:extLst>
+            </p:cNvPr>
+            <p:cNvSpPr/>
+            <p:nvPr/>
+          </p:nvSpPr>
+          <p:spPr>
+            <a:xfrm>
+              <a:off x="2804904" y="984090"/>
+              <a:ext cx="1070113" cy="3942522"/>
+            </a:xfrm>
+            <a:prstGeom prst="rect">
+              <a:avLst/>
+            </a:prstGeom>
+          </p:spPr>
+          <p:style>
+            <a:lnRef idx="2">
+              <a:schemeClr val="accent2">
+                <a:shade val="50000"/>
+              </a:schemeClr>
+            </a:lnRef>
+            <a:fillRef idx="1">
+              <a:schemeClr val="accent2"/>
+            </a:fillRef>
+            <a:effectRef idx="0">
+              <a:schemeClr val="accent2"/>
+            </a:effectRef>
+            <a:fontRef idx="minor">
+              <a:schemeClr val="lt1"/>
+            </a:fontRef>
+          </p:style>
+          <p:txBody>
+            <a:bodyPr rtlCol="0" anchor="ctr"/>
+            <a:lstStyle/>
+            <a:p>
+              <a:pPr algn="ctr"/>
+              <a:r>
+                <a:rPr lang="en-US" altLang="ko-KR" sz="1400" b="1" dirty="0">
+                  <a:latin typeface="Consolas" panose="020B0609020204030204" pitchFamily="49" charset="0"/>
+                </a:rPr>
+                <a:t>Service</a:t>
+              </a:r>
+              <a:endParaRPr lang="ko-KR" altLang="en-US" sz="1400" b="1" dirty="0">
+                <a:latin typeface="Consolas" panose="020B0609020204030204" pitchFamily="49" charset="0"/>
+              </a:endParaRPr>
+            </a:p>
+          </p:txBody>
+        </p:sp>
+        <p:cxnSp>
+          <p:nvCxnSpPr>
+            <p:cNvPr id="52" name="연결선: 꺾임 51">
+              <a:extLst>
+                <a:ext uri="{FF2B5EF4-FFF2-40B4-BE49-F238E27FC236}">
+                  <a16:creationId xmlns:a16="http://schemas.microsoft.com/office/drawing/2014/main" id="{E7E2D7C2-B1F1-813D-26E6-B78C8F3F9FD9}"/>
+                </a:ext>
+              </a:extLst>
+            </p:cNvPr>
+            <p:cNvCxnSpPr>
+              <a:cxnSpLocks/>
+              <a:stCxn id="46" idx="0"/>
+              <a:endCxn id="31" idx="1"/>
+            </p:cNvCxnSpPr>
+            <p:nvPr/>
+          </p:nvCxnSpPr>
+          <p:spPr>
+            <a:xfrm rot="5400000" flipH="1" flipV="1">
+              <a:off x="7072490" y="824262"/>
+              <a:ext cx="974092" cy="2307540"/>
+            </a:xfrm>
+            <a:prstGeom prst="bentConnector2">
+              <a:avLst/>
+            </a:prstGeom>
+            <a:ln w="25400">
+              <a:solidFill>
+                <a:srgbClr val="FFC000"/>
+              </a:solidFill>
+              <a:prstDash val="dash"/>
+              <a:tailEnd type="triangle"/>
+            </a:ln>
+          </p:spPr>
+          <p:style>
+            <a:lnRef idx="1">
+              <a:schemeClr val="accent1"/>
+            </a:lnRef>
+            <a:fillRef idx="0">
+              <a:schemeClr val="accent1"/>
+            </a:fillRef>
+            <a:effectRef idx="0">
+              <a:schemeClr val="accent1"/>
+            </a:effectRef>
+            <a:fontRef idx="minor">
+              <a:schemeClr val="tx1"/>
+            </a:fontRef>
+          </p:style>
+        </p:cxnSp>
+        <p:cxnSp>
+          <p:nvCxnSpPr>
+            <p:cNvPr id="58" name="연결선: 꺾임 57">
+              <a:extLst>
+                <a:ext uri="{FF2B5EF4-FFF2-40B4-BE49-F238E27FC236}">
+                  <a16:creationId xmlns:a16="http://schemas.microsoft.com/office/drawing/2014/main" id="{1617694E-AE1B-A10F-AB7F-2522065F7257}"/>
+                </a:ext>
+              </a:extLst>
+            </p:cNvPr>
+            <p:cNvCxnSpPr>
+              <a:cxnSpLocks/>
+              <a:stCxn id="46" idx="2"/>
+              <a:endCxn id="39" idx="1"/>
+            </p:cNvCxnSpPr>
+            <p:nvPr/>
+          </p:nvCxnSpPr>
+          <p:spPr>
+            <a:xfrm rot="16200000" flipH="1">
+              <a:off x="7072490" y="2778899"/>
+              <a:ext cx="974093" cy="2307540"/>
+            </a:xfrm>
+            <a:prstGeom prst="bentConnector2">
+              <a:avLst/>
+            </a:prstGeom>
+            <a:ln w="25400">
+              <a:solidFill>
+                <a:schemeClr val="bg1"/>
+              </a:solidFill>
+              <a:tailEnd type="triangle"/>
+            </a:ln>
+          </p:spPr>
+          <p:style>
+            <a:lnRef idx="1">
+              <a:schemeClr val="accent1"/>
+            </a:lnRef>
+            <a:fillRef idx="0">
+              <a:schemeClr val="accent1"/>
+            </a:fillRef>
+            <a:effectRef idx="0">
+              <a:schemeClr val="accent1"/>
+            </a:effectRef>
+            <a:fontRef idx="minor">
+              <a:schemeClr val="tx1"/>
+            </a:fontRef>
+          </p:style>
+        </p:cxnSp>
+        <p:cxnSp>
+          <p:nvCxnSpPr>
+            <p:cNvPr id="62" name="직선 화살표 연결선 61">
+              <a:extLst>
+                <a:ext uri="{FF2B5EF4-FFF2-40B4-BE49-F238E27FC236}">
+                  <a16:creationId xmlns:a16="http://schemas.microsoft.com/office/drawing/2014/main" id="{0F151123-ACBD-A4D3-93C9-451456DF3634}"/>
+                </a:ext>
+              </a:extLst>
+            </p:cNvPr>
+            <p:cNvCxnSpPr>
+              <a:cxnSpLocks/>
+              <a:stCxn id="46" idx="3"/>
+              <a:endCxn id="34" idx="1"/>
+            </p:cNvCxnSpPr>
+            <p:nvPr/>
+          </p:nvCxnSpPr>
+          <p:spPr>
+            <a:xfrm>
+              <a:off x="7091567" y="2955351"/>
+              <a:ext cx="1621739" cy="0"/>
+            </a:xfrm>
+            <a:prstGeom prst="straightConnector1">
+              <a:avLst/>
+            </a:prstGeom>
+            <a:ln w="22225">
+              <a:solidFill>
+                <a:srgbClr val="FFC000"/>
+              </a:solidFill>
+              <a:prstDash val="dash"/>
+              <a:tailEnd type="triangle"/>
+            </a:ln>
+          </p:spPr>
+          <p:style>
+            <a:lnRef idx="1">
+              <a:schemeClr val="accent1"/>
+            </a:lnRef>
+            <a:fillRef idx="0">
+              <a:schemeClr val="accent1"/>
+            </a:fillRef>
+            <a:effectRef idx="0">
+              <a:schemeClr val="accent1"/>
+            </a:effectRef>
+            <a:fontRef idx="minor">
+              <a:schemeClr val="tx1"/>
+            </a:fontRef>
+          </p:style>
+        </p:cxnSp>
+        <p:cxnSp>
+          <p:nvCxnSpPr>
+            <p:cNvPr id="69" name="직선 화살표 연결선 68">
+              <a:extLst>
+                <a:ext uri="{FF2B5EF4-FFF2-40B4-BE49-F238E27FC236}">
+                  <a16:creationId xmlns:a16="http://schemas.microsoft.com/office/drawing/2014/main" id="{127DC17E-71E5-74F2-380B-BF2203A258EB}"/>
+                </a:ext>
+              </a:extLst>
+            </p:cNvPr>
+            <p:cNvCxnSpPr>
+              <a:cxnSpLocks/>
+              <a:endCxn id="41" idx="1"/>
+            </p:cNvCxnSpPr>
+            <p:nvPr/>
+          </p:nvCxnSpPr>
+          <p:spPr>
+            <a:xfrm>
+              <a:off x="2133600" y="2955351"/>
+              <a:ext cx="671304" cy="0"/>
+            </a:xfrm>
+            <a:prstGeom prst="straightConnector1">
+              <a:avLst/>
+            </a:prstGeom>
+            <a:ln w="22225">
+              <a:solidFill>
+                <a:schemeClr val="bg1"/>
+              </a:solidFill>
+              <a:tailEnd type="triangle"/>
+            </a:ln>
+          </p:spPr>
+          <p:style>
+            <a:lnRef idx="1">
+              <a:schemeClr val="accent1"/>
+            </a:lnRef>
+            <a:fillRef idx="0">
+              <a:schemeClr val="accent1"/>
+            </a:fillRef>
+            <a:effectRef idx="0">
+              <a:schemeClr val="accent1"/>
+            </a:effectRef>
+            <a:fontRef idx="minor">
+              <a:schemeClr val="tx1"/>
+            </a:fontRef>
+          </p:style>
+        </p:cxnSp>
+        <p:sp>
+          <p:nvSpPr>
+            <p:cNvPr id="76" name="직사각형 75">
+              <a:extLst>
+                <a:ext uri="{FF2B5EF4-FFF2-40B4-BE49-F238E27FC236}">
+                  <a16:creationId xmlns:a16="http://schemas.microsoft.com/office/drawing/2014/main" id="{1F23F48F-B9C5-09D7-5C19-94D707301B5C}"/>
+                </a:ext>
+              </a:extLst>
+            </p:cNvPr>
+            <p:cNvSpPr/>
+            <p:nvPr/>
+          </p:nvSpPr>
+          <p:spPr>
+            <a:xfrm>
+              <a:off x="4011255" y="2311472"/>
+              <a:ext cx="1371602" cy="535086"/>
+            </a:xfrm>
+            <a:prstGeom prst="rect">
+              <a:avLst/>
+            </a:prstGeom>
+            <a:ln w="28575">
+              <a:solidFill>
+                <a:srgbClr val="00B0F0"/>
+              </a:solidFill>
+            </a:ln>
+          </p:spPr>
+          <p:style>
+            <a:lnRef idx="2">
+              <a:schemeClr val="accent2"/>
+            </a:lnRef>
+            <a:fillRef idx="1">
+              <a:schemeClr val="lt1"/>
+            </a:fillRef>
+            <a:effectRef idx="0">
+              <a:schemeClr val="accent2"/>
+            </a:effectRef>
+            <a:fontRef idx="minor">
+              <a:schemeClr val="dk1"/>
+            </a:fontRef>
+          </p:style>
+          <p:txBody>
+            <a:bodyPr rtlCol="0" anchor="ctr"/>
+            <a:lstStyle/>
+            <a:p>
+              <a:pPr algn="ctr"/>
+              <a:r>
+                <a:rPr lang="en-US" altLang="ko-KR" sz="1200" dirty="0"/>
+                <a:t>app=node</a:t>
+              </a:r>
+              <a:endParaRPr lang="ko-KR" altLang="en-US" sz="1200" dirty="0"/>
+            </a:p>
+          </p:txBody>
+        </p:sp>
+        <p:sp>
+          <p:nvSpPr>
+            <p:cNvPr id="5" name="직사각형 4">
+              <a:extLst>
+                <a:ext uri="{FF2B5EF4-FFF2-40B4-BE49-F238E27FC236}">
+                  <a16:creationId xmlns:a16="http://schemas.microsoft.com/office/drawing/2014/main" id="{2F51D1A9-4076-025D-AA71-D9451179705C}"/>
+                </a:ext>
+              </a:extLst>
+            </p:cNvPr>
+            <p:cNvSpPr/>
+            <p:nvPr/>
+          </p:nvSpPr>
+          <p:spPr>
+            <a:xfrm>
+              <a:off x="7810497" y="780760"/>
+              <a:ext cx="1371602" cy="535086"/>
+            </a:xfrm>
+            <a:prstGeom prst="rect">
+              <a:avLst/>
+            </a:prstGeom>
+            <a:ln w="28575">
+              <a:solidFill>
+                <a:srgbClr val="00B0F0"/>
+              </a:solidFill>
+            </a:ln>
+          </p:spPr>
+          <p:style>
+            <a:lnRef idx="2">
+              <a:schemeClr val="accent2"/>
+            </a:lnRef>
+            <a:fillRef idx="1">
+              <a:schemeClr val="lt1"/>
+            </a:fillRef>
+            <a:effectRef idx="0">
+              <a:schemeClr val="accent2"/>
+            </a:effectRef>
+            <a:fontRef idx="minor">
+              <a:schemeClr val="dk1"/>
+            </a:fontRef>
+          </p:style>
+          <p:txBody>
+            <a:bodyPr rtlCol="0" anchor="ctr"/>
+            <a:lstStyle/>
+            <a:p>
+              <a:pPr algn="ctr"/>
+              <a:r>
+                <a:rPr lang="en-US" altLang="ko-KR" sz="1200" dirty="0"/>
+                <a:t>app=node</a:t>
+              </a:r>
+              <a:endParaRPr lang="ko-KR" altLang="en-US" sz="1200" dirty="0"/>
+            </a:p>
+          </p:txBody>
+        </p:sp>
+        <p:sp>
+          <p:nvSpPr>
+            <p:cNvPr id="6" name="직사각형 5">
+              <a:extLst>
+                <a:ext uri="{FF2B5EF4-FFF2-40B4-BE49-F238E27FC236}">
+                  <a16:creationId xmlns:a16="http://schemas.microsoft.com/office/drawing/2014/main" id="{C4AEEAAF-CF40-9294-FC3B-EC812A07A98B}"/>
+                </a:ext>
+              </a:extLst>
+            </p:cNvPr>
+            <p:cNvSpPr/>
+            <p:nvPr/>
+          </p:nvSpPr>
+          <p:spPr>
+            <a:xfrm>
+              <a:off x="7810497" y="2311472"/>
+              <a:ext cx="1371602" cy="535086"/>
+            </a:xfrm>
+            <a:prstGeom prst="rect">
+              <a:avLst/>
+            </a:prstGeom>
+            <a:ln w="28575">
+              <a:solidFill>
+                <a:srgbClr val="00B0F0"/>
+              </a:solidFill>
+            </a:ln>
+          </p:spPr>
+          <p:style>
+            <a:lnRef idx="2">
+              <a:schemeClr val="accent2"/>
+            </a:lnRef>
+            <a:fillRef idx="1">
+              <a:schemeClr val="lt1"/>
+            </a:fillRef>
+            <a:effectRef idx="0">
+              <a:schemeClr val="accent2"/>
+            </a:effectRef>
+            <a:fontRef idx="minor">
+              <a:schemeClr val="dk1"/>
+            </a:fontRef>
+          </p:style>
+          <p:txBody>
+            <a:bodyPr rtlCol="0" anchor="ctr"/>
+            <a:lstStyle/>
+            <a:p>
+              <a:pPr algn="ctr"/>
+              <a:r>
+                <a:rPr lang="en-US" altLang="ko-KR" sz="1200" dirty="0"/>
+                <a:t>app=node</a:t>
+              </a:r>
+              <a:endParaRPr lang="ko-KR" altLang="en-US" sz="1200" dirty="0"/>
+            </a:p>
+          </p:txBody>
+        </p:sp>
+        <p:sp>
+          <p:nvSpPr>
+            <p:cNvPr id="7" name="직사각형 6">
+              <a:extLst>
+                <a:ext uri="{FF2B5EF4-FFF2-40B4-BE49-F238E27FC236}">
+                  <a16:creationId xmlns:a16="http://schemas.microsoft.com/office/drawing/2014/main" id="{4EE27F31-8A49-408B-D5E9-7E9097896DC4}"/>
+                </a:ext>
+              </a:extLst>
+            </p:cNvPr>
+            <p:cNvSpPr/>
+            <p:nvPr/>
+          </p:nvSpPr>
+          <p:spPr>
+            <a:xfrm>
+              <a:off x="7810497" y="3757065"/>
+              <a:ext cx="1371602" cy="535086"/>
+            </a:xfrm>
+            <a:prstGeom prst="rect">
+              <a:avLst/>
+            </a:prstGeom>
+            <a:ln w="28575">
+              <a:solidFill>
+                <a:srgbClr val="FF0000"/>
+              </a:solidFill>
+            </a:ln>
+          </p:spPr>
+          <p:style>
+            <a:lnRef idx="2">
+              <a:schemeClr val="accent2"/>
+            </a:lnRef>
+            <a:fillRef idx="1">
+              <a:schemeClr val="lt1"/>
+            </a:fillRef>
+            <a:effectRef idx="0">
+              <a:schemeClr val="accent2"/>
+            </a:effectRef>
+            <a:fontRef idx="minor">
+              <a:schemeClr val="dk1"/>
+            </a:fontRef>
+          </p:style>
+          <p:txBody>
+            <a:bodyPr rtlCol="0" anchor="ctr"/>
+            <a:lstStyle/>
+            <a:p>
+              <a:pPr algn="ctr"/>
+              <a:r>
+                <a:rPr lang="en-US" altLang="ko-KR" sz="1200" dirty="0"/>
+                <a:t>app=python</a:t>
+              </a:r>
+              <a:endParaRPr lang="ko-KR" altLang="en-US" sz="1200" dirty="0"/>
+            </a:p>
+          </p:txBody>
+        </p:sp>
+        <p:cxnSp>
+          <p:nvCxnSpPr>
+            <p:cNvPr id="14" name="직선 화살표 연결선 13">
+              <a:extLst>
+                <a:ext uri="{FF2B5EF4-FFF2-40B4-BE49-F238E27FC236}">
+                  <a16:creationId xmlns:a16="http://schemas.microsoft.com/office/drawing/2014/main" id="{98D10192-8FA9-A998-F495-6F25781FAA3C}"/>
+                </a:ext>
+              </a:extLst>
+            </p:cNvPr>
+            <p:cNvCxnSpPr>
+              <a:cxnSpLocks/>
+              <a:stCxn id="41" idx="3"/>
+              <a:endCxn id="46" idx="1"/>
+            </p:cNvCxnSpPr>
+            <p:nvPr/>
+          </p:nvCxnSpPr>
+          <p:spPr>
+            <a:xfrm>
+              <a:off x="3875017" y="2955351"/>
+              <a:ext cx="1844948" cy="0"/>
+            </a:xfrm>
+            <a:prstGeom prst="straightConnector1">
+              <a:avLst/>
+            </a:prstGeom>
+            <a:ln w="22225">
+              <a:solidFill>
+                <a:schemeClr val="bg1"/>
+              </a:solidFill>
+              <a:prstDash val="solid"/>
+              <a:tailEnd type="triangle"/>
+            </a:ln>
+          </p:spPr>
+          <p:style>
+            <a:lnRef idx="1">
+              <a:schemeClr val="accent1"/>
+            </a:lnRef>
+            <a:fillRef idx="0">
+              <a:schemeClr val="accent1"/>
+            </a:fillRef>
+            <a:effectRef idx="0">
+              <a:schemeClr val="accent1"/>
+            </a:effectRef>
+            <a:fontRef idx="minor">
+              <a:schemeClr val="tx1"/>
+            </a:fontRef>
+          </p:style>
+        </p:cxnSp>
+        <p:sp>
+          <p:nvSpPr>
+            <p:cNvPr id="46" name="직사각형 45">
+              <a:extLst>
+                <a:ext uri="{FF2B5EF4-FFF2-40B4-BE49-F238E27FC236}">
+                  <a16:creationId xmlns:a16="http://schemas.microsoft.com/office/drawing/2014/main" id="{E1831C20-2517-B891-ADB9-06E2E1851C01}"/>
+                </a:ext>
+              </a:extLst>
+            </p:cNvPr>
+            <p:cNvSpPr/>
+            <p:nvPr/>
+          </p:nvSpPr>
+          <p:spPr>
+            <a:xfrm>
+              <a:off x="5719965" y="2465078"/>
+              <a:ext cx="1371602" cy="980545"/>
+            </a:xfrm>
+            <a:prstGeom prst="rect">
+              <a:avLst/>
+            </a:prstGeom>
+            <a:solidFill>
+              <a:srgbClr val="FFC000"/>
+            </a:solidFill>
+            <a:ln w="28575">
+              <a:solidFill>
+                <a:srgbClr val="00B0F0"/>
+              </a:solidFill>
+            </a:ln>
+          </p:spPr>
+          <p:style>
+            <a:lnRef idx="2">
+              <a:schemeClr val="accent2"/>
+            </a:lnRef>
+            <a:fillRef idx="1">
+              <a:schemeClr val="lt1"/>
+            </a:fillRef>
+            <a:effectRef idx="0">
+              <a:schemeClr val="accent2"/>
+            </a:effectRef>
+            <a:fontRef idx="minor">
+              <a:schemeClr val="dk1"/>
+            </a:fontRef>
+          </p:style>
+          <p:txBody>
+            <a:bodyPr rtlCol="0" anchor="ctr"/>
+            <a:lstStyle/>
+            <a:p>
+              <a:pPr algn="ctr"/>
+              <a:r>
+                <a:rPr lang="en-US" altLang="ko-KR" sz="1200" dirty="0"/>
+                <a:t>LoadBanancer</a:t>
+              </a:r>
+              <a:endParaRPr lang="ko-KR" altLang="en-US" sz="1200" dirty="0"/>
+            </a:p>
+          </p:txBody>
+        </p:sp>
+        <p:sp>
+          <p:nvSpPr>
+            <p:cNvPr id="73" name="직사각형 72">
+              <a:extLst>
+                <a:ext uri="{FF2B5EF4-FFF2-40B4-BE49-F238E27FC236}">
+                  <a16:creationId xmlns:a16="http://schemas.microsoft.com/office/drawing/2014/main" id="{430F5394-CB8D-550F-4322-6265616856E9}"/>
+                </a:ext>
+              </a:extLst>
+            </p:cNvPr>
+            <p:cNvSpPr/>
+            <p:nvPr/>
+          </p:nvSpPr>
+          <p:spPr>
+            <a:xfrm>
+              <a:off x="6438895" y="1601081"/>
+              <a:ext cx="1371602" cy="279274"/>
+            </a:xfrm>
+            <a:prstGeom prst="rect">
+              <a:avLst/>
+            </a:prstGeom>
+            <a:noFill/>
+            <a:ln w="28575">
+              <a:noFill/>
+            </a:ln>
+          </p:spPr>
+          <p:style>
+            <a:lnRef idx="2">
+              <a:schemeClr val="accent2"/>
+            </a:lnRef>
+            <a:fillRef idx="1">
+              <a:schemeClr val="lt1"/>
+            </a:fillRef>
+            <a:effectRef idx="0">
+              <a:schemeClr val="accent2"/>
+            </a:effectRef>
+            <a:fontRef idx="minor">
+              <a:schemeClr val="dk1"/>
+            </a:fontRef>
+          </p:style>
+          <p:txBody>
+            <a:bodyPr rtlCol="0" anchor="ctr"/>
+            <a:lstStyle/>
+            <a:p>
+              <a:pPr algn="ctr"/>
+              <a:r>
+                <a:rPr lang="en-US" altLang="ko-KR" sz="1200" dirty="0">
+                  <a:solidFill>
+                    <a:schemeClr val="bg1"/>
+                  </a:solidFill>
+                </a:rPr>
+                <a:t>[Request</a:t>
+              </a:r>
+              <a:r>
+                <a:rPr lang="ko-KR" altLang="en-US" sz="1200" dirty="0">
+                  <a:solidFill>
+                    <a:schemeClr val="bg1"/>
+                  </a:solidFill>
+                </a:rPr>
+                <a:t> </a:t>
+              </a:r>
+              <a:r>
+                <a:rPr lang="en-US" altLang="ko-KR" sz="1200" dirty="0">
+                  <a:solidFill>
+                    <a:schemeClr val="bg1"/>
+                  </a:solidFill>
+                </a:rPr>
+                <a:t>1]</a:t>
+              </a:r>
+              <a:endParaRPr lang="ko-KR" altLang="en-US" sz="1200" dirty="0">
+                <a:solidFill>
+                  <a:schemeClr val="bg1"/>
+                </a:solidFill>
+              </a:endParaRPr>
+            </a:p>
+          </p:txBody>
+        </p:sp>
+        <p:sp>
+          <p:nvSpPr>
+            <p:cNvPr id="74" name="직사각형 73">
+              <a:extLst>
+                <a:ext uri="{FF2B5EF4-FFF2-40B4-BE49-F238E27FC236}">
+                  <a16:creationId xmlns:a16="http://schemas.microsoft.com/office/drawing/2014/main" id="{1873D838-3DC7-3B1E-BFDE-AE43A8F22AED}"/>
+                </a:ext>
+              </a:extLst>
+            </p:cNvPr>
+            <p:cNvSpPr/>
+            <p:nvPr/>
+          </p:nvSpPr>
+          <p:spPr>
+            <a:xfrm>
+              <a:off x="7091567" y="3018650"/>
+              <a:ext cx="1371602" cy="299407"/>
+            </a:xfrm>
+            <a:prstGeom prst="rect">
+              <a:avLst/>
+            </a:prstGeom>
+            <a:noFill/>
+            <a:ln w="28575">
+              <a:noFill/>
+            </a:ln>
+          </p:spPr>
+          <p:style>
+            <a:lnRef idx="2">
+              <a:schemeClr val="accent2"/>
+            </a:lnRef>
+            <a:fillRef idx="1">
+              <a:schemeClr val="lt1"/>
+            </a:fillRef>
+            <a:effectRef idx="0">
+              <a:schemeClr val="accent2"/>
+            </a:effectRef>
+            <a:fontRef idx="minor">
+              <a:schemeClr val="dk1"/>
+            </a:fontRef>
+          </p:style>
+          <p:txBody>
+            <a:bodyPr rtlCol="0" anchor="ctr"/>
+            <a:lstStyle/>
+            <a:p>
+              <a:pPr algn="ctr"/>
+              <a:r>
+                <a:rPr lang="en-US" altLang="ko-KR" sz="1200" dirty="0">
+                  <a:solidFill>
+                    <a:schemeClr val="bg1"/>
+                  </a:solidFill>
+                </a:rPr>
+                <a:t>[Request</a:t>
+              </a:r>
+              <a:r>
+                <a:rPr lang="ko-KR" altLang="en-US" sz="1200" dirty="0">
+                  <a:solidFill>
+                    <a:schemeClr val="bg1"/>
+                  </a:solidFill>
+                </a:rPr>
+                <a:t> </a:t>
+              </a:r>
+              <a:r>
+                <a:rPr lang="en-US" altLang="ko-KR" sz="1200" dirty="0">
+                  <a:solidFill>
+                    <a:schemeClr val="bg1"/>
+                  </a:solidFill>
+                </a:rPr>
+                <a:t>2]</a:t>
+              </a:r>
+              <a:endParaRPr lang="ko-KR" altLang="en-US" sz="1200" dirty="0">
+                <a:solidFill>
+                  <a:schemeClr val="bg1"/>
+                </a:solidFill>
+              </a:endParaRPr>
+            </a:p>
+          </p:txBody>
+        </p:sp>
+        <p:sp>
+          <p:nvSpPr>
+            <p:cNvPr id="75" name="직사각형 74">
+              <a:extLst>
+                <a:ext uri="{FF2B5EF4-FFF2-40B4-BE49-F238E27FC236}">
+                  <a16:creationId xmlns:a16="http://schemas.microsoft.com/office/drawing/2014/main" id="{AB0EFBE0-1296-3537-DD45-FAA94C535C85}"/>
+                </a:ext>
+              </a:extLst>
+            </p:cNvPr>
+            <p:cNvSpPr/>
+            <p:nvPr/>
+          </p:nvSpPr>
+          <p:spPr>
+            <a:xfrm>
+              <a:off x="3792816" y="3000183"/>
+              <a:ext cx="1970020" cy="405739"/>
+            </a:xfrm>
+            <a:prstGeom prst="rect">
+              <a:avLst/>
+            </a:prstGeom>
+            <a:noFill/>
+            <a:ln w="28575">
+              <a:noFill/>
+            </a:ln>
+          </p:spPr>
+          <p:style>
+            <a:lnRef idx="2">
+              <a:schemeClr val="accent2"/>
+            </a:lnRef>
+            <a:fillRef idx="1">
+              <a:schemeClr val="lt1"/>
+            </a:fillRef>
+            <a:effectRef idx="0">
+              <a:schemeClr val="accent2"/>
+            </a:effectRef>
+            <a:fontRef idx="minor">
+              <a:schemeClr val="dk1"/>
+            </a:fontRef>
+          </p:style>
+          <p:txBody>
+            <a:bodyPr rtlCol="0" anchor="ctr"/>
+            <a:lstStyle/>
+            <a:p>
+              <a:pPr algn="ctr"/>
+              <a:r>
+                <a:rPr lang="en-US" altLang="ko-KR" sz="1200" dirty="0">
+                  <a:solidFill>
+                    <a:schemeClr val="bg1"/>
+                  </a:solidFill>
+                </a:rPr>
+                <a:t>[Request</a:t>
+              </a:r>
+              <a:r>
+                <a:rPr lang="ko-KR" altLang="en-US" sz="1200" dirty="0">
+                  <a:solidFill>
+                    <a:schemeClr val="bg1"/>
+                  </a:solidFill>
+                </a:rPr>
+                <a:t> </a:t>
+              </a:r>
+              <a:r>
+                <a:rPr lang="en-US" altLang="ko-KR" sz="1200" dirty="0">
+                  <a:solidFill>
+                    <a:schemeClr val="bg1"/>
+                  </a:solidFill>
+                </a:rPr>
+                <a:t>1], [Request</a:t>
+              </a:r>
+              <a:r>
+                <a:rPr lang="ko-KR" altLang="en-US" sz="1200" dirty="0">
+                  <a:solidFill>
+                    <a:schemeClr val="bg1"/>
+                  </a:solidFill>
+                </a:rPr>
+                <a:t> </a:t>
+              </a:r>
+              <a:r>
+                <a:rPr lang="en-US" altLang="ko-KR" sz="1200" dirty="0">
+                  <a:solidFill>
+                    <a:schemeClr val="bg1"/>
+                  </a:solidFill>
+                </a:rPr>
+                <a:t>2]</a:t>
+              </a:r>
+              <a:endParaRPr lang="ko-KR" altLang="en-US" sz="1200" dirty="0">
+                <a:solidFill>
+                  <a:schemeClr val="bg1"/>
+                </a:solidFill>
+              </a:endParaRPr>
+            </a:p>
+          </p:txBody>
+        </p:sp>
+      </p:grpSp>
+    </p:spTree>
+    <p:extLst>
+      <p:ext uri="{BB962C8B-B14F-4D97-AF65-F5344CB8AC3E}">
+        <p14:creationId xmlns:p14="http://schemas.microsoft.com/office/powerpoint/2010/main" val="3437726513"/>
+      </p:ext>
+    </p:extLst>
+  </p:cSld>
+  <p:clrMapOvr>
+    <a:masterClrMapping/>
+  </p:clrMapOvr>
+</p:sld>
+</file>
+
+<file path=ppt/slides/slide12.xml><?xml version="1.0" encoding="utf-8"?>
+<p:sld xmlns:a="http://schemas.openxmlformats.org/drawingml/2006/main" xmlns:r="http://schemas.openxmlformats.org/officeDocument/2006/relationships" xmlns:p="http://schemas.openxmlformats.org/presentationml/2006/main">
+  <p:cSld>
+    <p:spTree>
+      <p:nvGrpSpPr>
+        <p:cNvPr id="1" name=""/>
+        <p:cNvGrpSpPr/>
+        <p:nvPr/>
+      </p:nvGrpSpPr>
+      <p:grpSpPr>
+        <a:xfrm>
+          <a:off x="0" y="0"/>
+          <a:ext cx="0" cy="0"/>
+          <a:chOff x="0" y="0"/>
+          <a:chExt cx="0" cy="0"/>
+        </a:xfrm>
+      </p:grpSpPr>
+      <p:sp>
+        <p:nvSpPr>
+          <p:cNvPr id="2" name="TextBox 1">
+            <a:extLst>
+              <a:ext uri="{FF2B5EF4-FFF2-40B4-BE49-F238E27FC236}">
+                <a16:creationId xmlns:a16="http://schemas.microsoft.com/office/drawing/2014/main" id="{AF53483D-1A80-C107-D3AB-6901351F1D3F}"/>
+              </a:ext>
+            </a:extLst>
+          </p:cNvPr>
+          <p:cNvSpPr txBox="1"/>
+          <p:nvPr/>
+        </p:nvSpPr>
+        <p:spPr>
+          <a:xfrm>
+            <a:off x="10388600" y="6596390"/>
+            <a:ext cx="1803400" cy="261610"/>
+          </a:xfrm>
+          <a:prstGeom prst="rect">
+            <a:avLst/>
+          </a:prstGeom>
+          <a:noFill/>
+        </p:spPr>
+        <p:txBody>
+          <a:bodyPr wrap="square" rtlCol="0">
+            <a:spAutoFit/>
+          </a:bodyPr>
+          <a:lstStyle/>
+          <a:p>
+            <a:pPr algn="r"/>
+            <a:r>
+              <a:rPr lang="en-US" altLang="ko-KR" sz="1100" dirty="0"/>
+              <a:t>Kim0lil/80700</a:t>
+            </a:r>
+            <a:endParaRPr lang="ko-KR" altLang="en-US" sz="1100" dirty="0"/>
+          </a:p>
+        </p:txBody>
+      </p:sp>
+      <p:sp>
+        <p:nvSpPr>
+          <p:cNvPr id="27" name="직사각형 26">
+            <a:extLst>
+              <a:ext uri="{FF2B5EF4-FFF2-40B4-BE49-F238E27FC236}">
+                <a16:creationId xmlns:a16="http://schemas.microsoft.com/office/drawing/2014/main" id="{22A3CEDF-CD33-4FC3-A40C-D0F3ED511F80}"/>
+              </a:ext>
+            </a:extLst>
+          </p:cNvPr>
+          <p:cNvSpPr/>
+          <p:nvPr/>
+        </p:nvSpPr>
+        <p:spPr>
+          <a:xfrm>
+            <a:off x="2146851" y="666039"/>
+            <a:ext cx="8481391" cy="5231178"/>
+          </a:xfrm>
+          <a:prstGeom prst="rect">
+            <a:avLst/>
+          </a:prstGeom>
+          <a:solidFill>
+            <a:schemeClr val="tx1">
+              <a:lumMod val="75000"/>
+              <a:lumOff val="25000"/>
+            </a:schemeClr>
+          </a:solidFill>
+          <a:ln w="9525" cap="flat" cmpd="sng" algn="ctr">
+            <a:solidFill>
+              <a:schemeClr val="accent1"/>
+            </a:solidFill>
+            <a:prstDash val="solid"/>
+            <a:round/>
+            <a:headEnd type="none" w="med" len="med"/>
+            <a:tailEnd type="none" w="med" len="med"/>
+          </a:ln>
+        </p:spPr>
+        <p:style>
+          <a:lnRef idx="0">
+            <a:scrgbClr r="0" g="0" b="0"/>
+          </a:lnRef>
+          <a:fillRef idx="0">
+            <a:scrgbClr r="0" g="0" b="0"/>
+          </a:fillRef>
+          <a:effectRef idx="0">
+            <a:scrgbClr r="0" g="0" b="0"/>
+          </a:effectRef>
+          <a:fontRef idx="minor">
+            <a:schemeClr val="accent1"/>
+          </a:fontRef>
+        </p:style>
+        <p:txBody>
+          <a:bodyPr rtlCol="0" anchor="b"/>
+          <a:lstStyle/>
+          <a:p>
+            <a:pPr algn="ctr"/>
+            <a:r>
+              <a:rPr lang="en-US" altLang="ko-KR" b="1" dirty="0">
+                <a:solidFill>
+                  <a:schemeClr val="bg1"/>
+                </a:solidFill>
+                <a:effectLst/>
+                <a:latin typeface="Consolas" panose="020B0609020204030204" pitchFamily="49" charset="0"/>
+              </a:rPr>
+              <a:t>Node </a:t>
+            </a:r>
+            <a:r>
+              <a:rPr lang="en-US" altLang="ko-KR" b="1" dirty="0">
+                <a:solidFill>
+                  <a:schemeClr val="bg1">
+                    <a:lumMod val="65000"/>
+                  </a:schemeClr>
+                </a:solidFill>
+                <a:effectLst/>
+                <a:latin typeface="Consolas" panose="020B0609020204030204" pitchFamily="49" charset="0"/>
+              </a:rPr>
+              <a:t>(Master)</a:t>
+            </a:r>
+          </a:p>
+          <a:p>
+            <a:pPr algn="ctr"/>
+            <a:endParaRPr lang="en-US" altLang="ko-KR" b="0" dirty="0">
+              <a:solidFill>
+                <a:schemeClr val="bg1">
+                  <a:lumMod val="65000"/>
+                </a:schemeClr>
+              </a:solidFill>
+              <a:effectLst/>
+              <a:latin typeface="Consolas" panose="020B0609020204030204" pitchFamily="49" charset="0"/>
+            </a:endParaRPr>
+          </a:p>
+        </p:txBody>
+      </p:sp>
+      <p:sp>
+        <p:nvSpPr>
+          <p:cNvPr id="34" name="직사각형 33">
+            <a:extLst>
+              <a:ext uri="{FF2B5EF4-FFF2-40B4-BE49-F238E27FC236}">
+                <a16:creationId xmlns:a16="http://schemas.microsoft.com/office/drawing/2014/main" id="{7279A57A-7D88-2DF6-01AB-4DE3FF2467E9}"/>
+              </a:ext>
+            </a:extLst>
+          </p:cNvPr>
+          <p:cNvSpPr/>
+          <p:nvPr/>
+        </p:nvSpPr>
+        <p:spPr>
+          <a:xfrm>
+            <a:off x="8713306" y="2448455"/>
+            <a:ext cx="1741003" cy="1013792"/>
+          </a:xfrm>
+          <a:prstGeom prst="rect">
+            <a:avLst/>
+          </a:prstGeom>
+          <a:solidFill>
+            <a:schemeClr val="accent1">
+              <a:lumMod val="75000"/>
+            </a:schemeClr>
+          </a:solidFill>
+          <a:ln w="9525" cap="flat" cmpd="sng" algn="ctr">
+            <a:solidFill>
+              <a:schemeClr val="accent1"/>
+            </a:solidFill>
+            <a:prstDash val="solid"/>
+            <a:round/>
+            <a:headEnd type="none" w="med" len="med"/>
+            <a:tailEnd type="none" w="med" len="med"/>
+          </a:ln>
+        </p:spPr>
+        <p:style>
+          <a:lnRef idx="0">
+            <a:scrgbClr r="0" g="0" b="0"/>
+          </a:lnRef>
+          <a:fillRef idx="0">
+            <a:scrgbClr r="0" g="0" b="0"/>
+          </a:fillRef>
+          <a:effectRef idx="0">
+            <a:scrgbClr r="0" g="0" b="0"/>
+          </a:effectRef>
+          <a:fontRef idx="minor">
+            <a:schemeClr val="accent1"/>
+          </a:fontRef>
+        </p:style>
+        <p:txBody>
+          <a:bodyPr rtlCol="0" anchor="ctr"/>
+          <a:lstStyle/>
+          <a:p>
+            <a:pPr algn="ctr"/>
+            <a:r>
+              <a:rPr lang="en-US" altLang="ko-KR" b="1" dirty="0">
+                <a:solidFill>
+                  <a:schemeClr val="bg1"/>
+                </a:solidFill>
+                <a:effectLst/>
+                <a:latin typeface="Consolas" panose="020B0609020204030204" pitchFamily="49" charset="0"/>
+              </a:rPr>
+              <a:t>Pod</a:t>
+            </a:r>
+            <a:endParaRPr lang="en-US" altLang="ko-KR" b="0" dirty="0">
+              <a:solidFill>
+                <a:schemeClr val="bg1">
+                  <a:lumMod val="65000"/>
+                </a:schemeClr>
+              </a:solidFill>
+              <a:effectLst/>
+              <a:latin typeface="Consolas" panose="020B0609020204030204" pitchFamily="49" charset="0"/>
+            </a:endParaRPr>
+          </a:p>
+        </p:txBody>
+      </p:sp>
+      <p:sp>
+        <p:nvSpPr>
+          <p:cNvPr id="41" name="직사각형 40">
+            <a:extLst>
+              <a:ext uri="{FF2B5EF4-FFF2-40B4-BE49-F238E27FC236}">
+                <a16:creationId xmlns:a16="http://schemas.microsoft.com/office/drawing/2014/main" id="{9B410D7F-D09B-9456-D8D3-DC9EF4448147}"/>
+              </a:ext>
+            </a:extLst>
+          </p:cNvPr>
+          <p:cNvSpPr/>
+          <p:nvPr/>
+        </p:nvSpPr>
+        <p:spPr>
+          <a:xfrm>
+            <a:off x="2804904" y="984090"/>
+            <a:ext cx="1070113" cy="3942522"/>
+          </a:xfrm>
+          <a:prstGeom prst="rect">
+            <a:avLst/>
+          </a:prstGeom>
+        </p:spPr>
+        <p:style>
+          <a:lnRef idx="2">
+            <a:schemeClr val="accent2">
+              <a:shade val="50000"/>
+            </a:schemeClr>
+          </a:lnRef>
+          <a:fillRef idx="1">
+            <a:schemeClr val="accent2"/>
+          </a:fillRef>
+          <a:effectRef idx="0">
+            <a:schemeClr val="accent2"/>
+          </a:effectRef>
+          <a:fontRef idx="minor">
+            <a:schemeClr val="lt1"/>
+          </a:fontRef>
+        </p:style>
+        <p:txBody>
+          <a:bodyPr rtlCol="0" anchor="ctr"/>
+          <a:lstStyle/>
+          <a:p>
+            <a:pPr algn="ctr"/>
+            <a:r>
+              <a:rPr lang="en-US" altLang="ko-KR" sz="1400" b="1" dirty="0">
+                <a:latin typeface="Consolas" panose="020B0609020204030204" pitchFamily="49" charset="0"/>
+              </a:rPr>
+              <a:t>Service</a:t>
+            </a:r>
+            <a:endParaRPr lang="ko-KR" altLang="en-US" sz="1400" b="1" dirty="0">
+              <a:latin typeface="Consolas" panose="020B0609020204030204" pitchFamily="49" charset="0"/>
+            </a:endParaRPr>
+          </a:p>
+        </p:txBody>
+      </p:sp>
+      <p:cxnSp>
+        <p:nvCxnSpPr>
+          <p:cNvPr id="62" name="직선 화살표 연결선 61">
+            <a:extLst>
+              <a:ext uri="{FF2B5EF4-FFF2-40B4-BE49-F238E27FC236}">
+                <a16:creationId xmlns:a16="http://schemas.microsoft.com/office/drawing/2014/main" id="{0F151123-ACBD-A4D3-93C9-451456DF3634}"/>
+              </a:ext>
+            </a:extLst>
+          </p:cNvPr>
+          <p:cNvCxnSpPr>
+            <a:cxnSpLocks/>
+            <a:stCxn id="41" idx="3"/>
+            <a:endCxn id="34" idx="1"/>
+          </p:cNvCxnSpPr>
+          <p:nvPr/>
+        </p:nvCxnSpPr>
+        <p:spPr>
+          <a:xfrm>
+            <a:off x="3875017" y="2955351"/>
+            <a:ext cx="4838289" cy="0"/>
+          </a:xfrm>
+          <a:prstGeom prst="straightConnector1">
+            <a:avLst/>
+          </a:prstGeom>
+          <a:ln w="22225">
+            <a:solidFill>
+              <a:srgbClr val="FFC000"/>
+            </a:solidFill>
+            <a:prstDash val="dash"/>
+            <a:tailEnd type="triangle"/>
+          </a:ln>
+        </p:spPr>
+        <p:style>
+          <a:lnRef idx="1">
+            <a:schemeClr val="accent1"/>
+          </a:lnRef>
+          <a:fillRef idx="0">
+            <a:schemeClr val="accent1"/>
+          </a:fillRef>
+          <a:effectRef idx="0">
+            <a:schemeClr val="accent1"/>
+          </a:effectRef>
+          <a:fontRef idx="minor">
+            <a:schemeClr val="tx1"/>
+          </a:fontRef>
+        </p:style>
+      </p:cxnSp>
+      <p:cxnSp>
+        <p:nvCxnSpPr>
+          <p:cNvPr id="69" name="직선 화살표 연결선 68">
+            <a:extLst>
+              <a:ext uri="{FF2B5EF4-FFF2-40B4-BE49-F238E27FC236}">
+                <a16:creationId xmlns:a16="http://schemas.microsoft.com/office/drawing/2014/main" id="{127DC17E-71E5-74F2-380B-BF2203A258EB}"/>
+              </a:ext>
+            </a:extLst>
+          </p:cNvPr>
+          <p:cNvCxnSpPr>
+            <a:cxnSpLocks/>
+            <a:endCxn id="41" idx="1"/>
+          </p:cNvCxnSpPr>
+          <p:nvPr/>
+        </p:nvCxnSpPr>
+        <p:spPr>
+          <a:xfrm>
+            <a:off x="2133600" y="2955351"/>
+            <a:ext cx="671304" cy="0"/>
+          </a:xfrm>
+          <a:prstGeom prst="straightConnector1">
+            <a:avLst/>
+          </a:prstGeom>
+          <a:ln w="22225">
+            <a:solidFill>
+              <a:schemeClr val="bg1"/>
+            </a:solidFill>
+            <a:tailEnd type="triangle"/>
+          </a:ln>
+        </p:spPr>
+        <p:style>
+          <a:lnRef idx="1">
+            <a:schemeClr val="accent1"/>
+          </a:lnRef>
+          <a:fillRef idx="0">
+            <a:schemeClr val="accent1"/>
+          </a:fillRef>
+          <a:effectRef idx="0">
+            <a:schemeClr val="accent1"/>
+          </a:effectRef>
+          <a:fontRef idx="minor">
+            <a:schemeClr val="tx1"/>
+          </a:fontRef>
+        </p:style>
+      </p:cxnSp>
+      <p:sp>
+        <p:nvSpPr>
+          <p:cNvPr id="6" name="직사각형 5">
+            <a:extLst>
+              <a:ext uri="{FF2B5EF4-FFF2-40B4-BE49-F238E27FC236}">
+                <a16:creationId xmlns:a16="http://schemas.microsoft.com/office/drawing/2014/main" id="{C4AEEAAF-CF40-9294-FC3B-EC812A07A98B}"/>
+              </a:ext>
+            </a:extLst>
+          </p:cNvPr>
+          <p:cNvSpPr/>
+          <p:nvPr/>
+        </p:nvSpPr>
+        <p:spPr>
+          <a:xfrm>
+            <a:off x="8384074" y="2294388"/>
+            <a:ext cx="1070113" cy="356936"/>
+          </a:xfrm>
+          <a:prstGeom prst="rect">
+            <a:avLst/>
+          </a:prstGeom>
+          <a:ln w="28575">
+            <a:solidFill>
+              <a:srgbClr val="00B0F0"/>
+            </a:solidFill>
+          </a:ln>
+        </p:spPr>
+        <p:style>
+          <a:lnRef idx="2">
+            <a:schemeClr val="accent2"/>
+          </a:lnRef>
+          <a:fillRef idx="1">
+            <a:schemeClr val="lt1"/>
+          </a:fillRef>
+          <a:effectRef idx="0">
+            <a:schemeClr val="accent2"/>
+          </a:effectRef>
+          <a:fontRef idx="minor">
+            <a:schemeClr val="dk1"/>
+          </a:fontRef>
+        </p:style>
+        <p:txBody>
+          <a:bodyPr rtlCol="0" anchor="ctr"/>
+          <a:lstStyle/>
+          <a:p>
+            <a:pPr algn="ctr"/>
+            <a:r>
+              <a:rPr lang="en-US" altLang="ko-KR" sz="1200" dirty="0"/>
+              <a:t>app=node</a:t>
+            </a:r>
+            <a:endParaRPr lang="ko-KR" altLang="en-US" sz="1200" dirty="0"/>
+          </a:p>
+        </p:txBody>
+      </p:sp>
+      <p:sp>
+        <p:nvSpPr>
+          <p:cNvPr id="75" name="직사각형 74">
+            <a:extLst>
+              <a:ext uri="{FF2B5EF4-FFF2-40B4-BE49-F238E27FC236}">
+                <a16:creationId xmlns:a16="http://schemas.microsoft.com/office/drawing/2014/main" id="{AB0EFBE0-1296-3537-DD45-FAA94C535C85}"/>
+              </a:ext>
+            </a:extLst>
+          </p:cNvPr>
+          <p:cNvSpPr/>
+          <p:nvPr/>
+        </p:nvSpPr>
+        <p:spPr>
+          <a:xfrm>
+            <a:off x="5402536" y="2448455"/>
+            <a:ext cx="1970020" cy="405739"/>
+          </a:xfrm>
+          <a:prstGeom prst="rect">
+            <a:avLst/>
+          </a:prstGeom>
+          <a:noFill/>
+          <a:ln w="28575">
+            <a:noFill/>
+          </a:ln>
+        </p:spPr>
+        <p:style>
+          <a:lnRef idx="2">
+            <a:schemeClr val="accent2"/>
+          </a:lnRef>
+          <a:fillRef idx="1">
+            <a:schemeClr val="lt1"/>
+          </a:fillRef>
+          <a:effectRef idx="0">
+            <a:schemeClr val="accent2"/>
+          </a:effectRef>
+          <a:fontRef idx="minor">
+            <a:schemeClr val="dk1"/>
+          </a:fontRef>
+        </p:style>
+        <p:txBody>
+          <a:bodyPr rtlCol="0" anchor="ctr"/>
+          <a:lstStyle/>
+          <a:p>
+            <a:pPr algn="ctr"/>
+            <a:r>
+              <a:rPr lang="en-US" altLang="ko-KR" sz="1200" dirty="0">
+                <a:solidFill>
+                  <a:schemeClr val="bg1"/>
+                </a:solidFill>
+              </a:rPr>
+              <a:t>endpoints: [ </a:t>
+            </a:r>
+            <a:r>
+              <a:rPr lang="en-US" altLang="ko-KR" sz="1200" b="1" dirty="0">
+                <a:solidFill>
+                  <a:schemeClr val="bg1"/>
+                </a:solidFill>
+                <a:effectLst/>
+                <a:latin typeface="Consolas" panose="020B0609020204030204" pitchFamily="49" charset="0"/>
+              </a:rPr>
+              <a:t>172.17.0.3</a:t>
+            </a:r>
+            <a:r>
+              <a:rPr lang="ko-KR" altLang="en-US" sz="1200" dirty="0">
+                <a:solidFill>
+                  <a:schemeClr val="bg1"/>
+                </a:solidFill>
+              </a:rPr>
+              <a:t> </a:t>
+            </a:r>
+            <a:r>
+              <a:rPr lang="en-US" altLang="ko-KR" sz="1200" dirty="0">
+                <a:solidFill>
+                  <a:schemeClr val="bg1"/>
+                </a:solidFill>
+              </a:rPr>
+              <a:t>]</a:t>
+            </a:r>
+            <a:endParaRPr lang="ko-KR" altLang="en-US" sz="1200" dirty="0">
+              <a:solidFill>
+                <a:schemeClr val="bg1"/>
+              </a:solidFill>
+            </a:endParaRPr>
+          </a:p>
+        </p:txBody>
+      </p:sp>
+      <p:sp>
+        <p:nvSpPr>
+          <p:cNvPr id="3" name="직사각형 2">
+            <a:extLst>
+              <a:ext uri="{FF2B5EF4-FFF2-40B4-BE49-F238E27FC236}">
+                <a16:creationId xmlns:a16="http://schemas.microsoft.com/office/drawing/2014/main" id="{FFFE09D0-2E02-4061-BFCD-726C5A7FF900}"/>
+              </a:ext>
+            </a:extLst>
+          </p:cNvPr>
+          <p:cNvSpPr/>
+          <p:nvPr/>
+        </p:nvSpPr>
+        <p:spPr>
+          <a:xfrm>
+            <a:off x="8713305" y="3195193"/>
+            <a:ext cx="1070113" cy="279274"/>
+          </a:xfrm>
+          <a:prstGeom prst="rect">
+            <a:avLst/>
+          </a:prstGeom>
+          <a:noFill/>
+          <a:ln w="9525" cap="flat" cmpd="sng" algn="ctr">
+            <a:noFill/>
+            <a:prstDash val="solid"/>
+            <a:round/>
+            <a:headEnd type="none" w="med" len="med"/>
+            <a:tailEnd type="none" w="med" len="med"/>
+          </a:ln>
+        </p:spPr>
+        <p:style>
+          <a:lnRef idx="0">
+            <a:scrgbClr r="0" g="0" b="0"/>
+          </a:lnRef>
+          <a:fillRef idx="0">
+            <a:scrgbClr r="0" g="0" b="0"/>
+          </a:fillRef>
+          <a:effectRef idx="0">
+            <a:scrgbClr r="0" g="0" b="0"/>
+          </a:effectRef>
+          <a:fontRef idx="minor">
+            <a:schemeClr val="accent1"/>
+          </a:fontRef>
+        </p:style>
+        <p:txBody>
+          <a:bodyPr rtlCol="0" anchor="ctr"/>
+          <a:lstStyle/>
+          <a:p>
+            <a:pPr algn="ctr"/>
+            <a:r>
+              <a:rPr lang="en-US" altLang="ko-KR" sz="1200" b="1" dirty="0">
+                <a:solidFill>
+                  <a:schemeClr val="bg1"/>
+                </a:solidFill>
+                <a:effectLst/>
+                <a:latin typeface="Consolas" panose="020B0609020204030204" pitchFamily="49" charset="0"/>
+              </a:rPr>
+              <a:t>172.17.0.3</a:t>
+            </a:r>
+            <a:endParaRPr lang="en-US" altLang="ko-KR" sz="1200" b="0" dirty="0">
+              <a:solidFill>
+                <a:schemeClr val="bg1">
+                  <a:lumMod val="65000"/>
+                </a:schemeClr>
+              </a:solidFill>
+              <a:effectLst/>
+              <a:latin typeface="Consolas" panose="020B0609020204030204" pitchFamily="49" charset="0"/>
+            </a:endParaRPr>
+          </a:p>
+        </p:txBody>
+      </p:sp>
+    </p:spTree>
+    <p:extLst>
+      <p:ext uri="{BB962C8B-B14F-4D97-AF65-F5344CB8AC3E}">
+        <p14:creationId xmlns:p14="http://schemas.microsoft.com/office/powerpoint/2010/main" val="57807937"/>
+      </p:ext>
+    </p:extLst>
+  </p:cSld>
+  <p:clrMapOvr>
+    <a:masterClrMapping/>
+  </p:clrMapOvr>
+</p:sld>
+</file>
+
+<file path=ppt/slides/slide13.xml><?xml version="1.0" encoding="utf-8"?>
+<p:sld xmlns:a="http://schemas.openxmlformats.org/drawingml/2006/main" xmlns:r="http://schemas.openxmlformats.org/officeDocument/2006/relationships" xmlns:p="http://schemas.openxmlformats.org/presentationml/2006/main">
+  <p:cSld>
+    <p:spTree>
+      <p:nvGrpSpPr>
+        <p:cNvPr id="1" name=""/>
+        <p:cNvGrpSpPr/>
+        <p:nvPr/>
+      </p:nvGrpSpPr>
+      <p:grpSpPr>
+        <a:xfrm>
+          <a:off x="0" y="0"/>
+          <a:ext cx="0" cy="0"/>
+          <a:chOff x="0" y="0"/>
+          <a:chExt cx="0" cy="0"/>
+        </a:xfrm>
+      </p:grpSpPr>
+      <p:sp>
+        <p:nvSpPr>
+          <p:cNvPr id="2" name="TextBox 1">
+            <a:extLst>
+              <a:ext uri="{FF2B5EF4-FFF2-40B4-BE49-F238E27FC236}">
+                <a16:creationId xmlns:a16="http://schemas.microsoft.com/office/drawing/2014/main" id="{AF53483D-1A80-C107-D3AB-6901351F1D3F}"/>
+              </a:ext>
+            </a:extLst>
+          </p:cNvPr>
+          <p:cNvSpPr txBox="1"/>
+          <p:nvPr/>
+        </p:nvSpPr>
+        <p:spPr>
+          <a:xfrm>
+            <a:off x="10388600" y="6596390"/>
+            <a:ext cx="1803400" cy="261610"/>
+          </a:xfrm>
+          <a:prstGeom prst="rect">
+            <a:avLst/>
+          </a:prstGeom>
+          <a:noFill/>
+        </p:spPr>
+        <p:txBody>
+          <a:bodyPr wrap="square" rtlCol="0">
+            <a:spAutoFit/>
+          </a:bodyPr>
+          <a:lstStyle/>
+          <a:p>
+            <a:pPr algn="r"/>
+            <a:r>
+              <a:rPr lang="en-US" altLang="ko-KR" sz="1100" dirty="0"/>
+              <a:t>Kim0lil/80700</a:t>
+            </a:r>
+            <a:endParaRPr lang="ko-KR" altLang="en-US" sz="1100" dirty="0"/>
+          </a:p>
+        </p:txBody>
+      </p:sp>
+      <p:grpSp>
+        <p:nvGrpSpPr>
+          <p:cNvPr id="76" name="그룹 75">
+            <a:extLst>
+              <a:ext uri="{FF2B5EF4-FFF2-40B4-BE49-F238E27FC236}">
+                <a16:creationId xmlns:a16="http://schemas.microsoft.com/office/drawing/2014/main" id="{4258EB1B-009F-DB69-F87D-D86AD2065C5B}"/>
+              </a:ext>
+            </a:extLst>
+          </p:cNvPr>
+          <p:cNvGrpSpPr/>
+          <p:nvPr/>
+        </p:nvGrpSpPr>
+        <p:grpSpPr>
+          <a:xfrm>
+            <a:off x="2133600" y="666039"/>
+            <a:ext cx="9134764" cy="5231178"/>
+            <a:chOff x="2133600" y="666039"/>
+            <a:chExt cx="9134764" cy="5231178"/>
+          </a:xfrm>
+        </p:grpSpPr>
+        <p:sp>
+          <p:nvSpPr>
+            <p:cNvPr id="10" name="직사각형 9">
+              <a:extLst>
+                <a:ext uri="{FF2B5EF4-FFF2-40B4-BE49-F238E27FC236}">
+                  <a16:creationId xmlns:a16="http://schemas.microsoft.com/office/drawing/2014/main" id="{BB773FBB-3EFA-9C7C-F87A-6BC08344F8BF}"/>
+                </a:ext>
+              </a:extLst>
+            </p:cNvPr>
+            <p:cNvSpPr/>
+            <p:nvPr/>
+          </p:nvSpPr>
+          <p:spPr>
+            <a:xfrm>
+              <a:off x="2146851" y="666039"/>
+              <a:ext cx="9121513" cy="5231178"/>
+            </a:xfrm>
+            <a:prstGeom prst="rect">
+              <a:avLst/>
+            </a:prstGeom>
+            <a:solidFill>
+              <a:schemeClr val="tx1">
+                <a:lumMod val="75000"/>
+                <a:lumOff val="25000"/>
+              </a:schemeClr>
+            </a:solidFill>
+            <a:ln w="9525" cap="flat" cmpd="sng" algn="ctr">
+              <a:solidFill>
+                <a:schemeClr val="accent1"/>
+              </a:solidFill>
+              <a:prstDash val="solid"/>
+              <a:round/>
+              <a:headEnd type="none" w="med" len="med"/>
+              <a:tailEnd type="none" w="med" len="med"/>
+            </a:ln>
+          </p:spPr>
+          <p:style>
+            <a:lnRef idx="0">
+              <a:scrgbClr r="0" g="0" b="0"/>
+            </a:lnRef>
+            <a:fillRef idx="0">
+              <a:scrgbClr r="0" g="0" b="0"/>
+            </a:fillRef>
+            <a:effectRef idx="0">
+              <a:scrgbClr r="0" g="0" b="0"/>
+            </a:effectRef>
+            <a:fontRef idx="minor">
+              <a:schemeClr val="accent1"/>
+            </a:fontRef>
+          </p:style>
+          <p:txBody>
+            <a:bodyPr rtlCol="0" anchor="b"/>
+            <a:lstStyle/>
+            <a:p>
+              <a:pPr algn="ctr"/>
+              <a:r>
+                <a:rPr lang="en-US" altLang="ko-KR" b="1" dirty="0">
+                  <a:solidFill>
+                    <a:schemeClr val="bg1"/>
+                  </a:solidFill>
+                  <a:effectLst/>
+                  <a:latin typeface="Consolas" panose="020B0609020204030204" pitchFamily="49" charset="0"/>
+                </a:rPr>
+                <a:t>Node </a:t>
+              </a:r>
+              <a:r>
+                <a:rPr lang="en-US" altLang="ko-KR" b="1" dirty="0">
+                  <a:solidFill>
+                    <a:schemeClr val="bg1">
+                      <a:lumMod val="65000"/>
+                    </a:schemeClr>
+                  </a:solidFill>
+                  <a:effectLst/>
+                  <a:latin typeface="Consolas" panose="020B0609020204030204" pitchFamily="49" charset="0"/>
+                </a:rPr>
+                <a:t>(Master)</a:t>
+              </a:r>
+            </a:p>
+            <a:p>
+              <a:pPr algn="ctr"/>
+              <a:endParaRPr lang="en-US" altLang="ko-KR" b="0" dirty="0">
+                <a:solidFill>
+                  <a:schemeClr val="bg1">
+                    <a:lumMod val="65000"/>
+                  </a:schemeClr>
+                </a:solidFill>
+                <a:effectLst/>
+                <a:latin typeface="Consolas" panose="020B0609020204030204" pitchFamily="49" charset="0"/>
+              </a:endParaRPr>
+            </a:p>
+          </p:txBody>
+        </p:sp>
+        <p:sp>
+          <p:nvSpPr>
+            <p:cNvPr id="14" name="직사각형 13">
+              <a:extLst>
+                <a:ext uri="{FF2B5EF4-FFF2-40B4-BE49-F238E27FC236}">
+                  <a16:creationId xmlns:a16="http://schemas.microsoft.com/office/drawing/2014/main" id="{473371C5-0642-C9DE-13EC-762878111D67}"/>
+                </a:ext>
+              </a:extLst>
+            </p:cNvPr>
+            <p:cNvSpPr/>
+            <p:nvPr/>
+          </p:nvSpPr>
+          <p:spPr>
+            <a:xfrm>
+              <a:off x="2804904" y="984090"/>
+              <a:ext cx="2323587" cy="3942522"/>
+            </a:xfrm>
+            <a:prstGeom prst="rect">
+              <a:avLst/>
+            </a:prstGeom>
+          </p:spPr>
+          <p:style>
+            <a:lnRef idx="2">
+              <a:schemeClr val="accent2">
+                <a:shade val="50000"/>
+              </a:schemeClr>
+            </a:lnRef>
+            <a:fillRef idx="1">
+              <a:schemeClr val="accent2"/>
+            </a:fillRef>
+            <a:effectRef idx="0">
+              <a:schemeClr val="accent2"/>
+            </a:effectRef>
+            <a:fontRef idx="minor">
+              <a:schemeClr val="lt1"/>
+            </a:fontRef>
+          </p:style>
+          <p:txBody>
+            <a:bodyPr rtlCol="0" anchor="ctr"/>
+            <a:lstStyle/>
+            <a:p>
+              <a:pPr algn="ctr"/>
+              <a:r>
+                <a:rPr lang="en-US" altLang="ko-KR" b="1" dirty="0">
+                  <a:latin typeface="Consolas" panose="020B0609020204030204" pitchFamily="49" charset="0"/>
+                </a:rPr>
+                <a:t>Service</a:t>
+              </a:r>
+              <a:endParaRPr lang="ko-KR" altLang="en-US" sz="1400" b="1" dirty="0">
+                <a:latin typeface="Consolas" panose="020B0609020204030204" pitchFamily="49" charset="0"/>
+              </a:endParaRPr>
+            </a:p>
+          </p:txBody>
+        </p:sp>
+        <p:cxnSp>
+          <p:nvCxnSpPr>
+            <p:cNvPr id="15" name="연결선: 꺾임 14">
+              <a:extLst>
+                <a:ext uri="{FF2B5EF4-FFF2-40B4-BE49-F238E27FC236}">
+                  <a16:creationId xmlns:a16="http://schemas.microsoft.com/office/drawing/2014/main" id="{F9469B1D-0547-5C38-743C-D27FEB9DC9DB}"/>
+                </a:ext>
+              </a:extLst>
+            </p:cNvPr>
+            <p:cNvCxnSpPr>
+              <a:cxnSpLocks/>
+              <a:stCxn id="29" idx="1"/>
+              <a:endCxn id="33" idx="1"/>
+            </p:cNvCxnSpPr>
+            <p:nvPr/>
+          </p:nvCxnSpPr>
+          <p:spPr>
+            <a:xfrm rot="10800000">
+              <a:off x="7327852" y="1490986"/>
+              <a:ext cx="12700" cy="2928730"/>
+            </a:xfrm>
+            <a:prstGeom prst="bentConnector3">
+              <a:avLst>
+                <a:gd name="adj1" fmla="val 8563638"/>
+              </a:avLst>
+            </a:prstGeom>
+            <a:ln w="25400">
+              <a:solidFill>
+                <a:srgbClr val="FFC000"/>
+              </a:solidFill>
+              <a:prstDash val="dash"/>
+              <a:headEnd type="arrow"/>
+              <a:tailEnd type="triangle"/>
+            </a:ln>
+          </p:spPr>
+          <p:style>
+            <a:lnRef idx="1">
+              <a:schemeClr val="accent1"/>
+            </a:lnRef>
+            <a:fillRef idx="0">
+              <a:schemeClr val="accent1"/>
+            </a:fillRef>
+            <a:effectRef idx="0">
+              <a:schemeClr val="accent1"/>
+            </a:effectRef>
+            <a:fontRef idx="minor">
+              <a:schemeClr val="tx1"/>
+            </a:fontRef>
+          </p:style>
+        </p:cxnSp>
+        <p:cxnSp>
+          <p:nvCxnSpPr>
+            <p:cNvPr id="18" name="직선 화살표 연결선 17">
+              <a:extLst>
+                <a:ext uri="{FF2B5EF4-FFF2-40B4-BE49-F238E27FC236}">
+                  <a16:creationId xmlns:a16="http://schemas.microsoft.com/office/drawing/2014/main" id="{F0A4037E-3113-6652-B365-B0B9EDC86FA6}"/>
+                </a:ext>
+              </a:extLst>
+            </p:cNvPr>
+            <p:cNvCxnSpPr>
+              <a:cxnSpLocks/>
+              <a:endCxn id="14" idx="1"/>
+            </p:cNvCxnSpPr>
+            <p:nvPr/>
+          </p:nvCxnSpPr>
+          <p:spPr>
+            <a:xfrm>
+              <a:off x="2133600" y="2955351"/>
+              <a:ext cx="671304" cy="0"/>
+            </a:xfrm>
+            <a:prstGeom prst="straightConnector1">
+              <a:avLst/>
+            </a:prstGeom>
+            <a:ln w="22225">
+              <a:solidFill>
+                <a:schemeClr val="bg1"/>
+              </a:solidFill>
+              <a:tailEnd type="triangle"/>
+            </a:ln>
+          </p:spPr>
+          <p:style>
+            <a:lnRef idx="1">
+              <a:schemeClr val="accent1"/>
+            </a:lnRef>
+            <a:fillRef idx="0">
+              <a:schemeClr val="accent1"/>
+            </a:fillRef>
+            <a:effectRef idx="0">
+              <a:schemeClr val="accent1"/>
+            </a:effectRef>
+            <a:fontRef idx="minor">
+              <a:schemeClr val="tx1"/>
+            </a:fontRef>
+          </p:style>
+        </p:cxnSp>
+        <p:grpSp>
+          <p:nvGrpSpPr>
+            <p:cNvPr id="50" name="그룹 49">
+              <a:extLst>
+                <a:ext uri="{FF2B5EF4-FFF2-40B4-BE49-F238E27FC236}">
+                  <a16:creationId xmlns:a16="http://schemas.microsoft.com/office/drawing/2014/main" id="{B8450DA1-D748-617D-D153-A1BCFDB16BD9}"/>
+                </a:ext>
+              </a:extLst>
+            </p:cNvPr>
+            <p:cNvGrpSpPr/>
+            <p:nvPr/>
+          </p:nvGrpSpPr>
+          <p:grpSpPr>
+            <a:xfrm>
+              <a:off x="7261589" y="799216"/>
+              <a:ext cx="1807266" cy="1198666"/>
+              <a:chOff x="8647043" y="799216"/>
+              <a:chExt cx="1807266" cy="1198666"/>
+            </a:xfrm>
+          </p:grpSpPr>
+          <p:grpSp>
+            <p:nvGrpSpPr>
+              <p:cNvPr id="11" name="그룹 10">
+                <a:extLst>
+                  <a:ext uri="{FF2B5EF4-FFF2-40B4-BE49-F238E27FC236}">
+                    <a16:creationId xmlns:a16="http://schemas.microsoft.com/office/drawing/2014/main" id="{E2200FBD-FA3C-1989-0D56-1C34A4DC6854}"/>
+                  </a:ext>
+                </a:extLst>
+              </p:cNvPr>
+              <p:cNvGrpSpPr/>
+              <p:nvPr/>
+            </p:nvGrpSpPr>
+            <p:grpSpPr>
+              <a:xfrm>
+                <a:off x="8647043" y="984090"/>
+                <a:ext cx="1807266" cy="1013792"/>
+                <a:chOff x="1336811" y="639534"/>
+                <a:chExt cx="1807266" cy="1013792"/>
+              </a:xfrm>
+            </p:grpSpPr>
+            <p:sp>
+              <p:nvSpPr>
+                <p:cNvPr id="33" name="직사각형 32">
+                  <a:extLst>
+                    <a:ext uri="{FF2B5EF4-FFF2-40B4-BE49-F238E27FC236}">
+                      <a16:creationId xmlns:a16="http://schemas.microsoft.com/office/drawing/2014/main" id="{4ED032DB-3F89-F091-06A3-E8F07DA6352A}"/>
+                    </a:ext>
+                  </a:extLst>
+                </p:cNvPr>
+                <p:cNvSpPr/>
+                <p:nvPr/>
+              </p:nvSpPr>
+              <p:spPr>
+                <a:xfrm>
+                  <a:off x="1403074" y="639534"/>
+                  <a:ext cx="1741003" cy="1013792"/>
+                </a:xfrm>
+                <a:prstGeom prst="rect">
+                  <a:avLst/>
+                </a:prstGeom>
+                <a:solidFill>
+                  <a:schemeClr val="accent1">
+                    <a:lumMod val="75000"/>
+                  </a:schemeClr>
+                </a:solidFill>
+                <a:ln w="9525" cap="flat" cmpd="sng" algn="ctr">
+                  <a:solidFill>
+                    <a:schemeClr val="accent1"/>
+                  </a:solidFill>
+                  <a:prstDash val="solid"/>
+                  <a:round/>
+                  <a:headEnd type="none" w="med" len="med"/>
+                  <a:tailEnd type="none" w="med" len="med"/>
+                </a:ln>
+              </p:spPr>
+              <p:style>
+                <a:lnRef idx="0">
+                  <a:scrgbClr r="0" g="0" b="0"/>
+                </a:lnRef>
+                <a:fillRef idx="0">
+                  <a:scrgbClr r="0" g="0" b="0"/>
+                </a:fillRef>
+                <a:effectRef idx="0">
+                  <a:scrgbClr r="0" g="0" b="0"/>
+                </a:effectRef>
+                <a:fontRef idx="minor">
+                  <a:schemeClr val="accent1"/>
+                </a:fontRef>
+              </p:style>
+              <p:txBody>
+                <a:bodyPr rtlCol="0" anchor="ctr"/>
+                <a:lstStyle/>
+                <a:p>
+                  <a:pPr algn="ctr"/>
+                  <a:r>
+                    <a:rPr lang="en-US" altLang="ko-KR" b="1" dirty="0">
+                      <a:solidFill>
+                        <a:schemeClr val="bg1"/>
+                      </a:solidFill>
+                      <a:effectLst/>
+                      <a:latin typeface="Consolas" panose="020B0609020204030204" pitchFamily="49" charset="0"/>
+                    </a:rPr>
+                    <a:t>Pod </a:t>
+                  </a:r>
+                  <a:r>
+                    <a:rPr lang="en-US" altLang="ko-KR" b="0" dirty="0">
+                      <a:solidFill>
+                        <a:srgbClr val="D4D4D4"/>
+                      </a:solidFill>
+                      <a:effectLst/>
+                      <a:latin typeface="Consolas" panose="020B0609020204030204" pitchFamily="49" charset="0"/>
+                    </a:rPr>
+                    <a:t>(bn77g</a:t>
+                  </a:r>
+                  <a:r>
+                    <a:rPr lang="en-US" altLang="ko-KR" dirty="0">
+                      <a:solidFill>
+                        <a:schemeClr val="bg1">
+                          <a:lumMod val="65000"/>
+                        </a:schemeClr>
+                      </a:solidFill>
+                      <a:latin typeface="Consolas" panose="020B0609020204030204" pitchFamily="49" charset="0"/>
+                    </a:rPr>
+                    <a:t>)</a:t>
+                  </a:r>
+                  <a:endParaRPr lang="en-US" altLang="ko-KR" b="0" dirty="0">
+                    <a:solidFill>
+                      <a:srgbClr val="D4D4D4"/>
+                    </a:solidFill>
+                    <a:effectLst/>
+                    <a:latin typeface="Consolas" panose="020B0609020204030204" pitchFamily="49" charset="0"/>
+                  </a:endParaRPr>
+                </a:p>
+              </p:txBody>
+            </p:sp>
+            <p:sp>
+              <p:nvSpPr>
+                <p:cNvPr id="35" name="직사각형 34">
+                  <a:extLst>
+                    <a:ext uri="{FF2B5EF4-FFF2-40B4-BE49-F238E27FC236}">
+                      <a16:creationId xmlns:a16="http://schemas.microsoft.com/office/drawing/2014/main" id="{E0F68FFA-8EAC-81C8-60D9-C1B24DE7F145}"/>
+                    </a:ext>
+                  </a:extLst>
+                </p:cNvPr>
+                <p:cNvSpPr/>
+                <p:nvPr/>
+              </p:nvSpPr>
+              <p:spPr>
+                <a:xfrm>
+                  <a:off x="1336811" y="1349760"/>
+                  <a:ext cx="1070113" cy="279274"/>
+                </a:xfrm>
+                <a:prstGeom prst="rect">
+                  <a:avLst/>
+                </a:prstGeom>
+                <a:noFill/>
+                <a:ln w="9525" cap="flat" cmpd="sng" algn="ctr">
+                  <a:noFill/>
+                  <a:prstDash val="solid"/>
+                  <a:round/>
+                  <a:headEnd type="none" w="med" len="med"/>
+                  <a:tailEnd type="none" w="med" len="med"/>
+                </a:ln>
+              </p:spPr>
+              <p:style>
+                <a:lnRef idx="0">
+                  <a:scrgbClr r="0" g="0" b="0"/>
+                </a:lnRef>
+                <a:fillRef idx="0">
+                  <a:scrgbClr r="0" g="0" b="0"/>
+                </a:fillRef>
+                <a:effectRef idx="0">
+                  <a:scrgbClr r="0" g="0" b="0"/>
+                </a:effectRef>
+                <a:fontRef idx="minor">
+                  <a:schemeClr val="accent1"/>
+                </a:fontRef>
+              </p:style>
+              <p:txBody>
+                <a:bodyPr rtlCol="0" anchor="ctr"/>
+                <a:lstStyle/>
+                <a:p>
+                  <a:pPr algn="ctr"/>
+                  <a:r>
+                    <a:rPr lang="en-US" altLang="ko-KR" sz="1200" b="1" dirty="0">
+                      <a:solidFill>
+                        <a:schemeClr val="bg1"/>
+                      </a:solidFill>
+                      <a:effectLst/>
+                      <a:latin typeface="Consolas" panose="020B0609020204030204" pitchFamily="49" charset="0"/>
+                    </a:rPr>
+                    <a:t>10.0.1.3</a:t>
+                  </a:r>
+                  <a:endParaRPr lang="en-US" altLang="ko-KR" sz="1200" b="0" dirty="0">
+                    <a:solidFill>
+                      <a:schemeClr val="bg1">
+                        <a:lumMod val="65000"/>
+                      </a:schemeClr>
+                    </a:solidFill>
+                    <a:effectLst/>
+                    <a:latin typeface="Consolas" panose="020B0609020204030204" pitchFamily="49" charset="0"/>
+                  </a:endParaRPr>
+                </a:p>
+              </p:txBody>
+            </p:sp>
+          </p:grpSp>
+          <p:sp>
+            <p:nvSpPr>
+              <p:cNvPr id="20" name="직사각형 19">
+                <a:extLst>
+                  <a:ext uri="{FF2B5EF4-FFF2-40B4-BE49-F238E27FC236}">
+                    <a16:creationId xmlns:a16="http://schemas.microsoft.com/office/drawing/2014/main" id="{9FFDD7A7-A2F4-8D89-64AF-09316359DEA6}"/>
+                  </a:ext>
+                </a:extLst>
+              </p:cNvPr>
+              <p:cNvSpPr/>
+              <p:nvPr/>
+            </p:nvSpPr>
+            <p:spPr>
+              <a:xfrm>
+                <a:off x="9048750" y="799216"/>
+                <a:ext cx="1070113" cy="369748"/>
+              </a:xfrm>
+              <a:prstGeom prst="rect">
+                <a:avLst/>
+              </a:prstGeom>
+              <a:ln w="28575">
+                <a:solidFill>
+                  <a:srgbClr val="00B0F0"/>
+                </a:solidFill>
+              </a:ln>
+            </p:spPr>
+            <p:style>
+              <a:lnRef idx="2">
+                <a:schemeClr val="accent2"/>
+              </a:lnRef>
+              <a:fillRef idx="1">
+                <a:schemeClr val="lt1"/>
+              </a:fillRef>
+              <a:effectRef idx="0">
+                <a:schemeClr val="accent2"/>
+              </a:effectRef>
+              <a:fontRef idx="minor">
+                <a:schemeClr val="dk1"/>
+              </a:fontRef>
+            </p:style>
+            <p:txBody>
+              <a:bodyPr rtlCol="0" anchor="ctr"/>
+              <a:lstStyle/>
+              <a:p>
+                <a:pPr algn="ctr"/>
+                <a:r>
+                  <a:rPr lang="en-US" altLang="ko-KR" sz="1200" dirty="0"/>
+                  <a:t>app=node</a:t>
+                </a:r>
+                <a:endParaRPr lang="ko-KR" altLang="en-US" sz="1200" dirty="0"/>
+              </a:p>
+            </p:txBody>
+          </p:sp>
+        </p:grpSp>
+        <p:grpSp>
+          <p:nvGrpSpPr>
+            <p:cNvPr id="51" name="그룹 50">
+              <a:extLst>
+                <a:ext uri="{FF2B5EF4-FFF2-40B4-BE49-F238E27FC236}">
+                  <a16:creationId xmlns:a16="http://schemas.microsoft.com/office/drawing/2014/main" id="{5F1D49E5-9AB2-9E14-712A-AF4FE09F5C26}"/>
+                </a:ext>
+              </a:extLst>
+            </p:cNvPr>
+            <p:cNvGrpSpPr/>
+            <p:nvPr/>
+          </p:nvGrpSpPr>
+          <p:grpSpPr>
+            <a:xfrm>
+              <a:off x="7261589" y="2275514"/>
+              <a:ext cx="1807266" cy="1186733"/>
+              <a:chOff x="8647043" y="2275514"/>
+              <a:chExt cx="1807266" cy="1186733"/>
+            </a:xfrm>
+          </p:grpSpPr>
+          <p:grpSp>
+            <p:nvGrpSpPr>
+              <p:cNvPr id="12" name="그룹 11">
+                <a:extLst>
+                  <a:ext uri="{FF2B5EF4-FFF2-40B4-BE49-F238E27FC236}">
+                    <a16:creationId xmlns:a16="http://schemas.microsoft.com/office/drawing/2014/main" id="{0C63A4AA-6564-23FF-A7F8-6947DEFF8942}"/>
+                  </a:ext>
+                </a:extLst>
+              </p:cNvPr>
+              <p:cNvGrpSpPr/>
+              <p:nvPr/>
+            </p:nvGrpSpPr>
+            <p:grpSpPr>
+              <a:xfrm>
+                <a:off x="8647043" y="2448455"/>
+                <a:ext cx="1807266" cy="1013792"/>
+                <a:chOff x="1336811" y="639534"/>
+                <a:chExt cx="1807266" cy="1013792"/>
+              </a:xfrm>
+            </p:grpSpPr>
+            <p:sp>
+              <p:nvSpPr>
+                <p:cNvPr id="31" name="직사각형 30">
+                  <a:extLst>
+                    <a:ext uri="{FF2B5EF4-FFF2-40B4-BE49-F238E27FC236}">
+                      <a16:creationId xmlns:a16="http://schemas.microsoft.com/office/drawing/2014/main" id="{6BE66E03-7567-3677-9BE0-BEC6E1F6483F}"/>
+                    </a:ext>
+                  </a:extLst>
+                </p:cNvPr>
+                <p:cNvSpPr/>
+                <p:nvPr/>
+              </p:nvSpPr>
+              <p:spPr>
+                <a:xfrm>
+                  <a:off x="1403074" y="639534"/>
+                  <a:ext cx="1741003" cy="1013792"/>
+                </a:xfrm>
+                <a:prstGeom prst="rect">
+                  <a:avLst/>
+                </a:prstGeom>
+                <a:solidFill>
+                  <a:schemeClr val="accent1">
+                    <a:lumMod val="75000"/>
+                  </a:schemeClr>
+                </a:solidFill>
+                <a:ln w="9525" cap="flat" cmpd="sng" algn="ctr">
+                  <a:solidFill>
+                    <a:schemeClr val="accent1"/>
+                  </a:solidFill>
+                  <a:prstDash val="solid"/>
+                  <a:round/>
+                  <a:headEnd type="none" w="med" len="med"/>
+                  <a:tailEnd type="none" w="med" len="med"/>
+                </a:ln>
+              </p:spPr>
+              <p:style>
+                <a:lnRef idx="0">
+                  <a:scrgbClr r="0" g="0" b="0"/>
+                </a:lnRef>
+                <a:fillRef idx="0">
+                  <a:scrgbClr r="0" g="0" b="0"/>
+                </a:fillRef>
+                <a:effectRef idx="0">
+                  <a:scrgbClr r="0" g="0" b="0"/>
+                </a:effectRef>
+                <a:fontRef idx="minor">
+                  <a:schemeClr val="accent1"/>
+                </a:fontRef>
+              </p:style>
+              <p:txBody>
+                <a:bodyPr rtlCol="0" anchor="ctr"/>
+                <a:lstStyle/>
+                <a:p>
+                  <a:pPr algn="ctr"/>
+                  <a:r>
+                    <a:rPr lang="en-US" altLang="ko-KR" b="1" dirty="0">
+                      <a:solidFill>
+                        <a:schemeClr val="bg1"/>
+                      </a:solidFill>
+                      <a:effectLst/>
+                      <a:latin typeface="Consolas" panose="020B0609020204030204" pitchFamily="49" charset="0"/>
+                    </a:rPr>
+                    <a:t>Pod </a:t>
+                  </a:r>
+                  <a:r>
+                    <a:rPr lang="en-US" altLang="ko-KR" b="0" dirty="0">
+                      <a:solidFill>
+                        <a:srgbClr val="D4D4D4"/>
+                      </a:solidFill>
+                      <a:effectLst/>
+                      <a:latin typeface="Consolas" panose="020B0609020204030204" pitchFamily="49" charset="0"/>
+                    </a:rPr>
+                    <a:t>(5hh9f</a:t>
+                  </a:r>
+                  <a:r>
+                    <a:rPr lang="en-US" altLang="ko-KR" dirty="0">
+                      <a:solidFill>
+                        <a:schemeClr val="bg1">
+                          <a:lumMod val="65000"/>
+                        </a:schemeClr>
+                      </a:solidFill>
+                      <a:latin typeface="Consolas" panose="020B0609020204030204" pitchFamily="49" charset="0"/>
+                    </a:rPr>
+                    <a:t>)</a:t>
+                  </a:r>
+                  <a:endParaRPr lang="en-US" altLang="ko-KR" b="0" dirty="0">
+                    <a:solidFill>
+                      <a:srgbClr val="D4D4D4"/>
+                    </a:solidFill>
+                    <a:effectLst/>
+                    <a:latin typeface="Consolas" panose="020B0609020204030204" pitchFamily="49" charset="0"/>
+                  </a:endParaRPr>
+                </a:p>
+              </p:txBody>
+            </p:sp>
+            <p:sp>
+              <p:nvSpPr>
+                <p:cNvPr id="32" name="직사각형 31">
+                  <a:extLst>
+                    <a:ext uri="{FF2B5EF4-FFF2-40B4-BE49-F238E27FC236}">
+                      <a16:creationId xmlns:a16="http://schemas.microsoft.com/office/drawing/2014/main" id="{76CD7926-A90D-9B8C-7805-663B54B00742}"/>
+                    </a:ext>
+                  </a:extLst>
+                </p:cNvPr>
+                <p:cNvSpPr/>
+                <p:nvPr/>
+              </p:nvSpPr>
+              <p:spPr>
+                <a:xfrm>
+                  <a:off x="1336811" y="1349760"/>
+                  <a:ext cx="1070113" cy="279274"/>
+                </a:xfrm>
+                <a:prstGeom prst="rect">
+                  <a:avLst/>
+                </a:prstGeom>
+                <a:noFill/>
+                <a:ln w="9525" cap="flat" cmpd="sng" algn="ctr">
+                  <a:noFill/>
+                  <a:prstDash val="solid"/>
+                  <a:round/>
+                  <a:headEnd type="none" w="med" len="med"/>
+                  <a:tailEnd type="none" w="med" len="med"/>
+                </a:ln>
+              </p:spPr>
+              <p:style>
+                <a:lnRef idx="0">
+                  <a:scrgbClr r="0" g="0" b="0"/>
+                </a:lnRef>
+                <a:fillRef idx="0">
+                  <a:scrgbClr r="0" g="0" b="0"/>
+                </a:fillRef>
+                <a:effectRef idx="0">
+                  <a:scrgbClr r="0" g="0" b="0"/>
+                </a:effectRef>
+                <a:fontRef idx="minor">
+                  <a:schemeClr val="accent1"/>
+                </a:fontRef>
+              </p:style>
+              <p:txBody>
+                <a:bodyPr rtlCol="0" anchor="ctr"/>
+                <a:lstStyle/>
+                <a:p>
+                  <a:pPr algn="ctr"/>
+                  <a:r>
+                    <a:rPr lang="en-US" altLang="ko-KR" sz="1200" b="1" dirty="0">
+                      <a:solidFill>
+                        <a:schemeClr val="bg1"/>
+                      </a:solidFill>
+                      <a:effectLst/>
+                      <a:latin typeface="Consolas" panose="020B0609020204030204" pitchFamily="49" charset="0"/>
+                    </a:rPr>
+                    <a:t>10.0.1.4</a:t>
+                  </a:r>
+                  <a:endParaRPr lang="en-US" altLang="ko-KR" sz="1200" b="0" dirty="0">
+                    <a:solidFill>
+                      <a:schemeClr val="bg1">
+                        <a:lumMod val="65000"/>
+                      </a:schemeClr>
+                    </a:solidFill>
+                    <a:effectLst/>
+                    <a:latin typeface="Consolas" panose="020B0609020204030204" pitchFamily="49" charset="0"/>
+                  </a:endParaRPr>
+                </a:p>
+              </p:txBody>
+            </p:sp>
+          </p:grpSp>
+          <p:sp>
+            <p:nvSpPr>
+              <p:cNvPr id="37" name="직사각형 36">
+                <a:extLst>
+                  <a:ext uri="{FF2B5EF4-FFF2-40B4-BE49-F238E27FC236}">
+                    <a16:creationId xmlns:a16="http://schemas.microsoft.com/office/drawing/2014/main" id="{C11338A7-FF5C-6976-23C4-668A77E781C6}"/>
+                  </a:ext>
+                </a:extLst>
+              </p:cNvPr>
+              <p:cNvSpPr/>
+              <p:nvPr/>
+            </p:nvSpPr>
+            <p:spPr>
+              <a:xfrm>
+                <a:off x="9048750" y="2275514"/>
+                <a:ext cx="1070113" cy="369748"/>
+              </a:xfrm>
+              <a:prstGeom prst="rect">
+                <a:avLst/>
+              </a:prstGeom>
+              <a:ln w="28575">
+                <a:solidFill>
+                  <a:srgbClr val="00B0F0"/>
+                </a:solidFill>
+              </a:ln>
+            </p:spPr>
+            <p:style>
+              <a:lnRef idx="2">
+                <a:schemeClr val="accent2"/>
+              </a:lnRef>
+              <a:fillRef idx="1">
+                <a:schemeClr val="lt1"/>
+              </a:fillRef>
+              <a:effectRef idx="0">
+                <a:schemeClr val="accent2"/>
+              </a:effectRef>
+              <a:fontRef idx="minor">
+                <a:schemeClr val="dk1"/>
+              </a:fontRef>
+            </p:style>
+            <p:txBody>
+              <a:bodyPr rtlCol="0" anchor="ctr"/>
+              <a:lstStyle/>
+              <a:p>
+                <a:pPr algn="ctr"/>
+                <a:r>
+                  <a:rPr lang="en-US" altLang="ko-KR" sz="1200" dirty="0"/>
+                  <a:t>app=node</a:t>
+                </a:r>
+                <a:endParaRPr lang="ko-KR" altLang="en-US" sz="1200" dirty="0"/>
+              </a:p>
+            </p:txBody>
+          </p:sp>
+        </p:grpSp>
+        <p:grpSp>
+          <p:nvGrpSpPr>
+            <p:cNvPr id="52" name="그룹 51">
+              <a:extLst>
+                <a:ext uri="{FF2B5EF4-FFF2-40B4-BE49-F238E27FC236}">
+                  <a16:creationId xmlns:a16="http://schemas.microsoft.com/office/drawing/2014/main" id="{5EC2A850-22EE-B02D-3355-D48512A1CE10}"/>
+                </a:ext>
+              </a:extLst>
+            </p:cNvPr>
+            <p:cNvGrpSpPr/>
+            <p:nvPr/>
+          </p:nvGrpSpPr>
+          <p:grpSpPr>
+            <a:xfrm>
+              <a:off x="7261589" y="3727946"/>
+              <a:ext cx="1807266" cy="1198666"/>
+              <a:chOff x="8647043" y="3727946"/>
+              <a:chExt cx="1807266" cy="1198666"/>
+            </a:xfrm>
+          </p:grpSpPr>
+          <p:grpSp>
+            <p:nvGrpSpPr>
+              <p:cNvPr id="13" name="그룹 12">
+                <a:extLst>
+                  <a:ext uri="{FF2B5EF4-FFF2-40B4-BE49-F238E27FC236}">
+                    <a16:creationId xmlns:a16="http://schemas.microsoft.com/office/drawing/2014/main" id="{31771B50-F639-7A28-AAC3-087A1C3E94F7}"/>
+                  </a:ext>
+                </a:extLst>
+              </p:cNvPr>
+              <p:cNvGrpSpPr/>
+              <p:nvPr/>
+            </p:nvGrpSpPr>
+            <p:grpSpPr>
+              <a:xfrm>
+                <a:off x="8647043" y="3912820"/>
+                <a:ext cx="1807266" cy="1013792"/>
+                <a:chOff x="1336811" y="639534"/>
+                <a:chExt cx="1807266" cy="1013792"/>
+              </a:xfrm>
+            </p:grpSpPr>
+            <p:sp>
+              <p:nvSpPr>
+                <p:cNvPr id="29" name="직사각형 28">
+                  <a:extLst>
+                    <a:ext uri="{FF2B5EF4-FFF2-40B4-BE49-F238E27FC236}">
+                      <a16:creationId xmlns:a16="http://schemas.microsoft.com/office/drawing/2014/main" id="{FE93445B-3081-0B7A-D553-6D92D73AEFEE}"/>
+                    </a:ext>
+                  </a:extLst>
+                </p:cNvPr>
+                <p:cNvSpPr/>
+                <p:nvPr/>
+              </p:nvSpPr>
+              <p:spPr>
+                <a:xfrm>
+                  <a:off x="1403074" y="639534"/>
+                  <a:ext cx="1741003" cy="1013792"/>
+                </a:xfrm>
+                <a:prstGeom prst="rect">
+                  <a:avLst/>
+                </a:prstGeom>
+                <a:solidFill>
+                  <a:schemeClr val="accent1">
+                    <a:lumMod val="75000"/>
+                  </a:schemeClr>
+                </a:solidFill>
+                <a:ln w="9525" cap="flat" cmpd="sng" algn="ctr">
+                  <a:solidFill>
+                    <a:schemeClr val="accent1"/>
+                  </a:solidFill>
+                  <a:prstDash val="solid"/>
+                  <a:round/>
+                  <a:headEnd type="none" w="med" len="med"/>
+                  <a:tailEnd type="none" w="med" len="med"/>
+                </a:ln>
+              </p:spPr>
+              <p:style>
+                <a:lnRef idx="0">
+                  <a:scrgbClr r="0" g="0" b="0"/>
+                </a:lnRef>
+                <a:fillRef idx="0">
+                  <a:scrgbClr r="0" g="0" b="0"/>
+                </a:fillRef>
+                <a:effectRef idx="0">
+                  <a:scrgbClr r="0" g="0" b="0"/>
+                </a:effectRef>
+                <a:fontRef idx="minor">
+                  <a:schemeClr val="accent1"/>
+                </a:fontRef>
+              </p:style>
+              <p:txBody>
+                <a:bodyPr rtlCol="0" anchor="ctr"/>
+                <a:lstStyle/>
+                <a:p>
+                  <a:pPr algn="ctr"/>
+                  <a:r>
+                    <a:rPr lang="en-US" altLang="ko-KR" b="1" dirty="0">
+                      <a:solidFill>
+                        <a:schemeClr val="bg1"/>
+                      </a:solidFill>
+                      <a:effectLst/>
+                      <a:latin typeface="Consolas" panose="020B0609020204030204" pitchFamily="49" charset="0"/>
+                    </a:rPr>
+                    <a:t>Pod </a:t>
+                  </a:r>
+                  <a:r>
+                    <a:rPr lang="en-US" altLang="ko-KR" b="0" dirty="0">
+                      <a:solidFill>
+                        <a:srgbClr val="D4D4D4"/>
+                      </a:solidFill>
+                      <a:effectLst/>
+                      <a:latin typeface="Consolas" panose="020B0609020204030204" pitchFamily="49" charset="0"/>
+                    </a:rPr>
+                    <a:t>(gxl25</a:t>
+                  </a:r>
+                  <a:r>
+                    <a:rPr lang="en-US" altLang="ko-KR" dirty="0">
+                      <a:solidFill>
+                        <a:schemeClr val="bg1">
+                          <a:lumMod val="65000"/>
+                        </a:schemeClr>
+                      </a:solidFill>
+                      <a:latin typeface="Consolas" panose="020B0609020204030204" pitchFamily="49" charset="0"/>
+                    </a:rPr>
+                    <a:t>)</a:t>
+                  </a:r>
+                  <a:endParaRPr lang="en-US" altLang="ko-KR" b="0" dirty="0">
+                    <a:solidFill>
+                      <a:srgbClr val="D4D4D4"/>
+                    </a:solidFill>
+                    <a:effectLst/>
+                    <a:latin typeface="Consolas" panose="020B0609020204030204" pitchFamily="49" charset="0"/>
+                  </a:endParaRPr>
+                </a:p>
+              </p:txBody>
+            </p:sp>
+            <p:sp>
+              <p:nvSpPr>
+                <p:cNvPr id="30" name="직사각형 29">
+                  <a:extLst>
+                    <a:ext uri="{FF2B5EF4-FFF2-40B4-BE49-F238E27FC236}">
+                      <a16:creationId xmlns:a16="http://schemas.microsoft.com/office/drawing/2014/main" id="{C65BA019-A5C1-7330-8F52-46B585DD51EF}"/>
+                    </a:ext>
+                  </a:extLst>
+                </p:cNvPr>
+                <p:cNvSpPr/>
+                <p:nvPr/>
+              </p:nvSpPr>
+              <p:spPr>
+                <a:xfrm>
+                  <a:off x="1336811" y="1349760"/>
+                  <a:ext cx="1070113" cy="279274"/>
+                </a:xfrm>
+                <a:prstGeom prst="rect">
+                  <a:avLst/>
+                </a:prstGeom>
+                <a:noFill/>
+                <a:ln w="9525" cap="flat" cmpd="sng" algn="ctr">
+                  <a:noFill/>
+                  <a:prstDash val="solid"/>
+                  <a:round/>
+                  <a:headEnd type="none" w="med" len="med"/>
+                  <a:tailEnd type="none" w="med" len="med"/>
+                </a:ln>
+              </p:spPr>
+              <p:style>
+                <a:lnRef idx="0">
+                  <a:scrgbClr r="0" g="0" b="0"/>
+                </a:lnRef>
+                <a:fillRef idx="0">
+                  <a:scrgbClr r="0" g="0" b="0"/>
+                </a:fillRef>
+                <a:effectRef idx="0">
+                  <a:scrgbClr r="0" g="0" b="0"/>
+                </a:effectRef>
+                <a:fontRef idx="minor">
+                  <a:schemeClr val="accent1"/>
+                </a:fontRef>
+              </p:style>
+              <p:txBody>
+                <a:bodyPr rtlCol="0" anchor="ctr"/>
+                <a:lstStyle/>
+                <a:p>
+                  <a:pPr algn="ctr"/>
+                  <a:r>
+                    <a:rPr lang="en-US" altLang="ko-KR" sz="1200" b="1" dirty="0">
+                      <a:solidFill>
+                        <a:schemeClr val="bg1"/>
+                      </a:solidFill>
+                      <a:effectLst/>
+                      <a:latin typeface="Consolas" panose="020B0609020204030204" pitchFamily="49" charset="0"/>
+                    </a:rPr>
+                    <a:t>10.0.1.5</a:t>
+                  </a:r>
+                  <a:endParaRPr lang="en-US" altLang="ko-KR" sz="1200" b="0" dirty="0">
+                    <a:solidFill>
+                      <a:schemeClr val="bg1">
+                        <a:lumMod val="65000"/>
+                      </a:schemeClr>
+                    </a:solidFill>
+                    <a:effectLst/>
+                    <a:latin typeface="Consolas" panose="020B0609020204030204" pitchFamily="49" charset="0"/>
+                  </a:endParaRPr>
+                </a:p>
+              </p:txBody>
+            </p:sp>
+          </p:grpSp>
+          <p:sp>
+            <p:nvSpPr>
+              <p:cNvPr id="38" name="직사각형 37">
+                <a:extLst>
+                  <a:ext uri="{FF2B5EF4-FFF2-40B4-BE49-F238E27FC236}">
+                    <a16:creationId xmlns:a16="http://schemas.microsoft.com/office/drawing/2014/main" id="{D9C9E722-C64F-56B0-B079-E097A31C213A}"/>
+                  </a:ext>
+                </a:extLst>
+              </p:cNvPr>
+              <p:cNvSpPr/>
+              <p:nvPr/>
+            </p:nvSpPr>
+            <p:spPr>
+              <a:xfrm>
+                <a:off x="9048750" y="3727946"/>
+                <a:ext cx="1070113" cy="369748"/>
+              </a:xfrm>
+              <a:prstGeom prst="rect">
+                <a:avLst/>
+              </a:prstGeom>
+              <a:ln w="28575">
+                <a:solidFill>
+                  <a:srgbClr val="00B0F0"/>
+                </a:solidFill>
+              </a:ln>
+            </p:spPr>
+            <p:style>
+              <a:lnRef idx="2">
+                <a:schemeClr val="accent2"/>
+              </a:lnRef>
+              <a:fillRef idx="1">
+                <a:schemeClr val="lt1"/>
+              </a:fillRef>
+              <a:effectRef idx="0">
+                <a:schemeClr val="accent2"/>
+              </a:effectRef>
+              <a:fontRef idx="minor">
+                <a:schemeClr val="dk1"/>
+              </a:fontRef>
+            </p:style>
+            <p:txBody>
+              <a:bodyPr rtlCol="0" anchor="ctr"/>
+              <a:lstStyle/>
+              <a:p>
+                <a:pPr algn="ctr"/>
+                <a:r>
+                  <a:rPr lang="en-US" altLang="ko-KR" sz="1200" dirty="0"/>
+                  <a:t>app=node</a:t>
+                </a:r>
+                <a:endParaRPr lang="ko-KR" altLang="en-US" sz="1200" dirty="0"/>
+              </a:p>
+            </p:txBody>
+          </p:sp>
+        </p:grpSp>
+        <p:sp>
+          <p:nvSpPr>
+            <p:cNvPr id="44" name="직사각형 43">
+              <a:extLst>
+                <a:ext uri="{FF2B5EF4-FFF2-40B4-BE49-F238E27FC236}">
+                  <a16:creationId xmlns:a16="http://schemas.microsoft.com/office/drawing/2014/main" id="{DE1B9F89-ABF7-196B-9F09-03F70EB411CC}"/>
+                </a:ext>
+              </a:extLst>
+            </p:cNvPr>
+            <p:cNvSpPr/>
+            <p:nvPr/>
+          </p:nvSpPr>
+          <p:spPr>
+            <a:xfrm>
+              <a:off x="4561609" y="1168965"/>
+              <a:ext cx="1133764" cy="3593718"/>
+            </a:xfrm>
+            <a:prstGeom prst="rect">
+              <a:avLst/>
+            </a:prstGeom>
+            <a:ln w="19050">
+              <a:solidFill>
+                <a:schemeClr val="accent1"/>
+              </a:solidFill>
+            </a:ln>
+          </p:spPr>
+          <p:style>
+            <a:lnRef idx="2">
+              <a:schemeClr val="accent2"/>
+            </a:lnRef>
+            <a:fillRef idx="1">
+              <a:schemeClr val="lt1"/>
+            </a:fillRef>
+            <a:effectRef idx="0">
+              <a:schemeClr val="accent2"/>
+            </a:effectRef>
+            <a:fontRef idx="minor">
+              <a:schemeClr val="dk1"/>
+            </a:fontRef>
+          </p:style>
+          <p:txBody>
+            <a:bodyPr rtlCol="0" anchor="ctr"/>
+            <a:lstStyle/>
+            <a:p>
+              <a:pPr algn="ctr"/>
+              <a:r>
+                <a:rPr lang="en-US" altLang="ko-KR" sz="1200" dirty="0"/>
+                <a:t>endpoints</a:t>
+              </a:r>
+            </a:p>
+            <a:p>
+              <a:pPr algn="ctr"/>
+              <a:endParaRPr lang="en-US" altLang="ko-KR" sz="1200" dirty="0"/>
+            </a:p>
+            <a:p>
+              <a:pPr algn="ctr"/>
+              <a:r>
+                <a:rPr lang="en-US" altLang="ko-KR" sz="900" dirty="0"/>
+                <a:t>[ 172.17.0.3, 172.17.0.4, 172.17.0.5]</a:t>
+              </a:r>
+              <a:endParaRPr lang="ko-KR" altLang="en-US" sz="900" dirty="0"/>
+            </a:p>
+          </p:txBody>
+        </p:sp>
+        <p:cxnSp>
+          <p:nvCxnSpPr>
+            <p:cNvPr id="53" name="연결선: 꺾임 52">
+              <a:extLst>
+                <a:ext uri="{FF2B5EF4-FFF2-40B4-BE49-F238E27FC236}">
+                  <a16:creationId xmlns:a16="http://schemas.microsoft.com/office/drawing/2014/main" id="{CC39E8FF-0675-5E61-FDF0-27C1AF9F15E8}"/>
+                </a:ext>
+              </a:extLst>
+            </p:cNvPr>
+            <p:cNvCxnSpPr>
+              <a:cxnSpLocks/>
+              <a:stCxn id="30" idx="3"/>
+              <a:endCxn id="35" idx="3"/>
+            </p:cNvCxnSpPr>
+            <p:nvPr/>
+          </p:nvCxnSpPr>
+          <p:spPr>
+            <a:xfrm flipV="1">
+              <a:off x="8331702" y="1833953"/>
+              <a:ext cx="12700" cy="2928730"/>
+            </a:xfrm>
+            <a:prstGeom prst="bentConnector3">
+              <a:avLst>
+                <a:gd name="adj1" fmla="val 13581819"/>
+              </a:avLst>
+            </a:prstGeom>
+            <a:ln w="25400">
+              <a:solidFill>
+                <a:schemeClr val="bg1">
+                  <a:lumMod val="75000"/>
+                </a:schemeClr>
+              </a:solidFill>
+              <a:prstDash val="dash"/>
+              <a:headEnd type="arrow"/>
+              <a:tailEnd type="triangle"/>
+            </a:ln>
+          </p:spPr>
+          <p:style>
+            <a:lnRef idx="1">
+              <a:schemeClr val="accent1"/>
+            </a:lnRef>
+            <a:fillRef idx="0">
+              <a:schemeClr val="accent1"/>
+            </a:fillRef>
+            <a:effectRef idx="0">
+              <a:schemeClr val="accent1"/>
+            </a:effectRef>
+            <a:fontRef idx="minor">
+              <a:schemeClr val="tx1"/>
+            </a:fontRef>
+          </p:style>
+        </p:cxnSp>
+        <p:cxnSp>
+          <p:nvCxnSpPr>
+            <p:cNvPr id="58" name="직선 화살표 연결선 57">
+              <a:extLst>
+                <a:ext uri="{FF2B5EF4-FFF2-40B4-BE49-F238E27FC236}">
+                  <a16:creationId xmlns:a16="http://schemas.microsoft.com/office/drawing/2014/main" id="{F6D314DF-711F-2E36-F967-21644CB58CA4}"/>
+                </a:ext>
+              </a:extLst>
+            </p:cNvPr>
+            <p:cNvCxnSpPr>
+              <a:cxnSpLocks/>
+            </p:cNvCxnSpPr>
+            <p:nvPr/>
+          </p:nvCxnSpPr>
+          <p:spPr>
+            <a:xfrm flipH="1">
+              <a:off x="8331702" y="3298318"/>
+              <a:ext cx="1726698" cy="0"/>
+            </a:xfrm>
+            <a:prstGeom prst="straightConnector1">
+              <a:avLst/>
+            </a:prstGeom>
+            <a:ln w="22225">
+              <a:solidFill>
+                <a:schemeClr val="bg1">
+                  <a:lumMod val="75000"/>
+                </a:schemeClr>
+              </a:solidFill>
+              <a:prstDash val="dash"/>
+              <a:tailEnd type="triangle"/>
+            </a:ln>
+          </p:spPr>
+          <p:style>
+            <a:lnRef idx="1">
+              <a:schemeClr val="accent1"/>
+            </a:lnRef>
+            <a:fillRef idx="0">
+              <a:schemeClr val="accent1"/>
+            </a:fillRef>
+            <a:effectRef idx="0">
+              <a:schemeClr val="accent1"/>
+            </a:effectRef>
+            <a:fontRef idx="minor">
+              <a:schemeClr val="tx1"/>
+            </a:fontRef>
+          </p:style>
+        </p:cxnSp>
+        <p:cxnSp>
+          <p:nvCxnSpPr>
+            <p:cNvPr id="61" name="직선 화살표 연결선 60">
+              <a:extLst>
+                <a:ext uri="{FF2B5EF4-FFF2-40B4-BE49-F238E27FC236}">
+                  <a16:creationId xmlns:a16="http://schemas.microsoft.com/office/drawing/2014/main" id="{4201AEDB-BC2A-6791-8648-E33353974EB0}"/>
+                </a:ext>
+              </a:extLst>
+            </p:cNvPr>
+            <p:cNvCxnSpPr>
+              <a:cxnSpLocks/>
+              <a:stCxn id="44" idx="3"/>
+              <a:endCxn id="31" idx="1"/>
+            </p:cNvCxnSpPr>
+            <p:nvPr/>
+          </p:nvCxnSpPr>
+          <p:spPr>
+            <a:xfrm flipV="1">
+              <a:off x="5695373" y="2955351"/>
+              <a:ext cx="1632479" cy="10473"/>
+            </a:xfrm>
+            <a:prstGeom prst="straightConnector1">
+              <a:avLst/>
+            </a:prstGeom>
+            <a:ln w="22225">
+              <a:solidFill>
+                <a:srgbClr val="FFC000"/>
+              </a:solidFill>
+              <a:prstDash val="dash"/>
+              <a:tailEnd type="triangle"/>
+            </a:ln>
+          </p:spPr>
+          <p:style>
+            <a:lnRef idx="1">
+              <a:schemeClr val="accent1"/>
+            </a:lnRef>
+            <a:fillRef idx="0">
+              <a:schemeClr val="accent1"/>
+            </a:fillRef>
+            <a:effectRef idx="0">
+              <a:schemeClr val="accent1"/>
+            </a:effectRef>
+            <a:fontRef idx="minor">
+              <a:schemeClr val="tx1"/>
+            </a:fontRef>
+          </p:style>
+        </p:cxnSp>
+      </p:grpSp>
+    </p:spTree>
+    <p:extLst>
+      <p:ext uri="{BB962C8B-B14F-4D97-AF65-F5344CB8AC3E}">
+        <p14:creationId xmlns:p14="http://schemas.microsoft.com/office/powerpoint/2010/main" val="3089350616"/>
       </p:ext>
     </p:extLst>
   </p:cSld>

--- a/assets/images.pptx
+++ b/assets/images.pptx
@@ -18,6 +18,10 @@
     <p:sldId id="266" r:id="rId12"/>
     <p:sldId id="267" r:id="rId13"/>
     <p:sldId id="268" r:id="rId14"/>
+    <p:sldId id="269" r:id="rId15"/>
+    <p:sldId id="270" r:id="rId16"/>
+    <p:sldId id="271" r:id="rId17"/>
+    <p:sldId id="272" r:id="rId18"/>
   </p:sldIdLst>
   <p:sldSz cx="12192000" cy="6858000"/>
   <p:notesSz cx="6858000" cy="9144000"/>
@@ -7582,10 +7586,10 @@
       </p:sp>
       <p:grpSp>
         <p:nvGrpSpPr>
-          <p:cNvPr id="76" name="그룹 75">
+          <p:cNvPr id="85" name="그룹 84">
             <a:extLst>
               <a:ext uri="{FF2B5EF4-FFF2-40B4-BE49-F238E27FC236}">
-                <a16:creationId xmlns:a16="http://schemas.microsoft.com/office/drawing/2014/main" id="{4258EB1B-009F-DB69-F87D-D86AD2065C5B}"/>
+                <a16:creationId xmlns:a16="http://schemas.microsoft.com/office/drawing/2014/main" id="{24696C4A-E017-9920-8119-711FBD0B50A7}"/>
               </a:ext>
             </a:extLst>
           </p:cNvPr>
@@ -7600,12 +7604,1264 @@
             <a:chExt cx="9134764" cy="5231178"/>
           </a:xfrm>
         </p:grpSpPr>
+        <p:grpSp>
+          <p:nvGrpSpPr>
+            <p:cNvPr id="76" name="그룹 75">
+              <a:extLst>
+                <a:ext uri="{FF2B5EF4-FFF2-40B4-BE49-F238E27FC236}">
+                  <a16:creationId xmlns:a16="http://schemas.microsoft.com/office/drawing/2014/main" id="{4258EB1B-009F-DB69-F87D-D86AD2065C5B}"/>
+                </a:ext>
+              </a:extLst>
+            </p:cNvPr>
+            <p:cNvGrpSpPr/>
+            <p:nvPr/>
+          </p:nvGrpSpPr>
+          <p:grpSpPr>
+            <a:xfrm>
+              <a:off x="2133600" y="666039"/>
+              <a:ext cx="9134764" cy="5231178"/>
+              <a:chOff x="2133600" y="666039"/>
+              <a:chExt cx="9134764" cy="5231178"/>
+            </a:xfrm>
+          </p:grpSpPr>
+          <p:sp>
+            <p:nvSpPr>
+              <p:cNvPr id="10" name="직사각형 9">
+                <a:extLst>
+                  <a:ext uri="{FF2B5EF4-FFF2-40B4-BE49-F238E27FC236}">
+                    <a16:creationId xmlns:a16="http://schemas.microsoft.com/office/drawing/2014/main" id="{BB773FBB-3EFA-9C7C-F87A-6BC08344F8BF}"/>
+                  </a:ext>
+                </a:extLst>
+              </p:cNvPr>
+              <p:cNvSpPr/>
+              <p:nvPr/>
+            </p:nvSpPr>
+            <p:spPr>
+              <a:xfrm>
+                <a:off x="2146851" y="666039"/>
+                <a:ext cx="9121513" cy="5231178"/>
+              </a:xfrm>
+              <a:prstGeom prst="rect">
+                <a:avLst/>
+              </a:prstGeom>
+              <a:solidFill>
+                <a:schemeClr val="tx1">
+                  <a:lumMod val="75000"/>
+                  <a:lumOff val="25000"/>
+                </a:schemeClr>
+              </a:solidFill>
+              <a:ln w="9525" cap="flat" cmpd="sng" algn="ctr">
+                <a:solidFill>
+                  <a:schemeClr val="accent1"/>
+                </a:solidFill>
+                <a:prstDash val="solid"/>
+                <a:round/>
+                <a:headEnd type="none" w="med" len="med"/>
+                <a:tailEnd type="none" w="med" len="med"/>
+              </a:ln>
+            </p:spPr>
+            <p:style>
+              <a:lnRef idx="0">
+                <a:scrgbClr r="0" g="0" b="0"/>
+              </a:lnRef>
+              <a:fillRef idx="0">
+                <a:scrgbClr r="0" g="0" b="0"/>
+              </a:fillRef>
+              <a:effectRef idx="0">
+                <a:scrgbClr r="0" g="0" b="0"/>
+              </a:effectRef>
+              <a:fontRef idx="minor">
+                <a:schemeClr val="accent1"/>
+              </a:fontRef>
+            </p:style>
+            <p:txBody>
+              <a:bodyPr rtlCol="0" anchor="b"/>
+              <a:lstStyle/>
+              <a:p>
+                <a:pPr algn="ctr"/>
+                <a:r>
+                  <a:rPr lang="en-US" altLang="ko-KR" b="1" dirty="0">
+                    <a:solidFill>
+                      <a:schemeClr val="bg1"/>
+                    </a:solidFill>
+                    <a:effectLst/>
+                    <a:latin typeface="Consolas" panose="020B0609020204030204" pitchFamily="49" charset="0"/>
+                  </a:rPr>
+                  <a:t>Node </a:t>
+                </a:r>
+                <a:r>
+                  <a:rPr lang="en-US" altLang="ko-KR" b="1" dirty="0">
+                    <a:solidFill>
+                      <a:schemeClr val="bg1">
+                        <a:lumMod val="65000"/>
+                      </a:schemeClr>
+                    </a:solidFill>
+                    <a:effectLst/>
+                    <a:latin typeface="Consolas" panose="020B0609020204030204" pitchFamily="49" charset="0"/>
+                  </a:rPr>
+                  <a:t>(Master)</a:t>
+                </a:r>
+              </a:p>
+              <a:p>
+                <a:pPr algn="ctr"/>
+                <a:endParaRPr lang="en-US" altLang="ko-KR" b="0" dirty="0">
+                  <a:solidFill>
+                    <a:schemeClr val="bg1">
+                      <a:lumMod val="65000"/>
+                    </a:schemeClr>
+                  </a:solidFill>
+                  <a:effectLst/>
+                  <a:latin typeface="Consolas" panose="020B0609020204030204" pitchFamily="49" charset="0"/>
+                </a:endParaRPr>
+              </a:p>
+            </p:txBody>
+          </p:sp>
+          <p:sp>
+            <p:nvSpPr>
+              <p:cNvPr id="14" name="직사각형 13">
+                <a:extLst>
+                  <a:ext uri="{FF2B5EF4-FFF2-40B4-BE49-F238E27FC236}">
+                    <a16:creationId xmlns:a16="http://schemas.microsoft.com/office/drawing/2014/main" id="{473371C5-0642-C9DE-13EC-762878111D67}"/>
+                  </a:ext>
+                </a:extLst>
+              </p:cNvPr>
+              <p:cNvSpPr/>
+              <p:nvPr/>
+            </p:nvSpPr>
+            <p:spPr>
+              <a:xfrm>
+                <a:off x="2804904" y="984090"/>
+                <a:ext cx="2323587" cy="3942522"/>
+              </a:xfrm>
+              <a:prstGeom prst="rect">
+                <a:avLst/>
+              </a:prstGeom>
+            </p:spPr>
+            <p:style>
+              <a:lnRef idx="2">
+                <a:schemeClr val="accent2">
+                  <a:shade val="50000"/>
+                </a:schemeClr>
+              </a:lnRef>
+              <a:fillRef idx="1">
+                <a:schemeClr val="accent2"/>
+              </a:fillRef>
+              <a:effectRef idx="0">
+                <a:schemeClr val="accent2"/>
+              </a:effectRef>
+              <a:fontRef idx="minor">
+                <a:schemeClr val="lt1"/>
+              </a:fontRef>
+            </p:style>
+            <p:txBody>
+              <a:bodyPr rtlCol="0" anchor="ctr"/>
+              <a:lstStyle/>
+              <a:p>
+                <a:pPr algn="ctr"/>
+                <a:r>
+                  <a:rPr lang="en-US" altLang="ko-KR" b="1" dirty="0">
+                    <a:latin typeface="Consolas" panose="020B0609020204030204" pitchFamily="49" charset="0"/>
+                  </a:rPr>
+                  <a:t>Service</a:t>
+                </a:r>
+                <a:endParaRPr lang="ko-KR" altLang="en-US" sz="1400" b="1" dirty="0">
+                  <a:latin typeface="Consolas" panose="020B0609020204030204" pitchFamily="49" charset="0"/>
+                </a:endParaRPr>
+              </a:p>
+            </p:txBody>
+          </p:sp>
+          <p:cxnSp>
+            <p:nvCxnSpPr>
+              <p:cNvPr id="15" name="연결선: 꺾임 14">
+                <a:extLst>
+                  <a:ext uri="{FF2B5EF4-FFF2-40B4-BE49-F238E27FC236}">
+                    <a16:creationId xmlns:a16="http://schemas.microsoft.com/office/drawing/2014/main" id="{F9469B1D-0547-5C38-743C-D27FEB9DC9DB}"/>
+                  </a:ext>
+                </a:extLst>
+              </p:cNvPr>
+              <p:cNvCxnSpPr>
+                <a:cxnSpLocks/>
+                <a:stCxn id="29" idx="1"/>
+                <a:endCxn id="33" idx="1"/>
+              </p:cNvCxnSpPr>
+              <p:nvPr/>
+            </p:nvCxnSpPr>
+            <p:spPr>
+              <a:xfrm rot="10800000">
+                <a:off x="7327852" y="1490986"/>
+                <a:ext cx="12700" cy="2928730"/>
+              </a:xfrm>
+              <a:prstGeom prst="bentConnector3">
+                <a:avLst>
+                  <a:gd name="adj1" fmla="val 8563638"/>
+                </a:avLst>
+              </a:prstGeom>
+              <a:ln w="25400">
+                <a:solidFill>
+                  <a:srgbClr val="FFC000"/>
+                </a:solidFill>
+                <a:prstDash val="dash"/>
+                <a:headEnd type="arrow"/>
+                <a:tailEnd type="triangle"/>
+              </a:ln>
+            </p:spPr>
+            <p:style>
+              <a:lnRef idx="1">
+                <a:schemeClr val="accent1"/>
+              </a:lnRef>
+              <a:fillRef idx="0">
+                <a:schemeClr val="accent1"/>
+              </a:fillRef>
+              <a:effectRef idx="0">
+                <a:schemeClr val="accent1"/>
+              </a:effectRef>
+              <a:fontRef idx="minor">
+                <a:schemeClr val="tx1"/>
+              </a:fontRef>
+            </p:style>
+          </p:cxnSp>
+          <p:cxnSp>
+            <p:nvCxnSpPr>
+              <p:cNvPr id="18" name="직선 화살표 연결선 17">
+                <a:extLst>
+                  <a:ext uri="{FF2B5EF4-FFF2-40B4-BE49-F238E27FC236}">
+                    <a16:creationId xmlns:a16="http://schemas.microsoft.com/office/drawing/2014/main" id="{F0A4037E-3113-6652-B365-B0B9EDC86FA6}"/>
+                  </a:ext>
+                </a:extLst>
+              </p:cNvPr>
+              <p:cNvCxnSpPr>
+                <a:cxnSpLocks/>
+                <a:endCxn id="14" idx="1"/>
+              </p:cNvCxnSpPr>
+              <p:nvPr/>
+            </p:nvCxnSpPr>
+            <p:spPr>
+              <a:xfrm>
+                <a:off x="2133600" y="2955351"/>
+                <a:ext cx="671304" cy="0"/>
+              </a:xfrm>
+              <a:prstGeom prst="straightConnector1">
+                <a:avLst/>
+              </a:prstGeom>
+              <a:ln w="22225">
+                <a:solidFill>
+                  <a:schemeClr val="bg1"/>
+                </a:solidFill>
+                <a:tailEnd type="triangle"/>
+              </a:ln>
+            </p:spPr>
+            <p:style>
+              <a:lnRef idx="1">
+                <a:schemeClr val="accent1"/>
+              </a:lnRef>
+              <a:fillRef idx="0">
+                <a:schemeClr val="accent1"/>
+              </a:fillRef>
+              <a:effectRef idx="0">
+                <a:schemeClr val="accent1"/>
+              </a:effectRef>
+              <a:fontRef idx="minor">
+                <a:schemeClr val="tx1"/>
+              </a:fontRef>
+            </p:style>
+          </p:cxnSp>
+          <p:grpSp>
+            <p:nvGrpSpPr>
+              <p:cNvPr id="50" name="그룹 49">
+                <a:extLst>
+                  <a:ext uri="{FF2B5EF4-FFF2-40B4-BE49-F238E27FC236}">
+                    <a16:creationId xmlns:a16="http://schemas.microsoft.com/office/drawing/2014/main" id="{B8450DA1-D748-617D-D153-A1BCFDB16BD9}"/>
+                  </a:ext>
+                </a:extLst>
+              </p:cNvPr>
+              <p:cNvGrpSpPr/>
+              <p:nvPr/>
+            </p:nvGrpSpPr>
+            <p:grpSpPr>
+              <a:xfrm>
+                <a:off x="7261589" y="799216"/>
+                <a:ext cx="1807266" cy="1198666"/>
+                <a:chOff x="8647043" y="799216"/>
+                <a:chExt cx="1807266" cy="1198666"/>
+              </a:xfrm>
+            </p:grpSpPr>
+            <p:grpSp>
+              <p:nvGrpSpPr>
+                <p:cNvPr id="11" name="그룹 10">
+                  <a:extLst>
+                    <a:ext uri="{FF2B5EF4-FFF2-40B4-BE49-F238E27FC236}">
+                      <a16:creationId xmlns:a16="http://schemas.microsoft.com/office/drawing/2014/main" id="{E2200FBD-FA3C-1989-0D56-1C34A4DC6854}"/>
+                    </a:ext>
+                  </a:extLst>
+                </p:cNvPr>
+                <p:cNvGrpSpPr/>
+                <p:nvPr/>
+              </p:nvGrpSpPr>
+              <p:grpSpPr>
+                <a:xfrm>
+                  <a:off x="8647043" y="984090"/>
+                  <a:ext cx="1807266" cy="1013792"/>
+                  <a:chOff x="1336811" y="639534"/>
+                  <a:chExt cx="1807266" cy="1013792"/>
+                </a:xfrm>
+              </p:grpSpPr>
+              <p:sp>
+                <p:nvSpPr>
+                  <p:cNvPr id="33" name="직사각형 32">
+                    <a:extLst>
+                      <a:ext uri="{FF2B5EF4-FFF2-40B4-BE49-F238E27FC236}">
+                        <a16:creationId xmlns:a16="http://schemas.microsoft.com/office/drawing/2014/main" id="{4ED032DB-3F89-F091-06A3-E8F07DA6352A}"/>
+                      </a:ext>
+                    </a:extLst>
+                  </p:cNvPr>
+                  <p:cNvSpPr/>
+                  <p:nvPr/>
+                </p:nvSpPr>
+                <p:spPr>
+                  <a:xfrm>
+                    <a:off x="1403074" y="639534"/>
+                    <a:ext cx="1741003" cy="1013792"/>
+                  </a:xfrm>
+                  <a:prstGeom prst="rect">
+                    <a:avLst/>
+                  </a:prstGeom>
+                  <a:solidFill>
+                    <a:schemeClr val="accent1">
+                      <a:lumMod val="75000"/>
+                    </a:schemeClr>
+                  </a:solidFill>
+                  <a:ln w="9525" cap="flat" cmpd="sng" algn="ctr">
+                    <a:solidFill>
+                      <a:schemeClr val="accent1"/>
+                    </a:solidFill>
+                    <a:prstDash val="solid"/>
+                    <a:round/>
+                    <a:headEnd type="none" w="med" len="med"/>
+                    <a:tailEnd type="none" w="med" len="med"/>
+                  </a:ln>
+                </p:spPr>
+                <p:style>
+                  <a:lnRef idx="0">
+                    <a:scrgbClr r="0" g="0" b="0"/>
+                  </a:lnRef>
+                  <a:fillRef idx="0">
+                    <a:scrgbClr r="0" g="0" b="0"/>
+                  </a:fillRef>
+                  <a:effectRef idx="0">
+                    <a:scrgbClr r="0" g="0" b="0"/>
+                  </a:effectRef>
+                  <a:fontRef idx="minor">
+                    <a:schemeClr val="accent1"/>
+                  </a:fontRef>
+                </p:style>
+                <p:txBody>
+                  <a:bodyPr rtlCol="0" anchor="ctr"/>
+                  <a:lstStyle/>
+                  <a:p>
+                    <a:pPr algn="ctr"/>
+                    <a:r>
+                      <a:rPr lang="en-US" altLang="ko-KR" b="1" dirty="0">
+                        <a:solidFill>
+                          <a:schemeClr val="bg1"/>
+                        </a:solidFill>
+                        <a:effectLst/>
+                        <a:latin typeface="Consolas" panose="020B0609020204030204" pitchFamily="49" charset="0"/>
+                      </a:rPr>
+                      <a:t>Pod </a:t>
+                    </a:r>
+                    <a:r>
+                      <a:rPr lang="en-US" altLang="ko-KR" b="0" dirty="0">
+                        <a:solidFill>
+                          <a:srgbClr val="D4D4D4"/>
+                        </a:solidFill>
+                        <a:effectLst/>
+                        <a:latin typeface="Consolas" panose="020B0609020204030204" pitchFamily="49" charset="0"/>
+                      </a:rPr>
+                      <a:t>(bn77g</a:t>
+                    </a:r>
+                    <a:r>
+                      <a:rPr lang="en-US" altLang="ko-KR" dirty="0">
+                        <a:solidFill>
+                          <a:schemeClr val="bg1">
+                            <a:lumMod val="65000"/>
+                          </a:schemeClr>
+                        </a:solidFill>
+                        <a:latin typeface="Consolas" panose="020B0609020204030204" pitchFamily="49" charset="0"/>
+                      </a:rPr>
+                      <a:t>)</a:t>
+                    </a:r>
+                    <a:endParaRPr lang="en-US" altLang="ko-KR" b="0" dirty="0">
+                      <a:solidFill>
+                        <a:srgbClr val="D4D4D4"/>
+                      </a:solidFill>
+                      <a:effectLst/>
+                      <a:latin typeface="Consolas" panose="020B0609020204030204" pitchFamily="49" charset="0"/>
+                    </a:endParaRPr>
+                  </a:p>
+                </p:txBody>
+              </p:sp>
+              <p:sp>
+                <p:nvSpPr>
+                  <p:cNvPr id="35" name="직사각형 34">
+                    <a:extLst>
+                      <a:ext uri="{FF2B5EF4-FFF2-40B4-BE49-F238E27FC236}">
+                        <a16:creationId xmlns:a16="http://schemas.microsoft.com/office/drawing/2014/main" id="{E0F68FFA-8EAC-81C8-60D9-C1B24DE7F145}"/>
+                      </a:ext>
+                    </a:extLst>
+                  </p:cNvPr>
+                  <p:cNvSpPr/>
+                  <p:nvPr/>
+                </p:nvSpPr>
+                <p:spPr>
+                  <a:xfrm>
+                    <a:off x="1336811" y="1349760"/>
+                    <a:ext cx="1070113" cy="279274"/>
+                  </a:xfrm>
+                  <a:prstGeom prst="rect">
+                    <a:avLst/>
+                  </a:prstGeom>
+                  <a:noFill/>
+                  <a:ln w="9525" cap="flat" cmpd="sng" algn="ctr">
+                    <a:noFill/>
+                    <a:prstDash val="solid"/>
+                    <a:round/>
+                    <a:headEnd type="none" w="med" len="med"/>
+                    <a:tailEnd type="none" w="med" len="med"/>
+                  </a:ln>
+                </p:spPr>
+                <p:style>
+                  <a:lnRef idx="0">
+                    <a:scrgbClr r="0" g="0" b="0"/>
+                  </a:lnRef>
+                  <a:fillRef idx="0">
+                    <a:scrgbClr r="0" g="0" b="0"/>
+                  </a:fillRef>
+                  <a:effectRef idx="0">
+                    <a:scrgbClr r="0" g="0" b="0"/>
+                  </a:effectRef>
+                  <a:fontRef idx="minor">
+                    <a:schemeClr val="accent1"/>
+                  </a:fontRef>
+                </p:style>
+                <p:txBody>
+                  <a:bodyPr rtlCol="0" anchor="ctr"/>
+                  <a:lstStyle/>
+                  <a:p>
+                    <a:pPr algn="ctr"/>
+                    <a:r>
+                      <a:rPr lang="en-US" altLang="ko-KR" sz="1200" b="1" dirty="0">
+                        <a:solidFill>
+                          <a:schemeClr val="bg1"/>
+                        </a:solidFill>
+                        <a:effectLst/>
+                        <a:latin typeface="Consolas" panose="020B0609020204030204" pitchFamily="49" charset="0"/>
+                      </a:rPr>
+                      <a:t>10.0.1.3</a:t>
+                    </a:r>
+                    <a:endParaRPr lang="en-US" altLang="ko-KR" sz="1200" b="0" dirty="0">
+                      <a:solidFill>
+                        <a:schemeClr val="bg1">
+                          <a:lumMod val="65000"/>
+                        </a:schemeClr>
+                      </a:solidFill>
+                      <a:effectLst/>
+                      <a:latin typeface="Consolas" panose="020B0609020204030204" pitchFamily="49" charset="0"/>
+                    </a:endParaRPr>
+                  </a:p>
+                </p:txBody>
+              </p:sp>
+            </p:grpSp>
+            <p:sp>
+              <p:nvSpPr>
+                <p:cNvPr id="20" name="직사각형 19">
+                  <a:extLst>
+                    <a:ext uri="{FF2B5EF4-FFF2-40B4-BE49-F238E27FC236}">
+                      <a16:creationId xmlns:a16="http://schemas.microsoft.com/office/drawing/2014/main" id="{9FFDD7A7-A2F4-8D89-64AF-09316359DEA6}"/>
+                    </a:ext>
+                  </a:extLst>
+                </p:cNvPr>
+                <p:cNvSpPr/>
+                <p:nvPr/>
+              </p:nvSpPr>
+              <p:spPr>
+                <a:xfrm>
+                  <a:off x="9048750" y="799216"/>
+                  <a:ext cx="1070113" cy="369748"/>
+                </a:xfrm>
+                <a:prstGeom prst="rect">
+                  <a:avLst/>
+                </a:prstGeom>
+                <a:ln w="28575">
+                  <a:solidFill>
+                    <a:srgbClr val="00B0F0"/>
+                  </a:solidFill>
+                </a:ln>
+              </p:spPr>
+              <p:style>
+                <a:lnRef idx="2">
+                  <a:schemeClr val="accent2"/>
+                </a:lnRef>
+                <a:fillRef idx="1">
+                  <a:schemeClr val="lt1"/>
+                </a:fillRef>
+                <a:effectRef idx="0">
+                  <a:schemeClr val="accent2"/>
+                </a:effectRef>
+                <a:fontRef idx="minor">
+                  <a:schemeClr val="dk1"/>
+                </a:fontRef>
+              </p:style>
+              <p:txBody>
+                <a:bodyPr rtlCol="0" anchor="ctr"/>
+                <a:lstStyle/>
+                <a:p>
+                  <a:pPr algn="ctr"/>
+                  <a:r>
+                    <a:rPr lang="en-US" altLang="ko-KR" sz="1200" dirty="0"/>
+                    <a:t>app=node</a:t>
+                  </a:r>
+                  <a:endParaRPr lang="ko-KR" altLang="en-US" sz="1200" dirty="0"/>
+                </a:p>
+              </p:txBody>
+            </p:sp>
+          </p:grpSp>
+          <p:grpSp>
+            <p:nvGrpSpPr>
+              <p:cNvPr id="51" name="그룹 50">
+                <a:extLst>
+                  <a:ext uri="{FF2B5EF4-FFF2-40B4-BE49-F238E27FC236}">
+                    <a16:creationId xmlns:a16="http://schemas.microsoft.com/office/drawing/2014/main" id="{5F1D49E5-9AB2-9E14-712A-AF4FE09F5C26}"/>
+                  </a:ext>
+                </a:extLst>
+              </p:cNvPr>
+              <p:cNvGrpSpPr/>
+              <p:nvPr/>
+            </p:nvGrpSpPr>
+            <p:grpSpPr>
+              <a:xfrm>
+                <a:off x="7261589" y="2275514"/>
+                <a:ext cx="1807266" cy="1186733"/>
+                <a:chOff x="8647043" y="2275514"/>
+                <a:chExt cx="1807266" cy="1186733"/>
+              </a:xfrm>
+            </p:grpSpPr>
+            <p:grpSp>
+              <p:nvGrpSpPr>
+                <p:cNvPr id="12" name="그룹 11">
+                  <a:extLst>
+                    <a:ext uri="{FF2B5EF4-FFF2-40B4-BE49-F238E27FC236}">
+                      <a16:creationId xmlns:a16="http://schemas.microsoft.com/office/drawing/2014/main" id="{0C63A4AA-6564-23FF-A7F8-6947DEFF8942}"/>
+                    </a:ext>
+                  </a:extLst>
+                </p:cNvPr>
+                <p:cNvGrpSpPr/>
+                <p:nvPr/>
+              </p:nvGrpSpPr>
+              <p:grpSpPr>
+                <a:xfrm>
+                  <a:off x="8647043" y="2448455"/>
+                  <a:ext cx="1807266" cy="1013792"/>
+                  <a:chOff x="1336811" y="639534"/>
+                  <a:chExt cx="1807266" cy="1013792"/>
+                </a:xfrm>
+              </p:grpSpPr>
+              <p:sp>
+                <p:nvSpPr>
+                  <p:cNvPr id="31" name="직사각형 30">
+                    <a:extLst>
+                      <a:ext uri="{FF2B5EF4-FFF2-40B4-BE49-F238E27FC236}">
+                        <a16:creationId xmlns:a16="http://schemas.microsoft.com/office/drawing/2014/main" id="{6BE66E03-7567-3677-9BE0-BEC6E1F6483F}"/>
+                      </a:ext>
+                    </a:extLst>
+                  </p:cNvPr>
+                  <p:cNvSpPr/>
+                  <p:nvPr/>
+                </p:nvSpPr>
+                <p:spPr>
+                  <a:xfrm>
+                    <a:off x="1403074" y="639534"/>
+                    <a:ext cx="1741003" cy="1013792"/>
+                  </a:xfrm>
+                  <a:prstGeom prst="rect">
+                    <a:avLst/>
+                  </a:prstGeom>
+                  <a:solidFill>
+                    <a:schemeClr val="accent1">
+                      <a:lumMod val="75000"/>
+                    </a:schemeClr>
+                  </a:solidFill>
+                  <a:ln w="9525" cap="flat" cmpd="sng" algn="ctr">
+                    <a:solidFill>
+                      <a:schemeClr val="accent1"/>
+                    </a:solidFill>
+                    <a:prstDash val="solid"/>
+                    <a:round/>
+                    <a:headEnd type="none" w="med" len="med"/>
+                    <a:tailEnd type="none" w="med" len="med"/>
+                  </a:ln>
+                </p:spPr>
+                <p:style>
+                  <a:lnRef idx="0">
+                    <a:scrgbClr r="0" g="0" b="0"/>
+                  </a:lnRef>
+                  <a:fillRef idx="0">
+                    <a:scrgbClr r="0" g="0" b="0"/>
+                  </a:fillRef>
+                  <a:effectRef idx="0">
+                    <a:scrgbClr r="0" g="0" b="0"/>
+                  </a:effectRef>
+                  <a:fontRef idx="minor">
+                    <a:schemeClr val="accent1"/>
+                  </a:fontRef>
+                </p:style>
+                <p:txBody>
+                  <a:bodyPr rtlCol="0" anchor="ctr"/>
+                  <a:lstStyle/>
+                  <a:p>
+                    <a:pPr algn="ctr"/>
+                    <a:r>
+                      <a:rPr lang="en-US" altLang="ko-KR" b="1" dirty="0">
+                        <a:solidFill>
+                          <a:schemeClr val="bg1"/>
+                        </a:solidFill>
+                        <a:effectLst/>
+                        <a:latin typeface="Consolas" panose="020B0609020204030204" pitchFamily="49" charset="0"/>
+                      </a:rPr>
+                      <a:t>Pod </a:t>
+                    </a:r>
+                    <a:r>
+                      <a:rPr lang="en-US" altLang="ko-KR" b="0" dirty="0">
+                        <a:solidFill>
+                          <a:srgbClr val="D4D4D4"/>
+                        </a:solidFill>
+                        <a:effectLst/>
+                        <a:latin typeface="Consolas" panose="020B0609020204030204" pitchFamily="49" charset="0"/>
+                      </a:rPr>
+                      <a:t>(5hh9f</a:t>
+                    </a:r>
+                    <a:r>
+                      <a:rPr lang="en-US" altLang="ko-KR" dirty="0">
+                        <a:solidFill>
+                          <a:schemeClr val="bg1">
+                            <a:lumMod val="65000"/>
+                          </a:schemeClr>
+                        </a:solidFill>
+                        <a:latin typeface="Consolas" panose="020B0609020204030204" pitchFamily="49" charset="0"/>
+                      </a:rPr>
+                      <a:t>)</a:t>
+                    </a:r>
+                    <a:endParaRPr lang="en-US" altLang="ko-KR" b="0" dirty="0">
+                      <a:solidFill>
+                        <a:srgbClr val="D4D4D4"/>
+                      </a:solidFill>
+                      <a:effectLst/>
+                      <a:latin typeface="Consolas" panose="020B0609020204030204" pitchFamily="49" charset="0"/>
+                    </a:endParaRPr>
+                  </a:p>
+                </p:txBody>
+              </p:sp>
+              <p:sp>
+                <p:nvSpPr>
+                  <p:cNvPr id="32" name="직사각형 31">
+                    <a:extLst>
+                      <a:ext uri="{FF2B5EF4-FFF2-40B4-BE49-F238E27FC236}">
+                        <a16:creationId xmlns:a16="http://schemas.microsoft.com/office/drawing/2014/main" id="{76CD7926-A90D-9B8C-7805-663B54B00742}"/>
+                      </a:ext>
+                    </a:extLst>
+                  </p:cNvPr>
+                  <p:cNvSpPr/>
+                  <p:nvPr/>
+                </p:nvSpPr>
+                <p:spPr>
+                  <a:xfrm>
+                    <a:off x="1336811" y="1349760"/>
+                    <a:ext cx="1070113" cy="279274"/>
+                  </a:xfrm>
+                  <a:prstGeom prst="rect">
+                    <a:avLst/>
+                  </a:prstGeom>
+                  <a:noFill/>
+                  <a:ln w="9525" cap="flat" cmpd="sng" algn="ctr">
+                    <a:noFill/>
+                    <a:prstDash val="solid"/>
+                    <a:round/>
+                    <a:headEnd type="none" w="med" len="med"/>
+                    <a:tailEnd type="none" w="med" len="med"/>
+                  </a:ln>
+                </p:spPr>
+                <p:style>
+                  <a:lnRef idx="0">
+                    <a:scrgbClr r="0" g="0" b="0"/>
+                  </a:lnRef>
+                  <a:fillRef idx="0">
+                    <a:scrgbClr r="0" g="0" b="0"/>
+                  </a:fillRef>
+                  <a:effectRef idx="0">
+                    <a:scrgbClr r="0" g="0" b="0"/>
+                  </a:effectRef>
+                  <a:fontRef idx="minor">
+                    <a:schemeClr val="accent1"/>
+                  </a:fontRef>
+                </p:style>
+                <p:txBody>
+                  <a:bodyPr rtlCol="0" anchor="ctr"/>
+                  <a:lstStyle/>
+                  <a:p>
+                    <a:pPr algn="ctr"/>
+                    <a:r>
+                      <a:rPr lang="en-US" altLang="ko-KR" sz="1200" b="1" dirty="0">
+                        <a:solidFill>
+                          <a:schemeClr val="bg1"/>
+                        </a:solidFill>
+                        <a:effectLst/>
+                        <a:latin typeface="Consolas" panose="020B0609020204030204" pitchFamily="49" charset="0"/>
+                      </a:rPr>
+                      <a:t>10.0.1.4</a:t>
+                    </a:r>
+                    <a:endParaRPr lang="en-US" altLang="ko-KR" sz="1200" b="0" dirty="0">
+                      <a:solidFill>
+                        <a:schemeClr val="bg1">
+                          <a:lumMod val="65000"/>
+                        </a:schemeClr>
+                      </a:solidFill>
+                      <a:effectLst/>
+                      <a:latin typeface="Consolas" panose="020B0609020204030204" pitchFamily="49" charset="0"/>
+                    </a:endParaRPr>
+                  </a:p>
+                </p:txBody>
+              </p:sp>
+            </p:grpSp>
+            <p:sp>
+              <p:nvSpPr>
+                <p:cNvPr id="37" name="직사각형 36">
+                  <a:extLst>
+                    <a:ext uri="{FF2B5EF4-FFF2-40B4-BE49-F238E27FC236}">
+                      <a16:creationId xmlns:a16="http://schemas.microsoft.com/office/drawing/2014/main" id="{C11338A7-FF5C-6976-23C4-668A77E781C6}"/>
+                    </a:ext>
+                  </a:extLst>
+                </p:cNvPr>
+                <p:cNvSpPr/>
+                <p:nvPr/>
+              </p:nvSpPr>
+              <p:spPr>
+                <a:xfrm>
+                  <a:off x="9048750" y="2275514"/>
+                  <a:ext cx="1070113" cy="369748"/>
+                </a:xfrm>
+                <a:prstGeom prst="rect">
+                  <a:avLst/>
+                </a:prstGeom>
+                <a:ln w="28575">
+                  <a:solidFill>
+                    <a:srgbClr val="00B0F0"/>
+                  </a:solidFill>
+                </a:ln>
+              </p:spPr>
+              <p:style>
+                <a:lnRef idx="2">
+                  <a:schemeClr val="accent2"/>
+                </a:lnRef>
+                <a:fillRef idx="1">
+                  <a:schemeClr val="lt1"/>
+                </a:fillRef>
+                <a:effectRef idx="0">
+                  <a:schemeClr val="accent2"/>
+                </a:effectRef>
+                <a:fontRef idx="minor">
+                  <a:schemeClr val="dk1"/>
+                </a:fontRef>
+              </p:style>
+              <p:txBody>
+                <a:bodyPr rtlCol="0" anchor="ctr"/>
+                <a:lstStyle/>
+                <a:p>
+                  <a:pPr algn="ctr"/>
+                  <a:r>
+                    <a:rPr lang="en-US" altLang="ko-KR" sz="1200" dirty="0"/>
+                    <a:t>app=node</a:t>
+                  </a:r>
+                  <a:endParaRPr lang="ko-KR" altLang="en-US" sz="1200" dirty="0"/>
+                </a:p>
+              </p:txBody>
+            </p:sp>
+          </p:grpSp>
+          <p:grpSp>
+            <p:nvGrpSpPr>
+              <p:cNvPr id="52" name="그룹 51">
+                <a:extLst>
+                  <a:ext uri="{FF2B5EF4-FFF2-40B4-BE49-F238E27FC236}">
+                    <a16:creationId xmlns:a16="http://schemas.microsoft.com/office/drawing/2014/main" id="{5EC2A850-22EE-B02D-3355-D48512A1CE10}"/>
+                  </a:ext>
+                </a:extLst>
+              </p:cNvPr>
+              <p:cNvGrpSpPr/>
+              <p:nvPr/>
+            </p:nvGrpSpPr>
+            <p:grpSpPr>
+              <a:xfrm>
+                <a:off x="7261589" y="3727946"/>
+                <a:ext cx="1807266" cy="1198666"/>
+                <a:chOff x="8647043" y="3727946"/>
+                <a:chExt cx="1807266" cy="1198666"/>
+              </a:xfrm>
+            </p:grpSpPr>
+            <p:grpSp>
+              <p:nvGrpSpPr>
+                <p:cNvPr id="13" name="그룹 12">
+                  <a:extLst>
+                    <a:ext uri="{FF2B5EF4-FFF2-40B4-BE49-F238E27FC236}">
+                      <a16:creationId xmlns:a16="http://schemas.microsoft.com/office/drawing/2014/main" id="{31771B50-F639-7A28-AAC3-087A1C3E94F7}"/>
+                    </a:ext>
+                  </a:extLst>
+                </p:cNvPr>
+                <p:cNvGrpSpPr/>
+                <p:nvPr/>
+              </p:nvGrpSpPr>
+              <p:grpSpPr>
+                <a:xfrm>
+                  <a:off x="8647043" y="3912820"/>
+                  <a:ext cx="1807266" cy="1013792"/>
+                  <a:chOff x="1336811" y="639534"/>
+                  <a:chExt cx="1807266" cy="1013792"/>
+                </a:xfrm>
+              </p:grpSpPr>
+              <p:sp>
+                <p:nvSpPr>
+                  <p:cNvPr id="29" name="직사각형 28">
+                    <a:extLst>
+                      <a:ext uri="{FF2B5EF4-FFF2-40B4-BE49-F238E27FC236}">
+                        <a16:creationId xmlns:a16="http://schemas.microsoft.com/office/drawing/2014/main" id="{FE93445B-3081-0B7A-D553-6D92D73AEFEE}"/>
+                      </a:ext>
+                    </a:extLst>
+                  </p:cNvPr>
+                  <p:cNvSpPr/>
+                  <p:nvPr/>
+                </p:nvSpPr>
+                <p:spPr>
+                  <a:xfrm>
+                    <a:off x="1403074" y="639534"/>
+                    <a:ext cx="1741003" cy="1013792"/>
+                  </a:xfrm>
+                  <a:prstGeom prst="rect">
+                    <a:avLst/>
+                  </a:prstGeom>
+                  <a:solidFill>
+                    <a:schemeClr val="accent1">
+                      <a:lumMod val="75000"/>
+                    </a:schemeClr>
+                  </a:solidFill>
+                  <a:ln w="9525" cap="flat" cmpd="sng" algn="ctr">
+                    <a:solidFill>
+                      <a:schemeClr val="accent1"/>
+                    </a:solidFill>
+                    <a:prstDash val="solid"/>
+                    <a:round/>
+                    <a:headEnd type="none" w="med" len="med"/>
+                    <a:tailEnd type="none" w="med" len="med"/>
+                  </a:ln>
+                </p:spPr>
+                <p:style>
+                  <a:lnRef idx="0">
+                    <a:scrgbClr r="0" g="0" b="0"/>
+                  </a:lnRef>
+                  <a:fillRef idx="0">
+                    <a:scrgbClr r="0" g="0" b="0"/>
+                  </a:fillRef>
+                  <a:effectRef idx="0">
+                    <a:scrgbClr r="0" g="0" b="0"/>
+                  </a:effectRef>
+                  <a:fontRef idx="minor">
+                    <a:schemeClr val="accent1"/>
+                  </a:fontRef>
+                </p:style>
+                <p:txBody>
+                  <a:bodyPr rtlCol="0" anchor="ctr"/>
+                  <a:lstStyle/>
+                  <a:p>
+                    <a:pPr algn="ctr"/>
+                    <a:r>
+                      <a:rPr lang="en-US" altLang="ko-KR" b="1" dirty="0">
+                        <a:solidFill>
+                          <a:schemeClr val="bg1"/>
+                        </a:solidFill>
+                        <a:effectLst/>
+                        <a:latin typeface="Consolas" panose="020B0609020204030204" pitchFamily="49" charset="0"/>
+                      </a:rPr>
+                      <a:t>Pod </a:t>
+                    </a:r>
+                    <a:r>
+                      <a:rPr lang="en-US" altLang="ko-KR" b="0" dirty="0">
+                        <a:solidFill>
+                          <a:srgbClr val="D4D4D4"/>
+                        </a:solidFill>
+                        <a:effectLst/>
+                        <a:latin typeface="Consolas" panose="020B0609020204030204" pitchFamily="49" charset="0"/>
+                      </a:rPr>
+                      <a:t>(gxl25</a:t>
+                    </a:r>
+                    <a:r>
+                      <a:rPr lang="en-US" altLang="ko-KR" dirty="0">
+                        <a:solidFill>
+                          <a:schemeClr val="bg1">
+                            <a:lumMod val="65000"/>
+                          </a:schemeClr>
+                        </a:solidFill>
+                        <a:latin typeface="Consolas" panose="020B0609020204030204" pitchFamily="49" charset="0"/>
+                      </a:rPr>
+                      <a:t>)</a:t>
+                    </a:r>
+                    <a:endParaRPr lang="en-US" altLang="ko-KR" b="0" dirty="0">
+                      <a:solidFill>
+                        <a:srgbClr val="D4D4D4"/>
+                      </a:solidFill>
+                      <a:effectLst/>
+                      <a:latin typeface="Consolas" panose="020B0609020204030204" pitchFamily="49" charset="0"/>
+                    </a:endParaRPr>
+                  </a:p>
+                </p:txBody>
+              </p:sp>
+              <p:sp>
+                <p:nvSpPr>
+                  <p:cNvPr id="30" name="직사각형 29">
+                    <a:extLst>
+                      <a:ext uri="{FF2B5EF4-FFF2-40B4-BE49-F238E27FC236}">
+                        <a16:creationId xmlns:a16="http://schemas.microsoft.com/office/drawing/2014/main" id="{C65BA019-A5C1-7330-8F52-46B585DD51EF}"/>
+                      </a:ext>
+                    </a:extLst>
+                  </p:cNvPr>
+                  <p:cNvSpPr/>
+                  <p:nvPr/>
+                </p:nvSpPr>
+                <p:spPr>
+                  <a:xfrm>
+                    <a:off x="1336811" y="1349760"/>
+                    <a:ext cx="1070113" cy="279274"/>
+                  </a:xfrm>
+                  <a:prstGeom prst="rect">
+                    <a:avLst/>
+                  </a:prstGeom>
+                  <a:noFill/>
+                  <a:ln w="9525" cap="flat" cmpd="sng" algn="ctr">
+                    <a:noFill/>
+                    <a:prstDash val="solid"/>
+                    <a:round/>
+                    <a:headEnd type="none" w="med" len="med"/>
+                    <a:tailEnd type="none" w="med" len="med"/>
+                  </a:ln>
+                </p:spPr>
+                <p:style>
+                  <a:lnRef idx="0">
+                    <a:scrgbClr r="0" g="0" b="0"/>
+                  </a:lnRef>
+                  <a:fillRef idx="0">
+                    <a:scrgbClr r="0" g="0" b="0"/>
+                  </a:fillRef>
+                  <a:effectRef idx="0">
+                    <a:scrgbClr r="0" g="0" b="0"/>
+                  </a:effectRef>
+                  <a:fontRef idx="minor">
+                    <a:schemeClr val="accent1"/>
+                  </a:fontRef>
+                </p:style>
+                <p:txBody>
+                  <a:bodyPr rtlCol="0" anchor="ctr"/>
+                  <a:lstStyle/>
+                  <a:p>
+                    <a:pPr algn="ctr"/>
+                    <a:r>
+                      <a:rPr lang="en-US" altLang="ko-KR" sz="1200" b="1" dirty="0">
+                        <a:solidFill>
+                          <a:schemeClr val="bg1"/>
+                        </a:solidFill>
+                        <a:effectLst/>
+                        <a:latin typeface="Consolas" panose="020B0609020204030204" pitchFamily="49" charset="0"/>
+                      </a:rPr>
+                      <a:t>10.0.1.5</a:t>
+                    </a:r>
+                    <a:endParaRPr lang="en-US" altLang="ko-KR" sz="1200" b="0" dirty="0">
+                      <a:solidFill>
+                        <a:schemeClr val="bg1">
+                          <a:lumMod val="65000"/>
+                        </a:schemeClr>
+                      </a:solidFill>
+                      <a:effectLst/>
+                      <a:latin typeface="Consolas" panose="020B0609020204030204" pitchFamily="49" charset="0"/>
+                    </a:endParaRPr>
+                  </a:p>
+                </p:txBody>
+              </p:sp>
+            </p:grpSp>
+            <p:sp>
+              <p:nvSpPr>
+                <p:cNvPr id="38" name="직사각형 37">
+                  <a:extLst>
+                    <a:ext uri="{FF2B5EF4-FFF2-40B4-BE49-F238E27FC236}">
+                      <a16:creationId xmlns:a16="http://schemas.microsoft.com/office/drawing/2014/main" id="{D9C9E722-C64F-56B0-B079-E097A31C213A}"/>
+                    </a:ext>
+                  </a:extLst>
+                </p:cNvPr>
+                <p:cNvSpPr/>
+                <p:nvPr/>
+              </p:nvSpPr>
+              <p:spPr>
+                <a:xfrm>
+                  <a:off x="9048750" y="3727946"/>
+                  <a:ext cx="1070113" cy="369748"/>
+                </a:xfrm>
+                <a:prstGeom prst="rect">
+                  <a:avLst/>
+                </a:prstGeom>
+                <a:ln w="28575">
+                  <a:solidFill>
+                    <a:srgbClr val="00B0F0"/>
+                  </a:solidFill>
+                </a:ln>
+              </p:spPr>
+              <p:style>
+                <a:lnRef idx="2">
+                  <a:schemeClr val="accent2"/>
+                </a:lnRef>
+                <a:fillRef idx="1">
+                  <a:schemeClr val="lt1"/>
+                </a:fillRef>
+                <a:effectRef idx="0">
+                  <a:schemeClr val="accent2"/>
+                </a:effectRef>
+                <a:fontRef idx="minor">
+                  <a:schemeClr val="dk1"/>
+                </a:fontRef>
+              </p:style>
+              <p:txBody>
+                <a:bodyPr rtlCol="0" anchor="ctr"/>
+                <a:lstStyle/>
+                <a:p>
+                  <a:pPr algn="ctr"/>
+                  <a:r>
+                    <a:rPr lang="en-US" altLang="ko-KR" sz="1200" dirty="0"/>
+                    <a:t>app=node</a:t>
+                  </a:r>
+                  <a:endParaRPr lang="ko-KR" altLang="en-US" sz="1200" dirty="0"/>
+                </a:p>
+              </p:txBody>
+            </p:sp>
+          </p:grpSp>
+          <p:sp>
+            <p:nvSpPr>
+              <p:cNvPr id="44" name="직사각형 43">
+                <a:extLst>
+                  <a:ext uri="{FF2B5EF4-FFF2-40B4-BE49-F238E27FC236}">
+                    <a16:creationId xmlns:a16="http://schemas.microsoft.com/office/drawing/2014/main" id="{DE1B9F89-ABF7-196B-9F09-03F70EB411CC}"/>
+                  </a:ext>
+                </a:extLst>
+              </p:cNvPr>
+              <p:cNvSpPr/>
+              <p:nvPr/>
+            </p:nvSpPr>
+            <p:spPr>
+              <a:xfrm>
+                <a:off x="4561609" y="1168965"/>
+                <a:ext cx="1133764" cy="3593718"/>
+              </a:xfrm>
+              <a:prstGeom prst="rect">
+                <a:avLst/>
+              </a:prstGeom>
+              <a:ln w="19050">
+                <a:solidFill>
+                  <a:schemeClr val="accent1"/>
+                </a:solidFill>
+              </a:ln>
+            </p:spPr>
+            <p:style>
+              <a:lnRef idx="2">
+                <a:schemeClr val="accent2"/>
+              </a:lnRef>
+              <a:fillRef idx="1">
+                <a:schemeClr val="lt1"/>
+              </a:fillRef>
+              <a:effectRef idx="0">
+                <a:schemeClr val="accent2"/>
+              </a:effectRef>
+              <a:fontRef idx="minor">
+                <a:schemeClr val="dk1"/>
+              </a:fontRef>
+            </p:style>
+            <p:txBody>
+              <a:bodyPr rtlCol="0" anchor="ctr"/>
+              <a:lstStyle/>
+              <a:p>
+                <a:pPr algn="ctr"/>
+                <a:r>
+                  <a:rPr lang="en-US" altLang="ko-KR" sz="1200" dirty="0"/>
+                  <a:t>endpoints</a:t>
+                </a:r>
+              </a:p>
+              <a:p>
+                <a:pPr algn="ctr"/>
+                <a:endParaRPr lang="en-US" altLang="ko-KR" sz="1200" dirty="0"/>
+              </a:p>
+              <a:p>
+                <a:pPr algn="ctr"/>
+                <a:r>
+                  <a:rPr lang="en-US" altLang="ko-KR" sz="900" dirty="0"/>
+                  <a:t>[ 172.17.0.3, 172.17.0.4, 172.17.0.5]</a:t>
+                </a:r>
+                <a:endParaRPr lang="ko-KR" altLang="en-US" sz="900" dirty="0"/>
+              </a:p>
+            </p:txBody>
+          </p:sp>
+          <p:cxnSp>
+            <p:nvCxnSpPr>
+              <p:cNvPr id="53" name="연결선: 꺾임 52">
+                <a:extLst>
+                  <a:ext uri="{FF2B5EF4-FFF2-40B4-BE49-F238E27FC236}">
+                    <a16:creationId xmlns:a16="http://schemas.microsoft.com/office/drawing/2014/main" id="{CC39E8FF-0675-5E61-FDF0-27C1AF9F15E8}"/>
+                  </a:ext>
+                </a:extLst>
+              </p:cNvPr>
+              <p:cNvCxnSpPr>
+                <a:cxnSpLocks/>
+                <a:stCxn id="30" idx="3"/>
+                <a:endCxn id="35" idx="3"/>
+              </p:cNvCxnSpPr>
+              <p:nvPr/>
+            </p:nvCxnSpPr>
+            <p:spPr>
+              <a:xfrm flipV="1">
+                <a:off x="8331702" y="1833953"/>
+                <a:ext cx="12700" cy="2928730"/>
+              </a:xfrm>
+              <a:prstGeom prst="bentConnector3">
+                <a:avLst>
+                  <a:gd name="adj1" fmla="val 13581819"/>
+                </a:avLst>
+              </a:prstGeom>
+              <a:ln w="25400">
+                <a:solidFill>
+                  <a:schemeClr val="bg1">
+                    <a:lumMod val="75000"/>
+                  </a:schemeClr>
+                </a:solidFill>
+                <a:prstDash val="dash"/>
+                <a:headEnd type="arrow"/>
+                <a:tailEnd type="triangle"/>
+              </a:ln>
+            </p:spPr>
+            <p:style>
+              <a:lnRef idx="1">
+                <a:schemeClr val="accent1"/>
+              </a:lnRef>
+              <a:fillRef idx="0">
+                <a:schemeClr val="accent1"/>
+              </a:fillRef>
+              <a:effectRef idx="0">
+                <a:schemeClr val="accent1"/>
+              </a:effectRef>
+              <a:fontRef idx="minor">
+                <a:schemeClr val="tx1"/>
+              </a:fontRef>
+            </p:style>
+          </p:cxnSp>
+          <p:cxnSp>
+            <p:nvCxnSpPr>
+              <p:cNvPr id="58" name="직선 화살표 연결선 57">
+                <a:extLst>
+                  <a:ext uri="{FF2B5EF4-FFF2-40B4-BE49-F238E27FC236}">
+                    <a16:creationId xmlns:a16="http://schemas.microsoft.com/office/drawing/2014/main" id="{F6D314DF-711F-2E36-F967-21644CB58CA4}"/>
+                  </a:ext>
+                </a:extLst>
+              </p:cNvPr>
+              <p:cNvCxnSpPr>
+                <a:cxnSpLocks/>
+              </p:cNvCxnSpPr>
+              <p:nvPr/>
+            </p:nvCxnSpPr>
+            <p:spPr>
+              <a:xfrm flipH="1">
+                <a:off x="8331702" y="3298318"/>
+                <a:ext cx="1726698" cy="0"/>
+              </a:xfrm>
+              <a:prstGeom prst="straightConnector1">
+                <a:avLst/>
+              </a:prstGeom>
+              <a:ln w="22225">
+                <a:solidFill>
+                  <a:schemeClr val="bg1">
+                    <a:lumMod val="75000"/>
+                  </a:schemeClr>
+                </a:solidFill>
+                <a:prstDash val="dash"/>
+                <a:tailEnd type="triangle"/>
+              </a:ln>
+            </p:spPr>
+            <p:style>
+              <a:lnRef idx="1">
+                <a:schemeClr val="accent1"/>
+              </a:lnRef>
+              <a:fillRef idx="0">
+                <a:schemeClr val="accent1"/>
+              </a:fillRef>
+              <a:effectRef idx="0">
+                <a:schemeClr val="accent1"/>
+              </a:effectRef>
+              <a:fontRef idx="minor">
+                <a:schemeClr val="tx1"/>
+              </a:fontRef>
+            </p:style>
+          </p:cxnSp>
+          <p:cxnSp>
+            <p:nvCxnSpPr>
+              <p:cNvPr id="61" name="직선 화살표 연결선 60">
+                <a:extLst>
+                  <a:ext uri="{FF2B5EF4-FFF2-40B4-BE49-F238E27FC236}">
+                    <a16:creationId xmlns:a16="http://schemas.microsoft.com/office/drawing/2014/main" id="{4201AEDB-BC2A-6791-8648-E33353974EB0}"/>
+                  </a:ext>
+                </a:extLst>
+              </p:cNvPr>
+              <p:cNvCxnSpPr>
+                <a:cxnSpLocks/>
+                <a:stCxn id="44" idx="3"/>
+                <a:endCxn id="31" idx="1"/>
+              </p:cNvCxnSpPr>
+              <p:nvPr/>
+            </p:nvCxnSpPr>
+            <p:spPr>
+              <a:xfrm flipV="1">
+                <a:off x="5695373" y="2955351"/>
+                <a:ext cx="1632479" cy="10473"/>
+              </a:xfrm>
+              <a:prstGeom prst="straightConnector1">
+                <a:avLst/>
+              </a:prstGeom>
+              <a:ln w="22225">
+                <a:solidFill>
+                  <a:srgbClr val="FFC000"/>
+                </a:solidFill>
+                <a:prstDash val="dash"/>
+                <a:tailEnd type="triangle"/>
+              </a:ln>
+            </p:spPr>
+            <p:style>
+              <a:lnRef idx="1">
+                <a:schemeClr val="accent1"/>
+              </a:lnRef>
+              <a:fillRef idx="0">
+                <a:schemeClr val="accent1"/>
+              </a:fillRef>
+              <a:effectRef idx="0">
+                <a:schemeClr val="accent1"/>
+              </a:effectRef>
+              <a:fontRef idx="minor">
+                <a:schemeClr val="tx1"/>
+              </a:fontRef>
+            </p:style>
+          </p:cxnSp>
+        </p:grpSp>
         <p:sp>
           <p:nvSpPr>
-            <p:cNvPr id="10" name="직사각형 9">
+            <p:cNvPr id="81" name="직사각형 80">
               <a:extLst>
                 <a:ext uri="{FF2B5EF4-FFF2-40B4-BE49-F238E27FC236}">
-                  <a16:creationId xmlns:a16="http://schemas.microsoft.com/office/drawing/2014/main" id="{BB773FBB-3EFA-9C7C-F87A-6BC08344F8BF}"/>
+                  <a16:creationId xmlns:a16="http://schemas.microsoft.com/office/drawing/2014/main" id="{67F3772F-1755-B0BB-154C-5242197A4C0C}"/>
                 </a:ext>
               </a:extLst>
             </p:cNvPr>
@@ -7614,16 +8870,3578 @@
           </p:nvSpPr>
           <p:spPr>
             <a:xfrm>
+              <a:off x="2995393" y="1327052"/>
+              <a:ext cx="1133764" cy="646538"/>
+            </a:xfrm>
+            <a:prstGeom prst="rect">
+              <a:avLst/>
+            </a:prstGeom>
+            <a:ln/>
+          </p:spPr>
+          <p:style>
+            <a:lnRef idx="2">
+              <a:schemeClr val="accent5">
+                <a:shade val="50000"/>
+              </a:schemeClr>
+            </a:lnRef>
+            <a:fillRef idx="1">
+              <a:schemeClr val="accent5"/>
+            </a:fillRef>
+            <a:effectRef idx="0">
+              <a:schemeClr val="accent5"/>
+            </a:effectRef>
+            <a:fontRef idx="minor">
+              <a:schemeClr val="lt1"/>
+            </a:fontRef>
+          </p:style>
+          <p:txBody>
+            <a:bodyPr rtlCol="0" anchor="ctr"/>
+            <a:lstStyle/>
+            <a:p>
+              <a:pPr algn="ctr"/>
+              <a:r>
+                <a:rPr lang="en-US" altLang="ko-KR" sz="1000" dirty="0"/>
+                <a:t>selector</a:t>
+              </a:r>
+            </a:p>
+            <a:p>
+              <a:pPr algn="ctr"/>
+              <a:r>
+                <a:rPr lang="en-US" altLang="ko-KR" sz="1000" dirty="0"/>
+                <a:t>[app=node]</a:t>
+              </a:r>
+            </a:p>
+          </p:txBody>
+        </p:sp>
+        <p:cxnSp>
+          <p:nvCxnSpPr>
+            <p:cNvPr id="82" name="직선 화살표 연결선 81">
+              <a:extLst>
+                <a:ext uri="{FF2B5EF4-FFF2-40B4-BE49-F238E27FC236}">
+                  <a16:creationId xmlns:a16="http://schemas.microsoft.com/office/drawing/2014/main" id="{051B8833-C503-CAD5-68B7-3F2D73AB408D}"/>
+                </a:ext>
+              </a:extLst>
+            </p:cNvPr>
+            <p:cNvCxnSpPr>
+              <a:cxnSpLocks/>
+            </p:cNvCxnSpPr>
+            <p:nvPr/>
+          </p:nvCxnSpPr>
+          <p:spPr>
+            <a:xfrm>
+              <a:off x="4147670" y="1650321"/>
+              <a:ext cx="405474" cy="0"/>
+            </a:xfrm>
+            <a:prstGeom prst="straightConnector1">
+              <a:avLst/>
+            </a:prstGeom>
+            <a:ln w="22225">
+              <a:solidFill>
+                <a:schemeClr val="bg1"/>
+              </a:solidFill>
+              <a:prstDash val="dash"/>
+              <a:tailEnd type="triangle"/>
+            </a:ln>
+          </p:spPr>
+          <p:style>
+            <a:lnRef idx="1">
+              <a:schemeClr val="accent1"/>
+            </a:lnRef>
+            <a:fillRef idx="0">
+              <a:schemeClr val="accent1"/>
+            </a:fillRef>
+            <a:effectRef idx="0">
+              <a:schemeClr val="accent1"/>
+            </a:effectRef>
+            <a:fontRef idx="minor">
+              <a:schemeClr val="tx1"/>
+            </a:fontRef>
+          </p:style>
+        </p:cxnSp>
+      </p:grpSp>
+    </p:spTree>
+    <p:extLst>
+      <p:ext uri="{BB962C8B-B14F-4D97-AF65-F5344CB8AC3E}">
+        <p14:creationId xmlns:p14="http://schemas.microsoft.com/office/powerpoint/2010/main" val="3089350616"/>
+      </p:ext>
+    </p:extLst>
+  </p:cSld>
+  <p:clrMapOvr>
+    <a:masterClrMapping/>
+  </p:clrMapOvr>
+</p:sld>
+</file>
+
+<file path=ppt/slides/slide14.xml><?xml version="1.0" encoding="utf-8"?>
+<p:sld xmlns:a="http://schemas.openxmlformats.org/drawingml/2006/main" xmlns:r="http://schemas.openxmlformats.org/officeDocument/2006/relationships" xmlns:p="http://schemas.openxmlformats.org/presentationml/2006/main">
+  <p:cSld>
+    <p:spTree>
+      <p:nvGrpSpPr>
+        <p:cNvPr id="1" name=""/>
+        <p:cNvGrpSpPr/>
+        <p:nvPr/>
+      </p:nvGrpSpPr>
+      <p:grpSpPr>
+        <a:xfrm>
+          <a:off x="0" y="0"/>
+          <a:ext cx="0" cy="0"/>
+          <a:chOff x="0" y="0"/>
+          <a:chExt cx="0" cy="0"/>
+        </a:xfrm>
+      </p:grpSpPr>
+      <p:sp>
+        <p:nvSpPr>
+          <p:cNvPr id="2" name="TextBox 1">
+            <a:extLst>
+              <a:ext uri="{FF2B5EF4-FFF2-40B4-BE49-F238E27FC236}">
+                <a16:creationId xmlns:a16="http://schemas.microsoft.com/office/drawing/2014/main" id="{AF53483D-1A80-C107-D3AB-6901351F1D3F}"/>
+              </a:ext>
+            </a:extLst>
+          </p:cNvPr>
+          <p:cNvSpPr txBox="1"/>
+          <p:nvPr/>
+        </p:nvSpPr>
+        <p:spPr>
+          <a:xfrm>
+            <a:off x="10388600" y="6596390"/>
+            <a:ext cx="1803400" cy="261610"/>
+          </a:xfrm>
+          <a:prstGeom prst="rect">
+            <a:avLst/>
+          </a:prstGeom>
+          <a:noFill/>
+        </p:spPr>
+        <p:txBody>
+          <a:bodyPr wrap="square" rtlCol="0">
+            <a:spAutoFit/>
+          </a:bodyPr>
+          <a:lstStyle/>
+          <a:p>
+            <a:pPr algn="r"/>
+            <a:r>
+              <a:rPr lang="en-US" altLang="ko-KR" sz="1100" dirty="0"/>
+              <a:t>Kim0lil/80700</a:t>
+            </a:r>
+            <a:endParaRPr lang="ko-KR" altLang="en-US" sz="1100" dirty="0"/>
+          </a:p>
+        </p:txBody>
+      </p:sp>
+      <p:grpSp>
+        <p:nvGrpSpPr>
+          <p:cNvPr id="9" name="그룹 8">
+            <a:extLst>
+              <a:ext uri="{FF2B5EF4-FFF2-40B4-BE49-F238E27FC236}">
+                <a16:creationId xmlns:a16="http://schemas.microsoft.com/office/drawing/2014/main" id="{AE060334-1846-F558-BA59-D7D87A9B75E8}"/>
+              </a:ext>
+            </a:extLst>
+          </p:cNvPr>
+          <p:cNvGrpSpPr/>
+          <p:nvPr/>
+        </p:nvGrpSpPr>
+        <p:grpSpPr>
+          <a:xfrm>
+            <a:off x="2133600" y="666039"/>
+            <a:ext cx="9134764" cy="5231178"/>
+            <a:chOff x="2133600" y="666039"/>
+            <a:chExt cx="9134764" cy="5231178"/>
+          </a:xfrm>
+        </p:grpSpPr>
+        <p:grpSp>
+          <p:nvGrpSpPr>
+            <p:cNvPr id="85" name="그룹 84">
+              <a:extLst>
+                <a:ext uri="{FF2B5EF4-FFF2-40B4-BE49-F238E27FC236}">
+                  <a16:creationId xmlns:a16="http://schemas.microsoft.com/office/drawing/2014/main" id="{24696C4A-E017-9920-8119-711FBD0B50A7}"/>
+                </a:ext>
+              </a:extLst>
+            </p:cNvPr>
+            <p:cNvGrpSpPr/>
+            <p:nvPr/>
+          </p:nvGrpSpPr>
+          <p:grpSpPr>
+            <a:xfrm>
+              <a:off x="2133600" y="666039"/>
+              <a:ext cx="9134764" cy="5231178"/>
+              <a:chOff x="2133600" y="666039"/>
+              <a:chExt cx="9134764" cy="5231178"/>
+            </a:xfrm>
+          </p:grpSpPr>
+          <p:grpSp>
+            <p:nvGrpSpPr>
+              <p:cNvPr id="76" name="그룹 75">
+                <a:extLst>
+                  <a:ext uri="{FF2B5EF4-FFF2-40B4-BE49-F238E27FC236}">
+                    <a16:creationId xmlns:a16="http://schemas.microsoft.com/office/drawing/2014/main" id="{4258EB1B-009F-DB69-F87D-D86AD2065C5B}"/>
+                  </a:ext>
+                </a:extLst>
+              </p:cNvPr>
+              <p:cNvGrpSpPr/>
+              <p:nvPr/>
+            </p:nvGrpSpPr>
+            <p:grpSpPr>
+              <a:xfrm>
+                <a:off x="2133600" y="666039"/>
+                <a:ext cx="9134764" cy="5231178"/>
+                <a:chOff x="2133600" y="666039"/>
+                <a:chExt cx="9134764" cy="5231178"/>
+              </a:xfrm>
+            </p:grpSpPr>
+            <p:sp>
+              <p:nvSpPr>
+                <p:cNvPr id="10" name="직사각형 9">
+                  <a:extLst>
+                    <a:ext uri="{FF2B5EF4-FFF2-40B4-BE49-F238E27FC236}">
+                      <a16:creationId xmlns:a16="http://schemas.microsoft.com/office/drawing/2014/main" id="{BB773FBB-3EFA-9C7C-F87A-6BC08344F8BF}"/>
+                    </a:ext>
+                  </a:extLst>
+                </p:cNvPr>
+                <p:cNvSpPr/>
+                <p:nvPr/>
+              </p:nvSpPr>
+              <p:spPr>
+                <a:xfrm>
+                  <a:off x="2146851" y="666039"/>
+                  <a:ext cx="9121513" cy="5231178"/>
+                </a:xfrm>
+                <a:prstGeom prst="rect">
+                  <a:avLst/>
+                </a:prstGeom>
+                <a:solidFill>
+                  <a:schemeClr val="tx1">
+                    <a:lumMod val="75000"/>
+                    <a:lumOff val="25000"/>
+                  </a:schemeClr>
+                </a:solidFill>
+                <a:ln w="9525" cap="flat" cmpd="sng" algn="ctr">
+                  <a:solidFill>
+                    <a:schemeClr val="accent1"/>
+                  </a:solidFill>
+                  <a:prstDash val="solid"/>
+                  <a:round/>
+                  <a:headEnd type="none" w="med" len="med"/>
+                  <a:tailEnd type="none" w="med" len="med"/>
+                </a:ln>
+              </p:spPr>
+              <p:style>
+                <a:lnRef idx="0">
+                  <a:scrgbClr r="0" g="0" b="0"/>
+                </a:lnRef>
+                <a:fillRef idx="0">
+                  <a:scrgbClr r="0" g="0" b="0"/>
+                </a:fillRef>
+                <a:effectRef idx="0">
+                  <a:scrgbClr r="0" g="0" b="0"/>
+                </a:effectRef>
+                <a:fontRef idx="minor">
+                  <a:schemeClr val="accent1"/>
+                </a:fontRef>
+              </p:style>
+              <p:txBody>
+                <a:bodyPr rtlCol="0" anchor="b"/>
+                <a:lstStyle/>
+                <a:p>
+                  <a:pPr algn="ctr"/>
+                  <a:r>
+                    <a:rPr lang="en-US" altLang="ko-KR" b="1" dirty="0">
+                      <a:solidFill>
+                        <a:schemeClr val="bg1"/>
+                      </a:solidFill>
+                      <a:effectLst/>
+                      <a:latin typeface="Consolas" panose="020B0609020204030204" pitchFamily="49" charset="0"/>
+                    </a:rPr>
+                    <a:t>Node </a:t>
+                  </a:r>
+                  <a:r>
+                    <a:rPr lang="en-US" altLang="ko-KR" b="1" dirty="0">
+                      <a:solidFill>
+                        <a:schemeClr val="bg1">
+                          <a:lumMod val="65000"/>
+                        </a:schemeClr>
+                      </a:solidFill>
+                      <a:effectLst/>
+                      <a:latin typeface="Consolas" panose="020B0609020204030204" pitchFamily="49" charset="0"/>
+                    </a:rPr>
+                    <a:t>(Master)</a:t>
+                  </a:r>
+                </a:p>
+                <a:p>
+                  <a:pPr algn="ctr"/>
+                  <a:endParaRPr lang="en-US" altLang="ko-KR" b="0" dirty="0">
+                    <a:solidFill>
+                      <a:schemeClr val="bg1">
+                        <a:lumMod val="65000"/>
+                      </a:schemeClr>
+                    </a:solidFill>
+                    <a:effectLst/>
+                    <a:latin typeface="Consolas" panose="020B0609020204030204" pitchFamily="49" charset="0"/>
+                  </a:endParaRPr>
+                </a:p>
+              </p:txBody>
+            </p:sp>
+            <p:sp>
+              <p:nvSpPr>
+                <p:cNvPr id="14" name="직사각형 13">
+                  <a:extLst>
+                    <a:ext uri="{FF2B5EF4-FFF2-40B4-BE49-F238E27FC236}">
+                      <a16:creationId xmlns:a16="http://schemas.microsoft.com/office/drawing/2014/main" id="{473371C5-0642-C9DE-13EC-762878111D67}"/>
+                    </a:ext>
+                  </a:extLst>
+                </p:cNvPr>
+                <p:cNvSpPr/>
+                <p:nvPr/>
+              </p:nvSpPr>
+              <p:spPr>
+                <a:xfrm>
+                  <a:off x="2804904" y="984090"/>
+                  <a:ext cx="2323587" cy="3942522"/>
+                </a:xfrm>
+                <a:prstGeom prst="rect">
+                  <a:avLst/>
+                </a:prstGeom>
+              </p:spPr>
+              <p:style>
+                <a:lnRef idx="2">
+                  <a:schemeClr val="accent2">
+                    <a:shade val="50000"/>
+                  </a:schemeClr>
+                </a:lnRef>
+                <a:fillRef idx="1">
+                  <a:schemeClr val="accent2"/>
+                </a:fillRef>
+                <a:effectRef idx="0">
+                  <a:schemeClr val="accent2"/>
+                </a:effectRef>
+                <a:fontRef idx="minor">
+                  <a:schemeClr val="lt1"/>
+                </a:fontRef>
+              </p:style>
+              <p:txBody>
+                <a:bodyPr rtlCol="0" anchor="ctr"/>
+                <a:lstStyle/>
+                <a:p>
+                  <a:pPr algn="ctr"/>
+                  <a:r>
+                    <a:rPr lang="en-US" altLang="ko-KR" b="1" dirty="0">
+                      <a:latin typeface="Consolas" panose="020B0609020204030204" pitchFamily="49" charset="0"/>
+                    </a:rPr>
+                    <a:t>Service</a:t>
+                  </a:r>
+                  <a:endParaRPr lang="ko-KR" altLang="en-US" sz="1400" b="1" dirty="0">
+                    <a:latin typeface="Consolas" panose="020B0609020204030204" pitchFamily="49" charset="0"/>
+                  </a:endParaRPr>
+                </a:p>
+              </p:txBody>
+            </p:sp>
+            <p:cxnSp>
+              <p:nvCxnSpPr>
+                <p:cNvPr id="15" name="연결선: 꺾임 14">
+                  <a:extLst>
+                    <a:ext uri="{FF2B5EF4-FFF2-40B4-BE49-F238E27FC236}">
+                      <a16:creationId xmlns:a16="http://schemas.microsoft.com/office/drawing/2014/main" id="{F9469B1D-0547-5C38-743C-D27FEB9DC9DB}"/>
+                    </a:ext>
+                  </a:extLst>
+                </p:cNvPr>
+                <p:cNvCxnSpPr>
+                  <a:cxnSpLocks/>
+                  <a:stCxn id="29" idx="1"/>
+                  <a:endCxn id="33" idx="1"/>
+                </p:cNvCxnSpPr>
+                <p:nvPr/>
+              </p:nvCxnSpPr>
+              <p:spPr>
+                <a:xfrm rot="10800000">
+                  <a:off x="7327852" y="1490986"/>
+                  <a:ext cx="12700" cy="2928730"/>
+                </a:xfrm>
+                <a:prstGeom prst="bentConnector3">
+                  <a:avLst>
+                    <a:gd name="adj1" fmla="val 8563638"/>
+                  </a:avLst>
+                </a:prstGeom>
+                <a:ln w="25400">
+                  <a:solidFill>
+                    <a:srgbClr val="FFC000"/>
+                  </a:solidFill>
+                  <a:prstDash val="dash"/>
+                  <a:headEnd type="arrow"/>
+                  <a:tailEnd type="triangle"/>
+                </a:ln>
+              </p:spPr>
+              <p:style>
+                <a:lnRef idx="1">
+                  <a:schemeClr val="accent1"/>
+                </a:lnRef>
+                <a:fillRef idx="0">
+                  <a:schemeClr val="accent1"/>
+                </a:fillRef>
+                <a:effectRef idx="0">
+                  <a:schemeClr val="accent1"/>
+                </a:effectRef>
+                <a:fontRef idx="minor">
+                  <a:schemeClr val="tx1"/>
+                </a:fontRef>
+              </p:style>
+            </p:cxnSp>
+            <p:cxnSp>
+              <p:nvCxnSpPr>
+                <p:cNvPr id="18" name="직선 화살표 연결선 17">
+                  <a:extLst>
+                    <a:ext uri="{FF2B5EF4-FFF2-40B4-BE49-F238E27FC236}">
+                      <a16:creationId xmlns:a16="http://schemas.microsoft.com/office/drawing/2014/main" id="{F0A4037E-3113-6652-B365-B0B9EDC86FA6}"/>
+                    </a:ext>
+                  </a:extLst>
+                </p:cNvPr>
+                <p:cNvCxnSpPr>
+                  <a:cxnSpLocks/>
+                  <a:endCxn id="14" idx="1"/>
+                </p:cNvCxnSpPr>
+                <p:nvPr/>
+              </p:nvCxnSpPr>
+              <p:spPr>
+                <a:xfrm>
+                  <a:off x="2133600" y="2955351"/>
+                  <a:ext cx="671304" cy="0"/>
+                </a:xfrm>
+                <a:prstGeom prst="straightConnector1">
+                  <a:avLst/>
+                </a:prstGeom>
+                <a:ln w="22225">
+                  <a:solidFill>
+                    <a:schemeClr val="bg1"/>
+                  </a:solidFill>
+                  <a:tailEnd type="triangle"/>
+                </a:ln>
+              </p:spPr>
+              <p:style>
+                <a:lnRef idx="1">
+                  <a:schemeClr val="accent1"/>
+                </a:lnRef>
+                <a:fillRef idx="0">
+                  <a:schemeClr val="accent1"/>
+                </a:fillRef>
+                <a:effectRef idx="0">
+                  <a:schemeClr val="accent1"/>
+                </a:effectRef>
+                <a:fontRef idx="minor">
+                  <a:schemeClr val="tx1"/>
+                </a:fontRef>
+              </p:style>
+            </p:cxnSp>
+            <p:grpSp>
+              <p:nvGrpSpPr>
+                <p:cNvPr id="50" name="그룹 49">
+                  <a:extLst>
+                    <a:ext uri="{FF2B5EF4-FFF2-40B4-BE49-F238E27FC236}">
+                      <a16:creationId xmlns:a16="http://schemas.microsoft.com/office/drawing/2014/main" id="{B8450DA1-D748-617D-D153-A1BCFDB16BD9}"/>
+                    </a:ext>
+                  </a:extLst>
+                </p:cNvPr>
+                <p:cNvGrpSpPr/>
+                <p:nvPr/>
+              </p:nvGrpSpPr>
+              <p:grpSpPr>
+                <a:xfrm>
+                  <a:off x="7261589" y="799216"/>
+                  <a:ext cx="1807266" cy="1198666"/>
+                  <a:chOff x="8647043" y="799216"/>
+                  <a:chExt cx="1807266" cy="1198666"/>
+                </a:xfrm>
+              </p:grpSpPr>
+              <p:grpSp>
+                <p:nvGrpSpPr>
+                  <p:cNvPr id="11" name="그룹 10">
+                    <a:extLst>
+                      <a:ext uri="{FF2B5EF4-FFF2-40B4-BE49-F238E27FC236}">
+                        <a16:creationId xmlns:a16="http://schemas.microsoft.com/office/drawing/2014/main" id="{E2200FBD-FA3C-1989-0D56-1C34A4DC6854}"/>
+                      </a:ext>
+                    </a:extLst>
+                  </p:cNvPr>
+                  <p:cNvGrpSpPr/>
+                  <p:nvPr/>
+                </p:nvGrpSpPr>
+                <p:grpSpPr>
+                  <a:xfrm>
+                    <a:off x="8647043" y="984090"/>
+                    <a:ext cx="1807266" cy="1013792"/>
+                    <a:chOff x="1336811" y="639534"/>
+                    <a:chExt cx="1807266" cy="1013792"/>
+                  </a:xfrm>
+                </p:grpSpPr>
+                <p:sp>
+                  <p:nvSpPr>
+                    <p:cNvPr id="33" name="직사각형 32">
+                      <a:extLst>
+                        <a:ext uri="{FF2B5EF4-FFF2-40B4-BE49-F238E27FC236}">
+                          <a16:creationId xmlns:a16="http://schemas.microsoft.com/office/drawing/2014/main" id="{4ED032DB-3F89-F091-06A3-E8F07DA6352A}"/>
+                        </a:ext>
+                      </a:extLst>
+                    </p:cNvPr>
+                    <p:cNvSpPr/>
+                    <p:nvPr/>
+                  </p:nvSpPr>
+                  <p:spPr>
+                    <a:xfrm>
+                      <a:off x="1403074" y="639534"/>
+                      <a:ext cx="1741003" cy="1013792"/>
+                    </a:xfrm>
+                    <a:prstGeom prst="rect">
+                      <a:avLst/>
+                    </a:prstGeom>
+                    <a:solidFill>
+                      <a:schemeClr val="accent1">
+                        <a:lumMod val="75000"/>
+                      </a:schemeClr>
+                    </a:solidFill>
+                    <a:ln w="9525" cap="flat" cmpd="sng" algn="ctr">
+                      <a:solidFill>
+                        <a:schemeClr val="accent1"/>
+                      </a:solidFill>
+                      <a:prstDash val="solid"/>
+                      <a:round/>
+                      <a:headEnd type="none" w="med" len="med"/>
+                      <a:tailEnd type="none" w="med" len="med"/>
+                    </a:ln>
+                  </p:spPr>
+                  <p:style>
+                    <a:lnRef idx="0">
+                      <a:scrgbClr r="0" g="0" b="0"/>
+                    </a:lnRef>
+                    <a:fillRef idx="0">
+                      <a:scrgbClr r="0" g="0" b="0"/>
+                    </a:fillRef>
+                    <a:effectRef idx="0">
+                      <a:scrgbClr r="0" g="0" b="0"/>
+                    </a:effectRef>
+                    <a:fontRef idx="minor">
+                      <a:schemeClr val="accent1"/>
+                    </a:fontRef>
+                  </p:style>
+                  <p:txBody>
+                    <a:bodyPr rtlCol="0" anchor="ctr"/>
+                    <a:lstStyle/>
+                    <a:p>
+                      <a:pPr algn="ctr"/>
+                      <a:r>
+                        <a:rPr lang="en-US" altLang="ko-KR" b="1" dirty="0">
+                          <a:solidFill>
+                            <a:schemeClr val="bg1"/>
+                          </a:solidFill>
+                          <a:effectLst/>
+                          <a:latin typeface="Consolas" panose="020B0609020204030204" pitchFamily="49" charset="0"/>
+                        </a:rPr>
+                        <a:t>Pod </a:t>
+                      </a:r>
+                      <a:r>
+                        <a:rPr lang="en-US" altLang="ko-KR" b="0" dirty="0">
+                          <a:solidFill>
+                            <a:srgbClr val="D4D4D4"/>
+                          </a:solidFill>
+                          <a:effectLst/>
+                          <a:latin typeface="Consolas" panose="020B0609020204030204" pitchFamily="49" charset="0"/>
+                        </a:rPr>
+                        <a:t>(bn77g</a:t>
+                      </a:r>
+                      <a:r>
+                        <a:rPr lang="en-US" altLang="ko-KR" dirty="0">
+                          <a:solidFill>
+                            <a:schemeClr val="bg1">
+                              <a:lumMod val="65000"/>
+                            </a:schemeClr>
+                          </a:solidFill>
+                          <a:latin typeface="Consolas" panose="020B0609020204030204" pitchFamily="49" charset="0"/>
+                        </a:rPr>
+                        <a:t>)</a:t>
+                      </a:r>
+                      <a:endParaRPr lang="en-US" altLang="ko-KR" b="0" dirty="0">
+                        <a:solidFill>
+                          <a:srgbClr val="D4D4D4"/>
+                        </a:solidFill>
+                        <a:effectLst/>
+                        <a:latin typeface="Consolas" panose="020B0609020204030204" pitchFamily="49" charset="0"/>
+                      </a:endParaRPr>
+                    </a:p>
+                  </p:txBody>
+                </p:sp>
+                <p:sp>
+                  <p:nvSpPr>
+                    <p:cNvPr id="35" name="직사각형 34">
+                      <a:extLst>
+                        <a:ext uri="{FF2B5EF4-FFF2-40B4-BE49-F238E27FC236}">
+                          <a16:creationId xmlns:a16="http://schemas.microsoft.com/office/drawing/2014/main" id="{E0F68FFA-8EAC-81C8-60D9-C1B24DE7F145}"/>
+                        </a:ext>
+                      </a:extLst>
+                    </p:cNvPr>
+                    <p:cNvSpPr/>
+                    <p:nvPr/>
+                  </p:nvSpPr>
+                  <p:spPr>
+                    <a:xfrm>
+                      <a:off x="1336811" y="1349760"/>
+                      <a:ext cx="1070113" cy="279274"/>
+                    </a:xfrm>
+                    <a:prstGeom prst="rect">
+                      <a:avLst/>
+                    </a:prstGeom>
+                    <a:noFill/>
+                    <a:ln w="9525" cap="flat" cmpd="sng" algn="ctr">
+                      <a:noFill/>
+                      <a:prstDash val="solid"/>
+                      <a:round/>
+                      <a:headEnd type="none" w="med" len="med"/>
+                      <a:tailEnd type="none" w="med" len="med"/>
+                    </a:ln>
+                  </p:spPr>
+                  <p:style>
+                    <a:lnRef idx="0">
+                      <a:scrgbClr r="0" g="0" b="0"/>
+                    </a:lnRef>
+                    <a:fillRef idx="0">
+                      <a:scrgbClr r="0" g="0" b="0"/>
+                    </a:fillRef>
+                    <a:effectRef idx="0">
+                      <a:scrgbClr r="0" g="0" b="0"/>
+                    </a:effectRef>
+                    <a:fontRef idx="minor">
+                      <a:schemeClr val="accent1"/>
+                    </a:fontRef>
+                  </p:style>
+                  <p:txBody>
+                    <a:bodyPr rtlCol="0" anchor="ctr"/>
+                    <a:lstStyle/>
+                    <a:p>
+                      <a:pPr algn="ctr"/>
+                      <a:r>
+                        <a:rPr lang="en-US" altLang="ko-KR" sz="1200" b="1" dirty="0">
+                          <a:solidFill>
+                            <a:schemeClr val="bg1"/>
+                          </a:solidFill>
+                          <a:effectLst/>
+                          <a:latin typeface="Consolas" panose="020B0609020204030204" pitchFamily="49" charset="0"/>
+                        </a:rPr>
+                        <a:t>10.0.1.3</a:t>
+                      </a:r>
+                      <a:endParaRPr lang="en-US" altLang="ko-KR" sz="1200" b="0" dirty="0">
+                        <a:solidFill>
+                          <a:schemeClr val="bg1">
+                            <a:lumMod val="65000"/>
+                          </a:schemeClr>
+                        </a:solidFill>
+                        <a:effectLst/>
+                        <a:latin typeface="Consolas" panose="020B0609020204030204" pitchFamily="49" charset="0"/>
+                      </a:endParaRPr>
+                    </a:p>
+                  </p:txBody>
+                </p:sp>
+              </p:grpSp>
+              <p:sp>
+                <p:nvSpPr>
+                  <p:cNvPr id="20" name="직사각형 19">
+                    <a:extLst>
+                      <a:ext uri="{FF2B5EF4-FFF2-40B4-BE49-F238E27FC236}">
+                        <a16:creationId xmlns:a16="http://schemas.microsoft.com/office/drawing/2014/main" id="{9FFDD7A7-A2F4-8D89-64AF-09316359DEA6}"/>
+                      </a:ext>
+                    </a:extLst>
+                  </p:cNvPr>
+                  <p:cNvSpPr/>
+                  <p:nvPr/>
+                </p:nvSpPr>
+                <p:spPr>
+                  <a:xfrm>
+                    <a:off x="9048750" y="799216"/>
+                    <a:ext cx="1070113" cy="369748"/>
+                  </a:xfrm>
+                  <a:prstGeom prst="rect">
+                    <a:avLst/>
+                  </a:prstGeom>
+                  <a:ln w="28575">
+                    <a:solidFill>
+                      <a:srgbClr val="00B0F0"/>
+                    </a:solidFill>
+                  </a:ln>
+                </p:spPr>
+                <p:style>
+                  <a:lnRef idx="2">
+                    <a:schemeClr val="accent2"/>
+                  </a:lnRef>
+                  <a:fillRef idx="1">
+                    <a:schemeClr val="lt1"/>
+                  </a:fillRef>
+                  <a:effectRef idx="0">
+                    <a:schemeClr val="accent2"/>
+                  </a:effectRef>
+                  <a:fontRef idx="minor">
+                    <a:schemeClr val="dk1"/>
+                  </a:fontRef>
+                </p:style>
+                <p:txBody>
+                  <a:bodyPr rtlCol="0" anchor="ctr"/>
+                  <a:lstStyle/>
+                  <a:p>
+                    <a:pPr algn="ctr"/>
+                    <a:r>
+                      <a:rPr lang="en-US" altLang="ko-KR" sz="1200" dirty="0"/>
+                      <a:t>app=node</a:t>
+                    </a:r>
+                    <a:endParaRPr lang="ko-KR" altLang="en-US" sz="1200" dirty="0"/>
+                  </a:p>
+                </p:txBody>
+              </p:sp>
+            </p:grpSp>
+            <p:grpSp>
+              <p:nvGrpSpPr>
+                <p:cNvPr id="51" name="그룹 50">
+                  <a:extLst>
+                    <a:ext uri="{FF2B5EF4-FFF2-40B4-BE49-F238E27FC236}">
+                      <a16:creationId xmlns:a16="http://schemas.microsoft.com/office/drawing/2014/main" id="{5F1D49E5-9AB2-9E14-712A-AF4FE09F5C26}"/>
+                    </a:ext>
+                  </a:extLst>
+                </p:cNvPr>
+                <p:cNvGrpSpPr/>
+                <p:nvPr/>
+              </p:nvGrpSpPr>
+              <p:grpSpPr>
+                <a:xfrm>
+                  <a:off x="7261589" y="2275514"/>
+                  <a:ext cx="1807266" cy="1186733"/>
+                  <a:chOff x="8647043" y="2275514"/>
+                  <a:chExt cx="1807266" cy="1186733"/>
+                </a:xfrm>
+              </p:grpSpPr>
+              <p:grpSp>
+                <p:nvGrpSpPr>
+                  <p:cNvPr id="12" name="그룹 11">
+                    <a:extLst>
+                      <a:ext uri="{FF2B5EF4-FFF2-40B4-BE49-F238E27FC236}">
+                        <a16:creationId xmlns:a16="http://schemas.microsoft.com/office/drawing/2014/main" id="{0C63A4AA-6564-23FF-A7F8-6947DEFF8942}"/>
+                      </a:ext>
+                    </a:extLst>
+                  </p:cNvPr>
+                  <p:cNvGrpSpPr/>
+                  <p:nvPr/>
+                </p:nvGrpSpPr>
+                <p:grpSpPr>
+                  <a:xfrm>
+                    <a:off x="8647043" y="2448455"/>
+                    <a:ext cx="1807266" cy="1013792"/>
+                    <a:chOff x="1336811" y="639534"/>
+                    <a:chExt cx="1807266" cy="1013792"/>
+                  </a:xfrm>
+                </p:grpSpPr>
+                <p:sp>
+                  <p:nvSpPr>
+                    <p:cNvPr id="31" name="직사각형 30">
+                      <a:extLst>
+                        <a:ext uri="{FF2B5EF4-FFF2-40B4-BE49-F238E27FC236}">
+                          <a16:creationId xmlns:a16="http://schemas.microsoft.com/office/drawing/2014/main" id="{6BE66E03-7567-3677-9BE0-BEC6E1F6483F}"/>
+                        </a:ext>
+                      </a:extLst>
+                    </p:cNvPr>
+                    <p:cNvSpPr/>
+                    <p:nvPr/>
+                  </p:nvSpPr>
+                  <p:spPr>
+                    <a:xfrm>
+                      <a:off x="1403074" y="639534"/>
+                      <a:ext cx="1741003" cy="1013792"/>
+                    </a:xfrm>
+                    <a:prstGeom prst="rect">
+                      <a:avLst/>
+                    </a:prstGeom>
+                    <a:solidFill>
+                      <a:schemeClr val="accent1">
+                        <a:lumMod val="75000"/>
+                      </a:schemeClr>
+                    </a:solidFill>
+                    <a:ln w="9525" cap="flat" cmpd="sng" algn="ctr">
+                      <a:solidFill>
+                        <a:schemeClr val="accent1"/>
+                      </a:solidFill>
+                      <a:prstDash val="solid"/>
+                      <a:round/>
+                      <a:headEnd type="none" w="med" len="med"/>
+                      <a:tailEnd type="none" w="med" len="med"/>
+                    </a:ln>
+                  </p:spPr>
+                  <p:style>
+                    <a:lnRef idx="0">
+                      <a:scrgbClr r="0" g="0" b="0"/>
+                    </a:lnRef>
+                    <a:fillRef idx="0">
+                      <a:scrgbClr r="0" g="0" b="0"/>
+                    </a:fillRef>
+                    <a:effectRef idx="0">
+                      <a:scrgbClr r="0" g="0" b="0"/>
+                    </a:effectRef>
+                    <a:fontRef idx="minor">
+                      <a:schemeClr val="accent1"/>
+                    </a:fontRef>
+                  </p:style>
+                  <p:txBody>
+                    <a:bodyPr rtlCol="0" anchor="ctr"/>
+                    <a:lstStyle/>
+                    <a:p>
+                      <a:pPr algn="ctr"/>
+                      <a:r>
+                        <a:rPr lang="en-US" altLang="ko-KR" b="1" dirty="0">
+                          <a:solidFill>
+                            <a:schemeClr val="bg1"/>
+                          </a:solidFill>
+                          <a:effectLst/>
+                          <a:latin typeface="Consolas" panose="020B0609020204030204" pitchFamily="49" charset="0"/>
+                        </a:rPr>
+                        <a:t>Pod </a:t>
+                      </a:r>
+                      <a:r>
+                        <a:rPr lang="en-US" altLang="ko-KR" b="0" dirty="0">
+                          <a:solidFill>
+                            <a:srgbClr val="D4D4D4"/>
+                          </a:solidFill>
+                          <a:effectLst/>
+                          <a:latin typeface="Consolas" panose="020B0609020204030204" pitchFamily="49" charset="0"/>
+                        </a:rPr>
+                        <a:t>(5hh9f</a:t>
+                      </a:r>
+                      <a:r>
+                        <a:rPr lang="en-US" altLang="ko-KR" dirty="0">
+                          <a:solidFill>
+                            <a:schemeClr val="bg1">
+                              <a:lumMod val="65000"/>
+                            </a:schemeClr>
+                          </a:solidFill>
+                          <a:latin typeface="Consolas" panose="020B0609020204030204" pitchFamily="49" charset="0"/>
+                        </a:rPr>
+                        <a:t>)</a:t>
+                      </a:r>
+                      <a:endParaRPr lang="en-US" altLang="ko-KR" b="0" dirty="0">
+                        <a:solidFill>
+                          <a:srgbClr val="D4D4D4"/>
+                        </a:solidFill>
+                        <a:effectLst/>
+                        <a:latin typeface="Consolas" panose="020B0609020204030204" pitchFamily="49" charset="0"/>
+                      </a:endParaRPr>
+                    </a:p>
+                  </p:txBody>
+                </p:sp>
+                <p:sp>
+                  <p:nvSpPr>
+                    <p:cNvPr id="32" name="직사각형 31">
+                      <a:extLst>
+                        <a:ext uri="{FF2B5EF4-FFF2-40B4-BE49-F238E27FC236}">
+                          <a16:creationId xmlns:a16="http://schemas.microsoft.com/office/drawing/2014/main" id="{76CD7926-A90D-9B8C-7805-663B54B00742}"/>
+                        </a:ext>
+                      </a:extLst>
+                    </p:cNvPr>
+                    <p:cNvSpPr/>
+                    <p:nvPr/>
+                  </p:nvSpPr>
+                  <p:spPr>
+                    <a:xfrm>
+                      <a:off x="1336811" y="1349760"/>
+                      <a:ext cx="1070113" cy="279274"/>
+                    </a:xfrm>
+                    <a:prstGeom prst="rect">
+                      <a:avLst/>
+                    </a:prstGeom>
+                    <a:noFill/>
+                    <a:ln w="9525" cap="flat" cmpd="sng" algn="ctr">
+                      <a:noFill/>
+                      <a:prstDash val="solid"/>
+                      <a:round/>
+                      <a:headEnd type="none" w="med" len="med"/>
+                      <a:tailEnd type="none" w="med" len="med"/>
+                    </a:ln>
+                  </p:spPr>
+                  <p:style>
+                    <a:lnRef idx="0">
+                      <a:scrgbClr r="0" g="0" b="0"/>
+                    </a:lnRef>
+                    <a:fillRef idx="0">
+                      <a:scrgbClr r="0" g="0" b="0"/>
+                    </a:fillRef>
+                    <a:effectRef idx="0">
+                      <a:scrgbClr r="0" g="0" b="0"/>
+                    </a:effectRef>
+                    <a:fontRef idx="minor">
+                      <a:schemeClr val="accent1"/>
+                    </a:fontRef>
+                  </p:style>
+                  <p:txBody>
+                    <a:bodyPr rtlCol="0" anchor="ctr"/>
+                    <a:lstStyle/>
+                    <a:p>
+                      <a:pPr algn="ctr"/>
+                      <a:r>
+                        <a:rPr lang="en-US" altLang="ko-KR" sz="1200" b="1" dirty="0">
+                          <a:solidFill>
+                            <a:schemeClr val="bg1"/>
+                          </a:solidFill>
+                          <a:effectLst/>
+                          <a:latin typeface="Consolas" panose="020B0609020204030204" pitchFamily="49" charset="0"/>
+                        </a:rPr>
+                        <a:t>10.0.1.4</a:t>
+                      </a:r>
+                      <a:endParaRPr lang="en-US" altLang="ko-KR" sz="1200" b="0" dirty="0">
+                        <a:solidFill>
+                          <a:schemeClr val="bg1">
+                            <a:lumMod val="65000"/>
+                          </a:schemeClr>
+                        </a:solidFill>
+                        <a:effectLst/>
+                        <a:latin typeface="Consolas" panose="020B0609020204030204" pitchFamily="49" charset="0"/>
+                      </a:endParaRPr>
+                    </a:p>
+                  </p:txBody>
+                </p:sp>
+              </p:grpSp>
+              <p:sp>
+                <p:nvSpPr>
+                  <p:cNvPr id="37" name="직사각형 36">
+                    <a:extLst>
+                      <a:ext uri="{FF2B5EF4-FFF2-40B4-BE49-F238E27FC236}">
+                        <a16:creationId xmlns:a16="http://schemas.microsoft.com/office/drawing/2014/main" id="{C11338A7-FF5C-6976-23C4-668A77E781C6}"/>
+                      </a:ext>
+                    </a:extLst>
+                  </p:cNvPr>
+                  <p:cNvSpPr/>
+                  <p:nvPr/>
+                </p:nvSpPr>
+                <p:spPr>
+                  <a:xfrm>
+                    <a:off x="9048750" y="2275514"/>
+                    <a:ext cx="1070113" cy="369748"/>
+                  </a:xfrm>
+                  <a:prstGeom prst="rect">
+                    <a:avLst/>
+                  </a:prstGeom>
+                  <a:ln w="28575">
+                    <a:solidFill>
+                      <a:srgbClr val="00B0F0"/>
+                    </a:solidFill>
+                  </a:ln>
+                </p:spPr>
+                <p:style>
+                  <a:lnRef idx="2">
+                    <a:schemeClr val="accent2"/>
+                  </a:lnRef>
+                  <a:fillRef idx="1">
+                    <a:schemeClr val="lt1"/>
+                  </a:fillRef>
+                  <a:effectRef idx="0">
+                    <a:schemeClr val="accent2"/>
+                  </a:effectRef>
+                  <a:fontRef idx="minor">
+                    <a:schemeClr val="dk1"/>
+                  </a:fontRef>
+                </p:style>
+                <p:txBody>
+                  <a:bodyPr rtlCol="0" anchor="ctr"/>
+                  <a:lstStyle/>
+                  <a:p>
+                    <a:pPr algn="ctr"/>
+                    <a:r>
+                      <a:rPr lang="en-US" altLang="ko-KR" sz="1200" dirty="0"/>
+                      <a:t>app=node</a:t>
+                    </a:r>
+                    <a:endParaRPr lang="ko-KR" altLang="en-US" sz="1200" dirty="0"/>
+                  </a:p>
+                </p:txBody>
+              </p:sp>
+            </p:grpSp>
+            <p:grpSp>
+              <p:nvGrpSpPr>
+                <p:cNvPr id="52" name="그룹 51">
+                  <a:extLst>
+                    <a:ext uri="{FF2B5EF4-FFF2-40B4-BE49-F238E27FC236}">
+                      <a16:creationId xmlns:a16="http://schemas.microsoft.com/office/drawing/2014/main" id="{5EC2A850-22EE-B02D-3355-D48512A1CE10}"/>
+                    </a:ext>
+                  </a:extLst>
+                </p:cNvPr>
+                <p:cNvGrpSpPr/>
+                <p:nvPr/>
+              </p:nvGrpSpPr>
+              <p:grpSpPr>
+                <a:xfrm>
+                  <a:off x="7261589" y="3727946"/>
+                  <a:ext cx="1807266" cy="1198666"/>
+                  <a:chOff x="8647043" y="3727946"/>
+                  <a:chExt cx="1807266" cy="1198666"/>
+                </a:xfrm>
+              </p:grpSpPr>
+              <p:grpSp>
+                <p:nvGrpSpPr>
+                  <p:cNvPr id="13" name="그룹 12">
+                    <a:extLst>
+                      <a:ext uri="{FF2B5EF4-FFF2-40B4-BE49-F238E27FC236}">
+                        <a16:creationId xmlns:a16="http://schemas.microsoft.com/office/drawing/2014/main" id="{31771B50-F639-7A28-AAC3-087A1C3E94F7}"/>
+                      </a:ext>
+                    </a:extLst>
+                  </p:cNvPr>
+                  <p:cNvGrpSpPr/>
+                  <p:nvPr/>
+                </p:nvGrpSpPr>
+                <p:grpSpPr>
+                  <a:xfrm>
+                    <a:off x="8647043" y="3912820"/>
+                    <a:ext cx="1807266" cy="1013792"/>
+                    <a:chOff x="1336811" y="639534"/>
+                    <a:chExt cx="1807266" cy="1013792"/>
+                  </a:xfrm>
+                </p:grpSpPr>
+                <p:sp>
+                  <p:nvSpPr>
+                    <p:cNvPr id="29" name="직사각형 28">
+                      <a:extLst>
+                        <a:ext uri="{FF2B5EF4-FFF2-40B4-BE49-F238E27FC236}">
+                          <a16:creationId xmlns:a16="http://schemas.microsoft.com/office/drawing/2014/main" id="{FE93445B-3081-0B7A-D553-6D92D73AEFEE}"/>
+                        </a:ext>
+                      </a:extLst>
+                    </p:cNvPr>
+                    <p:cNvSpPr/>
+                    <p:nvPr/>
+                  </p:nvSpPr>
+                  <p:spPr>
+                    <a:xfrm>
+                      <a:off x="1403074" y="639534"/>
+                      <a:ext cx="1741003" cy="1013792"/>
+                    </a:xfrm>
+                    <a:prstGeom prst="rect">
+                      <a:avLst/>
+                    </a:prstGeom>
+                    <a:solidFill>
+                      <a:schemeClr val="accent1">
+                        <a:lumMod val="75000"/>
+                      </a:schemeClr>
+                    </a:solidFill>
+                    <a:ln w="9525" cap="flat" cmpd="sng" algn="ctr">
+                      <a:solidFill>
+                        <a:schemeClr val="accent1"/>
+                      </a:solidFill>
+                      <a:prstDash val="solid"/>
+                      <a:round/>
+                      <a:headEnd type="none" w="med" len="med"/>
+                      <a:tailEnd type="none" w="med" len="med"/>
+                    </a:ln>
+                  </p:spPr>
+                  <p:style>
+                    <a:lnRef idx="0">
+                      <a:scrgbClr r="0" g="0" b="0"/>
+                    </a:lnRef>
+                    <a:fillRef idx="0">
+                      <a:scrgbClr r="0" g="0" b="0"/>
+                    </a:fillRef>
+                    <a:effectRef idx="0">
+                      <a:scrgbClr r="0" g="0" b="0"/>
+                    </a:effectRef>
+                    <a:fontRef idx="minor">
+                      <a:schemeClr val="accent1"/>
+                    </a:fontRef>
+                  </p:style>
+                  <p:txBody>
+                    <a:bodyPr rtlCol="0" anchor="ctr"/>
+                    <a:lstStyle/>
+                    <a:p>
+                      <a:pPr algn="ctr"/>
+                      <a:r>
+                        <a:rPr lang="en-US" altLang="ko-KR" b="1" dirty="0">
+                          <a:solidFill>
+                            <a:schemeClr val="bg1"/>
+                          </a:solidFill>
+                          <a:effectLst/>
+                          <a:latin typeface="Consolas" panose="020B0609020204030204" pitchFamily="49" charset="0"/>
+                        </a:rPr>
+                        <a:t>Pod </a:t>
+                      </a:r>
+                      <a:r>
+                        <a:rPr lang="en-US" altLang="ko-KR" b="0" dirty="0">
+                          <a:solidFill>
+                            <a:srgbClr val="D4D4D4"/>
+                          </a:solidFill>
+                          <a:effectLst/>
+                          <a:latin typeface="Consolas" panose="020B0609020204030204" pitchFamily="49" charset="0"/>
+                        </a:rPr>
+                        <a:t>(gxl25</a:t>
+                      </a:r>
+                      <a:r>
+                        <a:rPr lang="en-US" altLang="ko-KR" dirty="0">
+                          <a:solidFill>
+                            <a:schemeClr val="bg1">
+                              <a:lumMod val="65000"/>
+                            </a:schemeClr>
+                          </a:solidFill>
+                          <a:latin typeface="Consolas" panose="020B0609020204030204" pitchFamily="49" charset="0"/>
+                        </a:rPr>
+                        <a:t>)</a:t>
+                      </a:r>
+                      <a:endParaRPr lang="en-US" altLang="ko-KR" b="0" dirty="0">
+                        <a:solidFill>
+                          <a:srgbClr val="D4D4D4"/>
+                        </a:solidFill>
+                        <a:effectLst/>
+                        <a:latin typeface="Consolas" panose="020B0609020204030204" pitchFamily="49" charset="0"/>
+                      </a:endParaRPr>
+                    </a:p>
+                  </p:txBody>
+                </p:sp>
+                <p:sp>
+                  <p:nvSpPr>
+                    <p:cNvPr id="30" name="직사각형 29">
+                      <a:extLst>
+                        <a:ext uri="{FF2B5EF4-FFF2-40B4-BE49-F238E27FC236}">
+                          <a16:creationId xmlns:a16="http://schemas.microsoft.com/office/drawing/2014/main" id="{C65BA019-A5C1-7330-8F52-46B585DD51EF}"/>
+                        </a:ext>
+                      </a:extLst>
+                    </p:cNvPr>
+                    <p:cNvSpPr/>
+                    <p:nvPr/>
+                  </p:nvSpPr>
+                  <p:spPr>
+                    <a:xfrm>
+                      <a:off x="1336811" y="1349760"/>
+                      <a:ext cx="1070113" cy="279274"/>
+                    </a:xfrm>
+                    <a:prstGeom prst="rect">
+                      <a:avLst/>
+                    </a:prstGeom>
+                    <a:noFill/>
+                    <a:ln w="9525" cap="flat" cmpd="sng" algn="ctr">
+                      <a:noFill/>
+                      <a:prstDash val="solid"/>
+                      <a:round/>
+                      <a:headEnd type="none" w="med" len="med"/>
+                      <a:tailEnd type="none" w="med" len="med"/>
+                    </a:ln>
+                  </p:spPr>
+                  <p:style>
+                    <a:lnRef idx="0">
+                      <a:scrgbClr r="0" g="0" b="0"/>
+                    </a:lnRef>
+                    <a:fillRef idx="0">
+                      <a:scrgbClr r="0" g="0" b="0"/>
+                    </a:fillRef>
+                    <a:effectRef idx="0">
+                      <a:scrgbClr r="0" g="0" b="0"/>
+                    </a:effectRef>
+                    <a:fontRef idx="minor">
+                      <a:schemeClr val="accent1"/>
+                    </a:fontRef>
+                  </p:style>
+                  <p:txBody>
+                    <a:bodyPr rtlCol="0" anchor="ctr"/>
+                    <a:lstStyle/>
+                    <a:p>
+                      <a:pPr algn="ctr"/>
+                      <a:r>
+                        <a:rPr lang="en-US" altLang="ko-KR" sz="1200" b="1" dirty="0">
+                          <a:solidFill>
+                            <a:schemeClr val="bg1"/>
+                          </a:solidFill>
+                          <a:effectLst/>
+                          <a:latin typeface="Consolas" panose="020B0609020204030204" pitchFamily="49" charset="0"/>
+                        </a:rPr>
+                        <a:t>10.0.1.5</a:t>
+                      </a:r>
+                      <a:endParaRPr lang="en-US" altLang="ko-KR" sz="1200" b="0" dirty="0">
+                        <a:solidFill>
+                          <a:schemeClr val="bg1">
+                            <a:lumMod val="65000"/>
+                          </a:schemeClr>
+                        </a:solidFill>
+                        <a:effectLst/>
+                        <a:latin typeface="Consolas" panose="020B0609020204030204" pitchFamily="49" charset="0"/>
+                      </a:endParaRPr>
+                    </a:p>
+                  </p:txBody>
+                </p:sp>
+              </p:grpSp>
+              <p:sp>
+                <p:nvSpPr>
+                  <p:cNvPr id="38" name="직사각형 37">
+                    <a:extLst>
+                      <a:ext uri="{FF2B5EF4-FFF2-40B4-BE49-F238E27FC236}">
+                        <a16:creationId xmlns:a16="http://schemas.microsoft.com/office/drawing/2014/main" id="{D9C9E722-C64F-56B0-B079-E097A31C213A}"/>
+                      </a:ext>
+                    </a:extLst>
+                  </p:cNvPr>
+                  <p:cNvSpPr/>
+                  <p:nvPr/>
+                </p:nvSpPr>
+                <p:spPr>
+                  <a:xfrm>
+                    <a:off x="9048750" y="3727946"/>
+                    <a:ext cx="1070113" cy="369748"/>
+                  </a:xfrm>
+                  <a:prstGeom prst="rect">
+                    <a:avLst/>
+                  </a:prstGeom>
+                  <a:ln w="28575">
+                    <a:solidFill>
+                      <a:srgbClr val="00B0F0"/>
+                    </a:solidFill>
+                  </a:ln>
+                </p:spPr>
+                <p:style>
+                  <a:lnRef idx="2">
+                    <a:schemeClr val="accent2"/>
+                  </a:lnRef>
+                  <a:fillRef idx="1">
+                    <a:schemeClr val="lt1"/>
+                  </a:fillRef>
+                  <a:effectRef idx="0">
+                    <a:schemeClr val="accent2"/>
+                  </a:effectRef>
+                  <a:fontRef idx="minor">
+                    <a:schemeClr val="dk1"/>
+                  </a:fontRef>
+                </p:style>
+                <p:txBody>
+                  <a:bodyPr rtlCol="0" anchor="ctr"/>
+                  <a:lstStyle/>
+                  <a:p>
+                    <a:pPr algn="ctr"/>
+                    <a:r>
+                      <a:rPr lang="en-US" altLang="ko-KR" sz="1200" dirty="0"/>
+                      <a:t>app=node</a:t>
+                    </a:r>
+                    <a:endParaRPr lang="ko-KR" altLang="en-US" sz="1200" dirty="0"/>
+                  </a:p>
+                </p:txBody>
+              </p:sp>
+            </p:grpSp>
+            <p:sp>
+              <p:nvSpPr>
+                <p:cNvPr id="44" name="직사각형 43">
+                  <a:extLst>
+                    <a:ext uri="{FF2B5EF4-FFF2-40B4-BE49-F238E27FC236}">
+                      <a16:creationId xmlns:a16="http://schemas.microsoft.com/office/drawing/2014/main" id="{DE1B9F89-ABF7-196B-9F09-03F70EB411CC}"/>
+                    </a:ext>
+                  </a:extLst>
+                </p:cNvPr>
+                <p:cNvSpPr/>
+                <p:nvPr/>
+              </p:nvSpPr>
+              <p:spPr>
+                <a:xfrm>
+                  <a:off x="4561609" y="1168965"/>
+                  <a:ext cx="1133764" cy="3593718"/>
+                </a:xfrm>
+                <a:prstGeom prst="rect">
+                  <a:avLst/>
+                </a:prstGeom>
+                <a:ln w="19050">
+                  <a:solidFill>
+                    <a:schemeClr val="accent1"/>
+                  </a:solidFill>
+                </a:ln>
+              </p:spPr>
+              <p:style>
+                <a:lnRef idx="2">
+                  <a:schemeClr val="accent2"/>
+                </a:lnRef>
+                <a:fillRef idx="1">
+                  <a:schemeClr val="lt1"/>
+                </a:fillRef>
+                <a:effectRef idx="0">
+                  <a:schemeClr val="accent2"/>
+                </a:effectRef>
+                <a:fontRef idx="minor">
+                  <a:schemeClr val="dk1"/>
+                </a:fontRef>
+              </p:style>
+              <p:txBody>
+                <a:bodyPr rtlCol="0" anchor="ctr"/>
+                <a:lstStyle/>
+                <a:p>
+                  <a:pPr algn="ctr"/>
+                  <a:r>
+                    <a:rPr lang="en-US" altLang="ko-KR" sz="1200" dirty="0"/>
+                    <a:t>endpoints</a:t>
+                  </a:r>
+                </a:p>
+                <a:p>
+                  <a:pPr algn="ctr"/>
+                  <a:endParaRPr lang="en-US" altLang="ko-KR" sz="1200" dirty="0"/>
+                </a:p>
+                <a:p>
+                  <a:pPr algn="ctr"/>
+                  <a:r>
+                    <a:rPr lang="en-US" altLang="ko-KR" sz="900" dirty="0"/>
+                    <a:t>[ 172.17.0.3, 172.17.0.4, 172.17.0.5]</a:t>
+                  </a:r>
+                  <a:endParaRPr lang="ko-KR" altLang="en-US" sz="900" dirty="0"/>
+                </a:p>
+              </p:txBody>
+            </p:sp>
+            <p:cxnSp>
+              <p:nvCxnSpPr>
+                <p:cNvPr id="53" name="연결선: 꺾임 52">
+                  <a:extLst>
+                    <a:ext uri="{FF2B5EF4-FFF2-40B4-BE49-F238E27FC236}">
+                      <a16:creationId xmlns:a16="http://schemas.microsoft.com/office/drawing/2014/main" id="{CC39E8FF-0675-5E61-FDF0-27C1AF9F15E8}"/>
+                    </a:ext>
+                  </a:extLst>
+                </p:cNvPr>
+                <p:cNvCxnSpPr>
+                  <a:cxnSpLocks/>
+                  <a:stCxn id="30" idx="3"/>
+                  <a:endCxn id="35" idx="3"/>
+                </p:cNvCxnSpPr>
+                <p:nvPr/>
+              </p:nvCxnSpPr>
+              <p:spPr>
+                <a:xfrm flipV="1">
+                  <a:off x="8331702" y="1833953"/>
+                  <a:ext cx="12700" cy="2928730"/>
+                </a:xfrm>
+                <a:prstGeom prst="bentConnector3">
+                  <a:avLst>
+                    <a:gd name="adj1" fmla="val 13581819"/>
+                  </a:avLst>
+                </a:prstGeom>
+                <a:ln w="25400">
+                  <a:solidFill>
+                    <a:schemeClr val="bg1">
+                      <a:lumMod val="75000"/>
+                    </a:schemeClr>
+                  </a:solidFill>
+                  <a:prstDash val="dash"/>
+                  <a:headEnd type="arrow"/>
+                  <a:tailEnd type="triangle"/>
+                </a:ln>
+              </p:spPr>
+              <p:style>
+                <a:lnRef idx="1">
+                  <a:schemeClr val="accent1"/>
+                </a:lnRef>
+                <a:fillRef idx="0">
+                  <a:schemeClr val="accent1"/>
+                </a:fillRef>
+                <a:effectRef idx="0">
+                  <a:schemeClr val="accent1"/>
+                </a:effectRef>
+                <a:fontRef idx="minor">
+                  <a:schemeClr val="tx1"/>
+                </a:fontRef>
+              </p:style>
+            </p:cxnSp>
+            <p:cxnSp>
+              <p:nvCxnSpPr>
+                <p:cNvPr id="58" name="직선 화살표 연결선 57">
+                  <a:extLst>
+                    <a:ext uri="{FF2B5EF4-FFF2-40B4-BE49-F238E27FC236}">
+                      <a16:creationId xmlns:a16="http://schemas.microsoft.com/office/drawing/2014/main" id="{F6D314DF-711F-2E36-F967-21644CB58CA4}"/>
+                    </a:ext>
+                  </a:extLst>
+                </p:cNvPr>
+                <p:cNvCxnSpPr>
+                  <a:cxnSpLocks/>
+                </p:cNvCxnSpPr>
+                <p:nvPr/>
+              </p:nvCxnSpPr>
+              <p:spPr>
+                <a:xfrm flipH="1">
+                  <a:off x="8331702" y="3298318"/>
+                  <a:ext cx="1726698" cy="0"/>
+                </a:xfrm>
+                <a:prstGeom prst="straightConnector1">
+                  <a:avLst/>
+                </a:prstGeom>
+                <a:ln w="22225">
+                  <a:solidFill>
+                    <a:schemeClr val="bg1">
+                      <a:lumMod val="75000"/>
+                    </a:schemeClr>
+                  </a:solidFill>
+                  <a:prstDash val="dash"/>
+                  <a:tailEnd type="triangle"/>
+                </a:ln>
+              </p:spPr>
+              <p:style>
+                <a:lnRef idx="1">
+                  <a:schemeClr val="accent1"/>
+                </a:lnRef>
+                <a:fillRef idx="0">
+                  <a:schemeClr val="accent1"/>
+                </a:fillRef>
+                <a:effectRef idx="0">
+                  <a:schemeClr val="accent1"/>
+                </a:effectRef>
+                <a:fontRef idx="minor">
+                  <a:schemeClr val="tx1"/>
+                </a:fontRef>
+              </p:style>
+            </p:cxnSp>
+            <p:cxnSp>
+              <p:nvCxnSpPr>
+                <p:cNvPr id="61" name="직선 화살표 연결선 60">
+                  <a:extLst>
+                    <a:ext uri="{FF2B5EF4-FFF2-40B4-BE49-F238E27FC236}">
+                      <a16:creationId xmlns:a16="http://schemas.microsoft.com/office/drawing/2014/main" id="{4201AEDB-BC2A-6791-8648-E33353974EB0}"/>
+                    </a:ext>
+                  </a:extLst>
+                </p:cNvPr>
+                <p:cNvCxnSpPr>
+                  <a:cxnSpLocks/>
+                  <a:stCxn id="44" idx="3"/>
+                  <a:endCxn id="31" idx="1"/>
+                </p:cNvCxnSpPr>
+                <p:nvPr/>
+              </p:nvCxnSpPr>
+              <p:spPr>
+                <a:xfrm flipV="1">
+                  <a:off x="5695373" y="2955351"/>
+                  <a:ext cx="1632479" cy="10473"/>
+                </a:xfrm>
+                <a:prstGeom prst="straightConnector1">
+                  <a:avLst/>
+                </a:prstGeom>
+                <a:ln w="22225">
+                  <a:solidFill>
+                    <a:srgbClr val="FFC000"/>
+                  </a:solidFill>
+                  <a:prstDash val="dash"/>
+                  <a:tailEnd type="triangle"/>
+                </a:ln>
+              </p:spPr>
+              <p:style>
+                <a:lnRef idx="1">
+                  <a:schemeClr val="accent1"/>
+                </a:lnRef>
+                <a:fillRef idx="0">
+                  <a:schemeClr val="accent1"/>
+                </a:fillRef>
+                <a:effectRef idx="0">
+                  <a:schemeClr val="accent1"/>
+                </a:effectRef>
+                <a:fontRef idx="minor">
+                  <a:schemeClr val="tx1"/>
+                </a:fontRef>
+              </p:style>
+            </p:cxnSp>
+          </p:grpSp>
+          <p:sp>
+            <p:nvSpPr>
+              <p:cNvPr id="81" name="직사각형 80">
+                <a:extLst>
+                  <a:ext uri="{FF2B5EF4-FFF2-40B4-BE49-F238E27FC236}">
+                    <a16:creationId xmlns:a16="http://schemas.microsoft.com/office/drawing/2014/main" id="{67F3772F-1755-B0BB-154C-5242197A4C0C}"/>
+                  </a:ext>
+                </a:extLst>
+              </p:cNvPr>
+              <p:cNvSpPr/>
+              <p:nvPr/>
+            </p:nvSpPr>
+            <p:spPr>
+              <a:xfrm>
+                <a:off x="2995393" y="1327052"/>
+                <a:ext cx="1133764" cy="646538"/>
+              </a:xfrm>
+              <a:prstGeom prst="rect">
+                <a:avLst/>
+              </a:prstGeom>
+              <a:ln/>
+            </p:spPr>
+            <p:style>
+              <a:lnRef idx="2">
+                <a:schemeClr val="accent5">
+                  <a:shade val="50000"/>
+                </a:schemeClr>
+              </a:lnRef>
+              <a:fillRef idx="1">
+                <a:schemeClr val="accent5"/>
+              </a:fillRef>
+              <a:effectRef idx="0">
+                <a:schemeClr val="accent5"/>
+              </a:effectRef>
+              <a:fontRef idx="minor">
+                <a:schemeClr val="lt1"/>
+              </a:fontRef>
+            </p:style>
+            <p:txBody>
+              <a:bodyPr rtlCol="0" anchor="ctr"/>
+              <a:lstStyle/>
+              <a:p>
+                <a:pPr algn="ctr"/>
+                <a:r>
+                  <a:rPr lang="en-US" altLang="ko-KR" sz="1000" dirty="0"/>
+                  <a:t>selector</a:t>
+                </a:r>
+              </a:p>
+              <a:p>
+                <a:pPr algn="ctr"/>
+                <a:r>
+                  <a:rPr lang="en-US" altLang="ko-KR" sz="1000" dirty="0"/>
+                  <a:t>[app=node]</a:t>
+                </a:r>
+              </a:p>
+            </p:txBody>
+          </p:sp>
+          <p:cxnSp>
+            <p:nvCxnSpPr>
+              <p:cNvPr id="82" name="직선 화살표 연결선 81">
+                <a:extLst>
+                  <a:ext uri="{FF2B5EF4-FFF2-40B4-BE49-F238E27FC236}">
+                    <a16:creationId xmlns:a16="http://schemas.microsoft.com/office/drawing/2014/main" id="{051B8833-C503-CAD5-68B7-3F2D73AB408D}"/>
+                  </a:ext>
+                </a:extLst>
+              </p:cNvPr>
+              <p:cNvCxnSpPr>
+                <a:cxnSpLocks/>
+              </p:cNvCxnSpPr>
+              <p:nvPr/>
+            </p:nvCxnSpPr>
+            <p:spPr>
+              <a:xfrm>
+                <a:off x="4147670" y="1650321"/>
+                <a:ext cx="405474" cy="0"/>
+              </a:xfrm>
+              <a:prstGeom prst="straightConnector1">
+                <a:avLst/>
+              </a:prstGeom>
+              <a:ln w="22225">
+                <a:solidFill>
+                  <a:schemeClr val="bg1"/>
+                </a:solidFill>
+                <a:prstDash val="dash"/>
+                <a:tailEnd type="triangle"/>
+              </a:ln>
+            </p:spPr>
+            <p:style>
+              <a:lnRef idx="1">
+                <a:schemeClr val="accent1"/>
+              </a:lnRef>
+              <a:fillRef idx="0">
+                <a:schemeClr val="accent1"/>
+              </a:fillRef>
+              <a:effectRef idx="0">
+                <a:schemeClr val="accent1"/>
+              </a:effectRef>
+              <a:fontRef idx="minor">
+                <a:schemeClr val="tx1"/>
+              </a:fontRef>
+            </p:style>
+          </p:cxnSp>
+        </p:grpSp>
+        <p:sp>
+          <p:nvSpPr>
+            <p:cNvPr id="3" name="직사각형 2">
+              <a:extLst>
+                <a:ext uri="{FF2B5EF4-FFF2-40B4-BE49-F238E27FC236}">
+                  <a16:creationId xmlns:a16="http://schemas.microsoft.com/office/drawing/2014/main" id="{C1384DC0-17F5-1C33-1000-71FEE34E7AA8}"/>
+                </a:ext>
+              </a:extLst>
+            </p:cNvPr>
+            <p:cNvSpPr/>
+            <p:nvPr/>
+          </p:nvSpPr>
+          <p:spPr>
+            <a:xfrm>
+              <a:off x="2216814" y="5493209"/>
+              <a:ext cx="1176179" cy="279274"/>
+            </a:xfrm>
+            <a:prstGeom prst="rect">
+              <a:avLst/>
+            </a:prstGeom>
+            <a:noFill/>
+            <a:ln w="9525" cap="flat" cmpd="sng" algn="ctr">
+              <a:noFill/>
+              <a:prstDash val="solid"/>
+              <a:round/>
+              <a:headEnd type="none" w="med" len="med"/>
+              <a:tailEnd type="none" w="med" len="med"/>
+            </a:ln>
+          </p:spPr>
+          <p:style>
+            <a:lnRef idx="0">
+              <a:scrgbClr r="0" g="0" b="0"/>
+            </a:lnRef>
+            <a:fillRef idx="0">
+              <a:scrgbClr r="0" g="0" b="0"/>
+            </a:fillRef>
+            <a:effectRef idx="0">
+              <a:scrgbClr r="0" g="0" b="0"/>
+            </a:effectRef>
+            <a:fontRef idx="minor">
+              <a:schemeClr val="accent1"/>
+            </a:fontRef>
+          </p:style>
+          <p:txBody>
+            <a:bodyPr rtlCol="0" anchor="ctr"/>
+            <a:lstStyle/>
+            <a:p>
+              <a:pPr algn="ctr"/>
+              <a:r>
+                <a:rPr lang="en-US" altLang="ko-KR" sz="1200" b="1" dirty="0">
+                  <a:solidFill>
+                    <a:schemeClr val="bg1"/>
+                  </a:solidFill>
+                  <a:effectLst/>
+                  <a:latin typeface="Consolas" panose="020B0609020204030204" pitchFamily="49" charset="0"/>
+                </a:rPr>
+                <a:t>10.0.1.0:80</a:t>
+              </a:r>
+              <a:endParaRPr lang="en-US" altLang="ko-KR" sz="1200" b="0" dirty="0">
+                <a:solidFill>
+                  <a:schemeClr val="bg1">
+                    <a:lumMod val="65000"/>
+                  </a:schemeClr>
+                </a:solidFill>
+                <a:effectLst/>
+                <a:latin typeface="Consolas" panose="020B0609020204030204" pitchFamily="49" charset="0"/>
+              </a:endParaRPr>
+            </a:p>
+          </p:txBody>
+        </p:sp>
+        <p:cxnSp>
+          <p:nvCxnSpPr>
+            <p:cNvPr id="4" name="연결선: 꺾임 3">
+              <a:extLst>
+                <a:ext uri="{FF2B5EF4-FFF2-40B4-BE49-F238E27FC236}">
+                  <a16:creationId xmlns:a16="http://schemas.microsoft.com/office/drawing/2014/main" id="{A7DD693C-EEA1-A650-3C3B-8B3D60E23F36}"/>
+                </a:ext>
+              </a:extLst>
+            </p:cNvPr>
+            <p:cNvCxnSpPr>
+              <a:cxnSpLocks/>
+              <a:stCxn id="3" idx="3"/>
+              <a:endCxn id="14" idx="2"/>
+            </p:cNvCxnSpPr>
+            <p:nvPr/>
+          </p:nvCxnSpPr>
+          <p:spPr>
+            <a:xfrm flipV="1">
+              <a:off x="3392993" y="4926612"/>
+              <a:ext cx="573705" cy="706234"/>
+            </a:xfrm>
+            <a:prstGeom prst="bentConnector2">
+              <a:avLst/>
+            </a:prstGeom>
+            <a:ln w="25400">
+              <a:solidFill>
+                <a:schemeClr val="bg1"/>
+              </a:solidFill>
+              <a:prstDash val="dash"/>
+              <a:headEnd type="arrow"/>
+              <a:tailEnd type="triangle"/>
+            </a:ln>
+          </p:spPr>
+          <p:style>
+            <a:lnRef idx="1">
+              <a:schemeClr val="accent1"/>
+            </a:lnRef>
+            <a:fillRef idx="0">
+              <a:schemeClr val="accent1"/>
+            </a:fillRef>
+            <a:effectRef idx="0">
+              <a:schemeClr val="accent1"/>
+            </a:effectRef>
+            <a:fontRef idx="minor">
+              <a:schemeClr val="tx1"/>
+            </a:fontRef>
+          </p:style>
+        </p:cxnSp>
+      </p:grpSp>
+      <p:sp>
+        <p:nvSpPr>
+          <p:cNvPr id="16" name="직사각형 15">
+            <a:extLst>
+              <a:ext uri="{FF2B5EF4-FFF2-40B4-BE49-F238E27FC236}">
+                <a16:creationId xmlns:a16="http://schemas.microsoft.com/office/drawing/2014/main" id="{41A2E44E-0B6F-2B4E-3D8D-3318AECFB8B3}"/>
+              </a:ext>
+            </a:extLst>
+          </p:cNvPr>
+          <p:cNvSpPr/>
+          <p:nvPr/>
+        </p:nvSpPr>
+        <p:spPr>
+          <a:xfrm>
+            <a:off x="2804903" y="5152940"/>
+            <a:ext cx="1027127" cy="340269"/>
+          </a:xfrm>
+          <a:prstGeom prst="rect">
+            <a:avLst/>
+          </a:prstGeom>
+          <a:solidFill>
+            <a:srgbClr val="FF0000"/>
+          </a:solidFill>
+          <a:ln/>
+        </p:spPr>
+        <p:style>
+          <a:lnRef idx="2">
+            <a:schemeClr val="accent5">
+              <a:shade val="50000"/>
+            </a:schemeClr>
+          </a:lnRef>
+          <a:fillRef idx="1">
+            <a:schemeClr val="accent5"/>
+          </a:fillRef>
+          <a:effectRef idx="0">
+            <a:schemeClr val="accent5"/>
+          </a:effectRef>
+          <a:fontRef idx="minor">
+            <a:schemeClr val="lt1"/>
+          </a:fontRef>
+        </p:style>
+        <p:txBody>
+          <a:bodyPr rtlCol="0" anchor="ctr"/>
+          <a:lstStyle/>
+          <a:p>
+            <a:pPr algn="ctr"/>
+            <a:r>
+              <a:rPr lang="en-US" altLang="ko-KR" sz="1000" dirty="0" err="1"/>
+              <a:t>NodePort</a:t>
+            </a:r>
+            <a:endParaRPr lang="en-US" altLang="ko-KR" sz="1000" dirty="0"/>
+          </a:p>
+        </p:txBody>
+      </p:sp>
+    </p:spTree>
+    <p:extLst>
+      <p:ext uri="{BB962C8B-B14F-4D97-AF65-F5344CB8AC3E}">
+        <p14:creationId xmlns:p14="http://schemas.microsoft.com/office/powerpoint/2010/main" val="2115415112"/>
+      </p:ext>
+    </p:extLst>
+  </p:cSld>
+  <p:clrMapOvr>
+    <a:masterClrMapping/>
+  </p:clrMapOvr>
+</p:sld>
+</file>
+
+<file path=ppt/slides/slide15.xml><?xml version="1.0" encoding="utf-8"?>
+<p:sld xmlns:a="http://schemas.openxmlformats.org/drawingml/2006/main" xmlns:r="http://schemas.openxmlformats.org/officeDocument/2006/relationships" xmlns:p="http://schemas.openxmlformats.org/presentationml/2006/main">
+  <p:cSld>
+    <p:spTree>
+      <p:nvGrpSpPr>
+        <p:cNvPr id="1" name=""/>
+        <p:cNvGrpSpPr/>
+        <p:nvPr/>
+      </p:nvGrpSpPr>
+      <p:grpSpPr>
+        <a:xfrm>
+          <a:off x="0" y="0"/>
+          <a:ext cx="0" cy="0"/>
+          <a:chOff x="0" y="0"/>
+          <a:chExt cx="0" cy="0"/>
+        </a:xfrm>
+      </p:grpSpPr>
+      <p:sp>
+        <p:nvSpPr>
+          <p:cNvPr id="2" name="TextBox 1">
+            <a:extLst>
+              <a:ext uri="{FF2B5EF4-FFF2-40B4-BE49-F238E27FC236}">
+                <a16:creationId xmlns:a16="http://schemas.microsoft.com/office/drawing/2014/main" id="{AF53483D-1A80-C107-D3AB-6901351F1D3F}"/>
+              </a:ext>
+            </a:extLst>
+          </p:cNvPr>
+          <p:cNvSpPr txBox="1"/>
+          <p:nvPr/>
+        </p:nvSpPr>
+        <p:spPr>
+          <a:xfrm>
+            <a:off x="10388600" y="6596390"/>
+            <a:ext cx="1803400" cy="261610"/>
+          </a:xfrm>
+          <a:prstGeom prst="rect">
+            <a:avLst/>
+          </a:prstGeom>
+          <a:noFill/>
+        </p:spPr>
+        <p:txBody>
+          <a:bodyPr wrap="square" rtlCol="0">
+            <a:spAutoFit/>
+          </a:bodyPr>
+          <a:lstStyle/>
+          <a:p>
+            <a:pPr algn="r"/>
+            <a:r>
+              <a:rPr lang="en-US" altLang="ko-KR" sz="1100" dirty="0"/>
+              <a:t>Kim0lil/80700</a:t>
+            </a:r>
+            <a:endParaRPr lang="ko-KR" altLang="en-US" sz="1100" dirty="0"/>
+          </a:p>
+        </p:txBody>
+      </p:sp>
+      <p:grpSp>
+        <p:nvGrpSpPr>
+          <p:cNvPr id="69" name="그룹 68">
+            <a:extLst>
+              <a:ext uri="{FF2B5EF4-FFF2-40B4-BE49-F238E27FC236}">
+                <a16:creationId xmlns:a16="http://schemas.microsoft.com/office/drawing/2014/main" id="{C84E40DF-C9C4-12E9-847C-89F116005CDF}"/>
+              </a:ext>
+            </a:extLst>
+          </p:cNvPr>
+          <p:cNvGrpSpPr/>
+          <p:nvPr/>
+        </p:nvGrpSpPr>
+        <p:grpSpPr>
+          <a:xfrm>
+            <a:off x="158573" y="666039"/>
+            <a:ext cx="11109791" cy="5522326"/>
+            <a:chOff x="158573" y="666039"/>
+            <a:chExt cx="11109791" cy="5522326"/>
+          </a:xfrm>
+        </p:grpSpPr>
+        <p:grpSp>
+          <p:nvGrpSpPr>
+            <p:cNvPr id="9" name="그룹 8">
+              <a:extLst>
+                <a:ext uri="{FF2B5EF4-FFF2-40B4-BE49-F238E27FC236}">
+                  <a16:creationId xmlns:a16="http://schemas.microsoft.com/office/drawing/2014/main" id="{AE060334-1846-F558-BA59-D7D87A9B75E8}"/>
+                </a:ext>
+              </a:extLst>
+            </p:cNvPr>
+            <p:cNvGrpSpPr/>
+            <p:nvPr/>
+          </p:nvGrpSpPr>
+          <p:grpSpPr>
+            <a:xfrm>
               <a:off x="2146851" y="666039"/>
               <a:ext cx="9121513" cy="5231178"/>
+              <a:chOff x="2146851" y="666039"/>
+              <a:chExt cx="9121513" cy="5231178"/>
+            </a:xfrm>
+          </p:grpSpPr>
+          <p:grpSp>
+            <p:nvGrpSpPr>
+              <p:cNvPr id="85" name="그룹 84">
+                <a:extLst>
+                  <a:ext uri="{FF2B5EF4-FFF2-40B4-BE49-F238E27FC236}">
+                    <a16:creationId xmlns:a16="http://schemas.microsoft.com/office/drawing/2014/main" id="{24696C4A-E017-9920-8119-711FBD0B50A7}"/>
+                  </a:ext>
+                </a:extLst>
+              </p:cNvPr>
+              <p:cNvGrpSpPr/>
+              <p:nvPr/>
+            </p:nvGrpSpPr>
+            <p:grpSpPr>
+              <a:xfrm>
+                <a:off x="2146851" y="666039"/>
+                <a:ext cx="9121513" cy="5231178"/>
+                <a:chOff x="2146851" y="666039"/>
+                <a:chExt cx="9121513" cy="5231178"/>
+              </a:xfrm>
+            </p:grpSpPr>
+            <p:grpSp>
+              <p:nvGrpSpPr>
+                <p:cNvPr id="76" name="그룹 75">
+                  <a:extLst>
+                    <a:ext uri="{FF2B5EF4-FFF2-40B4-BE49-F238E27FC236}">
+                      <a16:creationId xmlns:a16="http://schemas.microsoft.com/office/drawing/2014/main" id="{4258EB1B-009F-DB69-F87D-D86AD2065C5B}"/>
+                    </a:ext>
+                  </a:extLst>
+                </p:cNvPr>
+                <p:cNvGrpSpPr/>
+                <p:nvPr/>
+              </p:nvGrpSpPr>
+              <p:grpSpPr>
+                <a:xfrm>
+                  <a:off x="2146851" y="666039"/>
+                  <a:ext cx="9121513" cy="5231178"/>
+                  <a:chOff x="2146851" y="666039"/>
+                  <a:chExt cx="9121513" cy="5231178"/>
+                </a:xfrm>
+              </p:grpSpPr>
+              <p:sp>
+                <p:nvSpPr>
+                  <p:cNvPr id="10" name="직사각형 9">
+                    <a:extLst>
+                      <a:ext uri="{FF2B5EF4-FFF2-40B4-BE49-F238E27FC236}">
+                        <a16:creationId xmlns:a16="http://schemas.microsoft.com/office/drawing/2014/main" id="{BB773FBB-3EFA-9C7C-F87A-6BC08344F8BF}"/>
+                      </a:ext>
+                    </a:extLst>
+                  </p:cNvPr>
+                  <p:cNvSpPr/>
+                  <p:nvPr/>
+                </p:nvSpPr>
+                <p:spPr>
+                  <a:xfrm>
+                    <a:off x="2146851" y="666039"/>
+                    <a:ext cx="9121513" cy="5231178"/>
+                  </a:xfrm>
+                  <a:prstGeom prst="rect">
+                    <a:avLst/>
+                  </a:prstGeom>
+                  <a:solidFill>
+                    <a:schemeClr val="tx1">
+                      <a:lumMod val="75000"/>
+                      <a:lumOff val="25000"/>
+                    </a:schemeClr>
+                  </a:solidFill>
+                  <a:ln w="9525" cap="flat" cmpd="sng" algn="ctr">
+                    <a:solidFill>
+                      <a:schemeClr val="accent1"/>
+                    </a:solidFill>
+                    <a:prstDash val="solid"/>
+                    <a:round/>
+                    <a:headEnd type="none" w="med" len="med"/>
+                    <a:tailEnd type="none" w="med" len="med"/>
+                  </a:ln>
+                </p:spPr>
+                <p:style>
+                  <a:lnRef idx="0">
+                    <a:scrgbClr r="0" g="0" b="0"/>
+                  </a:lnRef>
+                  <a:fillRef idx="0">
+                    <a:scrgbClr r="0" g="0" b="0"/>
+                  </a:fillRef>
+                  <a:effectRef idx="0">
+                    <a:scrgbClr r="0" g="0" b="0"/>
+                  </a:effectRef>
+                  <a:fontRef idx="minor">
+                    <a:schemeClr val="accent1"/>
+                  </a:fontRef>
+                </p:style>
+                <p:txBody>
+                  <a:bodyPr rtlCol="0" anchor="b"/>
+                  <a:lstStyle/>
+                  <a:p>
+                    <a:pPr algn="ctr"/>
+                    <a:r>
+                      <a:rPr lang="en-US" altLang="ko-KR" b="1" dirty="0">
+                        <a:solidFill>
+                          <a:schemeClr val="bg1"/>
+                        </a:solidFill>
+                        <a:effectLst/>
+                        <a:latin typeface="Consolas" panose="020B0609020204030204" pitchFamily="49" charset="0"/>
+                      </a:rPr>
+                      <a:t>Node </a:t>
+                    </a:r>
+                    <a:r>
+                      <a:rPr lang="en-US" altLang="ko-KR" b="1" dirty="0">
+                        <a:solidFill>
+                          <a:schemeClr val="bg1">
+                            <a:lumMod val="65000"/>
+                          </a:schemeClr>
+                        </a:solidFill>
+                        <a:effectLst/>
+                        <a:latin typeface="Consolas" panose="020B0609020204030204" pitchFamily="49" charset="0"/>
+                      </a:rPr>
+                      <a:t>(Master)</a:t>
+                    </a:r>
+                  </a:p>
+                  <a:p>
+                    <a:pPr algn="ctr"/>
+                    <a:endParaRPr lang="en-US" altLang="ko-KR" b="0" dirty="0">
+                      <a:solidFill>
+                        <a:schemeClr val="bg1">
+                          <a:lumMod val="65000"/>
+                        </a:schemeClr>
+                      </a:solidFill>
+                      <a:effectLst/>
+                      <a:latin typeface="Consolas" panose="020B0609020204030204" pitchFamily="49" charset="0"/>
+                    </a:endParaRPr>
+                  </a:p>
+                </p:txBody>
+              </p:sp>
+              <p:sp>
+                <p:nvSpPr>
+                  <p:cNvPr id="14" name="직사각형 13">
+                    <a:extLst>
+                      <a:ext uri="{FF2B5EF4-FFF2-40B4-BE49-F238E27FC236}">
+                        <a16:creationId xmlns:a16="http://schemas.microsoft.com/office/drawing/2014/main" id="{473371C5-0642-C9DE-13EC-762878111D67}"/>
+                      </a:ext>
+                    </a:extLst>
+                  </p:cNvPr>
+                  <p:cNvSpPr/>
+                  <p:nvPr/>
+                </p:nvSpPr>
+                <p:spPr>
+                  <a:xfrm>
+                    <a:off x="2804904" y="984090"/>
+                    <a:ext cx="2323587" cy="3942522"/>
+                  </a:xfrm>
+                  <a:prstGeom prst="rect">
+                    <a:avLst/>
+                  </a:prstGeom>
+                </p:spPr>
+                <p:style>
+                  <a:lnRef idx="2">
+                    <a:schemeClr val="accent2">
+                      <a:shade val="50000"/>
+                    </a:schemeClr>
+                  </a:lnRef>
+                  <a:fillRef idx="1">
+                    <a:schemeClr val="accent2"/>
+                  </a:fillRef>
+                  <a:effectRef idx="0">
+                    <a:schemeClr val="accent2"/>
+                  </a:effectRef>
+                  <a:fontRef idx="minor">
+                    <a:schemeClr val="lt1"/>
+                  </a:fontRef>
+                </p:style>
+                <p:txBody>
+                  <a:bodyPr rtlCol="0" anchor="ctr"/>
+                  <a:lstStyle/>
+                  <a:p>
+                    <a:pPr algn="ctr"/>
+                    <a:r>
+                      <a:rPr lang="en-US" altLang="ko-KR" b="1" dirty="0">
+                        <a:latin typeface="Consolas" panose="020B0609020204030204" pitchFamily="49" charset="0"/>
+                      </a:rPr>
+                      <a:t>Service</a:t>
+                    </a:r>
+                    <a:endParaRPr lang="ko-KR" altLang="en-US" sz="1400" b="1" dirty="0">
+                      <a:latin typeface="Consolas" panose="020B0609020204030204" pitchFamily="49" charset="0"/>
+                    </a:endParaRPr>
+                  </a:p>
+                </p:txBody>
+              </p:sp>
+              <p:cxnSp>
+                <p:nvCxnSpPr>
+                  <p:cNvPr id="15" name="연결선: 꺾임 14">
+                    <a:extLst>
+                      <a:ext uri="{FF2B5EF4-FFF2-40B4-BE49-F238E27FC236}">
+                        <a16:creationId xmlns:a16="http://schemas.microsoft.com/office/drawing/2014/main" id="{F9469B1D-0547-5C38-743C-D27FEB9DC9DB}"/>
+                      </a:ext>
+                    </a:extLst>
+                  </p:cNvPr>
+                  <p:cNvCxnSpPr>
+                    <a:cxnSpLocks/>
+                    <a:stCxn id="29" idx="1"/>
+                    <a:endCxn id="33" idx="1"/>
+                  </p:cNvCxnSpPr>
+                  <p:nvPr/>
+                </p:nvCxnSpPr>
+                <p:spPr>
+                  <a:xfrm rot="10800000">
+                    <a:off x="7327852" y="1490986"/>
+                    <a:ext cx="12700" cy="2928730"/>
+                  </a:xfrm>
+                  <a:prstGeom prst="bentConnector3">
+                    <a:avLst>
+                      <a:gd name="adj1" fmla="val 8563638"/>
+                    </a:avLst>
+                  </a:prstGeom>
+                  <a:ln w="25400">
+                    <a:solidFill>
+                      <a:srgbClr val="FFC000"/>
+                    </a:solidFill>
+                    <a:prstDash val="dash"/>
+                    <a:headEnd type="arrow"/>
+                    <a:tailEnd type="triangle"/>
+                  </a:ln>
+                </p:spPr>
+                <p:style>
+                  <a:lnRef idx="1">
+                    <a:schemeClr val="accent1"/>
+                  </a:lnRef>
+                  <a:fillRef idx="0">
+                    <a:schemeClr val="accent1"/>
+                  </a:fillRef>
+                  <a:effectRef idx="0">
+                    <a:schemeClr val="accent1"/>
+                  </a:effectRef>
+                  <a:fontRef idx="minor">
+                    <a:schemeClr val="tx1"/>
+                  </a:fontRef>
+                </p:style>
+              </p:cxnSp>
+              <p:grpSp>
+                <p:nvGrpSpPr>
+                  <p:cNvPr id="50" name="그룹 49">
+                    <a:extLst>
+                      <a:ext uri="{FF2B5EF4-FFF2-40B4-BE49-F238E27FC236}">
+                        <a16:creationId xmlns:a16="http://schemas.microsoft.com/office/drawing/2014/main" id="{B8450DA1-D748-617D-D153-A1BCFDB16BD9}"/>
+                      </a:ext>
+                    </a:extLst>
+                  </p:cNvPr>
+                  <p:cNvGrpSpPr/>
+                  <p:nvPr/>
+                </p:nvGrpSpPr>
+                <p:grpSpPr>
+                  <a:xfrm>
+                    <a:off x="7261589" y="799216"/>
+                    <a:ext cx="1807266" cy="1198666"/>
+                    <a:chOff x="8647043" y="799216"/>
+                    <a:chExt cx="1807266" cy="1198666"/>
+                  </a:xfrm>
+                </p:grpSpPr>
+                <p:grpSp>
+                  <p:nvGrpSpPr>
+                    <p:cNvPr id="11" name="그룹 10">
+                      <a:extLst>
+                        <a:ext uri="{FF2B5EF4-FFF2-40B4-BE49-F238E27FC236}">
+                          <a16:creationId xmlns:a16="http://schemas.microsoft.com/office/drawing/2014/main" id="{E2200FBD-FA3C-1989-0D56-1C34A4DC6854}"/>
+                        </a:ext>
+                      </a:extLst>
+                    </p:cNvPr>
+                    <p:cNvGrpSpPr/>
+                    <p:nvPr/>
+                  </p:nvGrpSpPr>
+                  <p:grpSpPr>
+                    <a:xfrm>
+                      <a:off x="8647043" y="984090"/>
+                      <a:ext cx="1807266" cy="1013792"/>
+                      <a:chOff x="1336811" y="639534"/>
+                      <a:chExt cx="1807266" cy="1013792"/>
+                    </a:xfrm>
+                  </p:grpSpPr>
+                  <p:sp>
+                    <p:nvSpPr>
+                      <p:cNvPr id="33" name="직사각형 32">
+                        <a:extLst>
+                          <a:ext uri="{FF2B5EF4-FFF2-40B4-BE49-F238E27FC236}">
+                            <a16:creationId xmlns:a16="http://schemas.microsoft.com/office/drawing/2014/main" id="{4ED032DB-3F89-F091-06A3-E8F07DA6352A}"/>
+                          </a:ext>
+                        </a:extLst>
+                      </p:cNvPr>
+                      <p:cNvSpPr/>
+                      <p:nvPr/>
+                    </p:nvSpPr>
+                    <p:spPr>
+                      <a:xfrm>
+                        <a:off x="1403074" y="639534"/>
+                        <a:ext cx="1741003" cy="1013792"/>
+                      </a:xfrm>
+                      <a:prstGeom prst="rect">
+                        <a:avLst/>
+                      </a:prstGeom>
+                      <a:solidFill>
+                        <a:schemeClr val="accent1">
+                          <a:lumMod val="75000"/>
+                        </a:schemeClr>
+                      </a:solidFill>
+                      <a:ln w="9525" cap="flat" cmpd="sng" algn="ctr">
+                        <a:solidFill>
+                          <a:schemeClr val="accent1"/>
+                        </a:solidFill>
+                        <a:prstDash val="solid"/>
+                        <a:round/>
+                        <a:headEnd type="none" w="med" len="med"/>
+                        <a:tailEnd type="none" w="med" len="med"/>
+                      </a:ln>
+                    </p:spPr>
+                    <p:style>
+                      <a:lnRef idx="0">
+                        <a:scrgbClr r="0" g="0" b="0"/>
+                      </a:lnRef>
+                      <a:fillRef idx="0">
+                        <a:scrgbClr r="0" g="0" b="0"/>
+                      </a:fillRef>
+                      <a:effectRef idx="0">
+                        <a:scrgbClr r="0" g="0" b="0"/>
+                      </a:effectRef>
+                      <a:fontRef idx="minor">
+                        <a:schemeClr val="accent1"/>
+                      </a:fontRef>
+                    </p:style>
+                    <p:txBody>
+                      <a:bodyPr rtlCol="0" anchor="ctr"/>
+                      <a:lstStyle/>
+                      <a:p>
+                        <a:pPr algn="ctr"/>
+                        <a:r>
+                          <a:rPr lang="en-US" altLang="ko-KR" b="1" dirty="0">
+                            <a:solidFill>
+                              <a:schemeClr val="bg1"/>
+                            </a:solidFill>
+                            <a:effectLst/>
+                            <a:latin typeface="Consolas" panose="020B0609020204030204" pitchFamily="49" charset="0"/>
+                          </a:rPr>
+                          <a:t>Pod </a:t>
+                        </a:r>
+                        <a:r>
+                          <a:rPr lang="en-US" altLang="ko-KR" b="0" dirty="0">
+                            <a:solidFill>
+                              <a:srgbClr val="D4D4D4"/>
+                            </a:solidFill>
+                            <a:effectLst/>
+                            <a:latin typeface="Consolas" panose="020B0609020204030204" pitchFamily="49" charset="0"/>
+                          </a:rPr>
+                          <a:t>(bn77g</a:t>
+                        </a:r>
+                        <a:r>
+                          <a:rPr lang="en-US" altLang="ko-KR" dirty="0">
+                            <a:solidFill>
+                              <a:schemeClr val="bg1">
+                                <a:lumMod val="65000"/>
+                              </a:schemeClr>
+                            </a:solidFill>
+                            <a:latin typeface="Consolas" panose="020B0609020204030204" pitchFamily="49" charset="0"/>
+                          </a:rPr>
+                          <a:t>)</a:t>
+                        </a:r>
+                        <a:endParaRPr lang="en-US" altLang="ko-KR" b="0" dirty="0">
+                          <a:solidFill>
+                            <a:srgbClr val="D4D4D4"/>
+                          </a:solidFill>
+                          <a:effectLst/>
+                          <a:latin typeface="Consolas" panose="020B0609020204030204" pitchFamily="49" charset="0"/>
+                        </a:endParaRPr>
+                      </a:p>
+                    </p:txBody>
+                  </p:sp>
+                  <p:sp>
+                    <p:nvSpPr>
+                      <p:cNvPr id="35" name="직사각형 34">
+                        <a:extLst>
+                          <a:ext uri="{FF2B5EF4-FFF2-40B4-BE49-F238E27FC236}">
+                            <a16:creationId xmlns:a16="http://schemas.microsoft.com/office/drawing/2014/main" id="{E0F68FFA-8EAC-81C8-60D9-C1B24DE7F145}"/>
+                          </a:ext>
+                        </a:extLst>
+                      </p:cNvPr>
+                      <p:cNvSpPr/>
+                      <p:nvPr/>
+                    </p:nvSpPr>
+                    <p:spPr>
+                      <a:xfrm>
+                        <a:off x="1336811" y="1349760"/>
+                        <a:ext cx="1070113" cy="279274"/>
+                      </a:xfrm>
+                      <a:prstGeom prst="rect">
+                        <a:avLst/>
+                      </a:prstGeom>
+                      <a:noFill/>
+                      <a:ln w="9525" cap="flat" cmpd="sng" algn="ctr">
+                        <a:noFill/>
+                        <a:prstDash val="solid"/>
+                        <a:round/>
+                        <a:headEnd type="none" w="med" len="med"/>
+                        <a:tailEnd type="none" w="med" len="med"/>
+                      </a:ln>
+                    </p:spPr>
+                    <p:style>
+                      <a:lnRef idx="0">
+                        <a:scrgbClr r="0" g="0" b="0"/>
+                      </a:lnRef>
+                      <a:fillRef idx="0">
+                        <a:scrgbClr r="0" g="0" b="0"/>
+                      </a:fillRef>
+                      <a:effectRef idx="0">
+                        <a:scrgbClr r="0" g="0" b="0"/>
+                      </a:effectRef>
+                      <a:fontRef idx="minor">
+                        <a:schemeClr val="accent1"/>
+                      </a:fontRef>
+                    </p:style>
+                    <p:txBody>
+                      <a:bodyPr rtlCol="0" anchor="ctr"/>
+                      <a:lstStyle/>
+                      <a:p>
+                        <a:pPr algn="ctr"/>
+                        <a:r>
+                          <a:rPr lang="en-US" altLang="ko-KR" sz="1200" b="1" dirty="0">
+                            <a:solidFill>
+                              <a:schemeClr val="bg1"/>
+                            </a:solidFill>
+                            <a:effectLst/>
+                            <a:latin typeface="Consolas" panose="020B0609020204030204" pitchFamily="49" charset="0"/>
+                          </a:rPr>
+                          <a:t>10.0.1.3</a:t>
+                        </a:r>
+                        <a:endParaRPr lang="en-US" altLang="ko-KR" sz="1200" b="0" dirty="0">
+                          <a:solidFill>
+                            <a:schemeClr val="bg1">
+                              <a:lumMod val="65000"/>
+                            </a:schemeClr>
+                          </a:solidFill>
+                          <a:effectLst/>
+                          <a:latin typeface="Consolas" panose="020B0609020204030204" pitchFamily="49" charset="0"/>
+                        </a:endParaRPr>
+                      </a:p>
+                    </p:txBody>
+                  </p:sp>
+                </p:grpSp>
+                <p:sp>
+                  <p:nvSpPr>
+                    <p:cNvPr id="20" name="직사각형 19">
+                      <a:extLst>
+                        <a:ext uri="{FF2B5EF4-FFF2-40B4-BE49-F238E27FC236}">
+                          <a16:creationId xmlns:a16="http://schemas.microsoft.com/office/drawing/2014/main" id="{9FFDD7A7-A2F4-8D89-64AF-09316359DEA6}"/>
+                        </a:ext>
+                      </a:extLst>
+                    </p:cNvPr>
+                    <p:cNvSpPr/>
+                    <p:nvPr/>
+                  </p:nvSpPr>
+                  <p:spPr>
+                    <a:xfrm>
+                      <a:off x="9048750" y="799216"/>
+                      <a:ext cx="1070113" cy="369748"/>
+                    </a:xfrm>
+                    <a:prstGeom prst="rect">
+                      <a:avLst/>
+                    </a:prstGeom>
+                    <a:ln w="28575">
+                      <a:solidFill>
+                        <a:srgbClr val="00B0F0"/>
+                      </a:solidFill>
+                    </a:ln>
+                  </p:spPr>
+                  <p:style>
+                    <a:lnRef idx="2">
+                      <a:schemeClr val="accent2"/>
+                    </a:lnRef>
+                    <a:fillRef idx="1">
+                      <a:schemeClr val="lt1"/>
+                    </a:fillRef>
+                    <a:effectRef idx="0">
+                      <a:schemeClr val="accent2"/>
+                    </a:effectRef>
+                    <a:fontRef idx="minor">
+                      <a:schemeClr val="dk1"/>
+                    </a:fontRef>
+                  </p:style>
+                  <p:txBody>
+                    <a:bodyPr rtlCol="0" anchor="ctr"/>
+                    <a:lstStyle/>
+                    <a:p>
+                      <a:pPr algn="ctr"/>
+                      <a:r>
+                        <a:rPr lang="en-US" altLang="ko-KR" sz="1200" dirty="0"/>
+                        <a:t>app=node</a:t>
+                      </a:r>
+                      <a:endParaRPr lang="ko-KR" altLang="en-US" sz="1200" dirty="0"/>
+                    </a:p>
+                  </p:txBody>
+                </p:sp>
+              </p:grpSp>
+              <p:grpSp>
+                <p:nvGrpSpPr>
+                  <p:cNvPr id="51" name="그룹 50">
+                    <a:extLst>
+                      <a:ext uri="{FF2B5EF4-FFF2-40B4-BE49-F238E27FC236}">
+                        <a16:creationId xmlns:a16="http://schemas.microsoft.com/office/drawing/2014/main" id="{5F1D49E5-9AB2-9E14-712A-AF4FE09F5C26}"/>
+                      </a:ext>
+                    </a:extLst>
+                  </p:cNvPr>
+                  <p:cNvGrpSpPr/>
+                  <p:nvPr/>
+                </p:nvGrpSpPr>
+                <p:grpSpPr>
+                  <a:xfrm>
+                    <a:off x="7261589" y="2275514"/>
+                    <a:ext cx="1807266" cy="1186733"/>
+                    <a:chOff x="8647043" y="2275514"/>
+                    <a:chExt cx="1807266" cy="1186733"/>
+                  </a:xfrm>
+                </p:grpSpPr>
+                <p:grpSp>
+                  <p:nvGrpSpPr>
+                    <p:cNvPr id="12" name="그룹 11">
+                      <a:extLst>
+                        <a:ext uri="{FF2B5EF4-FFF2-40B4-BE49-F238E27FC236}">
+                          <a16:creationId xmlns:a16="http://schemas.microsoft.com/office/drawing/2014/main" id="{0C63A4AA-6564-23FF-A7F8-6947DEFF8942}"/>
+                        </a:ext>
+                      </a:extLst>
+                    </p:cNvPr>
+                    <p:cNvGrpSpPr/>
+                    <p:nvPr/>
+                  </p:nvGrpSpPr>
+                  <p:grpSpPr>
+                    <a:xfrm>
+                      <a:off x="8647043" y="2448455"/>
+                      <a:ext cx="1807266" cy="1013792"/>
+                      <a:chOff x="1336811" y="639534"/>
+                      <a:chExt cx="1807266" cy="1013792"/>
+                    </a:xfrm>
+                  </p:grpSpPr>
+                  <p:sp>
+                    <p:nvSpPr>
+                      <p:cNvPr id="31" name="직사각형 30">
+                        <a:extLst>
+                          <a:ext uri="{FF2B5EF4-FFF2-40B4-BE49-F238E27FC236}">
+                            <a16:creationId xmlns:a16="http://schemas.microsoft.com/office/drawing/2014/main" id="{6BE66E03-7567-3677-9BE0-BEC6E1F6483F}"/>
+                          </a:ext>
+                        </a:extLst>
+                      </p:cNvPr>
+                      <p:cNvSpPr/>
+                      <p:nvPr/>
+                    </p:nvSpPr>
+                    <p:spPr>
+                      <a:xfrm>
+                        <a:off x="1403074" y="639534"/>
+                        <a:ext cx="1741003" cy="1013792"/>
+                      </a:xfrm>
+                      <a:prstGeom prst="rect">
+                        <a:avLst/>
+                      </a:prstGeom>
+                      <a:solidFill>
+                        <a:schemeClr val="accent1">
+                          <a:lumMod val="75000"/>
+                        </a:schemeClr>
+                      </a:solidFill>
+                      <a:ln w="9525" cap="flat" cmpd="sng" algn="ctr">
+                        <a:solidFill>
+                          <a:schemeClr val="accent1"/>
+                        </a:solidFill>
+                        <a:prstDash val="solid"/>
+                        <a:round/>
+                        <a:headEnd type="none" w="med" len="med"/>
+                        <a:tailEnd type="none" w="med" len="med"/>
+                      </a:ln>
+                    </p:spPr>
+                    <p:style>
+                      <a:lnRef idx="0">
+                        <a:scrgbClr r="0" g="0" b="0"/>
+                      </a:lnRef>
+                      <a:fillRef idx="0">
+                        <a:scrgbClr r="0" g="0" b="0"/>
+                      </a:fillRef>
+                      <a:effectRef idx="0">
+                        <a:scrgbClr r="0" g="0" b="0"/>
+                      </a:effectRef>
+                      <a:fontRef idx="minor">
+                        <a:schemeClr val="accent1"/>
+                      </a:fontRef>
+                    </p:style>
+                    <p:txBody>
+                      <a:bodyPr rtlCol="0" anchor="ctr"/>
+                      <a:lstStyle/>
+                      <a:p>
+                        <a:pPr algn="ctr"/>
+                        <a:r>
+                          <a:rPr lang="en-US" altLang="ko-KR" b="1" dirty="0">
+                            <a:solidFill>
+                              <a:schemeClr val="bg1"/>
+                            </a:solidFill>
+                            <a:effectLst/>
+                            <a:latin typeface="Consolas" panose="020B0609020204030204" pitchFamily="49" charset="0"/>
+                          </a:rPr>
+                          <a:t>Pod </a:t>
+                        </a:r>
+                        <a:r>
+                          <a:rPr lang="en-US" altLang="ko-KR" b="0" dirty="0">
+                            <a:solidFill>
+                              <a:srgbClr val="D4D4D4"/>
+                            </a:solidFill>
+                            <a:effectLst/>
+                            <a:latin typeface="Consolas" panose="020B0609020204030204" pitchFamily="49" charset="0"/>
+                          </a:rPr>
+                          <a:t>(5hh9f</a:t>
+                        </a:r>
+                        <a:r>
+                          <a:rPr lang="en-US" altLang="ko-KR" dirty="0">
+                            <a:solidFill>
+                              <a:schemeClr val="bg1">
+                                <a:lumMod val="65000"/>
+                              </a:schemeClr>
+                            </a:solidFill>
+                            <a:latin typeface="Consolas" panose="020B0609020204030204" pitchFamily="49" charset="0"/>
+                          </a:rPr>
+                          <a:t>)</a:t>
+                        </a:r>
+                        <a:endParaRPr lang="en-US" altLang="ko-KR" b="0" dirty="0">
+                          <a:solidFill>
+                            <a:srgbClr val="D4D4D4"/>
+                          </a:solidFill>
+                          <a:effectLst/>
+                          <a:latin typeface="Consolas" panose="020B0609020204030204" pitchFamily="49" charset="0"/>
+                        </a:endParaRPr>
+                      </a:p>
+                    </p:txBody>
+                  </p:sp>
+                  <p:sp>
+                    <p:nvSpPr>
+                      <p:cNvPr id="32" name="직사각형 31">
+                        <a:extLst>
+                          <a:ext uri="{FF2B5EF4-FFF2-40B4-BE49-F238E27FC236}">
+                            <a16:creationId xmlns:a16="http://schemas.microsoft.com/office/drawing/2014/main" id="{76CD7926-A90D-9B8C-7805-663B54B00742}"/>
+                          </a:ext>
+                        </a:extLst>
+                      </p:cNvPr>
+                      <p:cNvSpPr/>
+                      <p:nvPr/>
+                    </p:nvSpPr>
+                    <p:spPr>
+                      <a:xfrm>
+                        <a:off x="1336811" y="1349760"/>
+                        <a:ext cx="1070113" cy="279274"/>
+                      </a:xfrm>
+                      <a:prstGeom prst="rect">
+                        <a:avLst/>
+                      </a:prstGeom>
+                      <a:noFill/>
+                      <a:ln w="9525" cap="flat" cmpd="sng" algn="ctr">
+                        <a:noFill/>
+                        <a:prstDash val="solid"/>
+                        <a:round/>
+                        <a:headEnd type="none" w="med" len="med"/>
+                        <a:tailEnd type="none" w="med" len="med"/>
+                      </a:ln>
+                    </p:spPr>
+                    <p:style>
+                      <a:lnRef idx="0">
+                        <a:scrgbClr r="0" g="0" b="0"/>
+                      </a:lnRef>
+                      <a:fillRef idx="0">
+                        <a:scrgbClr r="0" g="0" b="0"/>
+                      </a:fillRef>
+                      <a:effectRef idx="0">
+                        <a:scrgbClr r="0" g="0" b="0"/>
+                      </a:effectRef>
+                      <a:fontRef idx="minor">
+                        <a:schemeClr val="accent1"/>
+                      </a:fontRef>
+                    </p:style>
+                    <p:txBody>
+                      <a:bodyPr rtlCol="0" anchor="ctr"/>
+                      <a:lstStyle/>
+                      <a:p>
+                        <a:pPr algn="ctr"/>
+                        <a:r>
+                          <a:rPr lang="en-US" altLang="ko-KR" sz="1200" b="1" dirty="0">
+                            <a:solidFill>
+                              <a:schemeClr val="bg1"/>
+                            </a:solidFill>
+                            <a:effectLst/>
+                            <a:latin typeface="Consolas" panose="020B0609020204030204" pitchFamily="49" charset="0"/>
+                          </a:rPr>
+                          <a:t>10.0.1.4</a:t>
+                        </a:r>
+                        <a:endParaRPr lang="en-US" altLang="ko-KR" sz="1200" b="0" dirty="0">
+                          <a:solidFill>
+                            <a:schemeClr val="bg1">
+                              <a:lumMod val="65000"/>
+                            </a:schemeClr>
+                          </a:solidFill>
+                          <a:effectLst/>
+                          <a:latin typeface="Consolas" panose="020B0609020204030204" pitchFamily="49" charset="0"/>
+                        </a:endParaRPr>
+                      </a:p>
+                    </p:txBody>
+                  </p:sp>
+                </p:grpSp>
+                <p:sp>
+                  <p:nvSpPr>
+                    <p:cNvPr id="37" name="직사각형 36">
+                      <a:extLst>
+                        <a:ext uri="{FF2B5EF4-FFF2-40B4-BE49-F238E27FC236}">
+                          <a16:creationId xmlns:a16="http://schemas.microsoft.com/office/drawing/2014/main" id="{C11338A7-FF5C-6976-23C4-668A77E781C6}"/>
+                        </a:ext>
+                      </a:extLst>
+                    </p:cNvPr>
+                    <p:cNvSpPr/>
+                    <p:nvPr/>
+                  </p:nvSpPr>
+                  <p:spPr>
+                    <a:xfrm>
+                      <a:off x="9048750" y="2275514"/>
+                      <a:ext cx="1070113" cy="369748"/>
+                    </a:xfrm>
+                    <a:prstGeom prst="rect">
+                      <a:avLst/>
+                    </a:prstGeom>
+                    <a:ln w="28575">
+                      <a:solidFill>
+                        <a:srgbClr val="00B0F0"/>
+                      </a:solidFill>
+                    </a:ln>
+                  </p:spPr>
+                  <p:style>
+                    <a:lnRef idx="2">
+                      <a:schemeClr val="accent2"/>
+                    </a:lnRef>
+                    <a:fillRef idx="1">
+                      <a:schemeClr val="lt1"/>
+                    </a:fillRef>
+                    <a:effectRef idx="0">
+                      <a:schemeClr val="accent2"/>
+                    </a:effectRef>
+                    <a:fontRef idx="minor">
+                      <a:schemeClr val="dk1"/>
+                    </a:fontRef>
+                  </p:style>
+                  <p:txBody>
+                    <a:bodyPr rtlCol="0" anchor="ctr"/>
+                    <a:lstStyle/>
+                    <a:p>
+                      <a:pPr algn="ctr"/>
+                      <a:r>
+                        <a:rPr lang="en-US" altLang="ko-KR" sz="1200" dirty="0"/>
+                        <a:t>app=node</a:t>
+                      </a:r>
+                      <a:endParaRPr lang="ko-KR" altLang="en-US" sz="1200" dirty="0"/>
+                    </a:p>
+                  </p:txBody>
+                </p:sp>
+              </p:grpSp>
+              <p:grpSp>
+                <p:nvGrpSpPr>
+                  <p:cNvPr id="52" name="그룹 51">
+                    <a:extLst>
+                      <a:ext uri="{FF2B5EF4-FFF2-40B4-BE49-F238E27FC236}">
+                        <a16:creationId xmlns:a16="http://schemas.microsoft.com/office/drawing/2014/main" id="{5EC2A850-22EE-B02D-3355-D48512A1CE10}"/>
+                      </a:ext>
+                    </a:extLst>
+                  </p:cNvPr>
+                  <p:cNvGrpSpPr/>
+                  <p:nvPr/>
+                </p:nvGrpSpPr>
+                <p:grpSpPr>
+                  <a:xfrm>
+                    <a:off x="7261589" y="3727946"/>
+                    <a:ext cx="1807266" cy="1198666"/>
+                    <a:chOff x="8647043" y="3727946"/>
+                    <a:chExt cx="1807266" cy="1198666"/>
+                  </a:xfrm>
+                </p:grpSpPr>
+                <p:grpSp>
+                  <p:nvGrpSpPr>
+                    <p:cNvPr id="13" name="그룹 12">
+                      <a:extLst>
+                        <a:ext uri="{FF2B5EF4-FFF2-40B4-BE49-F238E27FC236}">
+                          <a16:creationId xmlns:a16="http://schemas.microsoft.com/office/drawing/2014/main" id="{31771B50-F639-7A28-AAC3-087A1C3E94F7}"/>
+                        </a:ext>
+                      </a:extLst>
+                    </p:cNvPr>
+                    <p:cNvGrpSpPr/>
+                    <p:nvPr/>
+                  </p:nvGrpSpPr>
+                  <p:grpSpPr>
+                    <a:xfrm>
+                      <a:off x="8647043" y="3912820"/>
+                      <a:ext cx="1807266" cy="1013792"/>
+                      <a:chOff x="1336811" y="639534"/>
+                      <a:chExt cx="1807266" cy="1013792"/>
+                    </a:xfrm>
+                  </p:grpSpPr>
+                  <p:sp>
+                    <p:nvSpPr>
+                      <p:cNvPr id="29" name="직사각형 28">
+                        <a:extLst>
+                          <a:ext uri="{FF2B5EF4-FFF2-40B4-BE49-F238E27FC236}">
+                            <a16:creationId xmlns:a16="http://schemas.microsoft.com/office/drawing/2014/main" id="{FE93445B-3081-0B7A-D553-6D92D73AEFEE}"/>
+                          </a:ext>
+                        </a:extLst>
+                      </p:cNvPr>
+                      <p:cNvSpPr/>
+                      <p:nvPr/>
+                    </p:nvSpPr>
+                    <p:spPr>
+                      <a:xfrm>
+                        <a:off x="1403074" y="639534"/>
+                        <a:ext cx="1741003" cy="1013792"/>
+                      </a:xfrm>
+                      <a:prstGeom prst="rect">
+                        <a:avLst/>
+                      </a:prstGeom>
+                      <a:solidFill>
+                        <a:schemeClr val="accent1">
+                          <a:lumMod val="75000"/>
+                        </a:schemeClr>
+                      </a:solidFill>
+                      <a:ln w="9525" cap="flat" cmpd="sng" algn="ctr">
+                        <a:solidFill>
+                          <a:schemeClr val="accent1"/>
+                        </a:solidFill>
+                        <a:prstDash val="solid"/>
+                        <a:round/>
+                        <a:headEnd type="none" w="med" len="med"/>
+                        <a:tailEnd type="none" w="med" len="med"/>
+                      </a:ln>
+                    </p:spPr>
+                    <p:style>
+                      <a:lnRef idx="0">
+                        <a:scrgbClr r="0" g="0" b="0"/>
+                      </a:lnRef>
+                      <a:fillRef idx="0">
+                        <a:scrgbClr r="0" g="0" b="0"/>
+                      </a:fillRef>
+                      <a:effectRef idx="0">
+                        <a:scrgbClr r="0" g="0" b="0"/>
+                      </a:effectRef>
+                      <a:fontRef idx="minor">
+                        <a:schemeClr val="accent1"/>
+                      </a:fontRef>
+                    </p:style>
+                    <p:txBody>
+                      <a:bodyPr rtlCol="0" anchor="ctr"/>
+                      <a:lstStyle/>
+                      <a:p>
+                        <a:pPr algn="ctr"/>
+                        <a:r>
+                          <a:rPr lang="en-US" altLang="ko-KR" b="1" dirty="0">
+                            <a:solidFill>
+                              <a:schemeClr val="bg1"/>
+                            </a:solidFill>
+                            <a:effectLst/>
+                            <a:latin typeface="Consolas" panose="020B0609020204030204" pitchFamily="49" charset="0"/>
+                          </a:rPr>
+                          <a:t>Pod </a:t>
+                        </a:r>
+                        <a:r>
+                          <a:rPr lang="en-US" altLang="ko-KR" b="0" dirty="0">
+                            <a:solidFill>
+                              <a:srgbClr val="D4D4D4"/>
+                            </a:solidFill>
+                            <a:effectLst/>
+                            <a:latin typeface="Consolas" panose="020B0609020204030204" pitchFamily="49" charset="0"/>
+                          </a:rPr>
+                          <a:t>(gxl25</a:t>
+                        </a:r>
+                        <a:r>
+                          <a:rPr lang="en-US" altLang="ko-KR" dirty="0">
+                            <a:solidFill>
+                              <a:schemeClr val="bg1">
+                                <a:lumMod val="65000"/>
+                              </a:schemeClr>
+                            </a:solidFill>
+                            <a:latin typeface="Consolas" panose="020B0609020204030204" pitchFamily="49" charset="0"/>
+                          </a:rPr>
+                          <a:t>)</a:t>
+                        </a:r>
+                        <a:endParaRPr lang="en-US" altLang="ko-KR" b="0" dirty="0">
+                          <a:solidFill>
+                            <a:srgbClr val="D4D4D4"/>
+                          </a:solidFill>
+                          <a:effectLst/>
+                          <a:latin typeface="Consolas" panose="020B0609020204030204" pitchFamily="49" charset="0"/>
+                        </a:endParaRPr>
+                      </a:p>
+                    </p:txBody>
+                  </p:sp>
+                  <p:sp>
+                    <p:nvSpPr>
+                      <p:cNvPr id="30" name="직사각형 29">
+                        <a:extLst>
+                          <a:ext uri="{FF2B5EF4-FFF2-40B4-BE49-F238E27FC236}">
+                            <a16:creationId xmlns:a16="http://schemas.microsoft.com/office/drawing/2014/main" id="{C65BA019-A5C1-7330-8F52-46B585DD51EF}"/>
+                          </a:ext>
+                        </a:extLst>
+                      </p:cNvPr>
+                      <p:cNvSpPr/>
+                      <p:nvPr/>
+                    </p:nvSpPr>
+                    <p:spPr>
+                      <a:xfrm>
+                        <a:off x="1336811" y="1349760"/>
+                        <a:ext cx="1070113" cy="279274"/>
+                      </a:xfrm>
+                      <a:prstGeom prst="rect">
+                        <a:avLst/>
+                      </a:prstGeom>
+                      <a:noFill/>
+                      <a:ln w="9525" cap="flat" cmpd="sng" algn="ctr">
+                        <a:noFill/>
+                        <a:prstDash val="solid"/>
+                        <a:round/>
+                        <a:headEnd type="none" w="med" len="med"/>
+                        <a:tailEnd type="none" w="med" len="med"/>
+                      </a:ln>
+                    </p:spPr>
+                    <p:style>
+                      <a:lnRef idx="0">
+                        <a:scrgbClr r="0" g="0" b="0"/>
+                      </a:lnRef>
+                      <a:fillRef idx="0">
+                        <a:scrgbClr r="0" g="0" b="0"/>
+                      </a:fillRef>
+                      <a:effectRef idx="0">
+                        <a:scrgbClr r="0" g="0" b="0"/>
+                      </a:effectRef>
+                      <a:fontRef idx="minor">
+                        <a:schemeClr val="accent1"/>
+                      </a:fontRef>
+                    </p:style>
+                    <p:txBody>
+                      <a:bodyPr rtlCol="0" anchor="ctr"/>
+                      <a:lstStyle/>
+                      <a:p>
+                        <a:pPr algn="ctr"/>
+                        <a:r>
+                          <a:rPr lang="en-US" altLang="ko-KR" sz="1200" b="1" dirty="0">
+                            <a:solidFill>
+                              <a:schemeClr val="bg1"/>
+                            </a:solidFill>
+                            <a:effectLst/>
+                            <a:latin typeface="Consolas" panose="020B0609020204030204" pitchFamily="49" charset="0"/>
+                          </a:rPr>
+                          <a:t>10.0.1.5</a:t>
+                        </a:r>
+                        <a:endParaRPr lang="en-US" altLang="ko-KR" sz="1200" b="0" dirty="0">
+                          <a:solidFill>
+                            <a:schemeClr val="bg1">
+                              <a:lumMod val="65000"/>
+                            </a:schemeClr>
+                          </a:solidFill>
+                          <a:effectLst/>
+                          <a:latin typeface="Consolas" panose="020B0609020204030204" pitchFamily="49" charset="0"/>
+                        </a:endParaRPr>
+                      </a:p>
+                    </p:txBody>
+                  </p:sp>
+                </p:grpSp>
+                <p:sp>
+                  <p:nvSpPr>
+                    <p:cNvPr id="38" name="직사각형 37">
+                      <a:extLst>
+                        <a:ext uri="{FF2B5EF4-FFF2-40B4-BE49-F238E27FC236}">
+                          <a16:creationId xmlns:a16="http://schemas.microsoft.com/office/drawing/2014/main" id="{D9C9E722-C64F-56B0-B079-E097A31C213A}"/>
+                        </a:ext>
+                      </a:extLst>
+                    </p:cNvPr>
+                    <p:cNvSpPr/>
+                    <p:nvPr/>
+                  </p:nvSpPr>
+                  <p:spPr>
+                    <a:xfrm>
+                      <a:off x="9048750" y="3727946"/>
+                      <a:ext cx="1070113" cy="369748"/>
+                    </a:xfrm>
+                    <a:prstGeom prst="rect">
+                      <a:avLst/>
+                    </a:prstGeom>
+                    <a:ln w="28575">
+                      <a:solidFill>
+                        <a:srgbClr val="00B0F0"/>
+                      </a:solidFill>
+                    </a:ln>
+                  </p:spPr>
+                  <p:style>
+                    <a:lnRef idx="2">
+                      <a:schemeClr val="accent2"/>
+                    </a:lnRef>
+                    <a:fillRef idx="1">
+                      <a:schemeClr val="lt1"/>
+                    </a:fillRef>
+                    <a:effectRef idx="0">
+                      <a:schemeClr val="accent2"/>
+                    </a:effectRef>
+                    <a:fontRef idx="minor">
+                      <a:schemeClr val="dk1"/>
+                    </a:fontRef>
+                  </p:style>
+                  <p:txBody>
+                    <a:bodyPr rtlCol="0" anchor="ctr"/>
+                    <a:lstStyle/>
+                    <a:p>
+                      <a:pPr algn="ctr"/>
+                      <a:r>
+                        <a:rPr lang="en-US" altLang="ko-KR" sz="1200" dirty="0"/>
+                        <a:t>app=node</a:t>
+                      </a:r>
+                      <a:endParaRPr lang="ko-KR" altLang="en-US" sz="1200" dirty="0"/>
+                    </a:p>
+                  </p:txBody>
+                </p:sp>
+              </p:grpSp>
+              <p:sp>
+                <p:nvSpPr>
+                  <p:cNvPr id="44" name="직사각형 43">
+                    <a:extLst>
+                      <a:ext uri="{FF2B5EF4-FFF2-40B4-BE49-F238E27FC236}">
+                        <a16:creationId xmlns:a16="http://schemas.microsoft.com/office/drawing/2014/main" id="{DE1B9F89-ABF7-196B-9F09-03F70EB411CC}"/>
+                      </a:ext>
+                    </a:extLst>
+                  </p:cNvPr>
+                  <p:cNvSpPr/>
+                  <p:nvPr/>
+                </p:nvSpPr>
+                <p:spPr>
+                  <a:xfrm>
+                    <a:off x="4561609" y="1168965"/>
+                    <a:ext cx="1133764" cy="3593718"/>
+                  </a:xfrm>
+                  <a:prstGeom prst="rect">
+                    <a:avLst/>
+                  </a:prstGeom>
+                  <a:ln w="19050">
+                    <a:solidFill>
+                      <a:schemeClr val="accent1"/>
+                    </a:solidFill>
+                  </a:ln>
+                </p:spPr>
+                <p:style>
+                  <a:lnRef idx="2">
+                    <a:schemeClr val="accent2"/>
+                  </a:lnRef>
+                  <a:fillRef idx="1">
+                    <a:schemeClr val="lt1"/>
+                  </a:fillRef>
+                  <a:effectRef idx="0">
+                    <a:schemeClr val="accent2"/>
+                  </a:effectRef>
+                  <a:fontRef idx="minor">
+                    <a:schemeClr val="dk1"/>
+                  </a:fontRef>
+                </p:style>
+                <p:txBody>
+                  <a:bodyPr rtlCol="0" anchor="ctr"/>
+                  <a:lstStyle/>
+                  <a:p>
+                    <a:pPr algn="ctr"/>
+                    <a:r>
+                      <a:rPr lang="en-US" altLang="ko-KR" sz="1200" dirty="0"/>
+                      <a:t>endpoints</a:t>
+                    </a:r>
+                  </a:p>
+                  <a:p>
+                    <a:pPr algn="ctr"/>
+                    <a:endParaRPr lang="en-US" altLang="ko-KR" sz="1200" dirty="0"/>
+                  </a:p>
+                  <a:p>
+                    <a:pPr algn="ctr"/>
+                    <a:r>
+                      <a:rPr lang="en-US" altLang="ko-KR" sz="900" dirty="0"/>
+                      <a:t>[ 172.17.0.3, 172.17.0.4, 172.17.0.5]</a:t>
+                    </a:r>
+                    <a:endParaRPr lang="ko-KR" altLang="en-US" sz="900" dirty="0"/>
+                  </a:p>
+                </p:txBody>
+              </p:sp>
+              <p:cxnSp>
+                <p:nvCxnSpPr>
+                  <p:cNvPr id="53" name="연결선: 꺾임 52">
+                    <a:extLst>
+                      <a:ext uri="{FF2B5EF4-FFF2-40B4-BE49-F238E27FC236}">
+                        <a16:creationId xmlns:a16="http://schemas.microsoft.com/office/drawing/2014/main" id="{CC39E8FF-0675-5E61-FDF0-27C1AF9F15E8}"/>
+                      </a:ext>
+                    </a:extLst>
+                  </p:cNvPr>
+                  <p:cNvCxnSpPr>
+                    <a:cxnSpLocks/>
+                    <a:stCxn id="30" idx="3"/>
+                    <a:endCxn id="35" idx="3"/>
+                  </p:cNvCxnSpPr>
+                  <p:nvPr/>
+                </p:nvCxnSpPr>
+                <p:spPr>
+                  <a:xfrm flipV="1">
+                    <a:off x="8331702" y="1833953"/>
+                    <a:ext cx="12700" cy="2928730"/>
+                  </a:xfrm>
+                  <a:prstGeom prst="bentConnector3">
+                    <a:avLst>
+                      <a:gd name="adj1" fmla="val 13581819"/>
+                    </a:avLst>
+                  </a:prstGeom>
+                  <a:ln w="25400">
+                    <a:solidFill>
+                      <a:schemeClr val="bg1">
+                        <a:lumMod val="75000"/>
+                      </a:schemeClr>
+                    </a:solidFill>
+                    <a:prstDash val="dash"/>
+                    <a:headEnd type="arrow"/>
+                    <a:tailEnd type="triangle"/>
+                  </a:ln>
+                </p:spPr>
+                <p:style>
+                  <a:lnRef idx="1">
+                    <a:schemeClr val="accent1"/>
+                  </a:lnRef>
+                  <a:fillRef idx="0">
+                    <a:schemeClr val="accent1"/>
+                  </a:fillRef>
+                  <a:effectRef idx="0">
+                    <a:schemeClr val="accent1"/>
+                  </a:effectRef>
+                  <a:fontRef idx="minor">
+                    <a:schemeClr val="tx1"/>
+                  </a:fontRef>
+                </p:style>
+              </p:cxnSp>
+              <p:cxnSp>
+                <p:nvCxnSpPr>
+                  <p:cNvPr id="58" name="직선 화살표 연결선 57">
+                    <a:extLst>
+                      <a:ext uri="{FF2B5EF4-FFF2-40B4-BE49-F238E27FC236}">
+                        <a16:creationId xmlns:a16="http://schemas.microsoft.com/office/drawing/2014/main" id="{F6D314DF-711F-2E36-F967-21644CB58CA4}"/>
+                      </a:ext>
+                    </a:extLst>
+                  </p:cNvPr>
+                  <p:cNvCxnSpPr>
+                    <a:cxnSpLocks/>
+                  </p:cNvCxnSpPr>
+                  <p:nvPr/>
+                </p:nvCxnSpPr>
+                <p:spPr>
+                  <a:xfrm flipH="1">
+                    <a:off x="8331702" y="3298318"/>
+                    <a:ext cx="1726698" cy="0"/>
+                  </a:xfrm>
+                  <a:prstGeom prst="straightConnector1">
+                    <a:avLst/>
+                  </a:prstGeom>
+                  <a:ln w="22225">
+                    <a:solidFill>
+                      <a:schemeClr val="bg1">
+                        <a:lumMod val="75000"/>
+                      </a:schemeClr>
+                    </a:solidFill>
+                    <a:prstDash val="dash"/>
+                    <a:tailEnd type="triangle"/>
+                  </a:ln>
+                </p:spPr>
+                <p:style>
+                  <a:lnRef idx="1">
+                    <a:schemeClr val="accent1"/>
+                  </a:lnRef>
+                  <a:fillRef idx="0">
+                    <a:schemeClr val="accent1"/>
+                  </a:fillRef>
+                  <a:effectRef idx="0">
+                    <a:schemeClr val="accent1"/>
+                  </a:effectRef>
+                  <a:fontRef idx="minor">
+                    <a:schemeClr val="tx1"/>
+                  </a:fontRef>
+                </p:style>
+              </p:cxnSp>
+              <p:cxnSp>
+                <p:nvCxnSpPr>
+                  <p:cNvPr id="61" name="직선 화살표 연결선 60">
+                    <a:extLst>
+                      <a:ext uri="{FF2B5EF4-FFF2-40B4-BE49-F238E27FC236}">
+                        <a16:creationId xmlns:a16="http://schemas.microsoft.com/office/drawing/2014/main" id="{4201AEDB-BC2A-6791-8648-E33353974EB0}"/>
+                      </a:ext>
+                    </a:extLst>
+                  </p:cNvPr>
+                  <p:cNvCxnSpPr>
+                    <a:cxnSpLocks/>
+                    <a:stCxn id="44" idx="3"/>
+                    <a:endCxn id="31" idx="1"/>
+                  </p:cNvCxnSpPr>
+                  <p:nvPr/>
+                </p:nvCxnSpPr>
+                <p:spPr>
+                  <a:xfrm flipV="1">
+                    <a:off x="5695373" y="2955351"/>
+                    <a:ext cx="1632479" cy="10473"/>
+                  </a:xfrm>
+                  <a:prstGeom prst="straightConnector1">
+                    <a:avLst/>
+                  </a:prstGeom>
+                  <a:ln w="22225">
+                    <a:solidFill>
+                      <a:srgbClr val="FFC000"/>
+                    </a:solidFill>
+                    <a:prstDash val="dash"/>
+                    <a:tailEnd type="triangle"/>
+                  </a:ln>
+                </p:spPr>
+                <p:style>
+                  <a:lnRef idx="1">
+                    <a:schemeClr val="accent1"/>
+                  </a:lnRef>
+                  <a:fillRef idx="0">
+                    <a:schemeClr val="accent1"/>
+                  </a:fillRef>
+                  <a:effectRef idx="0">
+                    <a:schemeClr val="accent1"/>
+                  </a:effectRef>
+                  <a:fontRef idx="minor">
+                    <a:schemeClr val="tx1"/>
+                  </a:fontRef>
+                </p:style>
+              </p:cxnSp>
+            </p:grpSp>
+            <p:sp>
+              <p:nvSpPr>
+                <p:cNvPr id="81" name="직사각형 80">
+                  <a:extLst>
+                    <a:ext uri="{FF2B5EF4-FFF2-40B4-BE49-F238E27FC236}">
+                      <a16:creationId xmlns:a16="http://schemas.microsoft.com/office/drawing/2014/main" id="{67F3772F-1755-B0BB-154C-5242197A4C0C}"/>
+                    </a:ext>
+                  </a:extLst>
+                </p:cNvPr>
+                <p:cNvSpPr/>
+                <p:nvPr/>
+              </p:nvSpPr>
+              <p:spPr>
+                <a:xfrm>
+                  <a:off x="2995393" y="1327052"/>
+                  <a:ext cx="1133764" cy="646538"/>
+                </a:xfrm>
+                <a:prstGeom prst="rect">
+                  <a:avLst/>
+                </a:prstGeom>
+                <a:ln/>
+              </p:spPr>
+              <p:style>
+                <a:lnRef idx="2">
+                  <a:schemeClr val="accent5">
+                    <a:shade val="50000"/>
+                  </a:schemeClr>
+                </a:lnRef>
+                <a:fillRef idx="1">
+                  <a:schemeClr val="accent5"/>
+                </a:fillRef>
+                <a:effectRef idx="0">
+                  <a:schemeClr val="accent5"/>
+                </a:effectRef>
+                <a:fontRef idx="minor">
+                  <a:schemeClr val="lt1"/>
+                </a:fontRef>
+              </p:style>
+              <p:txBody>
+                <a:bodyPr rtlCol="0" anchor="ctr"/>
+                <a:lstStyle/>
+                <a:p>
+                  <a:pPr algn="ctr"/>
+                  <a:r>
+                    <a:rPr lang="en-US" altLang="ko-KR" sz="1000" dirty="0"/>
+                    <a:t>selector</a:t>
+                  </a:r>
+                </a:p>
+                <a:p>
+                  <a:pPr algn="ctr"/>
+                  <a:r>
+                    <a:rPr lang="en-US" altLang="ko-KR" sz="1000" dirty="0"/>
+                    <a:t>[app=node]</a:t>
+                  </a:r>
+                </a:p>
+              </p:txBody>
+            </p:sp>
+            <p:cxnSp>
+              <p:nvCxnSpPr>
+                <p:cNvPr id="82" name="직선 화살표 연결선 81">
+                  <a:extLst>
+                    <a:ext uri="{FF2B5EF4-FFF2-40B4-BE49-F238E27FC236}">
+                      <a16:creationId xmlns:a16="http://schemas.microsoft.com/office/drawing/2014/main" id="{051B8833-C503-CAD5-68B7-3F2D73AB408D}"/>
+                    </a:ext>
+                  </a:extLst>
+                </p:cNvPr>
+                <p:cNvCxnSpPr>
+                  <a:cxnSpLocks/>
+                </p:cNvCxnSpPr>
+                <p:nvPr/>
+              </p:nvCxnSpPr>
+              <p:spPr>
+                <a:xfrm>
+                  <a:off x="4147670" y="1650321"/>
+                  <a:ext cx="405474" cy="0"/>
+                </a:xfrm>
+                <a:prstGeom prst="straightConnector1">
+                  <a:avLst/>
+                </a:prstGeom>
+                <a:ln w="22225">
+                  <a:solidFill>
+                    <a:schemeClr val="bg1"/>
+                  </a:solidFill>
+                  <a:prstDash val="dash"/>
+                  <a:tailEnd type="triangle"/>
+                </a:ln>
+              </p:spPr>
+              <p:style>
+                <a:lnRef idx="1">
+                  <a:schemeClr val="accent1"/>
+                </a:lnRef>
+                <a:fillRef idx="0">
+                  <a:schemeClr val="accent1"/>
+                </a:fillRef>
+                <a:effectRef idx="0">
+                  <a:schemeClr val="accent1"/>
+                </a:effectRef>
+                <a:fontRef idx="minor">
+                  <a:schemeClr val="tx1"/>
+                </a:fontRef>
+              </p:style>
+            </p:cxnSp>
+          </p:grpSp>
+          <p:sp>
+            <p:nvSpPr>
+              <p:cNvPr id="3" name="직사각형 2">
+                <a:extLst>
+                  <a:ext uri="{FF2B5EF4-FFF2-40B4-BE49-F238E27FC236}">
+                    <a16:creationId xmlns:a16="http://schemas.microsoft.com/office/drawing/2014/main" id="{C1384DC0-17F5-1C33-1000-71FEE34E7AA8}"/>
+                  </a:ext>
+                </a:extLst>
+              </p:cNvPr>
+              <p:cNvSpPr/>
+              <p:nvPr/>
+            </p:nvSpPr>
+            <p:spPr>
+              <a:xfrm>
+                <a:off x="2216814" y="5493209"/>
+                <a:ext cx="1176179" cy="279274"/>
+              </a:xfrm>
+              <a:prstGeom prst="rect">
+                <a:avLst/>
+              </a:prstGeom>
+              <a:noFill/>
+              <a:ln w="9525" cap="flat" cmpd="sng" algn="ctr">
+                <a:noFill/>
+                <a:prstDash val="solid"/>
+                <a:round/>
+                <a:headEnd type="none" w="med" len="med"/>
+                <a:tailEnd type="none" w="med" len="med"/>
+              </a:ln>
+            </p:spPr>
+            <p:style>
+              <a:lnRef idx="0">
+                <a:scrgbClr r="0" g="0" b="0"/>
+              </a:lnRef>
+              <a:fillRef idx="0">
+                <a:scrgbClr r="0" g="0" b="0"/>
+              </a:fillRef>
+              <a:effectRef idx="0">
+                <a:scrgbClr r="0" g="0" b="0"/>
+              </a:effectRef>
+              <a:fontRef idx="minor">
+                <a:schemeClr val="accent1"/>
+              </a:fontRef>
+            </p:style>
+            <p:txBody>
+              <a:bodyPr rtlCol="0" anchor="ctr"/>
+              <a:lstStyle/>
+              <a:p>
+                <a:pPr algn="ctr"/>
+                <a:r>
+                  <a:rPr lang="en-US" altLang="ko-KR" sz="1200" b="1" dirty="0">
+                    <a:solidFill>
+                      <a:schemeClr val="bg1"/>
+                    </a:solidFill>
+                    <a:effectLst/>
+                    <a:latin typeface="Consolas" panose="020B0609020204030204" pitchFamily="49" charset="0"/>
+                  </a:rPr>
+                  <a:t>10.0.1.0:80</a:t>
+                </a:r>
+                <a:endParaRPr lang="en-US" altLang="ko-KR" sz="1200" b="0" dirty="0">
+                  <a:solidFill>
+                    <a:schemeClr val="bg1">
+                      <a:lumMod val="65000"/>
+                    </a:schemeClr>
+                  </a:solidFill>
+                  <a:effectLst/>
+                  <a:latin typeface="Consolas" panose="020B0609020204030204" pitchFamily="49" charset="0"/>
+                </a:endParaRPr>
+              </a:p>
+            </p:txBody>
+          </p:sp>
+          <p:cxnSp>
+            <p:nvCxnSpPr>
+              <p:cNvPr id="4" name="연결선: 꺾임 3">
+                <a:extLst>
+                  <a:ext uri="{FF2B5EF4-FFF2-40B4-BE49-F238E27FC236}">
+                    <a16:creationId xmlns:a16="http://schemas.microsoft.com/office/drawing/2014/main" id="{A7DD693C-EEA1-A650-3C3B-8B3D60E23F36}"/>
+                  </a:ext>
+                </a:extLst>
+              </p:cNvPr>
+              <p:cNvCxnSpPr>
+                <a:cxnSpLocks/>
+                <a:stCxn id="3" idx="3"/>
+                <a:endCxn id="14" idx="2"/>
+              </p:cNvCxnSpPr>
+              <p:nvPr/>
+            </p:nvCxnSpPr>
+            <p:spPr>
+              <a:xfrm flipV="1">
+                <a:off x="3392993" y="4926612"/>
+                <a:ext cx="573705" cy="706234"/>
+              </a:xfrm>
+              <a:prstGeom prst="bentConnector2">
+                <a:avLst/>
+              </a:prstGeom>
+              <a:ln w="25400">
+                <a:solidFill>
+                  <a:schemeClr val="bg1"/>
+                </a:solidFill>
+                <a:prstDash val="dash"/>
+                <a:headEnd type="arrow"/>
+                <a:tailEnd type="triangle"/>
+              </a:ln>
+            </p:spPr>
+            <p:style>
+              <a:lnRef idx="1">
+                <a:schemeClr val="accent1"/>
+              </a:lnRef>
+              <a:fillRef idx="0">
+                <a:schemeClr val="accent1"/>
+              </a:fillRef>
+              <a:effectRef idx="0">
+                <a:schemeClr val="accent1"/>
+              </a:effectRef>
+              <a:fontRef idx="minor">
+                <a:schemeClr val="tx1"/>
+              </a:fontRef>
+            </p:style>
+          </p:cxnSp>
+        </p:grpSp>
+        <p:sp>
+          <p:nvSpPr>
+            <p:cNvPr id="5" name="직사각형 4">
+              <a:extLst>
+                <a:ext uri="{FF2B5EF4-FFF2-40B4-BE49-F238E27FC236}">
+                  <a16:creationId xmlns:a16="http://schemas.microsoft.com/office/drawing/2014/main" id="{A1535B18-717E-ED6F-62FB-161B3A980993}"/>
+                </a:ext>
+              </a:extLst>
+            </p:cNvPr>
+            <p:cNvSpPr/>
+            <p:nvPr/>
+          </p:nvSpPr>
+          <p:spPr>
+            <a:xfrm>
+              <a:off x="158573" y="3727946"/>
+              <a:ext cx="1401322" cy="2460419"/>
             </a:xfrm>
             <a:prstGeom prst="rect">
               <a:avLst/>
             </a:prstGeom>
             <a:solidFill>
-              <a:schemeClr val="tx1">
+              <a:srgbClr val="0070C0"/>
+            </a:solidFill>
+          </p:spPr>
+          <p:style>
+            <a:lnRef idx="2">
+              <a:schemeClr val="accent2">
+                <a:shade val="50000"/>
+              </a:schemeClr>
+            </a:lnRef>
+            <a:fillRef idx="1">
+              <a:schemeClr val="accent2"/>
+            </a:fillRef>
+            <a:effectRef idx="0">
+              <a:schemeClr val="accent2"/>
+            </a:effectRef>
+            <a:fontRef idx="minor">
+              <a:schemeClr val="lt1"/>
+            </a:fontRef>
+          </p:style>
+          <p:txBody>
+            <a:bodyPr rtlCol="0" anchor="ctr"/>
+            <a:lstStyle/>
+            <a:p>
+              <a:pPr algn="ctr"/>
+              <a:r>
+                <a:rPr lang="en-US" altLang="ko-KR" sz="1400" b="1" dirty="0">
+                  <a:latin typeface="Consolas" panose="020B0609020204030204" pitchFamily="49" charset="0"/>
+                </a:rPr>
+                <a:t>Cloud</a:t>
+              </a:r>
+              <a:endParaRPr lang="ko-KR" altLang="en-US" sz="1400" b="1" dirty="0">
+                <a:latin typeface="Consolas" panose="020B0609020204030204" pitchFamily="49" charset="0"/>
+              </a:endParaRPr>
+            </a:p>
+          </p:txBody>
+        </p:sp>
+        <p:sp>
+          <p:nvSpPr>
+            <p:cNvPr id="6" name="직사각형 5">
+              <a:extLst>
+                <a:ext uri="{FF2B5EF4-FFF2-40B4-BE49-F238E27FC236}">
+                  <a16:creationId xmlns:a16="http://schemas.microsoft.com/office/drawing/2014/main" id="{54E81BBA-6AD8-5C89-2DF7-24E6890375F6}"/>
+                </a:ext>
+              </a:extLst>
+            </p:cNvPr>
+            <p:cNvSpPr/>
+            <p:nvPr/>
+          </p:nvSpPr>
+          <p:spPr>
+            <a:xfrm>
+              <a:off x="554183" y="5465256"/>
+              <a:ext cx="1737158" cy="340269"/>
+            </a:xfrm>
+            <a:prstGeom prst="rect">
+              <a:avLst/>
+            </a:prstGeom>
+            <a:solidFill>
+              <a:srgbClr val="FF0000"/>
+            </a:solidFill>
+            <a:ln/>
+          </p:spPr>
+          <p:style>
+            <a:lnRef idx="2">
+              <a:schemeClr val="accent5">
+                <a:shade val="50000"/>
+              </a:schemeClr>
+            </a:lnRef>
+            <a:fillRef idx="1">
+              <a:schemeClr val="accent5"/>
+            </a:fillRef>
+            <a:effectRef idx="0">
+              <a:schemeClr val="accent5"/>
+            </a:effectRef>
+            <a:fontRef idx="minor">
+              <a:schemeClr val="lt1"/>
+            </a:fontRef>
+          </p:style>
+          <p:txBody>
+            <a:bodyPr rtlCol="0" anchor="ctr"/>
+            <a:lstStyle/>
+            <a:p>
+              <a:pPr algn="ctr"/>
+              <a:r>
+                <a:rPr lang="en-US" altLang="ko-KR" sz="1000" dirty="0" err="1"/>
+                <a:t>LoadBalancer</a:t>
+              </a:r>
+              <a:endParaRPr lang="en-US" altLang="ko-KR" sz="1000" dirty="0"/>
+            </a:p>
+          </p:txBody>
+        </p:sp>
+        <p:sp>
+          <p:nvSpPr>
+            <p:cNvPr id="66" name="직사각형 65">
+              <a:extLst>
+                <a:ext uri="{FF2B5EF4-FFF2-40B4-BE49-F238E27FC236}">
+                  <a16:creationId xmlns:a16="http://schemas.microsoft.com/office/drawing/2014/main" id="{F9390388-3A12-F771-0880-55F30F9A67F3}"/>
+                </a:ext>
+              </a:extLst>
+            </p:cNvPr>
+            <p:cNvSpPr/>
+            <p:nvPr/>
+          </p:nvSpPr>
+          <p:spPr>
+            <a:xfrm>
+              <a:off x="291202" y="4177690"/>
+              <a:ext cx="1176179" cy="279274"/>
+            </a:xfrm>
+            <a:prstGeom prst="rect">
+              <a:avLst/>
+            </a:prstGeom>
+            <a:noFill/>
+            <a:ln w="9525" cap="flat" cmpd="sng" algn="ctr">
+              <a:noFill/>
+              <a:prstDash val="solid"/>
+              <a:round/>
+              <a:headEnd type="none" w="med" len="med"/>
+              <a:tailEnd type="none" w="med" len="med"/>
+            </a:ln>
+          </p:spPr>
+          <p:style>
+            <a:lnRef idx="0">
+              <a:scrgbClr r="0" g="0" b="0"/>
+            </a:lnRef>
+            <a:fillRef idx="0">
+              <a:scrgbClr r="0" g="0" b="0"/>
+            </a:fillRef>
+            <a:effectRef idx="0">
+              <a:scrgbClr r="0" g="0" b="0"/>
+            </a:effectRef>
+            <a:fontRef idx="minor">
+              <a:schemeClr val="accent1"/>
+            </a:fontRef>
+          </p:style>
+          <p:txBody>
+            <a:bodyPr rtlCol="0" anchor="ctr"/>
+            <a:lstStyle/>
+            <a:p>
+              <a:pPr algn="ctr"/>
+              <a:r>
+                <a:rPr lang="en-US" altLang="ko-KR" sz="1200" b="1" dirty="0">
+                  <a:solidFill>
+                    <a:schemeClr val="bg1"/>
+                  </a:solidFill>
+                  <a:effectLst/>
+                  <a:latin typeface="Consolas" panose="020B0609020204030204" pitchFamily="49" charset="0"/>
+                </a:rPr>
+                <a:t>242.12.2.62</a:t>
+              </a:r>
+              <a:endParaRPr lang="en-US" altLang="ko-KR" sz="1200" b="0" dirty="0">
+                <a:solidFill>
+                  <a:schemeClr val="bg1">
+                    <a:lumMod val="65000"/>
+                  </a:schemeClr>
+                </a:solidFill>
+                <a:effectLst/>
+                <a:latin typeface="Consolas" panose="020B0609020204030204" pitchFamily="49" charset="0"/>
+              </a:endParaRPr>
+            </a:p>
+          </p:txBody>
+        </p:sp>
+      </p:grpSp>
+    </p:spTree>
+    <p:extLst>
+      <p:ext uri="{BB962C8B-B14F-4D97-AF65-F5344CB8AC3E}">
+        <p14:creationId xmlns:p14="http://schemas.microsoft.com/office/powerpoint/2010/main" val="2666416942"/>
+      </p:ext>
+    </p:extLst>
+  </p:cSld>
+  <p:clrMapOvr>
+    <a:masterClrMapping/>
+  </p:clrMapOvr>
+</p:sld>
+</file>
+
+<file path=ppt/slides/slide16.xml><?xml version="1.0" encoding="utf-8"?>
+<p:sld xmlns:a="http://schemas.openxmlformats.org/drawingml/2006/main" xmlns:r="http://schemas.openxmlformats.org/officeDocument/2006/relationships" xmlns:p="http://schemas.openxmlformats.org/presentationml/2006/main">
+  <p:cSld>
+    <p:spTree>
+      <p:nvGrpSpPr>
+        <p:cNvPr id="1" name=""/>
+        <p:cNvGrpSpPr/>
+        <p:nvPr/>
+      </p:nvGrpSpPr>
+      <p:grpSpPr>
+        <a:xfrm>
+          <a:off x="0" y="0"/>
+          <a:ext cx="0" cy="0"/>
+          <a:chOff x="0" y="0"/>
+          <a:chExt cx="0" cy="0"/>
+        </a:xfrm>
+      </p:grpSpPr>
+      <p:sp>
+        <p:nvSpPr>
+          <p:cNvPr id="2" name="TextBox 1">
+            <a:extLst>
+              <a:ext uri="{FF2B5EF4-FFF2-40B4-BE49-F238E27FC236}">
+                <a16:creationId xmlns:a16="http://schemas.microsoft.com/office/drawing/2014/main" id="{AF53483D-1A80-C107-D3AB-6901351F1D3F}"/>
+              </a:ext>
+            </a:extLst>
+          </p:cNvPr>
+          <p:cNvSpPr txBox="1"/>
+          <p:nvPr/>
+        </p:nvSpPr>
+        <p:spPr>
+          <a:xfrm>
+            <a:off x="10388600" y="6596390"/>
+            <a:ext cx="1803400" cy="261610"/>
+          </a:xfrm>
+          <a:prstGeom prst="rect">
+            <a:avLst/>
+          </a:prstGeom>
+          <a:noFill/>
+        </p:spPr>
+        <p:txBody>
+          <a:bodyPr wrap="square" rtlCol="0">
+            <a:spAutoFit/>
+          </a:bodyPr>
+          <a:lstStyle/>
+          <a:p>
+            <a:pPr algn="r"/>
+            <a:r>
+              <a:rPr lang="en-US" altLang="ko-KR" sz="1100" dirty="0"/>
+              <a:t>Kim0lil/80700</a:t>
+            </a:r>
+            <a:endParaRPr lang="ko-KR" altLang="en-US" sz="1100" dirty="0"/>
+          </a:p>
+        </p:txBody>
+      </p:sp>
+      <p:grpSp>
+        <p:nvGrpSpPr>
+          <p:cNvPr id="131" name="그룹 130">
+            <a:extLst>
+              <a:ext uri="{FF2B5EF4-FFF2-40B4-BE49-F238E27FC236}">
+                <a16:creationId xmlns:a16="http://schemas.microsoft.com/office/drawing/2014/main" id="{D2164D35-51D0-12CE-A371-D5632675AA74}"/>
+              </a:ext>
+            </a:extLst>
+          </p:cNvPr>
+          <p:cNvGrpSpPr/>
+          <p:nvPr/>
+        </p:nvGrpSpPr>
+        <p:grpSpPr>
+          <a:xfrm>
+            <a:off x="2851086" y="455708"/>
+            <a:ext cx="6320626" cy="5747384"/>
+            <a:chOff x="2851086" y="455708"/>
+            <a:chExt cx="6320626" cy="5747384"/>
+          </a:xfrm>
+        </p:grpSpPr>
+        <p:sp>
+          <p:nvSpPr>
+            <p:cNvPr id="100" name="직사각형 99">
+              <a:extLst>
+                <a:ext uri="{FF2B5EF4-FFF2-40B4-BE49-F238E27FC236}">
+                  <a16:creationId xmlns:a16="http://schemas.microsoft.com/office/drawing/2014/main" id="{57C465FB-49CF-461B-4FA0-9C95280030DE}"/>
+                </a:ext>
+              </a:extLst>
+            </p:cNvPr>
+            <p:cNvSpPr/>
+            <p:nvPr/>
+          </p:nvSpPr>
+          <p:spPr>
+            <a:xfrm>
+              <a:off x="5902038" y="455708"/>
+              <a:ext cx="2207491" cy="560291"/>
+            </a:xfrm>
+            <a:prstGeom prst="rect">
+              <a:avLst/>
+            </a:prstGeom>
+            <a:solidFill>
+              <a:schemeClr val="accent1">
                 <a:lumMod val="75000"/>
-                <a:lumOff val="25000"/>
               </a:schemeClr>
             </a:solidFill>
             <a:ln w="9525" cap="flat" cmpd="sng" algn="ctr">
@@ -7651,7 +12469,7 @@
             </a:fontRef>
           </p:style>
           <p:txBody>
-            <a:bodyPr rtlCol="0" anchor="b"/>
+            <a:bodyPr rtlCol="0" anchor="ctr"/>
             <a:lstStyle/>
             <a:p>
               <a:pPr algn="ctr"/>
@@ -7663,28 +12481,32 @@
                   <a:effectLst/>
                   <a:latin typeface="Consolas" panose="020B0609020204030204" pitchFamily="49" charset="0"/>
                 </a:rPr>
-                <a:t>Node </a:t>
+                <a:t>Pod </a:t>
               </a:r>
               <a:r>
-                <a:rPr lang="en-US" altLang="ko-KR" b="1" dirty="0">
+                <a:rPr lang="en-US" altLang="ko-KR" b="0" dirty="0">
+                  <a:solidFill>
+                    <a:srgbClr val="D4D4D4"/>
+                  </a:solidFill>
+                  <a:effectLst/>
+                  <a:latin typeface="Consolas" panose="020B0609020204030204" pitchFamily="49" charset="0"/>
+                </a:rPr>
+                <a:t>(1.0.0</a:t>
+              </a:r>
+              <a:r>
+                <a:rPr lang="en-US" altLang="ko-KR" dirty="0">
                   <a:solidFill>
                     <a:schemeClr val="bg1">
                       <a:lumMod val="65000"/>
                     </a:schemeClr>
                   </a:solidFill>
-                  <a:effectLst/>
                   <a:latin typeface="Consolas" panose="020B0609020204030204" pitchFamily="49" charset="0"/>
                 </a:rPr>
-                <a:t>(Master)</a:t>
+                <a:t>)</a:t>
               </a:r>
-            </a:p>
-            <a:p>
-              <a:pPr algn="ctr"/>
               <a:endParaRPr lang="en-US" altLang="ko-KR" b="0" dirty="0">
                 <a:solidFill>
-                  <a:schemeClr val="bg1">
-                    <a:lumMod val="65000"/>
-                  </a:schemeClr>
+                  <a:srgbClr val="D4D4D4"/>
                 </a:solidFill>
                 <a:effectLst/>
                 <a:latin typeface="Consolas" panose="020B0609020204030204" pitchFamily="49" charset="0"/>
@@ -7694,10 +12516,10 @@
         </p:sp>
         <p:sp>
           <p:nvSpPr>
-            <p:cNvPr id="14" name="직사각형 13">
+            <p:cNvPr id="103" name="직사각형 102">
               <a:extLst>
                 <a:ext uri="{FF2B5EF4-FFF2-40B4-BE49-F238E27FC236}">
-                  <a16:creationId xmlns:a16="http://schemas.microsoft.com/office/drawing/2014/main" id="{473371C5-0642-C9DE-13EC-762878111D67}"/>
+                  <a16:creationId xmlns:a16="http://schemas.microsoft.com/office/drawing/2014/main" id="{A25001DA-E8E6-E3B9-5D9D-FAFCB3D3313A}"/>
                 </a:ext>
               </a:extLst>
             </p:cNvPr>
@@ -7706,8 +12528,8 @@
           </p:nvSpPr>
           <p:spPr>
             <a:xfrm>
-              <a:off x="2804904" y="984090"/>
-              <a:ext cx="2323587" cy="3942522"/>
+              <a:off x="2851086" y="828217"/>
+              <a:ext cx="1231387" cy="4871765"/>
             </a:xfrm>
             <a:prstGeom prst="rect">
               <a:avLst/>
@@ -7746,35 +12568,554 @@
             </a:p>
           </p:txBody>
         </p:sp>
+        <p:sp>
+          <p:nvSpPr>
+            <p:cNvPr id="106" name="직사각형 105">
+              <a:extLst>
+                <a:ext uri="{FF2B5EF4-FFF2-40B4-BE49-F238E27FC236}">
+                  <a16:creationId xmlns:a16="http://schemas.microsoft.com/office/drawing/2014/main" id="{9C584FB8-0DF6-1D4C-848D-37F88042B1BF}"/>
+                </a:ext>
+              </a:extLst>
+            </p:cNvPr>
+            <p:cNvSpPr/>
+            <p:nvPr/>
+          </p:nvSpPr>
+          <p:spPr>
+            <a:xfrm>
+              <a:off x="5902038" y="1157672"/>
+              <a:ext cx="2207491" cy="560291"/>
+            </a:xfrm>
+            <a:prstGeom prst="rect">
+              <a:avLst/>
+            </a:prstGeom>
+            <a:solidFill>
+              <a:schemeClr val="accent1">
+                <a:lumMod val="75000"/>
+              </a:schemeClr>
+            </a:solidFill>
+            <a:ln w="9525" cap="flat" cmpd="sng" algn="ctr">
+              <a:solidFill>
+                <a:schemeClr val="accent1"/>
+              </a:solidFill>
+              <a:prstDash val="solid"/>
+              <a:round/>
+              <a:headEnd type="none" w="med" len="med"/>
+              <a:tailEnd type="none" w="med" len="med"/>
+            </a:ln>
+          </p:spPr>
+          <p:style>
+            <a:lnRef idx="0">
+              <a:scrgbClr r="0" g="0" b="0"/>
+            </a:lnRef>
+            <a:fillRef idx="0">
+              <a:scrgbClr r="0" g="0" b="0"/>
+            </a:fillRef>
+            <a:effectRef idx="0">
+              <a:scrgbClr r="0" g="0" b="0"/>
+            </a:effectRef>
+            <a:fontRef idx="minor">
+              <a:schemeClr val="accent1"/>
+            </a:fontRef>
+          </p:style>
+          <p:txBody>
+            <a:bodyPr rtlCol="0" anchor="ctr"/>
+            <a:lstStyle/>
+            <a:p>
+              <a:pPr algn="ctr"/>
+              <a:r>
+                <a:rPr lang="en-US" altLang="ko-KR" b="1" dirty="0">
+                  <a:solidFill>
+                    <a:schemeClr val="bg1"/>
+                  </a:solidFill>
+                  <a:effectLst/>
+                  <a:latin typeface="Consolas" panose="020B0609020204030204" pitchFamily="49" charset="0"/>
+                </a:rPr>
+                <a:t>Pod </a:t>
+              </a:r>
+              <a:r>
+                <a:rPr lang="en-US" altLang="ko-KR" b="0" dirty="0">
+                  <a:solidFill>
+                    <a:srgbClr val="D4D4D4"/>
+                  </a:solidFill>
+                  <a:effectLst/>
+                  <a:latin typeface="Consolas" panose="020B0609020204030204" pitchFamily="49" charset="0"/>
+                </a:rPr>
+                <a:t>(1.0.0</a:t>
+              </a:r>
+              <a:r>
+                <a:rPr lang="en-US" altLang="ko-KR" dirty="0">
+                  <a:solidFill>
+                    <a:schemeClr val="bg1">
+                      <a:lumMod val="65000"/>
+                    </a:schemeClr>
+                  </a:solidFill>
+                  <a:latin typeface="Consolas" panose="020B0609020204030204" pitchFamily="49" charset="0"/>
+                </a:rPr>
+                <a:t>)</a:t>
+              </a:r>
+              <a:endParaRPr lang="en-US" altLang="ko-KR" b="0" dirty="0">
+                <a:solidFill>
+                  <a:srgbClr val="D4D4D4"/>
+                </a:solidFill>
+                <a:effectLst/>
+                <a:latin typeface="Consolas" panose="020B0609020204030204" pitchFamily="49" charset="0"/>
+              </a:endParaRPr>
+            </a:p>
+          </p:txBody>
+        </p:sp>
+        <p:sp>
+          <p:nvSpPr>
+            <p:cNvPr id="107" name="직사각형 106">
+              <a:extLst>
+                <a:ext uri="{FF2B5EF4-FFF2-40B4-BE49-F238E27FC236}">
+                  <a16:creationId xmlns:a16="http://schemas.microsoft.com/office/drawing/2014/main" id="{095850EC-FC3A-6CB9-098A-D88125880814}"/>
+                </a:ext>
+              </a:extLst>
+            </p:cNvPr>
+            <p:cNvSpPr/>
+            <p:nvPr/>
+          </p:nvSpPr>
+          <p:spPr>
+            <a:xfrm>
+              <a:off x="5902038" y="1859636"/>
+              <a:ext cx="2207491" cy="560291"/>
+            </a:xfrm>
+            <a:prstGeom prst="rect">
+              <a:avLst/>
+            </a:prstGeom>
+            <a:solidFill>
+              <a:schemeClr val="accent1">
+                <a:lumMod val="75000"/>
+              </a:schemeClr>
+            </a:solidFill>
+            <a:ln w="9525" cap="flat" cmpd="sng" algn="ctr">
+              <a:solidFill>
+                <a:schemeClr val="accent1"/>
+              </a:solidFill>
+              <a:prstDash val="solid"/>
+              <a:round/>
+              <a:headEnd type="none" w="med" len="med"/>
+              <a:tailEnd type="none" w="med" len="med"/>
+            </a:ln>
+          </p:spPr>
+          <p:style>
+            <a:lnRef idx="0">
+              <a:scrgbClr r="0" g="0" b="0"/>
+            </a:lnRef>
+            <a:fillRef idx="0">
+              <a:scrgbClr r="0" g="0" b="0"/>
+            </a:fillRef>
+            <a:effectRef idx="0">
+              <a:scrgbClr r="0" g="0" b="0"/>
+            </a:effectRef>
+            <a:fontRef idx="minor">
+              <a:schemeClr val="accent1"/>
+            </a:fontRef>
+          </p:style>
+          <p:txBody>
+            <a:bodyPr rtlCol="0" anchor="ctr"/>
+            <a:lstStyle/>
+            <a:p>
+              <a:pPr algn="ctr"/>
+              <a:r>
+                <a:rPr lang="en-US" altLang="ko-KR" b="1" dirty="0">
+                  <a:solidFill>
+                    <a:schemeClr val="bg1"/>
+                  </a:solidFill>
+                  <a:effectLst/>
+                  <a:latin typeface="Consolas" panose="020B0609020204030204" pitchFamily="49" charset="0"/>
+                </a:rPr>
+                <a:t>Pod </a:t>
+              </a:r>
+              <a:r>
+                <a:rPr lang="en-US" altLang="ko-KR" b="0" dirty="0">
+                  <a:solidFill>
+                    <a:srgbClr val="D4D4D4"/>
+                  </a:solidFill>
+                  <a:effectLst/>
+                  <a:latin typeface="Consolas" panose="020B0609020204030204" pitchFamily="49" charset="0"/>
+                </a:rPr>
+                <a:t>(1.0.0</a:t>
+              </a:r>
+              <a:r>
+                <a:rPr lang="en-US" altLang="ko-KR" dirty="0">
+                  <a:solidFill>
+                    <a:schemeClr val="bg1">
+                      <a:lumMod val="65000"/>
+                    </a:schemeClr>
+                  </a:solidFill>
+                  <a:latin typeface="Consolas" panose="020B0609020204030204" pitchFamily="49" charset="0"/>
+                </a:rPr>
+                <a:t>)</a:t>
+              </a:r>
+              <a:endParaRPr lang="en-US" altLang="ko-KR" b="0" dirty="0">
+                <a:solidFill>
+                  <a:srgbClr val="D4D4D4"/>
+                </a:solidFill>
+                <a:effectLst/>
+                <a:latin typeface="Consolas" panose="020B0609020204030204" pitchFamily="49" charset="0"/>
+              </a:endParaRPr>
+            </a:p>
+          </p:txBody>
+        </p:sp>
+        <p:sp>
+          <p:nvSpPr>
+            <p:cNvPr id="108" name="직사각형 107">
+              <a:extLst>
+                <a:ext uri="{FF2B5EF4-FFF2-40B4-BE49-F238E27FC236}">
+                  <a16:creationId xmlns:a16="http://schemas.microsoft.com/office/drawing/2014/main" id="{FA08F046-5F94-DB8A-8B05-68BB16ACA066}"/>
+                </a:ext>
+              </a:extLst>
+            </p:cNvPr>
+            <p:cNvSpPr/>
+            <p:nvPr/>
+          </p:nvSpPr>
+          <p:spPr>
+            <a:xfrm>
+              <a:off x="5902038" y="3863926"/>
+              <a:ext cx="2207491" cy="560291"/>
+            </a:xfrm>
+            <a:prstGeom prst="rect">
+              <a:avLst/>
+            </a:prstGeom>
+            <a:solidFill>
+              <a:srgbClr val="00B050"/>
+            </a:solidFill>
+            <a:ln w="9525" cap="flat" cmpd="sng" algn="ctr">
+              <a:solidFill>
+                <a:schemeClr val="accent1"/>
+              </a:solidFill>
+              <a:prstDash val="solid"/>
+              <a:round/>
+              <a:headEnd type="none" w="med" len="med"/>
+              <a:tailEnd type="none" w="med" len="med"/>
+            </a:ln>
+          </p:spPr>
+          <p:style>
+            <a:lnRef idx="0">
+              <a:scrgbClr r="0" g="0" b="0"/>
+            </a:lnRef>
+            <a:fillRef idx="0">
+              <a:scrgbClr r="0" g="0" b="0"/>
+            </a:fillRef>
+            <a:effectRef idx="0">
+              <a:scrgbClr r="0" g="0" b="0"/>
+            </a:effectRef>
+            <a:fontRef idx="minor">
+              <a:schemeClr val="accent1"/>
+            </a:fontRef>
+          </p:style>
+          <p:txBody>
+            <a:bodyPr rtlCol="0" anchor="ctr"/>
+            <a:lstStyle/>
+            <a:p>
+              <a:pPr algn="ctr"/>
+              <a:r>
+                <a:rPr lang="en-US" altLang="ko-KR" b="1" dirty="0">
+                  <a:solidFill>
+                    <a:schemeClr val="bg1"/>
+                  </a:solidFill>
+                  <a:effectLst/>
+                  <a:latin typeface="Consolas" panose="020B0609020204030204" pitchFamily="49" charset="0"/>
+                </a:rPr>
+                <a:t>Pod </a:t>
+              </a:r>
+              <a:r>
+                <a:rPr lang="en-US" altLang="ko-KR" b="0" dirty="0">
+                  <a:solidFill>
+                    <a:srgbClr val="D4D4D4"/>
+                  </a:solidFill>
+                  <a:effectLst/>
+                  <a:latin typeface="Consolas" panose="020B0609020204030204" pitchFamily="49" charset="0"/>
+                </a:rPr>
+                <a:t>(1.0.2</a:t>
+              </a:r>
+              <a:r>
+                <a:rPr lang="en-US" altLang="ko-KR" dirty="0">
+                  <a:solidFill>
+                    <a:schemeClr val="bg1">
+                      <a:lumMod val="65000"/>
+                    </a:schemeClr>
+                  </a:solidFill>
+                  <a:latin typeface="Consolas" panose="020B0609020204030204" pitchFamily="49" charset="0"/>
+                </a:rPr>
+                <a:t>)</a:t>
+              </a:r>
+              <a:endParaRPr lang="en-US" altLang="ko-KR" b="0" dirty="0">
+                <a:solidFill>
+                  <a:srgbClr val="D4D4D4"/>
+                </a:solidFill>
+                <a:effectLst/>
+                <a:latin typeface="Consolas" panose="020B0609020204030204" pitchFamily="49" charset="0"/>
+              </a:endParaRPr>
+            </a:p>
+          </p:txBody>
+        </p:sp>
+        <p:sp>
+          <p:nvSpPr>
+            <p:cNvPr id="109" name="직사각형 108">
+              <a:extLst>
+                <a:ext uri="{FF2B5EF4-FFF2-40B4-BE49-F238E27FC236}">
+                  <a16:creationId xmlns:a16="http://schemas.microsoft.com/office/drawing/2014/main" id="{41F71B48-5E53-035A-CEF7-66687557BC5A}"/>
+                </a:ext>
+              </a:extLst>
+            </p:cNvPr>
+            <p:cNvSpPr/>
+            <p:nvPr/>
+          </p:nvSpPr>
+          <p:spPr>
+            <a:xfrm>
+              <a:off x="5902038" y="4565890"/>
+              <a:ext cx="2207491" cy="560291"/>
+            </a:xfrm>
+            <a:prstGeom prst="rect">
+              <a:avLst/>
+            </a:prstGeom>
+            <a:solidFill>
+              <a:srgbClr val="00B050"/>
+            </a:solidFill>
+            <a:ln w="9525" cap="flat" cmpd="sng" algn="ctr">
+              <a:solidFill>
+                <a:schemeClr val="accent1"/>
+              </a:solidFill>
+              <a:prstDash val="solid"/>
+              <a:round/>
+              <a:headEnd type="none" w="med" len="med"/>
+              <a:tailEnd type="none" w="med" len="med"/>
+            </a:ln>
+          </p:spPr>
+          <p:style>
+            <a:lnRef idx="0">
+              <a:scrgbClr r="0" g="0" b="0"/>
+            </a:lnRef>
+            <a:fillRef idx="0">
+              <a:scrgbClr r="0" g="0" b="0"/>
+            </a:fillRef>
+            <a:effectRef idx="0">
+              <a:scrgbClr r="0" g="0" b="0"/>
+            </a:effectRef>
+            <a:fontRef idx="minor">
+              <a:schemeClr val="accent1"/>
+            </a:fontRef>
+          </p:style>
+          <p:txBody>
+            <a:bodyPr rtlCol="0" anchor="ctr"/>
+            <a:lstStyle/>
+            <a:p>
+              <a:pPr algn="ctr"/>
+              <a:r>
+                <a:rPr lang="en-US" altLang="ko-KR" b="1" dirty="0">
+                  <a:solidFill>
+                    <a:schemeClr val="bg1"/>
+                  </a:solidFill>
+                  <a:effectLst/>
+                  <a:latin typeface="Consolas" panose="020B0609020204030204" pitchFamily="49" charset="0"/>
+                </a:rPr>
+                <a:t>Pod </a:t>
+              </a:r>
+              <a:r>
+                <a:rPr lang="en-US" altLang="ko-KR" b="0" dirty="0">
+                  <a:solidFill>
+                    <a:srgbClr val="D4D4D4"/>
+                  </a:solidFill>
+                  <a:effectLst/>
+                  <a:latin typeface="Consolas" panose="020B0609020204030204" pitchFamily="49" charset="0"/>
+                </a:rPr>
+                <a:t>(1.0.2</a:t>
+              </a:r>
+              <a:r>
+                <a:rPr lang="en-US" altLang="ko-KR" dirty="0">
+                  <a:solidFill>
+                    <a:schemeClr val="bg1">
+                      <a:lumMod val="65000"/>
+                    </a:schemeClr>
+                  </a:solidFill>
+                  <a:latin typeface="Consolas" panose="020B0609020204030204" pitchFamily="49" charset="0"/>
+                </a:rPr>
+                <a:t>)</a:t>
+              </a:r>
+              <a:endParaRPr lang="en-US" altLang="ko-KR" b="0" dirty="0">
+                <a:solidFill>
+                  <a:srgbClr val="D4D4D4"/>
+                </a:solidFill>
+                <a:effectLst/>
+                <a:latin typeface="Consolas" panose="020B0609020204030204" pitchFamily="49" charset="0"/>
+              </a:endParaRPr>
+            </a:p>
+          </p:txBody>
+        </p:sp>
+        <p:sp>
+          <p:nvSpPr>
+            <p:cNvPr id="110" name="직사각형 109">
+              <a:extLst>
+                <a:ext uri="{FF2B5EF4-FFF2-40B4-BE49-F238E27FC236}">
+                  <a16:creationId xmlns:a16="http://schemas.microsoft.com/office/drawing/2014/main" id="{05E48F20-0C1D-01F1-3ACD-22CB0EFB2D9E}"/>
+                </a:ext>
+              </a:extLst>
+            </p:cNvPr>
+            <p:cNvSpPr/>
+            <p:nvPr/>
+          </p:nvSpPr>
+          <p:spPr>
+            <a:xfrm>
+              <a:off x="5902038" y="5267854"/>
+              <a:ext cx="2207491" cy="560291"/>
+            </a:xfrm>
+            <a:prstGeom prst="rect">
+              <a:avLst/>
+            </a:prstGeom>
+            <a:solidFill>
+              <a:srgbClr val="00B050"/>
+            </a:solidFill>
+            <a:ln w="9525" cap="flat" cmpd="sng" algn="ctr">
+              <a:solidFill>
+                <a:schemeClr val="accent1"/>
+              </a:solidFill>
+              <a:prstDash val="solid"/>
+              <a:round/>
+              <a:headEnd type="none" w="med" len="med"/>
+              <a:tailEnd type="none" w="med" len="med"/>
+            </a:ln>
+          </p:spPr>
+          <p:style>
+            <a:lnRef idx="0">
+              <a:scrgbClr r="0" g="0" b="0"/>
+            </a:lnRef>
+            <a:fillRef idx="0">
+              <a:scrgbClr r="0" g="0" b="0"/>
+            </a:fillRef>
+            <a:effectRef idx="0">
+              <a:scrgbClr r="0" g="0" b="0"/>
+            </a:effectRef>
+            <a:fontRef idx="minor">
+              <a:schemeClr val="accent1"/>
+            </a:fontRef>
+          </p:style>
+          <p:txBody>
+            <a:bodyPr rtlCol="0" anchor="ctr"/>
+            <a:lstStyle/>
+            <a:p>
+              <a:pPr algn="ctr"/>
+              <a:r>
+                <a:rPr lang="en-US" altLang="ko-KR" b="1" dirty="0">
+                  <a:solidFill>
+                    <a:schemeClr val="bg1"/>
+                  </a:solidFill>
+                  <a:effectLst/>
+                  <a:latin typeface="Consolas" panose="020B0609020204030204" pitchFamily="49" charset="0"/>
+                </a:rPr>
+                <a:t>Pod </a:t>
+              </a:r>
+              <a:r>
+                <a:rPr lang="en-US" altLang="ko-KR" b="0" dirty="0">
+                  <a:solidFill>
+                    <a:srgbClr val="D4D4D4"/>
+                  </a:solidFill>
+                  <a:effectLst/>
+                  <a:latin typeface="Consolas" panose="020B0609020204030204" pitchFamily="49" charset="0"/>
+                </a:rPr>
+                <a:t>(1.0.2</a:t>
+              </a:r>
+              <a:r>
+                <a:rPr lang="en-US" altLang="ko-KR" dirty="0">
+                  <a:solidFill>
+                    <a:schemeClr val="bg1">
+                      <a:lumMod val="65000"/>
+                    </a:schemeClr>
+                  </a:solidFill>
+                  <a:latin typeface="Consolas" panose="020B0609020204030204" pitchFamily="49" charset="0"/>
+                </a:rPr>
+                <a:t>)</a:t>
+              </a:r>
+              <a:endParaRPr lang="en-US" altLang="ko-KR" b="0" dirty="0">
+                <a:solidFill>
+                  <a:srgbClr val="D4D4D4"/>
+                </a:solidFill>
+                <a:effectLst/>
+                <a:latin typeface="Consolas" panose="020B0609020204030204" pitchFamily="49" charset="0"/>
+              </a:endParaRPr>
+            </a:p>
+          </p:txBody>
+        </p:sp>
         <p:cxnSp>
           <p:nvCxnSpPr>
-            <p:cNvPr id="15" name="연결선: 꺾임 14">
+            <p:cNvPr id="111" name="연결선: 꺾임 110">
               <a:extLst>
                 <a:ext uri="{FF2B5EF4-FFF2-40B4-BE49-F238E27FC236}">
-                  <a16:creationId xmlns:a16="http://schemas.microsoft.com/office/drawing/2014/main" id="{F9469B1D-0547-5C38-743C-D27FEB9DC9DB}"/>
+                  <a16:creationId xmlns:a16="http://schemas.microsoft.com/office/drawing/2014/main" id="{CC59B6EB-E41F-247B-B577-B57641B5BCAF}"/>
                 </a:ext>
               </a:extLst>
             </p:cNvPr>
             <p:cNvCxnSpPr>
               <a:cxnSpLocks/>
-              <a:stCxn id="29" idx="1"/>
-              <a:endCxn id="33" idx="1"/>
+              <a:stCxn id="106" idx="1"/>
+              <a:endCxn id="103" idx="3"/>
+            </p:cNvCxnSpPr>
+            <p:nvPr/>
+          </p:nvCxnSpPr>
+          <p:spPr>
+            <a:xfrm rot="10800000" flipV="1">
+              <a:off x="4082474" y="1437818"/>
+              <a:ext cx="1819565" cy="1826282"/>
+            </a:xfrm>
+            <a:prstGeom prst="bentConnector3">
+              <a:avLst>
+                <a:gd name="adj1" fmla="val 62690"/>
+              </a:avLst>
+            </a:prstGeom>
+            <a:ln w="25400">
+              <a:solidFill>
+                <a:srgbClr val="FF0000"/>
+              </a:solidFill>
+              <a:prstDash val="dash"/>
+              <a:headEnd type="arrow"/>
+              <a:tailEnd type="none"/>
+            </a:ln>
+          </p:spPr>
+          <p:style>
+            <a:lnRef idx="1">
+              <a:schemeClr val="accent1"/>
+            </a:lnRef>
+            <a:fillRef idx="0">
+              <a:schemeClr val="accent1"/>
+            </a:fillRef>
+            <a:effectRef idx="0">
+              <a:schemeClr val="accent1"/>
+            </a:effectRef>
+            <a:fontRef idx="minor">
+              <a:schemeClr val="tx1"/>
+            </a:fontRef>
+          </p:style>
+        </p:cxnSp>
+        <p:cxnSp>
+          <p:nvCxnSpPr>
+            <p:cNvPr id="114" name="연결선: 꺾임 113">
+              <a:extLst>
+                <a:ext uri="{FF2B5EF4-FFF2-40B4-BE49-F238E27FC236}">
+                  <a16:creationId xmlns:a16="http://schemas.microsoft.com/office/drawing/2014/main" id="{8B8F8B3F-878E-B426-19F8-3540E898FCB4}"/>
+                </a:ext>
+              </a:extLst>
+            </p:cNvPr>
+            <p:cNvCxnSpPr>
+              <a:cxnSpLocks/>
+              <a:stCxn id="107" idx="1"/>
+              <a:endCxn id="100" idx="1"/>
             </p:cNvCxnSpPr>
             <p:nvPr/>
           </p:nvCxnSpPr>
           <p:spPr>
             <a:xfrm rot="10800000">
-              <a:off x="7327852" y="1490986"/>
-              <a:ext cx="12700" cy="2928730"/>
+              <a:off x="5902038" y="735854"/>
+              <a:ext cx="12700" cy="1403928"/>
             </a:xfrm>
             <a:prstGeom prst="bentConnector3">
               <a:avLst>
-                <a:gd name="adj1" fmla="val 8563638"/>
+                <a:gd name="adj1" fmla="val 5509094"/>
               </a:avLst>
             </a:prstGeom>
             <a:ln w="25400">
               <a:solidFill>
-                <a:srgbClr val="FFC000"/>
+                <a:srgbClr val="FF0000"/>
               </a:solidFill>
               <a:prstDash val="dash"/>
               <a:headEnd type="arrow"/>
@@ -7796,34 +13137,144 @@
             </a:fontRef>
           </p:style>
         </p:cxnSp>
+        <p:sp>
+          <p:nvSpPr>
+            <p:cNvPr id="120" name="TextBox 119">
+              <a:extLst>
+                <a:ext uri="{FF2B5EF4-FFF2-40B4-BE49-F238E27FC236}">
+                  <a16:creationId xmlns:a16="http://schemas.microsoft.com/office/drawing/2014/main" id="{3C42EF87-C800-3FEB-B387-5BBC00987170}"/>
+                </a:ext>
+              </a:extLst>
+            </p:cNvPr>
+            <p:cNvSpPr txBox="1"/>
+            <p:nvPr/>
+          </p:nvSpPr>
+          <p:spPr>
+            <a:xfrm>
+              <a:off x="5902037" y="2561600"/>
+              <a:ext cx="3269675" cy="307777"/>
+            </a:xfrm>
+            <a:prstGeom prst="rect">
+              <a:avLst/>
+            </a:prstGeom>
+            <a:noFill/>
+          </p:spPr>
+          <p:txBody>
+            <a:bodyPr wrap="square">
+              <a:spAutoFit/>
+            </a:bodyPr>
+            <a:lstStyle/>
+            <a:p>
+              <a:r>
+                <a:rPr lang="en-US" altLang="ko-KR" sz="1400" b="1" dirty="0">
+                  <a:solidFill>
+                    <a:schemeClr val="accent3">
+                      <a:lumMod val="50000"/>
+                    </a:schemeClr>
+                  </a:solidFill>
+                  <a:effectLst/>
+                  <a:latin typeface="Consolas" panose="020B0609020204030204" pitchFamily="49" charset="0"/>
+                </a:rPr>
+                <a:t>(1) </a:t>
+              </a:r>
+              <a:r>
+                <a:rPr lang="en-US" altLang="ko-KR" sz="1400" b="1" dirty="0">
+                  <a:solidFill>
+                    <a:schemeClr val="accent3">
+                      <a:lumMod val="50000"/>
+                    </a:schemeClr>
+                  </a:solidFill>
+                  <a:latin typeface="Consolas" panose="020B0609020204030204" pitchFamily="49" charset="0"/>
+                </a:rPr>
+                <a:t>Pod</a:t>
+              </a:r>
+              <a:r>
+                <a:rPr lang="ko-KR" altLang="en-US" sz="1400" b="1" dirty="0">
+                  <a:solidFill>
+                    <a:schemeClr val="accent3">
+                      <a:lumMod val="50000"/>
+                    </a:schemeClr>
+                  </a:solidFill>
+                  <a:latin typeface="Consolas" panose="020B0609020204030204" pitchFamily="49" charset="0"/>
+                </a:rPr>
+                <a:t> </a:t>
+              </a:r>
+              <a:r>
+                <a:rPr lang="en-US" altLang="ko-KR" sz="1400" b="1" dirty="0">
+                  <a:solidFill>
+                    <a:schemeClr val="accent3">
+                      <a:lumMod val="50000"/>
+                    </a:schemeClr>
+                  </a:solidFill>
+                  <a:latin typeface="Consolas" panose="020B0609020204030204" pitchFamily="49" charset="0"/>
+                </a:rPr>
+                <a:t>(1.0.0)</a:t>
+              </a:r>
+              <a:r>
+                <a:rPr lang="ko-KR" altLang="en-US" sz="1400" b="1" dirty="0">
+                  <a:solidFill>
+                    <a:schemeClr val="accent3">
+                      <a:lumMod val="50000"/>
+                    </a:schemeClr>
+                  </a:solidFill>
+                  <a:latin typeface="Consolas" panose="020B0609020204030204" pitchFamily="49" charset="0"/>
+                </a:rPr>
+                <a:t> 을 삭제</a:t>
+              </a:r>
+              <a:r>
+                <a:rPr lang="en-US" altLang="ko-KR" sz="1400" b="1" dirty="0">
+                  <a:solidFill>
+                    <a:schemeClr val="accent3">
+                      <a:lumMod val="50000"/>
+                    </a:schemeClr>
+                  </a:solidFill>
+                  <a:effectLst/>
+                  <a:latin typeface="Consolas" panose="020B0609020204030204" pitchFamily="49" charset="0"/>
+                </a:rPr>
+                <a:t> </a:t>
+              </a:r>
+              <a:endParaRPr lang="ko-KR" altLang="en-US" sz="1400" dirty="0">
+                <a:solidFill>
+                  <a:schemeClr val="accent3">
+                    <a:lumMod val="50000"/>
+                  </a:schemeClr>
+                </a:solidFill>
+              </a:endParaRPr>
+            </a:p>
+          </p:txBody>
+        </p:sp>
         <p:cxnSp>
           <p:nvCxnSpPr>
-            <p:cNvPr id="18" name="직선 화살표 연결선 17">
+            <p:cNvPr id="121" name="연결선: 꺾임 120">
               <a:extLst>
                 <a:ext uri="{FF2B5EF4-FFF2-40B4-BE49-F238E27FC236}">
-                  <a16:creationId xmlns:a16="http://schemas.microsoft.com/office/drawing/2014/main" id="{F0A4037E-3113-6652-B365-B0B9EDC86FA6}"/>
+                  <a16:creationId xmlns:a16="http://schemas.microsoft.com/office/drawing/2014/main" id="{9A19666C-F84B-36C4-B665-667E90F24D7B}"/>
                 </a:ext>
               </a:extLst>
             </p:cNvPr>
             <p:cNvCxnSpPr>
               <a:cxnSpLocks/>
-              <a:endCxn id="14" idx="1"/>
+              <a:stCxn id="109" idx="1"/>
             </p:cNvCxnSpPr>
             <p:nvPr/>
           </p:nvCxnSpPr>
           <p:spPr>
-            <a:xfrm>
-              <a:off x="2133600" y="2955351"/>
-              <a:ext cx="671304" cy="0"/>
+            <a:xfrm rot="10800000">
+              <a:off x="4082478" y="3722256"/>
+              <a:ext cx="1819561" cy="1123781"/>
             </a:xfrm>
-            <a:prstGeom prst="straightConnector1">
-              <a:avLst/>
+            <a:prstGeom prst="bentConnector3">
+              <a:avLst>
+                <a:gd name="adj1" fmla="val 61675"/>
+              </a:avLst>
             </a:prstGeom>
-            <a:ln w="22225">
+            <a:ln w="25400">
               <a:solidFill>
-                <a:schemeClr val="bg1"/>
+                <a:schemeClr val="accent1"/>
               </a:solidFill>
-              <a:tailEnd type="triangle"/>
+              <a:prstDash val="solid"/>
+              <a:headEnd type="arrow"/>
+              <a:tailEnd type="none"/>
             </a:ln>
           </p:spPr>
           <p:style>
@@ -7841,883 +13292,37 @@
             </a:fontRef>
           </p:style>
         </p:cxnSp>
-        <p:grpSp>
-          <p:nvGrpSpPr>
-            <p:cNvPr id="50" name="그룹 49">
+        <p:cxnSp>
+          <p:nvCxnSpPr>
+            <p:cNvPr id="125" name="연결선: 꺾임 124">
               <a:extLst>
                 <a:ext uri="{FF2B5EF4-FFF2-40B4-BE49-F238E27FC236}">
-                  <a16:creationId xmlns:a16="http://schemas.microsoft.com/office/drawing/2014/main" id="{B8450DA1-D748-617D-D153-A1BCFDB16BD9}"/>
-                </a:ext>
-              </a:extLst>
-            </p:cNvPr>
-            <p:cNvGrpSpPr/>
-            <p:nvPr/>
-          </p:nvGrpSpPr>
-          <p:grpSpPr>
-            <a:xfrm>
-              <a:off x="7261589" y="799216"/>
-              <a:ext cx="1807266" cy="1198666"/>
-              <a:chOff x="8647043" y="799216"/>
-              <a:chExt cx="1807266" cy="1198666"/>
-            </a:xfrm>
-          </p:grpSpPr>
-          <p:grpSp>
-            <p:nvGrpSpPr>
-              <p:cNvPr id="11" name="그룹 10">
-                <a:extLst>
-                  <a:ext uri="{FF2B5EF4-FFF2-40B4-BE49-F238E27FC236}">
-                    <a16:creationId xmlns:a16="http://schemas.microsoft.com/office/drawing/2014/main" id="{E2200FBD-FA3C-1989-0D56-1C34A4DC6854}"/>
-                  </a:ext>
-                </a:extLst>
-              </p:cNvPr>
-              <p:cNvGrpSpPr/>
-              <p:nvPr/>
-            </p:nvGrpSpPr>
-            <p:grpSpPr>
-              <a:xfrm>
-                <a:off x="8647043" y="984090"/>
-                <a:ext cx="1807266" cy="1013792"/>
-                <a:chOff x="1336811" y="639534"/>
-                <a:chExt cx="1807266" cy="1013792"/>
-              </a:xfrm>
-            </p:grpSpPr>
-            <p:sp>
-              <p:nvSpPr>
-                <p:cNvPr id="33" name="직사각형 32">
-                  <a:extLst>
-                    <a:ext uri="{FF2B5EF4-FFF2-40B4-BE49-F238E27FC236}">
-                      <a16:creationId xmlns:a16="http://schemas.microsoft.com/office/drawing/2014/main" id="{4ED032DB-3F89-F091-06A3-E8F07DA6352A}"/>
-                    </a:ext>
-                  </a:extLst>
-                </p:cNvPr>
-                <p:cNvSpPr/>
-                <p:nvPr/>
-              </p:nvSpPr>
-              <p:spPr>
-                <a:xfrm>
-                  <a:off x="1403074" y="639534"/>
-                  <a:ext cx="1741003" cy="1013792"/>
-                </a:xfrm>
-                <a:prstGeom prst="rect">
-                  <a:avLst/>
-                </a:prstGeom>
-                <a:solidFill>
-                  <a:schemeClr val="accent1">
-                    <a:lumMod val="75000"/>
-                  </a:schemeClr>
-                </a:solidFill>
-                <a:ln w="9525" cap="flat" cmpd="sng" algn="ctr">
-                  <a:solidFill>
-                    <a:schemeClr val="accent1"/>
-                  </a:solidFill>
-                  <a:prstDash val="solid"/>
-                  <a:round/>
-                  <a:headEnd type="none" w="med" len="med"/>
-                  <a:tailEnd type="none" w="med" len="med"/>
-                </a:ln>
-              </p:spPr>
-              <p:style>
-                <a:lnRef idx="0">
-                  <a:scrgbClr r="0" g="0" b="0"/>
-                </a:lnRef>
-                <a:fillRef idx="0">
-                  <a:scrgbClr r="0" g="0" b="0"/>
-                </a:fillRef>
-                <a:effectRef idx="0">
-                  <a:scrgbClr r="0" g="0" b="0"/>
-                </a:effectRef>
-                <a:fontRef idx="minor">
-                  <a:schemeClr val="accent1"/>
-                </a:fontRef>
-              </p:style>
-              <p:txBody>
-                <a:bodyPr rtlCol="0" anchor="ctr"/>
-                <a:lstStyle/>
-                <a:p>
-                  <a:pPr algn="ctr"/>
-                  <a:r>
-                    <a:rPr lang="en-US" altLang="ko-KR" b="1" dirty="0">
-                      <a:solidFill>
-                        <a:schemeClr val="bg1"/>
-                      </a:solidFill>
-                      <a:effectLst/>
-                      <a:latin typeface="Consolas" panose="020B0609020204030204" pitchFamily="49" charset="0"/>
-                    </a:rPr>
-                    <a:t>Pod </a:t>
-                  </a:r>
-                  <a:r>
-                    <a:rPr lang="en-US" altLang="ko-KR" b="0" dirty="0">
-                      <a:solidFill>
-                        <a:srgbClr val="D4D4D4"/>
-                      </a:solidFill>
-                      <a:effectLst/>
-                      <a:latin typeface="Consolas" panose="020B0609020204030204" pitchFamily="49" charset="0"/>
-                    </a:rPr>
-                    <a:t>(bn77g</a:t>
-                  </a:r>
-                  <a:r>
-                    <a:rPr lang="en-US" altLang="ko-KR" dirty="0">
-                      <a:solidFill>
-                        <a:schemeClr val="bg1">
-                          <a:lumMod val="65000"/>
-                        </a:schemeClr>
-                      </a:solidFill>
-                      <a:latin typeface="Consolas" panose="020B0609020204030204" pitchFamily="49" charset="0"/>
-                    </a:rPr>
-                    <a:t>)</a:t>
-                  </a:r>
-                  <a:endParaRPr lang="en-US" altLang="ko-KR" b="0" dirty="0">
-                    <a:solidFill>
-                      <a:srgbClr val="D4D4D4"/>
-                    </a:solidFill>
-                    <a:effectLst/>
-                    <a:latin typeface="Consolas" panose="020B0609020204030204" pitchFamily="49" charset="0"/>
-                  </a:endParaRPr>
-                </a:p>
-              </p:txBody>
-            </p:sp>
-            <p:sp>
-              <p:nvSpPr>
-                <p:cNvPr id="35" name="직사각형 34">
-                  <a:extLst>
-                    <a:ext uri="{FF2B5EF4-FFF2-40B4-BE49-F238E27FC236}">
-                      <a16:creationId xmlns:a16="http://schemas.microsoft.com/office/drawing/2014/main" id="{E0F68FFA-8EAC-81C8-60D9-C1B24DE7F145}"/>
-                    </a:ext>
-                  </a:extLst>
-                </p:cNvPr>
-                <p:cNvSpPr/>
-                <p:nvPr/>
-              </p:nvSpPr>
-              <p:spPr>
-                <a:xfrm>
-                  <a:off x="1336811" y="1349760"/>
-                  <a:ext cx="1070113" cy="279274"/>
-                </a:xfrm>
-                <a:prstGeom prst="rect">
-                  <a:avLst/>
-                </a:prstGeom>
-                <a:noFill/>
-                <a:ln w="9525" cap="flat" cmpd="sng" algn="ctr">
-                  <a:noFill/>
-                  <a:prstDash val="solid"/>
-                  <a:round/>
-                  <a:headEnd type="none" w="med" len="med"/>
-                  <a:tailEnd type="none" w="med" len="med"/>
-                </a:ln>
-              </p:spPr>
-              <p:style>
-                <a:lnRef idx="0">
-                  <a:scrgbClr r="0" g="0" b="0"/>
-                </a:lnRef>
-                <a:fillRef idx="0">
-                  <a:scrgbClr r="0" g="0" b="0"/>
-                </a:fillRef>
-                <a:effectRef idx="0">
-                  <a:scrgbClr r="0" g="0" b="0"/>
-                </a:effectRef>
-                <a:fontRef idx="minor">
-                  <a:schemeClr val="accent1"/>
-                </a:fontRef>
-              </p:style>
-              <p:txBody>
-                <a:bodyPr rtlCol="0" anchor="ctr"/>
-                <a:lstStyle/>
-                <a:p>
-                  <a:pPr algn="ctr"/>
-                  <a:r>
-                    <a:rPr lang="en-US" altLang="ko-KR" sz="1200" b="1" dirty="0">
-                      <a:solidFill>
-                        <a:schemeClr val="bg1"/>
-                      </a:solidFill>
-                      <a:effectLst/>
-                      <a:latin typeface="Consolas" panose="020B0609020204030204" pitchFamily="49" charset="0"/>
-                    </a:rPr>
-                    <a:t>10.0.1.3</a:t>
-                  </a:r>
-                  <a:endParaRPr lang="en-US" altLang="ko-KR" sz="1200" b="0" dirty="0">
-                    <a:solidFill>
-                      <a:schemeClr val="bg1">
-                        <a:lumMod val="65000"/>
-                      </a:schemeClr>
-                    </a:solidFill>
-                    <a:effectLst/>
-                    <a:latin typeface="Consolas" panose="020B0609020204030204" pitchFamily="49" charset="0"/>
-                  </a:endParaRPr>
-                </a:p>
-              </p:txBody>
-            </p:sp>
-          </p:grpSp>
-          <p:sp>
-            <p:nvSpPr>
-              <p:cNvPr id="20" name="직사각형 19">
-                <a:extLst>
-                  <a:ext uri="{FF2B5EF4-FFF2-40B4-BE49-F238E27FC236}">
-                    <a16:creationId xmlns:a16="http://schemas.microsoft.com/office/drawing/2014/main" id="{9FFDD7A7-A2F4-8D89-64AF-09316359DEA6}"/>
-                  </a:ext>
-                </a:extLst>
-              </p:cNvPr>
-              <p:cNvSpPr/>
-              <p:nvPr/>
-            </p:nvSpPr>
-            <p:spPr>
-              <a:xfrm>
-                <a:off x="9048750" y="799216"/>
-                <a:ext cx="1070113" cy="369748"/>
-              </a:xfrm>
-              <a:prstGeom prst="rect">
-                <a:avLst/>
-              </a:prstGeom>
-              <a:ln w="28575">
-                <a:solidFill>
-                  <a:srgbClr val="00B0F0"/>
-                </a:solidFill>
-              </a:ln>
-            </p:spPr>
-            <p:style>
-              <a:lnRef idx="2">
-                <a:schemeClr val="accent2"/>
-              </a:lnRef>
-              <a:fillRef idx="1">
-                <a:schemeClr val="lt1"/>
-              </a:fillRef>
-              <a:effectRef idx="0">
-                <a:schemeClr val="accent2"/>
-              </a:effectRef>
-              <a:fontRef idx="minor">
-                <a:schemeClr val="dk1"/>
-              </a:fontRef>
-            </p:style>
-            <p:txBody>
-              <a:bodyPr rtlCol="0" anchor="ctr"/>
-              <a:lstStyle/>
-              <a:p>
-                <a:pPr algn="ctr"/>
-                <a:r>
-                  <a:rPr lang="en-US" altLang="ko-KR" sz="1200" dirty="0"/>
-                  <a:t>app=node</a:t>
-                </a:r>
-                <a:endParaRPr lang="ko-KR" altLang="en-US" sz="1200" dirty="0"/>
-              </a:p>
-            </p:txBody>
-          </p:sp>
-        </p:grpSp>
-        <p:grpSp>
-          <p:nvGrpSpPr>
-            <p:cNvPr id="51" name="그룹 50">
-              <a:extLst>
-                <a:ext uri="{FF2B5EF4-FFF2-40B4-BE49-F238E27FC236}">
-                  <a16:creationId xmlns:a16="http://schemas.microsoft.com/office/drawing/2014/main" id="{5F1D49E5-9AB2-9E14-712A-AF4FE09F5C26}"/>
-                </a:ext>
-              </a:extLst>
-            </p:cNvPr>
-            <p:cNvGrpSpPr/>
-            <p:nvPr/>
-          </p:nvGrpSpPr>
-          <p:grpSpPr>
-            <a:xfrm>
-              <a:off x="7261589" y="2275514"/>
-              <a:ext cx="1807266" cy="1186733"/>
-              <a:chOff x="8647043" y="2275514"/>
-              <a:chExt cx="1807266" cy="1186733"/>
-            </a:xfrm>
-          </p:grpSpPr>
-          <p:grpSp>
-            <p:nvGrpSpPr>
-              <p:cNvPr id="12" name="그룹 11">
-                <a:extLst>
-                  <a:ext uri="{FF2B5EF4-FFF2-40B4-BE49-F238E27FC236}">
-                    <a16:creationId xmlns:a16="http://schemas.microsoft.com/office/drawing/2014/main" id="{0C63A4AA-6564-23FF-A7F8-6947DEFF8942}"/>
-                  </a:ext>
-                </a:extLst>
-              </p:cNvPr>
-              <p:cNvGrpSpPr/>
-              <p:nvPr/>
-            </p:nvGrpSpPr>
-            <p:grpSpPr>
-              <a:xfrm>
-                <a:off x="8647043" y="2448455"/>
-                <a:ext cx="1807266" cy="1013792"/>
-                <a:chOff x="1336811" y="639534"/>
-                <a:chExt cx="1807266" cy="1013792"/>
-              </a:xfrm>
-            </p:grpSpPr>
-            <p:sp>
-              <p:nvSpPr>
-                <p:cNvPr id="31" name="직사각형 30">
-                  <a:extLst>
-                    <a:ext uri="{FF2B5EF4-FFF2-40B4-BE49-F238E27FC236}">
-                      <a16:creationId xmlns:a16="http://schemas.microsoft.com/office/drawing/2014/main" id="{6BE66E03-7567-3677-9BE0-BEC6E1F6483F}"/>
-                    </a:ext>
-                  </a:extLst>
-                </p:cNvPr>
-                <p:cNvSpPr/>
-                <p:nvPr/>
-              </p:nvSpPr>
-              <p:spPr>
-                <a:xfrm>
-                  <a:off x="1403074" y="639534"/>
-                  <a:ext cx="1741003" cy="1013792"/>
-                </a:xfrm>
-                <a:prstGeom prst="rect">
-                  <a:avLst/>
-                </a:prstGeom>
-                <a:solidFill>
-                  <a:schemeClr val="accent1">
-                    <a:lumMod val="75000"/>
-                  </a:schemeClr>
-                </a:solidFill>
-                <a:ln w="9525" cap="flat" cmpd="sng" algn="ctr">
-                  <a:solidFill>
-                    <a:schemeClr val="accent1"/>
-                  </a:solidFill>
-                  <a:prstDash val="solid"/>
-                  <a:round/>
-                  <a:headEnd type="none" w="med" len="med"/>
-                  <a:tailEnd type="none" w="med" len="med"/>
-                </a:ln>
-              </p:spPr>
-              <p:style>
-                <a:lnRef idx="0">
-                  <a:scrgbClr r="0" g="0" b="0"/>
-                </a:lnRef>
-                <a:fillRef idx="0">
-                  <a:scrgbClr r="0" g="0" b="0"/>
-                </a:fillRef>
-                <a:effectRef idx="0">
-                  <a:scrgbClr r="0" g="0" b="0"/>
-                </a:effectRef>
-                <a:fontRef idx="minor">
-                  <a:schemeClr val="accent1"/>
-                </a:fontRef>
-              </p:style>
-              <p:txBody>
-                <a:bodyPr rtlCol="0" anchor="ctr"/>
-                <a:lstStyle/>
-                <a:p>
-                  <a:pPr algn="ctr"/>
-                  <a:r>
-                    <a:rPr lang="en-US" altLang="ko-KR" b="1" dirty="0">
-                      <a:solidFill>
-                        <a:schemeClr val="bg1"/>
-                      </a:solidFill>
-                      <a:effectLst/>
-                      <a:latin typeface="Consolas" panose="020B0609020204030204" pitchFamily="49" charset="0"/>
-                    </a:rPr>
-                    <a:t>Pod </a:t>
-                  </a:r>
-                  <a:r>
-                    <a:rPr lang="en-US" altLang="ko-KR" b="0" dirty="0">
-                      <a:solidFill>
-                        <a:srgbClr val="D4D4D4"/>
-                      </a:solidFill>
-                      <a:effectLst/>
-                      <a:latin typeface="Consolas" panose="020B0609020204030204" pitchFamily="49" charset="0"/>
-                    </a:rPr>
-                    <a:t>(5hh9f</a:t>
-                  </a:r>
-                  <a:r>
-                    <a:rPr lang="en-US" altLang="ko-KR" dirty="0">
-                      <a:solidFill>
-                        <a:schemeClr val="bg1">
-                          <a:lumMod val="65000"/>
-                        </a:schemeClr>
-                      </a:solidFill>
-                      <a:latin typeface="Consolas" panose="020B0609020204030204" pitchFamily="49" charset="0"/>
-                    </a:rPr>
-                    <a:t>)</a:t>
-                  </a:r>
-                  <a:endParaRPr lang="en-US" altLang="ko-KR" b="0" dirty="0">
-                    <a:solidFill>
-                      <a:srgbClr val="D4D4D4"/>
-                    </a:solidFill>
-                    <a:effectLst/>
-                    <a:latin typeface="Consolas" panose="020B0609020204030204" pitchFamily="49" charset="0"/>
-                  </a:endParaRPr>
-                </a:p>
-              </p:txBody>
-            </p:sp>
-            <p:sp>
-              <p:nvSpPr>
-                <p:cNvPr id="32" name="직사각형 31">
-                  <a:extLst>
-                    <a:ext uri="{FF2B5EF4-FFF2-40B4-BE49-F238E27FC236}">
-                      <a16:creationId xmlns:a16="http://schemas.microsoft.com/office/drawing/2014/main" id="{76CD7926-A90D-9B8C-7805-663B54B00742}"/>
-                    </a:ext>
-                  </a:extLst>
-                </p:cNvPr>
-                <p:cNvSpPr/>
-                <p:nvPr/>
-              </p:nvSpPr>
-              <p:spPr>
-                <a:xfrm>
-                  <a:off x="1336811" y="1349760"/>
-                  <a:ext cx="1070113" cy="279274"/>
-                </a:xfrm>
-                <a:prstGeom prst="rect">
-                  <a:avLst/>
-                </a:prstGeom>
-                <a:noFill/>
-                <a:ln w="9525" cap="flat" cmpd="sng" algn="ctr">
-                  <a:noFill/>
-                  <a:prstDash val="solid"/>
-                  <a:round/>
-                  <a:headEnd type="none" w="med" len="med"/>
-                  <a:tailEnd type="none" w="med" len="med"/>
-                </a:ln>
-              </p:spPr>
-              <p:style>
-                <a:lnRef idx="0">
-                  <a:scrgbClr r="0" g="0" b="0"/>
-                </a:lnRef>
-                <a:fillRef idx="0">
-                  <a:scrgbClr r="0" g="0" b="0"/>
-                </a:fillRef>
-                <a:effectRef idx="0">
-                  <a:scrgbClr r="0" g="0" b="0"/>
-                </a:effectRef>
-                <a:fontRef idx="minor">
-                  <a:schemeClr val="accent1"/>
-                </a:fontRef>
-              </p:style>
-              <p:txBody>
-                <a:bodyPr rtlCol="0" anchor="ctr"/>
-                <a:lstStyle/>
-                <a:p>
-                  <a:pPr algn="ctr"/>
-                  <a:r>
-                    <a:rPr lang="en-US" altLang="ko-KR" sz="1200" b="1" dirty="0">
-                      <a:solidFill>
-                        <a:schemeClr val="bg1"/>
-                      </a:solidFill>
-                      <a:effectLst/>
-                      <a:latin typeface="Consolas" panose="020B0609020204030204" pitchFamily="49" charset="0"/>
-                    </a:rPr>
-                    <a:t>10.0.1.4</a:t>
-                  </a:r>
-                  <a:endParaRPr lang="en-US" altLang="ko-KR" sz="1200" b="0" dirty="0">
-                    <a:solidFill>
-                      <a:schemeClr val="bg1">
-                        <a:lumMod val="65000"/>
-                      </a:schemeClr>
-                    </a:solidFill>
-                    <a:effectLst/>
-                    <a:latin typeface="Consolas" panose="020B0609020204030204" pitchFamily="49" charset="0"/>
-                  </a:endParaRPr>
-                </a:p>
-              </p:txBody>
-            </p:sp>
-          </p:grpSp>
-          <p:sp>
-            <p:nvSpPr>
-              <p:cNvPr id="37" name="직사각형 36">
-                <a:extLst>
-                  <a:ext uri="{FF2B5EF4-FFF2-40B4-BE49-F238E27FC236}">
-                    <a16:creationId xmlns:a16="http://schemas.microsoft.com/office/drawing/2014/main" id="{C11338A7-FF5C-6976-23C4-668A77E781C6}"/>
-                  </a:ext>
-                </a:extLst>
-              </p:cNvPr>
-              <p:cNvSpPr/>
-              <p:nvPr/>
-            </p:nvSpPr>
-            <p:spPr>
-              <a:xfrm>
-                <a:off x="9048750" y="2275514"/>
-                <a:ext cx="1070113" cy="369748"/>
-              </a:xfrm>
-              <a:prstGeom prst="rect">
-                <a:avLst/>
-              </a:prstGeom>
-              <a:ln w="28575">
-                <a:solidFill>
-                  <a:srgbClr val="00B0F0"/>
-                </a:solidFill>
-              </a:ln>
-            </p:spPr>
-            <p:style>
-              <a:lnRef idx="2">
-                <a:schemeClr val="accent2"/>
-              </a:lnRef>
-              <a:fillRef idx="1">
-                <a:schemeClr val="lt1"/>
-              </a:fillRef>
-              <a:effectRef idx="0">
-                <a:schemeClr val="accent2"/>
-              </a:effectRef>
-              <a:fontRef idx="minor">
-                <a:schemeClr val="dk1"/>
-              </a:fontRef>
-            </p:style>
-            <p:txBody>
-              <a:bodyPr rtlCol="0" anchor="ctr"/>
-              <a:lstStyle/>
-              <a:p>
-                <a:pPr algn="ctr"/>
-                <a:r>
-                  <a:rPr lang="en-US" altLang="ko-KR" sz="1200" dirty="0"/>
-                  <a:t>app=node</a:t>
-                </a:r>
-                <a:endParaRPr lang="ko-KR" altLang="en-US" sz="1200" dirty="0"/>
-              </a:p>
-            </p:txBody>
-          </p:sp>
-        </p:grpSp>
-        <p:grpSp>
-          <p:nvGrpSpPr>
-            <p:cNvPr id="52" name="그룹 51">
-              <a:extLst>
-                <a:ext uri="{FF2B5EF4-FFF2-40B4-BE49-F238E27FC236}">
-                  <a16:creationId xmlns:a16="http://schemas.microsoft.com/office/drawing/2014/main" id="{5EC2A850-22EE-B02D-3355-D48512A1CE10}"/>
-                </a:ext>
-              </a:extLst>
-            </p:cNvPr>
-            <p:cNvGrpSpPr/>
-            <p:nvPr/>
-          </p:nvGrpSpPr>
-          <p:grpSpPr>
-            <a:xfrm>
-              <a:off x="7261589" y="3727946"/>
-              <a:ext cx="1807266" cy="1198666"/>
-              <a:chOff x="8647043" y="3727946"/>
-              <a:chExt cx="1807266" cy="1198666"/>
-            </a:xfrm>
-          </p:grpSpPr>
-          <p:grpSp>
-            <p:nvGrpSpPr>
-              <p:cNvPr id="13" name="그룹 12">
-                <a:extLst>
-                  <a:ext uri="{FF2B5EF4-FFF2-40B4-BE49-F238E27FC236}">
-                    <a16:creationId xmlns:a16="http://schemas.microsoft.com/office/drawing/2014/main" id="{31771B50-F639-7A28-AAC3-087A1C3E94F7}"/>
-                  </a:ext>
-                </a:extLst>
-              </p:cNvPr>
-              <p:cNvGrpSpPr/>
-              <p:nvPr/>
-            </p:nvGrpSpPr>
-            <p:grpSpPr>
-              <a:xfrm>
-                <a:off x="8647043" y="3912820"/>
-                <a:ext cx="1807266" cy="1013792"/>
-                <a:chOff x="1336811" y="639534"/>
-                <a:chExt cx="1807266" cy="1013792"/>
-              </a:xfrm>
-            </p:grpSpPr>
-            <p:sp>
-              <p:nvSpPr>
-                <p:cNvPr id="29" name="직사각형 28">
-                  <a:extLst>
-                    <a:ext uri="{FF2B5EF4-FFF2-40B4-BE49-F238E27FC236}">
-                      <a16:creationId xmlns:a16="http://schemas.microsoft.com/office/drawing/2014/main" id="{FE93445B-3081-0B7A-D553-6D92D73AEFEE}"/>
-                    </a:ext>
-                  </a:extLst>
-                </p:cNvPr>
-                <p:cNvSpPr/>
-                <p:nvPr/>
-              </p:nvSpPr>
-              <p:spPr>
-                <a:xfrm>
-                  <a:off x="1403074" y="639534"/>
-                  <a:ext cx="1741003" cy="1013792"/>
-                </a:xfrm>
-                <a:prstGeom prst="rect">
-                  <a:avLst/>
-                </a:prstGeom>
-                <a:solidFill>
-                  <a:schemeClr val="accent1">
-                    <a:lumMod val="75000"/>
-                  </a:schemeClr>
-                </a:solidFill>
-                <a:ln w="9525" cap="flat" cmpd="sng" algn="ctr">
-                  <a:solidFill>
-                    <a:schemeClr val="accent1"/>
-                  </a:solidFill>
-                  <a:prstDash val="solid"/>
-                  <a:round/>
-                  <a:headEnd type="none" w="med" len="med"/>
-                  <a:tailEnd type="none" w="med" len="med"/>
-                </a:ln>
-              </p:spPr>
-              <p:style>
-                <a:lnRef idx="0">
-                  <a:scrgbClr r="0" g="0" b="0"/>
-                </a:lnRef>
-                <a:fillRef idx="0">
-                  <a:scrgbClr r="0" g="0" b="0"/>
-                </a:fillRef>
-                <a:effectRef idx="0">
-                  <a:scrgbClr r="0" g="0" b="0"/>
-                </a:effectRef>
-                <a:fontRef idx="minor">
-                  <a:schemeClr val="accent1"/>
-                </a:fontRef>
-              </p:style>
-              <p:txBody>
-                <a:bodyPr rtlCol="0" anchor="ctr"/>
-                <a:lstStyle/>
-                <a:p>
-                  <a:pPr algn="ctr"/>
-                  <a:r>
-                    <a:rPr lang="en-US" altLang="ko-KR" b="1" dirty="0">
-                      <a:solidFill>
-                        <a:schemeClr val="bg1"/>
-                      </a:solidFill>
-                      <a:effectLst/>
-                      <a:latin typeface="Consolas" panose="020B0609020204030204" pitchFamily="49" charset="0"/>
-                    </a:rPr>
-                    <a:t>Pod </a:t>
-                  </a:r>
-                  <a:r>
-                    <a:rPr lang="en-US" altLang="ko-KR" b="0" dirty="0">
-                      <a:solidFill>
-                        <a:srgbClr val="D4D4D4"/>
-                      </a:solidFill>
-                      <a:effectLst/>
-                      <a:latin typeface="Consolas" panose="020B0609020204030204" pitchFamily="49" charset="0"/>
-                    </a:rPr>
-                    <a:t>(gxl25</a:t>
-                  </a:r>
-                  <a:r>
-                    <a:rPr lang="en-US" altLang="ko-KR" dirty="0">
-                      <a:solidFill>
-                        <a:schemeClr val="bg1">
-                          <a:lumMod val="65000"/>
-                        </a:schemeClr>
-                      </a:solidFill>
-                      <a:latin typeface="Consolas" panose="020B0609020204030204" pitchFamily="49" charset="0"/>
-                    </a:rPr>
-                    <a:t>)</a:t>
-                  </a:r>
-                  <a:endParaRPr lang="en-US" altLang="ko-KR" b="0" dirty="0">
-                    <a:solidFill>
-                      <a:srgbClr val="D4D4D4"/>
-                    </a:solidFill>
-                    <a:effectLst/>
-                    <a:latin typeface="Consolas" panose="020B0609020204030204" pitchFamily="49" charset="0"/>
-                  </a:endParaRPr>
-                </a:p>
-              </p:txBody>
-            </p:sp>
-            <p:sp>
-              <p:nvSpPr>
-                <p:cNvPr id="30" name="직사각형 29">
-                  <a:extLst>
-                    <a:ext uri="{FF2B5EF4-FFF2-40B4-BE49-F238E27FC236}">
-                      <a16:creationId xmlns:a16="http://schemas.microsoft.com/office/drawing/2014/main" id="{C65BA019-A5C1-7330-8F52-46B585DD51EF}"/>
-                    </a:ext>
-                  </a:extLst>
-                </p:cNvPr>
-                <p:cNvSpPr/>
-                <p:nvPr/>
-              </p:nvSpPr>
-              <p:spPr>
-                <a:xfrm>
-                  <a:off x="1336811" y="1349760"/>
-                  <a:ext cx="1070113" cy="279274"/>
-                </a:xfrm>
-                <a:prstGeom prst="rect">
-                  <a:avLst/>
-                </a:prstGeom>
-                <a:noFill/>
-                <a:ln w="9525" cap="flat" cmpd="sng" algn="ctr">
-                  <a:noFill/>
-                  <a:prstDash val="solid"/>
-                  <a:round/>
-                  <a:headEnd type="none" w="med" len="med"/>
-                  <a:tailEnd type="none" w="med" len="med"/>
-                </a:ln>
-              </p:spPr>
-              <p:style>
-                <a:lnRef idx="0">
-                  <a:scrgbClr r="0" g="0" b="0"/>
-                </a:lnRef>
-                <a:fillRef idx="0">
-                  <a:scrgbClr r="0" g="0" b="0"/>
-                </a:fillRef>
-                <a:effectRef idx="0">
-                  <a:scrgbClr r="0" g="0" b="0"/>
-                </a:effectRef>
-                <a:fontRef idx="minor">
-                  <a:schemeClr val="accent1"/>
-                </a:fontRef>
-              </p:style>
-              <p:txBody>
-                <a:bodyPr rtlCol="0" anchor="ctr"/>
-                <a:lstStyle/>
-                <a:p>
-                  <a:pPr algn="ctr"/>
-                  <a:r>
-                    <a:rPr lang="en-US" altLang="ko-KR" sz="1200" b="1" dirty="0">
-                      <a:solidFill>
-                        <a:schemeClr val="bg1"/>
-                      </a:solidFill>
-                      <a:effectLst/>
-                      <a:latin typeface="Consolas" panose="020B0609020204030204" pitchFamily="49" charset="0"/>
-                    </a:rPr>
-                    <a:t>10.0.1.5</a:t>
-                  </a:r>
-                  <a:endParaRPr lang="en-US" altLang="ko-KR" sz="1200" b="0" dirty="0">
-                    <a:solidFill>
-                      <a:schemeClr val="bg1">
-                        <a:lumMod val="65000"/>
-                      </a:schemeClr>
-                    </a:solidFill>
-                    <a:effectLst/>
-                    <a:latin typeface="Consolas" panose="020B0609020204030204" pitchFamily="49" charset="0"/>
-                  </a:endParaRPr>
-                </a:p>
-              </p:txBody>
-            </p:sp>
-          </p:grpSp>
-          <p:sp>
-            <p:nvSpPr>
-              <p:cNvPr id="38" name="직사각형 37">
-                <a:extLst>
-                  <a:ext uri="{FF2B5EF4-FFF2-40B4-BE49-F238E27FC236}">
-                    <a16:creationId xmlns:a16="http://schemas.microsoft.com/office/drawing/2014/main" id="{D9C9E722-C64F-56B0-B079-E097A31C213A}"/>
-                  </a:ext>
-                </a:extLst>
-              </p:cNvPr>
-              <p:cNvSpPr/>
-              <p:nvPr/>
-            </p:nvSpPr>
-            <p:spPr>
-              <a:xfrm>
-                <a:off x="9048750" y="3727946"/>
-                <a:ext cx="1070113" cy="369748"/>
-              </a:xfrm>
-              <a:prstGeom prst="rect">
-                <a:avLst/>
-              </a:prstGeom>
-              <a:ln w="28575">
-                <a:solidFill>
-                  <a:srgbClr val="00B0F0"/>
-                </a:solidFill>
-              </a:ln>
-            </p:spPr>
-            <p:style>
-              <a:lnRef idx="2">
-                <a:schemeClr val="accent2"/>
-              </a:lnRef>
-              <a:fillRef idx="1">
-                <a:schemeClr val="lt1"/>
-              </a:fillRef>
-              <a:effectRef idx="0">
-                <a:schemeClr val="accent2"/>
-              </a:effectRef>
-              <a:fontRef idx="minor">
-                <a:schemeClr val="dk1"/>
-              </a:fontRef>
-            </p:style>
-            <p:txBody>
-              <a:bodyPr rtlCol="0" anchor="ctr"/>
-              <a:lstStyle/>
-              <a:p>
-                <a:pPr algn="ctr"/>
-                <a:r>
-                  <a:rPr lang="en-US" altLang="ko-KR" sz="1200" dirty="0"/>
-                  <a:t>app=node</a:t>
-                </a:r>
-                <a:endParaRPr lang="ko-KR" altLang="en-US" sz="1200" dirty="0"/>
-              </a:p>
-            </p:txBody>
-          </p:sp>
-        </p:grpSp>
-        <p:sp>
-          <p:nvSpPr>
-            <p:cNvPr id="44" name="직사각형 43">
-              <a:extLst>
-                <a:ext uri="{FF2B5EF4-FFF2-40B4-BE49-F238E27FC236}">
-                  <a16:creationId xmlns:a16="http://schemas.microsoft.com/office/drawing/2014/main" id="{DE1B9F89-ABF7-196B-9F09-03F70EB411CC}"/>
-                </a:ext>
-              </a:extLst>
-            </p:cNvPr>
-            <p:cNvSpPr/>
-            <p:nvPr/>
-          </p:nvSpPr>
-          <p:spPr>
-            <a:xfrm>
-              <a:off x="4561609" y="1168965"/>
-              <a:ext cx="1133764" cy="3593718"/>
-            </a:xfrm>
-            <a:prstGeom prst="rect">
-              <a:avLst/>
-            </a:prstGeom>
-            <a:ln w="19050">
-              <a:solidFill>
-                <a:schemeClr val="accent1"/>
-              </a:solidFill>
-            </a:ln>
-          </p:spPr>
-          <p:style>
-            <a:lnRef idx="2">
-              <a:schemeClr val="accent2"/>
-            </a:lnRef>
-            <a:fillRef idx="1">
-              <a:schemeClr val="lt1"/>
-            </a:fillRef>
-            <a:effectRef idx="0">
-              <a:schemeClr val="accent2"/>
-            </a:effectRef>
-            <a:fontRef idx="minor">
-              <a:schemeClr val="dk1"/>
-            </a:fontRef>
-          </p:style>
-          <p:txBody>
-            <a:bodyPr rtlCol="0" anchor="ctr"/>
-            <a:lstStyle/>
-            <a:p>
-              <a:pPr algn="ctr"/>
-              <a:r>
-                <a:rPr lang="en-US" altLang="ko-KR" sz="1200" dirty="0"/>
-                <a:t>endpoints</a:t>
-              </a:r>
-            </a:p>
-            <a:p>
-              <a:pPr algn="ctr"/>
-              <a:endParaRPr lang="en-US" altLang="ko-KR" sz="1200" dirty="0"/>
-            </a:p>
-            <a:p>
-              <a:pPr algn="ctr"/>
-              <a:r>
-                <a:rPr lang="en-US" altLang="ko-KR" sz="900" dirty="0"/>
-                <a:t>[ 172.17.0.3, 172.17.0.4, 172.17.0.5]</a:t>
-              </a:r>
-              <a:endParaRPr lang="ko-KR" altLang="en-US" sz="900" dirty="0"/>
-            </a:p>
-          </p:txBody>
-        </p:sp>
-        <p:cxnSp>
-          <p:nvCxnSpPr>
-            <p:cNvPr id="53" name="연결선: 꺾임 52">
-              <a:extLst>
-                <a:ext uri="{FF2B5EF4-FFF2-40B4-BE49-F238E27FC236}">
-                  <a16:creationId xmlns:a16="http://schemas.microsoft.com/office/drawing/2014/main" id="{CC39E8FF-0675-5E61-FDF0-27C1AF9F15E8}"/>
+                  <a16:creationId xmlns:a16="http://schemas.microsoft.com/office/drawing/2014/main" id="{01169D1B-3EE4-658A-5A53-06BA5632CC14}"/>
                 </a:ext>
               </a:extLst>
             </p:cNvPr>
             <p:cNvCxnSpPr>
               <a:cxnSpLocks/>
-              <a:stCxn id="30" idx="3"/>
-              <a:endCxn id="35" idx="3"/>
+              <a:stCxn id="110" idx="1"/>
+              <a:endCxn id="108" idx="1"/>
             </p:cNvCxnSpPr>
             <p:nvPr/>
           </p:nvCxnSpPr>
           <p:spPr>
-            <a:xfrm flipV="1">
-              <a:off x="8331702" y="1833953"/>
-              <a:ext cx="12700" cy="2928730"/>
+            <a:xfrm rot="10800000">
+              <a:off x="5902038" y="4144072"/>
+              <a:ext cx="12700" cy="1403928"/>
             </a:xfrm>
             <a:prstGeom prst="bentConnector3">
               <a:avLst>
-                <a:gd name="adj1" fmla="val 13581819"/>
+                <a:gd name="adj1" fmla="val 5436362"/>
               </a:avLst>
             </a:prstGeom>
             <a:ln w="25400">
               <a:solidFill>
-                <a:schemeClr val="bg1">
-                  <a:lumMod val="75000"/>
-                </a:schemeClr>
+                <a:schemeClr val="accent1"/>
               </a:solidFill>
-              <a:prstDash val="dash"/>
+              <a:prstDash val="solid"/>
               <a:headEnd type="arrow"/>
               <a:tailEnd type="triangle"/>
             </a:ln>
@@ -8737,36 +13342,1698 @@
             </a:fontRef>
           </p:style>
         </p:cxnSp>
+        <p:sp>
+          <p:nvSpPr>
+            <p:cNvPr id="129" name="TextBox 128">
+              <a:extLst>
+                <a:ext uri="{FF2B5EF4-FFF2-40B4-BE49-F238E27FC236}">
+                  <a16:creationId xmlns:a16="http://schemas.microsoft.com/office/drawing/2014/main" id="{D787F375-A645-92E6-5754-81AB5624CE5E}"/>
+                </a:ext>
+              </a:extLst>
+            </p:cNvPr>
+            <p:cNvSpPr txBox="1"/>
+            <p:nvPr/>
+          </p:nvSpPr>
+          <p:spPr>
+            <a:xfrm>
+              <a:off x="5902036" y="5895315"/>
+              <a:ext cx="3269675" cy="307777"/>
+            </a:xfrm>
+            <a:prstGeom prst="rect">
+              <a:avLst/>
+            </a:prstGeom>
+            <a:noFill/>
+          </p:spPr>
+          <p:txBody>
+            <a:bodyPr wrap="square">
+              <a:spAutoFit/>
+            </a:bodyPr>
+            <a:lstStyle/>
+            <a:p>
+              <a:r>
+                <a:rPr lang="en-US" altLang="ko-KR" sz="1400" b="1" dirty="0">
+                  <a:solidFill>
+                    <a:schemeClr val="accent3">
+                      <a:lumMod val="50000"/>
+                    </a:schemeClr>
+                  </a:solidFill>
+                  <a:effectLst/>
+                  <a:latin typeface="Consolas" panose="020B0609020204030204" pitchFamily="49" charset="0"/>
+                </a:rPr>
+                <a:t>(2) </a:t>
+              </a:r>
+              <a:r>
+                <a:rPr lang="en-US" altLang="ko-KR" sz="1400" b="1" dirty="0">
+                  <a:solidFill>
+                    <a:schemeClr val="accent3">
+                      <a:lumMod val="50000"/>
+                    </a:schemeClr>
+                  </a:solidFill>
+                  <a:latin typeface="Consolas" panose="020B0609020204030204" pitchFamily="49" charset="0"/>
+                </a:rPr>
+                <a:t>Pod</a:t>
+              </a:r>
+              <a:r>
+                <a:rPr lang="ko-KR" altLang="en-US" sz="1400" b="1" dirty="0">
+                  <a:solidFill>
+                    <a:schemeClr val="accent3">
+                      <a:lumMod val="50000"/>
+                    </a:schemeClr>
+                  </a:solidFill>
+                  <a:latin typeface="Consolas" panose="020B0609020204030204" pitchFamily="49" charset="0"/>
+                </a:rPr>
+                <a:t> </a:t>
+              </a:r>
+              <a:r>
+                <a:rPr lang="en-US" altLang="ko-KR" sz="1400" b="1" dirty="0">
+                  <a:solidFill>
+                    <a:schemeClr val="accent3">
+                      <a:lumMod val="50000"/>
+                    </a:schemeClr>
+                  </a:solidFill>
+                  <a:latin typeface="Consolas" panose="020B0609020204030204" pitchFamily="49" charset="0"/>
+                </a:rPr>
+                <a:t>(1.0.2)</a:t>
+              </a:r>
+              <a:r>
+                <a:rPr lang="ko-KR" altLang="en-US" sz="1400" b="1" dirty="0">
+                  <a:solidFill>
+                    <a:schemeClr val="accent3">
+                      <a:lumMod val="50000"/>
+                    </a:schemeClr>
+                  </a:solidFill>
+                  <a:latin typeface="Consolas" panose="020B0609020204030204" pitchFamily="49" charset="0"/>
+                </a:rPr>
+                <a:t> 을 생성</a:t>
+              </a:r>
+              <a:endParaRPr lang="ko-KR" altLang="en-US" sz="1400" dirty="0">
+                <a:solidFill>
+                  <a:schemeClr val="accent3">
+                    <a:lumMod val="50000"/>
+                  </a:schemeClr>
+                </a:solidFill>
+              </a:endParaRPr>
+            </a:p>
+          </p:txBody>
+        </p:sp>
+      </p:grpSp>
+    </p:spTree>
+    <p:extLst>
+      <p:ext uri="{BB962C8B-B14F-4D97-AF65-F5344CB8AC3E}">
+        <p14:creationId xmlns:p14="http://schemas.microsoft.com/office/powerpoint/2010/main" val="1817020004"/>
+      </p:ext>
+    </p:extLst>
+  </p:cSld>
+  <p:clrMapOvr>
+    <a:masterClrMapping/>
+  </p:clrMapOvr>
+</p:sld>
+</file>
+
+<file path=ppt/slides/slide17.xml><?xml version="1.0" encoding="utf-8"?>
+<p:sld xmlns:a="http://schemas.openxmlformats.org/drawingml/2006/main" xmlns:r="http://schemas.openxmlformats.org/officeDocument/2006/relationships" xmlns:p="http://schemas.openxmlformats.org/presentationml/2006/main">
+  <p:cSld>
+    <p:spTree>
+      <p:nvGrpSpPr>
+        <p:cNvPr id="1" name=""/>
+        <p:cNvGrpSpPr/>
+        <p:nvPr/>
+      </p:nvGrpSpPr>
+      <p:grpSpPr>
+        <a:xfrm>
+          <a:off x="0" y="0"/>
+          <a:ext cx="0" cy="0"/>
+          <a:chOff x="0" y="0"/>
+          <a:chExt cx="0" cy="0"/>
+        </a:xfrm>
+      </p:grpSpPr>
+      <p:sp>
+        <p:nvSpPr>
+          <p:cNvPr id="2" name="TextBox 1">
+            <a:extLst>
+              <a:ext uri="{FF2B5EF4-FFF2-40B4-BE49-F238E27FC236}">
+                <a16:creationId xmlns:a16="http://schemas.microsoft.com/office/drawing/2014/main" id="{AF53483D-1A80-C107-D3AB-6901351F1D3F}"/>
+              </a:ext>
+            </a:extLst>
+          </p:cNvPr>
+          <p:cNvSpPr txBox="1"/>
+          <p:nvPr/>
+        </p:nvSpPr>
+        <p:spPr>
+          <a:xfrm>
+            <a:off x="10388600" y="6596390"/>
+            <a:ext cx="1803400" cy="261610"/>
+          </a:xfrm>
+          <a:prstGeom prst="rect">
+            <a:avLst/>
+          </a:prstGeom>
+          <a:noFill/>
+        </p:spPr>
+        <p:txBody>
+          <a:bodyPr wrap="square" rtlCol="0">
+            <a:spAutoFit/>
+          </a:bodyPr>
+          <a:lstStyle/>
+          <a:p>
+            <a:pPr algn="r"/>
+            <a:r>
+              <a:rPr lang="en-US" altLang="ko-KR" sz="1100" dirty="0"/>
+              <a:t>Kim0lil/80700</a:t>
+            </a:r>
+            <a:endParaRPr lang="ko-KR" altLang="en-US" sz="1100" dirty="0"/>
+          </a:p>
+        </p:txBody>
+      </p:sp>
+      <p:grpSp>
+        <p:nvGrpSpPr>
+          <p:cNvPr id="155" name="그룹 154">
+            <a:extLst>
+              <a:ext uri="{FF2B5EF4-FFF2-40B4-BE49-F238E27FC236}">
+                <a16:creationId xmlns:a16="http://schemas.microsoft.com/office/drawing/2014/main" id="{8EDD1CCB-E8B7-ECE9-3EA5-3C15C2952407}"/>
+              </a:ext>
+            </a:extLst>
+          </p:cNvPr>
+          <p:cNvGrpSpPr/>
+          <p:nvPr/>
+        </p:nvGrpSpPr>
+        <p:grpSpPr>
+          <a:xfrm>
+            <a:off x="2851086" y="455708"/>
+            <a:ext cx="8038588" cy="5307302"/>
+            <a:chOff x="2851086" y="455708"/>
+            <a:chExt cx="8038588" cy="5307302"/>
+          </a:xfrm>
+        </p:grpSpPr>
+        <p:sp>
+          <p:nvSpPr>
+            <p:cNvPr id="7" name="직사각형 6">
+              <a:extLst>
+                <a:ext uri="{FF2B5EF4-FFF2-40B4-BE49-F238E27FC236}">
+                  <a16:creationId xmlns:a16="http://schemas.microsoft.com/office/drawing/2014/main" id="{09D6C2E2-7B56-0337-7A7A-96913A5BBB1C}"/>
+                </a:ext>
+              </a:extLst>
+            </p:cNvPr>
+            <p:cNvSpPr/>
+            <p:nvPr/>
+          </p:nvSpPr>
+          <p:spPr>
+            <a:xfrm>
+              <a:off x="5902038" y="455708"/>
+              <a:ext cx="2207491" cy="560291"/>
+            </a:xfrm>
+            <a:prstGeom prst="rect">
+              <a:avLst/>
+            </a:prstGeom>
+            <a:solidFill>
+              <a:srgbClr val="00B050"/>
+            </a:solidFill>
+            <a:ln w="9525" cap="flat" cmpd="sng" algn="ctr">
+              <a:solidFill>
+                <a:schemeClr val="accent1"/>
+              </a:solidFill>
+              <a:prstDash val="solid"/>
+              <a:round/>
+              <a:headEnd type="none" w="med" len="med"/>
+              <a:tailEnd type="none" w="med" len="med"/>
+            </a:ln>
+          </p:spPr>
+          <p:style>
+            <a:lnRef idx="0">
+              <a:scrgbClr r="0" g="0" b="0"/>
+            </a:lnRef>
+            <a:fillRef idx="0">
+              <a:scrgbClr r="0" g="0" b="0"/>
+            </a:fillRef>
+            <a:effectRef idx="0">
+              <a:scrgbClr r="0" g="0" b="0"/>
+            </a:effectRef>
+            <a:fontRef idx="minor">
+              <a:schemeClr val="accent1"/>
+            </a:fontRef>
+          </p:style>
+          <p:txBody>
+            <a:bodyPr rtlCol="0" anchor="ctr"/>
+            <a:lstStyle/>
+            <a:p>
+              <a:pPr algn="ctr"/>
+              <a:r>
+                <a:rPr lang="en-US" altLang="ko-KR" b="1" dirty="0">
+                  <a:solidFill>
+                    <a:schemeClr val="bg1"/>
+                  </a:solidFill>
+                  <a:effectLst/>
+                  <a:latin typeface="Consolas" panose="020B0609020204030204" pitchFamily="49" charset="0"/>
+                </a:rPr>
+                <a:t>Pod </a:t>
+              </a:r>
+              <a:r>
+                <a:rPr lang="en-US" altLang="ko-KR" b="0" dirty="0">
+                  <a:solidFill>
+                    <a:srgbClr val="D4D4D4"/>
+                  </a:solidFill>
+                  <a:effectLst/>
+                  <a:latin typeface="Consolas" panose="020B0609020204030204" pitchFamily="49" charset="0"/>
+                </a:rPr>
+                <a:t>(1.0.2</a:t>
+              </a:r>
+              <a:r>
+                <a:rPr lang="en-US" altLang="ko-KR" dirty="0">
+                  <a:solidFill>
+                    <a:schemeClr val="bg1">
+                      <a:lumMod val="65000"/>
+                    </a:schemeClr>
+                  </a:solidFill>
+                  <a:latin typeface="Consolas" panose="020B0609020204030204" pitchFamily="49" charset="0"/>
+                </a:rPr>
+                <a:t>)</a:t>
+              </a:r>
+              <a:endParaRPr lang="en-US" altLang="ko-KR" b="0" dirty="0">
+                <a:solidFill>
+                  <a:srgbClr val="D4D4D4"/>
+                </a:solidFill>
+                <a:effectLst/>
+                <a:latin typeface="Consolas" panose="020B0609020204030204" pitchFamily="49" charset="0"/>
+              </a:endParaRPr>
+            </a:p>
+          </p:txBody>
+        </p:sp>
+        <p:sp>
+          <p:nvSpPr>
+            <p:cNvPr id="8" name="직사각형 7">
+              <a:extLst>
+                <a:ext uri="{FF2B5EF4-FFF2-40B4-BE49-F238E27FC236}">
+                  <a16:creationId xmlns:a16="http://schemas.microsoft.com/office/drawing/2014/main" id="{96793ACD-F0B2-4D71-66BF-93459029EE4C}"/>
+                </a:ext>
+              </a:extLst>
+            </p:cNvPr>
+            <p:cNvSpPr/>
+            <p:nvPr/>
+          </p:nvSpPr>
+          <p:spPr>
+            <a:xfrm>
+              <a:off x="2851086" y="828217"/>
+              <a:ext cx="1231387" cy="4871765"/>
+            </a:xfrm>
+            <a:prstGeom prst="rect">
+              <a:avLst/>
+            </a:prstGeom>
+          </p:spPr>
+          <p:style>
+            <a:lnRef idx="2">
+              <a:schemeClr val="accent2">
+                <a:shade val="50000"/>
+              </a:schemeClr>
+            </a:lnRef>
+            <a:fillRef idx="1">
+              <a:schemeClr val="accent2"/>
+            </a:fillRef>
+            <a:effectRef idx="0">
+              <a:schemeClr val="accent2"/>
+            </a:effectRef>
+            <a:fontRef idx="minor">
+              <a:schemeClr val="lt1"/>
+            </a:fontRef>
+          </p:style>
+          <p:txBody>
+            <a:bodyPr rtlCol="0" anchor="ctr"/>
+            <a:lstStyle/>
+            <a:p>
+              <a:pPr algn="ctr"/>
+              <a:r>
+                <a:rPr lang="en-US" altLang="ko-KR" b="1" dirty="0">
+                  <a:latin typeface="Consolas" panose="020B0609020204030204" pitchFamily="49" charset="0"/>
+                </a:rPr>
+                <a:t>Service</a:t>
+              </a:r>
+              <a:endParaRPr lang="ko-KR" altLang="en-US" sz="1400" b="1" dirty="0">
+                <a:latin typeface="Consolas" panose="020B0609020204030204" pitchFamily="49" charset="0"/>
+              </a:endParaRPr>
+            </a:p>
+          </p:txBody>
+        </p:sp>
+        <p:sp>
+          <p:nvSpPr>
+            <p:cNvPr id="9" name="직사각형 8">
+              <a:extLst>
+                <a:ext uri="{FF2B5EF4-FFF2-40B4-BE49-F238E27FC236}">
+                  <a16:creationId xmlns:a16="http://schemas.microsoft.com/office/drawing/2014/main" id="{6844E2B0-DD4E-6BDE-9F57-15F6FEE3967B}"/>
+                </a:ext>
+              </a:extLst>
+            </p:cNvPr>
+            <p:cNvSpPr/>
+            <p:nvPr/>
+          </p:nvSpPr>
+          <p:spPr>
+            <a:xfrm>
+              <a:off x="5902033" y="2294562"/>
+              <a:ext cx="2207491" cy="560291"/>
+            </a:xfrm>
+            <a:prstGeom prst="rect">
+              <a:avLst/>
+            </a:prstGeom>
+            <a:solidFill>
+              <a:srgbClr val="00B050"/>
+            </a:solidFill>
+            <a:ln w="9525" cap="flat" cmpd="sng" algn="ctr">
+              <a:solidFill>
+                <a:schemeClr val="accent1"/>
+              </a:solidFill>
+              <a:prstDash val="solid"/>
+              <a:round/>
+              <a:headEnd type="none" w="med" len="med"/>
+              <a:tailEnd type="none" w="med" len="med"/>
+            </a:ln>
+          </p:spPr>
+          <p:style>
+            <a:lnRef idx="0">
+              <a:scrgbClr r="0" g="0" b="0"/>
+            </a:lnRef>
+            <a:fillRef idx="0">
+              <a:scrgbClr r="0" g="0" b="0"/>
+            </a:fillRef>
+            <a:effectRef idx="0">
+              <a:scrgbClr r="0" g="0" b="0"/>
+            </a:effectRef>
+            <a:fontRef idx="minor">
+              <a:schemeClr val="accent1"/>
+            </a:fontRef>
+          </p:style>
+          <p:txBody>
+            <a:bodyPr rtlCol="0" anchor="ctr"/>
+            <a:lstStyle/>
+            <a:p>
+              <a:pPr algn="ctr"/>
+              <a:r>
+                <a:rPr lang="en-US" altLang="ko-KR" b="1" dirty="0">
+                  <a:solidFill>
+                    <a:schemeClr val="bg1"/>
+                  </a:solidFill>
+                  <a:effectLst/>
+                  <a:latin typeface="Consolas" panose="020B0609020204030204" pitchFamily="49" charset="0"/>
+                </a:rPr>
+                <a:t>Pod </a:t>
+              </a:r>
+              <a:r>
+                <a:rPr lang="en-US" altLang="ko-KR" b="0" dirty="0">
+                  <a:solidFill>
+                    <a:srgbClr val="D4D4D4"/>
+                  </a:solidFill>
+                  <a:effectLst/>
+                  <a:latin typeface="Consolas" panose="020B0609020204030204" pitchFamily="49" charset="0"/>
+                </a:rPr>
+                <a:t>(1.0.2</a:t>
+              </a:r>
+              <a:r>
+                <a:rPr lang="en-US" altLang="ko-KR" dirty="0">
+                  <a:solidFill>
+                    <a:schemeClr val="bg1">
+                      <a:lumMod val="65000"/>
+                    </a:schemeClr>
+                  </a:solidFill>
+                  <a:latin typeface="Consolas" panose="020B0609020204030204" pitchFamily="49" charset="0"/>
+                </a:rPr>
+                <a:t>)</a:t>
+              </a:r>
+              <a:endParaRPr lang="en-US" altLang="ko-KR" b="0" dirty="0">
+                <a:solidFill>
+                  <a:srgbClr val="D4D4D4"/>
+                </a:solidFill>
+                <a:effectLst/>
+                <a:latin typeface="Consolas" panose="020B0609020204030204" pitchFamily="49" charset="0"/>
+              </a:endParaRPr>
+            </a:p>
+          </p:txBody>
+        </p:sp>
+        <p:sp>
+          <p:nvSpPr>
+            <p:cNvPr id="10" name="직사각형 9">
+              <a:extLst>
+                <a:ext uri="{FF2B5EF4-FFF2-40B4-BE49-F238E27FC236}">
+                  <a16:creationId xmlns:a16="http://schemas.microsoft.com/office/drawing/2014/main" id="{5DBE833C-E255-5E7B-ACDF-E25E64A71F34}"/>
+                </a:ext>
+              </a:extLst>
+            </p:cNvPr>
+            <p:cNvSpPr/>
+            <p:nvPr/>
+          </p:nvSpPr>
+          <p:spPr>
+            <a:xfrm>
+              <a:off x="5902033" y="4213684"/>
+              <a:ext cx="2207491" cy="560291"/>
+            </a:xfrm>
+            <a:prstGeom prst="rect">
+              <a:avLst/>
+            </a:prstGeom>
+            <a:solidFill>
+              <a:srgbClr val="00B050"/>
+            </a:solidFill>
+            <a:ln w="9525" cap="flat" cmpd="sng" algn="ctr">
+              <a:solidFill>
+                <a:schemeClr val="accent1"/>
+              </a:solidFill>
+              <a:prstDash val="solid"/>
+              <a:round/>
+              <a:headEnd type="none" w="med" len="med"/>
+              <a:tailEnd type="none" w="med" len="med"/>
+            </a:ln>
+          </p:spPr>
+          <p:style>
+            <a:lnRef idx="0">
+              <a:scrgbClr r="0" g="0" b="0"/>
+            </a:lnRef>
+            <a:fillRef idx="0">
+              <a:scrgbClr r="0" g="0" b="0"/>
+            </a:fillRef>
+            <a:effectRef idx="0">
+              <a:scrgbClr r="0" g="0" b="0"/>
+            </a:effectRef>
+            <a:fontRef idx="minor">
+              <a:schemeClr val="accent1"/>
+            </a:fontRef>
+          </p:style>
+          <p:txBody>
+            <a:bodyPr rtlCol="0" anchor="ctr"/>
+            <a:lstStyle/>
+            <a:p>
+              <a:pPr algn="ctr"/>
+              <a:r>
+                <a:rPr lang="en-US" altLang="ko-KR" b="1" dirty="0">
+                  <a:solidFill>
+                    <a:schemeClr val="bg1"/>
+                  </a:solidFill>
+                  <a:effectLst/>
+                  <a:latin typeface="Consolas" panose="020B0609020204030204" pitchFamily="49" charset="0"/>
+                </a:rPr>
+                <a:t>Pod </a:t>
+              </a:r>
+              <a:r>
+                <a:rPr lang="en-US" altLang="ko-KR" b="0" dirty="0">
+                  <a:solidFill>
+                    <a:srgbClr val="D4D4D4"/>
+                  </a:solidFill>
+                  <a:effectLst/>
+                  <a:latin typeface="Consolas" panose="020B0609020204030204" pitchFamily="49" charset="0"/>
+                </a:rPr>
+                <a:t>(1.0.2</a:t>
+              </a:r>
+              <a:r>
+                <a:rPr lang="en-US" altLang="ko-KR" dirty="0">
+                  <a:solidFill>
+                    <a:schemeClr val="bg1">
+                      <a:lumMod val="65000"/>
+                    </a:schemeClr>
+                  </a:solidFill>
+                  <a:latin typeface="Consolas" panose="020B0609020204030204" pitchFamily="49" charset="0"/>
+                </a:rPr>
+                <a:t>)</a:t>
+              </a:r>
+              <a:endParaRPr lang="en-US" altLang="ko-KR" b="0" dirty="0">
+                <a:solidFill>
+                  <a:srgbClr val="D4D4D4"/>
+                </a:solidFill>
+                <a:effectLst/>
+                <a:latin typeface="Consolas" panose="020B0609020204030204" pitchFamily="49" charset="0"/>
+              </a:endParaRPr>
+            </a:p>
+          </p:txBody>
+        </p:sp>
+        <p:sp>
+          <p:nvSpPr>
+            <p:cNvPr id="11" name="직사각형 10">
+              <a:extLst>
+                <a:ext uri="{FF2B5EF4-FFF2-40B4-BE49-F238E27FC236}">
+                  <a16:creationId xmlns:a16="http://schemas.microsoft.com/office/drawing/2014/main" id="{001AB9CF-D462-8E8C-F39C-834FDF38B56C}"/>
+                </a:ext>
+              </a:extLst>
+            </p:cNvPr>
+            <p:cNvSpPr/>
+            <p:nvPr/>
+          </p:nvSpPr>
+          <p:spPr>
+            <a:xfrm>
+              <a:off x="5902038" y="1375135"/>
+              <a:ext cx="2207491" cy="560291"/>
+            </a:xfrm>
+            <a:prstGeom prst="rect">
+              <a:avLst/>
+            </a:prstGeom>
+            <a:solidFill>
+              <a:schemeClr val="accent5">
+                <a:lumMod val="75000"/>
+              </a:schemeClr>
+            </a:solidFill>
+            <a:ln w="9525" cap="flat" cmpd="sng" algn="ctr">
+              <a:solidFill>
+                <a:schemeClr val="accent1"/>
+              </a:solidFill>
+              <a:prstDash val="solid"/>
+              <a:round/>
+              <a:headEnd type="none" w="med" len="med"/>
+              <a:tailEnd type="none" w="med" len="med"/>
+            </a:ln>
+          </p:spPr>
+          <p:style>
+            <a:lnRef idx="0">
+              <a:scrgbClr r="0" g="0" b="0"/>
+            </a:lnRef>
+            <a:fillRef idx="0">
+              <a:scrgbClr r="0" g="0" b="0"/>
+            </a:fillRef>
+            <a:effectRef idx="0">
+              <a:scrgbClr r="0" g="0" b="0"/>
+            </a:effectRef>
+            <a:fontRef idx="minor">
+              <a:schemeClr val="accent1"/>
+            </a:fontRef>
+          </p:style>
+          <p:txBody>
+            <a:bodyPr rtlCol="0" anchor="ctr"/>
+            <a:lstStyle/>
+            <a:p>
+              <a:pPr algn="ctr"/>
+              <a:r>
+                <a:rPr lang="en-US" altLang="ko-KR" b="1" dirty="0">
+                  <a:solidFill>
+                    <a:schemeClr val="bg1"/>
+                  </a:solidFill>
+                  <a:effectLst/>
+                  <a:latin typeface="Consolas" panose="020B0609020204030204" pitchFamily="49" charset="0"/>
+                </a:rPr>
+                <a:t>Pod </a:t>
+              </a:r>
+              <a:r>
+                <a:rPr lang="en-US" altLang="ko-KR" b="0" dirty="0">
+                  <a:solidFill>
+                    <a:srgbClr val="D4D4D4"/>
+                  </a:solidFill>
+                  <a:effectLst/>
+                  <a:latin typeface="Consolas" panose="020B0609020204030204" pitchFamily="49" charset="0"/>
+                </a:rPr>
+                <a:t>(1.0.0</a:t>
+              </a:r>
+              <a:r>
+                <a:rPr lang="en-US" altLang="ko-KR" dirty="0">
+                  <a:solidFill>
+                    <a:schemeClr val="bg1">
+                      <a:lumMod val="65000"/>
+                    </a:schemeClr>
+                  </a:solidFill>
+                  <a:latin typeface="Consolas" panose="020B0609020204030204" pitchFamily="49" charset="0"/>
+                </a:rPr>
+                <a:t>)</a:t>
+              </a:r>
+              <a:endParaRPr lang="en-US" altLang="ko-KR" b="0" dirty="0">
+                <a:solidFill>
+                  <a:srgbClr val="D4D4D4"/>
+                </a:solidFill>
+                <a:effectLst/>
+                <a:latin typeface="Consolas" panose="020B0609020204030204" pitchFamily="49" charset="0"/>
+              </a:endParaRPr>
+            </a:p>
+          </p:txBody>
+        </p:sp>
+        <p:sp>
+          <p:nvSpPr>
+            <p:cNvPr id="12" name="직사각형 11">
+              <a:extLst>
+                <a:ext uri="{FF2B5EF4-FFF2-40B4-BE49-F238E27FC236}">
+                  <a16:creationId xmlns:a16="http://schemas.microsoft.com/office/drawing/2014/main" id="{FCE0792B-9693-2B08-AD1C-AC8DD8903F52}"/>
+                </a:ext>
+              </a:extLst>
+            </p:cNvPr>
+            <p:cNvSpPr/>
+            <p:nvPr/>
+          </p:nvSpPr>
+          <p:spPr>
+            <a:xfrm>
+              <a:off x="5902033" y="3218464"/>
+              <a:ext cx="2207491" cy="560291"/>
+            </a:xfrm>
+            <a:prstGeom prst="rect">
+              <a:avLst/>
+            </a:prstGeom>
+            <a:solidFill>
+              <a:schemeClr val="accent5">
+                <a:lumMod val="75000"/>
+              </a:schemeClr>
+            </a:solidFill>
+            <a:ln w="9525" cap="flat" cmpd="sng" algn="ctr">
+              <a:solidFill>
+                <a:schemeClr val="accent1"/>
+              </a:solidFill>
+              <a:prstDash val="solid"/>
+              <a:round/>
+              <a:headEnd type="none" w="med" len="med"/>
+              <a:tailEnd type="none" w="med" len="med"/>
+            </a:ln>
+          </p:spPr>
+          <p:style>
+            <a:lnRef idx="0">
+              <a:scrgbClr r="0" g="0" b="0"/>
+            </a:lnRef>
+            <a:fillRef idx="0">
+              <a:scrgbClr r="0" g="0" b="0"/>
+            </a:fillRef>
+            <a:effectRef idx="0">
+              <a:scrgbClr r="0" g="0" b="0"/>
+            </a:effectRef>
+            <a:fontRef idx="minor">
+              <a:schemeClr val="accent1"/>
+            </a:fontRef>
+          </p:style>
+          <p:txBody>
+            <a:bodyPr rtlCol="0" anchor="ctr"/>
+            <a:lstStyle/>
+            <a:p>
+              <a:pPr algn="ctr"/>
+              <a:r>
+                <a:rPr lang="en-US" altLang="ko-KR" b="1" dirty="0">
+                  <a:solidFill>
+                    <a:schemeClr val="bg1"/>
+                  </a:solidFill>
+                  <a:effectLst/>
+                  <a:latin typeface="Consolas" panose="020B0609020204030204" pitchFamily="49" charset="0"/>
+                </a:rPr>
+                <a:t>Pod </a:t>
+              </a:r>
+              <a:r>
+                <a:rPr lang="en-US" altLang="ko-KR" b="0" dirty="0">
+                  <a:solidFill>
+                    <a:srgbClr val="D4D4D4"/>
+                  </a:solidFill>
+                  <a:effectLst/>
+                  <a:latin typeface="Consolas" panose="020B0609020204030204" pitchFamily="49" charset="0"/>
+                </a:rPr>
+                <a:t>(1.0.0</a:t>
+              </a:r>
+              <a:r>
+                <a:rPr lang="en-US" altLang="ko-KR" dirty="0">
+                  <a:solidFill>
+                    <a:schemeClr val="bg1">
+                      <a:lumMod val="65000"/>
+                    </a:schemeClr>
+                  </a:solidFill>
+                  <a:latin typeface="Consolas" panose="020B0609020204030204" pitchFamily="49" charset="0"/>
+                </a:rPr>
+                <a:t>)</a:t>
+              </a:r>
+              <a:endParaRPr lang="en-US" altLang="ko-KR" b="0" dirty="0">
+                <a:solidFill>
+                  <a:srgbClr val="D4D4D4"/>
+                </a:solidFill>
+                <a:effectLst/>
+                <a:latin typeface="Consolas" panose="020B0609020204030204" pitchFamily="49" charset="0"/>
+              </a:endParaRPr>
+            </a:p>
+          </p:txBody>
+        </p:sp>
+        <p:sp>
+          <p:nvSpPr>
+            <p:cNvPr id="13" name="직사각형 12">
+              <a:extLst>
+                <a:ext uri="{FF2B5EF4-FFF2-40B4-BE49-F238E27FC236}">
+                  <a16:creationId xmlns:a16="http://schemas.microsoft.com/office/drawing/2014/main" id="{C6B1F4EC-C894-6BA4-5F78-CCF6ACF0EB6B}"/>
+                </a:ext>
+              </a:extLst>
+            </p:cNvPr>
+            <p:cNvSpPr/>
+            <p:nvPr/>
+          </p:nvSpPr>
+          <p:spPr>
+            <a:xfrm>
+              <a:off x="5902033" y="5202719"/>
+              <a:ext cx="2207491" cy="560291"/>
+            </a:xfrm>
+            <a:prstGeom prst="rect">
+              <a:avLst/>
+            </a:prstGeom>
+            <a:solidFill>
+              <a:schemeClr val="accent5">
+                <a:lumMod val="75000"/>
+              </a:schemeClr>
+            </a:solidFill>
+            <a:ln w="9525" cap="flat" cmpd="sng" algn="ctr">
+              <a:solidFill>
+                <a:schemeClr val="accent1"/>
+              </a:solidFill>
+              <a:prstDash val="solid"/>
+              <a:round/>
+              <a:headEnd type="none" w="med" len="med"/>
+              <a:tailEnd type="none" w="med" len="med"/>
+            </a:ln>
+          </p:spPr>
+          <p:style>
+            <a:lnRef idx="0">
+              <a:scrgbClr r="0" g="0" b="0"/>
+            </a:lnRef>
+            <a:fillRef idx="0">
+              <a:scrgbClr r="0" g="0" b="0"/>
+            </a:fillRef>
+            <a:effectRef idx="0">
+              <a:scrgbClr r="0" g="0" b="0"/>
+            </a:effectRef>
+            <a:fontRef idx="minor">
+              <a:schemeClr val="accent1"/>
+            </a:fontRef>
+          </p:style>
+          <p:txBody>
+            <a:bodyPr rtlCol="0" anchor="ctr"/>
+            <a:lstStyle/>
+            <a:p>
+              <a:pPr algn="ctr"/>
+              <a:r>
+                <a:rPr lang="en-US" altLang="ko-KR" b="1" dirty="0">
+                  <a:solidFill>
+                    <a:schemeClr val="bg1"/>
+                  </a:solidFill>
+                  <a:effectLst/>
+                  <a:latin typeface="Consolas" panose="020B0609020204030204" pitchFamily="49" charset="0"/>
+                </a:rPr>
+                <a:t>Pod </a:t>
+              </a:r>
+              <a:r>
+                <a:rPr lang="en-US" altLang="ko-KR" b="0" dirty="0">
+                  <a:solidFill>
+                    <a:srgbClr val="D4D4D4"/>
+                  </a:solidFill>
+                  <a:effectLst/>
+                  <a:latin typeface="Consolas" panose="020B0609020204030204" pitchFamily="49" charset="0"/>
+                </a:rPr>
+                <a:t>(1.0.0</a:t>
+              </a:r>
+              <a:r>
+                <a:rPr lang="en-US" altLang="ko-KR" dirty="0">
+                  <a:solidFill>
+                    <a:schemeClr val="bg1">
+                      <a:lumMod val="65000"/>
+                    </a:schemeClr>
+                  </a:solidFill>
+                  <a:latin typeface="Consolas" panose="020B0609020204030204" pitchFamily="49" charset="0"/>
+                </a:rPr>
+                <a:t>)</a:t>
+              </a:r>
+              <a:endParaRPr lang="en-US" altLang="ko-KR" b="0" dirty="0">
+                <a:solidFill>
+                  <a:srgbClr val="D4D4D4"/>
+                </a:solidFill>
+                <a:effectLst/>
+                <a:latin typeface="Consolas" panose="020B0609020204030204" pitchFamily="49" charset="0"/>
+              </a:endParaRPr>
+            </a:p>
+          </p:txBody>
+        </p:sp>
         <p:cxnSp>
           <p:nvCxnSpPr>
-            <p:cNvPr id="58" name="직선 화살표 연결선 57">
+            <p:cNvPr id="14" name="연결선: 꺾임 13">
               <a:extLst>
                 <a:ext uri="{FF2B5EF4-FFF2-40B4-BE49-F238E27FC236}">
-                  <a16:creationId xmlns:a16="http://schemas.microsoft.com/office/drawing/2014/main" id="{F6D314DF-711F-2E36-F967-21644CB58CA4}"/>
+                  <a16:creationId xmlns:a16="http://schemas.microsoft.com/office/drawing/2014/main" id="{B488DD90-5101-FCBF-F78D-DB2852995F3F}"/>
                 </a:ext>
               </a:extLst>
             </p:cNvPr>
             <p:cNvCxnSpPr>
               <a:cxnSpLocks/>
+              <a:stCxn id="7" idx="1"/>
+              <a:endCxn id="139" idx="6"/>
             </p:cNvCxnSpPr>
             <p:nvPr/>
           </p:nvCxnSpPr>
           <p:spPr>
-            <a:xfrm flipH="1">
-              <a:off x="8331702" y="3298318"/>
-              <a:ext cx="1726698" cy="0"/>
+            <a:xfrm rot="10800000" flipV="1">
+              <a:off x="4151744" y="735854"/>
+              <a:ext cx="1750295" cy="2538754"/>
             </a:xfrm>
-            <a:prstGeom prst="straightConnector1">
+            <a:prstGeom prst="bentConnector3">
+              <a:avLst>
+                <a:gd name="adj1" fmla="val 61610"/>
+              </a:avLst>
+            </a:prstGeom>
+            <a:ln w="25400">
+              <a:solidFill>
+                <a:srgbClr val="FF0000"/>
+              </a:solidFill>
+              <a:prstDash val="dash"/>
+              <a:headEnd type="arrow"/>
+              <a:tailEnd type="none"/>
+            </a:ln>
+          </p:spPr>
+          <p:style>
+            <a:lnRef idx="1">
+              <a:schemeClr val="accent1"/>
+            </a:lnRef>
+            <a:fillRef idx="0">
+              <a:schemeClr val="accent1"/>
+            </a:fillRef>
+            <a:effectRef idx="0">
+              <a:schemeClr val="accent1"/>
+            </a:effectRef>
+            <a:fontRef idx="minor">
+              <a:schemeClr val="tx1"/>
+            </a:fontRef>
+          </p:style>
+        </p:cxnSp>
+        <p:sp>
+          <p:nvSpPr>
+            <p:cNvPr id="16" name="TextBox 15">
+              <a:extLst>
+                <a:ext uri="{FF2B5EF4-FFF2-40B4-BE49-F238E27FC236}">
+                  <a16:creationId xmlns:a16="http://schemas.microsoft.com/office/drawing/2014/main" id="{8E623143-EB98-60C8-2ECE-6F0C9B6523F4}"/>
+                </a:ext>
+              </a:extLst>
+            </p:cNvPr>
+            <p:cNvSpPr txBox="1"/>
+            <p:nvPr/>
+          </p:nvSpPr>
+          <p:spPr>
+            <a:xfrm>
+              <a:off x="8229602" y="581964"/>
+              <a:ext cx="2660072" cy="307777"/>
+            </a:xfrm>
+            <a:prstGeom prst="rect">
               <a:avLst/>
             </a:prstGeom>
-            <a:ln w="22225">
+            <a:noFill/>
+          </p:spPr>
+          <p:txBody>
+            <a:bodyPr wrap="square">
+              <a:spAutoFit/>
+            </a:bodyPr>
+            <a:lstStyle/>
+            <a:p>
+              <a:r>
+                <a:rPr lang="en-US" altLang="ko-KR" sz="1400" b="1" dirty="0">
+                  <a:solidFill>
+                    <a:schemeClr val="accent3">
+                      <a:lumMod val="50000"/>
+                    </a:schemeClr>
+                  </a:solidFill>
+                  <a:effectLst/>
+                  <a:latin typeface="Consolas" panose="020B0609020204030204" pitchFamily="49" charset="0"/>
+                </a:rPr>
+                <a:t>(1) </a:t>
+              </a:r>
+              <a:r>
+                <a:rPr lang="en-US" altLang="ko-KR" sz="1400" b="1" dirty="0">
+                  <a:solidFill>
+                    <a:schemeClr val="accent3">
+                      <a:lumMod val="50000"/>
+                    </a:schemeClr>
+                  </a:solidFill>
+                  <a:latin typeface="Consolas" panose="020B0609020204030204" pitchFamily="49" charset="0"/>
+                </a:rPr>
+                <a:t>Pod</a:t>
+              </a:r>
+              <a:r>
+                <a:rPr lang="ko-KR" altLang="en-US" sz="1400" b="1" dirty="0">
+                  <a:solidFill>
+                    <a:schemeClr val="accent3">
+                      <a:lumMod val="50000"/>
+                    </a:schemeClr>
+                  </a:solidFill>
+                  <a:latin typeface="Consolas" panose="020B0609020204030204" pitchFamily="49" charset="0"/>
+                </a:rPr>
+                <a:t> </a:t>
+              </a:r>
+              <a:r>
+                <a:rPr lang="en-US" altLang="ko-KR" sz="1400" b="1" dirty="0">
+                  <a:solidFill>
+                    <a:schemeClr val="accent3">
+                      <a:lumMod val="50000"/>
+                    </a:schemeClr>
+                  </a:solidFill>
+                  <a:latin typeface="Consolas" panose="020B0609020204030204" pitchFamily="49" charset="0"/>
+                </a:rPr>
+                <a:t>(1.0.0)</a:t>
+              </a:r>
+              <a:r>
+                <a:rPr lang="ko-KR" altLang="en-US" sz="1400" b="1" dirty="0">
+                  <a:solidFill>
+                    <a:schemeClr val="accent3">
+                      <a:lumMod val="50000"/>
+                    </a:schemeClr>
+                  </a:solidFill>
+                  <a:latin typeface="Consolas" panose="020B0609020204030204" pitchFamily="49" charset="0"/>
+                </a:rPr>
+                <a:t> 을 생성</a:t>
+              </a:r>
+              <a:endParaRPr lang="ko-KR" altLang="en-US" sz="1400" dirty="0">
+                <a:solidFill>
+                  <a:schemeClr val="accent3">
+                    <a:lumMod val="50000"/>
+                  </a:schemeClr>
+                </a:solidFill>
+              </a:endParaRPr>
+            </a:p>
+          </p:txBody>
+        </p:sp>
+        <p:cxnSp>
+          <p:nvCxnSpPr>
+            <p:cNvPr id="17" name="연결선: 꺾임 16">
+              <a:extLst>
+                <a:ext uri="{FF2B5EF4-FFF2-40B4-BE49-F238E27FC236}">
+                  <a16:creationId xmlns:a16="http://schemas.microsoft.com/office/drawing/2014/main" id="{947220FC-595F-BB16-11AA-E08681DBD194}"/>
+                </a:ext>
+              </a:extLst>
+            </p:cNvPr>
+            <p:cNvCxnSpPr>
+              <a:cxnSpLocks/>
+              <a:stCxn id="11" idx="1"/>
+              <a:endCxn id="116" idx="6"/>
+            </p:cNvCxnSpPr>
+            <p:nvPr/>
+          </p:nvCxnSpPr>
+          <p:spPr>
+            <a:xfrm rot="10800000" flipV="1">
+              <a:off x="4137892" y="1655281"/>
+              <a:ext cx="1764147" cy="458810"/>
+            </a:xfrm>
+            <a:prstGeom prst="bentConnector3">
+              <a:avLst>
+                <a:gd name="adj1" fmla="val 83508"/>
+              </a:avLst>
+            </a:prstGeom>
+            <a:ln w="25400">
               <a:solidFill>
-                <a:schemeClr val="bg1">
-                  <a:lumMod val="75000"/>
-                </a:schemeClr>
+                <a:schemeClr val="accent1"/>
+              </a:solidFill>
+              <a:prstDash val="solid"/>
+              <a:headEnd type="arrow"/>
+              <a:tailEnd type="none"/>
+            </a:ln>
+          </p:spPr>
+          <p:style>
+            <a:lnRef idx="1">
+              <a:schemeClr val="accent1"/>
+            </a:lnRef>
+            <a:fillRef idx="0">
+              <a:schemeClr val="accent1"/>
+            </a:fillRef>
+            <a:effectRef idx="0">
+              <a:schemeClr val="accent1"/>
+            </a:effectRef>
+            <a:fontRef idx="minor">
+              <a:schemeClr val="tx1"/>
+            </a:fontRef>
+          </p:style>
+        </p:cxnSp>
+        <p:sp>
+          <p:nvSpPr>
+            <p:cNvPr id="19" name="TextBox 18">
+              <a:extLst>
+                <a:ext uri="{FF2B5EF4-FFF2-40B4-BE49-F238E27FC236}">
+                  <a16:creationId xmlns:a16="http://schemas.microsoft.com/office/drawing/2014/main" id="{F8A16616-F9D5-85C2-A39D-DA009386D034}"/>
+                </a:ext>
+              </a:extLst>
+            </p:cNvPr>
+            <p:cNvSpPr txBox="1"/>
+            <p:nvPr/>
+          </p:nvSpPr>
+          <p:spPr>
+            <a:xfrm>
+              <a:off x="8229601" y="1501391"/>
+              <a:ext cx="2660072" cy="307777"/>
+            </a:xfrm>
+            <a:prstGeom prst="rect">
+              <a:avLst/>
+            </a:prstGeom>
+            <a:noFill/>
+          </p:spPr>
+          <p:txBody>
+            <a:bodyPr wrap="square">
+              <a:spAutoFit/>
+            </a:bodyPr>
+            <a:lstStyle/>
+            <a:p>
+              <a:r>
+                <a:rPr lang="en-US" altLang="ko-KR" sz="1400" b="1" dirty="0">
+                  <a:solidFill>
+                    <a:schemeClr val="accent3">
+                      <a:lumMod val="50000"/>
+                    </a:schemeClr>
+                  </a:solidFill>
+                  <a:effectLst/>
+                  <a:latin typeface="Consolas" panose="020B0609020204030204" pitchFamily="49" charset="0"/>
+                </a:rPr>
+                <a:t>(2) </a:t>
+              </a:r>
+              <a:r>
+                <a:rPr lang="en-US" altLang="ko-KR" sz="1400" b="1" dirty="0">
+                  <a:solidFill>
+                    <a:schemeClr val="accent3">
+                      <a:lumMod val="50000"/>
+                    </a:schemeClr>
+                  </a:solidFill>
+                  <a:latin typeface="Consolas" panose="020B0609020204030204" pitchFamily="49" charset="0"/>
+                </a:rPr>
+                <a:t>Pod</a:t>
+              </a:r>
+              <a:r>
+                <a:rPr lang="ko-KR" altLang="en-US" sz="1400" b="1" dirty="0">
+                  <a:solidFill>
+                    <a:schemeClr val="accent3">
+                      <a:lumMod val="50000"/>
+                    </a:schemeClr>
+                  </a:solidFill>
+                  <a:latin typeface="Consolas" panose="020B0609020204030204" pitchFamily="49" charset="0"/>
+                </a:rPr>
+                <a:t> </a:t>
+              </a:r>
+              <a:r>
+                <a:rPr lang="en-US" altLang="ko-KR" sz="1400" b="1" dirty="0">
+                  <a:solidFill>
+                    <a:schemeClr val="accent3">
+                      <a:lumMod val="50000"/>
+                    </a:schemeClr>
+                  </a:solidFill>
+                  <a:latin typeface="Consolas" panose="020B0609020204030204" pitchFamily="49" charset="0"/>
+                </a:rPr>
+                <a:t>(1.0.2)</a:t>
+              </a:r>
+              <a:r>
+                <a:rPr lang="ko-KR" altLang="en-US" sz="1400" b="1" dirty="0">
+                  <a:solidFill>
+                    <a:schemeClr val="accent3">
+                      <a:lumMod val="50000"/>
+                    </a:schemeClr>
+                  </a:solidFill>
+                  <a:latin typeface="Consolas" panose="020B0609020204030204" pitchFamily="49" charset="0"/>
+                </a:rPr>
+                <a:t> 을 삭제</a:t>
+              </a:r>
+              <a:endParaRPr lang="ko-KR" altLang="en-US" sz="1400" dirty="0">
+                <a:solidFill>
+                  <a:schemeClr val="accent3">
+                    <a:lumMod val="50000"/>
+                  </a:schemeClr>
+                </a:solidFill>
+              </a:endParaRPr>
+            </a:p>
+          </p:txBody>
+        </p:sp>
+        <p:sp>
+          <p:nvSpPr>
+            <p:cNvPr id="30" name="TextBox 29">
+              <a:extLst>
+                <a:ext uri="{FF2B5EF4-FFF2-40B4-BE49-F238E27FC236}">
+                  <a16:creationId xmlns:a16="http://schemas.microsoft.com/office/drawing/2014/main" id="{83AA7A54-53B1-BAAF-C019-827B0974E3CE}"/>
+                </a:ext>
+              </a:extLst>
+            </p:cNvPr>
+            <p:cNvSpPr txBox="1"/>
+            <p:nvPr/>
+          </p:nvSpPr>
+          <p:spPr>
+            <a:xfrm>
+              <a:off x="8229602" y="2420818"/>
+              <a:ext cx="2660072" cy="307777"/>
+            </a:xfrm>
+            <a:prstGeom prst="rect">
+              <a:avLst/>
+            </a:prstGeom>
+            <a:noFill/>
+          </p:spPr>
+          <p:txBody>
+            <a:bodyPr wrap="square">
+              <a:spAutoFit/>
+            </a:bodyPr>
+            <a:lstStyle/>
+            <a:p>
+              <a:r>
+                <a:rPr lang="en-US" altLang="ko-KR" sz="1400" b="1" dirty="0">
+                  <a:solidFill>
+                    <a:schemeClr val="accent3">
+                      <a:lumMod val="50000"/>
+                    </a:schemeClr>
+                  </a:solidFill>
+                  <a:effectLst/>
+                  <a:latin typeface="Consolas" panose="020B0609020204030204" pitchFamily="49" charset="0"/>
+                </a:rPr>
+                <a:t>(3) </a:t>
+              </a:r>
+              <a:r>
+                <a:rPr lang="en-US" altLang="ko-KR" sz="1400" b="1" dirty="0">
+                  <a:solidFill>
+                    <a:schemeClr val="accent3">
+                      <a:lumMod val="50000"/>
+                    </a:schemeClr>
+                  </a:solidFill>
+                  <a:latin typeface="Consolas" panose="020B0609020204030204" pitchFamily="49" charset="0"/>
+                </a:rPr>
+                <a:t>Pod</a:t>
+              </a:r>
+              <a:r>
+                <a:rPr lang="ko-KR" altLang="en-US" sz="1400" b="1" dirty="0">
+                  <a:solidFill>
+                    <a:schemeClr val="accent3">
+                      <a:lumMod val="50000"/>
+                    </a:schemeClr>
+                  </a:solidFill>
+                  <a:latin typeface="Consolas" panose="020B0609020204030204" pitchFamily="49" charset="0"/>
+                </a:rPr>
+                <a:t> </a:t>
+              </a:r>
+              <a:r>
+                <a:rPr lang="en-US" altLang="ko-KR" sz="1400" b="1" dirty="0">
+                  <a:solidFill>
+                    <a:schemeClr val="accent3">
+                      <a:lumMod val="50000"/>
+                    </a:schemeClr>
+                  </a:solidFill>
+                  <a:latin typeface="Consolas" panose="020B0609020204030204" pitchFamily="49" charset="0"/>
+                </a:rPr>
+                <a:t>(1.0.0)</a:t>
+              </a:r>
+              <a:r>
+                <a:rPr lang="ko-KR" altLang="en-US" sz="1400" b="1" dirty="0">
+                  <a:solidFill>
+                    <a:schemeClr val="accent3">
+                      <a:lumMod val="50000"/>
+                    </a:schemeClr>
+                  </a:solidFill>
+                  <a:latin typeface="Consolas" panose="020B0609020204030204" pitchFamily="49" charset="0"/>
+                </a:rPr>
+                <a:t> 을 생성</a:t>
+              </a:r>
+              <a:endParaRPr lang="ko-KR" altLang="en-US" sz="1400" dirty="0">
+                <a:solidFill>
+                  <a:schemeClr val="accent3">
+                    <a:lumMod val="50000"/>
+                  </a:schemeClr>
+                </a:solidFill>
+              </a:endParaRPr>
+            </a:p>
+          </p:txBody>
+        </p:sp>
+        <p:sp>
+          <p:nvSpPr>
+            <p:cNvPr id="31" name="TextBox 30">
+              <a:extLst>
+                <a:ext uri="{FF2B5EF4-FFF2-40B4-BE49-F238E27FC236}">
+                  <a16:creationId xmlns:a16="http://schemas.microsoft.com/office/drawing/2014/main" id="{F56DCAC2-D6FD-ACF8-4006-8F73E2D52067}"/>
+                </a:ext>
+              </a:extLst>
+            </p:cNvPr>
+            <p:cNvSpPr txBox="1"/>
+            <p:nvPr/>
+          </p:nvSpPr>
+          <p:spPr>
+            <a:xfrm>
+              <a:off x="8229601" y="3340245"/>
+              <a:ext cx="2660072" cy="307777"/>
+            </a:xfrm>
+            <a:prstGeom prst="rect">
+              <a:avLst/>
+            </a:prstGeom>
+            <a:noFill/>
+          </p:spPr>
+          <p:txBody>
+            <a:bodyPr wrap="square">
+              <a:spAutoFit/>
+            </a:bodyPr>
+            <a:lstStyle/>
+            <a:p>
+              <a:r>
+                <a:rPr lang="en-US" altLang="ko-KR" sz="1400" b="1" dirty="0">
+                  <a:solidFill>
+                    <a:schemeClr val="accent3">
+                      <a:lumMod val="50000"/>
+                    </a:schemeClr>
+                  </a:solidFill>
+                  <a:effectLst/>
+                  <a:latin typeface="Consolas" panose="020B0609020204030204" pitchFamily="49" charset="0"/>
+                </a:rPr>
+                <a:t>(4) </a:t>
+              </a:r>
+              <a:r>
+                <a:rPr lang="en-US" altLang="ko-KR" sz="1400" b="1" dirty="0">
+                  <a:solidFill>
+                    <a:schemeClr val="accent3">
+                      <a:lumMod val="50000"/>
+                    </a:schemeClr>
+                  </a:solidFill>
+                  <a:latin typeface="Consolas" panose="020B0609020204030204" pitchFamily="49" charset="0"/>
+                </a:rPr>
+                <a:t>Pod</a:t>
+              </a:r>
+              <a:r>
+                <a:rPr lang="ko-KR" altLang="en-US" sz="1400" b="1" dirty="0">
+                  <a:solidFill>
+                    <a:schemeClr val="accent3">
+                      <a:lumMod val="50000"/>
+                    </a:schemeClr>
+                  </a:solidFill>
+                  <a:latin typeface="Consolas" panose="020B0609020204030204" pitchFamily="49" charset="0"/>
+                </a:rPr>
+                <a:t> </a:t>
+              </a:r>
+              <a:r>
+                <a:rPr lang="en-US" altLang="ko-KR" sz="1400" b="1" dirty="0">
+                  <a:solidFill>
+                    <a:schemeClr val="accent3">
+                      <a:lumMod val="50000"/>
+                    </a:schemeClr>
+                  </a:solidFill>
+                  <a:latin typeface="Consolas" panose="020B0609020204030204" pitchFamily="49" charset="0"/>
+                </a:rPr>
+                <a:t>(1.0.2)</a:t>
+              </a:r>
+              <a:r>
+                <a:rPr lang="ko-KR" altLang="en-US" sz="1400" b="1" dirty="0">
+                  <a:solidFill>
+                    <a:schemeClr val="accent3">
+                      <a:lumMod val="50000"/>
+                    </a:schemeClr>
+                  </a:solidFill>
+                  <a:latin typeface="Consolas" panose="020B0609020204030204" pitchFamily="49" charset="0"/>
+                </a:rPr>
+                <a:t> 을 삭제</a:t>
+              </a:r>
+              <a:endParaRPr lang="ko-KR" altLang="en-US" sz="1400" dirty="0">
+                <a:solidFill>
+                  <a:schemeClr val="accent3">
+                    <a:lumMod val="50000"/>
+                  </a:schemeClr>
+                </a:solidFill>
+              </a:endParaRPr>
+            </a:p>
+          </p:txBody>
+        </p:sp>
+        <p:sp>
+          <p:nvSpPr>
+            <p:cNvPr id="96" name="TextBox 95">
+              <a:extLst>
+                <a:ext uri="{FF2B5EF4-FFF2-40B4-BE49-F238E27FC236}">
+                  <a16:creationId xmlns:a16="http://schemas.microsoft.com/office/drawing/2014/main" id="{DD5183C3-ECC5-7466-E336-FA250AC85133}"/>
+                </a:ext>
+              </a:extLst>
+            </p:cNvPr>
+            <p:cNvSpPr txBox="1"/>
+            <p:nvPr/>
+          </p:nvSpPr>
+          <p:spPr>
+            <a:xfrm>
+              <a:off x="8229601" y="4354715"/>
+              <a:ext cx="2660072" cy="307777"/>
+            </a:xfrm>
+            <a:prstGeom prst="rect">
+              <a:avLst/>
+            </a:prstGeom>
+            <a:noFill/>
+          </p:spPr>
+          <p:txBody>
+            <a:bodyPr wrap="square">
+              <a:spAutoFit/>
+            </a:bodyPr>
+            <a:lstStyle/>
+            <a:p>
+              <a:r>
+                <a:rPr lang="en-US" altLang="ko-KR" sz="1400" b="1" dirty="0">
+                  <a:solidFill>
+                    <a:schemeClr val="accent3">
+                      <a:lumMod val="50000"/>
+                    </a:schemeClr>
+                  </a:solidFill>
+                  <a:effectLst/>
+                  <a:latin typeface="Consolas" panose="020B0609020204030204" pitchFamily="49" charset="0"/>
+                </a:rPr>
+                <a:t>(5) </a:t>
+              </a:r>
+              <a:r>
+                <a:rPr lang="en-US" altLang="ko-KR" sz="1400" b="1" dirty="0">
+                  <a:solidFill>
+                    <a:schemeClr val="accent3">
+                      <a:lumMod val="50000"/>
+                    </a:schemeClr>
+                  </a:solidFill>
+                  <a:latin typeface="Consolas" panose="020B0609020204030204" pitchFamily="49" charset="0"/>
+                </a:rPr>
+                <a:t>Pod</a:t>
+              </a:r>
+              <a:r>
+                <a:rPr lang="ko-KR" altLang="en-US" sz="1400" b="1" dirty="0">
+                  <a:solidFill>
+                    <a:schemeClr val="accent3">
+                      <a:lumMod val="50000"/>
+                    </a:schemeClr>
+                  </a:solidFill>
+                  <a:latin typeface="Consolas" panose="020B0609020204030204" pitchFamily="49" charset="0"/>
+                </a:rPr>
+                <a:t> </a:t>
+              </a:r>
+              <a:r>
+                <a:rPr lang="en-US" altLang="ko-KR" sz="1400" b="1" dirty="0">
+                  <a:solidFill>
+                    <a:schemeClr val="accent3">
+                      <a:lumMod val="50000"/>
+                    </a:schemeClr>
+                  </a:solidFill>
+                  <a:latin typeface="Consolas" panose="020B0609020204030204" pitchFamily="49" charset="0"/>
+                </a:rPr>
+                <a:t>(1.0.0)</a:t>
+              </a:r>
+              <a:r>
+                <a:rPr lang="ko-KR" altLang="en-US" sz="1400" b="1" dirty="0">
+                  <a:solidFill>
+                    <a:schemeClr val="accent3">
+                      <a:lumMod val="50000"/>
+                    </a:schemeClr>
+                  </a:solidFill>
+                  <a:latin typeface="Consolas" panose="020B0609020204030204" pitchFamily="49" charset="0"/>
+                </a:rPr>
+                <a:t> 을 생성</a:t>
+              </a:r>
+              <a:endParaRPr lang="ko-KR" altLang="en-US" sz="1400" dirty="0">
+                <a:solidFill>
+                  <a:schemeClr val="accent3">
+                    <a:lumMod val="50000"/>
+                  </a:schemeClr>
+                </a:solidFill>
+              </a:endParaRPr>
+            </a:p>
+          </p:txBody>
+        </p:sp>
+        <p:sp>
+          <p:nvSpPr>
+            <p:cNvPr id="97" name="TextBox 96">
+              <a:extLst>
+                <a:ext uri="{FF2B5EF4-FFF2-40B4-BE49-F238E27FC236}">
+                  <a16:creationId xmlns:a16="http://schemas.microsoft.com/office/drawing/2014/main" id="{05E8FF6C-90A6-06EA-284E-A47C3CF0AE12}"/>
+                </a:ext>
+              </a:extLst>
+            </p:cNvPr>
+            <p:cNvSpPr txBox="1"/>
+            <p:nvPr/>
+          </p:nvSpPr>
+          <p:spPr>
+            <a:xfrm>
+              <a:off x="8229600" y="5274142"/>
+              <a:ext cx="2660072" cy="307777"/>
+            </a:xfrm>
+            <a:prstGeom prst="rect">
+              <a:avLst/>
+            </a:prstGeom>
+            <a:noFill/>
+          </p:spPr>
+          <p:txBody>
+            <a:bodyPr wrap="square">
+              <a:spAutoFit/>
+            </a:bodyPr>
+            <a:lstStyle/>
+            <a:p>
+              <a:r>
+                <a:rPr lang="en-US" altLang="ko-KR" sz="1400" b="1" dirty="0">
+                  <a:solidFill>
+                    <a:schemeClr val="accent3">
+                      <a:lumMod val="50000"/>
+                    </a:schemeClr>
+                  </a:solidFill>
+                  <a:effectLst/>
+                  <a:latin typeface="Consolas" panose="020B0609020204030204" pitchFamily="49" charset="0"/>
+                </a:rPr>
+                <a:t>(6) </a:t>
+              </a:r>
+              <a:r>
+                <a:rPr lang="en-US" altLang="ko-KR" sz="1400" b="1" dirty="0">
+                  <a:solidFill>
+                    <a:schemeClr val="accent3">
+                      <a:lumMod val="50000"/>
+                    </a:schemeClr>
+                  </a:solidFill>
+                  <a:latin typeface="Consolas" panose="020B0609020204030204" pitchFamily="49" charset="0"/>
+                </a:rPr>
+                <a:t>Pod</a:t>
+              </a:r>
+              <a:r>
+                <a:rPr lang="ko-KR" altLang="en-US" sz="1400" b="1" dirty="0">
+                  <a:solidFill>
+                    <a:schemeClr val="accent3">
+                      <a:lumMod val="50000"/>
+                    </a:schemeClr>
+                  </a:solidFill>
+                  <a:latin typeface="Consolas" panose="020B0609020204030204" pitchFamily="49" charset="0"/>
+                </a:rPr>
+                <a:t> </a:t>
+              </a:r>
+              <a:r>
+                <a:rPr lang="en-US" altLang="ko-KR" sz="1400" b="1" dirty="0">
+                  <a:solidFill>
+                    <a:schemeClr val="accent3">
+                      <a:lumMod val="50000"/>
+                    </a:schemeClr>
+                  </a:solidFill>
+                  <a:latin typeface="Consolas" panose="020B0609020204030204" pitchFamily="49" charset="0"/>
+                </a:rPr>
+                <a:t>(1.0.2)</a:t>
+              </a:r>
+              <a:r>
+                <a:rPr lang="ko-KR" altLang="en-US" sz="1400" b="1" dirty="0">
+                  <a:solidFill>
+                    <a:schemeClr val="accent3">
+                      <a:lumMod val="50000"/>
+                    </a:schemeClr>
+                  </a:solidFill>
+                  <a:latin typeface="Consolas" panose="020B0609020204030204" pitchFamily="49" charset="0"/>
+                </a:rPr>
+                <a:t> 을 삭제</a:t>
+              </a:r>
+              <a:endParaRPr lang="ko-KR" altLang="en-US" sz="1400" dirty="0">
+                <a:solidFill>
+                  <a:schemeClr val="accent3">
+                    <a:lumMod val="50000"/>
+                  </a:schemeClr>
+                </a:solidFill>
+              </a:endParaRPr>
+            </a:p>
+          </p:txBody>
+        </p:sp>
+        <p:cxnSp>
+          <p:nvCxnSpPr>
+            <p:cNvPr id="113" name="연결선: 꺾임 112">
+              <a:extLst>
+                <a:ext uri="{FF2B5EF4-FFF2-40B4-BE49-F238E27FC236}">
+                  <a16:creationId xmlns:a16="http://schemas.microsoft.com/office/drawing/2014/main" id="{1C7B0180-1643-6718-7E6B-165629C9A458}"/>
+                </a:ext>
+              </a:extLst>
+            </p:cNvPr>
+            <p:cNvCxnSpPr>
+              <a:cxnSpLocks/>
+              <a:stCxn id="12" idx="1"/>
+              <a:endCxn id="116" idx="6"/>
+            </p:cNvCxnSpPr>
+            <p:nvPr/>
+          </p:nvCxnSpPr>
+          <p:spPr>
+            <a:xfrm rot="10800000">
+              <a:off x="4137891" y="2114092"/>
+              <a:ext cx="1764142" cy="1384519"/>
+            </a:xfrm>
+            <a:prstGeom prst="bentConnector3">
+              <a:avLst>
+                <a:gd name="adj1" fmla="val 83508"/>
+              </a:avLst>
+            </a:prstGeom>
+            <a:ln w="25400">
+              <a:solidFill>
+                <a:schemeClr val="accent1"/>
+              </a:solidFill>
+              <a:prstDash val="solid"/>
+              <a:headEnd type="arrow"/>
+              <a:tailEnd type="none"/>
+            </a:ln>
+          </p:spPr>
+          <p:style>
+            <a:lnRef idx="1">
+              <a:schemeClr val="accent1"/>
+            </a:lnRef>
+            <a:fillRef idx="0">
+              <a:schemeClr val="accent1"/>
+            </a:fillRef>
+            <a:effectRef idx="0">
+              <a:schemeClr val="accent1"/>
+            </a:effectRef>
+            <a:fontRef idx="minor">
+              <a:schemeClr val="tx1"/>
+            </a:fontRef>
+          </p:style>
+        </p:cxnSp>
+        <p:sp>
+          <p:nvSpPr>
+            <p:cNvPr id="116" name="타원 115">
+              <a:extLst>
+                <a:ext uri="{FF2B5EF4-FFF2-40B4-BE49-F238E27FC236}">
+                  <a16:creationId xmlns:a16="http://schemas.microsoft.com/office/drawing/2014/main" id="{1E45CA79-FE55-1417-79E6-9C635AF933CE}"/>
+                </a:ext>
+              </a:extLst>
+            </p:cNvPr>
+            <p:cNvSpPr/>
+            <p:nvPr/>
+          </p:nvSpPr>
+          <p:spPr>
+            <a:xfrm>
+              <a:off x="3980873" y="2034364"/>
+              <a:ext cx="157018" cy="159454"/>
+            </a:xfrm>
+            <a:prstGeom prst="ellipse">
+              <a:avLst/>
+            </a:prstGeom>
+          </p:spPr>
+          <p:style>
+            <a:lnRef idx="2">
+              <a:schemeClr val="accent1">
+                <a:shade val="50000"/>
+              </a:schemeClr>
+            </a:lnRef>
+            <a:fillRef idx="1">
+              <a:schemeClr val="accent1"/>
+            </a:fillRef>
+            <a:effectRef idx="0">
+              <a:schemeClr val="accent1"/>
+            </a:effectRef>
+            <a:fontRef idx="minor">
+              <a:schemeClr val="lt1"/>
+            </a:fontRef>
+          </p:style>
+          <p:txBody>
+            <a:bodyPr rtlCol="0" anchor="ctr"/>
+            <a:lstStyle/>
+            <a:p>
+              <a:pPr algn="ctr"/>
+              <a:endParaRPr lang="ko-KR" altLang="en-US"/>
+            </a:p>
+          </p:txBody>
+        </p:sp>
+        <p:cxnSp>
+          <p:nvCxnSpPr>
+            <p:cNvPr id="128" name="연결선: 꺾임 127">
+              <a:extLst>
+                <a:ext uri="{FF2B5EF4-FFF2-40B4-BE49-F238E27FC236}">
+                  <a16:creationId xmlns:a16="http://schemas.microsoft.com/office/drawing/2014/main" id="{98D4801A-142B-6E00-635B-ED9EECE5ECB2}"/>
+                </a:ext>
+              </a:extLst>
+            </p:cNvPr>
+            <p:cNvCxnSpPr>
+              <a:cxnSpLocks/>
+              <a:stCxn id="10" idx="1"/>
+              <a:endCxn id="116" idx="6"/>
+            </p:cNvCxnSpPr>
+            <p:nvPr/>
+          </p:nvCxnSpPr>
+          <p:spPr>
+            <a:xfrm rot="10800000">
+              <a:off x="4137891" y="2114092"/>
+              <a:ext cx="1764142" cy="2379739"/>
+            </a:xfrm>
+            <a:prstGeom prst="bentConnector3">
+              <a:avLst>
+                <a:gd name="adj1" fmla="val 90838"/>
+              </a:avLst>
+            </a:prstGeom>
+            <a:ln w="25400">
+              <a:solidFill>
+                <a:schemeClr val="accent1"/>
+              </a:solidFill>
+              <a:prstDash val="solid"/>
+              <a:headEnd type="arrow"/>
+              <a:tailEnd type="none"/>
+            </a:ln>
+          </p:spPr>
+          <p:style>
+            <a:lnRef idx="1">
+              <a:schemeClr val="accent1"/>
+            </a:lnRef>
+            <a:fillRef idx="0">
+              <a:schemeClr val="accent1"/>
+            </a:fillRef>
+            <a:effectRef idx="0">
+              <a:schemeClr val="accent1"/>
+            </a:effectRef>
+            <a:fontRef idx="minor">
+              <a:schemeClr val="tx1"/>
+            </a:fontRef>
+          </p:style>
+        </p:cxnSp>
+        <p:sp>
+          <p:nvSpPr>
+            <p:cNvPr id="139" name="타원 138">
+              <a:extLst>
+                <a:ext uri="{FF2B5EF4-FFF2-40B4-BE49-F238E27FC236}">
+                  <a16:creationId xmlns:a16="http://schemas.microsoft.com/office/drawing/2014/main" id="{9109E9F3-5CF0-E631-613D-C4DE17EF7C46}"/>
+                </a:ext>
+              </a:extLst>
+            </p:cNvPr>
+            <p:cNvSpPr/>
+            <p:nvPr/>
+          </p:nvSpPr>
+          <p:spPr>
+            <a:xfrm>
+              <a:off x="3994725" y="3194881"/>
+              <a:ext cx="157018" cy="159454"/>
+            </a:xfrm>
+            <a:prstGeom prst="ellipse">
+              <a:avLst/>
+            </a:prstGeom>
+            <a:solidFill>
+              <a:srgbClr val="FF0000"/>
+            </a:solidFill>
+          </p:spPr>
+          <p:style>
+            <a:lnRef idx="2">
+              <a:schemeClr val="accent1">
+                <a:shade val="50000"/>
+              </a:schemeClr>
+            </a:lnRef>
+            <a:fillRef idx="1">
+              <a:schemeClr val="accent1"/>
+            </a:fillRef>
+            <a:effectRef idx="0">
+              <a:schemeClr val="accent1"/>
+            </a:effectRef>
+            <a:fontRef idx="minor">
+              <a:schemeClr val="lt1"/>
+            </a:fontRef>
+          </p:style>
+          <p:txBody>
+            <a:bodyPr rtlCol="0" anchor="ctr"/>
+            <a:lstStyle/>
+            <a:p>
+              <a:pPr algn="ctr"/>
+              <a:endParaRPr lang="ko-KR" altLang="en-US"/>
+            </a:p>
+          </p:txBody>
+        </p:sp>
+        <p:cxnSp>
+          <p:nvCxnSpPr>
+            <p:cNvPr id="142" name="연결선: 꺾임 141">
+              <a:extLst>
+                <a:ext uri="{FF2B5EF4-FFF2-40B4-BE49-F238E27FC236}">
+                  <a16:creationId xmlns:a16="http://schemas.microsoft.com/office/drawing/2014/main" id="{44D24326-6F5B-E6AE-4694-4641508BEF58}"/>
+                </a:ext>
+              </a:extLst>
+            </p:cNvPr>
+            <p:cNvCxnSpPr>
+              <a:cxnSpLocks/>
+              <a:stCxn id="9" idx="1"/>
+              <a:endCxn id="139" idx="6"/>
+            </p:cNvCxnSpPr>
+            <p:nvPr/>
+          </p:nvCxnSpPr>
+          <p:spPr>
+            <a:xfrm rot="10800000" flipV="1">
+              <a:off x="4151743" y="2574708"/>
+              <a:ext cx="1750290" cy="699900"/>
+            </a:xfrm>
+            <a:prstGeom prst="bentConnector3">
+              <a:avLst>
+                <a:gd name="adj1" fmla="val 46306"/>
+              </a:avLst>
+            </a:prstGeom>
+            <a:ln w="25400">
+              <a:solidFill>
+                <a:srgbClr val="FF0000"/>
               </a:solidFill>
               <a:prstDash val="dash"/>
-              <a:tailEnd type="triangle"/>
+              <a:headEnd type="arrow"/>
+              <a:tailEnd type="none"/>
             </a:ln>
           </p:spPr>
           <p:style>
@@ -8786,34 +15053,37 @@
         </p:cxnSp>
         <p:cxnSp>
           <p:nvCxnSpPr>
-            <p:cNvPr id="61" name="직선 화살표 연결선 60">
+            <p:cNvPr id="151" name="연결선: 꺾임 150">
               <a:extLst>
                 <a:ext uri="{FF2B5EF4-FFF2-40B4-BE49-F238E27FC236}">
-                  <a16:creationId xmlns:a16="http://schemas.microsoft.com/office/drawing/2014/main" id="{4201AEDB-BC2A-6791-8648-E33353974EB0}"/>
+                  <a16:creationId xmlns:a16="http://schemas.microsoft.com/office/drawing/2014/main" id="{85CBAA00-499A-4F78-38CC-16779E9299BC}"/>
                 </a:ext>
               </a:extLst>
             </p:cNvPr>
             <p:cNvCxnSpPr>
               <a:cxnSpLocks/>
-              <a:stCxn id="44" idx="3"/>
-              <a:endCxn id="31" idx="1"/>
+              <a:stCxn id="13" idx="1"/>
+              <a:endCxn id="139" idx="6"/>
             </p:cNvCxnSpPr>
             <p:nvPr/>
           </p:nvCxnSpPr>
           <p:spPr>
-            <a:xfrm flipV="1">
-              <a:off x="5695373" y="2955351"/>
-              <a:ext cx="1632479" cy="10473"/>
+            <a:xfrm rot="10800000">
+              <a:off x="4151743" y="3274609"/>
+              <a:ext cx="1750290" cy="2208257"/>
             </a:xfrm>
-            <a:prstGeom prst="straightConnector1">
-              <a:avLst/>
+            <a:prstGeom prst="bentConnector3">
+              <a:avLst>
+                <a:gd name="adj1" fmla="val 62137"/>
+              </a:avLst>
             </a:prstGeom>
-            <a:ln w="22225">
+            <a:ln w="25400">
               <a:solidFill>
-                <a:srgbClr val="FFC000"/>
+                <a:srgbClr val="FF0000"/>
               </a:solidFill>
               <a:prstDash val="dash"/>
-              <a:tailEnd type="triangle"/>
+              <a:headEnd type="arrow"/>
+              <a:tailEnd type="none"/>
             </a:ln>
           </p:spPr>
           <p:style>
@@ -8835,7 +15105,7 @@
     </p:spTree>
     <p:extLst>
       <p:ext uri="{BB962C8B-B14F-4D97-AF65-F5344CB8AC3E}">
-        <p14:creationId xmlns:p14="http://schemas.microsoft.com/office/powerpoint/2010/main" val="3089350616"/>
+        <p14:creationId xmlns:p14="http://schemas.microsoft.com/office/powerpoint/2010/main" val="2373736878"/>
       </p:ext>
     </p:extLst>
   </p:cSld>

--- a/assets/images.pptx
+++ b/assets/images.pptx
@@ -29,6 +29,10 @@
     <p:sldId id="277" r:id="rId23"/>
     <p:sldId id="278" r:id="rId24"/>
     <p:sldId id="279" r:id="rId25"/>
+    <p:sldId id="280" r:id="rId26"/>
+    <p:sldId id="281" r:id="rId27"/>
+    <p:sldId id="282" r:id="rId28"/>
+    <p:sldId id="283" r:id="rId29"/>
   </p:sldIdLst>
   <p:sldSz cx="12192000" cy="6858000"/>
   <p:notesSz cx="6858000" cy="9144000"/>
@@ -33971,6 +33975,3059 @@
 </p:sld>
 </file>
 
+<file path=ppt/slides/slide25.xml><?xml version="1.0" encoding="utf-8"?>
+<p:sld xmlns:a="http://schemas.openxmlformats.org/drawingml/2006/main" xmlns:r="http://schemas.openxmlformats.org/officeDocument/2006/relationships" xmlns:p="http://schemas.openxmlformats.org/presentationml/2006/main">
+  <p:cSld>
+    <p:spTree>
+      <p:nvGrpSpPr>
+        <p:cNvPr id="1" name=""/>
+        <p:cNvGrpSpPr/>
+        <p:nvPr/>
+      </p:nvGrpSpPr>
+      <p:grpSpPr>
+        <a:xfrm>
+          <a:off x="0" y="0"/>
+          <a:ext cx="0" cy="0"/>
+          <a:chOff x="0" y="0"/>
+          <a:chExt cx="0" cy="0"/>
+        </a:xfrm>
+      </p:grpSpPr>
+      <p:sp>
+        <p:nvSpPr>
+          <p:cNvPr id="2" name="TextBox 1">
+            <a:extLst>
+              <a:ext uri="{FF2B5EF4-FFF2-40B4-BE49-F238E27FC236}">
+                <a16:creationId xmlns:a16="http://schemas.microsoft.com/office/drawing/2014/main" id="{AF53483D-1A80-C107-D3AB-6901351F1D3F}"/>
+              </a:ext>
+            </a:extLst>
+          </p:cNvPr>
+          <p:cNvSpPr txBox="1"/>
+          <p:nvPr/>
+        </p:nvSpPr>
+        <p:spPr>
+          <a:xfrm>
+            <a:off x="10388600" y="6596390"/>
+            <a:ext cx="1803400" cy="261610"/>
+          </a:xfrm>
+          <a:prstGeom prst="rect">
+            <a:avLst/>
+          </a:prstGeom>
+          <a:noFill/>
+        </p:spPr>
+        <p:txBody>
+          <a:bodyPr wrap="square" rtlCol="0">
+            <a:spAutoFit/>
+          </a:bodyPr>
+          <a:lstStyle/>
+          <a:p>
+            <a:pPr algn="r"/>
+            <a:r>
+              <a:rPr lang="en-US" altLang="ko-KR" sz="1100" dirty="0"/>
+              <a:t>Kim0lil/80700</a:t>
+            </a:r>
+            <a:endParaRPr lang="ko-KR" altLang="en-US" sz="1100" dirty="0"/>
+          </a:p>
+        </p:txBody>
+      </p:sp>
+      <p:grpSp>
+        <p:nvGrpSpPr>
+          <p:cNvPr id="51" name="그룹 50">
+            <a:extLst>
+              <a:ext uri="{FF2B5EF4-FFF2-40B4-BE49-F238E27FC236}">
+                <a16:creationId xmlns:a16="http://schemas.microsoft.com/office/drawing/2014/main" id="{F45982F9-C82C-9A0F-F6AE-4BE26DED8681}"/>
+              </a:ext>
+            </a:extLst>
+          </p:cNvPr>
+          <p:cNvGrpSpPr/>
+          <p:nvPr/>
+        </p:nvGrpSpPr>
+        <p:grpSpPr>
+          <a:xfrm>
+            <a:off x="1430866" y="1026584"/>
+            <a:ext cx="8407400" cy="4279900"/>
+            <a:chOff x="1430866" y="1026584"/>
+            <a:chExt cx="8407400" cy="4279900"/>
+          </a:xfrm>
+        </p:grpSpPr>
+        <p:grpSp>
+          <p:nvGrpSpPr>
+            <p:cNvPr id="26" name="그룹 25">
+              <a:extLst>
+                <a:ext uri="{FF2B5EF4-FFF2-40B4-BE49-F238E27FC236}">
+                  <a16:creationId xmlns:a16="http://schemas.microsoft.com/office/drawing/2014/main" id="{483C105A-264A-CEDA-E3B2-FDE5806E5A15}"/>
+                </a:ext>
+              </a:extLst>
+            </p:cNvPr>
+            <p:cNvGrpSpPr/>
+            <p:nvPr/>
+          </p:nvGrpSpPr>
+          <p:grpSpPr>
+            <a:xfrm>
+              <a:off x="1430866" y="1026584"/>
+              <a:ext cx="8407400" cy="4279900"/>
+              <a:chOff x="499533" y="1289050"/>
+              <a:chExt cx="8407400" cy="4279900"/>
+            </a:xfrm>
+          </p:grpSpPr>
+          <p:sp>
+            <p:nvSpPr>
+              <p:cNvPr id="9" name="직사각형 8">
+                <a:extLst>
+                  <a:ext uri="{FF2B5EF4-FFF2-40B4-BE49-F238E27FC236}">
+                    <a16:creationId xmlns:a16="http://schemas.microsoft.com/office/drawing/2014/main" id="{8972146E-771A-0EE1-3485-ECCECDA2CBD1}"/>
+                  </a:ext>
+                </a:extLst>
+              </p:cNvPr>
+              <p:cNvSpPr/>
+              <p:nvPr/>
+            </p:nvSpPr>
+            <p:spPr>
+              <a:xfrm>
+                <a:off x="499533" y="1289050"/>
+                <a:ext cx="8407400" cy="4279900"/>
+              </a:xfrm>
+              <a:prstGeom prst="rect">
+                <a:avLst/>
+              </a:prstGeom>
+              <a:solidFill>
+                <a:schemeClr val="accent1"/>
+              </a:solidFill>
+              <a:ln>
+                <a:solidFill>
+                  <a:schemeClr val="accent1"/>
+                </a:solidFill>
+              </a:ln>
+            </p:spPr>
+            <p:style>
+              <a:lnRef idx="2">
+                <a:schemeClr val="accent2">
+                  <a:shade val="50000"/>
+                </a:schemeClr>
+              </a:lnRef>
+              <a:fillRef idx="1">
+                <a:schemeClr val="accent2"/>
+              </a:fillRef>
+              <a:effectRef idx="0">
+                <a:schemeClr val="accent2"/>
+              </a:effectRef>
+              <a:fontRef idx="minor">
+                <a:schemeClr val="lt1"/>
+              </a:fontRef>
+            </p:style>
+            <p:txBody>
+              <a:bodyPr rtlCol="0" anchor="b"/>
+              <a:lstStyle/>
+              <a:p>
+                <a:pPr algn="ctr"/>
+                <a:r>
+                  <a:rPr lang="en-US" altLang="ko-KR" sz="1400" b="1" dirty="0">
+                    <a:latin typeface="Consolas" panose="020B0609020204030204" pitchFamily="49" charset="0"/>
+                  </a:rPr>
+                  <a:t>Host</a:t>
+                </a:r>
+                <a:endParaRPr lang="ko-KR" altLang="en-US" sz="1400" b="1" dirty="0">
+                  <a:latin typeface="Consolas" panose="020B0609020204030204" pitchFamily="49" charset="0"/>
+                </a:endParaRPr>
+              </a:p>
+            </p:txBody>
+          </p:sp>
+          <p:sp>
+            <p:nvSpPr>
+              <p:cNvPr id="25" name="직사각형 24">
+                <a:extLst>
+                  <a:ext uri="{FF2B5EF4-FFF2-40B4-BE49-F238E27FC236}">
+                    <a16:creationId xmlns:a16="http://schemas.microsoft.com/office/drawing/2014/main" id="{796E23F5-0F97-1648-7ED1-7F46C8974BD4}"/>
+                  </a:ext>
+                </a:extLst>
+              </p:cNvPr>
+              <p:cNvSpPr/>
+              <p:nvPr/>
+            </p:nvSpPr>
+            <p:spPr>
+              <a:xfrm>
+                <a:off x="818091" y="1704480"/>
+                <a:ext cx="2509309" cy="2960653"/>
+              </a:xfrm>
+              <a:prstGeom prst="rect">
+                <a:avLst/>
+              </a:prstGeom>
+              <a:ln/>
+            </p:spPr>
+            <p:style>
+              <a:lnRef idx="2">
+                <a:schemeClr val="accent6"/>
+              </a:lnRef>
+              <a:fillRef idx="1">
+                <a:schemeClr val="lt1"/>
+              </a:fillRef>
+              <a:effectRef idx="0">
+                <a:schemeClr val="accent6"/>
+              </a:effectRef>
+              <a:fontRef idx="minor">
+                <a:schemeClr val="dk1"/>
+              </a:fontRef>
+            </p:style>
+            <p:txBody>
+              <a:bodyPr rtlCol="0" anchor="b"/>
+              <a:lstStyle/>
+              <a:p>
+                <a:pPr algn="ctr"/>
+                <a:r>
+                  <a:rPr lang="en-US" altLang="ko-KR" sz="1400" b="1" dirty="0">
+                    <a:latin typeface="Consolas" panose="020B0609020204030204" pitchFamily="49" charset="0"/>
+                  </a:rPr>
+                  <a:t>Node</a:t>
+                </a:r>
+                <a:endParaRPr lang="ko-KR" altLang="en-US" sz="1400" b="1" dirty="0">
+                  <a:latin typeface="Consolas" panose="020B0609020204030204" pitchFamily="49" charset="0"/>
+                </a:endParaRPr>
+              </a:p>
+            </p:txBody>
+          </p:sp>
+          <p:sp>
+            <p:nvSpPr>
+              <p:cNvPr id="10" name="직사각형 9">
+                <a:extLst>
+                  <a:ext uri="{FF2B5EF4-FFF2-40B4-BE49-F238E27FC236}">
+                    <a16:creationId xmlns:a16="http://schemas.microsoft.com/office/drawing/2014/main" id="{75B80B4D-CA5E-3E3B-5C5B-E2498662C2EB}"/>
+                  </a:ext>
+                </a:extLst>
+              </p:cNvPr>
+              <p:cNvSpPr/>
+              <p:nvPr/>
+            </p:nvSpPr>
+            <p:spPr>
+              <a:xfrm>
+                <a:off x="996954" y="1829142"/>
+                <a:ext cx="2169579" cy="2412658"/>
+              </a:xfrm>
+              <a:prstGeom prst="rect">
+                <a:avLst/>
+              </a:prstGeom>
+              <a:solidFill>
+                <a:schemeClr val="bg2">
+                  <a:lumMod val="25000"/>
+                </a:schemeClr>
+              </a:solidFill>
+              <a:ln>
+                <a:solidFill>
+                  <a:schemeClr val="accent1"/>
+                </a:solidFill>
+              </a:ln>
+            </p:spPr>
+            <p:style>
+              <a:lnRef idx="2">
+                <a:schemeClr val="accent2">
+                  <a:shade val="50000"/>
+                </a:schemeClr>
+              </a:lnRef>
+              <a:fillRef idx="1">
+                <a:schemeClr val="accent2"/>
+              </a:fillRef>
+              <a:effectRef idx="0">
+                <a:schemeClr val="accent2"/>
+              </a:effectRef>
+              <a:fontRef idx="minor">
+                <a:schemeClr val="lt1"/>
+              </a:fontRef>
+            </p:style>
+            <p:txBody>
+              <a:bodyPr rtlCol="0" anchor="b"/>
+              <a:lstStyle/>
+              <a:p>
+                <a:pPr algn="ctr"/>
+                <a:r>
+                  <a:rPr lang="en-US" altLang="ko-KR" sz="1400" b="1" dirty="0">
+                    <a:latin typeface="Consolas" panose="020B0609020204030204" pitchFamily="49" charset="0"/>
+                  </a:rPr>
+                  <a:t>Pod</a:t>
+                </a:r>
+                <a:endParaRPr lang="ko-KR" altLang="en-US" sz="1400" b="1" dirty="0">
+                  <a:latin typeface="Consolas" panose="020B0609020204030204" pitchFamily="49" charset="0"/>
+                </a:endParaRPr>
+              </a:p>
+            </p:txBody>
+          </p:sp>
+          <p:sp>
+            <p:nvSpPr>
+              <p:cNvPr id="12" name="직사각형 11">
+                <a:extLst>
+                  <a:ext uri="{FF2B5EF4-FFF2-40B4-BE49-F238E27FC236}">
+                    <a16:creationId xmlns:a16="http://schemas.microsoft.com/office/drawing/2014/main" id="{8E725509-3655-6706-7640-780154254A5E}"/>
+                  </a:ext>
+                </a:extLst>
+              </p:cNvPr>
+              <p:cNvSpPr/>
+              <p:nvPr/>
+            </p:nvSpPr>
+            <p:spPr>
+              <a:xfrm>
+                <a:off x="4156363" y="4275667"/>
+                <a:ext cx="1093739" cy="682198"/>
+              </a:xfrm>
+              <a:prstGeom prst="rect">
+                <a:avLst/>
+              </a:prstGeom>
+              <a:solidFill>
+                <a:srgbClr val="00B050"/>
+              </a:solidFill>
+              <a:ln>
+                <a:solidFill>
+                  <a:schemeClr val="accent1"/>
+                </a:solidFill>
+              </a:ln>
+            </p:spPr>
+            <p:style>
+              <a:lnRef idx="2">
+                <a:schemeClr val="accent2">
+                  <a:shade val="50000"/>
+                </a:schemeClr>
+              </a:lnRef>
+              <a:fillRef idx="1">
+                <a:schemeClr val="accent2"/>
+              </a:fillRef>
+              <a:effectRef idx="0">
+                <a:schemeClr val="accent2"/>
+              </a:effectRef>
+              <a:fontRef idx="minor">
+                <a:schemeClr val="lt1"/>
+              </a:fontRef>
+            </p:style>
+            <p:txBody>
+              <a:bodyPr rtlCol="0" anchor="ctr"/>
+              <a:lstStyle/>
+              <a:p>
+                <a:pPr algn="ctr"/>
+                <a:r>
+                  <a:rPr lang="en-US" altLang="ko-KR" sz="1100" b="1" dirty="0">
+                    <a:latin typeface="Consolas" panose="020B0609020204030204" pitchFamily="49" charset="0"/>
+                  </a:rPr>
+                  <a:t>Volume</a:t>
+                </a:r>
+              </a:p>
+              <a:p>
+                <a:pPr algn="ctr"/>
+                <a:br>
+                  <a:rPr lang="en-US" altLang="ko-KR" sz="1100" b="1" dirty="0">
+                    <a:latin typeface="Consolas" panose="020B0609020204030204" pitchFamily="49" charset="0"/>
+                  </a:rPr>
+                </a:br>
+                <a:r>
+                  <a:rPr lang="en-US" altLang="ko-KR" sz="1100" b="1" dirty="0">
+                    <a:latin typeface="Consolas" panose="020B0609020204030204" pitchFamily="49" charset="0"/>
+                  </a:rPr>
+                  <a:t>/host</a:t>
+                </a:r>
+                <a:endParaRPr lang="ko-KR" altLang="en-US" sz="1100" b="1" dirty="0">
+                  <a:latin typeface="Consolas" panose="020B0609020204030204" pitchFamily="49" charset="0"/>
+                </a:endParaRPr>
+              </a:p>
+            </p:txBody>
+          </p:sp>
+          <p:sp>
+            <p:nvSpPr>
+              <p:cNvPr id="13" name="직사각형 12">
+                <a:extLst>
+                  <a:ext uri="{FF2B5EF4-FFF2-40B4-BE49-F238E27FC236}">
+                    <a16:creationId xmlns:a16="http://schemas.microsoft.com/office/drawing/2014/main" id="{8B9BB4DA-F309-1F27-987A-A67A1AF6F09F}"/>
+                  </a:ext>
+                </a:extLst>
+              </p:cNvPr>
+              <p:cNvSpPr/>
+              <p:nvPr/>
+            </p:nvSpPr>
+            <p:spPr>
+              <a:xfrm>
+                <a:off x="1539106" y="1998133"/>
+                <a:ext cx="1093739" cy="639275"/>
+              </a:xfrm>
+              <a:prstGeom prst="rect">
+                <a:avLst/>
+              </a:prstGeom>
+              <a:solidFill>
+                <a:srgbClr val="00B050"/>
+              </a:solidFill>
+              <a:ln>
+                <a:solidFill>
+                  <a:schemeClr val="accent1"/>
+                </a:solidFill>
+              </a:ln>
+            </p:spPr>
+            <p:style>
+              <a:lnRef idx="2">
+                <a:schemeClr val="accent2">
+                  <a:shade val="50000"/>
+                </a:schemeClr>
+              </a:lnRef>
+              <a:fillRef idx="1">
+                <a:schemeClr val="accent2"/>
+              </a:fillRef>
+              <a:effectRef idx="0">
+                <a:schemeClr val="accent2"/>
+              </a:effectRef>
+              <a:fontRef idx="minor">
+                <a:schemeClr val="lt1"/>
+              </a:fontRef>
+            </p:style>
+            <p:txBody>
+              <a:bodyPr rtlCol="0" anchor="ctr"/>
+              <a:lstStyle/>
+              <a:p>
+                <a:pPr algn="ctr"/>
+                <a:r>
+                  <a:rPr lang="en-US" altLang="ko-KR" sz="1100" b="1" dirty="0">
+                    <a:latin typeface="Consolas" panose="020B0609020204030204" pitchFamily="49" charset="0"/>
+                  </a:rPr>
+                  <a:t>Mount</a:t>
+                </a:r>
+              </a:p>
+              <a:p>
+                <a:pPr algn="ctr"/>
+                <a:endParaRPr lang="en-US" altLang="ko-KR" sz="1100" b="1" dirty="0">
+                  <a:latin typeface="Consolas" panose="020B0609020204030204" pitchFamily="49" charset="0"/>
+                </a:endParaRPr>
+              </a:p>
+              <a:p>
+                <a:pPr algn="ctr"/>
+                <a:r>
+                  <a:rPr lang="en-US" altLang="ko-KR" sz="1100" b="1" dirty="0">
+                    <a:latin typeface="Consolas" panose="020B0609020204030204" pitchFamily="49" charset="0"/>
+                  </a:rPr>
+                  <a:t>/host</a:t>
+                </a:r>
+                <a:endParaRPr lang="ko-KR" altLang="en-US" sz="1100" b="1" dirty="0">
+                  <a:latin typeface="Consolas" panose="020B0609020204030204" pitchFamily="49" charset="0"/>
+                </a:endParaRPr>
+              </a:p>
+            </p:txBody>
+          </p:sp>
+          <p:cxnSp>
+            <p:nvCxnSpPr>
+              <p:cNvPr id="16" name="연결선: 꺾임 15">
+                <a:extLst>
+                  <a:ext uri="{FF2B5EF4-FFF2-40B4-BE49-F238E27FC236}">
+                    <a16:creationId xmlns:a16="http://schemas.microsoft.com/office/drawing/2014/main" id="{F27830F1-1DB6-DF13-1C65-C27A76898D2D}"/>
+                  </a:ext>
+                </a:extLst>
+              </p:cNvPr>
+              <p:cNvCxnSpPr>
+                <a:cxnSpLocks/>
+                <a:stCxn id="4" idx="0"/>
+                <a:endCxn id="13" idx="3"/>
+              </p:cNvCxnSpPr>
+              <p:nvPr/>
+            </p:nvCxnSpPr>
+            <p:spPr>
+              <a:xfrm rot="16200000" flipV="1">
+                <a:off x="4799163" y="151454"/>
+                <a:ext cx="587655" cy="4920290"/>
+              </a:xfrm>
+              <a:prstGeom prst="bentConnector2">
+                <a:avLst/>
+              </a:prstGeom>
+              <a:ln w="25400">
+                <a:solidFill>
+                  <a:schemeClr val="bg1"/>
+                </a:solidFill>
+                <a:prstDash val="dash"/>
+                <a:headEnd type="arrow"/>
+                <a:tailEnd type="none"/>
+              </a:ln>
+            </p:spPr>
+            <p:style>
+              <a:lnRef idx="1">
+                <a:schemeClr val="accent1"/>
+              </a:lnRef>
+              <a:fillRef idx="0">
+                <a:schemeClr val="accent1"/>
+              </a:fillRef>
+              <a:effectRef idx="0">
+                <a:schemeClr val="accent1"/>
+              </a:effectRef>
+              <a:fontRef idx="minor">
+                <a:schemeClr val="tx1"/>
+              </a:fontRef>
+            </p:style>
+          </p:cxnSp>
+          <p:sp>
+            <p:nvSpPr>
+              <p:cNvPr id="22" name="TextBox 21">
+                <a:extLst>
+                  <a:ext uri="{FF2B5EF4-FFF2-40B4-BE49-F238E27FC236}">
+                    <a16:creationId xmlns:a16="http://schemas.microsoft.com/office/drawing/2014/main" id="{9AF6D027-8B45-ACAE-411E-3DB1D6238345}"/>
+                  </a:ext>
+                </a:extLst>
+              </p:cNvPr>
+              <p:cNvSpPr txBox="1"/>
+              <p:nvPr/>
+            </p:nvSpPr>
+            <p:spPr>
+              <a:xfrm>
+                <a:off x="3668038" y="1434078"/>
+                <a:ext cx="2070389" cy="369332"/>
+              </a:xfrm>
+              <a:prstGeom prst="rect">
+                <a:avLst/>
+              </a:prstGeom>
+              <a:noFill/>
+            </p:spPr>
+            <p:txBody>
+              <a:bodyPr wrap="square" rtlCol="0">
+                <a:spAutoFit/>
+              </a:bodyPr>
+              <a:lstStyle/>
+              <a:p>
+                <a:pPr algn="ctr"/>
+                <a:r>
+                  <a:rPr lang="en-US" altLang="ko-KR" dirty="0">
+                    <a:solidFill>
+                      <a:schemeClr val="bg1"/>
+                    </a:solidFill>
+                  </a:rPr>
+                  <a:t>hostPath</a:t>
+                </a:r>
+                <a:endParaRPr lang="ko-KR" altLang="en-US" dirty="0">
+                  <a:solidFill>
+                    <a:schemeClr val="bg1"/>
+                  </a:solidFill>
+                </a:endParaRPr>
+              </a:p>
+            </p:txBody>
+          </p:sp>
+        </p:grpSp>
+        <p:sp>
+          <p:nvSpPr>
+            <p:cNvPr id="3" name="원통형 2">
+              <a:extLst>
+                <a:ext uri="{FF2B5EF4-FFF2-40B4-BE49-F238E27FC236}">
+                  <a16:creationId xmlns:a16="http://schemas.microsoft.com/office/drawing/2014/main" id="{3C1F496B-82EF-A38D-8B3B-55817BEA8074}"/>
+                </a:ext>
+              </a:extLst>
+            </p:cNvPr>
+            <p:cNvSpPr/>
+            <p:nvPr/>
+          </p:nvSpPr>
+          <p:spPr>
+            <a:xfrm>
+              <a:off x="7933269" y="3873941"/>
+              <a:ext cx="1102398" cy="960717"/>
+            </a:xfrm>
+            <a:prstGeom prst="can">
+              <a:avLst/>
+            </a:prstGeom>
+            <a:solidFill>
+              <a:schemeClr val="accent3">
+                <a:lumMod val="50000"/>
+              </a:schemeClr>
+            </a:solidFill>
+          </p:spPr>
+          <p:style>
+            <a:lnRef idx="2">
+              <a:schemeClr val="accent1">
+                <a:shade val="50000"/>
+              </a:schemeClr>
+            </a:lnRef>
+            <a:fillRef idx="1">
+              <a:schemeClr val="accent1"/>
+            </a:fillRef>
+            <a:effectRef idx="0">
+              <a:schemeClr val="accent1"/>
+            </a:effectRef>
+            <a:fontRef idx="minor">
+              <a:schemeClr val="lt1"/>
+            </a:fontRef>
+          </p:style>
+          <p:txBody>
+            <a:bodyPr rtlCol="0" anchor="ctr"/>
+            <a:lstStyle/>
+            <a:p>
+              <a:pPr algn="ctr"/>
+              <a:r>
+                <a:rPr lang="en-US" altLang="ko-KR" sz="1100" b="1" dirty="0">
+                  <a:latin typeface="Consolas" panose="020B0609020204030204" pitchFamily="49" charset="0"/>
+                </a:rPr>
+                <a:t>Persistent Volumes</a:t>
+              </a:r>
+              <a:endParaRPr lang="ko-KR" altLang="en-US" sz="1100" b="1" dirty="0">
+                <a:latin typeface="Consolas" panose="020B0609020204030204" pitchFamily="49" charset="0"/>
+              </a:endParaRPr>
+            </a:p>
+          </p:txBody>
+        </p:sp>
+        <p:sp>
+          <p:nvSpPr>
+            <p:cNvPr id="4" name="직사각형 3">
+              <a:extLst>
+                <a:ext uri="{FF2B5EF4-FFF2-40B4-BE49-F238E27FC236}">
+                  <a16:creationId xmlns:a16="http://schemas.microsoft.com/office/drawing/2014/main" id="{14493AC0-5D6A-38E9-30BA-06033D9927E4}"/>
+                </a:ext>
+              </a:extLst>
+            </p:cNvPr>
+            <p:cNvSpPr/>
+            <p:nvPr/>
+          </p:nvSpPr>
+          <p:spPr>
+            <a:xfrm>
+              <a:off x="7933269" y="2642960"/>
+              <a:ext cx="1102398" cy="682198"/>
+            </a:xfrm>
+            <a:prstGeom prst="rect">
+              <a:avLst/>
+            </a:prstGeom>
+            <a:solidFill>
+              <a:schemeClr val="accent2">
+                <a:lumMod val="75000"/>
+              </a:schemeClr>
+            </a:solidFill>
+            <a:ln>
+              <a:solidFill>
+                <a:schemeClr val="accent1"/>
+              </a:solidFill>
+            </a:ln>
+          </p:spPr>
+          <p:style>
+            <a:lnRef idx="2">
+              <a:schemeClr val="accent2">
+                <a:shade val="50000"/>
+              </a:schemeClr>
+            </a:lnRef>
+            <a:fillRef idx="1">
+              <a:schemeClr val="accent2"/>
+            </a:fillRef>
+            <a:effectRef idx="0">
+              <a:schemeClr val="accent2"/>
+            </a:effectRef>
+            <a:fontRef idx="minor">
+              <a:schemeClr val="lt1"/>
+            </a:fontRef>
+          </p:style>
+          <p:txBody>
+            <a:bodyPr rtlCol="0" anchor="ctr"/>
+            <a:lstStyle/>
+            <a:p>
+              <a:pPr algn="ctr"/>
+              <a:r>
+                <a:rPr lang="en-US" altLang="ko-KR" sz="1100" b="1" dirty="0">
+                  <a:latin typeface="Consolas" panose="020B0609020204030204" pitchFamily="49" charset="0"/>
+                </a:rPr>
+                <a:t>Volume Claim</a:t>
+              </a:r>
+              <a:endParaRPr lang="ko-KR" altLang="en-US" sz="1100" b="1" dirty="0">
+                <a:latin typeface="Consolas" panose="020B0609020204030204" pitchFamily="49" charset="0"/>
+              </a:endParaRPr>
+            </a:p>
+          </p:txBody>
+        </p:sp>
+        <p:cxnSp>
+          <p:nvCxnSpPr>
+            <p:cNvPr id="29" name="직선 화살표 연결선 28">
+              <a:extLst>
+                <a:ext uri="{FF2B5EF4-FFF2-40B4-BE49-F238E27FC236}">
+                  <a16:creationId xmlns:a16="http://schemas.microsoft.com/office/drawing/2014/main" id="{6E4A4D73-FB61-E222-2EC5-80A798DD3167}"/>
+                </a:ext>
+              </a:extLst>
+            </p:cNvPr>
+            <p:cNvCxnSpPr>
+              <a:cxnSpLocks/>
+              <a:stCxn id="3" idx="2"/>
+              <a:endCxn id="12" idx="3"/>
+            </p:cNvCxnSpPr>
+            <p:nvPr/>
+          </p:nvCxnSpPr>
+          <p:spPr>
+            <a:xfrm flipH="1">
+              <a:off x="6181435" y="4354300"/>
+              <a:ext cx="1751834" cy="0"/>
+            </a:xfrm>
+            <a:prstGeom prst="straightConnector1">
+              <a:avLst/>
+            </a:prstGeom>
+            <a:ln w="28575">
+              <a:solidFill>
+                <a:schemeClr val="bg1"/>
+              </a:solidFill>
+              <a:prstDash val="dash"/>
+              <a:tailEnd type="triangle"/>
+            </a:ln>
+          </p:spPr>
+          <p:style>
+            <a:lnRef idx="1">
+              <a:schemeClr val="accent1"/>
+            </a:lnRef>
+            <a:fillRef idx="0">
+              <a:schemeClr val="accent1"/>
+            </a:fillRef>
+            <a:effectRef idx="0">
+              <a:schemeClr val="accent1"/>
+            </a:effectRef>
+            <a:fontRef idx="minor">
+              <a:schemeClr val="tx1"/>
+            </a:fontRef>
+          </p:style>
+        </p:cxnSp>
+        <p:cxnSp>
+          <p:nvCxnSpPr>
+            <p:cNvPr id="47" name="직선 화살표 연결선 46">
+              <a:extLst>
+                <a:ext uri="{FF2B5EF4-FFF2-40B4-BE49-F238E27FC236}">
+                  <a16:creationId xmlns:a16="http://schemas.microsoft.com/office/drawing/2014/main" id="{D92A1968-BF01-6F3D-1647-E85C587D4445}"/>
+                </a:ext>
+              </a:extLst>
+            </p:cNvPr>
+            <p:cNvCxnSpPr>
+              <a:cxnSpLocks/>
+              <a:stCxn id="3" idx="1"/>
+              <a:endCxn id="4" idx="2"/>
+            </p:cNvCxnSpPr>
+            <p:nvPr/>
+          </p:nvCxnSpPr>
+          <p:spPr>
+            <a:xfrm flipV="1">
+              <a:off x="8484468" y="3325158"/>
+              <a:ext cx="0" cy="548783"/>
+            </a:xfrm>
+            <a:prstGeom prst="straightConnector1">
+              <a:avLst/>
+            </a:prstGeom>
+            <a:ln w="28575">
+              <a:solidFill>
+                <a:schemeClr val="bg1"/>
+              </a:solidFill>
+              <a:prstDash val="dash"/>
+              <a:tailEnd type="triangle"/>
+            </a:ln>
+          </p:spPr>
+          <p:style>
+            <a:lnRef idx="1">
+              <a:schemeClr val="accent1"/>
+            </a:lnRef>
+            <a:fillRef idx="0">
+              <a:schemeClr val="accent1"/>
+            </a:fillRef>
+            <a:effectRef idx="0">
+              <a:schemeClr val="accent1"/>
+            </a:effectRef>
+            <a:fontRef idx="minor">
+              <a:schemeClr val="tx1"/>
+            </a:fontRef>
+          </p:style>
+        </p:cxnSp>
+      </p:grpSp>
+    </p:spTree>
+    <p:extLst>
+      <p:ext uri="{BB962C8B-B14F-4D97-AF65-F5344CB8AC3E}">
+        <p14:creationId xmlns:p14="http://schemas.microsoft.com/office/powerpoint/2010/main" val="276782742"/>
+      </p:ext>
+    </p:extLst>
+  </p:cSld>
+  <p:clrMapOvr>
+    <a:masterClrMapping/>
+  </p:clrMapOvr>
+</p:sld>
+</file>
+
+<file path=ppt/slides/slide26.xml><?xml version="1.0" encoding="utf-8"?>
+<p:sld xmlns:a="http://schemas.openxmlformats.org/drawingml/2006/main" xmlns:r="http://schemas.openxmlformats.org/officeDocument/2006/relationships" xmlns:p="http://schemas.openxmlformats.org/presentationml/2006/main">
+  <p:cSld>
+    <p:spTree>
+      <p:nvGrpSpPr>
+        <p:cNvPr id="1" name=""/>
+        <p:cNvGrpSpPr/>
+        <p:nvPr/>
+      </p:nvGrpSpPr>
+      <p:grpSpPr>
+        <a:xfrm>
+          <a:off x="0" y="0"/>
+          <a:ext cx="0" cy="0"/>
+          <a:chOff x="0" y="0"/>
+          <a:chExt cx="0" cy="0"/>
+        </a:xfrm>
+      </p:grpSpPr>
+      <p:sp>
+        <p:nvSpPr>
+          <p:cNvPr id="2" name="TextBox 1">
+            <a:extLst>
+              <a:ext uri="{FF2B5EF4-FFF2-40B4-BE49-F238E27FC236}">
+                <a16:creationId xmlns:a16="http://schemas.microsoft.com/office/drawing/2014/main" id="{AF53483D-1A80-C107-D3AB-6901351F1D3F}"/>
+              </a:ext>
+            </a:extLst>
+          </p:cNvPr>
+          <p:cNvSpPr txBox="1"/>
+          <p:nvPr/>
+        </p:nvSpPr>
+        <p:spPr>
+          <a:xfrm>
+            <a:off x="10388600" y="6596390"/>
+            <a:ext cx="1803400" cy="261610"/>
+          </a:xfrm>
+          <a:prstGeom prst="rect">
+            <a:avLst/>
+          </a:prstGeom>
+          <a:noFill/>
+        </p:spPr>
+        <p:txBody>
+          <a:bodyPr wrap="square" rtlCol="0">
+            <a:spAutoFit/>
+          </a:bodyPr>
+          <a:lstStyle/>
+          <a:p>
+            <a:pPr algn="r"/>
+            <a:r>
+              <a:rPr lang="en-US" altLang="ko-KR" sz="1100" dirty="0"/>
+              <a:t>Kim0lil/80700</a:t>
+            </a:r>
+            <a:endParaRPr lang="ko-KR" altLang="en-US" sz="1100" dirty="0"/>
+          </a:p>
+        </p:txBody>
+      </p:sp>
+      <p:sp>
+        <p:nvSpPr>
+          <p:cNvPr id="5" name="직사각형 4">
+            <a:extLst>
+              <a:ext uri="{FF2B5EF4-FFF2-40B4-BE49-F238E27FC236}">
+                <a16:creationId xmlns:a16="http://schemas.microsoft.com/office/drawing/2014/main" id="{0FBF9300-946C-3FE5-11CE-770D3DD7A952}"/>
+              </a:ext>
+            </a:extLst>
+          </p:cNvPr>
+          <p:cNvSpPr/>
+          <p:nvPr/>
+        </p:nvSpPr>
+        <p:spPr>
+          <a:xfrm>
+            <a:off x="480487" y="381343"/>
+            <a:ext cx="3676646" cy="2946058"/>
+          </a:xfrm>
+          <a:prstGeom prst="rect">
+            <a:avLst/>
+          </a:prstGeom>
+          <a:solidFill>
+            <a:schemeClr val="bg2">
+              <a:lumMod val="25000"/>
+            </a:schemeClr>
+          </a:solidFill>
+          <a:ln>
+            <a:solidFill>
+              <a:schemeClr val="accent1"/>
+            </a:solidFill>
+          </a:ln>
+        </p:spPr>
+        <p:style>
+          <a:lnRef idx="2">
+            <a:schemeClr val="accent2">
+              <a:shade val="50000"/>
+            </a:schemeClr>
+          </a:lnRef>
+          <a:fillRef idx="1">
+            <a:schemeClr val="accent2"/>
+          </a:fillRef>
+          <a:effectRef idx="0">
+            <a:schemeClr val="accent2"/>
+          </a:effectRef>
+          <a:fontRef idx="minor">
+            <a:schemeClr val="lt1"/>
+          </a:fontRef>
+        </p:style>
+        <p:txBody>
+          <a:bodyPr rtlCol="0" anchor="b"/>
+          <a:lstStyle/>
+          <a:p>
+            <a:pPr algn="ctr"/>
+            <a:r>
+              <a:rPr lang="en-US" altLang="ko-KR" sz="1400" b="1" dirty="0">
+                <a:latin typeface="Consolas" panose="020B0609020204030204" pitchFamily="49" charset="0"/>
+              </a:rPr>
+              <a:t>Pod</a:t>
+            </a:r>
+            <a:endParaRPr lang="ko-KR" altLang="en-US" sz="1400" b="1" dirty="0">
+              <a:latin typeface="Consolas" panose="020B0609020204030204" pitchFamily="49" charset="0"/>
+            </a:endParaRPr>
+          </a:p>
+        </p:txBody>
+      </p:sp>
+      <p:sp>
+        <p:nvSpPr>
+          <p:cNvPr id="6" name="직사각형 5">
+            <a:extLst>
+              <a:ext uri="{FF2B5EF4-FFF2-40B4-BE49-F238E27FC236}">
+                <a16:creationId xmlns:a16="http://schemas.microsoft.com/office/drawing/2014/main" id="{F252AFAA-8886-7A87-FD05-97D60FBE4E6E}"/>
+              </a:ext>
+            </a:extLst>
+          </p:cNvPr>
+          <p:cNvSpPr/>
+          <p:nvPr/>
+        </p:nvSpPr>
+        <p:spPr>
+          <a:xfrm>
+            <a:off x="7083518" y="2759672"/>
+            <a:ext cx="1102398" cy="682198"/>
+          </a:xfrm>
+          <a:prstGeom prst="rect">
+            <a:avLst/>
+          </a:prstGeom>
+          <a:solidFill>
+            <a:srgbClr val="00B050"/>
+          </a:solidFill>
+          <a:ln>
+            <a:solidFill>
+              <a:schemeClr val="accent1"/>
+            </a:solidFill>
+          </a:ln>
+        </p:spPr>
+        <p:style>
+          <a:lnRef idx="2">
+            <a:schemeClr val="accent2">
+              <a:shade val="50000"/>
+            </a:schemeClr>
+          </a:lnRef>
+          <a:fillRef idx="1">
+            <a:schemeClr val="accent2"/>
+          </a:fillRef>
+          <a:effectRef idx="0">
+            <a:schemeClr val="accent2"/>
+          </a:effectRef>
+          <a:fontRef idx="minor">
+            <a:schemeClr val="lt1"/>
+          </a:fontRef>
+        </p:style>
+        <p:txBody>
+          <a:bodyPr rtlCol="0" anchor="ctr"/>
+          <a:lstStyle/>
+          <a:p>
+            <a:pPr algn="ctr"/>
+            <a:r>
+              <a:rPr lang="en-US" altLang="ko-KR" sz="1100" b="1" dirty="0">
+                <a:latin typeface="Consolas" panose="020B0609020204030204" pitchFamily="49" charset="0"/>
+              </a:rPr>
+              <a:t>Volume</a:t>
+            </a:r>
+          </a:p>
+          <a:p>
+            <a:pPr algn="ctr"/>
+            <a:br>
+              <a:rPr lang="en-US" altLang="ko-KR" sz="1100" b="1" dirty="0">
+                <a:latin typeface="Consolas" panose="020B0609020204030204" pitchFamily="49" charset="0"/>
+              </a:rPr>
+            </a:br>
+            <a:r>
+              <a:rPr lang="en-US" altLang="ko-KR" sz="1100" b="1" dirty="0">
+                <a:latin typeface="Consolas" panose="020B0609020204030204" pitchFamily="49" charset="0"/>
+              </a:rPr>
+              <a:t>/host</a:t>
+            </a:r>
+            <a:endParaRPr lang="ko-KR" altLang="en-US" sz="1100" b="1" dirty="0">
+              <a:latin typeface="Consolas" panose="020B0609020204030204" pitchFamily="49" charset="0"/>
+            </a:endParaRPr>
+          </a:p>
+        </p:txBody>
+      </p:sp>
+      <p:sp>
+        <p:nvSpPr>
+          <p:cNvPr id="8" name="원통형 7">
+            <a:extLst>
+              <a:ext uri="{FF2B5EF4-FFF2-40B4-BE49-F238E27FC236}">
+                <a16:creationId xmlns:a16="http://schemas.microsoft.com/office/drawing/2014/main" id="{659C66F3-ACF8-DBBF-B157-70CA40F22BF1}"/>
+              </a:ext>
+            </a:extLst>
+          </p:cNvPr>
+          <p:cNvSpPr/>
+          <p:nvPr/>
+        </p:nvSpPr>
+        <p:spPr>
+          <a:xfrm>
+            <a:off x="7083518" y="1166783"/>
+            <a:ext cx="1102398" cy="960717"/>
+          </a:xfrm>
+          <a:prstGeom prst="can">
+            <a:avLst/>
+          </a:prstGeom>
+          <a:solidFill>
+            <a:schemeClr val="accent3">
+              <a:lumMod val="50000"/>
+            </a:schemeClr>
+          </a:solidFill>
+        </p:spPr>
+        <p:style>
+          <a:lnRef idx="2">
+            <a:schemeClr val="accent1">
+              <a:shade val="50000"/>
+            </a:schemeClr>
+          </a:lnRef>
+          <a:fillRef idx="1">
+            <a:schemeClr val="accent1"/>
+          </a:fillRef>
+          <a:effectRef idx="0">
+            <a:schemeClr val="accent1"/>
+          </a:effectRef>
+          <a:fontRef idx="minor">
+            <a:schemeClr val="lt1"/>
+          </a:fontRef>
+        </p:style>
+        <p:txBody>
+          <a:bodyPr rtlCol="0" anchor="ctr"/>
+          <a:lstStyle/>
+          <a:p>
+            <a:pPr algn="ctr"/>
+            <a:r>
+              <a:rPr lang="en-US" altLang="ko-KR" sz="1100" b="1" dirty="0">
+                <a:latin typeface="Consolas" panose="020B0609020204030204" pitchFamily="49" charset="0"/>
+              </a:rPr>
+              <a:t>Persistent Volumes</a:t>
+            </a:r>
+            <a:endParaRPr lang="ko-KR" altLang="en-US" sz="1100" b="1" dirty="0">
+              <a:latin typeface="Consolas" panose="020B0609020204030204" pitchFamily="49" charset="0"/>
+            </a:endParaRPr>
+          </a:p>
+        </p:txBody>
+      </p:sp>
+      <p:sp>
+        <p:nvSpPr>
+          <p:cNvPr id="11" name="직사각형 10">
+            <a:extLst>
+              <a:ext uri="{FF2B5EF4-FFF2-40B4-BE49-F238E27FC236}">
+                <a16:creationId xmlns:a16="http://schemas.microsoft.com/office/drawing/2014/main" id="{D472575C-8DD2-3167-E310-148C0C024830}"/>
+              </a:ext>
+            </a:extLst>
+          </p:cNvPr>
+          <p:cNvSpPr/>
+          <p:nvPr/>
+        </p:nvSpPr>
+        <p:spPr>
+          <a:xfrm>
+            <a:off x="5008919" y="1306043"/>
+            <a:ext cx="1102398" cy="682198"/>
+          </a:xfrm>
+          <a:prstGeom prst="rect">
+            <a:avLst/>
+          </a:prstGeom>
+          <a:solidFill>
+            <a:schemeClr val="accent2">
+              <a:lumMod val="75000"/>
+            </a:schemeClr>
+          </a:solidFill>
+          <a:ln>
+            <a:solidFill>
+              <a:schemeClr val="accent1"/>
+            </a:solidFill>
+          </a:ln>
+        </p:spPr>
+        <p:style>
+          <a:lnRef idx="2">
+            <a:schemeClr val="accent2">
+              <a:shade val="50000"/>
+            </a:schemeClr>
+          </a:lnRef>
+          <a:fillRef idx="1">
+            <a:schemeClr val="accent2"/>
+          </a:fillRef>
+          <a:effectRef idx="0">
+            <a:schemeClr val="accent2"/>
+          </a:effectRef>
+          <a:fontRef idx="minor">
+            <a:schemeClr val="lt1"/>
+          </a:fontRef>
+        </p:style>
+        <p:txBody>
+          <a:bodyPr rtlCol="0" anchor="ctr"/>
+          <a:lstStyle/>
+          <a:p>
+            <a:pPr algn="ctr"/>
+            <a:r>
+              <a:rPr lang="en-US" altLang="ko-KR" sz="1100" b="1" dirty="0">
+                <a:latin typeface="Consolas" panose="020B0609020204030204" pitchFamily="49" charset="0"/>
+              </a:rPr>
+              <a:t>Volume Claim</a:t>
+            </a:r>
+            <a:endParaRPr lang="ko-KR" altLang="en-US" sz="1100" b="1" dirty="0">
+              <a:latin typeface="Consolas" panose="020B0609020204030204" pitchFamily="49" charset="0"/>
+            </a:endParaRPr>
+          </a:p>
+        </p:txBody>
+      </p:sp>
+      <p:sp>
+        <p:nvSpPr>
+          <p:cNvPr id="24" name="직사각형 23">
+            <a:extLst>
+              <a:ext uri="{FF2B5EF4-FFF2-40B4-BE49-F238E27FC236}">
+                <a16:creationId xmlns:a16="http://schemas.microsoft.com/office/drawing/2014/main" id="{1243DDE2-2294-6938-0E59-6AD77D684B5E}"/>
+              </a:ext>
+            </a:extLst>
+          </p:cNvPr>
+          <p:cNvSpPr/>
+          <p:nvPr/>
+        </p:nvSpPr>
+        <p:spPr>
+          <a:xfrm>
+            <a:off x="734264" y="2051321"/>
+            <a:ext cx="1348270" cy="639275"/>
+          </a:xfrm>
+          <a:prstGeom prst="rect">
+            <a:avLst/>
+          </a:prstGeom>
+          <a:ln/>
+        </p:spPr>
+        <p:style>
+          <a:lnRef idx="2">
+            <a:schemeClr val="accent6"/>
+          </a:lnRef>
+          <a:fillRef idx="1">
+            <a:schemeClr val="lt1"/>
+          </a:fillRef>
+          <a:effectRef idx="0">
+            <a:schemeClr val="accent6"/>
+          </a:effectRef>
+          <a:fontRef idx="minor">
+            <a:schemeClr val="dk1"/>
+          </a:fontRef>
+        </p:style>
+        <p:txBody>
+          <a:bodyPr rtlCol="0" anchor="ctr"/>
+          <a:lstStyle/>
+          <a:p>
+            <a:pPr algn="ctr"/>
+            <a:r>
+              <a:rPr lang="en-US" altLang="ko-KR" sz="1400" b="1" dirty="0">
+                <a:latin typeface="Consolas" panose="020B0609020204030204" pitchFamily="49" charset="0"/>
+              </a:rPr>
+              <a:t>app</a:t>
+            </a:r>
+            <a:endParaRPr lang="ko-KR" altLang="en-US" sz="1400" b="1" dirty="0">
+              <a:latin typeface="Consolas" panose="020B0609020204030204" pitchFamily="49" charset="0"/>
+            </a:endParaRPr>
+          </a:p>
+        </p:txBody>
+      </p:sp>
+      <p:cxnSp>
+        <p:nvCxnSpPr>
+          <p:cNvPr id="31" name="연결선: 꺾임 30">
+            <a:extLst>
+              <a:ext uri="{FF2B5EF4-FFF2-40B4-BE49-F238E27FC236}">
+                <a16:creationId xmlns:a16="http://schemas.microsoft.com/office/drawing/2014/main" id="{2D7894A5-5A14-6FF9-BB2A-98489611935F}"/>
+              </a:ext>
+            </a:extLst>
+          </p:cNvPr>
+          <p:cNvCxnSpPr>
+            <a:cxnSpLocks/>
+            <a:stCxn id="11" idx="0"/>
+            <a:endCxn id="70" idx="3"/>
+          </p:cNvCxnSpPr>
+          <p:nvPr/>
+        </p:nvCxnSpPr>
+        <p:spPr>
+          <a:xfrm rot="16200000" flipV="1">
+            <a:off x="4563173" y="309097"/>
+            <a:ext cx="319636" cy="1674255"/>
+          </a:xfrm>
+          <a:prstGeom prst="bentConnector2">
+            <a:avLst/>
+          </a:prstGeom>
+          <a:ln w="19050">
+            <a:prstDash val="dash"/>
+          </a:ln>
+        </p:spPr>
+        <p:style>
+          <a:lnRef idx="1">
+            <a:schemeClr val="accent1"/>
+          </a:lnRef>
+          <a:fillRef idx="0">
+            <a:schemeClr val="accent1"/>
+          </a:fillRef>
+          <a:effectRef idx="0">
+            <a:schemeClr val="accent1"/>
+          </a:effectRef>
+          <a:fontRef idx="minor">
+            <a:schemeClr val="tx1"/>
+          </a:fontRef>
+        </p:style>
+      </p:cxnSp>
+      <p:sp>
+        <p:nvSpPr>
+          <p:cNvPr id="37" name="직사각형 36">
+            <a:extLst>
+              <a:ext uri="{FF2B5EF4-FFF2-40B4-BE49-F238E27FC236}">
+                <a16:creationId xmlns:a16="http://schemas.microsoft.com/office/drawing/2014/main" id="{8B2BAA8A-A572-E627-C032-1D393D789670}"/>
+              </a:ext>
+            </a:extLst>
+          </p:cNvPr>
+          <p:cNvSpPr/>
+          <p:nvPr/>
+        </p:nvSpPr>
+        <p:spPr>
+          <a:xfrm>
+            <a:off x="2792124" y="2051322"/>
+            <a:ext cx="1093739" cy="639275"/>
+          </a:xfrm>
+          <a:prstGeom prst="rect">
+            <a:avLst/>
+          </a:prstGeom>
+          <a:solidFill>
+            <a:srgbClr val="00B050"/>
+          </a:solidFill>
+          <a:ln>
+            <a:solidFill>
+              <a:schemeClr val="accent1"/>
+            </a:solidFill>
+          </a:ln>
+        </p:spPr>
+        <p:style>
+          <a:lnRef idx="2">
+            <a:schemeClr val="accent2">
+              <a:shade val="50000"/>
+            </a:schemeClr>
+          </a:lnRef>
+          <a:fillRef idx="1">
+            <a:schemeClr val="accent2"/>
+          </a:fillRef>
+          <a:effectRef idx="0">
+            <a:schemeClr val="accent2"/>
+          </a:effectRef>
+          <a:fontRef idx="minor">
+            <a:schemeClr val="lt1"/>
+          </a:fontRef>
+        </p:style>
+        <p:txBody>
+          <a:bodyPr rtlCol="0" anchor="ctr"/>
+          <a:lstStyle/>
+          <a:p>
+            <a:pPr algn="ctr"/>
+            <a:r>
+              <a:rPr lang="en-US" altLang="ko-KR" sz="1100" b="1" dirty="0">
+                <a:latin typeface="Consolas" panose="020B0609020204030204" pitchFamily="49" charset="0"/>
+              </a:rPr>
+              <a:t>Mount</a:t>
+            </a:r>
+          </a:p>
+          <a:p>
+            <a:pPr algn="ctr"/>
+            <a:endParaRPr lang="en-US" altLang="ko-KR" sz="1100" b="1" dirty="0">
+              <a:latin typeface="Consolas" panose="020B0609020204030204" pitchFamily="49" charset="0"/>
+            </a:endParaRPr>
+          </a:p>
+          <a:p>
+            <a:pPr algn="ctr"/>
+            <a:r>
+              <a:rPr lang="en-US" altLang="ko-KR" sz="1100" b="1" dirty="0">
+                <a:latin typeface="Consolas" panose="020B0609020204030204" pitchFamily="49" charset="0"/>
+              </a:rPr>
+              <a:t>/gen</a:t>
+            </a:r>
+            <a:endParaRPr lang="ko-KR" altLang="en-US" sz="1100" b="1" dirty="0">
+              <a:latin typeface="Consolas" panose="020B0609020204030204" pitchFamily="49" charset="0"/>
+            </a:endParaRPr>
+          </a:p>
+        </p:txBody>
+      </p:sp>
+      <p:cxnSp>
+        <p:nvCxnSpPr>
+          <p:cNvPr id="38" name="직선 화살표 연결선 37">
+            <a:extLst>
+              <a:ext uri="{FF2B5EF4-FFF2-40B4-BE49-F238E27FC236}">
+                <a16:creationId xmlns:a16="http://schemas.microsoft.com/office/drawing/2014/main" id="{ABF685B5-35F7-6E1A-2A02-9F312634BBF7}"/>
+              </a:ext>
+            </a:extLst>
+          </p:cNvPr>
+          <p:cNvCxnSpPr>
+            <a:cxnSpLocks/>
+            <a:stCxn id="24" idx="3"/>
+            <a:endCxn id="37" idx="1"/>
+          </p:cNvCxnSpPr>
+          <p:nvPr/>
+        </p:nvCxnSpPr>
+        <p:spPr>
+          <a:xfrm>
+            <a:off x="2082534" y="2370959"/>
+            <a:ext cx="709590" cy="1"/>
+          </a:xfrm>
+          <a:prstGeom prst="straightConnector1">
+            <a:avLst/>
+          </a:prstGeom>
+          <a:ln w="28575">
+            <a:solidFill>
+              <a:schemeClr val="bg1"/>
+            </a:solidFill>
+            <a:prstDash val="dash"/>
+            <a:tailEnd type="triangle"/>
+          </a:ln>
+        </p:spPr>
+        <p:style>
+          <a:lnRef idx="1">
+            <a:schemeClr val="accent1"/>
+          </a:lnRef>
+          <a:fillRef idx="0">
+            <a:schemeClr val="accent1"/>
+          </a:fillRef>
+          <a:effectRef idx="0">
+            <a:schemeClr val="accent1"/>
+          </a:effectRef>
+          <a:fontRef idx="minor">
+            <a:schemeClr val="tx1"/>
+          </a:fontRef>
+        </p:style>
+      </p:cxnSp>
+      <p:cxnSp>
+        <p:nvCxnSpPr>
+          <p:cNvPr id="42" name="연결선: 꺾임 41">
+            <a:extLst>
+              <a:ext uri="{FF2B5EF4-FFF2-40B4-BE49-F238E27FC236}">
+                <a16:creationId xmlns:a16="http://schemas.microsoft.com/office/drawing/2014/main" id="{7AC70658-53FA-80EA-20EE-80047678714F}"/>
+              </a:ext>
+            </a:extLst>
+          </p:cNvPr>
+          <p:cNvCxnSpPr>
+            <a:cxnSpLocks/>
+            <a:stCxn id="11" idx="2"/>
+            <a:endCxn id="37" idx="3"/>
+          </p:cNvCxnSpPr>
+          <p:nvPr/>
+        </p:nvCxnSpPr>
+        <p:spPr>
+          <a:xfrm rot="5400000">
+            <a:off x="4531632" y="1342473"/>
+            <a:ext cx="382719" cy="1674255"/>
+          </a:xfrm>
+          <a:prstGeom prst="bentConnector2">
+            <a:avLst/>
+          </a:prstGeom>
+          <a:ln w="19050">
+            <a:prstDash val="dash"/>
+          </a:ln>
+        </p:spPr>
+        <p:style>
+          <a:lnRef idx="1">
+            <a:schemeClr val="accent1"/>
+          </a:lnRef>
+          <a:fillRef idx="0">
+            <a:schemeClr val="accent1"/>
+          </a:fillRef>
+          <a:effectRef idx="0">
+            <a:schemeClr val="accent1"/>
+          </a:effectRef>
+          <a:fontRef idx="minor">
+            <a:schemeClr val="tx1"/>
+          </a:fontRef>
+        </p:style>
+      </p:cxnSp>
+      <p:cxnSp>
+        <p:nvCxnSpPr>
+          <p:cNvPr id="50" name="직선 연결선 49">
+            <a:extLst>
+              <a:ext uri="{FF2B5EF4-FFF2-40B4-BE49-F238E27FC236}">
+                <a16:creationId xmlns:a16="http://schemas.microsoft.com/office/drawing/2014/main" id="{5ED4178F-87D2-0AD6-B3DE-2F44944365E8}"/>
+              </a:ext>
+            </a:extLst>
+          </p:cNvPr>
+          <p:cNvCxnSpPr>
+            <a:stCxn id="11" idx="3"/>
+            <a:endCxn id="8" idx="2"/>
+          </p:cNvCxnSpPr>
+          <p:nvPr/>
+        </p:nvCxnSpPr>
+        <p:spPr>
+          <a:xfrm>
+            <a:off x="6111317" y="1647142"/>
+            <a:ext cx="972201" cy="0"/>
+          </a:xfrm>
+          <a:prstGeom prst="line">
+            <a:avLst/>
+          </a:prstGeom>
+          <a:ln w="19050">
+            <a:prstDash val="dash"/>
+          </a:ln>
+        </p:spPr>
+        <p:style>
+          <a:lnRef idx="1">
+            <a:schemeClr val="accent1"/>
+          </a:lnRef>
+          <a:fillRef idx="0">
+            <a:schemeClr val="accent1"/>
+          </a:fillRef>
+          <a:effectRef idx="0">
+            <a:schemeClr val="accent1"/>
+          </a:effectRef>
+          <a:fontRef idx="minor">
+            <a:schemeClr val="tx1"/>
+          </a:fontRef>
+        </p:style>
+      </p:cxnSp>
+      <p:cxnSp>
+        <p:nvCxnSpPr>
+          <p:cNvPr id="52" name="직선 연결선 51">
+            <a:extLst>
+              <a:ext uri="{FF2B5EF4-FFF2-40B4-BE49-F238E27FC236}">
+                <a16:creationId xmlns:a16="http://schemas.microsoft.com/office/drawing/2014/main" id="{61AC4594-53EA-F7A5-4AD7-77D491FF347E}"/>
+              </a:ext>
+            </a:extLst>
+          </p:cNvPr>
+          <p:cNvCxnSpPr>
+            <a:cxnSpLocks/>
+            <a:stCxn id="8" idx="3"/>
+            <a:endCxn id="6" idx="0"/>
+          </p:cNvCxnSpPr>
+          <p:nvPr/>
+        </p:nvCxnSpPr>
+        <p:spPr>
+          <a:xfrm>
+            <a:off x="7634717" y="2127500"/>
+            <a:ext cx="0" cy="632172"/>
+          </a:xfrm>
+          <a:prstGeom prst="line">
+            <a:avLst/>
+          </a:prstGeom>
+          <a:ln w="19050">
+            <a:prstDash val="dash"/>
+          </a:ln>
+        </p:spPr>
+        <p:style>
+          <a:lnRef idx="1">
+            <a:schemeClr val="accent1"/>
+          </a:lnRef>
+          <a:fillRef idx="0">
+            <a:schemeClr val="accent1"/>
+          </a:fillRef>
+          <a:effectRef idx="0">
+            <a:schemeClr val="accent1"/>
+          </a:effectRef>
+          <a:fontRef idx="minor">
+            <a:schemeClr val="tx1"/>
+          </a:fontRef>
+        </p:style>
+      </p:cxnSp>
+      <p:sp>
+        <p:nvSpPr>
+          <p:cNvPr id="70" name="직사각형 69">
+            <a:extLst>
+              <a:ext uri="{FF2B5EF4-FFF2-40B4-BE49-F238E27FC236}">
+                <a16:creationId xmlns:a16="http://schemas.microsoft.com/office/drawing/2014/main" id="{CB412D12-BCF7-4A3C-9074-A6DBCDAB1AB5}"/>
+              </a:ext>
+            </a:extLst>
+          </p:cNvPr>
+          <p:cNvSpPr/>
+          <p:nvPr/>
+        </p:nvSpPr>
+        <p:spPr>
+          <a:xfrm>
+            <a:off x="2792124" y="666769"/>
+            <a:ext cx="1093739" cy="639275"/>
+          </a:xfrm>
+          <a:prstGeom prst="rect">
+            <a:avLst/>
+          </a:prstGeom>
+          <a:solidFill>
+            <a:srgbClr val="00B050"/>
+          </a:solidFill>
+          <a:ln>
+            <a:solidFill>
+              <a:schemeClr val="accent1"/>
+            </a:solidFill>
+          </a:ln>
+        </p:spPr>
+        <p:style>
+          <a:lnRef idx="2">
+            <a:schemeClr val="accent2">
+              <a:shade val="50000"/>
+            </a:schemeClr>
+          </a:lnRef>
+          <a:fillRef idx="1">
+            <a:schemeClr val="accent2"/>
+          </a:fillRef>
+          <a:effectRef idx="0">
+            <a:schemeClr val="accent2"/>
+          </a:effectRef>
+          <a:fontRef idx="minor">
+            <a:schemeClr val="lt1"/>
+          </a:fontRef>
+        </p:style>
+        <p:txBody>
+          <a:bodyPr rtlCol="0" anchor="ctr"/>
+          <a:lstStyle/>
+          <a:p>
+            <a:pPr algn="ctr"/>
+            <a:r>
+              <a:rPr lang="en-US" altLang="ko-KR" sz="1100" b="1" dirty="0">
+                <a:latin typeface="Consolas" panose="020B0609020204030204" pitchFamily="49" charset="0"/>
+              </a:rPr>
+              <a:t>Mount</a:t>
+            </a:r>
+          </a:p>
+          <a:p>
+            <a:pPr algn="ctr"/>
+            <a:endParaRPr lang="en-US" altLang="ko-KR" sz="1100" b="1" dirty="0">
+              <a:latin typeface="Consolas" panose="020B0609020204030204" pitchFamily="49" charset="0"/>
+            </a:endParaRPr>
+          </a:p>
+          <a:p>
+            <a:pPr algn="ctr"/>
+            <a:r>
+              <a:rPr lang="en-US" altLang="ko-KR" sz="1100" b="1" dirty="0">
+                <a:latin typeface="Consolas" panose="020B0609020204030204" pitchFamily="49" charset="0"/>
+              </a:rPr>
+              <a:t>/logs</a:t>
+            </a:r>
+            <a:endParaRPr lang="ko-KR" altLang="en-US" sz="1100" b="1" dirty="0">
+              <a:latin typeface="Consolas" panose="020B0609020204030204" pitchFamily="49" charset="0"/>
+            </a:endParaRPr>
+          </a:p>
+        </p:txBody>
+      </p:sp>
+      <p:sp>
+        <p:nvSpPr>
+          <p:cNvPr id="71" name="직사각형 70">
+            <a:extLst>
+              <a:ext uri="{FF2B5EF4-FFF2-40B4-BE49-F238E27FC236}">
+                <a16:creationId xmlns:a16="http://schemas.microsoft.com/office/drawing/2014/main" id="{09CF71F9-03E8-AAA0-3180-ABA41E54B6D8}"/>
+              </a:ext>
+            </a:extLst>
+          </p:cNvPr>
+          <p:cNvSpPr/>
+          <p:nvPr/>
+        </p:nvSpPr>
+        <p:spPr>
+          <a:xfrm>
+            <a:off x="734264" y="666769"/>
+            <a:ext cx="1348270" cy="639275"/>
+          </a:xfrm>
+          <a:prstGeom prst="rect">
+            <a:avLst/>
+          </a:prstGeom>
+          <a:ln/>
+        </p:spPr>
+        <p:style>
+          <a:lnRef idx="2">
+            <a:schemeClr val="accent6"/>
+          </a:lnRef>
+          <a:fillRef idx="1">
+            <a:schemeClr val="lt1"/>
+          </a:fillRef>
+          <a:effectRef idx="0">
+            <a:schemeClr val="accent6"/>
+          </a:effectRef>
+          <a:fontRef idx="minor">
+            <a:schemeClr val="dk1"/>
+          </a:fontRef>
+        </p:style>
+        <p:txBody>
+          <a:bodyPr rtlCol="0" anchor="ctr"/>
+          <a:lstStyle/>
+          <a:p>
+            <a:pPr algn="ctr"/>
+            <a:r>
+              <a:rPr lang="en-US" altLang="ko-KR" sz="1400" b="1" dirty="0">
+                <a:latin typeface="Consolas" panose="020B0609020204030204" pitchFamily="49" charset="0"/>
+              </a:rPr>
+              <a:t>log</a:t>
+            </a:r>
+            <a:endParaRPr lang="ko-KR" altLang="en-US" sz="1400" b="1" dirty="0">
+              <a:latin typeface="Consolas" panose="020B0609020204030204" pitchFamily="49" charset="0"/>
+            </a:endParaRPr>
+          </a:p>
+        </p:txBody>
+      </p:sp>
+      <p:cxnSp>
+        <p:nvCxnSpPr>
+          <p:cNvPr id="72" name="직선 화살표 연결선 71">
+            <a:extLst>
+              <a:ext uri="{FF2B5EF4-FFF2-40B4-BE49-F238E27FC236}">
+                <a16:creationId xmlns:a16="http://schemas.microsoft.com/office/drawing/2014/main" id="{CF28700B-A1B4-B68A-1185-F6459791BAE6}"/>
+              </a:ext>
+            </a:extLst>
+          </p:cNvPr>
+          <p:cNvCxnSpPr>
+            <a:cxnSpLocks/>
+            <a:stCxn id="71" idx="3"/>
+            <a:endCxn id="70" idx="1"/>
+          </p:cNvCxnSpPr>
+          <p:nvPr/>
+        </p:nvCxnSpPr>
+        <p:spPr>
+          <a:xfrm>
+            <a:off x="2082534" y="986407"/>
+            <a:ext cx="709590" cy="0"/>
+          </a:xfrm>
+          <a:prstGeom prst="straightConnector1">
+            <a:avLst/>
+          </a:prstGeom>
+          <a:ln w="28575">
+            <a:solidFill>
+              <a:schemeClr val="bg1"/>
+            </a:solidFill>
+            <a:prstDash val="dash"/>
+            <a:tailEnd type="triangle"/>
+          </a:ln>
+        </p:spPr>
+        <p:style>
+          <a:lnRef idx="1">
+            <a:schemeClr val="accent1"/>
+          </a:lnRef>
+          <a:fillRef idx="0">
+            <a:schemeClr val="accent1"/>
+          </a:fillRef>
+          <a:effectRef idx="0">
+            <a:schemeClr val="accent1"/>
+          </a:effectRef>
+          <a:fontRef idx="minor">
+            <a:schemeClr val="tx1"/>
+          </a:fontRef>
+        </p:style>
+      </p:cxnSp>
+      <p:sp>
+        <p:nvSpPr>
+          <p:cNvPr id="107" name="직사각형 106">
+            <a:extLst>
+              <a:ext uri="{FF2B5EF4-FFF2-40B4-BE49-F238E27FC236}">
+                <a16:creationId xmlns:a16="http://schemas.microsoft.com/office/drawing/2014/main" id="{E5D3FDA7-49B3-CA1E-419A-63BC0F2F01E3}"/>
+              </a:ext>
+            </a:extLst>
+          </p:cNvPr>
+          <p:cNvSpPr/>
+          <p:nvPr/>
+        </p:nvSpPr>
+        <p:spPr>
+          <a:xfrm>
+            <a:off x="480487" y="3932464"/>
+            <a:ext cx="3676646" cy="1138223"/>
+          </a:xfrm>
+          <a:prstGeom prst="rect">
+            <a:avLst/>
+          </a:prstGeom>
+          <a:solidFill>
+            <a:schemeClr val="accent1"/>
+          </a:solidFill>
+          <a:ln>
+            <a:solidFill>
+              <a:schemeClr val="accent1"/>
+            </a:solidFill>
+          </a:ln>
+        </p:spPr>
+        <p:style>
+          <a:lnRef idx="2">
+            <a:schemeClr val="accent2">
+              <a:shade val="50000"/>
+            </a:schemeClr>
+          </a:lnRef>
+          <a:fillRef idx="1">
+            <a:schemeClr val="accent2"/>
+          </a:fillRef>
+          <a:effectRef idx="0">
+            <a:schemeClr val="accent2"/>
+          </a:effectRef>
+          <a:fontRef idx="minor">
+            <a:schemeClr val="lt1"/>
+          </a:fontRef>
+        </p:style>
+        <p:txBody>
+          <a:bodyPr rtlCol="0" anchor="ctr"/>
+          <a:lstStyle/>
+          <a:p>
+            <a:pPr algn="ctr"/>
+            <a:r>
+              <a:rPr lang="en-US" altLang="ko-KR" sz="1400" b="1" dirty="0">
+                <a:latin typeface="Consolas" panose="020B0609020204030204" pitchFamily="49" charset="0"/>
+              </a:rPr>
+              <a:t>Service</a:t>
+            </a:r>
+            <a:endParaRPr lang="ko-KR" altLang="en-US" sz="1400" b="1" dirty="0">
+              <a:latin typeface="Consolas" panose="020B0609020204030204" pitchFamily="49" charset="0"/>
+            </a:endParaRPr>
+          </a:p>
+        </p:txBody>
+      </p:sp>
+      <p:cxnSp>
+        <p:nvCxnSpPr>
+          <p:cNvPr id="110" name="직선 연결선 109">
+            <a:extLst>
+              <a:ext uri="{FF2B5EF4-FFF2-40B4-BE49-F238E27FC236}">
+                <a16:creationId xmlns:a16="http://schemas.microsoft.com/office/drawing/2014/main" id="{06DCDFC5-9D6F-024E-694C-0CD6F260FB54}"/>
+              </a:ext>
+            </a:extLst>
+          </p:cNvPr>
+          <p:cNvCxnSpPr>
+            <a:cxnSpLocks/>
+            <a:stCxn id="107" idx="0"/>
+            <a:endCxn id="5" idx="2"/>
+          </p:cNvCxnSpPr>
+          <p:nvPr/>
+        </p:nvCxnSpPr>
+        <p:spPr>
+          <a:xfrm flipV="1">
+            <a:off x="2318810" y="3327401"/>
+            <a:ext cx="0" cy="605063"/>
+          </a:xfrm>
+          <a:prstGeom prst="line">
+            <a:avLst/>
+          </a:prstGeom>
+          <a:ln w="19050">
+            <a:prstDash val="dash"/>
+          </a:ln>
+        </p:spPr>
+        <p:style>
+          <a:lnRef idx="1">
+            <a:schemeClr val="accent1"/>
+          </a:lnRef>
+          <a:fillRef idx="0">
+            <a:schemeClr val="accent1"/>
+          </a:fillRef>
+          <a:effectRef idx="0">
+            <a:schemeClr val="accent1"/>
+          </a:effectRef>
+          <a:fontRef idx="minor">
+            <a:schemeClr val="tx1"/>
+          </a:fontRef>
+        </p:style>
+      </p:cxnSp>
+    </p:spTree>
+    <p:extLst>
+      <p:ext uri="{BB962C8B-B14F-4D97-AF65-F5344CB8AC3E}">
+        <p14:creationId xmlns:p14="http://schemas.microsoft.com/office/powerpoint/2010/main" val="2790604319"/>
+      </p:ext>
+    </p:extLst>
+  </p:cSld>
+  <p:clrMapOvr>
+    <a:masterClrMapping/>
+  </p:clrMapOvr>
+</p:sld>
+</file>
+
+<file path=ppt/slides/slide27.xml><?xml version="1.0" encoding="utf-8"?>
+<p:sld xmlns:a="http://schemas.openxmlformats.org/drawingml/2006/main" xmlns:r="http://schemas.openxmlformats.org/officeDocument/2006/relationships" xmlns:p="http://schemas.openxmlformats.org/presentationml/2006/main">
+  <p:cSld>
+    <p:spTree>
+      <p:nvGrpSpPr>
+        <p:cNvPr id="1" name=""/>
+        <p:cNvGrpSpPr/>
+        <p:nvPr/>
+      </p:nvGrpSpPr>
+      <p:grpSpPr>
+        <a:xfrm>
+          <a:off x="0" y="0"/>
+          <a:ext cx="0" cy="0"/>
+          <a:chOff x="0" y="0"/>
+          <a:chExt cx="0" cy="0"/>
+        </a:xfrm>
+      </p:grpSpPr>
+      <p:sp>
+        <p:nvSpPr>
+          <p:cNvPr id="2" name="TextBox 1">
+            <a:extLst>
+              <a:ext uri="{FF2B5EF4-FFF2-40B4-BE49-F238E27FC236}">
+                <a16:creationId xmlns:a16="http://schemas.microsoft.com/office/drawing/2014/main" id="{AF53483D-1A80-C107-D3AB-6901351F1D3F}"/>
+              </a:ext>
+            </a:extLst>
+          </p:cNvPr>
+          <p:cNvSpPr txBox="1"/>
+          <p:nvPr/>
+        </p:nvSpPr>
+        <p:spPr>
+          <a:xfrm>
+            <a:off x="10388600" y="6596390"/>
+            <a:ext cx="1803400" cy="261610"/>
+          </a:xfrm>
+          <a:prstGeom prst="rect">
+            <a:avLst/>
+          </a:prstGeom>
+          <a:noFill/>
+        </p:spPr>
+        <p:txBody>
+          <a:bodyPr wrap="square" rtlCol="0">
+            <a:spAutoFit/>
+          </a:bodyPr>
+          <a:lstStyle/>
+          <a:p>
+            <a:pPr algn="r"/>
+            <a:r>
+              <a:rPr lang="en-US" altLang="ko-KR" sz="1100" dirty="0"/>
+              <a:t>Kim0lil/80700</a:t>
+            </a:r>
+            <a:endParaRPr lang="ko-KR" altLang="en-US" sz="1100" dirty="0"/>
+          </a:p>
+        </p:txBody>
+      </p:sp>
+      <p:grpSp>
+        <p:nvGrpSpPr>
+          <p:cNvPr id="64" name="그룹 63">
+            <a:extLst>
+              <a:ext uri="{FF2B5EF4-FFF2-40B4-BE49-F238E27FC236}">
+                <a16:creationId xmlns:a16="http://schemas.microsoft.com/office/drawing/2014/main" id="{8008D267-CB8C-8D4F-E892-AC62BAA05FA5}"/>
+              </a:ext>
+            </a:extLst>
+          </p:cNvPr>
+          <p:cNvGrpSpPr/>
+          <p:nvPr/>
+        </p:nvGrpSpPr>
+        <p:grpSpPr>
+          <a:xfrm>
+            <a:off x="4317999" y="597959"/>
+            <a:ext cx="2387602" cy="5340349"/>
+            <a:chOff x="1430866" y="975784"/>
+            <a:chExt cx="2387602" cy="5340349"/>
+          </a:xfrm>
+        </p:grpSpPr>
+        <p:grpSp>
+          <p:nvGrpSpPr>
+            <p:cNvPr id="7" name="그룹 6">
+              <a:extLst>
+                <a:ext uri="{FF2B5EF4-FFF2-40B4-BE49-F238E27FC236}">
+                  <a16:creationId xmlns:a16="http://schemas.microsoft.com/office/drawing/2014/main" id="{816AFD88-B5A7-28DD-AD2E-F5B9495ABE71}"/>
+                </a:ext>
+              </a:extLst>
+            </p:cNvPr>
+            <p:cNvGrpSpPr/>
+            <p:nvPr/>
+          </p:nvGrpSpPr>
+          <p:grpSpPr>
+            <a:xfrm>
+              <a:off x="1430866" y="975784"/>
+              <a:ext cx="2387602" cy="5340349"/>
+              <a:chOff x="499533" y="1289050"/>
+              <a:chExt cx="8407400" cy="4279900"/>
+            </a:xfrm>
+          </p:grpSpPr>
+          <p:sp>
+            <p:nvSpPr>
+              <p:cNvPr id="14" name="직사각형 13">
+                <a:extLst>
+                  <a:ext uri="{FF2B5EF4-FFF2-40B4-BE49-F238E27FC236}">
+                    <a16:creationId xmlns:a16="http://schemas.microsoft.com/office/drawing/2014/main" id="{A26B2B0C-3B74-91FA-9DB7-E9020DE2980B}"/>
+                  </a:ext>
+                </a:extLst>
+              </p:cNvPr>
+              <p:cNvSpPr/>
+              <p:nvPr/>
+            </p:nvSpPr>
+            <p:spPr>
+              <a:xfrm>
+                <a:off x="499533" y="1289050"/>
+                <a:ext cx="8407400" cy="4279900"/>
+              </a:xfrm>
+              <a:prstGeom prst="rect">
+                <a:avLst/>
+              </a:prstGeom>
+              <a:solidFill>
+                <a:schemeClr val="accent1"/>
+              </a:solidFill>
+              <a:ln>
+                <a:solidFill>
+                  <a:schemeClr val="accent1"/>
+                </a:solidFill>
+              </a:ln>
+            </p:spPr>
+            <p:style>
+              <a:lnRef idx="2">
+                <a:schemeClr val="accent2">
+                  <a:shade val="50000"/>
+                </a:schemeClr>
+              </a:lnRef>
+              <a:fillRef idx="1">
+                <a:schemeClr val="accent2"/>
+              </a:fillRef>
+              <a:effectRef idx="0">
+                <a:schemeClr val="accent2"/>
+              </a:effectRef>
+              <a:fontRef idx="minor">
+                <a:schemeClr val="lt1"/>
+              </a:fontRef>
+            </p:style>
+            <p:txBody>
+              <a:bodyPr rtlCol="0" anchor="b"/>
+              <a:lstStyle/>
+              <a:p>
+                <a:pPr algn="ctr"/>
+                <a:endParaRPr lang="ko-KR" altLang="en-US" sz="1400" b="1" dirty="0">
+                  <a:latin typeface="Consolas" panose="020B0609020204030204" pitchFamily="49" charset="0"/>
+                </a:endParaRPr>
+              </a:p>
+            </p:txBody>
+          </p:sp>
+          <p:sp>
+            <p:nvSpPr>
+              <p:cNvPr id="20" name="TextBox 19">
+                <a:extLst>
+                  <a:ext uri="{FF2B5EF4-FFF2-40B4-BE49-F238E27FC236}">
+                    <a16:creationId xmlns:a16="http://schemas.microsoft.com/office/drawing/2014/main" id="{C0B98D8C-4E21-9CA6-8CB0-B20B36541A38}"/>
+                  </a:ext>
+                </a:extLst>
+              </p:cNvPr>
+              <p:cNvSpPr txBox="1"/>
+              <p:nvPr/>
+            </p:nvSpPr>
+            <p:spPr>
+              <a:xfrm>
+                <a:off x="1841142" y="1434078"/>
+                <a:ext cx="5664553" cy="369332"/>
+              </a:xfrm>
+              <a:prstGeom prst="rect">
+                <a:avLst/>
+              </a:prstGeom>
+              <a:noFill/>
+            </p:spPr>
+            <p:txBody>
+              <a:bodyPr wrap="square" rtlCol="0">
+                <a:spAutoFit/>
+              </a:bodyPr>
+              <a:lstStyle/>
+              <a:p>
+                <a:pPr algn="ctr"/>
+                <a:r>
+                  <a:rPr lang="en-US" altLang="ko-KR" dirty="0">
+                    <a:solidFill>
+                      <a:schemeClr val="bg1"/>
+                    </a:solidFill>
+                  </a:rPr>
+                  <a:t>ns-1</a:t>
+                </a:r>
+                <a:endParaRPr lang="ko-KR" altLang="en-US" dirty="0">
+                  <a:solidFill>
+                    <a:schemeClr val="bg1"/>
+                  </a:solidFill>
+                </a:endParaRPr>
+              </a:p>
+            </p:txBody>
+          </p:sp>
+        </p:grpSp>
+        <p:sp>
+          <p:nvSpPr>
+            <p:cNvPr id="21" name="직사각형 20">
+              <a:extLst>
+                <a:ext uri="{FF2B5EF4-FFF2-40B4-BE49-F238E27FC236}">
+                  <a16:creationId xmlns:a16="http://schemas.microsoft.com/office/drawing/2014/main" id="{F27F548C-65F8-0185-549A-D99A94B6512D}"/>
+                </a:ext>
+              </a:extLst>
+            </p:cNvPr>
+            <p:cNvSpPr/>
+            <p:nvPr/>
+          </p:nvSpPr>
+          <p:spPr>
+            <a:xfrm>
+              <a:off x="1950532" y="2445447"/>
+              <a:ext cx="1348270" cy="639275"/>
+            </a:xfrm>
+            <a:prstGeom prst="rect">
+              <a:avLst/>
+            </a:prstGeom>
+            <a:ln/>
+          </p:spPr>
+          <p:style>
+            <a:lnRef idx="2">
+              <a:schemeClr val="accent6"/>
+            </a:lnRef>
+            <a:fillRef idx="1">
+              <a:schemeClr val="lt1"/>
+            </a:fillRef>
+            <a:effectRef idx="0">
+              <a:schemeClr val="accent6"/>
+            </a:effectRef>
+            <a:fontRef idx="minor">
+              <a:schemeClr val="dk1"/>
+            </a:fontRef>
+          </p:style>
+          <p:txBody>
+            <a:bodyPr rtlCol="0" anchor="ctr"/>
+            <a:lstStyle/>
+            <a:p>
+              <a:pPr algn="ctr"/>
+              <a:r>
+                <a:rPr lang="en-US" altLang="ko-KR" sz="1400" b="1" dirty="0">
+                  <a:latin typeface="Consolas" panose="020B0609020204030204" pitchFamily="49" charset="0"/>
+                </a:rPr>
+                <a:t>Role</a:t>
+              </a:r>
+              <a:endParaRPr lang="ko-KR" altLang="en-US" sz="1400" b="1" dirty="0">
+                <a:latin typeface="Consolas" panose="020B0609020204030204" pitchFamily="49" charset="0"/>
+              </a:endParaRPr>
+            </a:p>
+          </p:txBody>
+        </p:sp>
+        <p:sp>
+          <p:nvSpPr>
+            <p:cNvPr id="22" name="직사각형 21">
+              <a:extLst>
+                <a:ext uri="{FF2B5EF4-FFF2-40B4-BE49-F238E27FC236}">
+                  <a16:creationId xmlns:a16="http://schemas.microsoft.com/office/drawing/2014/main" id="{AD328E9F-343A-77BD-A7CD-9B235F21C817}"/>
+                </a:ext>
+              </a:extLst>
+            </p:cNvPr>
+            <p:cNvSpPr/>
+            <p:nvPr/>
+          </p:nvSpPr>
+          <p:spPr>
+            <a:xfrm>
+              <a:off x="1950532" y="3587975"/>
+              <a:ext cx="1348270" cy="1108790"/>
+            </a:xfrm>
+            <a:prstGeom prst="rect">
+              <a:avLst/>
+            </a:prstGeom>
+            <a:solidFill>
+              <a:schemeClr val="bg2">
+                <a:lumMod val="25000"/>
+              </a:schemeClr>
+            </a:solidFill>
+            <a:ln>
+              <a:solidFill>
+                <a:schemeClr val="accent1"/>
+              </a:solidFill>
+            </a:ln>
+          </p:spPr>
+          <p:style>
+            <a:lnRef idx="2">
+              <a:schemeClr val="accent2">
+                <a:shade val="50000"/>
+              </a:schemeClr>
+            </a:lnRef>
+            <a:fillRef idx="1">
+              <a:schemeClr val="accent2"/>
+            </a:fillRef>
+            <a:effectRef idx="0">
+              <a:schemeClr val="accent2"/>
+            </a:effectRef>
+            <a:fontRef idx="minor">
+              <a:schemeClr val="lt1"/>
+            </a:fontRef>
+          </p:style>
+          <p:txBody>
+            <a:bodyPr rtlCol="0" anchor="ctr"/>
+            <a:lstStyle/>
+            <a:p>
+              <a:pPr algn="ctr"/>
+              <a:r>
+                <a:rPr lang="en-US" altLang="ko-KR" sz="1400" b="1" dirty="0">
+                  <a:latin typeface="Consolas" panose="020B0609020204030204" pitchFamily="49" charset="0"/>
+                </a:rPr>
+                <a:t>RoleBinding</a:t>
+              </a:r>
+              <a:endParaRPr lang="ko-KR" altLang="en-US" sz="1400" b="1" dirty="0">
+                <a:latin typeface="Consolas" panose="020B0609020204030204" pitchFamily="49" charset="0"/>
+              </a:endParaRPr>
+            </a:p>
+          </p:txBody>
+        </p:sp>
+        <p:cxnSp>
+          <p:nvCxnSpPr>
+            <p:cNvPr id="23" name="직선 화살표 연결선 22">
+              <a:extLst>
+                <a:ext uri="{FF2B5EF4-FFF2-40B4-BE49-F238E27FC236}">
+                  <a16:creationId xmlns:a16="http://schemas.microsoft.com/office/drawing/2014/main" id="{8277B4D1-DB7E-15FE-5B8C-1BCF76186546}"/>
+                </a:ext>
+              </a:extLst>
+            </p:cNvPr>
+            <p:cNvCxnSpPr>
+              <a:cxnSpLocks/>
+              <a:stCxn id="22" idx="0"/>
+              <a:endCxn id="21" idx="2"/>
+            </p:cNvCxnSpPr>
+            <p:nvPr/>
+          </p:nvCxnSpPr>
+          <p:spPr>
+            <a:xfrm flipV="1">
+              <a:off x="2624667" y="3084722"/>
+              <a:ext cx="0" cy="503253"/>
+            </a:xfrm>
+            <a:prstGeom prst="straightConnector1">
+              <a:avLst/>
+            </a:prstGeom>
+            <a:ln w="28575">
+              <a:solidFill>
+                <a:schemeClr val="bg1"/>
+              </a:solidFill>
+              <a:prstDash val="dash"/>
+              <a:tailEnd type="triangle"/>
+            </a:ln>
+          </p:spPr>
+          <p:style>
+            <a:lnRef idx="1">
+              <a:schemeClr val="accent1"/>
+            </a:lnRef>
+            <a:fillRef idx="0">
+              <a:schemeClr val="accent1"/>
+            </a:fillRef>
+            <a:effectRef idx="0">
+              <a:schemeClr val="accent1"/>
+            </a:effectRef>
+            <a:fontRef idx="minor">
+              <a:schemeClr val="tx1"/>
+            </a:fontRef>
+          </p:style>
+        </p:cxnSp>
+        <p:sp>
+          <p:nvSpPr>
+            <p:cNvPr id="30" name="직사각형 29">
+              <a:extLst>
+                <a:ext uri="{FF2B5EF4-FFF2-40B4-BE49-F238E27FC236}">
+                  <a16:creationId xmlns:a16="http://schemas.microsoft.com/office/drawing/2014/main" id="{FCCC1965-E275-7252-01A7-FD827E01F246}"/>
+                </a:ext>
+              </a:extLst>
+            </p:cNvPr>
+            <p:cNvSpPr/>
+            <p:nvPr/>
+          </p:nvSpPr>
+          <p:spPr>
+            <a:xfrm>
+              <a:off x="1950532" y="5200018"/>
+              <a:ext cx="1348269" cy="682198"/>
+            </a:xfrm>
+            <a:prstGeom prst="rect">
+              <a:avLst/>
+            </a:prstGeom>
+            <a:solidFill>
+              <a:srgbClr val="00B050"/>
+            </a:solidFill>
+            <a:ln>
+              <a:solidFill>
+                <a:schemeClr val="accent1"/>
+              </a:solidFill>
+            </a:ln>
+          </p:spPr>
+          <p:style>
+            <a:lnRef idx="2">
+              <a:schemeClr val="accent2">
+                <a:shade val="50000"/>
+              </a:schemeClr>
+            </a:lnRef>
+            <a:fillRef idx="1">
+              <a:schemeClr val="accent2"/>
+            </a:fillRef>
+            <a:effectRef idx="0">
+              <a:schemeClr val="accent2"/>
+            </a:effectRef>
+            <a:fontRef idx="minor">
+              <a:schemeClr val="lt1"/>
+            </a:fontRef>
+          </p:style>
+          <p:txBody>
+            <a:bodyPr rtlCol="0" anchor="ctr"/>
+            <a:lstStyle/>
+            <a:p>
+              <a:pPr algn="ctr"/>
+              <a:r>
+                <a:rPr lang="en-US" altLang="ko-KR" sz="1100" b="1" dirty="0">
+                  <a:latin typeface="Consolas" panose="020B0609020204030204" pitchFamily="49" charset="0"/>
+                </a:rPr>
+                <a:t>Service Account</a:t>
+              </a:r>
+              <a:endParaRPr lang="ko-KR" altLang="en-US" sz="1100" b="1" dirty="0">
+                <a:latin typeface="Consolas" panose="020B0609020204030204" pitchFamily="49" charset="0"/>
+              </a:endParaRPr>
+            </a:p>
+          </p:txBody>
+        </p:sp>
+        <p:cxnSp>
+          <p:nvCxnSpPr>
+            <p:cNvPr id="32" name="직선 화살표 연결선 31">
+              <a:extLst>
+                <a:ext uri="{FF2B5EF4-FFF2-40B4-BE49-F238E27FC236}">
+                  <a16:creationId xmlns:a16="http://schemas.microsoft.com/office/drawing/2014/main" id="{884528B9-7E14-C10C-58EF-B86F9D7ABA97}"/>
+                </a:ext>
+              </a:extLst>
+            </p:cNvPr>
+            <p:cNvCxnSpPr>
+              <a:cxnSpLocks/>
+              <a:stCxn id="22" idx="2"/>
+              <a:endCxn id="30" idx="0"/>
+            </p:cNvCxnSpPr>
+            <p:nvPr/>
+          </p:nvCxnSpPr>
+          <p:spPr>
+            <a:xfrm>
+              <a:off x="2624667" y="4696765"/>
+              <a:ext cx="0" cy="503253"/>
+            </a:xfrm>
+            <a:prstGeom prst="straightConnector1">
+              <a:avLst/>
+            </a:prstGeom>
+            <a:ln w="28575">
+              <a:solidFill>
+                <a:schemeClr val="bg1"/>
+              </a:solidFill>
+              <a:prstDash val="dash"/>
+              <a:tailEnd type="triangle"/>
+            </a:ln>
+          </p:spPr>
+          <p:style>
+            <a:lnRef idx="1">
+              <a:schemeClr val="accent1"/>
+            </a:lnRef>
+            <a:fillRef idx="0">
+              <a:schemeClr val="accent1"/>
+            </a:fillRef>
+            <a:effectRef idx="0">
+              <a:schemeClr val="accent1"/>
+            </a:effectRef>
+            <a:fontRef idx="minor">
+              <a:schemeClr val="tx1"/>
+            </a:fontRef>
+          </p:style>
+        </p:cxnSp>
+      </p:grpSp>
+    </p:spTree>
+    <p:extLst>
+      <p:ext uri="{BB962C8B-B14F-4D97-AF65-F5344CB8AC3E}">
+        <p14:creationId xmlns:p14="http://schemas.microsoft.com/office/powerpoint/2010/main" val="3538255805"/>
+      </p:ext>
+    </p:extLst>
+  </p:cSld>
+  <p:clrMapOvr>
+    <a:masterClrMapping/>
+  </p:clrMapOvr>
+</p:sld>
+</file>
+
+<file path=ppt/slides/slide28.xml><?xml version="1.0" encoding="utf-8"?>
+<p:sld xmlns:a="http://schemas.openxmlformats.org/drawingml/2006/main" xmlns:r="http://schemas.openxmlformats.org/officeDocument/2006/relationships" xmlns:p="http://schemas.openxmlformats.org/presentationml/2006/main">
+  <p:cSld>
+    <p:spTree>
+      <p:nvGrpSpPr>
+        <p:cNvPr id="1" name=""/>
+        <p:cNvGrpSpPr/>
+        <p:nvPr/>
+      </p:nvGrpSpPr>
+      <p:grpSpPr>
+        <a:xfrm>
+          <a:off x="0" y="0"/>
+          <a:ext cx="0" cy="0"/>
+          <a:chOff x="0" y="0"/>
+          <a:chExt cx="0" cy="0"/>
+        </a:xfrm>
+      </p:grpSpPr>
+      <p:sp>
+        <p:nvSpPr>
+          <p:cNvPr id="2" name="TextBox 1">
+            <a:extLst>
+              <a:ext uri="{FF2B5EF4-FFF2-40B4-BE49-F238E27FC236}">
+                <a16:creationId xmlns:a16="http://schemas.microsoft.com/office/drawing/2014/main" id="{AF53483D-1A80-C107-D3AB-6901351F1D3F}"/>
+              </a:ext>
+            </a:extLst>
+          </p:cNvPr>
+          <p:cNvSpPr txBox="1"/>
+          <p:nvPr/>
+        </p:nvSpPr>
+        <p:spPr>
+          <a:xfrm>
+            <a:off x="10388600" y="6596390"/>
+            <a:ext cx="1803400" cy="261610"/>
+          </a:xfrm>
+          <a:prstGeom prst="rect">
+            <a:avLst/>
+          </a:prstGeom>
+          <a:noFill/>
+        </p:spPr>
+        <p:txBody>
+          <a:bodyPr wrap="square" rtlCol="0">
+            <a:spAutoFit/>
+          </a:bodyPr>
+          <a:lstStyle/>
+          <a:p>
+            <a:pPr algn="r"/>
+            <a:r>
+              <a:rPr lang="en-US" altLang="ko-KR" sz="1100" dirty="0"/>
+              <a:t>Kim0lil/80700</a:t>
+            </a:r>
+            <a:endParaRPr lang="ko-KR" altLang="en-US" sz="1100" dirty="0"/>
+          </a:p>
+        </p:txBody>
+      </p:sp>
+      <p:grpSp>
+        <p:nvGrpSpPr>
+          <p:cNvPr id="65" name="그룹 64">
+            <a:extLst>
+              <a:ext uri="{FF2B5EF4-FFF2-40B4-BE49-F238E27FC236}">
+                <a16:creationId xmlns:a16="http://schemas.microsoft.com/office/drawing/2014/main" id="{139A932E-9898-0B0A-BD7D-72C805021CDB}"/>
+              </a:ext>
+            </a:extLst>
+          </p:cNvPr>
+          <p:cNvGrpSpPr/>
+          <p:nvPr/>
+        </p:nvGrpSpPr>
+        <p:grpSpPr>
+          <a:xfrm>
+            <a:off x="1811866" y="758825"/>
+            <a:ext cx="6485468" cy="5340349"/>
+            <a:chOff x="1430866" y="975784"/>
+            <a:chExt cx="6485468" cy="5340349"/>
+          </a:xfrm>
+        </p:grpSpPr>
+        <p:grpSp>
+          <p:nvGrpSpPr>
+            <p:cNvPr id="64" name="그룹 63">
+              <a:extLst>
+                <a:ext uri="{FF2B5EF4-FFF2-40B4-BE49-F238E27FC236}">
+                  <a16:creationId xmlns:a16="http://schemas.microsoft.com/office/drawing/2014/main" id="{8008D267-CB8C-8D4F-E892-AC62BAA05FA5}"/>
+                </a:ext>
+              </a:extLst>
+            </p:cNvPr>
+            <p:cNvGrpSpPr/>
+            <p:nvPr/>
+          </p:nvGrpSpPr>
+          <p:grpSpPr>
+            <a:xfrm>
+              <a:off x="1430866" y="975784"/>
+              <a:ext cx="2387602" cy="5340349"/>
+              <a:chOff x="1430866" y="975784"/>
+              <a:chExt cx="2387602" cy="5340349"/>
+            </a:xfrm>
+          </p:grpSpPr>
+          <p:grpSp>
+            <p:nvGrpSpPr>
+              <p:cNvPr id="7" name="그룹 6">
+                <a:extLst>
+                  <a:ext uri="{FF2B5EF4-FFF2-40B4-BE49-F238E27FC236}">
+                    <a16:creationId xmlns:a16="http://schemas.microsoft.com/office/drawing/2014/main" id="{816AFD88-B5A7-28DD-AD2E-F5B9495ABE71}"/>
+                  </a:ext>
+                </a:extLst>
+              </p:cNvPr>
+              <p:cNvGrpSpPr/>
+              <p:nvPr/>
+            </p:nvGrpSpPr>
+            <p:grpSpPr>
+              <a:xfrm>
+                <a:off x="1430866" y="975784"/>
+                <a:ext cx="2387602" cy="5340349"/>
+                <a:chOff x="499533" y="1289050"/>
+                <a:chExt cx="8407400" cy="4279900"/>
+              </a:xfrm>
+            </p:grpSpPr>
+            <p:sp>
+              <p:nvSpPr>
+                <p:cNvPr id="14" name="직사각형 13">
+                  <a:extLst>
+                    <a:ext uri="{FF2B5EF4-FFF2-40B4-BE49-F238E27FC236}">
+                      <a16:creationId xmlns:a16="http://schemas.microsoft.com/office/drawing/2014/main" id="{A26B2B0C-3B74-91FA-9DB7-E9020DE2980B}"/>
+                    </a:ext>
+                  </a:extLst>
+                </p:cNvPr>
+                <p:cNvSpPr/>
+                <p:nvPr/>
+              </p:nvSpPr>
+              <p:spPr>
+                <a:xfrm>
+                  <a:off x="499533" y="1289050"/>
+                  <a:ext cx="8407400" cy="4279900"/>
+                </a:xfrm>
+                <a:prstGeom prst="rect">
+                  <a:avLst/>
+                </a:prstGeom>
+                <a:solidFill>
+                  <a:schemeClr val="accent1"/>
+                </a:solidFill>
+                <a:ln>
+                  <a:solidFill>
+                    <a:schemeClr val="accent1"/>
+                  </a:solidFill>
+                </a:ln>
+              </p:spPr>
+              <p:style>
+                <a:lnRef idx="2">
+                  <a:schemeClr val="accent2">
+                    <a:shade val="50000"/>
+                  </a:schemeClr>
+                </a:lnRef>
+                <a:fillRef idx="1">
+                  <a:schemeClr val="accent2"/>
+                </a:fillRef>
+                <a:effectRef idx="0">
+                  <a:schemeClr val="accent2"/>
+                </a:effectRef>
+                <a:fontRef idx="minor">
+                  <a:schemeClr val="lt1"/>
+                </a:fontRef>
+              </p:style>
+              <p:txBody>
+                <a:bodyPr rtlCol="0" anchor="b"/>
+                <a:lstStyle/>
+                <a:p>
+                  <a:pPr algn="ctr"/>
+                  <a:endParaRPr lang="ko-KR" altLang="en-US" sz="1400" b="1" dirty="0">
+                    <a:latin typeface="Consolas" panose="020B0609020204030204" pitchFamily="49" charset="0"/>
+                  </a:endParaRPr>
+                </a:p>
+              </p:txBody>
+            </p:sp>
+            <p:sp>
+              <p:nvSpPr>
+                <p:cNvPr id="20" name="TextBox 19">
+                  <a:extLst>
+                    <a:ext uri="{FF2B5EF4-FFF2-40B4-BE49-F238E27FC236}">
+                      <a16:creationId xmlns:a16="http://schemas.microsoft.com/office/drawing/2014/main" id="{C0B98D8C-4E21-9CA6-8CB0-B20B36541A38}"/>
+                    </a:ext>
+                  </a:extLst>
+                </p:cNvPr>
+                <p:cNvSpPr txBox="1"/>
+                <p:nvPr/>
+              </p:nvSpPr>
+              <p:spPr>
+                <a:xfrm>
+                  <a:off x="1841142" y="1434078"/>
+                  <a:ext cx="5664553" cy="369332"/>
+                </a:xfrm>
+                <a:prstGeom prst="rect">
+                  <a:avLst/>
+                </a:prstGeom>
+                <a:noFill/>
+              </p:spPr>
+              <p:txBody>
+                <a:bodyPr wrap="square" rtlCol="0">
+                  <a:spAutoFit/>
+                </a:bodyPr>
+                <a:lstStyle/>
+                <a:p>
+                  <a:pPr algn="ctr"/>
+                  <a:r>
+                    <a:rPr lang="en-US" altLang="ko-KR" dirty="0">
+                      <a:solidFill>
+                        <a:schemeClr val="bg1"/>
+                      </a:solidFill>
+                    </a:rPr>
+                    <a:t>ns-1</a:t>
+                  </a:r>
+                  <a:endParaRPr lang="ko-KR" altLang="en-US" dirty="0">
+                    <a:solidFill>
+                      <a:schemeClr val="bg1"/>
+                    </a:solidFill>
+                  </a:endParaRPr>
+                </a:p>
+              </p:txBody>
+            </p:sp>
+          </p:grpSp>
+          <p:sp>
+            <p:nvSpPr>
+              <p:cNvPr id="21" name="직사각형 20">
+                <a:extLst>
+                  <a:ext uri="{FF2B5EF4-FFF2-40B4-BE49-F238E27FC236}">
+                    <a16:creationId xmlns:a16="http://schemas.microsoft.com/office/drawing/2014/main" id="{F27F548C-65F8-0185-549A-D99A94B6512D}"/>
+                  </a:ext>
+                </a:extLst>
+              </p:cNvPr>
+              <p:cNvSpPr/>
+              <p:nvPr/>
+            </p:nvSpPr>
+            <p:spPr>
+              <a:xfrm>
+                <a:off x="1950532" y="2445447"/>
+                <a:ext cx="1348270" cy="639275"/>
+              </a:xfrm>
+              <a:prstGeom prst="rect">
+                <a:avLst/>
+              </a:prstGeom>
+              <a:ln/>
+            </p:spPr>
+            <p:style>
+              <a:lnRef idx="2">
+                <a:schemeClr val="accent6"/>
+              </a:lnRef>
+              <a:fillRef idx="1">
+                <a:schemeClr val="lt1"/>
+              </a:fillRef>
+              <a:effectRef idx="0">
+                <a:schemeClr val="accent6"/>
+              </a:effectRef>
+              <a:fontRef idx="minor">
+                <a:schemeClr val="dk1"/>
+              </a:fontRef>
+            </p:style>
+            <p:txBody>
+              <a:bodyPr rtlCol="0" anchor="ctr"/>
+              <a:lstStyle/>
+              <a:p>
+                <a:pPr algn="ctr"/>
+                <a:r>
+                  <a:rPr lang="en-US" altLang="ko-KR" sz="1400" b="1" dirty="0">
+                    <a:latin typeface="Consolas" panose="020B0609020204030204" pitchFamily="49" charset="0"/>
+                  </a:rPr>
+                  <a:t>Role</a:t>
+                </a:r>
+                <a:endParaRPr lang="ko-KR" altLang="en-US" sz="1400" b="1" dirty="0">
+                  <a:latin typeface="Consolas" panose="020B0609020204030204" pitchFamily="49" charset="0"/>
+                </a:endParaRPr>
+              </a:p>
+            </p:txBody>
+          </p:sp>
+          <p:sp>
+            <p:nvSpPr>
+              <p:cNvPr id="22" name="직사각형 21">
+                <a:extLst>
+                  <a:ext uri="{FF2B5EF4-FFF2-40B4-BE49-F238E27FC236}">
+                    <a16:creationId xmlns:a16="http://schemas.microsoft.com/office/drawing/2014/main" id="{AD328E9F-343A-77BD-A7CD-9B235F21C817}"/>
+                  </a:ext>
+                </a:extLst>
+              </p:cNvPr>
+              <p:cNvSpPr/>
+              <p:nvPr/>
+            </p:nvSpPr>
+            <p:spPr>
+              <a:xfrm>
+                <a:off x="1950532" y="3587975"/>
+                <a:ext cx="1348270" cy="1108790"/>
+              </a:xfrm>
+              <a:prstGeom prst="rect">
+                <a:avLst/>
+              </a:prstGeom>
+              <a:solidFill>
+                <a:schemeClr val="bg2">
+                  <a:lumMod val="25000"/>
+                </a:schemeClr>
+              </a:solidFill>
+              <a:ln>
+                <a:solidFill>
+                  <a:schemeClr val="accent1"/>
+                </a:solidFill>
+              </a:ln>
+            </p:spPr>
+            <p:style>
+              <a:lnRef idx="2">
+                <a:schemeClr val="accent2">
+                  <a:shade val="50000"/>
+                </a:schemeClr>
+              </a:lnRef>
+              <a:fillRef idx="1">
+                <a:schemeClr val="accent2"/>
+              </a:fillRef>
+              <a:effectRef idx="0">
+                <a:schemeClr val="accent2"/>
+              </a:effectRef>
+              <a:fontRef idx="minor">
+                <a:schemeClr val="lt1"/>
+              </a:fontRef>
+            </p:style>
+            <p:txBody>
+              <a:bodyPr rtlCol="0" anchor="ctr"/>
+              <a:lstStyle/>
+              <a:p>
+                <a:pPr algn="ctr"/>
+                <a:r>
+                  <a:rPr lang="en-US" altLang="ko-KR" sz="1400" b="1" dirty="0">
+                    <a:latin typeface="Consolas" panose="020B0609020204030204" pitchFamily="49" charset="0"/>
+                  </a:rPr>
+                  <a:t>RoleBinding</a:t>
+                </a:r>
+                <a:endParaRPr lang="ko-KR" altLang="en-US" sz="1400" b="1" dirty="0">
+                  <a:latin typeface="Consolas" panose="020B0609020204030204" pitchFamily="49" charset="0"/>
+                </a:endParaRPr>
+              </a:p>
+            </p:txBody>
+          </p:sp>
+          <p:cxnSp>
+            <p:nvCxnSpPr>
+              <p:cNvPr id="23" name="직선 화살표 연결선 22">
+                <a:extLst>
+                  <a:ext uri="{FF2B5EF4-FFF2-40B4-BE49-F238E27FC236}">
+                    <a16:creationId xmlns:a16="http://schemas.microsoft.com/office/drawing/2014/main" id="{8277B4D1-DB7E-15FE-5B8C-1BCF76186546}"/>
+                  </a:ext>
+                </a:extLst>
+              </p:cNvPr>
+              <p:cNvCxnSpPr>
+                <a:cxnSpLocks/>
+                <a:stCxn id="22" idx="0"/>
+                <a:endCxn id="21" idx="2"/>
+              </p:cNvCxnSpPr>
+              <p:nvPr/>
+            </p:nvCxnSpPr>
+            <p:spPr>
+              <a:xfrm flipV="1">
+                <a:off x="2624667" y="3084722"/>
+                <a:ext cx="0" cy="503253"/>
+              </a:xfrm>
+              <a:prstGeom prst="straightConnector1">
+                <a:avLst/>
+              </a:prstGeom>
+              <a:ln w="28575">
+                <a:solidFill>
+                  <a:schemeClr val="bg1"/>
+                </a:solidFill>
+                <a:prstDash val="dash"/>
+                <a:tailEnd type="triangle"/>
+              </a:ln>
+            </p:spPr>
+            <p:style>
+              <a:lnRef idx="1">
+                <a:schemeClr val="accent1"/>
+              </a:lnRef>
+              <a:fillRef idx="0">
+                <a:schemeClr val="accent1"/>
+              </a:fillRef>
+              <a:effectRef idx="0">
+                <a:schemeClr val="accent1"/>
+              </a:effectRef>
+              <a:fontRef idx="minor">
+                <a:schemeClr val="tx1"/>
+              </a:fontRef>
+            </p:style>
+          </p:cxnSp>
+          <p:sp>
+            <p:nvSpPr>
+              <p:cNvPr id="30" name="직사각형 29">
+                <a:extLst>
+                  <a:ext uri="{FF2B5EF4-FFF2-40B4-BE49-F238E27FC236}">
+                    <a16:creationId xmlns:a16="http://schemas.microsoft.com/office/drawing/2014/main" id="{FCCC1965-E275-7252-01A7-FD827E01F246}"/>
+                  </a:ext>
+                </a:extLst>
+              </p:cNvPr>
+              <p:cNvSpPr/>
+              <p:nvPr/>
+            </p:nvSpPr>
+            <p:spPr>
+              <a:xfrm>
+                <a:off x="1950532" y="5200018"/>
+                <a:ext cx="1348269" cy="682198"/>
+              </a:xfrm>
+              <a:prstGeom prst="rect">
+                <a:avLst/>
+              </a:prstGeom>
+              <a:solidFill>
+                <a:srgbClr val="00B050"/>
+              </a:solidFill>
+              <a:ln>
+                <a:solidFill>
+                  <a:schemeClr val="accent1"/>
+                </a:solidFill>
+              </a:ln>
+            </p:spPr>
+            <p:style>
+              <a:lnRef idx="2">
+                <a:schemeClr val="accent2">
+                  <a:shade val="50000"/>
+                </a:schemeClr>
+              </a:lnRef>
+              <a:fillRef idx="1">
+                <a:schemeClr val="accent2"/>
+              </a:fillRef>
+              <a:effectRef idx="0">
+                <a:schemeClr val="accent2"/>
+              </a:effectRef>
+              <a:fontRef idx="minor">
+                <a:schemeClr val="lt1"/>
+              </a:fontRef>
+            </p:style>
+            <p:txBody>
+              <a:bodyPr rtlCol="0" anchor="ctr"/>
+              <a:lstStyle/>
+              <a:p>
+                <a:pPr algn="ctr"/>
+                <a:r>
+                  <a:rPr lang="en-US" altLang="ko-KR" sz="1100" b="1" dirty="0">
+                    <a:latin typeface="Consolas" panose="020B0609020204030204" pitchFamily="49" charset="0"/>
+                  </a:rPr>
+                  <a:t>Service Account</a:t>
+                </a:r>
+                <a:endParaRPr lang="ko-KR" altLang="en-US" sz="1100" b="1" dirty="0">
+                  <a:latin typeface="Consolas" panose="020B0609020204030204" pitchFamily="49" charset="0"/>
+                </a:endParaRPr>
+              </a:p>
+            </p:txBody>
+          </p:sp>
+          <p:cxnSp>
+            <p:nvCxnSpPr>
+              <p:cNvPr id="32" name="직선 화살표 연결선 31">
+                <a:extLst>
+                  <a:ext uri="{FF2B5EF4-FFF2-40B4-BE49-F238E27FC236}">
+                    <a16:creationId xmlns:a16="http://schemas.microsoft.com/office/drawing/2014/main" id="{884528B9-7E14-C10C-58EF-B86F9D7ABA97}"/>
+                  </a:ext>
+                </a:extLst>
+              </p:cNvPr>
+              <p:cNvCxnSpPr>
+                <a:cxnSpLocks/>
+                <a:stCxn id="22" idx="2"/>
+                <a:endCxn id="30" idx="0"/>
+              </p:cNvCxnSpPr>
+              <p:nvPr/>
+            </p:nvCxnSpPr>
+            <p:spPr>
+              <a:xfrm>
+                <a:off x="2624667" y="4696765"/>
+                <a:ext cx="0" cy="503253"/>
+              </a:xfrm>
+              <a:prstGeom prst="straightConnector1">
+                <a:avLst/>
+              </a:prstGeom>
+              <a:ln w="28575">
+                <a:solidFill>
+                  <a:schemeClr val="bg1"/>
+                </a:solidFill>
+                <a:prstDash val="dash"/>
+                <a:tailEnd type="triangle"/>
+              </a:ln>
+            </p:spPr>
+            <p:style>
+              <a:lnRef idx="1">
+                <a:schemeClr val="accent1"/>
+              </a:lnRef>
+              <a:fillRef idx="0">
+                <a:schemeClr val="accent1"/>
+              </a:fillRef>
+              <a:effectRef idx="0">
+                <a:schemeClr val="accent1"/>
+              </a:effectRef>
+              <a:fontRef idx="minor">
+                <a:schemeClr val="tx1"/>
+              </a:fontRef>
+            </p:style>
+          </p:cxnSp>
+        </p:grpSp>
+        <p:grpSp>
+          <p:nvGrpSpPr>
+            <p:cNvPr id="63" name="그룹 62">
+              <a:extLst>
+                <a:ext uri="{FF2B5EF4-FFF2-40B4-BE49-F238E27FC236}">
+                  <a16:creationId xmlns:a16="http://schemas.microsoft.com/office/drawing/2014/main" id="{0C3BFDB0-5B99-0C95-DD62-744DB23A58C9}"/>
+                </a:ext>
+              </a:extLst>
+            </p:cNvPr>
+            <p:cNvGrpSpPr/>
+            <p:nvPr/>
+          </p:nvGrpSpPr>
+          <p:grpSpPr>
+            <a:xfrm>
+              <a:off x="5528732" y="975784"/>
+              <a:ext cx="2387602" cy="5340349"/>
+              <a:chOff x="5528732" y="975784"/>
+              <a:chExt cx="2387602" cy="5340349"/>
+            </a:xfrm>
+          </p:grpSpPr>
+          <p:grpSp>
+            <p:nvGrpSpPr>
+              <p:cNvPr id="47" name="그룹 46">
+                <a:extLst>
+                  <a:ext uri="{FF2B5EF4-FFF2-40B4-BE49-F238E27FC236}">
+                    <a16:creationId xmlns:a16="http://schemas.microsoft.com/office/drawing/2014/main" id="{8F8EE9E5-C380-952B-F220-1521CC49F9C1}"/>
+                  </a:ext>
+                </a:extLst>
+              </p:cNvPr>
+              <p:cNvGrpSpPr/>
+              <p:nvPr/>
+            </p:nvGrpSpPr>
+            <p:grpSpPr>
+              <a:xfrm>
+                <a:off x="5528732" y="975784"/>
+                <a:ext cx="2387602" cy="5340349"/>
+                <a:chOff x="499533" y="1289050"/>
+                <a:chExt cx="8407400" cy="4279900"/>
+              </a:xfrm>
+            </p:grpSpPr>
+            <p:sp>
+              <p:nvSpPr>
+                <p:cNvPr id="48" name="직사각형 47">
+                  <a:extLst>
+                    <a:ext uri="{FF2B5EF4-FFF2-40B4-BE49-F238E27FC236}">
+                      <a16:creationId xmlns:a16="http://schemas.microsoft.com/office/drawing/2014/main" id="{C0C60F96-9CAE-1030-CC30-07BFEE29988C}"/>
+                    </a:ext>
+                  </a:extLst>
+                </p:cNvPr>
+                <p:cNvSpPr/>
+                <p:nvPr/>
+              </p:nvSpPr>
+              <p:spPr>
+                <a:xfrm>
+                  <a:off x="499533" y="1289050"/>
+                  <a:ext cx="8407400" cy="4279900"/>
+                </a:xfrm>
+                <a:prstGeom prst="rect">
+                  <a:avLst/>
+                </a:prstGeom>
+                <a:solidFill>
+                  <a:schemeClr val="accent1"/>
+                </a:solidFill>
+                <a:ln>
+                  <a:solidFill>
+                    <a:schemeClr val="accent1"/>
+                  </a:solidFill>
+                </a:ln>
+              </p:spPr>
+              <p:style>
+                <a:lnRef idx="2">
+                  <a:schemeClr val="accent2">
+                    <a:shade val="50000"/>
+                  </a:schemeClr>
+                </a:lnRef>
+                <a:fillRef idx="1">
+                  <a:schemeClr val="accent2"/>
+                </a:fillRef>
+                <a:effectRef idx="0">
+                  <a:schemeClr val="accent2"/>
+                </a:effectRef>
+                <a:fontRef idx="minor">
+                  <a:schemeClr val="lt1"/>
+                </a:fontRef>
+              </p:style>
+              <p:txBody>
+                <a:bodyPr rtlCol="0" anchor="b"/>
+                <a:lstStyle/>
+                <a:p>
+                  <a:pPr algn="ctr"/>
+                  <a:endParaRPr lang="ko-KR" altLang="en-US" sz="1400" b="1" dirty="0">
+                    <a:latin typeface="Consolas" panose="020B0609020204030204" pitchFamily="49" charset="0"/>
+                  </a:endParaRPr>
+                </a:p>
+              </p:txBody>
+            </p:sp>
+            <p:sp>
+              <p:nvSpPr>
+                <p:cNvPr id="49" name="TextBox 48">
+                  <a:extLst>
+                    <a:ext uri="{FF2B5EF4-FFF2-40B4-BE49-F238E27FC236}">
+                      <a16:creationId xmlns:a16="http://schemas.microsoft.com/office/drawing/2014/main" id="{FB2DD4D4-F342-3E47-3EC7-D0CF09602FEA}"/>
+                    </a:ext>
+                  </a:extLst>
+                </p:cNvPr>
+                <p:cNvSpPr txBox="1"/>
+                <p:nvPr/>
+              </p:nvSpPr>
+              <p:spPr>
+                <a:xfrm>
+                  <a:off x="1841142" y="1434078"/>
+                  <a:ext cx="5664553" cy="295993"/>
+                </a:xfrm>
+                <a:prstGeom prst="rect">
+                  <a:avLst/>
+                </a:prstGeom>
+                <a:noFill/>
+              </p:spPr>
+              <p:txBody>
+                <a:bodyPr wrap="square" rtlCol="0">
+                  <a:spAutoFit/>
+                </a:bodyPr>
+                <a:lstStyle/>
+                <a:p>
+                  <a:pPr algn="ctr"/>
+                  <a:r>
+                    <a:rPr lang="en-US" altLang="ko-KR" dirty="0">
+                      <a:solidFill>
+                        <a:schemeClr val="bg1"/>
+                      </a:solidFill>
+                    </a:rPr>
+                    <a:t>ns-2</a:t>
+                  </a:r>
+                  <a:endParaRPr lang="ko-KR" altLang="en-US" dirty="0">
+                    <a:solidFill>
+                      <a:schemeClr val="bg1"/>
+                    </a:solidFill>
+                  </a:endParaRPr>
+                </a:p>
+              </p:txBody>
+            </p:sp>
+          </p:grpSp>
+          <p:sp>
+            <p:nvSpPr>
+              <p:cNvPr id="51" name="직사각형 50">
+                <a:extLst>
+                  <a:ext uri="{FF2B5EF4-FFF2-40B4-BE49-F238E27FC236}">
+                    <a16:creationId xmlns:a16="http://schemas.microsoft.com/office/drawing/2014/main" id="{D0751F8F-B35F-9A0C-79CC-4E4187CAC291}"/>
+                  </a:ext>
+                </a:extLst>
+              </p:cNvPr>
+              <p:cNvSpPr/>
+              <p:nvPr/>
+            </p:nvSpPr>
+            <p:spPr>
+              <a:xfrm>
+                <a:off x="6048399" y="2445447"/>
+                <a:ext cx="1348270" cy="639275"/>
+              </a:xfrm>
+              <a:prstGeom prst="rect">
+                <a:avLst/>
+              </a:prstGeom>
+              <a:ln/>
+            </p:spPr>
+            <p:style>
+              <a:lnRef idx="2">
+                <a:schemeClr val="accent6"/>
+              </a:lnRef>
+              <a:fillRef idx="1">
+                <a:schemeClr val="lt1"/>
+              </a:fillRef>
+              <a:effectRef idx="0">
+                <a:schemeClr val="accent6"/>
+              </a:effectRef>
+              <a:fontRef idx="minor">
+                <a:schemeClr val="dk1"/>
+              </a:fontRef>
+            </p:style>
+            <p:txBody>
+              <a:bodyPr rtlCol="0" anchor="ctr"/>
+              <a:lstStyle/>
+              <a:p>
+                <a:pPr algn="ctr"/>
+                <a:r>
+                  <a:rPr lang="en-US" altLang="ko-KR" sz="1400" b="1" dirty="0">
+                    <a:latin typeface="Consolas" panose="020B0609020204030204" pitchFamily="49" charset="0"/>
+                  </a:rPr>
+                  <a:t>Role</a:t>
+                </a:r>
+                <a:endParaRPr lang="ko-KR" altLang="en-US" sz="1400" b="1" dirty="0">
+                  <a:latin typeface="Consolas" panose="020B0609020204030204" pitchFamily="49" charset="0"/>
+                </a:endParaRPr>
+              </a:p>
+            </p:txBody>
+          </p:sp>
+          <p:sp>
+            <p:nvSpPr>
+              <p:cNvPr id="53" name="직사각형 52">
+                <a:extLst>
+                  <a:ext uri="{FF2B5EF4-FFF2-40B4-BE49-F238E27FC236}">
+                    <a16:creationId xmlns:a16="http://schemas.microsoft.com/office/drawing/2014/main" id="{80BD7FE2-B762-E26B-6206-885920893399}"/>
+                  </a:ext>
+                </a:extLst>
+              </p:cNvPr>
+              <p:cNvSpPr/>
+              <p:nvPr/>
+            </p:nvSpPr>
+            <p:spPr>
+              <a:xfrm>
+                <a:off x="6048399" y="3587975"/>
+                <a:ext cx="1348270" cy="1108790"/>
+              </a:xfrm>
+              <a:prstGeom prst="rect">
+                <a:avLst/>
+              </a:prstGeom>
+              <a:solidFill>
+                <a:schemeClr val="bg2">
+                  <a:lumMod val="25000"/>
+                </a:schemeClr>
+              </a:solidFill>
+              <a:ln>
+                <a:solidFill>
+                  <a:schemeClr val="accent1"/>
+                </a:solidFill>
+              </a:ln>
+            </p:spPr>
+            <p:style>
+              <a:lnRef idx="2">
+                <a:schemeClr val="accent2">
+                  <a:shade val="50000"/>
+                </a:schemeClr>
+              </a:lnRef>
+              <a:fillRef idx="1">
+                <a:schemeClr val="accent2"/>
+              </a:fillRef>
+              <a:effectRef idx="0">
+                <a:schemeClr val="accent2"/>
+              </a:effectRef>
+              <a:fontRef idx="minor">
+                <a:schemeClr val="lt1"/>
+              </a:fontRef>
+            </p:style>
+            <p:txBody>
+              <a:bodyPr rtlCol="0" anchor="ctr"/>
+              <a:lstStyle/>
+              <a:p>
+                <a:pPr algn="ctr"/>
+                <a:r>
+                  <a:rPr lang="en-US" altLang="ko-KR" sz="1400" b="1" dirty="0">
+                    <a:latin typeface="Consolas" panose="020B0609020204030204" pitchFamily="49" charset="0"/>
+                  </a:rPr>
+                  <a:t>RoleBinding</a:t>
+                </a:r>
+                <a:endParaRPr lang="ko-KR" altLang="en-US" sz="1400" b="1" dirty="0">
+                  <a:latin typeface="Consolas" panose="020B0609020204030204" pitchFamily="49" charset="0"/>
+                </a:endParaRPr>
+              </a:p>
+            </p:txBody>
+          </p:sp>
+          <p:cxnSp>
+            <p:nvCxnSpPr>
+              <p:cNvPr id="54" name="직선 화살표 연결선 53">
+                <a:extLst>
+                  <a:ext uri="{FF2B5EF4-FFF2-40B4-BE49-F238E27FC236}">
+                    <a16:creationId xmlns:a16="http://schemas.microsoft.com/office/drawing/2014/main" id="{99E00107-C195-E2E1-BCFB-AD37BF37E996}"/>
+                  </a:ext>
+                </a:extLst>
+              </p:cNvPr>
+              <p:cNvCxnSpPr>
+                <a:cxnSpLocks/>
+                <a:stCxn id="53" idx="0"/>
+                <a:endCxn id="51" idx="2"/>
+              </p:cNvCxnSpPr>
+              <p:nvPr/>
+            </p:nvCxnSpPr>
+            <p:spPr>
+              <a:xfrm flipV="1">
+                <a:off x="6722534" y="3084722"/>
+                <a:ext cx="0" cy="503253"/>
+              </a:xfrm>
+              <a:prstGeom prst="straightConnector1">
+                <a:avLst/>
+              </a:prstGeom>
+              <a:ln w="28575">
+                <a:solidFill>
+                  <a:schemeClr val="bg1"/>
+                </a:solidFill>
+                <a:prstDash val="dash"/>
+                <a:tailEnd type="triangle"/>
+              </a:ln>
+            </p:spPr>
+            <p:style>
+              <a:lnRef idx="1">
+                <a:schemeClr val="accent1"/>
+              </a:lnRef>
+              <a:fillRef idx="0">
+                <a:schemeClr val="accent1"/>
+              </a:fillRef>
+              <a:effectRef idx="0">
+                <a:schemeClr val="accent1"/>
+              </a:effectRef>
+              <a:fontRef idx="minor">
+                <a:schemeClr val="tx1"/>
+              </a:fontRef>
+            </p:style>
+          </p:cxnSp>
+        </p:grpSp>
+        <p:cxnSp>
+          <p:nvCxnSpPr>
+            <p:cNvPr id="60" name="연결선: 꺾임 59">
+              <a:extLst>
+                <a:ext uri="{FF2B5EF4-FFF2-40B4-BE49-F238E27FC236}">
+                  <a16:creationId xmlns:a16="http://schemas.microsoft.com/office/drawing/2014/main" id="{A87F815F-53EE-F744-CF49-95E5BF4ED1A1}"/>
+                </a:ext>
+              </a:extLst>
+            </p:cNvPr>
+            <p:cNvCxnSpPr>
+              <a:cxnSpLocks/>
+              <a:stCxn id="53" idx="2"/>
+              <a:endCxn id="30" idx="3"/>
+            </p:cNvCxnSpPr>
+            <p:nvPr/>
+          </p:nvCxnSpPr>
+          <p:spPr>
+            <a:xfrm rot="5400000">
+              <a:off x="4588492" y="3407075"/>
+              <a:ext cx="844352" cy="3423733"/>
+            </a:xfrm>
+            <a:prstGeom prst="bentConnector2">
+              <a:avLst/>
+            </a:prstGeom>
+            <a:ln w="28575">
+              <a:solidFill>
+                <a:srgbClr val="00B0F0"/>
+              </a:solidFill>
+              <a:prstDash val="dash"/>
+              <a:headEnd type="none" w="med" len="med"/>
+              <a:tailEnd type="triangle" w="med" len="med"/>
+            </a:ln>
+          </p:spPr>
+          <p:style>
+            <a:lnRef idx="1">
+              <a:schemeClr val="accent1"/>
+            </a:lnRef>
+            <a:fillRef idx="0">
+              <a:schemeClr val="accent1"/>
+            </a:fillRef>
+            <a:effectRef idx="0">
+              <a:schemeClr val="accent1"/>
+            </a:effectRef>
+            <a:fontRef idx="minor">
+              <a:schemeClr val="tx1"/>
+            </a:fontRef>
+          </p:style>
+        </p:cxnSp>
+      </p:grpSp>
+    </p:spTree>
+    <p:extLst>
+      <p:ext uri="{BB962C8B-B14F-4D97-AF65-F5344CB8AC3E}">
+        <p14:creationId xmlns:p14="http://schemas.microsoft.com/office/powerpoint/2010/main" val="1609483558"/>
+      </p:ext>
+    </p:extLst>
+  </p:cSld>
+  <p:clrMapOvr>
+    <a:masterClrMapping/>
+  </p:clrMapOvr>
+</p:sld>
+</file>
+
 <file path=ppt/slides/slide3.xml><?xml version="1.0" encoding="utf-8"?>
 <p:sld xmlns:a="http://schemas.openxmlformats.org/drawingml/2006/main" xmlns:r="http://schemas.openxmlformats.org/officeDocument/2006/relationships" xmlns:p="http://schemas.openxmlformats.org/presentationml/2006/main">
   <p:cSld>

--- a/assets/images.pptx
+++ b/assets/images.pptx
@@ -26,13 +26,21 @@
     <p:sldId id="274" r:id="rId20"/>
     <p:sldId id="275" r:id="rId21"/>
     <p:sldId id="276" r:id="rId22"/>
-    <p:sldId id="277" r:id="rId23"/>
-    <p:sldId id="278" r:id="rId24"/>
-    <p:sldId id="279" r:id="rId25"/>
-    <p:sldId id="280" r:id="rId26"/>
-    <p:sldId id="281" r:id="rId27"/>
-    <p:sldId id="282" r:id="rId28"/>
-    <p:sldId id="283" r:id="rId29"/>
+    <p:sldId id="288" r:id="rId23"/>
+    <p:sldId id="287" r:id="rId24"/>
+    <p:sldId id="286" r:id="rId25"/>
+    <p:sldId id="277" r:id="rId26"/>
+    <p:sldId id="278" r:id="rId27"/>
+    <p:sldId id="279" r:id="rId28"/>
+    <p:sldId id="280" r:id="rId29"/>
+    <p:sldId id="281" r:id="rId30"/>
+    <p:sldId id="282" r:id="rId31"/>
+    <p:sldId id="283" r:id="rId32"/>
+    <p:sldId id="284" r:id="rId33"/>
+    <p:sldId id="285" r:id="rId34"/>
+    <p:sldId id="289" r:id="rId35"/>
+    <p:sldId id="290" r:id="rId36"/>
+    <p:sldId id="291" r:id="rId37"/>
   </p:sldIdLst>
   <p:sldSz cx="12192000" cy="6858000"/>
   <p:notesSz cx="6858000" cy="9144000"/>
@@ -10603,10 +10611,9 @@
           <a:p>
             <a:pPr algn="ctr"/>
             <a:r>
-              <a:rPr lang="en-US" altLang="ko-KR" sz="1000" dirty="0" err="1"/>
+              <a:rPr lang="en-US" altLang="ko-KR" sz="1000" dirty="0"/>
               <a:t>NodePort</a:t>
             </a:r>
-            <a:endParaRPr lang="en-US" altLang="ko-KR" sz="1000" dirty="0"/>
           </a:p>
         </p:txBody>
       </p:sp>
@@ -31278,6 +31285,2541 @@
       </p:sp>
       <p:grpSp>
         <p:nvGrpSpPr>
+          <p:cNvPr id="28" name="그룹 27">
+            <a:extLst>
+              <a:ext uri="{FF2B5EF4-FFF2-40B4-BE49-F238E27FC236}">
+                <a16:creationId xmlns:a16="http://schemas.microsoft.com/office/drawing/2014/main" id="{23995FAF-6371-D2C1-93A8-40057DBCD39A}"/>
+              </a:ext>
+            </a:extLst>
+          </p:cNvPr>
+          <p:cNvGrpSpPr/>
+          <p:nvPr/>
+        </p:nvGrpSpPr>
+        <p:grpSpPr>
+          <a:xfrm>
+            <a:off x="3271805" y="1763023"/>
+            <a:ext cx="4913322" cy="3209726"/>
+            <a:chOff x="3271805" y="1763023"/>
+            <a:chExt cx="4913322" cy="3209726"/>
+          </a:xfrm>
+        </p:grpSpPr>
+        <p:sp>
+          <p:nvSpPr>
+            <p:cNvPr id="3" name="직사각형 2">
+              <a:extLst>
+                <a:ext uri="{FF2B5EF4-FFF2-40B4-BE49-F238E27FC236}">
+                  <a16:creationId xmlns:a16="http://schemas.microsoft.com/office/drawing/2014/main" id="{246BBB34-E5B4-8865-FC21-6AEDDC1702E2}"/>
+                </a:ext>
+              </a:extLst>
+            </p:cNvPr>
+            <p:cNvSpPr/>
+            <p:nvPr/>
+          </p:nvSpPr>
+          <p:spPr>
+            <a:xfrm>
+              <a:off x="6927779" y="1763023"/>
+              <a:ext cx="1257348" cy="642247"/>
+            </a:xfrm>
+            <a:prstGeom prst="rect">
+              <a:avLst/>
+            </a:prstGeom>
+            <a:solidFill>
+              <a:schemeClr val="accent1">
+                <a:lumMod val="75000"/>
+              </a:schemeClr>
+            </a:solidFill>
+            <a:ln w="9525" cap="flat" cmpd="sng" algn="ctr">
+              <a:solidFill>
+                <a:schemeClr val="accent1"/>
+              </a:solidFill>
+              <a:prstDash val="solid"/>
+              <a:round/>
+              <a:headEnd type="none" w="med" len="med"/>
+              <a:tailEnd type="none" w="med" len="med"/>
+            </a:ln>
+          </p:spPr>
+          <p:style>
+            <a:lnRef idx="0">
+              <a:scrgbClr r="0" g="0" b="0"/>
+            </a:lnRef>
+            <a:fillRef idx="0">
+              <a:scrgbClr r="0" g="0" b="0"/>
+            </a:fillRef>
+            <a:effectRef idx="0">
+              <a:scrgbClr r="0" g="0" b="0"/>
+            </a:effectRef>
+            <a:fontRef idx="minor">
+              <a:schemeClr val="accent1"/>
+            </a:fontRef>
+          </p:style>
+          <p:txBody>
+            <a:bodyPr rtlCol="0" anchor="ctr"/>
+            <a:lstStyle/>
+            <a:p>
+              <a:pPr algn="ctr"/>
+              <a:r>
+                <a:rPr lang="en-US" altLang="ko-KR" b="1" dirty="0">
+                  <a:solidFill>
+                    <a:schemeClr val="bg1"/>
+                  </a:solidFill>
+                  <a:effectLst/>
+                  <a:latin typeface="Consolas" panose="020B0609020204030204" pitchFamily="49" charset="0"/>
+                </a:rPr>
+                <a:t>Pod</a:t>
+              </a:r>
+              <a:endParaRPr lang="en-US" altLang="ko-KR" b="0" dirty="0">
+                <a:solidFill>
+                  <a:srgbClr val="D4D4D4"/>
+                </a:solidFill>
+                <a:effectLst/>
+                <a:latin typeface="Consolas" panose="020B0609020204030204" pitchFamily="49" charset="0"/>
+              </a:endParaRPr>
+            </a:p>
+          </p:txBody>
+        </p:sp>
+        <p:sp>
+          <p:nvSpPr>
+            <p:cNvPr id="4" name="직사각형 3">
+              <a:extLst>
+                <a:ext uri="{FF2B5EF4-FFF2-40B4-BE49-F238E27FC236}">
+                  <a16:creationId xmlns:a16="http://schemas.microsoft.com/office/drawing/2014/main" id="{653758B3-1C86-18A1-6019-1666E31B50A7}"/>
+                </a:ext>
+              </a:extLst>
+            </p:cNvPr>
+            <p:cNvSpPr/>
+            <p:nvPr/>
+          </p:nvSpPr>
+          <p:spPr>
+            <a:xfrm>
+              <a:off x="6927779" y="2854239"/>
+              <a:ext cx="1257348" cy="642247"/>
+            </a:xfrm>
+            <a:prstGeom prst="rect">
+              <a:avLst/>
+            </a:prstGeom>
+            <a:solidFill>
+              <a:schemeClr val="accent1">
+                <a:lumMod val="75000"/>
+              </a:schemeClr>
+            </a:solidFill>
+            <a:ln w="9525" cap="flat" cmpd="sng" algn="ctr">
+              <a:solidFill>
+                <a:schemeClr val="accent1"/>
+              </a:solidFill>
+              <a:prstDash val="solid"/>
+              <a:round/>
+              <a:headEnd type="none" w="med" len="med"/>
+              <a:tailEnd type="none" w="med" len="med"/>
+            </a:ln>
+          </p:spPr>
+          <p:style>
+            <a:lnRef idx="0">
+              <a:scrgbClr r="0" g="0" b="0"/>
+            </a:lnRef>
+            <a:fillRef idx="0">
+              <a:scrgbClr r="0" g="0" b="0"/>
+            </a:fillRef>
+            <a:effectRef idx="0">
+              <a:scrgbClr r="0" g="0" b="0"/>
+            </a:effectRef>
+            <a:fontRef idx="minor">
+              <a:schemeClr val="accent1"/>
+            </a:fontRef>
+          </p:style>
+          <p:txBody>
+            <a:bodyPr rtlCol="0" anchor="ctr"/>
+            <a:lstStyle/>
+            <a:p>
+              <a:pPr algn="ctr"/>
+              <a:r>
+                <a:rPr lang="en-US" altLang="ko-KR" b="1" dirty="0">
+                  <a:solidFill>
+                    <a:schemeClr val="bg1"/>
+                  </a:solidFill>
+                  <a:effectLst/>
+                  <a:latin typeface="Consolas" panose="020B0609020204030204" pitchFamily="49" charset="0"/>
+                </a:rPr>
+                <a:t>Pod</a:t>
+              </a:r>
+              <a:endParaRPr lang="en-US" altLang="ko-KR" b="0" dirty="0">
+                <a:solidFill>
+                  <a:srgbClr val="D4D4D4"/>
+                </a:solidFill>
+                <a:effectLst/>
+                <a:latin typeface="Consolas" panose="020B0609020204030204" pitchFamily="49" charset="0"/>
+              </a:endParaRPr>
+            </a:p>
+          </p:txBody>
+        </p:sp>
+        <p:sp>
+          <p:nvSpPr>
+            <p:cNvPr id="5" name="직사각형 4">
+              <a:extLst>
+                <a:ext uri="{FF2B5EF4-FFF2-40B4-BE49-F238E27FC236}">
+                  <a16:creationId xmlns:a16="http://schemas.microsoft.com/office/drawing/2014/main" id="{D38A5816-B7E7-A753-C91D-6D95B53D3EA7}"/>
+                </a:ext>
+              </a:extLst>
+            </p:cNvPr>
+            <p:cNvSpPr/>
+            <p:nvPr/>
+          </p:nvSpPr>
+          <p:spPr>
+            <a:xfrm>
+              <a:off x="6927779" y="3945455"/>
+              <a:ext cx="1257348" cy="642247"/>
+            </a:xfrm>
+            <a:prstGeom prst="rect">
+              <a:avLst/>
+            </a:prstGeom>
+            <a:solidFill>
+              <a:schemeClr val="accent1">
+                <a:lumMod val="75000"/>
+              </a:schemeClr>
+            </a:solidFill>
+            <a:ln w="9525" cap="flat" cmpd="sng" algn="ctr">
+              <a:solidFill>
+                <a:schemeClr val="accent1"/>
+              </a:solidFill>
+              <a:prstDash val="solid"/>
+              <a:round/>
+              <a:headEnd type="none" w="med" len="med"/>
+              <a:tailEnd type="none" w="med" len="med"/>
+            </a:ln>
+          </p:spPr>
+          <p:style>
+            <a:lnRef idx="0">
+              <a:scrgbClr r="0" g="0" b="0"/>
+            </a:lnRef>
+            <a:fillRef idx="0">
+              <a:scrgbClr r="0" g="0" b="0"/>
+            </a:fillRef>
+            <a:effectRef idx="0">
+              <a:scrgbClr r="0" g="0" b="0"/>
+            </a:effectRef>
+            <a:fontRef idx="minor">
+              <a:schemeClr val="accent1"/>
+            </a:fontRef>
+          </p:style>
+          <p:txBody>
+            <a:bodyPr rtlCol="0" anchor="ctr"/>
+            <a:lstStyle/>
+            <a:p>
+              <a:pPr algn="ctr"/>
+              <a:r>
+                <a:rPr lang="en-US" altLang="ko-KR" b="1" dirty="0">
+                  <a:solidFill>
+                    <a:schemeClr val="bg1"/>
+                  </a:solidFill>
+                  <a:effectLst/>
+                  <a:latin typeface="Consolas" panose="020B0609020204030204" pitchFamily="49" charset="0"/>
+                </a:rPr>
+                <a:t>Pod</a:t>
+              </a:r>
+              <a:endParaRPr lang="en-US" altLang="ko-KR" b="0" dirty="0">
+                <a:solidFill>
+                  <a:srgbClr val="D4D4D4"/>
+                </a:solidFill>
+                <a:effectLst/>
+                <a:latin typeface="Consolas" panose="020B0609020204030204" pitchFamily="49" charset="0"/>
+              </a:endParaRPr>
+            </a:p>
+          </p:txBody>
+        </p:sp>
+        <p:cxnSp>
+          <p:nvCxnSpPr>
+            <p:cNvPr id="6" name="연결선: 꺾임 5">
+              <a:extLst>
+                <a:ext uri="{FF2B5EF4-FFF2-40B4-BE49-F238E27FC236}">
+                  <a16:creationId xmlns:a16="http://schemas.microsoft.com/office/drawing/2014/main" id="{6264652F-D700-0277-1437-6706C652073E}"/>
+                </a:ext>
+              </a:extLst>
+            </p:cNvPr>
+            <p:cNvCxnSpPr>
+              <a:cxnSpLocks/>
+              <a:stCxn id="14" idx="3"/>
+              <a:endCxn id="3" idx="1"/>
+            </p:cNvCxnSpPr>
+            <p:nvPr/>
+          </p:nvCxnSpPr>
+          <p:spPr>
+            <a:xfrm flipV="1">
+              <a:off x="4878660" y="2084147"/>
+              <a:ext cx="2049119" cy="1091217"/>
+            </a:xfrm>
+            <a:prstGeom prst="bentConnector3">
+              <a:avLst/>
+            </a:prstGeom>
+            <a:ln w="19050">
+              <a:tailEnd type="triangle"/>
+            </a:ln>
+          </p:spPr>
+          <p:style>
+            <a:lnRef idx="1">
+              <a:schemeClr val="accent1"/>
+            </a:lnRef>
+            <a:fillRef idx="0">
+              <a:schemeClr val="accent1"/>
+            </a:fillRef>
+            <a:effectRef idx="0">
+              <a:schemeClr val="accent1"/>
+            </a:effectRef>
+            <a:fontRef idx="minor">
+              <a:schemeClr val="tx1"/>
+            </a:fontRef>
+          </p:style>
+        </p:cxnSp>
+        <p:cxnSp>
+          <p:nvCxnSpPr>
+            <p:cNvPr id="7" name="연결선: 꺾임 6">
+              <a:extLst>
+                <a:ext uri="{FF2B5EF4-FFF2-40B4-BE49-F238E27FC236}">
+                  <a16:creationId xmlns:a16="http://schemas.microsoft.com/office/drawing/2014/main" id="{8D5DDD01-3A49-8FE7-73B8-0CDF166ADAF7}"/>
+                </a:ext>
+              </a:extLst>
+            </p:cNvPr>
+            <p:cNvCxnSpPr>
+              <a:cxnSpLocks/>
+              <a:stCxn id="14" idx="3"/>
+              <a:endCxn id="5" idx="1"/>
+            </p:cNvCxnSpPr>
+            <p:nvPr/>
+          </p:nvCxnSpPr>
+          <p:spPr>
+            <a:xfrm>
+              <a:off x="4878660" y="3175364"/>
+              <a:ext cx="2049119" cy="1091215"/>
+            </a:xfrm>
+            <a:prstGeom prst="bentConnector3">
+              <a:avLst/>
+            </a:prstGeom>
+            <a:ln w="19050">
+              <a:tailEnd type="triangle"/>
+            </a:ln>
+          </p:spPr>
+          <p:style>
+            <a:lnRef idx="1">
+              <a:schemeClr val="accent1"/>
+            </a:lnRef>
+            <a:fillRef idx="0">
+              <a:schemeClr val="accent1"/>
+            </a:fillRef>
+            <a:effectRef idx="0">
+              <a:schemeClr val="accent1"/>
+            </a:effectRef>
+            <a:fontRef idx="minor">
+              <a:schemeClr val="tx1"/>
+            </a:fontRef>
+          </p:style>
+        </p:cxnSp>
+        <p:cxnSp>
+          <p:nvCxnSpPr>
+            <p:cNvPr id="8" name="직선 화살표 연결선 7">
+              <a:extLst>
+                <a:ext uri="{FF2B5EF4-FFF2-40B4-BE49-F238E27FC236}">
+                  <a16:creationId xmlns:a16="http://schemas.microsoft.com/office/drawing/2014/main" id="{52F13129-F259-26CC-88FC-A6C50C220170}"/>
+                </a:ext>
+              </a:extLst>
+            </p:cNvPr>
+            <p:cNvCxnSpPr>
+              <a:cxnSpLocks/>
+              <a:stCxn id="14" idx="3"/>
+              <a:endCxn id="4" idx="1"/>
+            </p:cNvCxnSpPr>
+            <p:nvPr/>
+          </p:nvCxnSpPr>
+          <p:spPr>
+            <a:xfrm flipV="1">
+              <a:off x="4878660" y="3175363"/>
+              <a:ext cx="2049119" cy="1"/>
+            </a:xfrm>
+            <a:prstGeom prst="straightConnector1">
+              <a:avLst/>
+            </a:prstGeom>
+            <a:ln w="19050">
+              <a:tailEnd type="triangle"/>
+            </a:ln>
+          </p:spPr>
+          <p:style>
+            <a:lnRef idx="1">
+              <a:schemeClr val="accent1"/>
+            </a:lnRef>
+            <a:fillRef idx="0">
+              <a:schemeClr val="accent1"/>
+            </a:fillRef>
+            <a:effectRef idx="0">
+              <a:schemeClr val="accent1"/>
+            </a:effectRef>
+            <a:fontRef idx="minor">
+              <a:schemeClr val="tx1"/>
+            </a:fontRef>
+          </p:style>
+        </p:cxnSp>
+        <p:sp>
+          <p:nvSpPr>
+            <p:cNvPr id="14" name="직사각형 13">
+              <a:extLst>
+                <a:ext uri="{FF2B5EF4-FFF2-40B4-BE49-F238E27FC236}">
+                  <a16:creationId xmlns:a16="http://schemas.microsoft.com/office/drawing/2014/main" id="{477010B9-C8DB-5CE7-A9F8-1AAF564A222F}"/>
+                </a:ext>
+              </a:extLst>
+            </p:cNvPr>
+            <p:cNvSpPr/>
+            <p:nvPr/>
+          </p:nvSpPr>
+          <p:spPr>
+            <a:xfrm>
+              <a:off x="3621312" y="2854240"/>
+              <a:ext cx="1257348" cy="642247"/>
+            </a:xfrm>
+            <a:prstGeom prst="rect">
+              <a:avLst/>
+            </a:prstGeom>
+            <a:solidFill>
+              <a:srgbClr val="00B050"/>
+            </a:solidFill>
+            <a:ln w="9525" cap="flat" cmpd="sng" algn="ctr">
+              <a:solidFill>
+                <a:schemeClr val="accent1"/>
+              </a:solidFill>
+              <a:prstDash val="solid"/>
+              <a:round/>
+              <a:headEnd type="none" w="med" len="med"/>
+              <a:tailEnd type="none" w="med" len="med"/>
+            </a:ln>
+          </p:spPr>
+          <p:style>
+            <a:lnRef idx="0">
+              <a:scrgbClr r="0" g="0" b="0"/>
+            </a:lnRef>
+            <a:fillRef idx="0">
+              <a:scrgbClr r="0" g="0" b="0"/>
+            </a:fillRef>
+            <a:effectRef idx="0">
+              <a:scrgbClr r="0" g="0" b="0"/>
+            </a:effectRef>
+            <a:fontRef idx="minor">
+              <a:schemeClr val="accent1"/>
+            </a:fontRef>
+          </p:style>
+          <p:txBody>
+            <a:bodyPr rtlCol="0" anchor="ctr"/>
+            <a:lstStyle/>
+            <a:p>
+              <a:pPr algn="ctr"/>
+              <a:r>
+                <a:rPr lang="en-US" altLang="ko-KR" sz="1400" b="1" dirty="0">
+                  <a:solidFill>
+                    <a:schemeClr val="bg1"/>
+                  </a:solidFill>
+                  <a:effectLst/>
+                  <a:latin typeface="Consolas" panose="020B0609020204030204" pitchFamily="49" charset="0"/>
+                </a:rPr>
+                <a:t>ReplicaSet</a:t>
+              </a:r>
+              <a:endParaRPr lang="en-US" altLang="ko-KR" sz="1400" b="0" dirty="0">
+                <a:solidFill>
+                  <a:srgbClr val="D4D4D4"/>
+                </a:solidFill>
+                <a:effectLst/>
+                <a:latin typeface="Consolas" panose="020B0609020204030204" pitchFamily="49" charset="0"/>
+              </a:endParaRPr>
+            </a:p>
+          </p:txBody>
+        </p:sp>
+        <p:sp>
+          <p:nvSpPr>
+            <p:cNvPr id="15" name="직사각형 14">
+              <a:extLst>
+                <a:ext uri="{FF2B5EF4-FFF2-40B4-BE49-F238E27FC236}">
+                  <a16:creationId xmlns:a16="http://schemas.microsoft.com/office/drawing/2014/main" id="{EC54E31D-BB03-E333-27D7-F8358FA68B44}"/>
+                </a:ext>
+              </a:extLst>
+            </p:cNvPr>
+            <p:cNvSpPr/>
+            <p:nvPr/>
+          </p:nvSpPr>
+          <p:spPr>
+            <a:xfrm>
+              <a:off x="3271805" y="4330502"/>
+              <a:ext cx="1956361" cy="642247"/>
+            </a:xfrm>
+            <a:prstGeom prst="rect">
+              <a:avLst/>
+            </a:prstGeom>
+            <a:solidFill>
+              <a:schemeClr val="tx2">
+                <a:lumMod val="75000"/>
+              </a:schemeClr>
+            </a:solidFill>
+            <a:ln w="9525" cap="flat" cmpd="sng" algn="ctr">
+              <a:solidFill>
+                <a:schemeClr val="bg2"/>
+              </a:solidFill>
+              <a:prstDash val="solid"/>
+              <a:round/>
+              <a:headEnd type="none" w="med" len="med"/>
+              <a:tailEnd type="none" w="med" len="med"/>
+            </a:ln>
+          </p:spPr>
+          <p:style>
+            <a:lnRef idx="0">
+              <a:scrgbClr r="0" g="0" b="0"/>
+            </a:lnRef>
+            <a:fillRef idx="0">
+              <a:scrgbClr r="0" g="0" b="0"/>
+            </a:fillRef>
+            <a:effectRef idx="0">
+              <a:scrgbClr r="0" g="0" b="0"/>
+            </a:effectRef>
+            <a:fontRef idx="minor">
+              <a:schemeClr val="accent1"/>
+            </a:fontRef>
+          </p:style>
+          <p:txBody>
+            <a:bodyPr rtlCol="0" anchor="ctr"/>
+            <a:lstStyle/>
+            <a:p>
+              <a:pPr algn="ctr"/>
+              <a:r>
+                <a:rPr lang="en-US" altLang="ko-KR" sz="1400" b="1" dirty="0">
+                  <a:solidFill>
+                    <a:schemeClr val="bg1"/>
+                  </a:solidFill>
+                  <a:effectLst/>
+                  <a:latin typeface="Consolas" panose="020B0609020204030204" pitchFamily="49" charset="0"/>
+                </a:rPr>
+                <a:t>Deployments</a:t>
+              </a:r>
+              <a:endParaRPr lang="en-US" altLang="ko-KR" sz="1400" b="0" dirty="0">
+                <a:solidFill>
+                  <a:srgbClr val="D4D4D4"/>
+                </a:solidFill>
+                <a:effectLst/>
+                <a:latin typeface="Consolas" panose="020B0609020204030204" pitchFamily="49" charset="0"/>
+              </a:endParaRPr>
+            </a:p>
+          </p:txBody>
+        </p:sp>
+        <p:cxnSp>
+          <p:nvCxnSpPr>
+            <p:cNvPr id="22" name="직선 화살표 연결선 21">
+              <a:extLst>
+                <a:ext uri="{FF2B5EF4-FFF2-40B4-BE49-F238E27FC236}">
+                  <a16:creationId xmlns:a16="http://schemas.microsoft.com/office/drawing/2014/main" id="{7036032C-E806-4B04-88EE-1FFE4EB879F9}"/>
+                </a:ext>
+              </a:extLst>
+            </p:cNvPr>
+            <p:cNvCxnSpPr>
+              <a:cxnSpLocks/>
+              <a:stCxn id="15" idx="0"/>
+              <a:endCxn id="14" idx="2"/>
+            </p:cNvCxnSpPr>
+            <p:nvPr/>
+          </p:nvCxnSpPr>
+          <p:spPr>
+            <a:xfrm flipV="1">
+              <a:off x="4249986" y="3496487"/>
+              <a:ext cx="0" cy="834015"/>
+            </a:xfrm>
+            <a:prstGeom prst="straightConnector1">
+              <a:avLst/>
+            </a:prstGeom>
+            <a:ln w="19050">
+              <a:tailEnd type="triangle"/>
+            </a:ln>
+          </p:spPr>
+          <p:style>
+            <a:lnRef idx="1">
+              <a:schemeClr val="accent1"/>
+            </a:lnRef>
+            <a:fillRef idx="0">
+              <a:schemeClr val="accent1"/>
+            </a:fillRef>
+            <a:effectRef idx="0">
+              <a:schemeClr val="accent1"/>
+            </a:effectRef>
+            <a:fontRef idx="minor">
+              <a:schemeClr val="tx1"/>
+            </a:fontRef>
+          </p:style>
+        </p:cxnSp>
+      </p:grpSp>
+    </p:spTree>
+    <p:extLst>
+      <p:ext uri="{BB962C8B-B14F-4D97-AF65-F5344CB8AC3E}">
+        <p14:creationId xmlns:p14="http://schemas.microsoft.com/office/powerpoint/2010/main" val="116812515"/>
+      </p:ext>
+    </p:extLst>
+  </p:cSld>
+  <p:clrMapOvr>
+    <a:masterClrMapping/>
+  </p:clrMapOvr>
+</p:sld>
+</file>
+
+<file path=ppt/slides/slide22.xml><?xml version="1.0" encoding="utf-8"?>
+<p:sld xmlns:a="http://schemas.openxmlformats.org/drawingml/2006/main" xmlns:r="http://schemas.openxmlformats.org/officeDocument/2006/relationships" xmlns:p="http://schemas.openxmlformats.org/presentationml/2006/main">
+  <p:cSld>
+    <p:spTree>
+      <p:nvGrpSpPr>
+        <p:cNvPr id="1" name=""/>
+        <p:cNvGrpSpPr/>
+        <p:nvPr/>
+      </p:nvGrpSpPr>
+      <p:grpSpPr>
+        <a:xfrm>
+          <a:off x="0" y="0"/>
+          <a:ext cx="0" cy="0"/>
+          <a:chOff x="0" y="0"/>
+          <a:chExt cx="0" cy="0"/>
+        </a:xfrm>
+      </p:grpSpPr>
+      <p:sp>
+        <p:nvSpPr>
+          <p:cNvPr id="2" name="TextBox 1">
+            <a:extLst>
+              <a:ext uri="{FF2B5EF4-FFF2-40B4-BE49-F238E27FC236}">
+                <a16:creationId xmlns:a16="http://schemas.microsoft.com/office/drawing/2014/main" id="{AF53483D-1A80-C107-D3AB-6901351F1D3F}"/>
+              </a:ext>
+            </a:extLst>
+          </p:cNvPr>
+          <p:cNvSpPr txBox="1"/>
+          <p:nvPr/>
+        </p:nvSpPr>
+        <p:spPr>
+          <a:xfrm>
+            <a:off x="10388600" y="6596390"/>
+            <a:ext cx="1803400" cy="261610"/>
+          </a:xfrm>
+          <a:prstGeom prst="rect">
+            <a:avLst/>
+          </a:prstGeom>
+          <a:noFill/>
+        </p:spPr>
+        <p:txBody>
+          <a:bodyPr wrap="square" rtlCol="0">
+            <a:spAutoFit/>
+          </a:bodyPr>
+          <a:lstStyle/>
+          <a:p>
+            <a:pPr algn="r"/>
+            <a:r>
+              <a:rPr lang="en-US" altLang="ko-KR" sz="1100" dirty="0"/>
+              <a:t>Kim0lil/80700</a:t>
+            </a:r>
+            <a:endParaRPr lang="ko-KR" altLang="en-US" sz="1100" dirty="0"/>
+          </a:p>
+        </p:txBody>
+      </p:sp>
+      <p:grpSp>
+        <p:nvGrpSpPr>
+          <p:cNvPr id="28" name="그룹 27">
+            <a:extLst>
+              <a:ext uri="{FF2B5EF4-FFF2-40B4-BE49-F238E27FC236}">
+                <a16:creationId xmlns:a16="http://schemas.microsoft.com/office/drawing/2014/main" id="{23995FAF-6371-D2C1-93A8-40057DBCD39A}"/>
+              </a:ext>
+            </a:extLst>
+          </p:cNvPr>
+          <p:cNvGrpSpPr/>
+          <p:nvPr/>
+        </p:nvGrpSpPr>
+        <p:grpSpPr>
+          <a:xfrm>
+            <a:off x="3271805" y="1763023"/>
+            <a:ext cx="5465795" cy="3209726"/>
+            <a:chOff x="3271805" y="1763023"/>
+            <a:chExt cx="5465795" cy="3209726"/>
+          </a:xfrm>
+        </p:grpSpPr>
+        <p:sp>
+          <p:nvSpPr>
+            <p:cNvPr id="3" name="직사각형 2">
+              <a:extLst>
+                <a:ext uri="{FF2B5EF4-FFF2-40B4-BE49-F238E27FC236}">
+                  <a16:creationId xmlns:a16="http://schemas.microsoft.com/office/drawing/2014/main" id="{246BBB34-E5B4-8865-FC21-6AEDDC1702E2}"/>
+                </a:ext>
+              </a:extLst>
+            </p:cNvPr>
+            <p:cNvSpPr/>
+            <p:nvPr/>
+          </p:nvSpPr>
+          <p:spPr>
+            <a:xfrm>
+              <a:off x="6927779" y="1763023"/>
+              <a:ext cx="1809821" cy="642247"/>
+            </a:xfrm>
+            <a:prstGeom prst="rect">
+              <a:avLst/>
+            </a:prstGeom>
+            <a:solidFill>
+              <a:schemeClr val="accent1">
+                <a:lumMod val="75000"/>
+              </a:schemeClr>
+            </a:solidFill>
+            <a:ln w="9525" cap="flat" cmpd="sng" algn="ctr">
+              <a:solidFill>
+                <a:schemeClr val="accent1"/>
+              </a:solidFill>
+              <a:prstDash val="solid"/>
+              <a:round/>
+              <a:headEnd type="none" w="med" len="med"/>
+              <a:tailEnd type="none" w="med" len="med"/>
+            </a:ln>
+          </p:spPr>
+          <p:style>
+            <a:lnRef idx="0">
+              <a:scrgbClr r="0" g="0" b="0"/>
+            </a:lnRef>
+            <a:fillRef idx="0">
+              <a:scrgbClr r="0" g="0" b="0"/>
+            </a:fillRef>
+            <a:effectRef idx="0">
+              <a:scrgbClr r="0" g="0" b="0"/>
+            </a:effectRef>
+            <a:fontRef idx="minor">
+              <a:schemeClr val="accent1"/>
+            </a:fontRef>
+          </p:style>
+          <p:txBody>
+            <a:bodyPr rtlCol="0" anchor="ctr"/>
+            <a:lstStyle/>
+            <a:p>
+              <a:pPr algn="ctr"/>
+              <a:r>
+                <a:rPr lang="en-US" altLang="ko-KR" b="1" dirty="0">
+                  <a:solidFill>
+                    <a:schemeClr val="bg1"/>
+                  </a:solidFill>
+                  <a:effectLst/>
+                  <a:latin typeface="Consolas" panose="020B0609020204030204" pitchFamily="49" charset="0"/>
+                </a:rPr>
+                <a:t>Pod ( A</a:t>
+              </a:r>
+              <a:r>
+                <a:rPr lang="en-US" altLang="ko-KR" b="1" dirty="0">
+                  <a:solidFill>
+                    <a:schemeClr val="bg1"/>
+                  </a:solidFill>
+                  <a:latin typeface="Consolas" panose="020B0609020204030204" pitchFamily="49" charset="0"/>
+                </a:rPr>
+                <a:t>-1</a:t>
+              </a:r>
+              <a:r>
+                <a:rPr lang="ko-KR" altLang="en-US" b="1" dirty="0">
+                  <a:solidFill>
+                    <a:schemeClr val="bg1"/>
+                  </a:solidFill>
+                  <a:latin typeface="Consolas" panose="020B0609020204030204" pitchFamily="49" charset="0"/>
+                </a:rPr>
+                <a:t> </a:t>
+              </a:r>
+              <a:r>
+                <a:rPr lang="en-US" altLang="ko-KR" b="1" dirty="0">
+                  <a:solidFill>
+                    <a:schemeClr val="bg1"/>
+                  </a:solidFill>
+                  <a:latin typeface="Consolas" panose="020B0609020204030204" pitchFamily="49" charset="0"/>
+                </a:rPr>
+                <a:t>)</a:t>
+              </a:r>
+              <a:endParaRPr lang="en-US" altLang="ko-KR" b="0" dirty="0">
+                <a:solidFill>
+                  <a:srgbClr val="D4D4D4"/>
+                </a:solidFill>
+                <a:effectLst/>
+                <a:latin typeface="Consolas" panose="020B0609020204030204" pitchFamily="49" charset="0"/>
+              </a:endParaRPr>
+            </a:p>
+          </p:txBody>
+        </p:sp>
+        <p:sp>
+          <p:nvSpPr>
+            <p:cNvPr id="4" name="직사각형 3">
+              <a:extLst>
+                <a:ext uri="{FF2B5EF4-FFF2-40B4-BE49-F238E27FC236}">
+                  <a16:creationId xmlns:a16="http://schemas.microsoft.com/office/drawing/2014/main" id="{653758B3-1C86-18A1-6019-1666E31B50A7}"/>
+                </a:ext>
+              </a:extLst>
+            </p:cNvPr>
+            <p:cNvSpPr/>
+            <p:nvPr/>
+          </p:nvSpPr>
+          <p:spPr>
+            <a:xfrm>
+              <a:off x="6927779" y="2854239"/>
+              <a:ext cx="1809821" cy="642247"/>
+            </a:xfrm>
+            <a:prstGeom prst="rect">
+              <a:avLst/>
+            </a:prstGeom>
+            <a:solidFill>
+              <a:schemeClr val="accent1">
+                <a:lumMod val="75000"/>
+              </a:schemeClr>
+            </a:solidFill>
+            <a:ln w="9525" cap="flat" cmpd="sng" algn="ctr">
+              <a:solidFill>
+                <a:schemeClr val="accent1"/>
+              </a:solidFill>
+              <a:prstDash val="solid"/>
+              <a:round/>
+              <a:headEnd type="none" w="med" len="med"/>
+              <a:tailEnd type="none" w="med" len="med"/>
+            </a:ln>
+          </p:spPr>
+          <p:style>
+            <a:lnRef idx="0">
+              <a:scrgbClr r="0" g="0" b="0"/>
+            </a:lnRef>
+            <a:fillRef idx="0">
+              <a:scrgbClr r="0" g="0" b="0"/>
+            </a:fillRef>
+            <a:effectRef idx="0">
+              <a:scrgbClr r="0" g="0" b="0"/>
+            </a:effectRef>
+            <a:fontRef idx="minor">
+              <a:schemeClr val="accent1"/>
+            </a:fontRef>
+          </p:style>
+          <p:txBody>
+            <a:bodyPr rtlCol="0" anchor="ctr"/>
+            <a:lstStyle/>
+            <a:p>
+              <a:pPr algn="ctr"/>
+              <a:r>
+                <a:rPr lang="en-US" altLang="ko-KR" b="1" dirty="0">
+                  <a:solidFill>
+                    <a:schemeClr val="bg1"/>
+                  </a:solidFill>
+                  <a:effectLst/>
+                  <a:latin typeface="Consolas" panose="020B0609020204030204" pitchFamily="49" charset="0"/>
+                </a:rPr>
+                <a:t>Pod ( A</a:t>
+              </a:r>
+              <a:r>
+                <a:rPr lang="en-US" altLang="ko-KR" b="1" dirty="0">
+                  <a:solidFill>
+                    <a:schemeClr val="bg1"/>
+                  </a:solidFill>
+                  <a:latin typeface="Consolas" panose="020B0609020204030204" pitchFamily="49" charset="0"/>
+                </a:rPr>
+                <a:t>-2</a:t>
+              </a:r>
+              <a:r>
+                <a:rPr lang="ko-KR" altLang="en-US" b="1" dirty="0">
+                  <a:solidFill>
+                    <a:schemeClr val="bg1"/>
+                  </a:solidFill>
+                  <a:latin typeface="Consolas" panose="020B0609020204030204" pitchFamily="49" charset="0"/>
+                </a:rPr>
+                <a:t> </a:t>
+              </a:r>
+              <a:r>
+                <a:rPr lang="en-US" altLang="ko-KR" b="1" dirty="0">
+                  <a:solidFill>
+                    <a:schemeClr val="bg1"/>
+                  </a:solidFill>
+                  <a:latin typeface="Consolas" panose="020B0609020204030204" pitchFamily="49" charset="0"/>
+                </a:rPr>
+                <a:t>)</a:t>
+              </a:r>
+              <a:endParaRPr lang="en-US" altLang="ko-KR" b="0" dirty="0">
+                <a:solidFill>
+                  <a:srgbClr val="D4D4D4"/>
+                </a:solidFill>
+                <a:effectLst/>
+                <a:latin typeface="Consolas" panose="020B0609020204030204" pitchFamily="49" charset="0"/>
+              </a:endParaRPr>
+            </a:p>
+          </p:txBody>
+        </p:sp>
+        <p:sp>
+          <p:nvSpPr>
+            <p:cNvPr id="5" name="직사각형 4">
+              <a:extLst>
+                <a:ext uri="{FF2B5EF4-FFF2-40B4-BE49-F238E27FC236}">
+                  <a16:creationId xmlns:a16="http://schemas.microsoft.com/office/drawing/2014/main" id="{D38A5816-B7E7-A753-C91D-6D95B53D3EA7}"/>
+                </a:ext>
+              </a:extLst>
+            </p:cNvPr>
+            <p:cNvSpPr/>
+            <p:nvPr/>
+          </p:nvSpPr>
+          <p:spPr>
+            <a:xfrm>
+              <a:off x="6927779" y="3945455"/>
+              <a:ext cx="1809821" cy="642247"/>
+            </a:xfrm>
+            <a:prstGeom prst="rect">
+              <a:avLst/>
+            </a:prstGeom>
+            <a:solidFill>
+              <a:schemeClr val="accent1">
+                <a:lumMod val="75000"/>
+              </a:schemeClr>
+            </a:solidFill>
+            <a:ln w="9525" cap="flat" cmpd="sng" algn="ctr">
+              <a:solidFill>
+                <a:schemeClr val="accent1"/>
+              </a:solidFill>
+              <a:prstDash val="solid"/>
+              <a:round/>
+              <a:headEnd type="none" w="med" len="med"/>
+              <a:tailEnd type="none" w="med" len="med"/>
+            </a:ln>
+          </p:spPr>
+          <p:style>
+            <a:lnRef idx="0">
+              <a:scrgbClr r="0" g="0" b="0"/>
+            </a:lnRef>
+            <a:fillRef idx="0">
+              <a:scrgbClr r="0" g="0" b="0"/>
+            </a:fillRef>
+            <a:effectRef idx="0">
+              <a:scrgbClr r="0" g="0" b="0"/>
+            </a:effectRef>
+            <a:fontRef idx="minor">
+              <a:schemeClr val="accent1"/>
+            </a:fontRef>
+          </p:style>
+          <p:txBody>
+            <a:bodyPr rtlCol="0" anchor="ctr"/>
+            <a:lstStyle/>
+            <a:p>
+              <a:pPr algn="ctr"/>
+              <a:r>
+                <a:rPr lang="en-US" altLang="ko-KR" b="1" dirty="0">
+                  <a:solidFill>
+                    <a:schemeClr val="bg1"/>
+                  </a:solidFill>
+                  <a:effectLst/>
+                  <a:latin typeface="Consolas" panose="020B0609020204030204" pitchFamily="49" charset="0"/>
+                </a:rPr>
+                <a:t>Pod ( A</a:t>
+              </a:r>
+              <a:r>
+                <a:rPr lang="en-US" altLang="ko-KR" b="1" dirty="0">
+                  <a:solidFill>
+                    <a:schemeClr val="bg1"/>
+                  </a:solidFill>
+                  <a:latin typeface="Consolas" panose="020B0609020204030204" pitchFamily="49" charset="0"/>
+                </a:rPr>
+                <a:t>-3</a:t>
+              </a:r>
+              <a:r>
+                <a:rPr lang="ko-KR" altLang="en-US" b="1" dirty="0">
+                  <a:solidFill>
+                    <a:schemeClr val="bg1"/>
+                  </a:solidFill>
+                  <a:latin typeface="Consolas" panose="020B0609020204030204" pitchFamily="49" charset="0"/>
+                </a:rPr>
+                <a:t> </a:t>
+              </a:r>
+              <a:r>
+                <a:rPr lang="en-US" altLang="ko-KR" b="1" dirty="0">
+                  <a:solidFill>
+                    <a:schemeClr val="bg1"/>
+                  </a:solidFill>
+                  <a:latin typeface="Consolas" panose="020B0609020204030204" pitchFamily="49" charset="0"/>
+                </a:rPr>
+                <a:t>)</a:t>
+              </a:r>
+              <a:endParaRPr lang="en-US" altLang="ko-KR" b="0" dirty="0">
+                <a:solidFill>
+                  <a:srgbClr val="D4D4D4"/>
+                </a:solidFill>
+                <a:effectLst/>
+                <a:latin typeface="Consolas" panose="020B0609020204030204" pitchFamily="49" charset="0"/>
+              </a:endParaRPr>
+            </a:p>
+          </p:txBody>
+        </p:sp>
+        <p:cxnSp>
+          <p:nvCxnSpPr>
+            <p:cNvPr id="6" name="연결선: 꺾임 5">
+              <a:extLst>
+                <a:ext uri="{FF2B5EF4-FFF2-40B4-BE49-F238E27FC236}">
+                  <a16:creationId xmlns:a16="http://schemas.microsoft.com/office/drawing/2014/main" id="{6264652F-D700-0277-1437-6706C652073E}"/>
+                </a:ext>
+              </a:extLst>
+            </p:cNvPr>
+            <p:cNvCxnSpPr>
+              <a:cxnSpLocks/>
+              <a:stCxn id="14" idx="3"/>
+              <a:endCxn id="3" idx="1"/>
+            </p:cNvCxnSpPr>
+            <p:nvPr/>
+          </p:nvCxnSpPr>
+          <p:spPr>
+            <a:xfrm flipV="1">
+              <a:off x="4878660" y="2084147"/>
+              <a:ext cx="2049119" cy="1091217"/>
+            </a:xfrm>
+            <a:prstGeom prst="bentConnector3">
+              <a:avLst/>
+            </a:prstGeom>
+            <a:ln w="19050">
+              <a:tailEnd type="triangle"/>
+            </a:ln>
+          </p:spPr>
+          <p:style>
+            <a:lnRef idx="1">
+              <a:schemeClr val="accent1"/>
+            </a:lnRef>
+            <a:fillRef idx="0">
+              <a:schemeClr val="accent1"/>
+            </a:fillRef>
+            <a:effectRef idx="0">
+              <a:schemeClr val="accent1"/>
+            </a:effectRef>
+            <a:fontRef idx="minor">
+              <a:schemeClr val="tx1"/>
+            </a:fontRef>
+          </p:style>
+        </p:cxnSp>
+        <p:cxnSp>
+          <p:nvCxnSpPr>
+            <p:cNvPr id="7" name="연결선: 꺾임 6">
+              <a:extLst>
+                <a:ext uri="{FF2B5EF4-FFF2-40B4-BE49-F238E27FC236}">
+                  <a16:creationId xmlns:a16="http://schemas.microsoft.com/office/drawing/2014/main" id="{8D5DDD01-3A49-8FE7-73B8-0CDF166ADAF7}"/>
+                </a:ext>
+              </a:extLst>
+            </p:cNvPr>
+            <p:cNvCxnSpPr>
+              <a:cxnSpLocks/>
+              <a:stCxn id="14" idx="3"/>
+              <a:endCxn id="5" idx="1"/>
+            </p:cNvCxnSpPr>
+            <p:nvPr/>
+          </p:nvCxnSpPr>
+          <p:spPr>
+            <a:xfrm>
+              <a:off x="4878660" y="3175364"/>
+              <a:ext cx="2049119" cy="1091215"/>
+            </a:xfrm>
+            <a:prstGeom prst="bentConnector3">
+              <a:avLst/>
+            </a:prstGeom>
+            <a:ln w="19050">
+              <a:tailEnd type="triangle"/>
+            </a:ln>
+          </p:spPr>
+          <p:style>
+            <a:lnRef idx="1">
+              <a:schemeClr val="accent1"/>
+            </a:lnRef>
+            <a:fillRef idx="0">
+              <a:schemeClr val="accent1"/>
+            </a:fillRef>
+            <a:effectRef idx="0">
+              <a:schemeClr val="accent1"/>
+            </a:effectRef>
+            <a:fontRef idx="minor">
+              <a:schemeClr val="tx1"/>
+            </a:fontRef>
+          </p:style>
+        </p:cxnSp>
+        <p:cxnSp>
+          <p:nvCxnSpPr>
+            <p:cNvPr id="8" name="직선 화살표 연결선 7">
+              <a:extLst>
+                <a:ext uri="{FF2B5EF4-FFF2-40B4-BE49-F238E27FC236}">
+                  <a16:creationId xmlns:a16="http://schemas.microsoft.com/office/drawing/2014/main" id="{52F13129-F259-26CC-88FC-A6C50C220170}"/>
+                </a:ext>
+              </a:extLst>
+            </p:cNvPr>
+            <p:cNvCxnSpPr>
+              <a:cxnSpLocks/>
+              <a:stCxn id="14" idx="3"/>
+              <a:endCxn id="4" idx="1"/>
+            </p:cNvCxnSpPr>
+            <p:nvPr/>
+          </p:nvCxnSpPr>
+          <p:spPr>
+            <a:xfrm flipV="1">
+              <a:off x="4878660" y="3175363"/>
+              <a:ext cx="2049119" cy="1"/>
+            </a:xfrm>
+            <a:prstGeom prst="straightConnector1">
+              <a:avLst/>
+            </a:prstGeom>
+            <a:ln w="19050">
+              <a:tailEnd type="triangle"/>
+            </a:ln>
+          </p:spPr>
+          <p:style>
+            <a:lnRef idx="1">
+              <a:schemeClr val="accent1"/>
+            </a:lnRef>
+            <a:fillRef idx="0">
+              <a:schemeClr val="accent1"/>
+            </a:fillRef>
+            <a:effectRef idx="0">
+              <a:schemeClr val="accent1"/>
+            </a:effectRef>
+            <a:fontRef idx="minor">
+              <a:schemeClr val="tx1"/>
+            </a:fontRef>
+          </p:style>
+        </p:cxnSp>
+        <p:sp>
+          <p:nvSpPr>
+            <p:cNvPr id="14" name="직사각형 13">
+              <a:extLst>
+                <a:ext uri="{FF2B5EF4-FFF2-40B4-BE49-F238E27FC236}">
+                  <a16:creationId xmlns:a16="http://schemas.microsoft.com/office/drawing/2014/main" id="{477010B9-C8DB-5CE7-A9F8-1AAF564A222F}"/>
+                </a:ext>
+              </a:extLst>
+            </p:cNvPr>
+            <p:cNvSpPr/>
+            <p:nvPr/>
+          </p:nvSpPr>
+          <p:spPr>
+            <a:xfrm>
+              <a:off x="3621312" y="2854240"/>
+              <a:ext cx="1257348" cy="642247"/>
+            </a:xfrm>
+            <a:prstGeom prst="rect">
+              <a:avLst/>
+            </a:prstGeom>
+            <a:solidFill>
+              <a:srgbClr val="00B050"/>
+            </a:solidFill>
+            <a:ln w="9525" cap="flat" cmpd="sng" algn="ctr">
+              <a:solidFill>
+                <a:schemeClr val="accent1"/>
+              </a:solidFill>
+              <a:prstDash val="solid"/>
+              <a:round/>
+              <a:headEnd type="none" w="med" len="med"/>
+              <a:tailEnd type="none" w="med" len="med"/>
+            </a:ln>
+          </p:spPr>
+          <p:style>
+            <a:lnRef idx="0">
+              <a:scrgbClr r="0" g="0" b="0"/>
+            </a:lnRef>
+            <a:fillRef idx="0">
+              <a:scrgbClr r="0" g="0" b="0"/>
+            </a:fillRef>
+            <a:effectRef idx="0">
+              <a:scrgbClr r="0" g="0" b="0"/>
+            </a:effectRef>
+            <a:fontRef idx="minor">
+              <a:schemeClr val="accent1"/>
+            </a:fontRef>
+          </p:style>
+          <p:txBody>
+            <a:bodyPr rtlCol="0" anchor="ctr"/>
+            <a:lstStyle/>
+            <a:p>
+              <a:pPr algn="ctr"/>
+              <a:r>
+                <a:rPr lang="en-US" altLang="ko-KR" sz="1400" b="1" dirty="0">
+                  <a:solidFill>
+                    <a:schemeClr val="bg1"/>
+                  </a:solidFill>
+                  <a:effectLst/>
+                  <a:latin typeface="Consolas" panose="020B0609020204030204" pitchFamily="49" charset="0"/>
+                </a:rPr>
+                <a:t>ReplicaSet</a:t>
+              </a:r>
+              <a:endParaRPr lang="en-US" altLang="ko-KR" sz="1400" b="0" dirty="0">
+                <a:solidFill>
+                  <a:srgbClr val="D4D4D4"/>
+                </a:solidFill>
+                <a:effectLst/>
+                <a:latin typeface="Consolas" panose="020B0609020204030204" pitchFamily="49" charset="0"/>
+              </a:endParaRPr>
+            </a:p>
+          </p:txBody>
+        </p:sp>
+        <p:sp>
+          <p:nvSpPr>
+            <p:cNvPr id="15" name="직사각형 14">
+              <a:extLst>
+                <a:ext uri="{FF2B5EF4-FFF2-40B4-BE49-F238E27FC236}">
+                  <a16:creationId xmlns:a16="http://schemas.microsoft.com/office/drawing/2014/main" id="{EC54E31D-BB03-E333-27D7-F8358FA68B44}"/>
+                </a:ext>
+              </a:extLst>
+            </p:cNvPr>
+            <p:cNvSpPr/>
+            <p:nvPr/>
+          </p:nvSpPr>
+          <p:spPr>
+            <a:xfrm>
+              <a:off x="3271805" y="4330502"/>
+              <a:ext cx="1956361" cy="642247"/>
+            </a:xfrm>
+            <a:prstGeom prst="rect">
+              <a:avLst/>
+            </a:prstGeom>
+            <a:solidFill>
+              <a:schemeClr val="tx2">
+                <a:lumMod val="75000"/>
+              </a:schemeClr>
+            </a:solidFill>
+            <a:ln w="9525" cap="flat" cmpd="sng" algn="ctr">
+              <a:solidFill>
+                <a:schemeClr val="bg2"/>
+              </a:solidFill>
+              <a:prstDash val="solid"/>
+              <a:round/>
+              <a:headEnd type="none" w="med" len="med"/>
+              <a:tailEnd type="none" w="med" len="med"/>
+            </a:ln>
+          </p:spPr>
+          <p:style>
+            <a:lnRef idx="0">
+              <a:scrgbClr r="0" g="0" b="0"/>
+            </a:lnRef>
+            <a:fillRef idx="0">
+              <a:scrgbClr r="0" g="0" b="0"/>
+            </a:fillRef>
+            <a:effectRef idx="0">
+              <a:scrgbClr r="0" g="0" b="0"/>
+            </a:effectRef>
+            <a:fontRef idx="minor">
+              <a:schemeClr val="accent1"/>
+            </a:fontRef>
+          </p:style>
+          <p:txBody>
+            <a:bodyPr rtlCol="0" anchor="ctr"/>
+            <a:lstStyle/>
+            <a:p>
+              <a:pPr algn="ctr"/>
+              <a:r>
+                <a:rPr lang="en-US" altLang="ko-KR" sz="1400" b="1" dirty="0">
+                  <a:solidFill>
+                    <a:schemeClr val="bg1"/>
+                  </a:solidFill>
+                  <a:effectLst/>
+                  <a:latin typeface="Consolas" panose="020B0609020204030204" pitchFamily="49" charset="0"/>
+                </a:rPr>
+                <a:t>Deployments</a:t>
+              </a:r>
+              <a:endParaRPr lang="en-US" altLang="ko-KR" sz="1400" b="0" dirty="0">
+                <a:solidFill>
+                  <a:srgbClr val="D4D4D4"/>
+                </a:solidFill>
+                <a:effectLst/>
+                <a:latin typeface="Consolas" panose="020B0609020204030204" pitchFamily="49" charset="0"/>
+              </a:endParaRPr>
+            </a:p>
+          </p:txBody>
+        </p:sp>
+        <p:cxnSp>
+          <p:nvCxnSpPr>
+            <p:cNvPr id="22" name="직선 화살표 연결선 21">
+              <a:extLst>
+                <a:ext uri="{FF2B5EF4-FFF2-40B4-BE49-F238E27FC236}">
+                  <a16:creationId xmlns:a16="http://schemas.microsoft.com/office/drawing/2014/main" id="{7036032C-E806-4B04-88EE-1FFE4EB879F9}"/>
+                </a:ext>
+              </a:extLst>
+            </p:cNvPr>
+            <p:cNvCxnSpPr>
+              <a:cxnSpLocks/>
+              <a:stCxn id="15" idx="0"/>
+              <a:endCxn id="14" idx="2"/>
+            </p:cNvCxnSpPr>
+            <p:nvPr/>
+          </p:nvCxnSpPr>
+          <p:spPr>
+            <a:xfrm flipV="1">
+              <a:off x="4249986" y="3496487"/>
+              <a:ext cx="0" cy="834015"/>
+            </a:xfrm>
+            <a:prstGeom prst="straightConnector1">
+              <a:avLst/>
+            </a:prstGeom>
+            <a:ln w="19050">
+              <a:tailEnd type="triangle"/>
+            </a:ln>
+          </p:spPr>
+          <p:style>
+            <a:lnRef idx="1">
+              <a:schemeClr val="accent1"/>
+            </a:lnRef>
+            <a:fillRef idx="0">
+              <a:schemeClr val="accent1"/>
+            </a:fillRef>
+            <a:effectRef idx="0">
+              <a:schemeClr val="accent1"/>
+            </a:effectRef>
+            <a:fontRef idx="minor">
+              <a:schemeClr val="tx1"/>
+            </a:fontRef>
+          </p:style>
+        </p:cxnSp>
+      </p:grpSp>
+    </p:spTree>
+    <p:extLst>
+      <p:ext uri="{BB962C8B-B14F-4D97-AF65-F5344CB8AC3E}">
+        <p14:creationId xmlns:p14="http://schemas.microsoft.com/office/powerpoint/2010/main" val="36848784"/>
+      </p:ext>
+    </p:extLst>
+  </p:cSld>
+  <p:clrMapOvr>
+    <a:masterClrMapping/>
+  </p:clrMapOvr>
+</p:sld>
+</file>
+
+<file path=ppt/slides/slide23.xml><?xml version="1.0" encoding="utf-8"?>
+<p:sld xmlns:a="http://schemas.openxmlformats.org/drawingml/2006/main" xmlns:r="http://schemas.openxmlformats.org/officeDocument/2006/relationships" xmlns:p="http://schemas.openxmlformats.org/presentationml/2006/main">
+  <p:cSld>
+    <p:spTree>
+      <p:nvGrpSpPr>
+        <p:cNvPr id="1" name=""/>
+        <p:cNvGrpSpPr/>
+        <p:nvPr/>
+      </p:nvGrpSpPr>
+      <p:grpSpPr>
+        <a:xfrm>
+          <a:off x="0" y="0"/>
+          <a:ext cx="0" cy="0"/>
+          <a:chOff x="0" y="0"/>
+          <a:chExt cx="0" cy="0"/>
+        </a:xfrm>
+      </p:grpSpPr>
+      <p:sp>
+        <p:nvSpPr>
+          <p:cNvPr id="2" name="TextBox 1">
+            <a:extLst>
+              <a:ext uri="{FF2B5EF4-FFF2-40B4-BE49-F238E27FC236}">
+                <a16:creationId xmlns:a16="http://schemas.microsoft.com/office/drawing/2014/main" id="{AF53483D-1A80-C107-D3AB-6901351F1D3F}"/>
+              </a:ext>
+            </a:extLst>
+          </p:cNvPr>
+          <p:cNvSpPr txBox="1"/>
+          <p:nvPr/>
+        </p:nvSpPr>
+        <p:spPr>
+          <a:xfrm>
+            <a:off x="10388600" y="6596390"/>
+            <a:ext cx="1803400" cy="261610"/>
+          </a:xfrm>
+          <a:prstGeom prst="rect">
+            <a:avLst/>
+          </a:prstGeom>
+          <a:noFill/>
+        </p:spPr>
+        <p:txBody>
+          <a:bodyPr wrap="square" rtlCol="0">
+            <a:spAutoFit/>
+          </a:bodyPr>
+          <a:lstStyle/>
+          <a:p>
+            <a:pPr algn="r"/>
+            <a:r>
+              <a:rPr lang="en-US" altLang="ko-KR" sz="1100" dirty="0"/>
+              <a:t>Kim0lil/80700</a:t>
+            </a:r>
+            <a:endParaRPr lang="ko-KR" altLang="en-US" sz="1100" dirty="0"/>
+          </a:p>
+        </p:txBody>
+      </p:sp>
+      <p:grpSp>
+        <p:nvGrpSpPr>
+          <p:cNvPr id="68" name="그룹 67">
+            <a:extLst>
+              <a:ext uri="{FF2B5EF4-FFF2-40B4-BE49-F238E27FC236}">
+                <a16:creationId xmlns:a16="http://schemas.microsoft.com/office/drawing/2014/main" id="{81B415CF-0811-5762-29AA-85E235ABE5AD}"/>
+              </a:ext>
+            </a:extLst>
+          </p:cNvPr>
+          <p:cNvGrpSpPr/>
+          <p:nvPr/>
+        </p:nvGrpSpPr>
+        <p:grpSpPr>
+          <a:xfrm>
+            <a:off x="2145738" y="1803810"/>
+            <a:ext cx="7462836" cy="3250380"/>
+            <a:chOff x="1366805" y="1783483"/>
+            <a:chExt cx="7462836" cy="3250380"/>
+          </a:xfrm>
+        </p:grpSpPr>
+        <p:grpSp>
+          <p:nvGrpSpPr>
+            <p:cNvPr id="28" name="그룹 27">
+              <a:extLst>
+                <a:ext uri="{FF2B5EF4-FFF2-40B4-BE49-F238E27FC236}">
+                  <a16:creationId xmlns:a16="http://schemas.microsoft.com/office/drawing/2014/main" id="{23995FAF-6371-D2C1-93A8-40057DBCD39A}"/>
+                </a:ext>
+              </a:extLst>
+            </p:cNvPr>
+            <p:cNvGrpSpPr/>
+            <p:nvPr/>
+          </p:nvGrpSpPr>
+          <p:grpSpPr>
+            <a:xfrm>
+              <a:off x="1366805" y="1824137"/>
+              <a:ext cx="4913322" cy="3209726"/>
+              <a:chOff x="3271805" y="1763023"/>
+              <a:chExt cx="4913322" cy="3209726"/>
+            </a:xfrm>
+          </p:grpSpPr>
+          <p:sp>
+            <p:nvSpPr>
+              <p:cNvPr id="3" name="직사각형 2">
+                <a:extLst>
+                  <a:ext uri="{FF2B5EF4-FFF2-40B4-BE49-F238E27FC236}">
+                    <a16:creationId xmlns:a16="http://schemas.microsoft.com/office/drawing/2014/main" id="{246BBB34-E5B4-8865-FC21-6AEDDC1702E2}"/>
+                  </a:ext>
+                </a:extLst>
+              </p:cNvPr>
+              <p:cNvSpPr/>
+              <p:nvPr/>
+            </p:nvSpPr>
+            <p:spPr>
+              <a:xfrm>
+                <a:off x="6927779" y="1763023"/>
+                <a:ext cx="1257348" cy="642247"/>
+              </a:xfrm>
+              <a:prstGeom prst="rect">
+                <a:avLst/>
+              </a:prstGeom>
+              <a:solidFill>
+                <a:schemeClr val="accent1">
+                  <a:lumMod val="75000"/>
+                </a:schemeClr>
+              </a:solidFill>
+              <a:ln w="9525" cap="flat" cmpd="sng" algn="ctr">
+                <a:solidFill>
+                  <a:schemeClr val="accent1"/>
+                </a:solidFill>
+                <a:prstDash val="solid"/>
+                <a:round/>
+                <a:headEnd type="none" w="med" len="med"/>
+                <a:tailEnd type="none" w="med" len="med"/>
+              </a:ln>
+            </p:spPr>
+            <p:style>
+              <a:lnRef idx="0">
+                <a:scrgbClr r="0" g="0" b="0"/>
+              </a:lnRef>
+              <a:fillRef idx="0">
+                <a:scrgbClr r="0" g="0" b="0"/>
+              </a:fillRef>
+              <a:effectRef idx="0">
+                <a:scrgbClr r="0" g="0" b="0"/>
+              </a:effectRef>
+              <a:fontRef idx="minor">
+                <a:schemeClr val="accent1"/>
+              </a:fontRef>
+            </p:style>
+            <p:txBody>
+              <a:bodyPr rtlCol="0" anchor="ctr"/>
+              <a:lstStyle/>
+              <a:p>
+                <a:pPr algn="ctr"/>
+                <a:r>
+                  <a:rPr lang="en-US" altLang="ko-KR" b="1" dirty="0">
+                    <a:solidFill>
+                      <a:schemeClr val="bg1"/>
+                    </a:solidFill>
+                    <a:effectLst/>
+                    <a:latin typeface="Consolas" panose="020B0609020204030204" pitchFamily="49" charset="0"/>
+                  </a:rPr>
+                  <a:t>Pod</a:t>
+                </a:r>
+                <a:endParaRPr lang="en-US" altLang="ko-KR" b="0" dirty="0">
+                  <a:solidFill>
+                    <a:srgbClr val="D4D4D4"/>
+                  </a:solidFill>
+                  <a:effectLst/>
+                  <a:latin typeface="Consolas" panose="020B0609020204030204" pitchFamily="49" charset="0"/>
+                </a:endParaRPr>
+              </a:p>
+            </p:txBody>
+          </p:sp>
+          <p:sp>
+            <p:nvSpPr>
+              <p:cNvPr id="4" name="직사각형 3">
+                <a:extLst>
+                  <a:ext uri="{FF2B5EF4-FFF2-40B4-BE49-F238E27FC236}">
+                    <a16:creationId xmlns:a16="http://schemas.microsoft.com/office/drawing/2014/main" id="{653758B3-1C86-18A1-6019-1666E31B50A7}"/>
+                  </a:ext>
+                </a:extLst>
+              </p:cNvPr>
+              <p:cNvSpPr/>
+              <p:nvPr/>
+            </p:nvSpPr>
+            <p:spPr>
+              <a:xfrm>
+                <a:off x="6927779" y="2854239"/>
+                <a:ext cx="1257348" cy="642247"/>
+              </a:xfrm>
+              <a:prstGeom prst="rect">
+                <a:avLst/>
+              </a:prstGeom>
+              <a:solidFill>
+                <a:schemeClr val="accent1">
+                  <a:lumMod val="75000"/>
+                </a:schemeClr>
+              </a:solidFill>
+              <a:ln w="9525" cap="flat" cmpd="sng" algn="ctr">
+                <a:solidFill>
+                  <a:schemeClr val="accent1"/>
+                </a:solidFill>
+                <a:prstDash val="solid"/>
+                <a:round/>
+                <a:headEnd type="none" w="med" len="med"/>
+                <a:tailEnd type="none" w="med" len="med"/>
+              </a:ln>
+            </p:spPr>
+            <p:style>
+              <a:lnRef idx="0">
+                <a:scrgbClr r="0" g="0" b="0"/>
+              </a:lnRef>
+              <a:fillRef idx="0">
+                <a:scrgbClr r="0" g="0" b="0"/>
+              </a:fillRef>
+              <a:effectRef idx="0">
+                <a:scrgbClr r="0" g="0" b="0"/>
+              </a:effectRef>
+              <a:fontRef idx="minor">
+                <a:schemeClr val="accent1"/>
+              </a:fontRef>
+            </p:style>
+            <p:txBody>
+              <a:bodyPr rtlCol="0" anchor="ctr"/>
+              <a:lstStyle/>
+              <a:p>
+                <a:pPr algn="ctr"/>
+                <a:r>
+                  <a:rPr lang="en-US" altLang="ko-KR" b="1" dirty="0">
+                    <a:solidFill>
+                      <a:schemeClr val="bg1"/>
+                    </a:solidFill>
+                    <a:effectLst/>
+                    <a:latin typeface="Consolas" panose="020B0609020204030204" pitchFamily="49" charset="0"/>
+                  </a:rPr>
+                  <a:t>Pod</a:t>
+                </a:r>
+                <a:endParaRPr lang="en-US" altLang="ko-KR" b="0" dirty="0">
+                  <a:solidFill>
+                    <a:srgbClr val="D4D4D4"/>
+                  </a:solidFill>
+                  <a:effectLst/>
+                  <a:latin typeface="Consolas" panose="020B0609020204030204" pitchFamily="49" charset="0"/>
+                </a:endParaRPr>
+              </a:p>
+            </p:txBody>
+          </p:sp>
+          <p:sp>
+            <p:nvSpPr>
+              <p:cNvPr id="5" name="직사각형 4">
+                <a:extLst>
+                  <a:ext uri="{FF2B5EF4-FFF2-40B4-BE49-F238E27FC236}">
+                    <a16:creationId xmlns:a16="http://schemas.microsoft.com/office/drawing/2014/main" id="{D38A5816-B7E7-A753-C91D-6D95B53D3EA7}"/>
+                  </a:ext>
+                </a:extLst>
+              </p:cNvPr>
+              <p:cNvSpPr/>
+              <p:nvPr/>
+            </p:nvSpPr>
+            <p:spPr>
+              <a:xfrm>
+                <a:off x="6927779" y="3945455"/>
+                <a:ext cx="1257348" cy="642247"/>
+              </a:xfrm>
+              <a:prstGeom prst="rect">
+                <a:avLst/>
+              </a:prstGeom>
+              <a:solidFill>
+                <a:schemeClr val="accent1">
+                  <a:lumMod val="75000"/>
+                </a:schemeClr>
+              </a:solidFill>
+              <a:ln w="9525" cap="flat" cmpd="sng" algn="ctr">
+                <a:solidFill>
+                  <a:schemeClr val="accent1"/>
+                </a:solidFill>
+                <a:prstDash val="solid"/>
+                <a:round/>
+                <a:headEnd type="none" w="med" len="med"/>
+                <a:tailEnd type="none" w="med" len="med"/>
+              </a:ln>
+            </p:spPr>
+            <p:style>
+              <a:lnRef idx="0">
+                <a:scrgbClr r="0" g="0" b="0"/>
+              </a:lnRef>
+              <a:fillRef idx="0">
+                <a:scrgbClr r="0" g="0" b="0"/>
+              </a:fillRef>
+              <a:effectRef idx="0">
+                <a:scrgbClr r="0" g="0" b="0"/>
+              </a:effectRef>
+              <a:fontRef idx="minor">
+                <a:schemeClr val="accent1"/>
+              </a:fontRef>
+            </p:style>
+            <p:txBody>
+              <a:bodyPr rtlCol="0" anchor="ctr"/>
+              <a:lstStyle/>
+              <a:p>
+                <a:pPr algn="ctr"/>
+                <a:r>
+                  <a:rPr lang="en-US" altLang="ko-KR" b="1" dirty="0">
+                    <a:solidFill>
+                      <a:schemeClr val="bg1"/>
+                    </a:solidFill>
+                    <a:effectLst/>
+                    <a:latin typeface="Consolas" panose="020B0609020204030204" pitchFamily="49" charset="0"/>
+                  </a:rPr>
+                  <a:t>Pod</a:t>
+                </a:r>
+                <a:endParaRPr lang="en-US" altLang="ko-KR" b="0" dirty="0">
+                  <a:solidFill>
+                    <a:srgbClr val="D4D4D4"/>
+                  </a:solidFill>
+                  <a:effectLst/>
+                  <a:latin typeface="Consolas" panose="020B0609020204030204" pitchFamily="49" charset="0"/>
+                </a:endParaRPr>
+              </a:p>
+            </p:txBody>
+          </p:sp>
+          <p:cxnSp>
+            <p:nvCxnSpPr>
+              <p:cNvPr id="6" name="연결선: 꺾임 5">
+                <a:extLst>
+                  <a:ext uri="{FF2B5EF4-FFF2-40B4-BE49-F238E27FC236}">
+                    <a16:creationId xmlns:a16="http://schemas.microsoft.com/office/drawing/2014/main" id="{6264652F-D700-0277-1437-6706C652073E}"/>
+                  </a:ext>
+                </a:extLst>
+              </p:cNvPr>
+              <p:cNvCxnSpPr>
+                <a:cxnSpLocks/>
+                <a:stCxn id="14" idx="3"/>
+                <a:endCxn id="3" idx="1"/>
+              </p:cNvCxnSpPr>
+              <p:nvPr/>
+            </p:nvCxnSpPr>
+            <p:spPr>
+              <a:xfrm flipV="1">
+                <a:off x="4878660" y="2084147"/>
+                <a:ext cx="2049119" cy="1091217"/>
+              </a:xfrm>
+              <a:prstGeom prst="bentConnector3">
+                <a:avLst/>
+              </a:prstGeom>
+              <a:ln w="19050">
+                <a:tailEnd type="triangle"/>
+              </a:ln>
+            </p:spPr>
+            <p:style>
+              <a:lnRef idx="1">
+                <a:schemeClr val="accent1"/>
+              </a:lnRef>
+              <a:fillRef idx="0">
+                <a:schemeClr val="accent1"/>
+              </a:fillRef>
+              <a:effectRef idx="0">
+                <a:schemeClr val="accent1"/>
+              </a:effectRef>
+              <a:fontRef idx="minor">
+                <a:schemeClr val="tx1"/>
+              </a:fontRef>
+            </p:style>
+          </p:cxnSp>
+          <p:cxnSp>
+            <p:nvCxnSpPr>
+              <p:cNvPr id="7" name="연결선: 꺾임 6">
+                <a:extLst>
+                  <a:ext uri="{FF2B5EF4-FFF2-40B4-BE49-F238E27FC236}">
+                    <a16:creationId xmlns:a16="http://schemas.microsoft.com/office/drawing/2014/main" id="{8D5DDD01-3A49-8FE7-73B8-0CDF166ADAF7}"/>
+                  </a:ext>
+                </a:extLst>
+              </p:cNvPr>
+              <p:cNvCxnSpPr>
+                <a:cxnSpLocks/>
+                <a:stCxn id="14" idx="3"/>
+                <a:endCxn id="5" idx="1"/>
+              </p:cNvCxnSpPr>
+              <p:nvPr/>
+            </p:nvCxnSpPr>
+            <p:spPr>
+              <a:xfrm>
+                <a:off x="4878660" y="3175364"/>
+                <a:ext cx="2049119" cy="1091215"/>
+              </a:xfrm>
+              <a:prstGeom prst="bentConnector3">
+                <a:avLst/>
+              </a:prstGeom>
+              <a:ln w="19050">
+                <a:tailEnd type="triangle"/>
+              </a:ln>
+            </p:spPr>
+            <p:style>
+              <a:lnRef idx="1">
+                <a:schemeClr val="accent1"/>
+              </a:lnRef>
+              <a:fillRef idx="0">
+                <a:schemeClr val="accent1"/>
+              </a:fillRef>
+              <a:effectRef idx="0">
+                <a:schemeClr val="accent1"/>
+              </a:effectRef>
+              <a:fontRef idx="minor">
+                <a:schemeClr val="tx1"/>
+              </a:fontRef>
+            </p:style>
+          </p:cxnSp>
+          <p:cxnSp>
+            <p:nvCxnSpPr>
+              <p:cNvPr id="8" name="직선 화살표 연결선 7">
+                <a:extLst>
+                  <a:ext uri="{FF2B5EF4-FFF2-40B4-BE49-F238E27FC236}">
+                    <a16:creationId xmlns:a16="http://schemas.microsoft.com/office/drawing/2014/main" id="{52F13129-F259-26CC-88FC-A6C50C220170}"/>
+                  </a:ext>
+                </a:extLst>
+              </p:cNvPr>
+              <p:cNvCxnSpPr>
+                <a:cxnSpLocks/>
+                <a:stCxn id="14" idx="3"/>
+                <a:endCxn id="4" idx="1"/>
+              </p:cNvCxnSpPr>
+              <p:nvPr/>
+            </p:nvCxnSpPr>
+            <p:spPr>
+              <a:xfrm flipV="1">
+                <a:off x="4878660" y="3175363"/>
+                <a:ext cx="2049119" cy="1"/>
+              </a:xfrm>
+              <a:prstGeom prst="straightConnector1">
+                <a:avLst/>
+              </a:prstGeom>
+              <a:ln w="19050">
+                <a:tailEnd type="triangle"/>
+              </a:ln>
+            </p:spPr>
+            <p:style>
+              <a:lnRef idx="1">
+                <a:schemeClr val="accent1"/>
+              </a:lnRef>
+              <a:fillRef idx="0">
+                <a:schemeClr val="accent1"/>
+              </a:fillRef>
+              <a:effectRef idx="0">
+                <a:schemeClr val="accent1"/>
+              </a:effectRef>
+              <a:fontRef idx="minor">
+                <a:schemeClr val="tx1"/>
+              </a:fontRef>
+            </p:style>
+          </p:cxnSp>
+          <p:sp>
+            <p:nvSpPr>
+              <p:cNvPr id="14" name="직사각형 13">
+                <a:extLst>
+                  <a:ext uri="{FF2B5EF4-FFF2-40B4-BE49-F238E27FC236}">
+                    <a16:creationId xmlns:a16="http://schemas.microsoft.com/office/drawing/2014/main" id="{477010B9-C8DB-5CE7-A9F8-1AAF564A222F}"/>
+                  </a:ext>
+                </a:extLst>
+              </p:cNvPr>
+              <p:cNvSpPr/>
+              <p:nvPr/>
+            </p:nvSpPr>
+            <p:spPr>
+              <a:xfrm>
+                <a:off x="3621312" y="2854240"/>
+                <a:ext cx="1257348" cy="642247"/>
+              </a:xfrm>
+              <a:prstGeom prst="rect">
+                <a:avLst/>
+              </a:prstGeom>
+              <a:solidFill>
+                <a:srgbClr val="00B050"/>
+              </a:solidFill>
+              <a:ln w="9525" cap="flat" cmpd="sng" algn="ctr">
+                <a:solidFill>
+                  <a:schemeClr val="accent1"/>
+                </a:solidFill>
+                <a:prstDash val="solid"/>
+                <a:round/>
+                <a:headEnd type="none" w="med" len="med"/>
+                <a:tailEnd type="none" w="med" len="med"/>
+              </a:ln>
+            </p:spPr>
+            <p:style>
+              <a:lnRef idx="0">
+                <a:scrgbClr r="0" g="0" b="0"/>
+              </a:lnRef>
+              <a:fillRef idx="0">
+                <a:scrgbClr r="0" g="0" b="0"/>
+              </a:fillRef>
+              <a:effectRef idx="0">
+                <a:scrgbClr r="0" g="0" b="0"/>
+              </a:effectRef>
+              <a:fontRef idx="minor">
+                <a:schemeClr val="accent1"/>
+              </a:fontRef>
+            </p:style>
+            <p:txBody>
+              <a:bodyPr rtlCol="0" anchor="ctr"/>
+              <a:lstStyle/>
+              <a:p>
+                <a:pPr algn="ctr"/>
+                <a:r>
+                  <a:rPr lang="en-US" altLang="ko-KR" sz="1400" b="1" dirty="0">
+                    <a:solidFill>
+                      <a:schemeClr val="bg1"/>
+                    </a:solidFill>
+                    <a:effectLst/>
+                    <a:latin typeface="Consolas" panose="020B0609020204030204" pitchFamily="49" charset="0"/>
+                  </a:rPr>
+                  <a:t>ReplicaSet</a:t>
+                </a:r>
+                <a:endParaRPr lang="en-US" altLang="ko-KR" sz="1400" b="0" dirty="0">
+                  <a:solidFill>
+                    <a:srgbClr val="D4D4D4"/>
+                  </a:solidFill>
+                  <a:effectLst/>
+                  <a:latin typeface="Consolas" panose="020B0609020204030204" pitchFamily="49" charset="0"/>
+                </a:endParaRPr>
+              </a:p>
+            </p:txBody>
+          </p:sp>
+          <p:sp>
+            <p:nvSpPr>
+              <p:cNvPr id="15" name="직사각형 14">
+                <a:extLst>
+                  <a:ext uri="{FF2B5EF4-FFF2-40B4-BE49-F238E27FC236}">
+                    <a16:creationId xmlns:a16="http://schemas.microsoft.com/office/drawing/2014/main" id="{EC54E31D-BB03-E333-27D7-F8358FA68B44}"/>
+                  </a:ext>
+                </a:extLst>
+              </p:cNvPr>
+              <p:cNvSpPr/>
+              <p:nvPr/>
+            </p:nvSpPr>
+            <p:spPr>
+              <a:xfrm>
+                <a:off x="3271805" y="4330502"/>
+                <a:ext cx="1956361" cy="642247"/>
+              </a:xfrm>
+              <a:prstGeom prst="rect">
+                <a:avLst/>
+              </a:prstGeom>
+              <a:solidFill>
+                <a:schemeClr val="tx2">
+                  <a:lumMod val="75000"/>
+                </a:schemeClr>
+              </a:solidFill>
+              <a:ln w="9525" cap="flat" cmpd="sng" algn="ctr">
+                <a:solidFill>
+                  <a:schemeClr val="bg2"/>
+                </a:solidFill>
+                <a:prstDash val="solid"/>
+                <a:round/>
+                <a:headEnd type="none" w="med" len="med"/>
+                <a:tailEnd type="none" w="med" len="med"/>
+              </a:ln>
+            </p:spPr>
+            <p:style>
+              <a:lnRef idx="0">
+                <a:scrgbClr r="0" g="0" b="0"/>
+              </a:lnRef>
+              <a:fillRef idx="0">
+                <a:scrgbClr r="0" g="0" b="0"/>
+              </a:fillRef>
+              <a:effectRef idx="0">
+                <a:scrgbClr r="0" g="0" b="0"/>
+              </a:effectRef>
+              <a:fontRef idx="minor">
+                <a:schemeClr val="accent1"/>
+              </a:fontRef>
+            </p:style>
+            <p:txBody>
+              <a:bodyPr rtlCol="0" anchor="ctr"/>
+              <a:lstStyle/>
+              <a:p>
+                <a:pPr algn="ctr"/>
+                <a:r>
+                  <a:rPr lang="en-US" altLang="ko-KR" sz="1400" b="1" dirty="0">
+                    <a:solidFill>
+                      <a:schemeClr val="bg1"/>
+                    </a:solidFill>
+                    <a:effectLst/>
+                    <a:latin typeface="Consolas" panose="020B0609020204030204" pitchFamily="49" charset="0"/>
+                  </a:rPr>
+                  <a:t>Deployments</a:t>
+                </a:r>
+                <a:endParaRPr lang="en-US" altLang="ko-KR" sz="1400" b="0" dirty="0">
+                  <a:solidFill>
+                    <a:srgbClr val="D4D4D4"/>
+                  </a:solidFill>
+                  <a:effectLst/>
+                  <a:latin typeface="Consolas" panose="020B0609020204030204" pitchFamily="49" charset="0"/>
+                </a:endParaRPr>
+              </a:p>
+            </p:txBody>
+          </p:sp>
+          <p:cxnSp>
+            <p:nvCxnSpPr>
+              <p:cNvPr id="22" name="직선 화살표 연결선 21">
+                <a:extLst>
+                  <a:ext uri="{FF2B5EF4-FFF2-40B4-BE49-F238E27FC236}">
+                    <a16:creationId xmlns:a16="http://schemas.microsoft.com/office/drawing/2014/main" id="{7036032C-E806-4B04-88EE-1FFE4EB879F9}"/>
+                  </a:ext>
+                </a:extLst>
+              </p:cNvPr>
+              <p:cNvCxnSpPr>
+                <a:cxnSpLocks/>
+                <a:stCxn id="15" idx="0"/>
+                <a:endCxn id="14" idx="2"/>
+              </p:cNvCxnSpPr>
+              <p:nvPr/>
+            </p:nvCxnSpPr>
+            <p:spPr>
+              <a:xfrm flipV="1">
+                <a:off x="4249986" y="3496487"/>
+                <a:ext cx="0" cy="834015"/>
+              </a:xfrm>
+              <a:prstGeom prst="straightConnector1">
+                <a:avLst/>
+              </a:prstGeom>
+              <a:ln w="19050">
+                <a:tailEnd type="triangle"/>
+              </a:ln>
+            </p:spPr>
+            <p:style>
+              <a:lnRef idx="1">
+                <a:schemeClr val="accent1"/>
+              </a:lnRef>
+              <a:fillRef idx="0">
+                <a:schemeClr val="accent1"/>
+              </a:fillRef>
+              <a:effectRef idx="0">
+                <a:schemeClr val="accent1"/>
+              </a:effectRef>
+              <a:fontRef idx="minor">
+                <a:schemeClr val="tx1"/>
+              </a:fontRef>
+            </p:style>
+          </p:cxnSp>
+        </p:grpSp>
+        <p:sp>
+          <p:nvSpPr>
+            <p:cNvPr id="9" name="원통형 8">
+              <a:extLst>
+                <a:ext uri="{FF2B5EF4-FFF2-40B4-BE49-F238E27FC236}">
+                  <a16:creationId xmlns:a16="http://schemas.microsoft.com/office/drawing/2014/main" id="{CCB4B58D-CBA9-F51D-EBEE-5341D768B1EF}"/>
+                </a:ext>
+              </a:extLst>
+            </p:cNvPr>
+            <p:cNvSpPr/>
+            <p:nvPr/>
+          </p:nvSpPr>
+          <p:spPr>
+            <a:xfrm>
+              <a:off x="7705850" y="1783483"/>
+              <a:ext cx="1123791" cy="858117"/>
+            </a:xfrm>
+            <a:prstGeom prst="can">
+              <a:avLst/>
+            </a:prstGeom>
+            <a:solidFill>
+              <a:schemeClr val="accent3">
+                <a:lumMod val="50000"/>
+              </a:schemeClr>
+            </a:solidFill>
+          </p:spPr>
+          <p:style>
+            <a:lnRef idx="2">
+              <a:schemeClr val="accent1">
+                <a:shade val="50000"/>
+              </a:schemeClr>
+            </a:lnRef>
+            <a:fillRef idx="1">
+              <a:schemeClr val="accent1"/>
+            </a:fillRef>
+            <a:effectRef idx="0">
+              <a:schemeClr val="accent1"/>
+            </a:effectRef>
+            <a:fontRef idx="minor">
+              <a:schemeClr val="lt1"/>
+            </a:fontRef>
+          </p:style>
+          <p:txBody>
+            <a:bodyPr rtlCol="0" anchor="ctr"/>
+            <a:lstStyle/>
+            <a:p>
+              <a:pPr algn="ctr"/>
+              <a:r>
+                <a:rPr lang="en-US" altLang="ko-KR" sz="1100" b="1" dirty="0">
+                  <a:latin typeface="Consolas" panose="020B0609020204030204" pitchFamily="49" charset="0"/>
+                </a:rPr>
+                <a:t>Persistent</a:t>
+              </a:r>
+              <a:br>
+                <a:rPr lang="en-US" altLang="ko-KR" sz="1100" b="1" dirty="0">
+                  <a:latin typeface="Consolas" panose="020B0609020204030204" pitchFamily="49" charset="0"/>
+                </a:rPr>
+              </a:br>
+              <a:r>
+                <a:rPr lang="en-US" altLang="ko-KR" sz="1100" b="1" dirty="0">
+                  <a:latin typeface="Consolas" panose="020B0609020204030204" pitchFamily="49" charset="0"/>
+                </a:rPr>
+                <a:t>Volume</a:t>
+              </a:r>
+              <a:endParaRPr lang="ko-KR" altLang="en-US" sz="1100" b="1" dirty="0">
+                <a:latin typeface="Consolas" panose="020B0609020204030204" pitchFamily="49" charset="0"/>
+              </a:endParaRPr>
+            </a:p>
+          </p:txBody>
+        </p:sp>
+        <p:sp>
+          <p:nvSpPr>
+            <p:cNvPr id="10" name="직사각형 9">
+              <a:extLst>
+                <a:ext uri="{FF2B5EF4-FFF2-40B4-BE49-F238E27FC236}">
+                  <a16:creationId xmlns:a16="http://schemas.microsoft.com/office/drawing/2014/main" id="{6B73682B-FEEA-5AEF-386D-38367F93CD9B}"/>
+                </a:ext>
+              </a:extLst>
+            </p:cNvPr>
+            <p:cNvSpPr/>
+            <p:nvPr/>
+          </p:nvSpPr>
+          <p:spPr>
+            <a:xfrm>
+              <a:off x="7010398" y="1948367"/>
+              <a:ext cx="827596" cy="393788"/>
+            </a:xfrm>
+            <a:prstGeom prst="rect">
+              <a:avLst/>
+            </a:prstGeom>
+            <a:ln>
+              <a:headEnd type="none" w="med" len="med"/>
+              <a:tailEnd type="none" w="med" len="med"/>
+            </a:ln>
+          </p:spPr>
+          <p:style>
+            <a:lnRef idx="2">
+              <a:schemeClr val="dk1"/>
+            </a:lnRef>
+            <a:fillRef idx="1">
+              <a:schemeClr val="lt1"/>
+            </a:fillRef>
+            <a:effectRef idx="0">
+              <a:schemeClr val="dk1"/>
+            </a:effectRef>
+            <a:fontRef idx="minor">
+              <a:schemeClr val="dk1"/>
+            </a:fontRef>
+          </p:style>
+          <p:txBody>
+            <a:bodyPr rtlCol="0" anchor="ctr"/>
+            <a:lstStyle/>
+            <a:p>
+              <a:pPr algn="ctr"/>
+              <a:r>
+                <a:rPr lang="en-US" altLang="ko-KR" sz="1050" b="1" dirty="0">
+                  <a:solidFill>
+                    <a:schemeClr val="tx1">
+                      <a:lumMod val="65000"/>
+                      <a:lumOff val="35000"/>
+                    </a:schemeClr>
+                  </a:solidFill>
+                  <a:effectLst/>
+                  <a:latin typeface="Consolas" panose="020B0609020204030204" pitchFamily="49" charset="0"/>
+                </a:rPr>
+                <a:t>/data1</a:t>
+              </a:r>
+              <a:endParaRPr lang="en-US" altLang="ko-KR" sz="1050" b="0" dirty="0">
+                <a:solidFill>
+                  <a:schemeClr val="tx1">
+                    <a:lumMod val="65000"/>
+                    <a:lumOff val="35000"/>
+                  </a:schemeClr>
+                </a:solidFill>
+                <a:effectLst/>
+                <a:latin typeface="Consolas" panose="020B0609020204030204" pitchFamily="49" charset="0"/>
+              </a:endParaRPr>
+            </a:p>
+          </p:txBody>
+        </p:sp>
+        <p:cxnSp>
+          <p:nvCxnSpPr>
+            <p:cNvPr id="47" name="직선 화살표 연결선 46">
+              <a:extLst>
+                <a:ext uri="{FF2B5EF4-FFF2-40B4-BE49-F238E27FC236}">
+                  <a16:creationId xmlns:a16="http://schemas.microsoft.com/office/drawing/2014/main" id="{E2FD9111-7889-BC59-42C0-566436513DCB}"/>
+                </a:ext>
+              </a:extLst>
+            </p:cNvPr>
+            <p:cNvCxnSpPr>
+              <a:cxnSpLocks/>
+              <a:stCxn id="3" idx="3"/>
+              <a:endCxn id="10" idx="1"/>
+            </p:cNvCxnSpPr>
+            <p:nvPr/>
+          </p:nvCxnSpPr>
+          <p:spPr>
+            <a:xfrm>
+              <a:off x="6280127" y="2145261"/>
+              <a:ext cx="730271" cy="0"/>
+            </a:xfrm>
+            <a:prstGeom prst="straightConnector1">
+              <a:avLst/>
+            </a:prstGeom>
+            <a:ln w="19050">
+              <a:tailEnd type="triangle"/>
+            </a:ln>
+          </p:spPr>
+          <p:style>
+            <a:lnRef idx="1">
+              <a:schemeClr val="accent1"/>
+            </a:lnRef>
+            <a:fillRef idx="0">
+              <a:schemeClr val="accent1"/>
+            </a:fillRef>
+            <a:effectRef idx="0">
+              <a:schemeClr val="accent1"/>
+            </a:effectRef>
+            <a:fontRef idx="minor">
+              <a:schemeClr val="tx1"/>
+            </a:fontRef>
+          </p:style>
+        </p:cxnSp>
+        <p:sp>
+          <p:nvSpPr>
+            <p:cNvPr id="55" name="원통형 54">
+              <a:extLst>
+                <a:ext uri="{FF2B5EF4-FFF2-40B4-BE49-F238E27FC236}">
+                  <a16:creationId xmlns:a16="http://schemas.microsoft.com/office/drawing/2014/main" id="{16C9E5F6-4115-44F0-92A9-534EBE082D3E}"/>
+                </a:ext>
+              </a:extLst>
+            </p:cNvPr>
+            <p:cNvSpPr/>
+            <p:nvPr/>
+          </p:nvSpPr>
+          <p:spPr>
+            <a:xfrm>
+              <a:off x="7665750" y="2871955"/>
+              <a:ext cx="1123791" cy="858117"/>
+            </a:xfrm>
+            <a:prstGeom prst="can">
+              <a:avLst/>
+            </a:prstGeom>
+            <a:solidFill>
+              <a:schemeClr val="accent3">
+                <a:lumMod val="50000"/>
+              </a:schemeClr>
+            </a:solidFill>
+          </p:spPr>
+          <p:style>
+            <a:lnRef idx="2">
+              <a:schemeClr val="accent1">
+                <a:shade val="50000"/>
+              </a:schemeClr>
+            </a:lnRef>
+            <a:fillRef idx="1">
+              <a:schemeClr val="accent1"/>
+            </a:fillRef>
+            <a:effectRef idx="0">
+              <a:schemeClr val="accent1"/>
+            </a:effectRef>
+            <a:fontRef idx="minor">
+              <a:schemeClr val="lt1"/>
+            </a:fontRef>
+          </p:style>
+          <p:txBody>
+            <a:bodyPr rtlCol="0" anchor="ctr"/>
+            <a:lstStyle/>
+            <a:p>
+              <a:pPr algn="ctr"/>
+              <a:r>
+                <a:rPr lang="en-US" altLang="ko-KR" sz="1100" b="1" dirty="0">
+                  <a:latin typeface="Consolas" panose="020B0609020204030204" pitchFamily="49" charset="0"/>
+                </a:rPr>
+                <a:t>Persistent</a:t>
+              </a:r>
+              <a:br>
+                <a:rPr lang="en-US" altLang="ko-KR" sz="1100" b="1" dirty="0">
+                  <a:latin typeface="Consolas" panose="020B0609020204030204" pitchFamily="49" charset="0"/>
+                </a:rPr>
+              </a:br>
+              <a:r>
+                <a:rPr lang="en-US" altLang="ko-KR" sz="1100" b="1" dirty="0">
+                  <a:latin typeface="Consolas" panose="020B0609020204030204" pitchFamily="49" charset="0"/>
+                </a:rPr>
+                <a:t>Volume</a:t>
+              </a:r>
+              <a:endParaRPr lang="ko-KR" altLang="en-US" sz="1100" b="1" dirty="0">
+                <a:latin typeface="Consolas" panose="020B0609020204030204" pitchFamily="49" charset="0"/>
+              </a:endParaRPr>
+            </a:p>
+          </p:txBody>
+        </p:sp>
+        <p:sp>
+          <p:nvSpPr>
+            <p:cNvPr id="56" name="직사각형 55">
+              <a:extLst>
+                <a:ext uri="{FF2B5EF4-FFF2-40B4-BE49-F238E27FC236}">
+                  <a16:creationId xmlns:a16="http://schemas.microsoft.com/office/drawing/2014/main" id="{4BE83726-C3AA-F235-8208-30764C107C84}"/>
+                </a:ext>
+              </a:extLst>
+            </p:cNvPr>
+            <p:cNvSpPr/>
+            <p:nvPr/>
+          </p:nvSpPr>
+          <p:spPr>
+            <a:xfrm>
+              <a:off x="6970298" y="3036839"/>
+              <a:ext cx="827596" cy="393788"/>
+            </a:xfrm>
+            <a:prstGeom prst="rect">
+              <a:avLst/>
+            </a:prstGeom>
+            <a:ln>
+              <a:headEnd type="none" w="med" len="med"/>
+              <a:tailEnd type="none" w="med" len="med"/>
+            </a:ln>
+          </p:spPr>
+          <p:style>
+            <a:lnRef idx="2">
+              <a:schemeClr val="dk1"/>
+            </a:lnRef>
+            <a:fillRef idx="1">
+              <a:schemeClr val="lt1"/>
+            </a:fillRef>
+            <a:effectRef idx="0">
+              <a:schemeClr val="dk1"/>
+            </a:effectRef>
+            <a:fontRef idx="minor">
+              <a:schemeClr val="dk1"/>
+            </a:fontRef>
+          </p:style>
+          <p:txBody>
+            <a:bodyPr rtlCol="0" anchor="ctr"/>
+            <a:lstStyle/>
+            <a:p>
+              <a:pPr algn="ctr"/>
+              <a:r>
+                <a:rPr lang="en-US" altLang="ko-KR" sz="1050" b="1" dirty="0">
+                  <a:solidFill>
+                    <a:schemeClr val="tx1">
+                      <a:lumMod val="65000"/>
+                      <a:lumOff val="35000"/>
+                    </a:schemeClr>
+                  </a:solidFill>
+                  <a:effectLst/>
+                  <a:latin typeface="Consolas" panose="020B0609020204030204" pitchFamily="49" charset="0"/>
+                </a:rPr>
+                <a:t>/data</a:t>
+              </a:r>
+              <a:endParaRPr lang="en-US" altLang="ko-KR" sz="1050" b="0" dirty="0">
+                <a:solidFill>
+                  <a:schemeClr val="tx1">
+                    <a:lumMod val="65000"/>
+                    <a:lumOff val="35000"/>
+                  </a:schemeClr>
+                </a:solidFill>
+                <a:effectLst/>
+                <a:latin typeface="Consolas" panose="020B0609020204030204" pitchFamily="49" charset="0"/>
+              </a:endParaRPr>
+            </a:p>
+          </p:txBody>
+        </p:sp>
+        <p:cxnSp>
+          <p:nvCxnSpPr>
+            <p:cNvPr id="57" name="직선 화살표 연결선 56">
+              <a:extLst>
+                <a:ext uri="{FF2B5EF4-FFF2-40B4-BE49-F238E27FC236}">
+                  <a16:creationId xmlns:a16="http://schemas.microsoft.com/office/drawing/2014/main" id="{75C16663-BC8C-C5BB-9578-774543A7AD9D}"/>
+                </a:ext>
+              </a:extLst>
+            </p:cNvPr>
+            <p:cNvCxnSpPr>
+              <a:cxnSpLocks/>
+              <a:stCxn id="4" idx="3"/>
+              <a:endCxn id="56" idx="1"/>
+            </p:cNvCxnSpPr>
+            <p:nvPr/>
+          </p:nvCxnSpPr>
+          <p:spPr>
+            <a:xfrm flipV="1">
+              <a:off x="6280127" y="3233733"/>
+              <a:ext cx="690171" cy="2744"/>
+            </a:xfrm>
+            <a:prstGeom prst="straightConnector1">
+              <a:avLst/>
+            </a:prstGeom>
+            <a:ln w="19050">
+              <a:tailEnd type="triangle"/>
+            </a:ln>
+          </p:spPr>
+          <p:style>
+            <a:lnRef idx="1">
+              <a:schemeClr val="accent1"/>
+            </a:lnRef>
+            <a:fillRef idx="0">
+              <a:schemeClr val="accent1"/>
+            </a:fillRef>
+            <a:effectRef idx="0">
+              <a:schemeClr val="accent1"/>
+            </a:effectRef>
+            <a:fontRef idx="minor">
+              <a:schemeClr val="tx1"/>
+            </a:fontRef>
+          </p:style>
+        </p:cxnSp>
+        <p:sp>
+          <p:nvSpPr>
+            <p:cNvPr id="63" name="원통형 62">
+              <a:extLst>
+                <a:ext uri="{FF2B5EF4-FFF2-40B4-BE49-F238E27FC236}">
+                  <a16:creationId xmlns:a16="http://schemas.microsoft.com/office/drawing/2014/main" id="{3988F040-147F-5F58-4438-25BC132A5627}"/>
+                </a:ext>
+              </a:extLst>
+            </p:cNvPr>
+            <p:cNvSpPr/>
+            <p:nvPr/>
+          </p:nvSpPr>
+          <p:spPr>
+            <a:xfrm>
+              <a:off x="7665750" y="3966722"/>
+              <a:ext cx="1123791" cy="858117"/>
+            </a:xfrm>
+            <a:prstGeom prst="can">
+              <a:avLst/>
+            </a:prstGeom>
+            <a:solidFill>
+              <a:schemeClr val="accent3">
+                <a:lumMod val="50000"/>
+              </a:schemeClr>
+            </a:solidFill>
+          </p:spPr>
+          <p:style>
+            <a:lnRef idx="2">
+              <a:schemeClr val="accent1">
+                <a:shade val="50000"/>
+              </a:schemeClr>
+            </a:lnRef>
+            <a:fillRef idx="1">
+              <a:schemeClr val="accent1"/>
+            </a:fillRef>
+            <a:effectRef idx="0">
+              <a:schemeClr val="accent1"/>
+            </a:effectRef>
+            <a:fontRef idx="minor">
+              <a:schemeClr val="lt1"/>
+            </a:fontRef>
+          </p:style>
+          <p:txBody>
+            <a:bodyPr rtlCol="0" anchor="ctr"/>
+            <a:lstStyle/>
+            <a:p>
+              <a:pPr algn="ctr"/>
+              <a:r>
+                <a:rPr lang="en-US" altLang="ko-KR" sz="1100" b="1" dirty="0">
+                  <a:latin typeface="Consolas" panose="020B0609020204030204" pitchFamily="49" charset="0"/>
+                </a:rPr>
+                <a:t>Persistent</a:t>
+              </a:r>
+              <a:br>
+                <a:rPr lang="en-US" altLang="ko-KR" sz="1100" b="1" dirty="0">
+                  <a:latin typeface="Consolas" panose="020B0609020204030204" pitchFamily="49" charset="0"/>
+                </a:rPr>
+              </a:br>
+              <a:r>
+                <a:rPr lang="en-US" altLang="ko-KR" sz="1100" b="1" dirty="0">
+                  <a:latin typeface="Consolas" panose="020B0609020204030204" pitchFamily="49" charset="0"/>
+                </a:rPr>
+                <a:t>Volume</a:t>
+              </a:r>
+              <a:endParaRPr lang="ko-KR" altLang="en-US" sz="1100" b="1" dirty="0">
+                <a:latin typeface="Consolas" panose="020B0609020204030204" pitchFamily="49" charset="0"/>
+              </a:endParaRPr>
+            </a:p>
+          </p:txBody>
+        </p:sp>
+        <p:sp>
+          <p:nvSpPr>
+            <p:cNvPr id="64" name="직사각형 63">
+              <a:extLst>
+                <a:ext uri="{FF2B5EF4-FFF2-40B4-BE49-F238E27FC236}">
+                  <a16:creationId xmlns:a16="http://schemas.microsoft.com/office/drawing/2014/main" id="{56649CD0-8788-5C36-216F-99B4D600FDCF}"/>
+                </a:ext>
+              </a:extLst>
+            </p:cNvPr>
+            <p:cNvSpPr/>
+            <p:nvPr/>
+          </p:nvSpPr>
+          <p:spPr>
+            <a:xfrm>
+              <a:off x="6970298" y="4131606"/>
+              <a:ext cx="827596" cy="393788"/>
+            </a:xfrm>
+            <a:prstGeom prst="rect">
+              <a:avLst/>
+            </a:prstGeom>
+            <a:ln>
+              <a:headEnd type="none" w="med" len="med"/>
+              <a:tailEnd type="none" w="med" len="med"/>
+            </a:ln>
+          </p:spPr>
+          <p:style>
+            <a:lnRef idx="2">
+              <a:schemeClr val="dk1"/>
+            </a:lnRef>
+            <a:fillRef idx="1">
+              <a:schemeClr val="lt1"/>
+            </a:fillRef>
+            <a:effectRef idx="0">
+              <a:schemeClr val="dk1"/>
+            </a:effectRef>
+            <a:fontRef idx="minor">
+              <a:schemeClr val="dk1"/>
+            </a:fontRef>
+          </p:style>
+          <p:txBody>
+            <a:bodyPr rtlCol="0" anchor="ctr"/>
+            <a:lstStyle/>
+            <a:p>
+              <a:pPr algn="ctr"/>
+              <a:r>
+                <a:rPr lang="en-US" altLang="ko-KR" sz="1050" b="1" dirty="0">
+                  <a:solidFill>
+                    <a:schemeClr val="tx1">
+                      <a:lumMod val="65000"/>
+                      <a:lumOff val="35000"/>
+                    </a:schemeClr>
+                  </a:solidFill>
+                  <a:effectLst/>
+                  <a:latin typeface="Consolas" panose="020B0609020204030204" pitchFamily="49" charset="0"/>
+                </a:rPr>
+                <a:t>/data</a:t>
+              </a:r>
+              <a:endParaRPr lang="en-US" altLang="ko-KR" sz="1050" b="0" dirty="0">
+                <a:solidFill>
+                  <a:schemeClr val="tx1">
+                    <a:lumMod val="65000"/>
+                    <a:lumOff val="35000"/>
+                  </a:schemeClr>
+                </a:solidFill>
+                <a:effectLst/>
+                <a:latin typeface="Consolas" panose="020B0609020204030204" pitchFamily="49" charset="0"/>
+              </a:endParaRPr>
+            </a:p>
+          </p:txBody>
+        </p:sp>
+        <p:cxnSp>
+          <p:nvCxnSpPr>
+            <p:cNvPr id="65" name="직선 화살표 연결선 64">
+              <a:extLst>
+                <a:ext uri="{FF2B5EF4-FFF2-40B4-BE49-F238E27FC236}">
+                  <a16:creationId xmlns:a16="http://schemas.microsoft.com/office/drawing/2014/main" id="{2A432E8D-3E02-9787-EDED-03502FC9C804}"/>
+                </a:ext>
+              </a:extLst>
+            </p:cNvPr>
+            <p:cNvCxnSpPr>
+              <a:cxnSpLocks/>
+              <a:stCxn id="5" idx="3"/>
+              <a:endCxn id="64" idx="1"/>
+            </p:cNvCxnSpPr>
+            <p:nvPr/>
+          </p:nvCxnSpPr>
+          <p:spPr>
+            <a:xfrm>
+              <a:off x="6280127" y="4327693"/>
+              <a:ext cx="690171" cy="807"/>
+            </a:xfrm>
+            <a:prstGeom prst="straightConnector1">
+              <a:avLst/>
+            </a:prstGeom>
+            <a:ln w="19050">
+              <a:tailEnd type="triangle"/>
+            </a:ln>
+          </p:spPr>
+          <p:style>
+            <a:lnRef idx="1">
+              <a:schemeClr val="accent1"/>
+            </a:lnRef>
+            <a:fillRef idx="0">
+              <a:schemeClr val="accent1"/>
+            </a:fillRef>
+            <a:effectRef idx="0">
+              <a:schemeClr val="accent1"/>
+            </a:effectRef>
+            <a:fontRef idx="minor">
+              <a:schemeClr val="tx1"/>
+            </a:fontRef>
+          </p:style>
+        </p:cxnSp>
+      </p:grpSp>
+    </p:spTree>
+    <p:extLst>
+      <p:ext uri="{BB962C8B-B14F-4D97-AF65-F5344CB8AC3E}">
+        <p14:creationId xmlns:p14="http://schemas.microsoft.com/office/powerpoint/2010/main" val="57906523"/>
+      </p:ext>
+    </p:extLst>
+  </p:cSld>
+  <p:clrMapOvr>
+    <a:masterClrMapping/>
+  </p:clrMapOvr>
+</p:sld>
+</file>
+
+<file path=ppt/slides/slide24.xml><?xml version="1.0" encoding="utf-8"?>
+<p:sld xmlns:a="http://schemas.openxmlformats.org/drawingml/2006/main" xmlns:r="http://schemas.openxmlformats.org/officeDocument/2006/relationships" xmlns:p="http://schemas.openxmlformats.org/presentationml/2006/main">
+  <p:cSld>
+    <p:spTree>
+      <p:nvGrpSpPr>
+        <p:cNvPr id="1" name=""/>
+        <p:cNvGrpSpPr/>
+        <p:nvPr/>
+      </p:nvGrpSpPr>
+      <p:grpSpPr>
+        <a:xfrm>
+          <a:off x="0" y="0"/>
+          <a:ext cx="0" cy="0"/>
+          <a:chOff x="0" y="0"/>
+          <a:chExt cx="0" cy="0"/>
+        </a:xfrm>
+      </p:grpSpPr>
+      <p:sp>
+        <p:nvSpPr>
+          <p:cNvPr id="2" name="TextBox 1">
+            <a:extLst>
+              <a:ext uri="{FF2B5EF4-FFF2-40B4-BE49-F238E27FC236}">
+                <a16:creationId xmlns:a16="http://schemas.microsoft.com/office/drawing/2014/main" id="{AF53483D-1A80-C107-D3AB-6901351F1D3F}"/>
+              </a:ext>
+            </a:extLst>
+          </p:cNvPr>
+          <p:cNvSpPr txBox="1"/>
+          <p:nvPr/>
+        </p:nvSpPr>
+        <p:spPr>
+          <a:xfrm>
+            <a:off x="10388600" y="6596390"/>
+            <a:ext cx="1803400" cy="261610"/>
+          </a:xfrm>
+          <a:prstGeom prst="rect">
+            <a:avLst/>
+          </a:prstGeom>
+          <a:noFill/>
+        </p:spPr>
+        <p:txBody>
+          <a:bodyPr wrap="square" rtlCol="0">
+            <a:spAutoFit/>
+          </a:bodyPr>
+          <a:lstStyle/>
+          <a:p>
+            <a:pPr algn="r"/>
+            <a:r>
+              <a:rPr lang="en-US" altLang="ko-KR" sz="1100" dirty="0"/>
+              <a:t>Kim0lil/80700</a:t>
+            </a:r>
+            <a:endParaRPr lang="ko-KR" altLang="en-US" sz="1100" dirty="0"/>
+          </a:p>
+        </p:txBody>
+      </p:sp>
+      <p:grpSp>
+        <p:nvGrpSpPr>
           <p:cNvPr id="305" name="그룹 304">
             <a:extLst>
               <a:ext uri="{FF2B5EF4-FFF2-40B4-BE49-F238E27FC236}">
@@ -32287,7 +34829,7 @@
     </p:spTree>
     <p:extLst>
       <p:ext uri="{BB962C8B-B14F-4D97-AF65-F5344CB8AC3E}">
-        <p14:creationId xmlns:p14="http://schemas.microsoft.com/office/powerpoint/2010/main" val="116812515"/>
+        <p14:creationId xmlns:p14="http://schemas.microsoft.com/office/powerpoint/2010/main" val="51055616"/>
       </p:ext>
     </p:extLst>
   </p:cSld>
@@ -32297,7 +34839,7 @@
 </p:sld>
 </file>
 
-<file path=ppt/slides/slide22.xml><?xml version="1.0" encoding="utf-8"?>
+<file path=ppt/slides/slide25.xml><?xml version="1.0" encoding="utf-8"?>
 <p:sld xmlns:a="http://schemas.openxmlformats.org/drawingml/2006/main" xmlns:r="http://schemas.openxmlformats.org/officeDocument/2006/relationships" xmlns:p="http://schemas.openxmlformats.org/presentationml/2006/main">
   <p:cSld>
     <p:spTree>
@@ -32842,7 +35384,7 @@
 </p:sld>
 </file>
 
-<file path=ppt/slides/slide23.xml><?xml version="1.0" encoding="utf-8"?>
+<file path=ppt/slides/slide26.xml><?xml version="1.0" encoding="utf-8"?>
 <p:sld xmlns:a="http://schemas.openxmlformats.org/drawingml/2006/main" xmlns:r="http://schemas.openxmlformats.org/officeDocument/2006/relationships" xmlns:p="http://schemas.openxmlformats.org/presentationml/2006/main">
   <p:cSld>
     <p:spTree>
@@ -33355,7 +35897,7 @@
 </p:sld>
 </file>
 
-<file path=ppt/slides/slide24.xml><?xml version="1.0" encoding="utf-8"?>
+<file path=ppt/slides/slide27.xml><?xml version="1.0" encoding="utf-8"?>
 <p:sld xmlns:a="http://schemas.openxmlformats.org/drawingml/2006/main" xmlns:r="http://schemas.openxmlformats.org/officeDocument/2006/relationships" xmlns:p="http://schemas.openxmlformats.org/presentationml/2006/main">
   <p:cSld>
     <p:spTree>
@@ -33975,7 +36517,7 @@
 </p:sld>
 </file>
 
-<file path=ppt/slides/slide25.xml><?xml version="1.0" encoding="utf-8"?>
+<file path=ppt/slides/slide28.xml><?xml version="1.0" encoding="utf-8"?>
 <p:sld xmlns:a="http://schemas.openxmlformats.org/drawingml/2006/main" xmlns:r="http://schemas.openxmlformats.org/officeDocument/2006/relationships" xmlns:p="http://schemas.openxmlformats.org/presentationml/2006/main">
   <p:cSld>
     <p:spTree>
@@ -34726,7 +37268,7 @@
 </p:sld>
 </file>
 
-<file path=ppt/slides/slide26.xml><?xml version="1.0" encoding="utf-8"?>
+<file path=ppt/slides/slide29.xml><?xml version="1.0" encoding="utf-8"?>
 <p:sld xmlns:a="http://schemas.openxmlformats.org/drawingml/2006/main" xmlns:r="http://schemas.openxmlformats.org/officeDocument/2006/relationships" xmlns:p="http://schemas.openxmlformats.org/presentationml/2006/main">
   <p:cSld>
     <p:spTree>
@@ -35686,7 +38228,264 @@
 </p:sld>
 </file>
 
-<file path=ppt/slides/slide27.xml><?xml version="1.0" encoding="utf-8"?>
+<file path=ppt/slides/slide3.xml><?xml version="1.0" encoding="utf-8"?>
+<p:sld xmlns:a="http://schemas.openxmlformats.org/drawingml/2006/main" xmlns:r="http://schemas.openxmlformats.org/officeDocument/2006/relationships" xmlns:p="http://schemas.openxmlformats.org/presentationml/2006/main">
+  <p:cSld>
+    <p:spTree>
+      <p:nvGrpSpPr>
+        <p:cNvPr id="1" name=""/>
+        <p:cNvGrpSpPr/>
+        <p:nvPr/>
+      </p:nvGrpSpPr>
+      <p:grpSpPr>
+        <a:xfrm>
+          <a:off x="0" y="0"/>
+          <a:ext cx="0" cy="0"/>
+          <a:chOff x="0" y="0"/>
+          <a:chExt cx="0" cy="0"/>
+        </a:xfrm>
+      </p:grpSpPr>
+      <p:grpSp>
+        <p:nvGrpSpPr>
+          <p:cNvPr id="9" name="그룹 8">
+            <a:extLst>
+              <a:ext uri="{FF2B5EF4-FFF2-40B4-BE49-F238E27FC236}">
+                <a16:creationId xmlns:a16="http://schemas.microsoft.com/office/drawing/2014/main" id="{9B226724-EB2F-FD41-A548-9F9A468CC5CB}"/>
+              </a:ext>
+            </a:extLst>
+          </p:cNvPr>
+          <p:cNvGrpSpPr/>
+          <p:nvPr/>
+        </p:nvGrpSpPr>
+        <p:grpSpPr>
+          <a:xfrm>
+            <a:off x="520700" y="419100"/>
+            <a:ext cx="3911600" cy="2679700"/>
+            <a:chOff x="1409700" y="609600"/>
+            <a:chExt cx="3911600" cy="2679700"/>
+          </a:xfrm>
+        </p:grpSpPr>
+        <p:sp>
+          <p:nvSpPr>
+            <p:cNvPr id="5" name="정육면체 4">
+              <a:extLst>
+                <a:ext uri="{FF2B5EF4-FFF2-40B4-BE49-F238E27FC236}">
+                  <a16:creationId xmlns:a16="http://schemas.microsoft.com/office/drawing/2014/main" id="{697062A1-A3DE-B5F2-C172-55070594AB5D}"/>
+                </a:ext>
+              </a:extLst>
+            </p:cNvPr>
+            <p:cNvSpPr/>
+            <p:nvPr/>
+          </p:nvSpPr>
+          <p:spPr>
+            <a:xfrm>
+              <a:off x="1409700" y="609600"/>
+              <a:ext cx="3911600" cy="2679700"/>
+            </a:xfrm>
+            <a:prstGeom prst="cube">
+              <a:avLst>
+                <a:gd name="adj" fmla="val 8886"/>
+              </a:avLst>
+            </a:prstGeom>
+          </p:spPr>
+          <p:style>
+            <a:lnRef idx="2">
+              <a:schemeClr val="accent2">
+                <a:shade val="50000"/>
+              </a:schemeClr>
+            </a:lnRef>
+            <a:fillRef idx="1">
+              <a:schemeClr val="accent2"/>
+            </a:fillRef>
+            <a:effectRef idx="0">
+              <a:schemeClr val="accent2"/>
+            </a:effectRef>
+            <a:fontRef idx="minor">
+              <a:schemeClr val="lt1"/>
+            </a:fontRef>
+          </p:style>
+          <p:txBody>
+            <a:bodyPr rtlCol="0" anchor="ctr"/>
+            <a:lstStyle/>
+            <a:p>
+              <a:pPr algn="ctr"/>
+              <a:r>
+                <a:rPr lang="ko-KR" altLang="en-US" dirty="0"/>
+                <a:t>파드</a:t>
+              </a:r>
+              <a:r>
+                <a:rPr lang="en-US" altLang="ko-KR" dirty="0"/>
+                <a:t>-1</a:t>
+              </a:r>
+            </a:p>
+          </p:txBody>
+        </p:sp>
+        <p:sp>
+          <p:nvSpPr>
+            <p:cNvPr id="7" name="정육면체 6">
+              <a:extLst>
+                <a:ext uri="{FF2B5EF4-FFF2-40B4-BE49-F238E27FC236}">
+                  <a16:creationId xmlns:a16="http://schemas.microsoft.com/office/drawing/2014/main" id="{CCF53C4F-9A02-2361-C74F-8A52F813C8A9}"/>
+                </a:ext>
+              </a:extLst>
+            </p:cNvPr>
+            <p:cNvSpPr/>
+            <p:nvPr/>
+          </p:nvSpPr>
+          <p:spPr>
+            <a:xfrm>
+              <a:off x="1714500" y="2438400"/>
+              <a:ext cx="3098800" cy="635000"/>
+            </a:xfrm>
+            <a:prstGeom prst="cube">
+              <a:avLst>
+                <a:gd name="adj" fmla="val 21007"/>
+              </a:avLst>
+            </a:prstGeom>
+          </p:spPr>
+          <p:style>
+            <a:lnRef idx="3">
+              <a:schemeClr val="lt1"/>
+            </a:lnRef>
+            <a:fillRef idx="1">
+              <a:schemeClr val="accent1"/>
+            </a:fillRef>
+            <a:effectRef idx="1">
+              <a:schemeClr val="accent1"/>
+            </a:effectRef>
+            <a:fontRef idx="minor">
+              <a:schemeClr val="lt1"/>
+            </a:fontRef>
+          </p:style>
+          <p:txBody>
+            <a:bodyPr rtlCol="0" anchor="ctr"/>
+            <a:lstStyle/>
+            <a:p>
+              <a:pPr algn="ctr"/>
+              <a:r>
+                <a:rPr lang="ko-KR" altLang="en-US" sz="1200" dirty="0"/>
+                <a:t>컨테이너</a:t>
+              </a:r>
+              <a:r>
+                <a:rPr lang="en-US" altLang="ko-KR" sz="1200" dirty="0"/>
+                <a:t>-2 ( flask</a:t>
+              </a:r>
+              <a:r>
+                <a:rPr lang="ko-KR" altLang="en-US" sz="1200" dirty="0"/>
+                <a:t> </a:t>
+              </a:r>
+              <a:r>
+                <a:rPr lang="en-US" altLang="ko-KR" sz="1200" dirty="0"/>
+                <a:t>)</a:t>
+              </a:r>
+            </a:p>
+          </p:txBody>
+        </p:sp>
+        <p:sp>
+          <p:nvSpPr>
+            <p:cNvPr id="8" name="정육면체 7">
+              <a:extLst>
+                <a:ext uri="{FF2B5EF4-FFF2-40B4-BE49-F238E27FC236}">
+                  <a16:creationId xmlns:a16="http://schemas.microsoft.com/office/drawing/2014/main" id="{25D1C46B-888F-F201-D909-6559E5B180C1}"/>
+                </a:ext>
+              </a:extLst>
+            </p:cNvPr>
+            <p:cNvSpPr/>
+            <p:nvPr/>
+          </p:nvSpPr>
+          <p:spPr>
+            <a:xfrm>
+              <a:off x="1714500" y="1054100"/>
+              <a:ext cx="3098800" cy="635000"/>
+            </a:xfrm>
+            <a:prstGeom prst="cube">
+              <a:avLst>
+                <a:gd name="adj" fmla="val 21007"/>
+              </a:avLst>
+            </a:prstGeom>
+          </p:spPr>
+          <p:style>
+            <a:lnRef idx="3">
+              <a:schemeClr val="lt1"/>
+            </a:lnRef>
+            <a:fillRef idx="1">
+              <a:schemeClr val="accent1"/>
+            </a:fillRef>
+            <a:effectRef idx="1">
+              <a:schemeClr val="accent1"/>
+            </a:effectRef>
+            <a:fontRef idx="minor">
+              <a:schemeClr val="lt1"/>
+            </a:fontRef>
+          </p:style>
+          <p:txBody>
+            <a:bodyPr rtlCol="0" anchor="ctr"/>
+            <a:lstStyle/>
+            <a:p>
+              <a:pPr algn="ctr"/>
+              <a:r>
+                <a:rPr lang="ko-KR" altLang="en-US" sz="1200" dirty="0"/>
+                <a:t>컨테이너</a:t>
+              </a:r>
+              <a:r>
+                <a:rPr lang="en-US" altLang="ko-KR" sz="1200" dirty="0"/>
+                <a:t>-1 ( node )</a:t>
+              </a:r>
+            </a:p>
+          </p:txBody>
+        </p:sp>
+      </p:grpSp>
+      <p:sp>
+        <p:nvSpPr>
+          <p:cNvPr id="11" name="TextBox 10">
+            <a:extLst>
+              <a:ext uri="{FF2B5EF4-FFF2-40B4-BE49-F238E27FC236}">
+                <a16:creationId xmlns:a16="http://schemas.microsoft.com/office/drawing/2014/main" id="{3B2253F3-89D2-DFA6-346A-73B197567951}"/>
+              </a:ext>
+            </a:extLst>
+          </p:cNvPr>
+          <p:cNvSpPr txBox="1"/>
+          <p:nvPr/>
+        </p:nvSpPr>
+        <p:spPr>
+          <a:xfrm>
+            <a:off x="10388600" y="6596390"/>
+            <a:ext cx="1803400" cy="261610"/>
+          </a:xfrm>
+          <a:prstGeom prst="rect">
+            <a:avLst/>
+          </a:prstGeom>
+          <a:noFill/>
+        </p:spPr>
+        <p:txBody>
+          <a:bodyPr wrap="square" rtlCol="0">
+            <a:spAutoFit/>
+          </a:bodyPr>
+          <a:lstStyle/>
+          <a:p>
+            <a:pPr algn="r"/>
+            <a:r>
+              <a:rPr lang="en-US" altLang="ko-KR" sz="1100" dirty="0"/>
+              <a:t>Kim0lil/80700</a:t>
+            </a:r>
+            <a:endParaRPr lang="ko-KR" altLang="en-US" sz="1100" dirty="0"/>
+          </a:p>
+        </p:txBody>
+      </p:sp>
+    </p:spTree>
+    <p:extLst>
+      <p:ext uri="{BB962C8B-B14F-4D97-AF65-F5344CB8AC3E}">
+        <p14:creationId xmlns:p14="http://schemas.microsoft.com/office/powerpoint/2010/main" val="341249016"/>
+      </p:ext>
+    </p:extLst>
+  </p:cSld>
+  <p:clrMapOvr>
+    <a:masterClrMapping/>
+  </p:clrMapOvr>
+</p:sld>
+</file>
+
+<file path=ppt/slides/slide30.xml><?xml version="1.0" encoding="utf-8"?>
 <p:sld xmlns:a="http://schemas.openxmlformats.org/drawingml/2006/main" xmlns:r="http://schemas.openxmlformats.org/officeDocument/2006/relationships" xmlns:p="http://schemas.openxmlformats.org/presentationml/2006/main">
   <p:cSld>
     <p:spTree>
@@ -36169,7 +38968,7 @@
 </p:sld>
 </file>
 
-<file path=ppt/slides/slide28.xml><?xml version="1.0" encoding="utf-8"?>
+<file path=ppt/slides/slide31.xml><?xml version="1.0" encoding="utf-8"?>
 <p:sld xmlns:a="http://schemas.openxmlformats.org/drawingml/2006/main" xmlns:r="http://schemas.openxmlformats.org/officeDocument/2006/relationships" xmlns:p="http://schemas.openxmlformats.org/presentationml/2006/main">
   <p:cSld>
     <p:spTree>
@@ -37028,7 +39827,7 @@
 </p:sld>
 </file>
 
-<file path=ppt/slides/slide3.xml><?xml version="1.0" encoding="utf-8"?>
+<file path=ppt/slides/slide32.xml><?xml version="1.0" encoding="utf-8"?>
 <p:sld xmlns:a="http://schemas.openxmlformats.org/drawingml/2006/main" xmlns:r="http://schemas.openxmlformats.org/officeDocument/2006/relationships" xmlns:p="http://schemas.openxmlformats.org/presentationml/2006/main">
   <p:cSld>
     <p:spTree>
@@ -37045,202 +39844,12 @@
           <a:chExt cx="0" cy="0"/>
         </a:xfrm>
       </p:grpSpPr>
-      <p:grpSp>
-        <p:nvGrpSpPr>
-          <p:cNvPr id="9" name="그룹 8">
+      <p:sp>
+        <p:nvSpPr>
+          <p:cNvPr id="2" name="TextBox 1">
             <a:extLst>
               <a:ext uri="{FF2B5EF4-FFF2-40B4-BE49-F238E27FC236}">
-                <a16:creationId xmlns:a16="http://schemas.microsoft.com/office/drawing/2014/main" id="{9B226724-EB2F-FD41-A548-9F9A468CC5CB}"/>
-              </a:ext>
-            </a:extLst>
-          </p:cNvPr>
-          <p:cNvGrpSpPr/>
-          <p:nvPr/>
-        </p:nvGrpSpPr>
-        <p:grpSpPr>
-          <a:xfrm>
-            <a:off x="520700" y="419100"/>
-            <a:ext cx="3911600" cy="2679700"/>
-            <a:chOff x="1409700" y="609600"/>
-            <a:chExt cx="3911600" cy="2679700"/>
-          </a:xfrm>
-        </p:grpSpPr>
-        <p:sp>
-          <p:nvSpPr>
-            <p:cNvPr id="5" name="정육면체 4">
-              <a:extLst>
-                <a:ext uri="{FF2B5EF4-FFF2-40B4-BE49-F238E27FC236}">
-                  <a16:creationId xmlns:a16="http://schemas.microsoft.com/office/drawing/2014/main" id="{697062A1-A3DE-B5F2-C172-55070594AB5D}"/>
-                </a:ext>
-              </a:extLst>
-            </p:cNvPr>
-            <p:cNvSpPr/>
-            <p:nvPr/>
-          </p:nvSpPr>
-          <p:spPr>
-            <a:xfrm>
-              <a:off x="1409700" y="609600"/>
-              <a:ext cx="3911600" cy="2679700"/>
-            </a:xfrm>
-            <a:prstGeom prst="cube">
-              <a:avLst>
-                <a:gd name="adj" fmla="val 8886"/>
-              </a:avLst>
-            </a:prstGeom>
-          </p:spPr>
-          <p:style>
-            <a:lnRef idx="2">
-              <a:schemeClr val="accent2">
-                <a:shade val="50000"/>
-              </a:schemeClr>
-            </a:lnRef>
-            <a:fillRef idx="1">
-              <a:schemeClr val="accent2"/>
-            </a:fillRef>
-            <a:effectRef idx="0">
-              <a:schemeClr val="accent2"/>
-            </a:effectRef>
-            <a:fontRef idx="minor">
-              <a:schemeClr val="lt1"/>
-            </a:fontRef>
-          </p:style>
-          <p:txBody>
-            <a:bodyPr rtlCol="0" anchor="ctr"/>
-            <a:lstStyle/>
-            <a:p>
-              <a:pPr algn="ctr"/>
-              <a:r>
-                <a:rPr lang="ko-KR" altLang="en-US" dirty="0"/>
-                <a:t>파드</a:t>
-              </a:r>
-              <a:r>
-                <a:rPr lang="en-US" altLang="ko-KR" dirty="0"/>
-                <a:t>-1</a:t>
-              </a:r>
-            </a:p>
-          </p:txBody>
-        </p:sp>
-        <p:sp>
-          <p:nvSpPr>
-            <p:cNvPr id="7" name="정육면체 6">
-              <a:extLst>
-                <a:ext uri="{FF2B5EF4-FFF2-40B4-BE49-F238E27FC236}">
-                  <a16:creationId xmlns:a16="http://schemas.microsoft.com/office/drawing/2014/main" id="{CCF53C4F-9A02-2361-C74F-8A52F813C8A9}"/>
-                </a:ext>
-              </a:extLst>
-            </p:cNvPr>
-            <p:cNvSpPr/>
-            <p:nvPr/>
-          </p:nvSpPr>
-          <p:spPr>
-            <a:xfrm>
-              <a:off x="1714500" y="2438400"/>
-              <a:ext cx="3098800" cy="635000"/>
-            </a:xfrm>
-            <a:prstGeom prst="cube">
-              <a:avLst>
-                <a:gd name="adj" fmla="val 21007"/>
-              </a:avLst>
-            </a:prstGeom>
-          </p:spPr>
-          <p:style>
-            <a:lnRef idx="3">
-              <a:schemeClr val="lt1"/>
-            </a:lnRef>
-            <a:fillRef idx="1">
-              <a:schemeClr val="accent1"/>
-            </a:fillRef>
-            <a:effectRef idx="1">
-              <a:schemeClr val="accent1"/>
-            </a:effectRef>
-            <a:fontRef idx="minor">
-              <a:schemeClr val="lt1"/>
-            </a:fontRef>
-          </p:style>
-          <p:txBody>
-            <a:bodyPr rtlCol="0" anchor="ctr"/>
-            <a:lstStyle/>
-            <a:p>
-              <a:pPr algn="ctr"/>
-              <a:r>
-                <a:rPr lang="ko-KR" altLang="en-US" sz="1200" dirty="0"/>
-                <a:t>컨테이너</a:t>
-              </a:r>
-              <a:r>
-                <a:rPr lang="en-US" altLang="ko-KR" sz="1200" dirty="0"/>
-                <a:t>-2 ( flask</a:t>
-              </a:r>
-              <a:r>
-                <a:rPr lang="ko-KR" altLang="en-US" sz="1200" dirty="0"/>
-                <a:t> </a:t>
-              </a:r>
-              <a:r>
-                <a:rPr lang="en-US" altLang="ko-KR" sz="1200" dirty="0"/>
-                <a:t>)</a:t>
-              </a:r>
-            </a:p>
-          </p:txBody>
-        </p:sp>
-        <p:sp>
-          <p:nvSpPr>
-            <p:cNvPr id="8" name="정육면체 7">
-              <a:extLst>
-                <a:ext uri="{FF2B5EF4-FFF2-40B4-BE49-F238E27FC236}">
-                  <a16:creationId xmlns:a16="http://schemas.microsoft.com/office/drawing/2014/main" id="{25D1C46B-888F-F201-D909-6559E5B180C1}"/>
-                </a:ext>
-              </a:extLst>
-            </p:cNvPr>
-            <p:cNvSpPr/>
-            <p:nvPr/>
-          </p:nvSpPr>
-          <p:spPr>
-            <a:xfrm>
-              <a:off x="1714500" y="1054100"/>
-              <a:ext cx="3098800" cy="635000"/>
-            </a:xfrm>
-            <a:prstGeom prst="cube">
-              <a:avLst>
-                <a:gd name="adj" fmla="val 21007"/>
-              </a:avLst>
-            </a:prstGeom>
-          </p:spPr>
-          <p:style>
-            <a:lnRef idx="3">
-              <a:schemeClr val="lt1"/>
-            </a:lnRef>
-            <a:fillRef idx="1">
-              <a:schemeClr val="accent1"/>
-            </a:fillRef>
-            <a:effectRef idx="1">
-              <a:schemeClr val="accent1"/>
-            </a:effectRef>
-            <a:fontRef idx="minor">
-              <a:schemeClr val="lt1"/>
-            </a:fontRef>
-          </p:style>
-          <p:txBody>
-            <a:bodyPr rtlCol="0" anchor="ctr"/>
-            <a:lstStyle/>
-            <a:p>
-              <a:pPr algn="ctr"/>
-              <a:r>
-                <a:rPr lang="ko-KR" altLang="en-US" sz="1200" dirty="0"/>
-                <a:t>컨테이너</a:t>
-              </a:r>
-              <a:r>
-                <a:rPr lang="en-US" altLang="ko-KR" sz="1200" dirty="0"/>
-                <a:t>-1 ( node )</a:t>
-              </a:r>
-            </a:p>
-          </p:txBody>
-        </p:sp>
-      </p:grpSp>
-      <p:sp>
-        <p:nvSpPr>
-          <p:cNvPr id="11" name="TextBox 10">
-            <a:extLst>
-              <a:ext uri="{FF2B5EF4-FFF2-40B4-BE49-F238E27FC236}">
-                <a16:creationId xmlns:a16="http://schemas.microsoft.com/office/drawing/2014/main" id="{3B2253F3-89D2-DFA6-346A-73B197567951}"/>
+                <a16:creationId xmlns:a16="http://schemas.microsoft.com/office/drawing/2014/main" id="{AF53483D-1A80-C107-D3AB-6901351F1D3F}"/>
               </a:ext>
             </a:extLst>
           </p:cNvPr>
@@ -37272,10 +39881,4752 @@
           </a:p>
         </p:txBody>
       </p:sp>
+      <p:grpSp>
+        <p:nvGrpSpPr>
+          <p:cNvPr id="36" name="그룹 35">
+            <a:extLst>
+              <a:ext uri="{FF2B5EF4-FFF2-40B4-BE49-F238E27FC236}">
+                <a16:creationId xmlns:a16="http://schemas.microsoft.com/office/drawing/2014/main" id="{D4C27EAE-B1D2-CC54-77C7-4EDBD7AC7740}"/>
+              </a:ext>
+            </a:extLst>
+          </p:cNvPr>
+          <p:cNvGrpSpPr/>
+          <p:nvPr/>
+        </p:nvGrpSpPr>
+        <p:grpSpPr>
+          <a:xfrm>
+            <a:off x="1811866" y="758825"/>
+            <a:ext cx="6485468" cy="5340349"/>
+            <a:chOff x="1811866" y="758825"/>
+            <a:chExt cx="6485468" cy="5340349"/>
+          </a:xfrm>
+        </p:grpSpPr>
+        <p:grpSp>
+          <p:nvGrpSpPr>
+            <p:cNvPr id="65" name="그룹 64">
+              <a:extLst>
+                <a:ext uri="{FF2B5EF4-FFF2-40B4-BE49-F238E27FC236}">
+                  <a16:creationId xmlns:a16="http://schemas.microsoft.com/office/drawing/2014/main" id="{139A932E-9898-0B0A-BD7D-72C805021CDB}"/>
+                </a:ext>
+              </a:extLst>
+            </p:cNvPr>
+            <p:cNvGrpSpPr/>
+            <p:nvPr/>
+          </p:nvGrpSpPr>
+          <p:grpSpPr>
+            <a:xfrm>
+              <a:off x="1811866" y="758825"/>
+              <a:ext cx="6485468" cy="5340349"/>
+              <a:chOff x="1430866" y="975784"/>
+              <a:chExt cx="6485468" cy="5340349"/>
+            </a:xfrm>
+          </p:grpSpPr>
+          <p:grpSp>
+            <p:nvGrpSpPr>
+              <p:cNvPr id="64" name="그룹 63">
+                <a:extLst>
+                  <a:ext uri="{FF2B5EF4-FFF2-40B4-BE49-F238E27FC236}">
+                    <a16:creationId xmlns:a16="http://schemas.microsoft.com/office/drawing/2014/main" id="{8008D267-CB8C-8D4F-E892-AC62BAA05FA5}"/>
+                  </a:ext>
+                </a:extLst>
+              </p:cNvPr>
+              <p:cNvGrpSpPr/>
+              <p:nvPr/>
+            </p:nvGrpSpPr>
+            <p:grpSpPr>
+              <a:xfrm>
+                <a:off x="1430866" y="975784"/>
+                <a:ext cx="2387602" cy="5340349"/>
+                <a:chOff x="1430866" y="975784"/>
+                <a:chExt cx="2387602" cy="5340349"/>
+              </a:xfrm>
+            </p:grpSpPr>
+            <p:grpSp>
+              <p:nvGrpSpPr>
+                <p:cNvPr id="7" name="그룹 6">
+                  <a:extLst>
+                    <a:ext uri="{FF2B5EF4-FFF2-40B4-BE49-F238E27FC236}">
+                      <a16:creationId xmlns:a16="http://schemas.microsoft.com/office/drawing/2014/main" id="{816AFD88-B5A7-28DD-AD2E-F5B9495ABE71}"/>
+                    </a:ext>
+                  </a:extLst>
+                </p:cNvPr>
+                <p:cNvGrpSpPr/>
+                <p:nvPr/>
+              </p:nvGrpSpPr>
+              <p:grpSpPr>
+                <a:xfrm>
+                  <a:off x="1430866" y="975784"/>
+                  <a:ext cx="2387602" cy="5340349"/>
+                  <a:chOff x="499533" y="1289050"/>
+                  <a:chExt cx="8407400" cy="4279900"/>
+                </a:xfrm>
+              </p:grpSpPr>
+              <p:sp>
+                <p:nvSpPr>
+                  <p:cNvPr id="14" name="직사각형 13">
+                    <a:extLst>
+                      <a:ext uri="{FF2B5EF4-FFF2-40B4-BE49-F238E27FC236}">
+                        <a16:creationId xmlns:a16="http://schemas.microsoft.com/office/drawing/2014/main" id="{A26B2B0C-3B74-91FA-9DB7-E9020DE2980B}"/>
+                      </a:ext>
+                    </a:extLst>
+                  </p:cNvPr>
+                  <p:cNvSpPr/>
+                  <p:nvPr/>
+                </p:nvSpPr>
+                <p:spPr>
+                  <a:xfrm>
+                    <a:off x="499533" y="1289050"/>
+                    <a:ext cx="8407400" cy="4279900"/>
+                  </a:xfrm>
+                  <a:prstGeom prst="rect">
+                    <a:avLst/>
+                  </a:prstGeom>
+                  <a:solidFill>
+                    <a:schemeClr val="accent1"/>
+                  </a:solidFill>
+                  <a:ln>
+                    <a:solidFill>
+                      <a:schemeClr val="accent1"/>
+                    </a:solidFill>
+                  </a:ln>
+                </p:spPr>
+                <p:style>
+                  <a:lnRef idx="2">
+                    <a:schemeClr val="accent2">
+                      <a:shade val="50000"/>
+                    </a:schemeClr>
+                  </a:lnRef>
+                  <a:fillRef idx="1">
+                    <a:schemeClr val="accent2"/>
+                  </a:fillRef>
+                  <a:effectRef idx="0">
+                    <a:schemeClr val="accent2"/>
+                  </a:effectRef>
+                  <a:fontRef idx="minor">
+                    <a:schemeClr val="lt1"/>
+                  </a:fontRef>
+                </p:style>
+                <p:txBody>
+                  <a:bodyPr rtlCol="0" anchor="b"/>
+                  <a:lstStyle/>
+                  <a:p>
+                    <a:pPr algn="ctr"/>
+                    <a:endParaRPr lang="ko-KR" altLang="en-US" sz="1400" b="1" dirty="0">
+                      <a:latin typeface="Consolas" panose="020B0609020204030204" pitchFamily="49" charset="0"/>
+                    </a:endParaRPr>
+                  </a:p>
+                </p:txBody>
+              </p:sp>
+              <p:sp>
+                <p:nvSpPr>
+                  <p:cNvPr id="20" name="TextBox 19">
+                    <a:extLst>
+                      <a:ext uri="{FF2B5EF4-FFF2-40B4-BE49-F238E27FC236}">
+                        <a16:creationId xmlns:a16="http://schemas.microsoft.com/office/drawing/2014/main" id="{C0B98D8C-4E21-9CA6-8CB0-B20B36541A38}"/>
+                      </a:ext>
+                    </a:extLst>
+                  </p:cNvPr>
+                  <p:cNvSpPr txBox="1"/>
+                  <p:nvPr/>
+                </p:nvSpPr>
+                <p:spPr>
+                  <a:xfrm>
+                    <a:off x="1841142" y="1434078"/>
+                    <a:ext cx="5664553" cy="369332"/>
+                  </a:xfrm>
+                  <a:prstGeom prst="rect">
+                    <a:avLst/>
+                  </a:prstGeom>
+                  <a:noFill/>
+                </p:spPr>
+                <p:txBody>
+                  <a:bodyPr wrap="square" rtlCol="0">
+                    <a:spAutoFit/>
+                  </a:bodyPr>
+                  <a:lstStyle/>
+                  <a:p>
+                    <a:pPr algn="ctr"/>
+                    <a:r>
+                      <a:rPr lang="en-US" altLang="ko-KR" dirty="0">
+                        <a:solidFill>
+                          <a:schemeClr val="bg1"/>
+                        </a:solidFill>
+                      </a:rPr>
+                      <a:t>ns-1</a:t>
+                    </a:r>
+                    <a:endParaRPr lang="ko-KR" altLang="en-US" dirty="0">
+                      <a:solidFill>
+                        <a:schemeClr val="bg1"/>
+                      </a:solidFill>
+                    </a:endParaRPr>
+                  </a:p>
+                </p:txBody>
+              </p:sp>
+            </p:grpSp>
+            <p:sp>
+              <p:nvSpPr>
+                <p:cNvPr id="21" name="직사각형 20">
+                  <a:extLst>
+                    <a:ext uri="{FF2B5EF4-FFF2-40B4-BE49-F238E27FC236}">
+                      <a16:creationId xmlns:a16="http://schemas.microsoft.com/office/drawing/2014/main" id="{F27F548C-65F8-0185-549A-D99A94B6512D}"/>
+                    </a:ext>
+                  </a:extLst>
+                </p:cNvPr>
+                <p:cNvSpPr/>
+                <p:nvPr/>
+              </p:nvSpPr>
+              <p:spPr>
+                <a:xfrm>
+                  <a:off x="2712532" y="2590357"/>
+                  <a:ext cx="987400" cy="639275"/>
+                </a:xfrm>
+                <a:prstGeom prst="rect">
+                  <a:avLst/>
+                </a:prstGeom>
+                <a:ln/>
+              </p:spPr>
+              <p:style>
+                <a:lnRef idx="2">
+                  <a:schemeClr val="accent6"/>
+                </a:lnRef>
+                <a:fillRef idx="1">
+                  <a:schemeClr val="lt1"/>
+                </a:fillRef>
+                <a:effectRef idx="0">
+                  <a:schemeClr val="accent6"/>
+                </a:effectRef>
+                <a:fontRef idx="minor">
+                  <a:schemeClr val="dk1"/>
+                </a:fontRef>
+              </p:style>
+              <p:txBody>
+                <a:bodyPr rtlCol="0" anchor="ctr"/>
+                <a:lstStyle/>
+                <a:p>
+                  <a:pPr algn="ctr"/>
+                  <a:r>
+                    <a:rPr lang="en-US" altLang="ko-KR" sz="1400" b="1" dirty="0">
+                      <a:latin typeface="Consolas" panose="020B0609020204030204" pitchFamily="49" charset="0"/>
+                    </a:rPr>
+                    <a:t>Role</a:t>
+                  </a:r>
+                  <a:br>
+                    <a:rPr lang="en-US" altLang="ko-KR" sz="1400" b="1" dirty="0">
+                      <a:latin typeface="Consolas" panose="020B0609020204030204" pitchFamily="49" charset="0"/>
+                    </a:rPr>
+                  </a:br>
+                  <a:r>
+                    <a:rPr lang="en-US" altLang="ko-KR" sz="1400" b="1" dirty="0">
+                      <a:latin typeface="Consolas" panose="020B0609020204030204" pitchFamily="49" charset="0"/>
+                    </a:rPr>
+                    <a:t>(Pod)</a:t>
+                  </a:r>
+                  <a:endParaRPr lang="ko-KR" altLang="en-US" sz="1400" b="1" dirty="0">
+                    <a:latin typeface="Consolas" panose="020B0609020204030204" pitchFamily="49" charset="0"/>
+                  </a:endParaRPr>
+                </a:p>
+              </p:txBody>
+            </p:sp>
+            <p:sp>
+              <p:nvSpPr>
+                <p:cNvPr id="22" name="직사각형 21">
+                  <a:extLst>
+                    <a:ext uri="{FF2B5EF4-FFF2-40B4-BE49-F238E27FC236}">
+                      <a16:creationId xmlns:a16="http://schemas.microsoft.com/office/drawing/2014/main" id="{AD328E9F-343A-77BD-A7CD-9B235F21C817}"/>
+                    </a:ext>
+                  </a:extLst>
+                </p:cNvPr>
+                <p:cNvSpPr/>
+                <p:nvPr/>
+              </p:nvSpPr>
+              <p:spPr>
+                <a:xfrm>
+                  <a:off x="2712532" y="3719678"/>
+                  <a:ext cx="987401" cy="845384"/>
+                </a:xfrm>
+                <a:prstGeom prst="rect">
+                  <a:avLst/>
+                </a:prstGeom>
+                <a:solidFill>
+                  <a:schemeClr val="bg2">
+                    <a:lumMod val="25000"/>
+                  </a:schemeClr>
+                </a:solidFill>
+                <a:ln>
+                  <a:solidFill>
+                    <a:schemeClr val="accent1"/>
+                  </a:solidFill>
+                </a:ln>
+              </p:spPr>
+              <p:style>
+                <a:lnRef idx="2">
+                  <a:schemeClr val="accent2">
+                    <a:shade val="50000"/>
+                  </a:schemeClr>
+                </a:lnRef>
+                <a:fillRef idx="1">
+                  <a:schemeClr val="accent2"/>
+                </a:fillRef>
+                <a:effectRef idx="0">
+                  <a:schemeClr val="accent2"/>
+                </a:effectRef>
+                <a:fontRef idx="minor">
+                  <a:schemeClr val="lt1"/>
+                </a:fontRef>
+              </p:style>
+              <p:txBody>
+                <a:bodyPr rtlCol="0" anchor="ctr"/>
+                <a:lstStyle/>
+                <a:p>
+                  <a:pPr algn="ctr"/>
+                  <a:r>
+                    <a:rPr lang="en-US" altLang="ko-KR" sz="1400" b="1" dirty="0">
+                      <a:latin typeface="Consolas" panose="020B0609020204030204" pitchFamily="49" charset="0"/>
+                    </a:rPr>
+                    <a:t>Role</a:t>
+                  </a:r>
+                </a:p>
+                <a:p>
+                  <a:pPr algn="ctr"/>
+                  <a:r>
+                    <a:rPr lang="en-US" altLang="ko-KR" sz="1400" b="1" dirty="0">
+                      <a:latin typeface="Consolas" panose="020B0609020204030204" pitchFamily="49" charset="0"/>
+                    </a:rPr>
+                    <a:t>Binding</a:t>
+                  </a:r>
+                  <a:endParaRPr lang="ko-KR" altLang="en-US" sz="1400" b="1" dirty="0">
+                    <a:latin typeface="Consolas" panose="020B0609020204030204" pitchFamily="49" charset="0"/>
+                  </a:endParaRPr>
+                </a:p>
+              </p:txBody>
+            </p:sp>
+            <p:cxnSp>
+              <p:nvCxnSpPr>
+                <p:cNvPr id="23" name="직선 화살표 연결선 22">
+                  <a:extLst>
+                    <a:ext uri="{FF2B5EF4-FFF2-40B4-BE49-F238E27FC236}">
+                      <a16:creationId xmlns:a16="http://schemas.microsoft.com/office/drawing/2014/main" id="{8277B4D1-DB7E-15FE-5B8C-1BCF76186546}"/>
+                    </a:ext>
+                  </a:extLst>
+                </p:cNvPr>
+                <p:cNvCxnSpPr>
+                  <a:cxnSpLocks/>
+                  <a:stCxn id="22" idx="0"/>
+                  <a:endCxn id="21" idx="2"/>
+                </p:cNvCxnSpPr>
+                <p:nvPr/>
+              </p:nvCxnSpPr>
+              <p:spPr>
+                <a:xfrm flipH="1" flipV="1">
+                  <a:off x="3206232" y="3229632"/>
+                  <a:ext cx="1" cy="490046"/>
+                </a:xfrm>
+                <a:prstGeom prst="straightConnector1">
+                  <a:avLst/>
+                </a:prstGeom>
+                <a:ln w="28575">
+                  <a:solidFill>
+                    <a:schemeClr val="bg1"/>
+                  </a:solidFill>
+                  <a:prstDash val="dash"/>
+                  <a:tailEnd type="triangle"/>
+                </a:ln>
+              </p:spPr>
+              <p:style>
+                <a:lnRef idx="1">
+                  <a:schemeClr val="accent1"/>
+                </a:lnRef>
+                <a:fillRef idx="0">
+                  <a:schemeClr val="accent1"/>
+                </a:fillRef>
+                <a:effectRef idx="0">
+                  <a:schemeClr val="accent1"/>
+                </a:effectRef>
+                <a:fontRef idx="minor">
+                  <a:schemeClr val="tx1"/>
+                </a:fontRef>
+              </p:style>
+            </p:cxnSp>
+            <p:sp>
+              <p:nvSpPr>
+                <p:cNvPr id="30" name="직사각형 29">
+                  <a:extLst>
+                    <a:ext uri="{FF2B5EF4-FFF2-40B4-BE49-F238E27FC236}">
+                      <a16:creationId xmlns:a16="http://schemas.microsoft.com/office/drawing/2014/main" id="{FCCC1965-E275-7252-01A7-FD827E01F246}"/>
+                    </a:ext>
+                  </a:extLst>
+                </p:cNvPr>
+                <p:cNvSpPr/>
+                <p:nvPr/>
+              </p:nvSpPr>
+              <p:spPr>
+                <a:xfrm>
+                  <a:off x="1950532" y="5200018"/>
+                  <a:ext cx="1348269" cy="682198"/>
+                </a:xfrm>
+                <a:prstGeom prst="rect">
+                  <a:avLst/>
+                </a:prstGeom>
+                <a:solidFill>
+                  <a:srgbClr val="00B050"/>
+                </a:solidFill>
+                <a:ln>
+                  <a:solidFill>
+                    <a:schemeClr val="accent1"/>
+                  </a:solidFill>
+                </a:ln>
+              </p:spPr>
+              <p:style>
+                <a:lnRef idx="2">
+                  <a:schemeClr val="accent2">
+                    <a:shade val="50000"/>
+                  </a:schemeClr>
+                </a:lnRef>
+                <a:fillRef idx="1">
+                  <a:schemeClr val="accent2"/>
+                </a:fillRef>
+                <a:effectRef idx="0">
+                  <a:schemeClr val="accent2"/>
+                </a:effectRef>
+                <a:fontRef idx="minor">
+                  <a:schemeClr val="lt1"/>
+                </a:fontRef>
+              </p:style>
+              <p:txBody>
+                <a:bodyPr rtlCol="0" anchor="ctr"/>
+                <a:lstStyle/>
+                <a:p>
+                  <a:pPr algn="ctr"/>
+                  <a:r>
+                    <a:rPr lang="en-US" altLang="ko-KR" sz="1100" b="1" dirty="0">
+                      <a:latin typeface="Consolas" panose="020B0609020204030204" pitchFamily="49" charset="0"/>
+                    </a:rPr>
+                    <a:t>Service Account</a:t>
+                  </a:r>
+                  <a:endParaRPr lang="ko-KR" altLang="en-US" sz="1100" b="1" dirty="0">
+                    <a:latin typeface="Consolas" panose="020B0609020204030204" pitchFamily="49" charset="0"/>
+                  </a:endParaRPr>
+                </a:p>
+              </p:txBody>
+            </p:sp>
+            <p:cxnSp>
+              <p:nvCxnSpPr>
+                <p:cNvPr id="32" name="직선 화살표 연결선 31">
+                  <a:extLst>
+                    <a:ext uri="{FF2B5EF4-FFF2-40B4-BE49-F238E27FC236}">
+                      <a16:creationId xmlns:a16="http://schemas.microsoft.com/office/drawing/2014/main" id="{884528B9-7E14-C10C-58EF-B86F9D7ABA97}"/>
+                    </a:ext>
+                  </a:extLst>
+                </p:cNvPr>
+                <p:cNvCxnSpPr>
+                  <a:cxnSpLocks/>
+                  <a:stCxn id="22" idx="2"/>
+                  <a:endCxn id="30" idx="0"/>
+                </p:cNvCxnSpPr>
+                <p:nvPr/>
+              </p:nvCxnSpPr>
+              <p:spPr>
+                <a:xfrm flipH="1">
+                  <a:off x="2624667" y="4565062"/>
+                  <a:ext cx="581566" cy="634956"/>
+                </a:xfrm>
+                <a:prstGeom prst="straightConnector1">
+                  <a:avLst/>
+                </a:prstGeom>
+                <a:ln w="28575">
+                  <a:solidFill>
+                    <a:schemeClr val="bg1"/>
+                  </a:solidFill>
+                  <a:prstDash val="dash"/>
+                  <a:tailEnd type="triangle"/>
+                </a:ln>
+              </p:spPr>
+              <p:style>
+                <a:lnRef idx="1">
+                  <a:schemeClr val="accent1"/>
+                </a:lnRef>
+                <a:fillRef idx="0">
+                  <a:schemeClr val="accent1"/>
+                </a:fillRef>
+                <a:effectRef idx="0">
+                  <a:schemeClr val="accent1"/>
+                </a:effectRef>
+                <a:fontRef idx="minor">
+                  <a:schemeClr val="tx1"/>
+                </a:fontRef>
+              </p:style>
+            </p:cxnSp>
+          </p:grpSp>
+          <p:grpSp>
+            <p:nvGrpSpPr>
+              <p:cNvPr id="63" name="그룹 62">
+                <a:extLst>
+                  <a:ext uri="{FF2B5EF4-FFF2-40B4-BE49-F238E27FC236}">
+                    <a16:creationId xmlns:a16="http://schemas.microsoft.com/office/drawing/2014/main" id="{0C3BFDB0-5B99-0C95-DD62-744DB23A58C9}"/>
+                  </a:ext>
+                </a:extLst>
+              </p:cNvPr>
+              <p:cNvGrpSpPr/>
+              <p:nvPr/>
+            </p:nvGrpSpPr>
+            <p:grpSpPr>
+              <a:xfrm>
+                <a:off x="5528732" y="975784"/>
+                <a:ext cx="2387602" cy="5340349"/>
+                <a:chOff x="5528732" y="975784"/>
+                <a:chExt cx="2387602" cy="5340349"/>
+              </a:xfrm>
+            </p:grpSpPr>
+            <p:grpSp>
+              <p:nvGrpSpPr>
+                <p:cNvPr id="47" name="그룹 46">
+                  <a:extLst>
+                    <a:ext uri="{FF2B5EF4-FFF2-40B4-BE49-F238E27FC236}">
+                      <a16:creationId xmlns:a16="http://schemas.microsoft.com/office/drawing/2014/main" id="{8F8EE9E5-C380-952B-F220-1521CC49F9C1}"/>
+                    </a:ext>
+                  </a:extLst>
+                </p:cNvPr>
+                <p:cNvGrpSpPr/>
+                <p:nvPr/>
+              </p:nvGrpSpPr>
+              <p:grpSpPr>
+                <a:xfrm>
+                  <a:off x="5528732" y="975784"/>
+                  <a:ext cx="2387602" cy="5340349"/>
+                  <a:chOff x="499533" y="1289050"/>
+                  <a:chExt cx="8407400" cy="4279900"/>
+                </a:xfrm>
+              </p:grpSpPr>
+              <p:sp>
+                <p:nvSpPr>
+                  <p:cNvPr id="48" name="직사각형 47">
+                    <a:extLst>
+                      <a:ext uri="{FF2B5EF4-FFF2-40B4-BE49-F238E27FC236}">
+                        <a16:creationId xmlns:a16="http://schemas.microsoft.com/office/drawing/2014/main" id="{C0C60F96-9CAE-1030-CC30-07BFEE29988C}"/>
+                      </a:ext>
+                    </a:extLst>
+                  </p:cNvPr>
+                  <p:cNvSpPr/>
+                  <p:nvPr/>
+                </p:nvSpPr>
+                <p:spPr>
+                  <a:xfrm>
+                    <a:off x="499533" y="1289050"/>
+                    <a:ext cx="8407400" cy="4279900"/>
+                  </a:xfrm>
+                  <a:prstGeom prst="rect">
+                    <a:avLst/>
+                  </a:prstGeom>
+                  <a:solidFill>
+                    <a:schemeClr val="accent1"/>
+                  </a:solidFill>
+                  <a:ln>
+                    <a:solidFill>
+                      <a:schemeClr val="accent1"/>
+                    </a:solidFill>
+                  </a:ln>
+                </p:spPr>
+                <p:style>
+                  <a:lnRef idx="2">
+                    <a:schemeClr val="accent2">
+                      <a:shade val="50000"/>
+                    </a:schemeClr>
+                  </a:lnRef>
+                  <a:fillRef idx="1">
+                    <a:schemeClr val="accent2"/>
+                  </a:fillRef>
+                  <a:effectRef idx="0">
+                    <a:schemeClr val="accent2"/>
+                  </a:effectRef>
+                  <a:fontRef idx="minor">
+                    <a:schemeClr val="lt1"/>
+                  </a:fontRef>
+                </p:style>
+                <p:txBody>
+                  <a:bodyPr rtlCol="0" anchor="b"/>
+                  <a:lstStyle/>
+                  <a:p>
+                    <a:pPr algn="ctr"/>
+                    <a:endParaRPr lang="ko-KR" altLang="en-US" sz="1400" b="1" dirty="0">
+                      <a:latin typeface="Consolas" panose="020B0609020204030204" pitchFamily="49" charset="0"/>
+                    </a:endParaRPr>
+                  </a:p>
+                </p:txBody>
+              </p:sp>
+              <p:sp>
+                <p:nvSpPr>
+                  <p:cNvPr id="49" name="TextBox 48">
+                    <a:extLst>
+                      <a:ext uri="{FF2B5EF4-FFF2-40B4-BE49-F238E27FC236}">
+                        <a16:creationId xmlns:a16="http://schemas.microsoft.com/office/drawing/2014/main" id="{FB2DD4D4-F342-3E47-3EC7-D0CF09602FEA}"/>
+                      </a:ext>
+                    </a:extLst>
+                  </p:cNvPr>
+                  <p:cNvSpPr txBox="1"/>
+                  <p:nvPr/>
+                </p:nvSpPr>
+                <p:spPr>
+                  <a:xfrm>
+                    <a:off x="1841142" y="1434078"/>
+                    <a:ext cx="5664553" cy="295993"/>
+                  </a:xfrm>
+                  <a:prstGeom prst="rect">
+                    <a:avLst/>
+                  </a:prstGeom>
+                  <a:noFill/>
+                </p:spPr>
+                <p:txBody>
+                  <a:bodyPr wrap="square" rtlCol="0">
+                    <a:spAutoFit/>
+                  </a:bodyPr>
+                  <a:lstStyle/>
+                  <a:p>
+                    <a:pPr algn="ctr"/>
+                    <a:r>
+                      <a:rPr lang="en-US" altLang="ko-KR" dirty="0">
+                        <a:solidFill>
+                          <a:schemeClr val="bg1"/>
+                        </a:solidFill>
+                      </a:rPr>
+                      <a:t>ns-2</a:t>
+                    </a:r>
+                    <a:endParaRPr lang="ko-KR" altLang="en-US" dirty="0">
+                      <a:solidFill>
+                        <a:schemeClr val="bg1"/>
+                      </a:solidFill>
+                    </a:endParaRPr>
+                  </a:p>
+                </p:txBody>
+              </p:sp>
+            </p:grpSp>
+            <p:sp>
+              <p:nvSpPr>
+                <p:cNvPr id="51" name="직사각형 50">
+                  <a:extLst>
+                    <a:ext uri="{FF2B5EF4-FFF2-40B4-BE49-F238E27FC236}">
+                      <a16:creationId xmlns:a16="http://schemas.microsoft.com/office/drawing/2014/main" id="{D0751F8F-B35F-9A0C-79CC-4E4187CAC291}"/>
+                    </a:ext>
+                  </a:extLst>
+                </p:cNvPr>
+                <p:cNvSpPr/>
+                <p:nvPr/>
+              </p:nvSpPr>
+              <p:spPr>
+                <a:xfrm>
+                  <a:off x="6048399" y="2445447"/>
+                  <a:ext cx="1348270" cy="639275"/>
+                </a:xfrm>
+                <a:prstGeom prst="rect">
+                  <a:avLst/>
+                </a:prstGeom>
+                <a:ln/>
+              </p:spPr>
+              <p:style>
+                <a:lnRef idx="2">
+                  <a:schemeClr val="accent6"/>
+                </a:lnRef>
+                <a:fillRef idx="1">
+                  <a:schemeClr val="lt1"/>
+                </a:fillRef>
+                <a:effectRef idx="0">
+                  <a:schemeClr val="accent6"/>
+                </a:effectRef>
+                <a:fontRef idx="minor">
+                  <a:schemeClr val="dk1"/>
+                </a:fontRef>
+              </p:style>
+              <p:txBody>
+                <a:bodyPr rtlCol="0" anchor="ctr"/>
+                <a:lstStyle/>
+                <a:p>
+                  <a:pPr algn="ctr"/>
+                  <a:r>
+                    <a:rPr lang="en-US" altLang="ko-KR" sz="1400" b="1" dirty="0">
+                      <a:latin typeface="Consolas" panose="020B0609020204030204" pitchFamily="49" charset="0"/>
+                    </a:rPr>
+                    <a:t>Role</a:t>
+                  </a:r>
+                  <a:br>
+                    <a:rPr lang="en-US" altLang="ko-KR" sz="1400" b="1" dirty="0">
+                      <a:latin typeface="Consolas" panose="020B0609020204030204" pitchFamily="49" charset="0"/>
+                    </a:rPr>
+                  </a:br>
+                  <a:r>
+                    <a:rPr lang="en-US" altLang="ko-KR" sz="1400" b="1" dirty="0">
+                      <a:latin typeface="Consolas" panose="020B0609020204030204" pitchFamily="49" charset="0"/>
+                    </a:rPr>
+                    <a:t>(Pod)</a:t>
+                  </a:r>
+                  <a:endParaRPr lang="ko-KR" altLang="en-US" sz="1400" b="1" dirty="0">
+                    <a:latin typeface="Consolas" panose="020B0609020204030204" pitchFamily="49" charset="0"/>
+                  </a:endParaRPr>
+                </a:p>
+              </p:txBody>
+            </p:sp>
+            <p:sp>
+              <p:nvSpPr>
+                <p:cNvPr id="53" name="직사각형 52">
+                  <a:extLst>
+                    <a:ext uri="{FF2B5EF4-FFF2-40B4-BE49-F238E27FC236}">
+                      <a16:creationId xmlns:a16="http://schemas.microsoft.com/office/drawing/2014/main" id="{80BD7FE2-B762-E26B-6206-885920893399}"/>
+                    </a:ext>
+                  </a:extLst>
+                </p:cNvPr>
+                <p:cNvSpPr/>
+                <p:nvPr/>
+              </p:nvSpPr>
+              <p:spPr>
+                <a:xfrm>
+                  <a:off x="6048399" y="3587975"/>
+                  <a:ext cx="1348270" cy="1108790"/>
+                </a:xfrm>
+                <a:prstGeom prst="rect">
+                  <a:avLst/>
+                </a:prstGeom>
+                <a:solidFill>
+                  <a:schemeClr val="bg2">
+                    <a:lumMod val="25000"/>
+                  </a:schemeClr>
+                </a:solidFill>
+                <a:ln>
+                  <a:solidFill>
+                    <a:schemeClr val="accent1"/>
+                  </a:solidFill>
+                </a:ln>
+              </p:spPr>
+              <p:style>
+                <a:lnRef idx="2">
+                  <a:schemeClr val="accent2">
+                    <a:shade val="50000"/>
+                  </a:schemeClr>
+                </a:lnRef>
+                <a:fillRef idx="1">
+                  <a:schemeClr val="accent2"/>
+                </a:fillRef>
+                <a:effectRef idx="0">
+                  <a:schemeClr val="accent2"/>
+                </a:effectRef>
+                <a:fontRef idx="minor">
+                  <a:schemeClr val="lt1"/>
+                </a:fontRef>
+              </p:style>
+              <p:txBody>
+                <a:bodyPr rtlCol="0" anchor="ctr"/>
+                <a:lstStyle/>
+                <a:p>
+                  <a:pPr algn="ctr"/>
+                  <a:r>
+                    <a:rPr lang="en-US" altLang="ko-KR" sz="1400" b="1" dirty="0">
+                      <a:latin typeface="Consolas" panose="020B0609020204030204" pitchFamily="49" charset="0"/>
+                    </a:rPr>
+                    <a:t>RoleBinding</a:t>
+                  </a:r>
+                  <a:endParaRPr lang="ko-KR" altLang="en-US" sz="1400" b="1" dirty="0">
+                    <a:latin typeface="Consolas" panose="020B0609020204030204" pitchFamily="49" charset="0"/>
+                  </a:endParaRPr>
+                </a:p>
+              </p:txBody>
+            </p:sp>
+            <p:cxnSp>
+              <p:nvCxnSpPr>
+                <p:cNvPr id="54" name="직선 화살표 연결선 53">
+                  <a:extLst>
+                    <a:ext uri="{FF2B5EF4-FFF2-40B4-BE49-F238E27FC236}">
+                      <a16:creationId xmlns:a16="http://schemas.microsoft.com/office/drawing/2014/main" id="{99E00107-C195-E2E1-BCFB-AD37BF37E996}"/>
+                    </a:ext>
+                  </a:extLst>
+                </p:cNvPr>
+                <p:cNvCxnSpPr>
+                  <a:cxnSpLocks/>
+                  <a:stCxn id="53" idx="0"/>
+                  <a:endCxn id="51" idx="2"/>
+                </p:cNvCxnSpPr>
+                <p:nvPr/>
+              </p:nvCxnSpPr>
+              <p:spPr>
+                <a:xfrm flipV="1">
+                  <a:off x="6722534" y="3084722"/>
+                  <a:ext cx="0" cy="503253"/>
+                </a:xfrm>
+                <a:prstGeom prst="straightConnector1">
+                  <a:avLst/>
+                </a:prstGeom>
+                <a:ln w="28575">
+                  <a:solidFill>
+                    <a:schemeClr val="bg1"/>
+                  </a:solidFill>
+                  <a:prstDash val="dash"/>
+                  <a:tailEnd type="triangle"/>
+                </a:ln>
+              </p:spPr>
+              <p:style>
+                <a:lnRef idx="1">
+                  <a:schemeClr val="accent1"/>
+                </a:lnRef>
+                <a:fillRef idx="0">
+                  <a:schemeClr val="accent1"/>
+                </a:fillRef>
+                <a:effectRef idx="0">
+                  <a:schemeClr val="accent1"/>
+                </a:effectRef>
+                <a:fontRef idx="minor">
+                  <a:schemeClr val="tx1"/>
+                </a:fontRef>
+              </p:style>
+            </p:cxnSp>
+          </p:grpSp>
+          <p:cxnSp>
+            <p:nvCxnSpPr>
+              <p:cNvPr id="60" name="연결선: 꺾임 59">
+                <a:extLst>
+                  <a:ext uri="{FF2B5EF4-FFF2-40B4-BE49-F238E27FC236}">
+                    <a16:creationId xmlns:a16="http://schemas.microsoft.com/office/drawing/2014/main" id="{A87F815F-53EE-F744-CF49-95E5BF4ED1A1}"/>
+                  </a:ext>
+                </a:extLst>
+              </p:cNvPr>
+              <p:cNvCxnSpPr>
+                <a:cxnSpLocks/>
+                <a:stCxn id="53" idx="2"/>
+                <a:endCxn id="30" idx="3"/>
+              </p:cNvCxnSpPr>
+              <p:nvPr/>
+            </p:nvCxnSpPr>
+            <p:spPr>
+              <a:xfrm rot="5400000">
+                <a:off x="4588492" y="3407075"/>
+                <a:ext cx="844352" cy="3423733"/>
+              </a:xfrm>
+              <a:prstGeom prst="bentConnector2">
+                <a:avLst/>
+              </a:prstGeom>
+              <a:ln w="28575">
+                <a:solidFill>
+                  <a:srgbClr val="00B0F0"/>
+                </a:solidFill>
+                <a:prstDash val="dash"/>
+                <a:headEnd type="none" w="med" len="med"/>
+                <a:tailEnd type="triangle" w="med" len="med"/>
+              </a:ln>
+            </p:spPr>
+            <p:style>
+              <a:lnRef idx="1">
+                <a:schemeClr val="accent1"/>
+              </a:lnRef>
+              <a:fillRef idx="0">
+                <a:schemeClr val="accent1"/>
+              </a:fillRef>
+              <a:effectRef idx="0">
+                <a:schemeClr val="accent1"/>
+              </a:effectRef>
+              <a:fontRef idx="minor">
+                <a:schemeClr val="tx1"/>
+              </a:fontRef>
+            </p:style>
+          </p:cxnSp>
+        </p:grpSp>
+        <p:sp>
+          <p:nvSpPr>
+            <p:cNvPr id="19" name="직사각형 18">
+              <a:extLst>
+                <a:ext uri="{FF2B5EF4-FFF2-40B4-BE49-F238E27FC236}">
+                  <a16:creationId xmlns:a16="http://schemas.microsoft.com/office/drawing/2014/main" id="{FE28E95C-5326-8E7B-993C-816F523D727B}"/>
+                </a:ext>
+              </a:extLst>
+            </p:cNvPr>
+            <p:cNvSpPr/>
+            <p:nvPr/>
+          </p:nvSpPr>
+          <p:spPr>
+            <a:xfrm>
+              <a:off x="1974333" y="3498955"/>
+              <a:ext cx="987401" cy="845384"/>
+            </a:xfrm>
+            <a:prstGeom prst="rect">
+              <a:avLst/>
+            </a:prstGeom>
+            <a:solidFill>
+              <a:schemeClr val="bg2">
+                <a:lumMod val="25000"/>
+              </a:schemeClr>
+            </a:solidFill>
+            <a:ln>
+              <a:solidFill>
+                <a:schemeClr val="accent1"/>
+              </a:solidFill>
+            </a:ln>
+          </p:spPr>
+          <p:style>
+            <a:lnRef idx="2">
+              <a:schemeClr val="accent2">
+                <a:shade val="50000"/>
+              </a:schemeClr>
+            </a:lnRef>
+            <a:fillRef idx="1">
+              <a:schemeClr val="accent2"/>
+            </a:fillRef>
+            <a:effectRef idx="0">
+              <a:schemeClr val="accent2"/>
+            </a:effectRef>
+            <a:fontRef idx="minor">
+              <a:schemeClr val="lt1"/>
+            </a:fontRef>
+          </p:style>
+          <p:txBody>
+            <a:bodyPr rtlCol="0" anchor="ctr"/>
+            <a:lstStyle/>
+            <a:p>
+              <a:pPr algn="ctr"/>
+              <a:r>
+                <a:rPr lang="en-US" altLang="ko-KR" sz="1400" b="1" dirty="0">
+                  <a:latin typeface="Consolas" panose="020B0609020204030204" pitchFamily="49" charset="0"/>
+                </a:rPr>
+                <a:t>Role</a:t>
+              </a:r>
+            </a:p>
+            <a:p>
+              <a:pPr algn="ctr"/>
+              <a:r>
+                <a:rPr lang="en-US" altLang="ko-KR" sz="1400" b="1" dirty="0">
+                  <a:latin typeface="Consolas" panose="020B0609020204030204" pitchFamily="49" charset="0"/>
+                </a:rPr>
+                <a:t>Binding</a:t>
+              </a:r>
+              <a:endParaRPr lang="ko-KR" altLang="en-US" sz="1400" b="1" dirty="0">
+                <a:latin typeface="Consolas" panose="020B0609020204030204" pitchFamily="49" charset="0"/>
+              </a:endParaRPr>
+            </a:p>
+          </p:txBody>
+        </p:sp>
+        <p:sp>
+          <p:nvSpPr>
+            <p:cNvPr id="27" name="직사각형 26">
+              <a:extLst>
+                <a:ext uri="{FF2B5EF4-FFF2-40B4-BE49-F238E27FC236}">
+                  <a16:creationId xmlns:a16="http://schemas.microsoft.com/office/drawing/2014/main" id="{17FEC0AD-3793-513D-C06D-3450386A771F}"/>
+                </a:ext>
+              </a:extLst>
+            </p:cNvPr>
+            <p:cNvSpPr/>
+            <p:nvPr/>
+          </p:nvSpPr>
+          <p:spPr>
+            <a:xfrm>
+              <a:off x="1974333" y="2373397"/>
+              <a:ext cx="987400" cy="639275"/>
+            </a:xfrm>
+            <a:prstGeom prst="rect">
+              <a:avLst/>
+            </a:prstGeom>
+            <a:ln/>
+          </p:spPr>
+          <p:style>
+            <a:lnRef idx="2">
+              <a:schemeClr val="accent6"/>
+            </a:lnRef>
+            <a:fillRef idx="1">
+              <a:schemeClr val="lt1"/>
+            </a:fillRef>
+            <a:effectRef idx="0">
+              <a:schemeClr val="accent6"/>
+            </a:effectRef>
+            <a:fontRef idx="minor">
+              <a:schemeClr val="dk1"/>
+            </a:fontRef>
+          </p:style>
+          <p:txBody>
+            <a:bodyPr rtlCol="0" anchor="ctr"/>
+            <a:lstStyle/>
+            <a:p>
+              <a:pPr algn="ctr"/>
+              <a:r>
+                <a:rPr lang="en-US" altLang="ko-KR" sz="1400" b="1" dirty="0">
+                  <a:latin typeface="Consolas" panose="020B0609020204030204" pitchFamily="49" charset="0"/>
+                </a:rPr>
+                <a:t>Role</a:t>
+              </a:r>
+              <a:br>
+                <a:rPr lang="en-US" altLang="ko-KR" sz="1400" b="1" dirty="0">
+                  <a:latin typeface="Consolas" panose="020B0609020204030204" pitchFamily="49" charset="0"/>
+                </a:rPr>
+              </a:br>
+              <a:r>
+                <a:rPr lang="en-US" altLang="ko-KR" sz="1400" b="1" dirty="0">
+                  <a:latin typeface="Consolas" panose="020B0609020204030204" pitchFamily="49" charset="0"/>
+                </a:rPr>
+                <a:t>(Service)</a:t>
+              </a:r>
+              <a:endParaRPr lang="ko-KR" altLang="en-US" sz="1400" b="1" dirty="0">
+                <a:latin typeface="Consolas" panose="020B0609020204030204" pitchFamily="49" charset="0"/>
+              </a:endParaRPr>
+            </a:p>
+          </p:txBody>
+        </p:sp>
+        <p:cxnSp>
+          <p:nvCxnSpPr>
+            <p:cNvPr id="28" name="직선 화살표 연결선 27">
+              <a:extLst>
+                <a:ext uri="{FF2B5EF4-FFF2-40B4-BE49-F238E27FC236}">
+                  <a16:creationId xmlns:a16="http://schemas.microsoft.com/office/drawing/2014/main" id="{D49DF8CC-5B63-4560-FBA6-1B68703201CD}"/>
+                </a:ext>
+              </a:extLst>
+            </p:cNvPr>
+            <p:cNvCxnSpPr>
+              <a:cxnSpLocks/>
+              <a:stCxn id="19" idx="0"/>
+              <a:endCxn id="27" idx="2"/>
+            </p:cNvCxnSpPr>
+            <p:nvPr/>
+          </p:nvCxnSpPr>
+          <p:spPr>
+            <a:xfrm flipH="1" flipV="1">
+              <a:off x="2468033" y="3012672"/>
+              <a:ext cx="1" cy="486283"/>
+            </a:xfrm>
+            <a:prstGeom prst="straightConnector1">
+              <a:avLst/>
+            </a:prstGeom>
+            <a:ln w="28575">
+              <a:solidFill>
+                <a:schemeClr val="bg1"/>
+              </a:solidFill>
+              <a:prstDash val="dash"/>
+              <a:tailEnd type="triangle"/>
+            </a:ln>
+          </p:spPr>
+          <p:style>
+            <a:lnRef idx="1">
+              <a:schemeClr val="accent1"/>
+            </a:lnRef>
+            <a:fillRef idx="0">
+              <a:schemeClr val="accent1"/>
+            </a:fillRef>
+            <a:effectRef idx="0">
+              <a:schemeClr val="accent1"/>
+            </a:effectRef>
+            <a:fontRef idx="minor">
+              <a:schemeClr val="tx1"/>
+            </a:fontRef>
+          </p:style>
+        </p:cxnSp>
+        <p:cxnSp>
+          <p:nvCxnSpPr>
+            <p:cNvPr id="33" name="직선 화살표 연결선 32">
+              <a:extLst>
+                <a:ext uri="{FF2B5EF4-FFF2-40B4-BE49-F238E27FC236}">
+                  <a16:creationId xmlns:a16="http://schemas.microsoft.com/office/drawing/2014/main" id="{63D02328-85F2-69BE-AAB6-663383C02B0B}"/>
+                </a:ext>
+              </a:extLst>
+            </p:cNvPr>
+            <p:cNvCxnSpPr>
+              <a:cxnSpLocks/>
+              <a:stCxn id="19" idx="2"/>
+              <a:endCxn id="30" idx="0"/>
+            </p:cNvCxnSpPr>
+            <p:nvPr/>
+          </p:nvCxnSpPr>
+          <p:spPr>
+            <a:xfrm>
+              <a:off x="2468034" y="4344339"/>
+              <a:ext cx="537633" cy="638720"/>
+            </a:xfrm>
+            <a:prstGeom prst="straightConnector1">
+              <a:avLst/>
+            </a:prstGeom>
+            <a:ln w="28575">
+              <a:solidFill>
+                <a:schemeClr val="bg1"/>
+              </a:solidFill>
+              <a:prstDash val="dash"/>
+              <a:tailEnd type="triangle"/>
+            </a:ln>
+          </p:spPr>
+          <p:style>
+            <a:lnRef idx="1">
+              <a:schemeClr val="accent1"/>
+            </a:lnRef>
+            <a:fillRef idx="0">
+              <a:schemeClr val="accent1"/>
+            </a:fillRef>
+            <a:effectRef idx="0">
+              <a:schemeClr val="accent1"/>
+            </a:effectRef>
+            <a:fontRef idx="minor">
+              <a:schemeClr val="tx1"/>
+            </a:fontRef>
+          </p:style>
+        </p:cxnSp>
+      </p:grpSp>
     </p:spTree>
     <p:extLst>
       <p:ext uri="{BB962C8B-B14F-4D97-AF65-F5344CB8AC3E}">
-        <p14:creationId xmlns:p14="http://schemas.microsoft.com/office/powerpoint/2010/main" val="341249016"/>
+        <p14:creationId xmlns:p14="http://schemas.microsoft.com/office/powerpoint/2010/main" val="4164396571"/>
+      </p:ext>
+    </p:extLst>
+  </p:cSld>
+  <p:clrMapOvr>
+    <a:masterClrMapping/>
+  </p:clrMapOvr>
+</p:sld>
+</file>
+
+<file path=ppt/slides/slide33.xml><?xml version="1.0" encoding="utf-8"?>
+<p:sld xmlns:a="http://schemas.openxmlformats.org/drawingml/2006/main" xmlns:r="http://schemas.openxmlformats.org/officeDocument/2006/relationships" xmlns:p="http://schemas.openxmlformats.org/presentationml/2006/main">
+  <p:cSld>
+    <p:spTree>
+      <p:nvGrpSpPr>
+        <p:cNvPr id="1" name=""/>
+        <p:cNvGrpSpPr/>
+        <p:nvPr/>
+      </p:nvGrpSpPr>
+      <p:grpSpPr>
+        <a:xfrm>
+          <a:off x="0" y="0"/>
+          <a:ext cx="0" cy="0"/>
+          <a:chOff x="0" y="0"/>
+          <a:chExt cx="0" cy="0"/>
+        </a:xfrm>
+      </p:grpSpPr>
+      <p:sp>
+        <p:nvSpPr>
+          <p:cNvPr id="2" name="TextBox 1">
+            <a:extLst>
+              <a:ext uri="{FF2B5EF4-FFF2-40B4-BE49-F238E27FC236}">
+                <a16:creationId xmlns:a16="http://schemas.microsoft.com/office/drawing/2014/main" id="{AF53483D-1A80-C107-D3AB-6901351F1D3F}"/>
+              </a:ext>
+            </a:extLst>
+          </p:cNvPr>
+          <p:cNvSpPr txBox="1"/>
+          <p:nvPr/>
+        </p:nvSpPr>
+        <p:spPr>
+          <a:xfrm>
+            <a:off x="10388600" y="6596390"/>
+            <a:ext cx="1803400" cy="261610"/>
+          </a:xfrm>
+          <a:prstGeom prst="rect">
+            <a:avLst/>
+          </a:prstGeom>
+          <a:noFill/>
+        </p:spPr>
+        <p:txBody>
+          <a:bodyPr wrap="square" rtlCol="0">
+            <a:spAutoFit/>
+          </a:bodyPr>
+          <a:lstStyle/>
+          <a:p>
+            <a:pPr algn="r"/>
+            <a:r>
+              <a:rPr lang="en-US" altLang="ko-KR" sz="1100" dirty="0"/>
+              <a:t>Kim0lil/80700</a:t>
+            </a:r>
+            <a:endParaRPr lang="ko-KR" altLang="en-US" sz="1100" dirty="0"/>
+          </a:p>
+        </p:txBody>
+      </p:sp>
+      <p:grpSp>
+        <p:nvGrpSpPr>
+          <p:cNvPr id="50" name="그룹 49">
+            <a:extLst>
+              <a:ext uri="{FF2B5EF4-FFF2-40B4-BE49-F238E27FC236}">
+                <a16:creationId xmlns:a16="http://schemas.microsoft.com/office/drawing/2014/main" id="{85E2A792-0010-E16B-0A22-E6D0926AF4FE}"/>
+              </a:ext>
+            </a:extLst>
+          </p:cNvPr>
+          <p:cNvGrpSpPr/>
+          <p:nvPr/>
+        </p:nvGrpSpPr>
+        <p:grpSpPr>
+          <a:xfrm>
+            <a:off x="1595965" y="567258"/>
+            <a:ext cx="7006168" cy="5531915"/>
+            <a:chOff x="1595965" y="567258"/>
+            <a:chExt cx="7006168" cy="5531915"/>
+          </a:xfrm>
+        </p:grpSpPr>
+        <p:sp>
+          <p:nvSpPr>
+            <p:cNvPr id="18" name="직사각형 17">
+              <a:extLst>
+                <a:ext uri="{FF2B5EF4-FFF2-40B4-BE49-F238E27FC236}">
+                  <a16:creationId xmlns:a16="http://schemas.microsoft.com/office/drawing/2014/main" id="{CDF7DA75-C072-A7DE-0A65-BCBE9816B942}"/>
+                </a:ext>
+              </a:extLst>
+            </p:cNvPr>
+            <p:cNvSpPr/>
+            <p:nvPr/>
+          </p:nvSpPr>
+          <p:spPr>
+            <a:xfrm>
+              <a:off x="1595965" y="567258"/>
+              <a:ext cx="7006168" cy="5531915"/>
+            </a:xfrm>
+            <a:prstGeom prst="rect">
+              <a:avLst/>
+            </a:prstGeom>
+            <a:solidFill>
+              <a:schemeClr val="accent1">
+                <a:lumMod val="60000"/>
+                <a:lumOff val="40000"/>
+              </a:schemeClr>
+            </a:solidFill>
+            <a:ln>
+              <a:solidFill>
+                <a:schemeClr val="accent1">
+                  <a:lumMod val="50000"/>
+                </a:schemeClr>
+              </a:solidFill>
+            </a:ln>
+          </p:spPr>
+          <p:style>
+            <a:lnRef idx="2">
+              <a:schemeClr val="accent2">
+                <a:shade val="50000"/>
+              </a:schemeClr>
+            </a:lnRef>
+            <a:fillRef idx="1">
+              <a:schemeClr val="accent2"/>
+            </a:fillRef>
+            <a:effectRef idx="0">
+              <a:schemeClr val="accent2"/>
+            </a:effectRef>
+            <a:fontRef idx="minor">
+              <a:schemeClr val="lt1"/>
+            </a:fontRef>
+          </p:style>
+          <p:txBody>
+            <a:bodyPr rtlCol="0" anchor="b"/>
+            <a:lstStyle/>
+            <a:p>
+              <a:pPr algn="ctr"/>
+              <a:endParaRPr lang="ko-KR" altLang="en-US" sz="1400" b="1" dirty="0">
+                <a:latin typeface="Consolas" panose="020B0609020204030204" pitchFamily="49" charset="0"/>
+              </a:endParaRPr>
+            </a:p>
+          </p:txBody>
+        </p:sp>
+        <p:sp>
+          <p:nvSpPr>
+            <p:cNvPr id="14" name="직사각형 13">
+              <a:extLst>
+                <a:ext uri="{FF2B5EF4-FFF2-40B4-BE49-F238E27FC236}">
+                  <a16:creationId xmlns:a16="http://schemas.microsoft.com/office/drawing/2014/main" id="{A26B2B0C-3B74-91FA-9DB7-E9020DE2980B}"/>
+                </a:ext>
+              </a:extLst>
+            </p:cNvPr>
+            <p:cNvSpPr/>
+            <p:nvPr/>
+          </p:nvSpPr>
+          <p:spPr>
+            <a:xfrm>
+              <a:off x="1811866" y="758826"/>
+              <a:ext cx="2387602" cy="4287308"/>
+            </a:xfrm>
+            <a:prstGeom prst="rect">
+              <a:avLst/>
+            </a:prstGeom>
+            <a:solidFill>
+              <a:schemeClr val="accent1"/>
+            </a:solidFill>
+            <a:ln>
+              <a:solidFill>
+                <a:schemeClr val="accent1"/>
+              </a:solidFill>
+            </a:ln>
+          </p:spPr>
+          <p:style>
+            <a:lnRef idx="2">
+              <a:schemeClr val="accent2">
+                <a:shade val="50000"/>
+              </a:schemeClr>
+            </a:lnRef>
+            <a:fillRef idx="1">
+              <a:schemeClr val="accent2"/>
+            </a:fillRef>
+            <a:effectRef idx="0">
+              <a:schemeClr val="accent2"/>
+            </a:effectRef>
+            <a:fontRef idx="minor">
+              <a:schemeClr val="lt1"/>
+            </a:fontRef>
+          </p:style>
+          <p:txBody>
+            <a:bodyPr rtlCol="0" anchor="b"/>
+            <a:lstStyle/>
+            <a:p>
+              <a:pPr algn="ctr"/>
+              <a:endParaRPr lang="ko-KR" altLang="en-US" sz="1400" b="1" dirty="0">
+                <a:latin typeface="Consolas" panose="020B0609020204030204" pitchFamily="49" charset="0"/>
+              </a:endParaRPr>
+            </a:p>
+          </p:txBody>
+        </p:sp>
+        <p:sp>
+          <p:nvSpPr>
+            <p:cNvPr id="20" name="TextBox 19">
+              <a:extLst>
+                <a:ext uri="{FF2B5EF4-FFF2-40B4-BE49-F238E27FC236}">
+                  <a16:creationId xmlns:a16="http://schemas.microsoft.com/office/drawing/2014/main" id="{C0B98D8C-4E21-9CA6-8CB0-B20B36541A38}"/>
+                </a:ext>
+              </a:extLst>
+            </p:cNvPr>
+            <p:cNvSpPr txBox="1"/>
+            <p:nvPr/>
+          </p:nvSpPr>
+          <p:spPr>
+            <a:xfrm>
+              <a:off x="2192866" y="887713"/>
+              <a:ext cx="1608666" cy="460843"/>
+            </a:xfrm>
+            <a:prstGeom prst="rect">
+              <a:avLst/>
+            </a:prstGeom>
+            <a:noFill/>
+          </p:spPr>
+          <p:txBody>
+            <a:bodyPr wrap="square" rtlCol="0">
+              <a:spAutoFit/>
+            </a:bodyPr>
+            <a:lstStyle/>
+            <a:p>
+              <a:pPr algn="ctr"/>
+              <a:r>
+                <a:rPr lang="en-US" altLang="ko-KR" dirty="0">
+                  <a:solidFill>
+                    <a:schemeClr val="bg1"/>
+                  </a:solidFill>
+                </a:rPr>
+                <a:t>ns-1</a:t>
+              </a:r>
+              <a:endParaRPr lang="ko-KR" altLang="en-US" dirty="0">
+                <a:solidFill>
+                  <a:schemeClr val="bg1"/>
+                </a:solidFill>
+              </a:endParaRPr>
+            </a:p>
+          </p:txBody>
+        </p:sp>
+        <p:sp>
+          <p:nvSpPr>
+            <p:cNvPr id="21" name="직사각형 20">
+              <a:extLst>
+                <a:ext uri="{FF2B5EF4-FFF2-40B4-BE49-F238E27FC236}">
+                  <a16:creationId xmlns:a16="http://schemas.microsoft.com/office/drawing/2014/main" id="{F27F548C-65F8-0185-549A-D99A94B6512D}"/>
+                </a:ext>
+              </a:extLst>
+            </p:cNvPr>
+            <p:cNvSpPr/>
+            <p:nvPr/>
+          </p:nvSpPr>
+          <p:spPr>
+            <a:xfrm>
+              <a:off x="2511967" y="1581592"/>
+              <a:ext cx="987400" cy="639275"/>
+            </a:xfrm>
+            <a:prstGeom prst="rect">
+              <a:avLst/>
+            </a:prstGeom>
+            <a:ln/>
+          </p:spPr>
+          <p:style>
+            <a:lnRef idx="2">
+              <a:schemeClr val="accent6"/>
+            </a:lnRef>
+            <a:fillRef idx="1">
+              <a:schemeClr val="lt1"/>
+            </a:fillRef>
+            <a:effectRef idx="0">
+              <a:schemeClr val="accent6"/>
+            </a:effectRef>
+            <a:fontRef idx="minor">
+              <a:schemeClr val="dk1"/>
+            </a:fontRef>
+          </p:style>
+          <p:txBody>
+            <a:bodyPr rtlCol="0" anchor="ctr"/>
+            <a:lstStyle/>
+            <a:p>
+              <a:pPr algn="ctr"/>
+              <a:r>
+                <a:rPr lang="en-US" altLang="ko-KR" sz="1400" b="1" dirty="0">
+                  <a:latin typeface="Consolas" panose="020B0609020204030204" pitchFamily="49" charset="0"/>
+                </a:rPr>
+                <a:t>Role</a:t>
+              </a:r>
+              <a:br>
+                <a:rPr lang="en-US" altLang="ko-KR" sz="1400" b="1" dirty="0">
+                  <a:latin typeface="Consolas" panose="020B0609020204030204" pitchFamily="49" charset="0"/>
+                </a:rPr>
+              </a:br>
+              <a:r>
+                <a:rPr lang="en-US" altLang="ko-KR" sz="1400" b="1" dirty="0">
+                  <a:latin typeface="Consolas" panose="020B0609020204030204" pitchFamily="49" charset="0"/>
+                </a:rPr>
+                <a:t>(Pod)</a:t>
+              </a:r>
+              <a:endParaRPr lang="ko-KR" altLang="en-US" sz="1400" b="1" dirty="0">
+                <a:latin typeface="Consolas" panose="020B0609020204030204" pitchFamily="49" charset="0"/>
+              </a:endParaRPr>
+            </a:p>
+          </p:txBody>
+        </p:sp>
+        <p:sp>
+          <p:nvSpPr>
+            <p:cNvPr id="22" name="직사각형 21">
+              <a:extLst>
+                <a:ext uri="{FF2B5EF4-FFF2-40B4-BE49-F238E27FC236}">
+                  <a16:creationId xmlns:a16="http://schemas.microsoft.com/office/drawing/2014/main" id="{AD328E9F-343A-77BD-A7CD-9B235F21C817}"/>
+                </a:ext>
+              </a:extLst>
+            </p:cNvPr>
+            <p:cNvSpPr/>
+            <p:nvPr/>
+          </p:nvSpPr>
+          <p:spPr>
+            <a:xfrm>
+              <a:off x="2511967" y="2710913"/>
+              <a:ext cx="987401" cy="845384"/>
+            </a:xfrm>
+            <a:prstGeom prst="rect">
+              <a:avLst/>
+            </a:prstGeom>
+            <a:solidFill>
+              <a:schemeClr val="bg2">
+                <a:lumMod val="25000"/>
+              </a:schemeClr>
+            </a:solidFill>
+            <a:ln>
+              <a:solidFill>
+                <a:schemeClr val="accent1"/>
+              </a:solidFill>
+            </a:ln>
+          </p:spPr>
+          <p:style>
+            <a:lnRef idx="2">
+              <a:schemeClr val="accent2">
+                <a:shade val="50000"/>
+              </a:schemeClr>
+            </a:lnRef>
+            <a:fillRef idx="1">
+              <a:schemeClr val="accent2"/>
+            </a:fillRef>
+            <a:effectRef idx="0">
+              <a:schemeClr val="accent2"/>
+            </a:effectRef>
+            <a:fontRef idx="minor">
+              <a:schemeClr val="lt1"/>
+            </a:fontRef>
+          </p:style>
+          <p:txBody>
+            <a:bodyPr rtlCol="0" anchor="ctr"/>
+            <a:lstStyle/>
+            <a:p>
+              <a:pPr algn="ctr"/>
+              <a:r>
+                <a:rPr lang="en-US" altLang="ko-KR" sz="1400" b="1" dirty="0">
+                  <a:latin typeface="Consolas" panose="020B0609020204030204" pitchFamily="49" charset="0"/>
+                </a:rPr>
+                <a:t>Role</a:t>
+              </a:r>
+            </a:p>
+            <a:p>
+              <a:pPr algn="ctr"/>
+              <a:r>
+                <a:rPr lang="en-US" altLang="ko-KR" sz="1400" b="1" dirty="0">
+                  <a:latin typeface="Consolas" panose="020B0609020204030204" pitchFamily="49" charset="0"/>
+                </a:rPr>
+                <a:t>Binding</a:t>
+              </a:r>
+              <a:endParaRPr lang="ko-KR" altLang="en-US" sz="1400" b="1" dirty="0">
+                <a:latin typeface="Consolas" panose="020B0609020204030204" pitchFamily="49" charset="0"/>
+              </a:endParaRPr>
+            </a:p>
+          </p:txBody>
+        </p:sp>
+        <p:cxnSp>
+          <p:nvCxnSpPr>
+            <p:cNvPr id="23" name="직선 화살표 연결선 22">
+              <a:extLst>
+                <a:ext uri="{FF2B5EF4-FFF2-40B4-BE49-F238E27FC236}">
+                  <a16:creationId xmlns:a16="http://schemas.microsoft.com/office/drawing/2014/main" id="{8277B4D1-DB7E-15FE-5B8C-1BCF76186546}"/>
+                </a:ext>
+              </a:extLst>
+            </p:cNvPr>
+            <p:cNvCxnSpPr>
+              <a:cxnSpLocks/>
+              <a:stCxn id="22" idx="0"/>
+              <a:endCxn id="21" idx="2"/>
+            </p:cNvCxnSpPr>
+            <p:nvPr/>
+          </p:nvCxnSpPr>
+          <p:spPr>
+            <a:xfrm flipH="1" flipV="1">
+              <a:off x="3005667" y="2220867"/>
+              <a:ext cx="1" cy="490046"/>
+            </a:xfrm>
+            <a:prstGeom prst="straightConnector1">
+              <a:avLst/>
+            </a:prstGeom>
+            <a:ln w="28575">
+              <a:solidFill>
+                <a:schemeClr val="bg1"/>
+              </a:solidFill>
+              <a:prstDash val="dash"/>
+              <a:tailEnd type="triangle"/>
+            </a:ln>
+          </p:spPr>
+          <p:style>
+            <a:lnRef idx="1">
+              <a:schemeClr val="accent1"/>
+            </a:lnRef>
+            <a:fillRef idx="0">
+              <a:schemeClr val="accent1"/>
+            </a:fillRef>
+            <a:effectRef idx="0">
+              <a:schemeClr val="accent1"/>
+            </a:effectRef>
+            <a:fontRef idx="minor">
+              <a:schemeClr val="tx1"/>
+            </a:fontRef>
+          </p:style>
+        </p:cxnSp>
+        <p:sp>
+          <p:nvSpPr>
+            <p:cNvPr id="30" name="직사각형 29">
+              <a:extLst>
+                <a:ext uri="{FF2B5EF4-FFF2-40B4-BE49-F238E27FC236}">
+                  <a16:creationId xmlns:a16="http://schemas.microsoft.com/office/drawing/2014/main" id="{FCCC1965-E275-7252-01A7-FD827E01F246}"/>
+                </a:ext>
+              </a:extLst>
+            </p:cNvPr>
+            <p:cNvSpPr/>
+            <p:nvPr/>
+          </p:nvSpPr>
+          <p:spPr>
+            <a:xfrm>
+              <a:off x="2323065" y="4046343"/>
+              <a:ext cx="1348269" cy="682198"/>
+            </a:xfrm>
+            <a:prstGeom prst="rect">
+              <a:avLst/>
+            </a:prstGeom>
+            <a:solidFill>
+              <a:srgbClr val="00B050"/>
+            </a:solidFill>
+            <a:ln>
+              <a:solidFill>
+                <a:schemeClr val="accent1"/>
+              </a:solidFill>
+            </a:ln>
+          </p:spPr>
+          <p:style>
+            <a:lnRef idx="2">
+              <a:schemeClr val="accent2">
+                <a:shade val="50000"/>
+              </a:schemeClr>
+            </a:lnRef>
+            <a:fillRef idx="1">
+              <a:schemeClr val="accent2"/>
+            </a:fillRef>
+            <a:effectRef idx="0">
+              <a:schemeClr val="accent2"/>
+            </a:effectRef>
+            <a:fontRef idx="minor">
+              <a:schemeClr val="lt1"/>
+            </a:fontRef>
+          </p:style>
+          <p:txBody>
+            <a:bodyPr rtlCol="0" anchor="ctr"/>
+            <a:lstStyle/>
+            <a:p>
+              <a:pPr algn="ctr"/>
+              <a:r>
+                <a:rPr lang="en-US" altLang="ko-KR" sz="1100" b="1" dirty="0">
+                  <a:latin typeface="Consolas" panose="020B0609020204030204" pitchFamily="49" charset="0"/>
+                </a:rPr>
+                <a:t>Service Account</a:t>
+              </a:r>
+              <a:endParaRPr lang="ko-KR" altLang="en-US" sz="1100" b="1" dirty="0">
+                <a:latin typeface="Consolas" panose="020B0609020204030204" pitchFamily="49" charset="0"/>
+              </a:endParaRPr>
+            </a:p>
+          </p:txBody>
+        </p:sp>
+        <p:cxnSp>
+          <p:nvCxnSpPr>
+            <p:cNvPr id="32" name="직선 화살표 연결선 31">
+              <a:extLst>
+                <a:ext uri="{FF2B5EF4-FFF2-40B4-BE49-F238E27FC236}">
+                  <a16:creationId xmlns:a16="http://schemas.microsoft.com/office/drawing/2014/main" id="{884528B9-7E14-C10C-58EF-B86F9D7ABA97}"/>
+                </a:ext>
+              </a:extLst>
+            </p:cNvPr>
+            <p:cNvCxnSpPr>
+              <a:cxnSpLocks/>
+              <a:stCxn id="22" idx="2"/>
+              <a:endCxn id="30" idx="0"/>
+            </p:cNvCxnSpPr>
+            <p:nvPr/>
+          </p:nvCxnSpPr>
+          <p:spPr>
+            <a:xfrm flipH="1">
+              <a:off x="2997200" y="3556297"/>
+              <a:ext cx="8468" cy="490046"/>
+            </a:xfrm>
+            <a:prstGeom prst="straightConnector1">
+              <a:avLst/>
+            </a:prstGeom>
+            <a:ln w="28575">
+              <a:solidFill>
+                <a:schemeClr val="bg1"/>
+              </a:solidFill>
+              <a:prstDash val="dash"/>
+              <a:tailEnd type="triangle"/>
+            </a:ln>
+          </p:spPr>
+          <p:style>
+            <a:lnRef idx="1">
+              <a:schemeClr val="accent1"/>
+            </a:lnRef>
+            <a:fillRef idx="0">
+              <a:schemeClr val="accent1"/>
+            </a:fillRef>
+            <a:effectRef idx="0">
+              <a:schemeClr val="accent1"/>
+            </a:effectRef>
+            <a:fontRef idx="minor">
+              <a:schemeClr val="tx1"/>
+            </a:fontRef>
+          </p:style>
+        </p:cxnSp>
+        <p:sp>
+          <p:nvSpPr>
+            <p:cNvPr id="48" name="직사각형 47">
+              <a:extLst>
+                <a:ext uri="{FF2B5EF4-FFF2-40B4-BE49-F238E27FC236}">
+                  <a16:creationId xmlns:a16="http://schemas.microsoft.com/office/drawing/2014/main" id="{C0C60F96-9CAE-1030-CC30-07BFEE29988C}"/>
+                </a:ext>
+              </a:extLst>
+            </p:cNvPr>
+            <p:cNvSpPr/>
+            <p:nvPr/>
+          </p:nvSpPr>
+          <p:spPr>
+            <a:xfrm>
+              <a:off x="5909732" y="758826"/>
+              <a:ext cx="2387602" cy="4287308"/>
+            </a:xfrm>
+            <a:prstGeom prst="rect">
+              <a:avLst/>
+            </a:prstGeom>
+            <a:solidFill>
+              <a:schemeClr val="accent1"/>
+            </a:solidFill>
+            <a:ln>
+              <a:solidFill>
+                <a:schemeClr val="accent1"/>
+              </a:solidFill>
+            </a:ln>
+          </p:spPr>
+          <p:style>
+            <a:lnRef idx="2">
+              <a:schemeClr val="accent2">
+                <a:shade val="50000"/>
+              </a:schemeClr>
+            </a:lnRef>
+            <a:fillRef idx="1">
+              <a:schemeClr val="accent2"/>
+            </a:fillRef>
+            <a:effectRef idx="0">
+              <a:schemeClr val="accent2"/>
+            </a:effectRef>
+            <a:fontRef idx="minor">
+              <a:schemeClr val="lt1"/>
+            </a:fontRef>
+          </p:style>
+          <p:txBody>
+            <a:bodyPr rtlCol="0" anchor="b"/>
+            <a:lstStyle/>
+            <a:p>
+              <a:pPr algn="ctr"/>
+              <a:endParaRPr lang="ko-KR" altLang="en-US" sz="1400" b="1" dirty="0">
+                <a:latin typeface="Consolas" panose="020B0609020204030204" pitchFamily="49" charset="0"/>
+              </a:endParaRPr>
+            </a:p>
+          </p:txBody>
+        </p:sp>
+        <p:sp>
+          <p:nvSpPr>
+            <p:cNvPr id="49" name="TextBox 48">
+              <a:extLst>
+                <a:ext uri="{FF2B5EF4-FFF2-40B4-BE49-F238E27FC236}">
+                  <a16:creationId xmlns:a16="http://schemas.microsoft.com/office/drawing/2014/main" id="{FB2DD4D4-F342-3E47-3EC7-D0CF09602FEA}"/>
+                </a:ext>
+              </a:extLst>
+            </p:cNvPr>
+            <p:cNvSpPr txBox="1"/>
+            <p:nvPr/>
+          </p:nvSpPr>
+          <p:spPr>
+            <a:xfrm>
+              <a:off x="6290733" y="939787"/>
+              <a:ext cx="1608666" cy="369332"/>
+            </a:xfrm>
+            <a:prstGeom prst="rect">
+              <a:avLst/>
+            </a:prstGeom>
+            <a:noFill/>
+          </p:spPr>
+          <p:txBody>
+            <a:bodyPr wrap="square" rtlCol="0">
+              <a:spAutoFit/>
+            </a:bodyPr>
+            <a:lstStyle/>
+            <a:p>
+              <a:pPr algn="ctr"/>
+              <a:r>
+                <a:rPr lang="en-US" altLang="ko-KR" dirty="0">
+                  <a:solidFill>
+                    <a:schemeClr val="bg1"/>
+                  </a:solidFill>
+                </a:rPr>
+                <a:t>ns-2</a:t>
+              </a:r>
+              <a:endParaRPr lang="ko-KR" altLang="en-US" dirty="0">
+                <a:solidFill>
+                  <a:schemeClr val="bg1"/>
+                </a:solidFill>
+              </a:endParaRPr>
+            </a:p>
+          </p:txBody>
+        </p:sp>
+        <p:cxnSp>
+          <p:nvCxnSpPr>
+            <p:cNvPr id="54" name="직선 화살표 연결선 53">
+              <a:extLst>
+                <a:ext uri="{FF2B5EF4-FFF2-40B4-BE49-F238E27FC236}">
+                  <a16:creationId xmlns:a16="http://schemas.microsoft.com/office/drawing/2014/main" id="{99E00107-C195-E2E1-BCFB-AD37BF37E996}"/>
+                </a:ext>
+              </a:extLst>
+            </p:cNvPr>
+            <p:cNvCxnSpPr>
+              <a:cxnSpLocks/>
+              <a:stCxn id="10" idx="0"/>
+              <a:endCxn id="12" idx="2"/>
+            </p:cNvCxnSpPr>
+            <p:nvPr/>
+          </p:nvCxnSpPr>
+          <p:spPr>
+            <a:xfrm flipH="1" flipV="1">
+              <a:off x="7103533" y="2319857"/>
+              <a:ext cx="1" cy="391056"/>
+            </a:xfrm>
+            <a:prstGeom prst="straightConnector1">
+              <a:avLst/>
+            </a:prstGeom>
+            <a:ln w="28575">
+              <a:solidFill>
+                <a:schemeClr val="bg1"/>
+              </a:solidFill>
+              <a:prstDash val="dash"/>
+              <a:tailEnd type="triangle"/>
+            </a:ln>
+          </p:spPr>
+          <p:style>
+            <a:lnRef idx="1">
+              <a:schemeClr val="accent1"/>
+            </a:lnRef>
+            <a:fillRef idx="0">
+              <a:schemeClr val="accent1"/>
+            </a:fillRef>
+            <a:effectRef idx="0">
+              <a:schemeClr val="accent1"/>
+            </a:effectRef>
+            <a:fontRef idx="minor">
+              <a:schemeClr val="tx1"/>
+            </a:fontRef>
+          </p:style>
+        </p:cxnSp>
+        <p:sp>
+          <p:nvSpPr>
+            <p:cNvPr id="10" name="직사각형 9">
+              <a:extLst>
+                <a:ext uri="{FF2B5EF4-FFF2-40B4-BE49-F238E27FC236}">
+                  <a16:creationId xmlns:a16="http://schemas.microsoft.com/office/drawing/2014/main" id="{17DA359E-A387-2998-8562-BFF0135506E7}"/>
+                </a:ext>
+              </a:extLst>
+            </p:cNvPr>
+            <p:cNvSpPr/>
+            <p:nvPr/>
+          </p:nvSpPr>
+          <p:spPr>
+            <a:xfrm>
+              <a:off x="6609833" y="2710913"/>
+              <a:ext cx="987401" cy="845384"/>
+            </a:xfrm>
+            <a:prstGeom prst="rect">
+              <a:avLst/>
+            </a:prstGeom>
+            <a:solidFill>
+              <a:schemeClr val="bg2">
+                <a:lumMod val="25000"/>
+              </a:schemeClr>
+            </a:solidFill>
+            <a:ln>
+              <a:solidFill>
+                <a:schemeClr val="accent1"/>
+              </a:solidFill>
+            </a:ln>
+          </p:spPr>
+          <p:style>
+            <a:lnRef idx="2">
+              <a:schemeClr val="accent2">
+                <a:shade val="50000"/>
+              </a:schemeClr>
+            </a:lnRef>
+            <a:fillRef idx="1">
+              <a:schemeClr val="accent2"/>
+            </a:fillRef>
+            <a:effectRef idx="0">
+              <a:schemeClr val="accent2"/>
+            </a:effectRef>
+            <a:fontRef idx="minor">
+              <a:schemeClr val="lt1"/>
+            </a:fontRef>
+          </p:style>
+          <p:txBody>
+            <a:bodyPr rtlCol="0" anchor="ctr"/>
+            <a:lstStyle/>
+            <a:p>
+              <a:pPr algn="ctr"/>
+              <a:r>
+                <a:rPr lang="en-US" altLang="ko-KR" sz="1400" b="1" dirty="0">
+                  <a:latin typeface="Consolas" panose="020B0609020204030204" pitchFamily="49" charset="0"/>
+                </a:rPr>
+                <a:t>Role</a:t>
+              </a:r>
+            </a:p>
+            <a:p>
+              <a:pPr algn="ctr"/>
+              <a:r>
+                <a:rPr lang="en-US" altLang="ko-KR" sz="1400" b="1" dirty="0">
+                  <a:latin typeface="Consolas" panose="020B0609020204030204" pitchFamily="49" charset="0"/>
+                </a:rPr>
+                <a:t>Binding</a:t>
+              </a:r>
+              <a:endParaRPr lang="ko-KR" altLang="en-US" sz="1400" b="1" dirty="0">
+                <a:latin typeface="Consolas" panose="020B0609020204030204" pitchFamily="49" charset="0"/>
+              </a:endParaRPr>
+            </a:p>
+          </p:txBody>
+        </p:sp>
+        <p:sp>
+          <p:nvSpPr>
+            <p:cNvPr id="12" name="직사각형 11">
+              <a:extLst>
+                <a:ext uri="{FF2B5EF4-FFF2-40B4-BE49-F238E27FC236}">
+                  <a16:creationId xmlns:a16="http://schemas.microsoft.com/office/drawing/2014/main" id="{63407090-D1AE-FDBB-17F1-5D75A78CFF51}"/>
+                </a:ext>
+              </a:extLst>
+            </p:cNvPr>
+            <p:cNvSpPr/>
+            <p:nvPr/>
+          </p:nvSpPr>
+          <p:spPr>
+            <a:xfrm>
+              <a:off x="6609833" y="1680582"/>
+              <a:ext cx="987400" cy="639275"/>
+            </a:xfrm>
+            <a:prstGeom prst="rect">
+              <a:avLst/>
+            </a:prstGeom>
+            <a:ln/>
+          </p:spPr>
+          <p:style>
+            <a:lnRef idx="2">
+              <a:schemeClr val="accent6"/>
+            </a:lnRef>
+            <a:fillRef idx="1">
+              <a:schemeClr val="lt1"/>
+            </a:fillRef>
+            <a:effectRef idx="0">
+              <a:schemeClr val="accent6"/>
+            </a:effectRef>
+            <a:fontRef idx="minor">
+              <a:schemeClr val="dk1"/>
+            </a:fontRef>
+          </p:style>
+          <p:txBody>
+            <a:bodyPr rtlCol="0" anchor="ctr"/>
+            <a:lstStyle/>
+            <a:p>
+              <a:pPr algn="ctr"/>
+              <a:r>
+                <a:rPr lang="en-US" altLang="ko-KR" sz="1400" b="1" dirty="0">
+                  <a:latin typeface="Consolas" panose="020B0609020204030204" pitchFamily="49" charset="0"/>
+                </a:rPr>
+                <a:t>Role</a:t>
+              </a:r>
+              <a:br>
+                <a:rPr lang="en-US" altLang="ko-KR" sz="1400" b="1" dirty="0">
+                  <a:latin typeface="Consolas" panose="020B0609020204030204" pitchFamily="49" charset="0"/>
+                </a:rPr>
+              </a:br>
+              <a:r>
+                <a:rPr lang="en-US" altLang="ko-KR" sz="1400" b="1" dirty="0">
+                  <a:latin typeface="Consolas" panose="020B0609020204030204" pitchFamily="49" charset="0"/>
+                </a:rPr>
+                <a:t>(Pod)</a:t>
+              </a:r>
+              <a:endParaRPr lang="ko-KR" altLang="en-US" sz="1400" b="1" dirty="0">
+                <a:latin typeface="Consolas" panose="020B0609020204030204" pitchFamily="49" charset="0"/>
+              </a:endParaRPr>
+            </a:p>
+          </p:txBody>
+        </p:sp>
+        <p:sp>
+          <p:nvSpPr>
+            <p:cNvPr id="24" name="TextBox 23">
+              <a:extLst>
+                <a:ext uri="{FF2B5EF4-FFF2-40B4-BE49-F238E27FC236}">
+                  <a16:creationId xmlns:a16="http://schemas.microsoft.com/office/drawing/2014/main" id="{4434E053-0325-AADD-2E39-4D8715FD1644}"/>
+                </a:ext>
+              </a:extLst>
+            </p:cNvPr>
+            <p:cNvSpPr txBox="1"/>
+            <p:nvPr/>
+          </p:nvSpPr>
+          <p:spPr>
+            <a:xfrm>
+              <a:off x="4250267" y="755121"/>
+              <a:ext cx="1608666" cy="369332"/>
+            </a:xfrm>
+            <a:prstGeom prst="rect">
+              <a:avLst/>
+            </a:prstGeom>
+            <a:noFill/>
+          </p:spPr>
+          <p:txBody>
+            <a:bodyPr wrap="square" rtlCol="0">
+              <a:spAutoFit/>
+            </a:bodyPr>
+            <a:lstStyle/>
+            <a:p>
+              <a:pPr algn="ctr"/>
+              <a:r>
+                <a:rPr lang="en-US" altLang="ko-KR" dirty="0">
+                  <a:solidFill>
+                    <a:schemeClr val="bg1"/>
+                  </a:solidFill>
+                </a:rPr>
+                <a:t>Cluster</a:t>
+              </a:r>
+              <a:endParaRPr lang="ko-KR" altLang="en-US" dirty="0">
+                <a:solidFill>
+                  <a:schemeClr val="bg1"/>
+                </a:solidFill>
+              </a:endParaRPr>
+            </a:p>
+          </p:txBody>
+        </p:sp>
+        <p:sp>
+          <p:nvSpPr>
+            <p:cNvPr id="26" name="직사각형 25">
+              <a:extLst>
+                <a:ext uri="{FF2B5EF4-FFF2-40B4-BE49-F238E27FC236}">
+                  <a16:creationId xmlns:a16="http://schemas.microsoft.com/office/drawing/2014/main" id="{1831B0F3-AE35-F157-29B3-821AF5D30B94}"/>
+                </a:ext>
+              </a:extLst>
+            </p:cNvPr>
+            <p:cNvSpPr/>
+            <p:nvPr/>
+          </p:nvSpPr>
+          <p:spPr>
+            <a:xfrm>
+              <a:off x="4287050" y="5261982"/>
+              <a:ext cx="1535100" cy="639275"/>
+            </a:xfrm>
+            <a:prstGeom prst="rect">
+              <a:avLst/>
+            </a:prstGeom>
+            <a:ln/>
+          </p:spPr>
+          <p:style>
+            <a:lnRef idx="2">
+              <a:schemeClr val="accent6"/>
+            </a:lnRef>
+            <a:fillRef idx="1">
+              <a:schemeClr val="lt1"/>
+            </a:fillRef>
+            <a:effectRef idx="0">
+              <a:schemeClr val="accent6"/>
+            </a:effectRef>
+            <a:fontRef idx="minor">
+              <a:schemeClr val="dk1"/>
+            </a:fontRef>
+          </p:style>
+          <p:txBody>
+            <a:bodyPr rtlCol="0" anchor="ctr"/>
+            <a:lstStyle/>
+            <a:p>
+              <a:pPr algn="ctr"/>
+              <a:r>
+                <a:rPr lang="en-US" altLang="ko-KR" sz="1400" b="1" dirty="0">
+                  <a:latin typeface="Consolas" panose="020B0609020204030204" pitchFamily="49" charset="0"/>
+                </a:rPr>
+                <a:t>Cluster Role</a:t>
+              </a:r>
+              <a:br>
+                <a:rPr lang="en-US" altLang="ko-KR" sz="1400" b="1" dirty="0">
+                  <a:latin typeface="Consolas" panose="020B0609020204030204" pitchFamily="49" charset="0"/>
+                </a:rPr>
+              </a:br>
+              <a:r>
+                <a:rPr lang="en-US" altLang="ko-KR" sz="1400" b="1" dirty="0">
+                  <a:latin typeface="Consolas" panose="020B0609020204030204" pitchFamily="49" charset="0"/>
+                </a:rPr>
+                <a:t>(Pod)</a:t>
+              </a:r>
+              <a:endParaRPr lang="ko-KR" altLang="en-US" sz="1400" b="1" dirty="0">
+                <a:latin typeface="Consolas" panose="020B0609020204030204" pitchFamily="49" charset="0"/>
+              </a:endParaRPr>
+            </a:p>
+          </p:txBody>
+        </p:sp>
+        <p:sp>
+          <p:nvSpPr>
+            <p:cNvPr id="34" name="직사각형 33">
+              <a:extLst>
+                <a:ext uri="{FF2B5EF4-FFF2-40B4-BE49-F238E27FC236}">
+                  <a16:creationId xmlns:a16="http://schemas.microsoft.com/office/drawing/2014/main" id="{E25C0901-095C-6B81-29DD-8D985C656CC0}"/>
+                </a:ext>
+              </a:extLst>
+            </p:cNvPr>
+            <p:cNvSpPr/>
+            <p:nvPr/>
+          </p:nvSpPr>
+          <p:spPr>
+            <a:xfrm>
+              <a:off x="4560899" y="3964750"/>
+              <a:ext cx="987401" cy="845384"/>
+            </a:xfrm>
+            <a:prstGeom prst="rect">
+              <a:avLst/>
+            </a:prstGeom>
+            <a:solidFill>
+              <a:schemeClr val="bg2">
+                <a:lumMod val="25000"/>
+              </a:schemeClr>
+            </a:solidFill>
+            <a:ln>
+              <a:solidFill>
+                <a:schemeClr val="accent1"/>
+              </a:solidFill>
+            </a:ln>
+          </p:spPr>
+          <p:style>
+            <a:lnRef idx="2">
+              <a:schemeClr val="accent2">
+                <a:shade val="50000"/>
+              </a:schemeClr>
+            </a:lnRef>
+            <a:fillRef idx="1">
+              <a:schemeClr val="accent2"/>
+            </a:fillRef>
+            <a:effectRef idx="0">
+              <a:schemeClr val="accent2"/>
+            </a:effectRef>
+            <a:fontRef idx="minor">
+              <a:schemeClr val="lt1"/>
+            </a:fontRef>
+          </p:style>
+          <p:txBody>
+            <a:bodyPr rtlCol="0" anchor="ctr"/>
+            <a:lstStyle/>
+            <a:p>
+              <a:pPr algn="ctr"/>
+              <a:r>
+                <a:rPr lang="en-US" altLang="ko-KR" sz="1400" b="1" dirty="0">
+                  <a:latin typeface="Consolas" panose="020B0609020204030204" pitchFamily="49" charset="0"/>
+                </a:rPr>
+                <a:t>Cluster</a:t>
+              </a:r>
+              <a:br>
+                <a:rPr lang="en-US" altLang="ko-KR" sz="1400" b="1" dirty="0">
+                  <a:latin typeface="Consolas" panose="020B0609020204030204" pitchFamily="49" charset="0"/>
+                </a:rPr>
+              </a:br>
+              <a:r>
+                <a:rPr lang="en-US" altLang="ko-KR" sz="1400" b="1" dirty="0">
+                  <a:latin typeface="Consolas" panose="020B0609020204030204" pitchFamily="49" charset="0"/>
+                </a:rPr>
+                <a:t>Role</a:t>
+              </a:r>
+            </a:p>
+            <a:p>
+              <a:pPr algn="ctr"/>
+              <a:r>
+                <a:rPr lang="en-US" altLang="ko-KR" sz="1400" b="1" dirty="0">
+                  <a:latin typeface="Consolas" panose="020B0609020204030204" pitchFamily="49" charset="0"/>
+                </a:rPr>
+                <a:t>Binding</a:t>
+              </a:r>
+              <a:endParaRPr lang="ko-KR" altLang="en-US" sz="1400" b="1" dirty="0">
+                <a:latin typeface="Consolas" panose="020B0609020204030204" pitchFamily="49" charset="0"/>
+              </a:endParaRPr>
+            </a:p>
+          </p:txBody>
+        </p:sp>
+        <p:cxnSp>
+          <p:nvCxnSpPr>
+            <p:cNvPr id="38" name="직선 화살표 연결선 37">
+              <a:extLst>
+                <a:ext uri="{FF2B5EF4-FFF2-40B4-BE49-F238E27FC236}">
+                  <a16:creationId xmlns:a16="http://schemas.microsoft.com/office/drawing/2014/main" id="{BC567FE5-D3CF-CA2E-F0DD-2C654B2F3777}"/>
+                </a:ext>
+              </a:extLst>
+            </p:cNvPr>
+            <p:cNvCxnSpPr>
+              <a:cxnSpLocks/>
+              <a:stCxn id="34" idx="2"/>
+              <a:endCxn id="26" idx="0"/>
+            </p:cNvCxnSpPr>
+            <p:nvPr/>
+          </p:nvCxnSpPr>
+          <p:spPr>
+            <a:xfrm>
+              <a:off x="5054600" y="4810134"/>
+              <a:ext cx="0" cy="451848"/>
+            </a:xfrm>
+            <a:prstGeom prst="straightConnector1">
+              <a:avLst/>
+            </a:prstGeom>
+            <a:ln w="28575">
+              <a:solidFill>
+                <a:schemeClr val="bg1"/>
+              </a:solidFill>
+              <a:prstDash val="dash"/>
+              <a:tailEnd type="triangle"/>
+            </a:ln>
+          </p:spPr>
+          <p:style>
+            <a:lnRef idx="1">
+              <a:schemeClr val="accent1"/>
+            </a:lnRef>
+            <a:fillRef idx="0">
+              <a:schemeClr val="accent1"/>
+            </a:fillRef>
+            <a:effectRef idx="0">
+              <a:schemeClr val="accent1"/>
+            </a:effectRef>
+            <a:fontRef idx="minor">
+              <a:schemeClr val="tx1"/>
+            </a:fontRef>
+          </p:style>
+        </p:cxnSp>
+        <p:cxnSp>
+          <p:nvCxnSpPr>
+            <p:cNvPr id="41" name="직선 화살표 연결선 40">
+              <a:extLst>
+                <a:ext uri="{FF2B5EF4-FFF2-40B4-BE49-F238E27FC236}">
+                  <a16:creationId xmlns:a16="http://schemas.microsoft.com/office/drawing/2014/main" id="{B55CD4A1-CBE7-DBEC-EB1A-121696325248}"/>
+                </a:ext>
+              </a:extLst>
+            </p:cNvPr>
+            <p:cNvCxnSpPr>
+              <a:cxnSpLocks/>
+              <a:stCxn id="34" idx="1"/>
+              <a:endCxn id="30" idx="3"/>
+            </p:cNvCxnSpPr>
+            <p:nvPr/>
+          </p:nvCxnSpPr>
+          <p:spPr>
+            <a:xfrm flipH="1">
+              <a:off x="3671334" y="4387442"/>
+              <a:ext cx="889565" cy="0"/>
+            </a:xfrm>
+            <a:prstGeom prst="straightConnector1">
+              <a:avLst/>
+            </a:prstGeom>
+            <a:ln w="28575">
+              <a:solidFill>
+                <a:schemeClr val="bg1"/>
+              </a:solidFill>
+              <a:prstDash val="dash"/>
+              <a:tailEnd type="triangle"/>
+            </a:ln>
+          </p:spPr>
+          <p:style>
+            <a:lnRef idx="1">
+              <a:schemeClr val="accent1"/>
+            </a:lnRef>
+            <a:fillRef idx="0">
+              <a:schemeClr val="accent1"/>
+            </a:fillRef>
+            <a:effectRef idx="0">
+              <a:schemeClr val="accent1"/>
+            </a:effectRef>
+            <a:fontRef idx="minor">
+              <a:schemeClr val="tx1"/>
+            </a:fontRef>
+          </p:style>
+        </p:cxnSp>
+      </p:grpSp>
+    </p:spTree>
+    <p:extLst>
+      <p:ext uri="{BB962C8B-B14F-4D97-AF65-F5344CB8AC3E}">
+        <p14:creationId xmlns:p14="http://schemas.microsoft.com/office/powerpoint/2010/main" val="1773261537"/>
+      </p:ext>
+    </p:extLst>
+  </p:cSld>
+  <p:clrMapOvr>
+    <a:masterClrMapping/>
+  </p:clrMapOvr>
+</p:sld>
+</file>
+
+<file path=ppt/slides/slide34.xml><?xml version="1.0" encoding="utf-8"?>
+<p:sld xmlns:a="http://schemas.openxmlformats.org/drawingml/2006/main" xmlns:r="http://schemas.openxmlformats.org/officeDocument/2006/relationships" xmlns:p="http://schemas.openxmlformats.org/presentationml/2006/main">
+  <p:cSld>
+    <p:spTree>
+      <p:nvGrpSpPr>
+        <p:cNvPr id="1" name=""/>
+        <p:cNvGrpSpPr/>
+        <p:nvPr/>
+      </p:nvGrpSpPr>
+      <p:grpSpPr>
+        <a:xfrm>
+          <a:off x="0" y="0"/>
+          <a:ext cx="0" cy="0"/>
+          <a:chOff x="0" y="0"/>
+          <a:chExt cx="0" cy="0"/>
+        </a:xfrm>
+      </p:grpSpPr>
+      <p:sp>
+        <p:nvSpPr>
+          <p:cNvPr id="2" name="TextBox 1">
+            <a:extLst>
+              <a:ext uri="{FF2B5EF4-FFF2-40B4-BE49-F238E27FC236}">
+                <a16:creationId xmlns:a16="http://schemas.microsoft.com/office/drawing/2014/main" id="{AF53483D-1A80-C107-D3AB-6901351F1D3F}"/>
+              </a:ext>
+            </a:extLst>
+          </p:cNvPr>
+          <p:cNvSpPr txBox="1"/>
+          <p:nvPr/>
+        </p:nvSpPr>
+        <p:spPr>
+          <a:xfrm>
+            <a:off x="10388600" y="6596390"/>
+            <a:ext cx="1803400" cy="261610"/>
+          </a:xfrm>
+          <a:prstGeom prst="rect">
+            <a:avLst/>
+          </a:prstGeom>
+          <a:noFill/>
+        </p:spPr>
+        <p:txBody>
+          <a:bodyPr wrap="square" rtlCol="0">
+            <a:spAutoFit/>
+          </a:bodyPr>
+          <a:lstStyle/>
+          <a:p>
+            <a:pPr algn="r"/>
+            <a:r>
+              <a:rPr lang="en-US" altLang="ko-KR" sz="1100" dirty="0"/>
+              <a:t>Kim0lil/80700</a:t>
+            </a:r>
+            <a:endParaRPr lang="ko-KR" altLang="en-US" sz="1100" dirty="0"/>
+          </a:p>
+        </p:txBody>
+      </p:sp>
+      <p:grpSp>
+        <p:nvGrpSpPr>
+          <p:cNvPr id="60" name="그룹 59">
+            <a:extLst>
+              <a:ext uri="{FF2B5EF4-FFF2-40B4-BE49-F238E27FC236}">
+                <a16:creationId xmlns:a16="http://schemas.microsoft.com/office/drawing/2014/main" id="{ABA840EA-5BFF-8F95-8E9B-875222DD1DF6}"/>
+              </a:ext>
+            </a:extLst>
+          </p:cNvPr>
+          <p:cNvGrpSpPr/>
+          <p:nvPr/>
+        </p:nvGrpSpPr>
+        <p:grpSpPr>
+          <a:xfrm>
+            <a:off x="1511298" y="558793"/>
+            <a:ext cx="5058835" cy="5834608"/>
+            <a:chOff x="1511298" y="558793"/>
+            <a:chExt cx="5058835" cy="5834608"/>
+          </a:xfrm>
+        </p:grpSpPr>
+        <p:sp>
+          <p:nvSpPr>
+            <p:cNvPr id="3" name="직사각형 2">
+              <a:extLst>
+                <a:ext uri="{FF2B5EF4-FFF2-40B4-BE49-F238E27FC236}">
+                  <a16:creationId xmlns:a16="http://schemas.microsoft.com/office/drawing/2014/main" id="{80A86AC3-2392-C40A-3469-57B25DDD3A90}"/>
+                </a:ext>
+              </a:extLst>
+            </p:cNvPr>
+            <p:cNvSpPr/>
+            <p:nvPr/>
+          </p:nvSpPr>
+          <p:spPr>
+            <a:xfrm>
+              <a:off x="1511298" y="558793"/>
+              <a:ext cx="5058835" cy="4538140"/>
+            </a:xfrm>
+            <a:prstGeom prst="rect">
+              <a:avLst/>
+            </a:prstGeom>
+            <a:solidFill>
+              <a:schemeClr val="accent1">
+                <a:lumMod val="60000"/>
+                <a:lumOff val="40000"/>
+              </a:schemeClr>
+            </a:solidFill>
+            <a:ln>
+              <a:solidFill>
+                <a:schemeClr val="accent1">
+                  <a:lumMod val="50000"/>
+                </a:schemeClr>
+              </a:solidFill>
+            </a:ln>
+          </p:spPr>
+          <p:style>
+            <a:lnRef idx="2">
+              <a:schemeClr val="accent2">
+                <a:shade val="50000"/>
+              </a:schemeClr>
+            </a:lnRef>
+            <a:fillRef idx="1">
+              <a:schemeClr val="accent2"/>
+            </a:fillRef>
+            <a:effectRef idx="0">
+              <a:schemeClr val="accent2"/>
+            </a:effectRef>
+            <a:fontRef idx="minor">
+              <a:schemeClr val="lt1"/>
+            </a:fontRef>
+          </p:style>
+          <p:txBody>
+            <a:bodyPr rtlCol="0" anchor="b"/>
+            <a:lstStyle/>
+            <a:p>
+              <a:pPr algn="ctr"/>
+              <a:r>
+                <a:rPr lang="en-US" altLang="ko-KR" sz="1400" b="1" dirty="0">
+                  <a:latin typeface="Consolas" panose="020B0609020204030204" pitchFamily="49" charset="0"/>
+                </a:rPr>
+                <a:t>Node</a:t>
+              </a:r>
+              <a:endParaRPr lang="ko-KR" altLang="en-US" sz="1400" b="1" dirty="0">
+                <a:latin typeface="Consolas" panose="020B0609020204030204" pitchFamily="49" charset="0"/>
+              </a:endParaRPr>
+            </a:p>
+          </p:txBody>
+        </p:sp>
+        <p:sp>
+          <p:nvSpPr>
+            <p:cNvPr id="4" name="직사각형 3">
+              <a:extLst>
+                <a:ext uri="{FF2B5EF4-FFF2-40B4-BE49-F238E27FC236}">
+                  <a16:creationId xmlns:a16="http://schemas.microsoft.com/office/drawing/2014/main" id="{7BDA9463-FD0A-2A60-70CB-83ECB185ED67}"/>
+                </a:ext>
+              </a:extLst>
+            </p:cNvPr>
+            <p:cNvSpPr/>
+            <p:nvPr/>
+          </p:nvSpPr>
+          <p:spPr>
+            <a:xfrm>
+              <a:off x="1648887" y="736942"/>
+              <a:ext cx="3677132" cy="3222286"/>
+            </a:xfrm>
+            <a:prstGeom prst="rect">
+              <a:avLst/>
+            </a:prstGeom>
+            <a:solidFill>
+              <a:schemeClr val="bg2">
+                <a:lumMod val="25000"/>
+              </a:schemeClr>
+            </a:solidFill>
+            <a:ln>
+              <a:solidFill>
+                <a:schemeClr val="accent1"/>
+              </a:solidFill>
+            </a:ln>
+          </p:spPr>
+          <p:style>
+            <a:lnRef idx="2">
+              <a:schemeClr val="accent2">
+                <a:shade val="50000"/>
+              </a:schemeClr>
+            </a:lnRef>
+            <a:fillRef idx="1">
+              <a:schemeClr val="accent2"/>
+            </a:fillRef>
+            <a:effectRef idx="0">
+              <a:schemeClr val="accent2"/>
+            </a:effectRef>
+            <a:fontRef idx="minor">
+              <a:schemeClr val="lt1"/>
+            </a:fontRef>
+          </p:style>
+          <p:txBody>
+            <a:bodyPr rtlCol="0" anchor="b"/>
+            <a:lstStyle/>
+            <a:p>
+              <a:pPr algn="ctr"/>
+              <a:r>
+                <a:rPr lang="en-US" altLang="ko-KR" sz="1400" b="1" dirty="0">
+                  <a:latin typeface="Consolas" panose="020B0609020204030204" pitchFamily="49" charset="0"/>
+                </a:rPr>
+                <a:t>Pod</a:t>
+              </a:r>
+              <a:endParaRPr lang="ko-KR" altLang="en-US" sz="1400" b="1" dirty="0">
+                <a:latin typeface="Consolas" panose="020B0609020204030204" pitchFamily="49" charset="0"/>
+              </a:endParaRPr>
+            </a:p>
+          </p:txBody>
+        </p:sp>
+        <p:sp>
+          <p:nvSpPr>
+            <p:cNvPr id="5" name="직사각형 4">
+              <a:extLst>
+                <a:ext uri="{FF2B5EF4-FFF2-40B4-BE49-F238E27FC236}">
+                  <a16:creationId xmlns:a16="http://schemas.microsoft.com/office/drawing/2014/main" id="{43EFBF70-851A-05BE-39A4-8C4EE3A69117}"/>
+                </a:ext>
+              </a:extLst>
+            </p:cNvPr>
+            <p:cNvSpPr/>
+            <p:nvPr/>
+          </p:nvSpPr>
+          <p:spPr>
+            <a:xfrm>
+              <a:off x="1885433" y="921192"/>
+              <a:ext cx="1729834" cy="1187008"/>
+            </a:xfrm>
+            <a:prstGeom prst="rect">
+              <a:avLst/>
+            </a:prstGeom>
+            <a:ln/>
+          </p:spPr>
+          <p:style>
+            <a:lnRef idx="2">
+              <a:schemeClr val="accent6"/>
+            </a:lnRef>
+            <a:fillRef idx="1">
+              <a:schemeClr val="lt1"/>
+            </a:fillRef>
+            <a:effectRef idx="0">
+              <a:schemeClr val="accent6"/>
+            </a:effectRef>
+            <a:fontRef idx="minor">
+              <a:schemeClr val="dk1"/>
+            </a:fontRef>
+          </p:style>
+          <p:txBody>
+            <a:bodyPr rtlCol="0" anchor="b"/>
+            <a:lstStyle/>
+            <a:p>
+              <a:pPr algn="ctr"/>
+              <a:r>
+                <a:rPr lang="en-US" altLang="ko-KR" sz="1400" b="1" dirty="0">
+                  <a:latin typeface="Consolas" panose="020B0609020204030204" pitchFamily="49" charset="0"/>
+                </a:rPr>
+                <a:t>Container</a:t>
+              </a:r>
+              <a:endParaRPr lang="ko-KR" altLang="en-US" sz="1400" b="1" dirty="0">
+                <a:latin typeface="Consolas" panose="020B0609020204030204" pitchFamily="49" charset="0"/>
+              </a:endParaRPr>
+            </a:p>
+          </p:txBody>
+        </p:sp>
+        <p:sp>
+          <p:nvSpPr>
+            <p:cNvPr id="6" name="직사각형 5">
+              <a:extLst>
+                <a:ext uri="{FF2B5EF4-FFF2-40B4-BE49-F238E27FC236}">
+                  <a16:creationId xmlns:a16="http://schemas.microsoft.com/office/drawing/2014/main" id="{775B2D04-BCE6-0C71-DEC5-C153429DD4A6}"/>
+                </a:ext>
+              </a:extLst>
+            </p:cNvPr>
+            <p:cNvSpPr/>
+            <p:nvPr/>
+          </p:nvSpPr>
+          <p:spPr>
+            <a:xfrm>
+              <a:off x="1885433" y="2286349"/>
+              <a:ext cx="1729834" cy="414518"/>
+            </a:xfrm>
+            <a:prstGeom prst="rect">
+              <a:avLst/>
+            </a:prstGeom>
+            <a:ln/>
+          </p:spPr>
+          <p:style>
+            <a:lnRef idx="2">
+              <a:schemeClr val="accent6"/>
+            </a:lnRef>
+            <a:fillRef idx="1">
+              <a:schemeClr val="lt1"/>
+            </a:fillRef>
+            <a:effectRef idx="0">
+              <a:schemeClr val="accent6"/>
+            </a:effectRef>
+            <a:fontRef idx="minor">
+              <a:schemeClr val="dk1"/>
+            </a:fontRef>
+          </p:style>
+          <p:txBody>
+            <a:bodyPr rtlCol="0" anchor="b"/>
+            <a:lstStyle/>
+            <a:p>
+              <a:pPr algn="ctr"/>
+              <a:r>
+                <a:rPr lang="en-US" altLang="ko-KR" sz="1400" b="1" dirty="0">
+                  <a:latin typeface="Consolas" panose="020B0609020204030204" pitchFamily="49" charset="0"/>
+                </a:rPr>
+                <a:t>Container</a:t>
+              </a:r>
+              <a:endParaRPr lang="ko-KR" altLang="en-US" sz="1400" b="1" dirty="0">
+                <a:latin typeface="Consolas" panose="020B0609020204030204" pitchFamily="49" charset="0"/>
+              </a:endParaRPr>
+            </a:p>
+          </p:txBody>
+        </p:sp>
+        <p:sp>
+          <p:nvSpPr>
+            <p:cNvPr id="7" name="직사각형 6">
+              <a:extLst>
+                <a:ext uri="{FF2B5EF4-FFF2-40B4-BE49-F238E27FC236}">
+                  <a16:creationId xmlns:a16="http://schemas.microsoft.com/office/drawing/2014/main" id="{677C45FC-79ED-C37D-B367-F17A85F5ED22}"/>
+                </a:ext>
+              </a:extLst>
+            </p:cNvPr>
+            <p:cNvSpPr/>
+            <p:nvPr/>
+          </p:nvSpPr>
+          <p:spPr>
+            <a:xfrm>
+              <a:off x="1972736" y="1027988"/>
+              <a:ext cx="757629" cy="538345"/>
+            </a:xfrm>
+            <a:prstGeom prst="rect">
+              <a:avLst/>
+            </a:prstGeom>
+            <a:solidFill>
+              <a:schemeClr val="accent2">
+                <a:lumMod val="75000"/>
+              </a:schemeClr>
+            </a:solidFill>
+            <a:ln>
+              <a:solidFill>
+                <a:schemeClr val="bg1"/>
+              </a:solidFill>
+            </a:ln>
+          </p:spPr>
+          <p:style>
+            <a:lnRef idx="2">
+              <a:schemeClr val="accent2">
+                <a:shade val="50000"/>
+              </a:schemeClr>
+            </a:lnRef>
+            <a:fillRef idx="1">
+              <a:schemeClr val="accent2"/>
+            </a:fillRef>
+            <a:effectRef idx="0">
+              <a:schemeClr val="accent2"/>
+            </a:effectRef>
+            <a:fontRef idx="minor">
+              <a:schemeClr val="lt1"/>
+            </a:fontRef>
+          </p:style>
+          <p:txBody>
+            <a:bodyPr rtlCol="0" anchor="ctr"/>
+            <a:lstStyle/>
+            <a:p>
+              <a:pPr algn="ctr"/>
+              <a:r>
+                <a:rPr lang="en-US" altLang="ko-KR" sz="1100" b="1" dirty="0">
+                  <a:latin typeface="Consolas" panose="020B0609020204030204" pitchFamily="49" charset="0"/>
+                </a:rPr>
+                <a:t>App</a:t>
+              </a:r>
+              <a:endParaRPr lang="ko-KR" altLang="en-US" sz="1100" b="1" dirty="0">
+                <a:latin typeface="Consolas" panose="020B0609020204030204" pitchFamily="49" charset="0"/>
+              </a:endParaRPr>
+            </a:p>
+          </p:txBody>
+        </p:sp>
+        <p:sp>
+          <p:nvSpPr>
+            <p:cNvPr id="8" name="직사각형 7">
+              <a:extLst>
+                <a:ext uri="{FF2B5EF4-FFF2-40B4-BE49-F238E27FC236}">
+                  <a16:creationId xmlns:a16="http://schemas.microsoft.com/office/drawing/2014/main" id="{2F96BD2D-EA9D-592E-D81A-CAA6AF3625D4}"/>
+                </a:ext>
+              </a:extLst>
+            </p:cNvPr>
+            <p:cNvSpPr/>
+            <p:nvPr/>
+          </p:nvSpPr>
+          <p:spPr>
+            <a:xfrm>
+              <a:off x="2765551" y="1027988"/>
+              <a:ext cx="757629" cy="538345"/>
+            </a:xfrm>
+            <a:prstGeom prst="rect">
+              <a:avLst/>
+            </a:prstGeom>
+            <a:solidFill>
+              <a:schemeClr val="accent2">
+                <a:lumMod val="75000"/>
+              </a:schemeClr>
+            </a:solidFill>
+            <a:ln>
+              <a:solidFill>
+                <a:schemeClr val="bg1"/>
+              </a:solidFill>
+            </a:ln>
+          </p:spPr>
+          <p:style>
+            <a:lnRef idx="2">
+              <a:schemeClr val="accent2">
+                <a:shade val="50000"/>
+              </a:schemeClr>
+            </a:lnRef>
+            <a:fillRef idx="1">
+              <a:schemeClr val="accent2"/>
+            </a:fillRef>
+            <a:effectRef idx="0">
+              <a:schemeClr val="accent2"/>
+            </a:effectRef>
+            <a:fontRef idx="minor">
+              <a:schemeClr val="lt1"/>
+            </a:fontRef>
+          </p:style>
+          <p:txBody>
+            <a:bodyPr rtlCol="0" anchor="ctr"/>
+            <a:lstStyle/>
+            <a:p>
+              <a:pPr algn="ctr"/>
+              <a:r>
+                <a:rPr lang="en-US" altLang="ko-KR" sz="1100" b="1" dirty="0">
+                  <a:latin typeface="Consolas" panose="020B0609020204030204" pitchFamily="49" charset="0"/>
+                </a:rPr>
+                <a:t>App</a:t>
+              </a:r>
+              <a:endParaRPr lang="ko-KR" altLang="en-US" sz="1100" b="1" dirty="0">
+                <a:latin typeface="Consolas" panose="020B0609020204030204" pitchFamily="49" charset="0"/>
+              </a:endParaRPr>
+            </a:p>
+          </p:txBody>
+        </p:sp>
+        <p:sp>
+          <p:nvSpPr>
+            <p:cNvPr id="9" name="직사각형 8">
+              <a:extLst>
+                <a:ext uri="{FF2B5EF4-FFF2-40B4-BE49-F238E27FC236}">
+                  <a16:creationId xmlns:a16="http://schemas.microsoft.com/office/drawing/2014/main" id="{26FCA7E6-663C-6C33-BD0F-6B2919FCB8EC}"/>
+                </a:ext>
+              </a:extLst>
+            </p:cNvPr>
+            <p:cNvSpPr/>
+            <p:nvPr/>
+          </p:nvSpPr>
+          <p:spPr>
+            <a:xfrm>
+              <a:off x="3908551" y="3013603"/>
+              <a:ext cx="1213782" cy="538345"/>
+            </a:xfrm>
+            <a:prstGeom prst="rect">
+              <a:avLst/>
+            </a:prstGeom>
+            <a:solidFill>
+              <a:srgbClr val="002060"/>
+            </a:solidFill>
+            <a:ln>
+              <a:solidFill>
+                <a:schemeClr val="bg1"/>
+              </a:solidFill>
+            </a:ln>
+          </p:spPr>
+          <p:style>
+            <a:lnRef idx="2">
+              <a:schemeClr val="accent2">
+                <a:shade val="50000"/>
+              </a:schemeClr>
+            </a:lnRef>
+            <a:fillRef idx="1">
+              <a:schemeClr val="accent2"/>
+            </a:fillRef>
+            <a:effectRef idx="0">
+              <a:schemeClr val="accent2"/>
+            </a:effectRef>
+            <a:fontRef idx="minor">
+              <a:schemeClr val="lt1"/>
+            </a:fontRef>
+          </p:style>
+          <p:txBody>
+            <a:bodyPr rtlCol="0" anchor="ctr"/>
+            <a:lstStyle/>
+            <a:p>
+              <a:pPr algn="ctr"/>
+              <a:r>
+                <a:rPr lang="en-US" altLang="ko-KR" sz="1100" b="1" dirty="0">
+                  <a:latin typeface="Consolas" panose="020B0609020204030204" pitchFamily="49" charset="0"/>
+                </a:rPr>
+                <a:t>Network Adaptor</a:t>
+              </a:r>
+              <a:endParaRPr lang="ko-KR" altLang="en-US" sz="1100" b="1" dirty="0">
+                <a:latin typeface="Consolas" panose="020B0609020204030204" pitchFamily="49" charset="0"/>
+              </a:endParaRPr>
+            </a:p>
+          </p:txBody>
+        </p:sp>
+        <p:cxnSp>
+          <p:nvCxnSpPr>
+            <p:cNvPr id="11" name="연결선: 꺾임 10">
+              <a:extLst>
+                <a:ext uri="{FF2B5EF4-FFF2-40B4-BE49-F238E27FC236}">
+                  <a16:creationId xmlns:a16="http://schemas.microsoft.com/office/drawing/2014/main" id="{2CDFFCC6-1D2B-2215-E3C7-BB6D173D4D22}"/>
+                </a:ext>
+              </a:extLst>
+            </p:cNvPr>
+            <p:cNvCxnSpPr>
+              <a:cxnSpLocks/>
+              <a:stCxn id="5" idx="3"/>
+              <a:endCxn id="9" idx="0"/>
+            </p:cNvCxnSpPr>
+            <p:nvPr/>
+          </p:nvCxnSpPr>
+          <p:spPr>
+            <a:xfrm>
+              <a:off x="3615267" y="1514696"/>
+              <a:ext cx="900175" cy="1498907"/>
+            </a:xfrm>
+            <a:prstGeom prst="bentConnector2">
+              <a:avLst/>
+            </a:prstGeom>
+            <a:ln w="28575">
+              <a:solidFill>
+                <a:schemeClr val="tx2">
+                  <a:lumMod val="20000"/>
+                  <a:lumOff val="80000"/>
+                </a:schemeClr>
+              </a:solidFill>
+              <a:prstDash val="dash"/>
+              <a:headEnd type="none" w="med" len="med"/>
+              <a:tailEnd type="triangle" w="med" len="med"/>
+            </a:ln>
+          </p:spPr>
+          <p:style>
+            <a:lnRef idx="1">
+              <a:schemeClr val="accent1"/>
+            </a:lnRef>
+            <a:fillRef idx="0">
+              <a:schemeClr val="accent1"/>
+            </a:fillRef>
+            <a:effectRef idx="0">
+              <a:schemeClr val="accent1"/>
+            </a:effectRef>
+            <a:fontRef idx="minor">
+              <a:schemeClr val="tx1"/>
+            </a:fontRef>
+          </p:style>
+        </p:cxnSp>
+        <p:cxnSp>
+          <p:nvCxnSpPr>
+            <p:cNvPr id="16" name="연결선: 꺾임 15">
+              <a:extLst>
+                <a:ext uri="{FF2B5EF4-FFF2-40B4-BE49-F238E27FC236}">
+                  <a16:creationId xmlns:a16="http://schemas.microsoft.com/office/drawing/2014/main" id="{794B6926-7C03-753A-B727-B460DEF837BD}"/>
+                </a:ext>
+              </a:extLst>
+            </p:cNvPr>
+            <p:cNvCxnSpPr>
+              <a:cxnSpLocks/>
+              <a:stCxn id="6" idx="2"/>
+              <a:endCxn id="9" idx="1"/>
+            </p:cNvCxnSpPr>
+            <p:nvPr/>
+          </p:nvCxnSpPr>
+          <p:spPr>
+            <a:xfrm rot="16200000" flipH="1">
+              <a:off x="3038496" y="2412720"/>
+              <a:ext cx="581909" cy="1158201"/>
+            </a:xfrm>
+            <a:prstGeom prst="bentConnector2">
+              <a:avLst/>
+            </a:prstGeom>
+            <a:ln w="28575">
+              <a:solidFill>
+                <a:schemeClr val="tx2">
+                  <a:lumMod val="20000"/>
+                  <a:lumOff val="80000"/>
+                </a:schemeClr>
+              </a:solidFill>
+              <a:prstDash val="dash"/>
+              <a:headEnd type="none" w="med" len="med"/>
+              <a:tailEnd type="triangle" w="med" len="med"/>
+            </a:ln>
+          </p:spPr>
+          <p:style>
+            <a:lnRef idx="1">
+              <a:schemeClr val="accent1"/>
+            </a:lnRef>
+            <a:fillRef idx="0">
+              <a:schemeClr val="accent1"/>
+            </a:fillRef>
+            <a:effectRef idx="0">
+              <a:schemeClr val="accent1"/>
+            </a:effectRef>
+            <a:fontRef idx="minor">
+              <a:schemeClr val="tx1"/>
+            </a:fontRef>
+          </p:style>
+        </p:cxnSp>
+        <p:sp>
+          <p:nvSpPr>
+            <p:cNvPr id="28" name="직사각형 27">
+              <a:extLst>
+                <a:ext uri="{FF2B5EF4-FFF2-40B4-BE49-F238E27FC236}">
+                  <a16:creationId xmlns:a16="http://schemas.microsoft.com/office/drawing/2014/main" id="{8DE18FEF-4167-020D-FB1C-CD84EFC19B30}"/>
+                </a:ext>
+              </a:extLst>
+            </p:cNvPr>
+            <p:cNvSpPr/>
+            <p:nvPr/>
+          </p:nvSpPr>
+          <p:spPr>
+            <a:xfrm>
+              <a:off x="5582732" y="5548017"/>
+              <a:ext cx="987401" cy="845384"/>
+            </a:xfrm>
+            <a:prstGeom prst="rect">
+              <a:avLst/>
+            </a:prstGeom>
+            <a:solidFill>
+              <a:schemeClr val="bg2">
+                <a:lumMod val="25000"/>
+              </a:schemeClr>
+            </a:solidFill>
+            <a:ln>
+              <a:solidFill>
+                <a:schemeClr val="tx1">
+                  <a:lumMod val="95000"/>
+                  <a:lumOff val="5000"/>
+                </a:schemeClr>
+              </a:solidFill>
+            </a:ln>
+          </p:spPr>
+          <p:style>
+            <a:lnRef idx="2">
+              <a:schemeClr val="accent2">
+                <a:shade val="50000"/>
+              </a:schemeClr>
+            </a:lnRef>
+            <a:fillRef idx="1">
+              <a:schemeClr val="accent2"/>
+            </a:fillRef>
+            <a:effectRef idx="0">
+              <a:schemeClr val="accent2"/>
+            </a:effectRef>
+            <a:fontRef idx="minor">
+              <a:schemeClr val="lt1"/>
+            </a:fontRef>
+          </p:style>
+          <p:txBody>
+            <a:bodyPr rtlCol="0" anchor="ctr"/>
+            <a:lstStyle/>
+            <a:p>
+              <a:pPr algn="ctr"/>
+              <a:r>
+                <a:rPr lang="en-US" altLang="ko-KR" sz="1400" b="1" dirty="0">
+                  <a:latin typeface="Consolas" panose="020B0609020204030204" pitchFamily="49" charset="0"/>
+                </a:rPr>
+                <a:t>Client</a:t>
+              </a:r>
+              <a:endParaRPr lang="ko-KR" altLang="en-US" sz="1400" b="1" dirty="0">
+                <a:latin typeface="Consolas" panose="020B0609020204030204" pitchFamily="49" charset="0"/>
+              </a:endParaRPr>
+            </a:p>
+          </p:txBody>
+        </p:sp>
+        <p:sp>
+          <p:nvSpPr>
+            <p:cNvPr id="39" name="직사각형 38">
+              <a:extLst>
+                <a:ext uri="{FF2B5EF4-FFF2-40B4-BE49-F238E27FC236}">
+                  <a16:creationId xmlns:a16="http://schemas.microsoft.com/office/drawing/2014/main" id="{FFFFA2B0-138F-5CE8-A142-73EB3ACE3127}"/>
+                </a:ext>
+              </a:extLst>
+            </p:cNvPr>
+            <p:cNvSpPr/>
+            <p:nvPr/>
+          </p:nvSpPr>
+          <p:spPr>
+            <a:xfrm>
+              <a:off x="5122333" y="4410312"/>
+              <a:ext cx="1213782" cy="538345"/>
+            </a:xfrm>
+            <a:prstGeom prst="rect">
+              <a:avLst/>
+            </a:prstGeom>
+            <a:solidFill>
+              <a:srgbClr val="002060"/>
+            </a:solidFill>
+            <a:ln>
+              <a:solidFill>
+                <a:schemeClr val="bg1"/>
+              </a:solidFill>
+            </a:ln>
+          </p:spPr>
+          <p:style>
+            <a:lnRef idx="2">
+              <a:schemeClr val="accent2">
+                <a:shade val="50000"/>
+              </a:schemeClr>
+            </a:lnRef>
+            <a:fillRef idx="1">
+              <a:schemeClr val="accent2"/>
+            </a:fillRef>
+            <a:effectRef idx="0">
+              <a:schemeClr val="accent2"/>
+            </a:effectRef>
+            <a:fontRef idx="minor">
+              <a:schemeClr val="lt1"/>
+            </a:fontRef>
+          </p:style>
+          <p:txBody>
+            <a:bodyPr rtlCol="0" anchor="ctr"/>
+            <a:lstStyle/>
+            <a:p>
+              <a:pPr algn="ctr"/>
+              <a:r>
+                <a:rPr lang="en-US" altLang="ko-KR" sz="1100" b="1" dirty="0">
+                  <a:latin typeface="Consolas" panose="020B0609020204030204" pitchFamily="49" charset="0"/>
+                </a:rPr>
+                <a:t>Service</a:t>
+              </a:r>
+              <a:endParaRPr lang="ko-KR" altLang="en-US" sz="1100" b="1" dirty="0">
+                <a:latin typeface="Consolas" panose="020B0609020204030204" pitchFamily="49" charset="0"/>
+              </a:endParaRPr>
+            </a:p>
+          </p:txBody>
+        </p:sp>
+        <p:cxnSp>
+          <p:nvCxnSpPr>
+            <p:cNvPr id="40" name="연결선: 꺾임 39">
+              <a:extLst>
+                <a:ext uri="{FF2B5EF4-FFF2-40B4-BE49-F238E27FC236}">
+                  <a16:creationId xmlns:a16="http://schemas.microsoft.com/office/drawing/2014/main" id="{FEC691B5-1EF6-FFB9-5CC9-E822F326C841}"/>
+                </a:ext>
+              </a:extLst>
+            </p:cNvPr>
+            <p:cNvCxnSpPr>
+              <a:cxnSpLocks/>
+              <a:stCxn id="39" idx="1"/>
+              <a:endCxn id="9" idx="2"/>
+            </p:cNvCxnSpPr>
+            <p:nvPr/>
+          </p:nvCxnSpPr>
+          <p:spPr>
+            <a:xfrm rot="10800000">
+              <a:off x="4515443" y="3551949"/>
+              <a:ext cx="606891" cy="1127537"/>
+            </a:xfrm>
+            <a:prstGeom prst="bentConnector2">
+              <a:avLst/>
+            </a:prstGeom>
+            <a:ln w="28575">
+              <a:solidFill>
+                <a:srgbClr val="0070C0"/>
+              </a:solidFill>
+              <a:prstDash val="dash"/>
+              <a:headEnd type="none" w="med" len="med"/>
+              <a:tailEnd type="triangle" w="med" len="med"/>
+            </a:ln>
+          </p:spPr>
+          <p:style>
+            <a:lnRef idx="1">
+              <a:schemeClr val="accent1"/>
+            </a:lnRef>
+            <a:fillRef idx="0">
+              <a:schemeClr val="accent1"/>
+            </a:fillRef>
+            <a:effectRef idx="0">
+              <a:schemeClr val="accent1"/>
+            </a:effectRef>
+            <a:fontRef idx="minor">
+              <a:schemeClr val="tx1"/>
+            </a:fontRef>
+          </p:style>
+        </p:cxnSp>
+        <p:cxnSp>
+          <p:nvCxnSpPr>
+            <p:cNvPr id="44" name="연결선: 꺾임 43">
+              <a:extLst>
+                <a:ext uri="{FF2B5EF4-FFF2-40B4-BE49-F238E27FC236}">
+                  <a16:creationId xmlns:a16="http://schemas.microsoft.com/office/drawing/2014/main" id="{EEEC41AC-47F4-B06F-6049-5F09B9E49C49}"/>
+                </a:ext>
+              </a:extLst>
+            </p:cNvPr>
+            <p:cNvCxnSpPr>
+              <a:cxnSpLocks/>
+              <a:stCxn id="39" idx="3"/>
+              <a:endCxn id="28" idx="3"/>
+            </p:cNvCxnSpPr>
+            <p:nvPr/>
+          </p:nvCxnSpPr>
+          <p:spPr>
+            <a:xfrm>
+              <a:off x="6336115" y="4679485"/>
+              <a:ext cx="234018" cy="1291224"/>
+            </a:xfrm>
+            <a:prstGeom prst="bentConnector3">
+              <a:avLst>
+                <a:gd name="adj1" fmla="val 302605"/>
+              </a:avLst>
+            </a:prstGeom>
+            <a:ln w="28575">
+              <a:solidFill>
+                <a:srgbClr val="0070C0"/>
+              </a:solidFill>
+              <a:prstDash val="dash"/>
+              <a:headEnd type="none" w="med" len="med"/>
+              <a:tailEnd type="triangle" w="med" len="med"/>
+            </a:ln>
+          </p:spPr>
+          <p:style>
+            <a:lnRef idx="1">
+              <a:schemeClr val="accent1"/>
+            </a:lnRef>
+            <a:fillRef idx="0">
+              <a:schemeClr val="accent1"/>
+            </a:fillRef>
+            <a:effectRef idx="0">
+              <a:schemeClr val="accent1"/>
+            </a:effectRef>
+            <a:fontRef idx="minor">
+              <a:schemeClr val="tx1"/>
+            </a:fontRef>
+          </p:style>
+        </p:cxnSp>
+      </p:grpSp>
+    </p:spTree>
+    <p:extLst>
+      <p:ext uri="{BB962C8B-B14F-4D97-AF65-F5344CB8AC3E}">
+        <p14:creationId xmlns:p14="http://schemas.microsoft.com/office/powerpoint/2010/main" val="4307365"/>
+      </p:ext>
+    </p:extLst>
+  </p:cSld>
+  <p:clrMapOvr>
+    <a:masterClrMapping/>
+  </p:clrMapOvr>
+</p:sld>
+</file>
+
+<file path=ppt/slides/slide35.xml><?xml version="1.0" encoding="utf-8"?>
+<p:sld xmlns:a="http://schemas.openxmlformats.org/drawingml/2006/main" xmlns:r="http://schemas.openxmlformats.org/officeDocument/2006/relationships" xmlns:p="http://schemas.openxmlformats.org/presentationml/2006/main">
+  <p:cSld>
+    <p:spTree>
+      <p:nvGrpSpPr>
+        <p:cNvPr id="1" name=""/>
+        <p:cNvGrpSpPr/>
+        <p:nvPr/>
+      </p:nvGrpSpPr>
+      <p:grpSpPr>
+        <a:xfrm>
+          <a:off x="0" y="0"/>
+          <a:ext cx="0" cy="0"/>
+          <a:chOff x="0" y="0"/>
+          <a:chExt cx="0" cy="0"/>
+        </a:xfrm>
+      </p:grpSpPr>
+      <p:sp>
+        <p:nvSpPr>
+          <p:cNvPr id="2" name="TextBox 1">
+            <a:extLst>
+              <a:ext uri="{FF2B5EF4-FFF2-40B4-BE49-F238E27FC236}">
+                <a16:creationId xmlns:a16="http://schemas.microsoft.com/office/drawing/2014/main" id="{AF53483D-1A80-C107-D3AB-6901351F1D3F}"/>
+              </a:ext>
+            </a:extLst>
+          </p:cNvPr>
+          <p:cNvSpPr txBox="1"/>
+          <p:nvPr/>
+        </p:nvSpPr>
+        <p:spPr>
+          <a:xfrm>
+            <a:off x="10388600" y="6596390"/>
+            <a:ext cx="1803400" cy="261610"/>
+          </a:xfrm>
+          <a:prstGeom prst="rect">
+            <a:avLst/>
+          </a:prstGeom>
+          <a:noFill/>
+        </p:spPr>
+        <p:txBody>
+          <a:bodyPr wrap="square" rtlCol="0">
+            <a:spAutoFit/>
+          </a:bodyPr>
+          <a:lstStyle/>
+          <a:p>
+            <a:pPr algn="r"/>
+            <a:r>
+              <a:rPr lang="en-US" altLang="ko-KR" sz="1100" dirty="0"/>
+              <a:t>Kim0lil/80700</a:t>
+            </a:r>
+            <a:endParaRPr lang="ko-KR" altLang="en-US" sz="1100" dirty="0"/>
+          </a:p>
+        </p:txBody>
+      </p:sp>
+      <p:sp>
+        <p:nvSpPr>
+          <p:cNvPr id="3" name="직사각형 2">
+            <a:extLst>
+              <a:ext uri="{FF2B5EF4-FFF2-40B4-BE49-F238E27FC236}">
+                <a16:creationId xmlns:a16="http://schemas.microsoft.com/office/drawing/2014/main" id="{80A86AC3-2392-C40A-3469-57B25DDD3A90}"/>
+              </a:ext>
+            </a:extLst>
+          </p:cNvPr>
+          <p:cNvSpPr/>
+          <p:nvPr/>
+        </p:nvSpPr>
+        <p:spPr>
+          <a:xfrm>
+            <a:off x="1511298" y="558793"/>
+            <a:ext cx="5058835" cy="4538140"/>
+          </a:xfrm>
+          <a:prstGeom prst="rect">
+            <a:avLst/>
+          </a:prstGeom>
+          <a:solidFill>
+            <a:schemeClr val="accent1">
+              <a:lumMod val="60000"/>
+              <a:lumOff val="40000"/>
+            </a:schemeClr>
+          </a:solidFill>
+          <a:ln>
+            <a:solidFill>
+              <a:schemeClr val="accent1">
+                <a:lumMod val="50000"/>
+              </a:schemeClr>
+            </a:solidFill>
+          </a:ln>
+        </p:spPr>
+        <p:style>
+          <a:lnRef idx="2">
+            <a:schemeClr val="accent2">
+              <a:shade val="50000"/>
+            </a:schemeClr>
+          </a:lnRef>
+          <a:fillRef idx="1">
+            <a:schemeClr val="accent2"/>
+          </a:fillRef>
+          <a:effectRef idx="0">
+            <a:schemeClr val="accent2"/>
+          </a:effectRef>
+          <a:fontRef idx="minor">
+            <a:schemeClr val="lt1"/>
+          </a:fontRef>
+        </p:style>
+        <p:txBody>
+          <a:bodyPr rtlCol="0" anchor="b"/>
+          <a:lstStyle/>
+          <a:p>
+            <a:pPr algn="ctr"/>
+            <a:r>
+              <a:rPr lang="en-US" altLang="ko-KR" sz="1400" b="1" dirty="0">
+                <a:latin typeface="Consolas" panose="020B0609020204030204" pitchFamily="49" charset="0"/>
+              </a:rPr>
+              <a:t>Node</a:t>
+            </a:r>
+            <a:endParaRPr lang="ko-KR" altLang="en-US" sz="1400" b="1" dirty="0">
+              <a:latin typeface="Consolas" panose="020B0609020204030204" pitchFamily="49" charset="0"/>
+            </a:endParaRPr>
+          </a:p>
+        </p:txBody>
+      </p:sp>
+      <p:sp>
+        <p:nvSpPr>
+          <p:cNvPr id="4" name="직사각형 3">
+            <a:extLst>
+              <a:ext uri="{FF2B5EF4-FFF2-40B4-BE49-F238E27FC236}">
+                <a16:creationId xmlns:a16="http://schemas.microsoft.com/office/drawing/2014/main" id="{7BDA9463-FD0A-2A60-70CB-83ECB185ED67}"/>
+              </a:ext>
+            </a:extLst>
+          </p:cNvPr>
+          <p:cNvSpPr/>
+          <p:nvPr/>
+        </p:nvSpPr>
+        <p:spPr>
+          <a:xfrm>
+            <a:off x="1648887" y="736942"/>
+            <a:ext cx="3677132" cy="3222286"/>
+          </a:xfrm>
+          <a:prstGeom prst="rect">
+            <a:avLst/>
+          </a:prstGeom>
+          <a:solidFill>
+            <a:schemeClr val="bg2">
+              <a:lumMod val="25000"/>
+            </a:schemeClr>
+          </a:solidFill>
+          <a:ln>
+            <a:solidFill>
+              <a:schemeClr val="accent1"/>
+            </a:solidFill>
+          </a:ln>
+        </p:spPr>
+        <p:style>
+          <a:lnRef idx="2">
+            <a:schemeClr val="accent2">
+              <a:shade val="50000"/>
+            </a:schemeClr>
+          </a:lnRef>
+          <a:fillRef idx="1">
+            <a:schemeClr val="accent2"/>
+          </a:fillRef>
+          <a:effectRef idx="0">
+            <a:schemeClr val="accent2"/>
+          </a:effectRef>
+          <a:fontRef idx="minor">
+            <a:schemeClr val="lt1"/>
+          </a:fontRef>
+        </p:style>
+        <p:txBody>
+          <a:bodyPr rtlCol="0" anchor="b"/>
+          <a:lstStyle/>
+          <a:p>
+            <a:pPr algn="ctr"/>
+            <a:r>
+              <a:rPr lang="en-US" altLang="ko-KR" sz="1400" b="1" dirty="0">
+                <a:latin typeface="Consolas" panose="020B0609020204030204" pitchFamily="49" charset="0"/>
+              </a:rPr>
+              <a:t>Pod</a:t>
+            </a:r>
+            <a:endParaRPr lang="ko-KR" altLang="en-US" sz="1400" b="1" dirty="0">
+              <a:latin typeface="Consolas" panose="020B0609020204030204" pitchFamily="49" charset="0"/>
+            </a:endParaRPr>
+          </a:p>
+        </p:txBody>
+      </p:sp>
+      <p:sp>
+        <p:nvSpPr>
+          <p:cNvPr id="5" name="직사각형 4">
+            <a:extLst>
+              <a:ext uri="{FF2B5EF4-FFF2-40B4-BE49-F238E27FC236}">
+                <a16:creationId xmlns:a16="http://schemas.microsoft.com/office/drawing/2014/main" id="{43EFBF70-851A-05BE-39A4-8C4EE3A69117}"/>
+              </a:ext>
+            </a:extLst>
+          </p:cNvPr>
+          <p:cNvSpPr/>
+          <p:nvPr/>
+        </p:nvSpPr>
+        <p:spPr>
+          <a:xfrm>
+            <a:off x="1885433" y="921192"/>
+            <a:ext cx="1729834" cy="1187008"/>
+          </a:xfrm>
+          <a:prstGeom prst="rect">
+            <a:avLst/>
+          </a:prstGeom>
+          <a:ln/>
+        </p:spPr>
+        <p:style>
+          <a:lnRef idx="2">
+            <a:schemeClr val="accent6"/>
+          </a:lnRef>
+          <a:fillRef idx="1">
+            <a:schemeClr val="lt1"/>
+          </a:fillRef>
+          <a:effectRef idx="0">
+            <a:schemeClr val="accent6"/>
+          </a:effectRef>
+          <a:fontRef idx="minor">
+            <a:schemeClr val="dk1"/>
+          </a:fontRef>
+        </p:style>
+        <p:txBody>
+          <a:bodyPr rtlCol="0" anchor="b"/>
+          <a:lstStyle/>
+          <a:p>
+            <a:pPr algn="ctr"/>
+            <a:r>
+              <a:rPr lang="en-US" altLang="ko-KR" sz="1400" b="1" dirty="0">
+                <a:latin typeface="Consolas" panose="020B0609020204030204" pitchFamily="49" charset="0"/>
+              </a:rPr>
+              <a:t>Container</a:t>
+            </a:r>
+            <a:endParaRPr lang="ko-KR" altLang="en-US" sz="1400" b="1" dirty="0">
+              <a:latin typeface="Consolas" panose="020B0609020204030204" pitchFamily="49" charset="0"/>
+            </a:endParaRPr>
+          </a:p>
+        </p:txBody>
+      </p:sp>
+      <p:sp>
+        <p:nvSpPr>
+          <p:cNvPr id="6" name="직사각형 5">
+            <a:extLst>
+              <a:ext uri="{FF2B5EF4-FFF2-40B4-BE49-F238E27FC236}">
+                <a16:creationId xmlns:a16="http://schemas.microsoft.com/office/drawing/2014/main" id="{775B2D04-BCE6-0C71-DEC5-C153429DD4A6}"/>
+              </a:ext>
+            </a:extLst>
+          </p:cNvPr>
+          <p:cNvSpPr/>
+          <p:nvPr/>
+        </p:nvSpPr>
+        <p:spPr>
+          <a:xfrm>
+            <a:off x="1885433" y="2286349"/>
+            <a:ext cx="1729834" cy="414518"/>
+          </a:xfrm>
+          <a:prstGeom prst="rect">
+            <a:avLst/>
+          </a:prstGeom>
+          <a:ln/>
+        </p:spPr>
+        <p:style>
+          <a:lnRef idx="2">
+            <a:schemeClr val="accent6"/>
+          </a:lnRef>
+          <a:fillRef idx="1">
+            <a:schemeClr val="lt1"/>
+          </a:fillRef>
+          <a:effectRef idx="0">
+            <a:schemeClr val="accent6"/>
+          </a:effectRef>
+          <a:fontRef idx="minor">
+            <a:schemeClr val="dk1"/>
+          </a:fontRef>
+        </p:style>
+        <p:txBody>
+          <a:bodyPr rtlCol="0" anchor="b"/>
+          <a:lstStyle/>
+          <a:p>
+            <a:pPr algn="ctr"/>
+            <a:r>
+              <a:rPr lang="en-US" altLang="ko-KR" sz="1400" b="1" dirty="0">
+                <a:latin typeface="Consolas" panose="020B0609020204030204" pitchFamily="49" charset="0"/>
+              </a:rPr>
+              <a:t>Container</a:t>
+            </a:r>
+            <a:endParaRPr lang="ko-KR" altLang="en-US" sz="1400" b="1" dirty="0">
+              <a:latin typeface="Consolas" panose="020B0609020204030204" pitchFamily="49" charset="0"/>
+            </a:endParaRPr>
+          </a:p>
+        </p:txBody>
+      </p:sp>
+      <p:sp>
+        <p:nvSpPr>
+          <p:cNvPr id="7" name="직사각형 6">
+            <a:extLst>
+              <a:ext uri="{FF2B5EF4-FFF2-40B4-BE49-F238E27FC236}">
+                <a16:creationId xmlns:a16="http://schemas.microsoft.com/office/drawing/2014/main" id="{677C45FC-79ED-C37D-B367-F17A85F5ED22}"/>
+              </a:ext>
+            </a:extLst>
+          </p:cNvPr>
+          <p:cNvSpPr/>
+          <p:nvPr/>
+        </p:nvSpPr>
+        <p:spPr>
+          <a:xfrm>
+            <a:off x="1972736" y="1027988"/>
+            <a:ext cx="757629" cy="538345"/>
+          </a:xfrm>
+          <a:prstGeom prst="rect">
+            <a:avLst/>
+          </a:prstGeom>
+          <a:solidFill>
+            <a:schemeClr val="accent2">
+              <a:lumMod val="75000"/>
+            </a:schemeClr>
+          </a:solidFill>
+          <a:ln>
+            <a:solidFill>
+              <a:schemeClr val="bg1"/>
+            </a:solidFill>
+          </a:ln>
+        </p:spPr>
+        <p:style>
+          <a:lnRef idx="2">
+            <a:schemeClr val="accent2">
+              <a:shade val="50000"/>
+            </a:schemeClr>
+          </a:lnRef>
+          <a:fillRef idx="1">
+            <a:schemeClr val="accent2"/>
+          </a:fillRef>
+          <a:effectRef idx="0">
+            <a:schemeClr val="accent2"/>
+          </a:effectRef>
+          <a:fontRef idx="minor">
+            <a:schemeClr val="lt1"/>
+          </a:fontRef>
+        </p:style>
+        <p:txBody>
+          <a:bodyPr rtlCol="0" anchor="ctr"/>
+          <a:lstStyle/>
+          <a:p>
+            <a:pPr algn="ctr"/>
+            <a:r>
+              <a:rPr lang="en-US" altLang="ko-KR" sz="1100" b="1" dirty="0">
+                <a:latin typeface="Consolas" panose="020B0609020204030204" pitchFamily="49" charset="0"/>
+              </a:rPr>
+              <a:t>App</a:t>
+            </a:r>
+            <a:endParaRPr lang="ko-KR" altLang="en-US" sz="1100" b="1" dirty="0">
+              <a:latin typeface="Consolas" panose="020B0609020204030204" pitchFamily="49" charset="0"/>
+            </a:endParaRPr>
+          </a:p>
+        </p:txBody>
+      </p:sp>
+      <p:sp>
+        <p:nvSpPr>
+          <p:cNvPr id="8" name="직사각형 7">
+            <a:extLst>
+              <a:ext uri="{FF2B5EF4-FFF2-40B4-BE49-F238E27FC236}">
+                <a16:creationId xmlns:a16="http://schemas.microsoft.com/office/drawing/2014/main" id="{2F96BD2D-EA9D-592E-D81A-CAA6AF3625D4}"/>
+              </a:ext>
+            </a:extLst>
+          </p:cNvPr>
+          <p:cNvSpPr/>
+          <p:nvPr/>
+        </p:nvSpPr>
+        <p:spPr>
+          <a:xfrm>
+            <a:off x="2765551" y="1027988"/>
+            <a:ext cx="757629" cy="538345"/>
+          </a:xfrm>
+          <a:prstGeom prst="rect">
+            <a:avLst/>
+          </a:prstGeom>
+          <a:solidFill>
+            <a:schemeClr val="accent2">
+              <a:lumMod val="75000"/>
+            </a:schemeClr>
+          </a:solidFill>
+          <a:ln>
+            <a:solidFill>
+              <a:schemeClr val="bg1"/>
+            </a:solidFill>
+          </a:ln>
+        </p:spPr>
+        <p:style>
+          <a:lnRef idx="2">
+            <a:schemeClr val="accent2">
+              <a:shade val="50000"/>
+            </a:schemeClr>
+          </a:lnRef>
+          <a:fillRef idx="1">
+            <a:schemeClr val="accent2"/>
+          </a:fillRef>
+          <a:effectRef idx="0">
+            <a:schemeClr val="accent2"/>
+          </a:effectRef>
+          <a:fontRef idx="minor">
+            <a:schemeClr val="lt1"/>
+          </a:fontRef>
+        </p:style>
+        <p:txBody>
+          <a:bodyPr rtlCol="0" anchor="ctr"/>
+          <a:lstStyle/>
+          <a:p>
+            <a:pPr algn="ctr"/>
+            <a:r>
+              <a:rPr lang="en-US" altLang="ko-KR" sz="1100" b="1" dirty="0">
+                <a:latin typeface="Consolas" panose="020B0609020204030204" pitchFamily="49" charset="0"/>
+              </a:rPr>
+              <a:t>App</a:t>
+            </a:r>
+            <a:endParaRPr lang="ko-KR" altLang="en-US" sz="1100" b="1" dirty="0">
+              <a:latin typeface="Consolas" panose="020B0609020204030204" pitchFamily="49" charset="0"/>
+            </a:endParaRPr>
+          </a:p>
+        </p:txBody>
+      </p:sp>
+      <p:sp>
+        <p:nvSpPr>
+          <p:cNvPr id="9" name="직사각형 8">
+            <a:extLst>
+              <a:ext uri="{FF2B5EF4-FFF2-40B4-BE49-F238E27FC236}">
+                <a16:creationId xmlns:a16="http://schemas.microsoft.com/office/drawing/2014/main" id="{26FCA7E6-663C-6C33-BD0F-6B2919FCB8EC}"/>
+              </a:ext>
+            </a:extLst>
+          </p:cNvPr>
+          <p:cNvSpPr/>
+          <p:nvPr/>
+        </p:nvSpPr>
+        <p:spPr>
+          <a:xfrm>
+            <a:off x="4329005" y="3013603"/>
+            <a:ext cx="828411" cy="538345"/>
+          </a:xfrm>
+          <a:prstGeom prst="rect">
+            <a:avLst/>
+          </a:prstGeom>
+          <a:solidFill>
+            <a:srgbClr val="002060"/>
+          </a:solidFill>
+          <a:ln>
+            <a:solidFill>
+              <a:schemeClr val="bg1"/>
+            </a:solidFill>
+          </a:ln>
+        </p:spPr>
+        <p:style>
+          <a:lnRef idx="2">
+            <a:schemeClr val="accent2">
+              <a:shade val="50000"/>
+            </a:schemeClr>
+          </a:lnRef>
+          <a:fillRef idx="1">
+            <a:schemeClr val="accent2"/>
+          </a:fillRef>
+          <a:effectRef idx="0">
+            <a:schemeClr val="accent2"/>
+          </a:effectRef>
+          <a:fontRef idx="minor">
+            <a:schemeClr val="lt1"/>
+          </a:fontRef>
+        </p:style>
+        <p:txBody>
+          <a:bodyPr rtlCol="0" anchor="ctr"/>
+          <a:lstStyle/>
+          <a:p>
+            <a:pPr algn="ctr"/>
+            <a:r>
+              <a:rPr lang="en-US" altLang="ko-KR" sz="1100" b="1" dirty="0">
+                <a:latin typeface="Consolas" panose="020B0609020204030204" pitchFamily="49" charset="0"/>
+              </a:rPr>
+              <a:t>Network Adaptor</a:t>
+            </a:r>
+            <a:endParaRPr lang="ko-KR" altLang="en-US" sz="1100" b="1" dirty="0">
+              <a:latin typeface="Consolas" panose="020B0609020204030204" pitchFamily="49" charset="0"/>
+            </a:endParaRPr>
+          </a:p>
+        </p:txBody>
+      </p:sp>
+      <p:cxnSp>
+        <p:nvCxnSpPr>
+          <p:cNvPr id="11" name="연결선: 꺾임 10">
+            <a:extLst>
+              <a:ext uri="{FF2B5EF4-FFF2-40B4-BE49-F238E27FC236}">
+                <a16:creationId xmlns:a16="http://schemas.microsoft.com/office/drawing/2014/main" id="{2CDFFCC6-1D2B-2215-E3C7-BB6D173D4D22}"/>
+              </a:ext>
+            </a:extLst>
+          </p:cNvPr>
+          <p:cNvCxnSpPr>
+            <a:cxnSpLocks/>
+            <a:stCxn id="5" idx="3"/>
+            <a:endCxn id="9" idx="0"/>
+          </p:cNvCxnSpPr>
+          <p:nvPr/>
+        </p:nvCxnSpPr>
+        <p:spPr>
+          <a:xfrm>
+            <a:off x="3615267" y="1514696"/>
+            <a:ext cx="1127944" cy="1498907"/>
+          </a:xfrm>
+          <a:prstGeom prst="bentConnector2">
+            <a:avLst/>
+          </a:prstGeom>
+          <a:ln w="28575">
+            <a:solidFill>
+              <a:schemeClr val="tx2">
+                <a:lumMod val="20000"/>
+                <a:lumOff val="80000"/>
+              </a:schemeClr>
+            </a:solidFill>
+            <a:prstDash val="dash"/>
+            <a:headEnd type="none" w="med" len="med"/>
+            <a:tailEnd type="triangle" w="med" len="med"/>
+          </a:ln>
+        </p:spPr>
+        <p:style>
+          <a:lnRef idx="1">
+            <a:schemeClr val="accent1"/>
+          </a:lnRef>
+          <a:fillRef idx="0">
+            <a:schemeClr val="accent1"/>
+          </a:fillRef>
+          <a:effectRef idx="0">
+            <a:schemeClr val="accent1"/>
+          </a:effectRef>
+          <a:fontRef idx="minor">
+            <a:schemeClr val="tx1"/>
+          </a:fontRef>
+        </p:style>
+      </p:cxnSp>
+      <p:cxnSp>
+        <p:nvCxnSpPr>
+          <p:cNvPr id="16" name="연결선: 꺾임 15">
+            <a:extLst>
+              <a:ext uri="{FF2B5EF4-FFF2-40B4-BE49-F238E27FC236}">
+                <a16:creationId xmlns:a16="http://schemas.microsoft.com/office/drawing/2014/main" id="{794B6926-7C03-753A-B727-B460DEF837BD}"/>
+              </a:ext>
+            </a:extLst>
+          </p:cNvPr>
+          <p:cNvCxnSpPr>
+            <a:cxnSpLocks/>
+            <a:stCxn id="6" idx="3"/>
+            <a:endCxn id="14" idx="3"/>
+          </p:cNvCxnSpPr>
+          <p:nvPr/>
+        </p:nvCxnSpPr>
+        <p:spPr>
+          <a:xfrm flipH="1">
+            <a:off x="2118189" y="2493608"/>
+            <a:ext cx="1497078" cy="2154055"/>
+          </a:xfrm>
+          <a:prstGeom prst="bentConnector3">
+            <a:avLst>
+              <a:gd name="adj1" fmla="val -15270"/>
+            </a:avLst>
+          </a:prstGeom>
+          <a:ln w="28575">
+            <a:solidFill>
+              <a:schemeClr val="tx2">
+                <a:lumMod val="20000"/>
+                <a:lumOff val="80000"/>
+              </a:schemeClr>
+            </a:solidFill>
+            <a:prstDash val="dash"/>
+            <a:headEnd type="none" w="med" len="med"/>
+            <a:tailEnd type="triangle" w="med" len="med"/>
+          </a:ln>
+        </p:spPr>
+        <p:style>
+          <a:lnRef idx="1">
+            <a:schemeClr val="accent1"/>
+          </a:lnRef>
+          <a:fillRef idx="0">
+            <a:schemeClr val="accent1"/>
+          </a:fillRef>
+          <a:effectRef idx="0">
+            <a:schemeClr val="accent1"/>
+          </a:effectRef>
+          <a:fontRef idx="minor">
+            <a:schemeClr val="tx1"/>
+          </a:fontRef>
+        </p:style>
+      </p:cxnSp>
+      <p:sp>
+        <p:nvSpPr>
+          <p:cNvPr id="28" name="직사각형 27">
+            <a:extLst>
+              <a:ext uri="{FF2B5EF4-FFF2-40B4-BE49-F238E27FC236}">
+                <a16:creationId xmlns:a16="http://schemas.microsoft.com/office/drawing/2014/main" id="{8DE18FEF-4167-020D-FB1C-CD84EFC19B30}"/>
+              </a:ext>
+            </a:extLst>
+          </p:cNvPr>
+          <p:cNvSpPr/>
+          <p:nvPr/>
+        </p:nvSpPr>
+        <p:spPr>
+          <a:xfrm>
+            <a:off x="5582732" y="5548017"/>
+            <a:ext cx="987401" cy="845384"/>
+          </a:xfrm>
+          <a:prstGeom prst="rect">
+            <a:avLst/>
+          </a:prstGeom>
+          <a:solidFill>
+            <a:schemeClr val="bg2">
+              <a:lumMod val="25000"/>
+            </a:schemeClr>
+          </a:solidFill>
+          <a:ln>
+            <a:solidFill>
+              <a:schemeClr val="tx1">
+                <a:lumMod val="95000"/>
+                <a:lumOff val="5000"/>
+              </a:schemeClr>
+            </a:solidFill>
+          </a:ln>
+        </p:spPr>
+        <p:style>
+          <a:lnRef idx="2">
+            <a:schemeClr val="accent2">
+              <a:shade val="50000"/>
+            </a:schemeClr>
+          </a:lnRef>
+          <a:fillRef idx="1">
+            <a:schemeClr val="accent2"/>
+          </a:fillRef>
+          <a:effectRef idx="0">
+            <a:schemeClr val="accent2"/>
+          </a:effectRef>
+          <a:fontRef idx="minor">
+            <a:schemeClr val="lt1"/>
+          </a:fontRef>
+        </p:style>
+        <p:txBody>
+          <a:bodyPr rtlCol="0" anchor="ctr"/>
+          <a:lstStyle/>
+          <a:p>
+            <a:pPr algn="ctr"/>
+            <a:r>
+              <a:rPr lang="en-US" altLang="ko-KR" sz="1400" b="1" dirty="0">
+                <a:latin typeface="Consolas" panose="020B0609020204030204" pitchFamily="49" charset="0"/>
+              </a:rPr>
+              <a:t>Client</a:t>
+            </a:r>
+            <a:endParaRPr lang="ko-KR" altLang="en-US" sz="1400" b="1" dirty="0">
+              <a:latin typeface="Consolas" panose="020B0609020204030204" pitchFamily="49" charset="0"/>
+            </a:endParaRPr>
+          </a:p>
+        </p:txBody>
+      </p:sp>
+      <p:sp>
+        <p:nvSpPr>
+          <p:cNvPr id="39" name="직사각형 38">
+            <a:extLst>
+              <a:ext uri="{FF2B5EF4-FFF2-40B4-BE49-F238E27FC236}">
+                <a16:creationId xmlns:a16="http://schemas.microsoft.com/office/drawing/2014/main" id="{FFFFA2B0-138F-5CE8-A142-73EB3ACE3127}"/>
+              </a:ext>
+            </a:extLst>
+          </p:cNvPr>
+          <p:cNvSpPr/>
+          <p:nvPr/>
+        </p:nvSpPr>
+        <p:spPr>
+          <a:xfrm>
+            <a:off x="5963242" y="4444179"/>
+            <a:ext cx="1213782" cy="538345"/>
+          </a:xfrm>
+          <a:prstGeom prst="rect">
+            <a:avLst/>
+          </a:prstGeom>
+          <a:solidFill>
+            <a:srgbClr val="002060"/>
+          </a:solidFill>
+          <a:ln>
+            <a:solidFill>
+              <a:schemeClr val="bg1"/>
+            </a:solidFill>
+          </a:ln>
+        </p:spPr>
+        <p:style>
+          <a:lnRef idx="2">
+            <a:schemeClr val="accent2">
+              <a:shade val="50000"/>
+            </a:schemeClr>
+          </a:lnRef>
+          <a:fillRef idx="1">
+            <a:schemeClr val="accent2"/>
+          </a:fillRef>
+          <a:effectRef idx="0">
+            <a:schemeClr val="accent2"/>
+          </a:effectRef>
+          <a:fontRef idx="minor">
+            <a:schemeClr val="lt1"/>
+          </a:fontRef>
+        </p:style>
+        <p:txBody>
+          <a:bodyPr rtlCol="0" anchor="ctr"/>
+          <a:lstStyle/>
+          <a:p>
+            <a:pPr algn="ctr"/>
+            <a:r>
+              <a:rPr lang="en-US" altLang="ko-KR" sz="1100" b="1" dirty="0">
+                <a:latin typeface="Consolas" panose="020B0609020204030204" pitchFamily="49" charset="0"/>
+              </a:rPr>
+              <a:t>Service</a:t>
+            </a:r>
+            <a:endParaRPr lang="ko-KR" altLang="en-US" sz="1100" b="1" dirty="0">
+              <a:latin typeface="Consolas" panose="020B0609020204030204" pitchFamily="49" charset="0"/>
+            </a:endParaRPr>
+          </a:p>
+        </p:txBody>
+      </p:sp>
+      <p:cxnSp>
+        <p:nvCxnSpPr>
+          <p:cNvPr id="44" name="연결선: 꺾임 43">
+            <a:extLst>
+              <a:ext uri="{FF2B5EF4-FFF2-40B4-BE49-F238E27FC236}">
+                <a16:creationId xmlns:a16="http://schemas.microsoft.com/office/drawing/2014/main" id="{EEEC41AC-47F4-B06F-6049-5F09B9E49C49}"/>
+              </a:ext>
+            </a:extLst>
+          </p:cNvPr>
+          <p:cNvCxnSpPr>
+            <a:cxnSpLocks/>
+            <a:stCxn id="39" idx="3"/>
+            <a:endCxn id="28" idx="3"/>
+          </p:cNvCxnSpPr>
+          <p:nvPr/>
+        </p:nvCxnSpPr>
+        <p:spPr>
+          <a:xfrm flipH="1">
+            <a:off x="6570133" y="4713352"/>
+            <a:ext cx="606891" cy="1257357"/>
+          </a:xfrm>
+          <a:prstGeom prst="bentConnector3">
+            <a:avLst>
+              <a:gd name="adj1" fmla="val -37667"/>
+            </a:avLst>
+          </a:prstGeom>
+          <a:ln w="28575">
+            <a:solidFill>
+              <a:srgbClr val="0070C0"/>
+            </a:solidFill>
+            <a:prstDash val="dash"/>
+            <a:headEnd type="none" w="med" len="med"/>
+            <a:tailEnd type="triangle" w="med" len="med"/>
+          </a:ln>
+        </p:spPr>
+        <p:style>
+          <a:lnRef idx="1">
+            <a:schemeClr val="accent1"/>
+          </a:lnRef>
+          <a:fillRef idx="0">
+            <a:schemeClr val="accent1"/>
+          </a:fillRef>
+          <a:effectRef idx="0">
+            <a:schemeClr val="accent1"/>
+          </a:effectRef>
+          <a:fontRef idx="minor">
+            <a:schemeClr val="tx1"/>
+          </a:fontRef>
+        </p:style>
+      </p:cxnSp>
+      <p:sp>
+        <p:nvSpPr>
+          <p:cNvPr id="14" name="직사각형 13">
+            <a:extLst>
+              <a:ext uri="{FF2B5EF4-FFF2-40B4-BE49-F238E27FC236}">
+                <a16:creationId xmlns:a16="http://schemas.microsoft.com/office/drawing/2014/main" id="{9B0DEBF1-0E50-495D-1460-8CB81388C7D6}"/>
+              </a:ext>
+            </a:extLst>
+          </p:cNvPr>
+          <p:cNvSpPr/>
+          <p:nvPr/>
+        </p:nvSpPr>
+        <p:spPr>
+          <a:xfrm>
+            <a:off x="904407" y="4378490"/>
+            <a:ext cx="1213782" cy="538345"/>
+          </a:xfrm>
+          <a:prstGeom prst="rect">
+            <a:avLst/>
+          </a:prstGeom>
+          <a:solidFill>
+            <a:srgbClr val="002060"/>
+          </a:solidFill>
+          <a:ln>
+            <a:solidFill>
+              <a:schemeClr val="bg1"/>
+            </a:solidFill>
+          </a:ln>
+        </p:spPr>
+        <p:style>
+          <a:lnRef idx="2">
+            <a:schemeClr val="accent2">
+              <a:shade val="50000"/>
+            </a:schemeClr>
+          </a:lnRef>
+          <a:fillRef idx="1">
+            <a:schemeClr val="accent2"/>
+          </a:fillRef>
+          <a:effectRef idx="0">
+            <a:schemeClr val="accent2"/>
+          </a:effectRef>
+          <a:fontRef idx="minor">
+            <a:schemeClr val="lt1"/>
+          </a:fontRef>
+        </p:style>
+        <p:txBody>
+          <a:bodyPr rtlCol="0" anchor="ctr"/>
+          <a:lstStyle/>
+          <a:p>
+            <a:pPr algn="ctr"/>
+            <a:r>
+              <a:rPr lang="en-US" altLang="ko-KR" sz="1100" b="1" dirty="0">
+                <a:latin typeface="Consolas" panose="020B0609020204030204" pitchFamily="49" charset="0"/>
+              </a:rPr>
+              <a:t>Network Adaptor</a:t>
+            </a:r>
+            <a:endParaRPr lang="ko-KR" altLang="en-US" sz="1100" b="1" dirty="0">
+              <a:latin typeface="Consolas" panose="020B0609020204030204" pitchFamily="49" charset="0"/>
+            </a:endParaRPr>
+          </a:p>
+        </p:txBody>
+      </p:sp>
+      <p:cxnSp>
+        <p:nvCxnSpPr>
+          <p:cNvPr id="18" name="연결선: 꺾임 17">
+            <a:extLst>
+              <a:ext uri="{FF2B5EF4-FFF2-40B4-BE49-F238E27FC236}">
+                <a16:creationId xmlns:a16="http://schemas.microsoft.com/office/drawing/2014/main" id="{4B270613-06E4-75DF-5EC3-690D635D7A6F}"/>
+              </a:ext>
+            </a:extLst>
+          </p:cNvPr>
+          <p:cNvCxnSpPr>
+            <a:cxnSpLocks/>
+            <a:stCxn id="39" idx="1"/>
+            <a:endCxn id="9" idx="3"/>
+          </p:cNvCxnSpPr>
+          <p:nvPr/>
+        </p:nvCxnSpPr>
+        <p:spPr>
+          <a:xfrm rot="10800000">
+            <a:off x="5157416" y="3282776"/>
+            <a:ext cx="805826" cy="1430576"/>
+          </a:xfrm>
+          <a:prstGeom prst="bentConnector3">
+            <a:avLst>
+              <a:gd name="adj1" fmla="val 50000"/>
+            </a:avLst>
+          </a:prstGeom>
+          <a:ln w="28575">
+            <a:solidFill>
+              <a:srgbClr val="0070C0"/>
+            </a:solidFill>
+            <a:prstDash val="dash"/>
+            <a:headEnd type="none" w="med" len="med"/>
+            <a:tailEnd type="triangle" w="med" len="med"/>
+          </a:ln>
+        </p:spPr>
+        <p:style>
+          <a:lnRef idx="1">
+            <a:schemeClr val="accent1"/>
+          </a:lnRef>
+          <a:fillRef idx="0">
+            <a:schemeClr val="accent1"/>
+          </a:fillRef>
+          <a:effectRef idx="0">
+            <a:schemeClr val="accent1"/>
+          </a:effectRef>
+          <a:fontRef idx="minor">
+            <a:schemeClr val="tx1"/>
+          </a:fontRef>
+        </p:style>
+      </p:cxnSp>
+      <p:cxnSp>
+        <p:nvCxnSpPr>
+          <p:cNvPr id="33" name="연결선: 꺾임 32">
+            <a:extLst>
+              <a:ext uri="{FF2B5EF4-FFF2-40B4-BE49-F238E27FC236}">
+                <a16:creationId xmlns:a16="http://schemas.microsoft.com/office/drawing/2014/main" id="{B36D90D4-0CB6-AC36-5FD2-3C3A25A0CE4B}"/>
+              </a:ext>
+            </a:extLst>
+          </p:cNvPr>
+          <p:cNvCxnSpPr>
+            <a:cxnSpLocks/>
+            <a:stCxn id="14" idx="1"/>
+            <a:endCxn id="28" idx="1"/>
+          </p:cNvCxnSpPr>
+          <p:nvPr/>
+        </p:nvCxnSpPr>
+        <p:spPr>
+          <a:xfrm rot="10800000" flipH="1" flipV="1">
+            <a:off x="904406" y="4647663"/>
+            <a:ext cx="4678325" cy="1323046"/>
+          </a:xfrm>
+          <a:prstGeom prst="bentConnector3">
+            <a:avLst>
+              <a:gd name="adj1" fmla="val -6877"/>
+            </a:avLst>
+          </a:prstGeom>
+          <a:ln w="28575">
+            <a:solidFill>
+              <a:srgbClr val="0070C0"/>
+            </a:solidFill>
+            <a:prstDash val="dash"/>
+            <a:headEnd type="none" w="med" len="med"/>
+            <a:tailEnd type="triangle" w="med" len="med"/>
+          </a:ln>
+        </p:spPr>
+        <p:style>
+          <a:lnRef idx="1">
+            <a:schemeClr val="accent1"/>
+          </a:lnRef>
+          <a:fillRef idx="0">
+            <a:schemeClr val="accent1"/>
+          </a:fillRef>
+          <a:effectRef idx="0">
+            <a:schemeClr val="accent1"/>
+          </a:effectRef>
+          <a:fontRef idx="minor">
+            <a:schemeClr val="tx1"/>
+          </a:fontRef>
+        </p:style>
+      </p:cxnSp>
+    </p:spTree>
+    <p:extLst>
+      <p:ext uri="{BB962C8B-B14F-4D97-AF65-F5344CB8AC3E}">
+        <p14:creationId xmlns:p14="http://schemas.microsoft.com/office/powerpoint/2010/main" val="3509187021"/>
+      </p:ext>
+    </p:extLst>
+  </p:cSld>
+  <p:clrMapOvr>
+    <a:masterClrMapping/>
+  </p:clrMapOvr>
+</p:sld>
+</file>
+
+<file path=ppt/slides/slide36.xml><?xml version="1.0" encoding="utf-8"?>
+<p:sld xmlns:a="http://schemas.openxmlformats.org/drawingml/2006/main" xmlns:r="http://schemas.openxmlformats.org/officeDocument/2006/relationships" xmlns:p="http://schemas.openxmlformats.org/presentationml/2006/main">
+  <p:cSld>
+    <p:spTree>
+      <p:nvGrpSpPr>
+        <p:cNvPr id="1" name=""/>
+        <p:cNvGrpSpPr/>
+        <p:nvPr/>
+      </p:nvGrpSpPr>
+      <p:grpSpPr>
+        <a:xfrm>
+          <a:off x="0" y="0"/>
+          <a:ext cx="0" cy="0"/>
+          <a:chOff x="0" y="0"/>
+          <a:chExt cx="0" cy="0"/>
+        </a:xfrm>
+      </p:grpSpPr>
+      <p:sp>
+        <p:nvSpPr>
+          <p:cNvPr id="2" name="TextBox 1">
+            <a:extLst>
+              <a:ext uri="{FF2B5EF4-FFF2-40B4-BE49-F238E27FC236}">
+                <a16:creationId xmlns:a16="http://schemas.microsoft.com/office/drawing/2014/main" id="{AF53483D-1A80-C107-D3AB-6901351F1D3F}"/>
+              </a:ext>
+            </a:extLst>
+          </p:cNvPr>
+          <p:cNvSpPr txBox="1"/>
+          <p:nvPr/>
+        </p:nvSpPr>
+        <p:spPr>
+          <a:xfrm>
+            <a:off x="10388600" y="6596390"/>
+            <a:ext cx="1803400" cy="261610"/>
+          </a:xfrm>
+          <a:prstGeom prst="rect">
+            <a:avLst/>
+          </a:prstGeom>
+          <a:noFill/>
+        </p:spPr>
+        <p:txBody>
+          <a:bodyPr wrap="square" rtlCol="0">
+            <a:spAutoFit/>
+          </a:bodyPr>
+          <a:lstStyle/>
+          <a:p>
+            <a:pPr algn="r"/>
+            <a:r>
+              <a:rPr lang="en-US" altLang="ko-KR" sz="1100" dirty="0"/>
+              <a:t>Kim0lil/80700</a:t>
+            </a:r>
+            <a:endParaRPr lang="ko-KR" altLang="en-US" sz="1100" dirty="0"/>
+          </a:p>
+        </p:txBody>
+      </p:sp>
+      <p:sp>
+        <p:nvSpPr>
+          <p:cNvPr id="3" name="직사각형 2">
+            <a:extLst>
+              <a:ext uri="{FF2B5EF4-FFF2-40B4-BE49-F238E27FC236}">
+                <a16:creationId xmlns:a16="http://schemas.microsoft.com/office/drawing/2014/main" id="{80A86AC3-2392-C40A-3469-57B25DDD3A90}"/>
+              </a:ext>
+            </a:extLst>
+          </p:cNvPr>
+          <p:cNvSpPr/>
+          <p:nvPr/>
+        </p:nvSpPr>
+        <p:spPr>
+          <a:xfrm>
+            <a:off x="1511298" y="558793"/>
+            <a:ext cx="5058835" cy="4538140"/>
+          </a:xfrm>
+          <a:prstGeom prst="rect">
+            <a:avLst/>
+          </a:prstGeom>
+          <a:solidFill>
+            <a:schemeClr val="accent1">
+              <a:lumMod val="60000"/>
+              <a:lumOff val="40000"/>
+            </a:schemeClr>
+          </a:solidFill>
+          <a:ln>
+            <a:solidFill>
+              <a:schemeClr val="accent1">
+                <a:lumMod val="50000"/>
+              </a:schemeClr>
+            </a:solidFill>
+          </a:ln>
+        </p:spPr>
+        <p:style>
+          <a:lnRef idx="2">
+            <a:schemeClr val="accent2">
+              <a:shade val="50000"/>
+            </a:schemeClr>
+          </a:lnRef>
+          <a:fillRef idx="1">
+            <a:schemeClr val="accent2"/>
+          </a:fillRef>
+          <a:effectRef idx="0">
+            <a:schemeClr val="accent2"/>
+          </a:effectRef>
+          <a:fontRef idx="minor">
+            <a:schemeClr val="lt1"/>
+          </a:fontRef>
+        </p:style>
+        <p:txBody>
+          <a:bodyPr rtlCol="0" anchor="b"/>
+          <a:lstStyle/>
+          <a:p>
+            <a:pPr algn="ctr"/>
+            <a:r>
+              <a:rPr lang="en-US" altLang="ko-KR" sz="1400" b="1" dirty="0">
+                <a:latin typeface="Consolas" panose="020B0609020204030204" pitchFamily="49" charset="0"/>
+              </a:rPr>
+              <a:t>Node</a:t>
+            </a:r>
+            <a:endParaRPr lang="ko-KR" altLang="en-US" sz="1400" b="1" dirty="0">
+              <a:latin typeface="Consolas" panose="020B0609020204030204" pitchFamily="49" charset="0"/>
+            </a:endParaRPr>
+          </a:p>
+        </p:txBody>
+      </p:sp>
+      <p:sp>
+        <p:nvSpPr>
+          <p:cNvPr id="4" name="직사각형 3">
+            <a:extLst>
+              <a:ext uri="{FF2B5EF4-FFF2-40B4-BE49-F238E27FC236}">
+                <a16:creationId xmlns:a16="http://schemas.microsoft.com/office/drawing/2014/main" id="{7BDA9463-FD0A-2A60-70CB-83ECB185ED67}"/>
+              </a:ext>
+            </a:extLst>
+          </p:cNvPr>
+          <p:cNvSpPr/>
+          <p:nvPr/>
+        </p:nvSpPr>
+        <p:spPr>
+          <a:xfrm>
+            <a:off x="1648886" y="736942"/>
+            <a:ext cx="3096859" cy="2014725"/>
+          </a:xfrm>
+          <a:prstGeom prst="rect">
+            <a:avLst/>
+          </a:prstGeom>
+          <a:solidFill>
+            <a:schemeClr val="bg2">
+              <a:lumMod val="25000"/>
+            </a:schemeClr>
+          </a:solidFill>
+          <a:ln>
+            <a:solidFill>
+              <a:schemeClr val="accent1"/>
+            </a:solidFill>
+          </a:ln>
+        </p:spPr>
+        <p:style>
+          <a:lnRef idx="2">
+            <a:schemeClr val="accent2">
+              <a:shade val="50000"/>
+            </a:schemeClr>
+          </a:lnRef>
+          <a:fillRef idx="1">
+            <a:schemeClr val="accent2"/>
+          </a:fillRef>
+          <a:effectRef idx="0">
+            <a:schemeClr val="accent2"/>
+          </a:effectRef>
+          <a:fontRef idx="minor">
+            <a:schemeClr val="lt1"/>
+          </a:fontRef>
+        </p:style>
+        <p:txBody>
+          <a:bodyPr rtlCol="0" anchor="b"/>
+          <a:lstStyle/>
+          <a:p>
+            <a:pPr algn="ctr"/>
+            <a:r>
+              <a:rPr lang="en-US" altLang="ko-KR" sz="1400" b="1" dirty="0">
+                <a:latin typeface="Consolas" panose="020B0609020204030204" pitchFamily="49" charset="0"/>
+              </a:rPr>
+              <a:t>Pod</a:t>
+            </a:r>
+            <a:endParaRPr lang="ko-KR" altLang="en-US" sz="1400" b="1" dirty="0">
+              <a:latin typeface="Consolas" panose="020B0609020204030204" pitchFamily="49" charset="0"/>
+            </a:endParaRPr>
+          </a:p>
+        </p:txBody>
+      </p:sp>
+      <p:sp>
+        <p:nvSpPr>
+          <p:cNvPr id="5" name="직사각형 4">
+            <a:extLst>
+              <a:ext uri="{FF2B5EF4-FFF2-40B4-BE49-F238E27FC236}">
+                <a16:creationId xmlns:a16="http://schemas.microsoft.com/office/drawing/2014/main" id="{43EFBF70-851A-05BE-39A4-8C4EE3A69117}"/>
+              </a:ext>
+            </a:extLst>
+          </p:cNvPr>
+          <p:cNvSpPr/>
+          <p:nvPr/>
+        </p:nvSpPr>
+        <p:spPr>
+          <a:xfrm>
+            <a:off x="1885433" y="921192"/>
+            <a:ext cx="1729834" cy="1187008"/>
+          </a:xfrm>
+          <a:prstGeom prst="rect">
+            <a:avLst/>
+          </a:prstGeom>
+          <a:ln/>
+        </p:spPr>
+        <p:style>
+          <a:lnRef idx="2">
+            <a:schemeClr val="accent6"/>
+          </a:lnRef>
+          <a:fillRef idx="1">
+            <a:schemeClr val="lt1"/>
+          </a:fillRef>
+          <a:effectRef idx="0">
+            <a:schemeClr val="accent6"/>
+          </a:effectRef>
+          <a:fontRef idx="minor">
+            <a:schemeClr val="dk1"/>
+          </a:fontRef>
+        </p:style>
+        <p:txBody>
+          <a:bodyPr rtlCol="0" anchor="b"/>
+          <a:lstStyle/>
+          <a:p>
+            <a:pPr algn="ctr"/>
+            <a:r>
+              <a:rPr lang="en-US" altLang="ko-KR" sz="1400" b="1" dirty="0">
+                <a:latin typeface="Consolas" panose="020B0609020204030204" pitchFamily="49" charset="0"/>
+              </a:rPr>
+              <a:t>Container</a:t>
+            </a:r>
+            <a:endParaRPr lang="ko-KR" altLang="en-US" sz="1400" b="1" dirty="0">
+              <a:latin typeface="Consolas" panose="020B0609020204030204" pitchFamily="49" charset="0"/>
+            </a:endParaRPr>
+          </a:p>
+        </p:txBody>
+      </p:sp>
+      <p:sp>
+        <p:nvSpPr>
+          <p:cNvPr id="7" name="직사각형 6">
+            <a:extLst>
+              <a:ext uri="{FF2B5EF4-FFF2-40B4-BE49-F238E27FC236}">
+                <a16:creationId xmlns:a16="http://schemas.microsoft.com/office/drawing/2014/main" id="{677C45FC-79ED-C37D-B367-F17A85F5ED22}"/>
+              </a:ext>
+            </a:extLst>
+          </p:cNvPr>
+          <p:cNvSpPr/>
+          <p:nvPr/>
+        </p:nvSpPr>
+        <p:spPr>
+          <a:xfrm>
+            <a:off x="1972736" y="1027988"/>
+            <a:ext cx="1557864" cy="538345"/>
+          </a:xfrm>
+          <a:prstGeom prst="rect">
+            <a:avLst/>
+          </a:prstGeom>
+          <a:solidFill>
+            <a:schemeClr val="accent2">
+              <a:lumMod val="75000"/>
+            </a:schemeClr>
+          </a:solidFill>
+          <a:ln>
+            <a:solidFill>
+              <a:schemeClr val="bg1"/>
+            </a:solidFill>
+          </a:ln>
+        </p:spPr>
+        <p:style>
+          <a:lnRef idx="2">
+            <a:schemeClr val="accent2">
+              <a:shade val="50000"/>
+            </a:schemeClr>
+          </a:lnRef>
+          <a:fillRef idx="1">
+            <a:schemeClr val="accent2"/>
+          </a:fillRef>
+          <a:effectRef idx="0">
+            <a:schemeClr val="accent2"/>
+          </a:effectRef>
+          <a:fontRef idx="minor">
+            <a:schemeClr val="lt1"/>
+          </a:fontRef>
+        </p:style>
+        <p:txBody>
+          <a:bodyPr rtlCol="0" anchor="ctr"/>
+          <a:lstStyle/>
+          <a:p>
+            <a:pPr algn="ctr"/>
+            <a:r>
+              <a:rPr lang="en-US" altLang="ko-KR" sz="1100" b="1" dirty="0">
+                <a:latin typeface="Consolas" panose="020B0609020204030204" pitchFamily="49" charset="0"/>
+              </a:rPr>
+              <a:t>App</a:t>
+            </a:r>
+            <a:endParaRPr lang="ko-KR" altLang="en-US" sz="1100" b="1" dirty="0">
+              <a:latin typeface="Consolas" panose="020B0609020204030204" pitchFamily="49" charset="0"/>
+            </a:endParaRPr>
+          </a:p>
+        </p:txBody>
+      </p:sp>
+      <p:sp>
+        <p:nvSpPr>
+          <p:cNvPr id="9" name="직사각형 8">
+            <a:extLst>
+              <a:ext uri="{FF2B5EF4-FFF2-40B4-BE49-F238E27FC236}">
+                <a16:creationId xmlns:a16="http://schemas.microsoft.com/office/drawing/2014/main" id="{26FCA7E6-663C-6C33-BD0F-6B2919FCB8EC}"/>
+              </a:ext>
+            </a:extLst>
+          </p:cNvPr>
+          <p:cNvSpPr/>
+          <p:nvPr/>
+        </p:nvSpPr>
+        <p:spPr>
+          <a:xfrm>
+            <a:off x="4331539" y="1155324"/>
+            <a:ext cx="828411" cy="718744"/>
+          </a:xfrm>
+          <a:prstGeom prst="rect">
+            <a:avLst/>
+          </a:prstGeom>
+          <a:solidFill>
+            <a:srgbClr val="002060"/>
+          </a:solidFill>
+          <a:ln>
+            <a:solidFill>
+              <a:schemeClr val="bg1"/>
+            </a:solidFill>
+          </a:ln>
+        </p:spPr>
+        <p:style>
+          <a:lnRef idx="2">
+            <a:schemeClr val="accent2">
+              <a:shade val="50000"/>
+            </a:schemeClr>
+          </a:lnRef>
+          <a:fillRef idx="1">
+            <a:schemeClr val="accent2"/>
+          </a:fillRef>
+          <a:effectRef idx="0">
+            <a:schemeClr val="accent2"/>
+          </a:effectRef>
+          <a:fontRef idx="minor">
+            <a:schemeClr val="lt1"/>
+          </a:fontRef>
+        </p:style>
+        <p:txBody>
+          <a:bodyPr rtlCol="0" anchor="ctr"/>
+          <a:lstStyle/>
+          <a:p>
+            <a:pPr algn="ctr"/>
+            <a:r>
+              <a:rPr lang="en-US" altLang="ko-KR" sz="1100" b="1" dirty="0">
+                <a:latin typeface="Consolas" panose="020B0609020204030204" pitchFamily="49" charset="0"/>
+              </a:rPr>
+              <a:t>Virtual</a:t>
+            </a:r>
+            <a:r>
+              <a:rPr lang="ko-KR" altLang="en-US" sz="1100" b="1" dirty="0">
+                <a:latin typeface="Consolas" panose="020B0609020204030204" pitchFamily="49" charset="0"/>
+              </a:rPr>
+              <a:t> </a:t>
+            </a:r>
+            <a:r>
+              <a:rPr lang="en-US" altLang="ko-KR" sz="1100" b="1" dirty="0">
+                <a:latin typeface="Consolas" panose="020B0609020204030204" pitchFamily="49" charset="0"/>
+              </a:rPr>
+              <a:t>Network Adaptor</a:t>
+            </a:r>
+            <a:endParaRPr lang="ko-KR" altLang="en-US" sz="1100" b="1" dirty="0">
+              <a:latin typeface="Consolas" panose="020B0609020204030204" pitchFamily="49" charset="0"/>
+            </a:endParaRPr>
+          </a:p>
+        </p:txBody>
+      </p:sp>
+      <p:sp>
+        <p:nvSpPr>
+          <p:cNvPr id="28" name="직사각형 27">
+            <a:extLst>
+              <a:ext uri="{FF2B5EF4-FFF2-40B4-BE49-F238E27FC236}">
+                <a16:creationId xmlns:a16="http://schemas.microsoft.com/office/drawing/2014/main" id="{8DE18FEF-4167-020D-FB1C-CD84EFC19B30}"/>
+              </a:ext>
+            </a:extLst>
+          </p:cNvPr>
+          <p:cNvSpPr/>
+          <p:nvPr/>
+        </p:nvSpPr>
+        <p:spPr>
+          <a:xfrm>
+            <a:off x="5963242" y="5548017"/>
+            <a:ext cx="1213782" cy="845384"/>
+          </a:xfrm>
+          <a:prstGeom prst="rect">
+            <a:avLst/>
+          </a:prstGeom>
+          <a:solidFill>
+            <a:schemeClr val="bg2">
+              <a:lumMod val="25000"/>
+            </a:schemeClr>
+          </a:solidFill>
+          <a:ln>
+            <a:solidFill>
+              <a:schemeClr val="tx1">
+                <a:lumMod val="95000"/>
+                <a:lumOff val="5000"/>
+              </a:schemeClr>
+            </a:solidFill>
+          </a:ln>
+        </p:spPr>
+        <p:style>
+          <a:lnRef idx="2">
+            <a:schemeClr val="accent2">
+              <a:shade val="50000"/>
+            </a:schemeClr>
+          </a:lnRef>
+          <a:fillRef idx="1">
+            <a:schemeClr val="accent2"/>
+          </a:fillRef>
+          <a:effectRef idx="0">
+            <a:schemeClr val="accent2"/>
+          </a:effectRef>
+          <a:fontRef idx="minor">
+            <a:schemeClr val="lt1"/>
+          </a:fontRef>
+        </p:style>
+        <p:txBody>
+          <a:bodyPr rtlCol="0" anchor="ctr"/>
+          <a:lstStyle/>
+          <a:p>
+            <a:pPr algn="ctr"/>
+            <a:r>
+              <a:rPr lang="en-US" altLang="ko-KR" sz="1400" b="1" dirty="0">
+                <a:latin typeface="Consolas" panose="020B0609020204030204" pitchFamily="49" charset="0"/>
+              </a:rPr>
+              <a:t>Client</a:t>
+            </a:r>
+            <a:endParaRPr lang="ko-KR" altLang="en-US" sz="1400" b="1" dirty="0">
+              <a:latin typeface="Consolas" panose="020B0609020204030204" pitchFamily="49" charset="0"/>
+            </a:endParaRPr>
+          </a:p>
+        </p:txBody>
+      </p:sp>
+      <p:sp>
+        <p:nvSpPr>
+          <p:cNvPr id="39" name="직사각형 38">
+            <a:extLst>
+              <a:ext uri="{FF2B5EF4-FFF2-40B4-BE49-F238E27FC236}">
+                <a16:creationId xmlns:a16="http://schemas.microsoft.com/office/drawing/2014/main" id="{FFFFA2B0-138F-5CE8-A142-73EB3ACE3127}"/>
+              </a:ext>
+            </a:extLst>
+          </p:cNvPr>
+          <p:cNvSpPr/>
+          <p:nvPr/>
+        </p:nvSpPr>
+        <p:spPr>
+          <a:xfrm>
+            <a:off x="5963242" y="4444179"/>
+            <a:ext cx="1213782" cy="538345"/>
+          </a:xfrm>
+          <a:prstGeom prst="rect">
+            <a:avLst/>
+          </a:prstGeom>
+          <a:solidFill>
+            <a:srgbClr val="002060"/>
+          </a:solidFill>
+          <a:ln>
+            <a:solidFill>
+              <a:schemeClr val="bg1"/>
+            </a:solidFill>
+          </a:ln>
+        </p:spPr>
+        <p:style>
+          <a:lnRef idx="2">
+            <a:schemeClr val="accent2">
+              <a:shade val="50000"/>
+            </a:schemeClr>
+          </a:lnRef>
+          <a:fillRef idx="1">
+            <a:schemeClr val="accent2"/>
+          </a:fillRef>
+          <a:effectRef idx="0">
+            <a:schemeClr val="accent2"/>
+          </a:effectRef>
+          <a:fontRef idx="minor">
+            <a:schemeClr val="lt1"/>
+          </a:fontRef>
+        </p:style>
+        <p:txBody>
+          <a:bodyPr rtlCol="0" anchor="ctr"/>
+          <a:lstStyle/>
+          <a:p>
+            <a:pPr algn="ctr"/>
+            <a:r>
+              <a:rPr lang="en-US" altLang="ko-KR" sz="1100" b="1" dirty="0">
+                <a:latin typeface="Consolas" panose="020B0609020204030204" pitchFamily="49" charset="0"/>
+              </a:rPr>
+              <a:t>Service</a:t>
+            </a:r>
+            <a:endParaRPr lang="ko-KR" altLang="en-US" sz="1100" b="1" dirty="0">
+              <a:latin typeface="Consolas" panose="020B0609020204030204" pitchFamily="49" charset="0"/>
+            </a:endParaRPr>
+          </a:p>
+        </p:txBody>
+      </p:sp>
+      <p:cxnSp>
+        <p:nvCxnSpPr>
+          <p:cNvPr id="44" name="연결선: 꺾임 43">
+            <a:extLst>
+              <a:ext uri="{FF2B5EF4-FFF2-40B4-BE49-F238E27FC236}">
+                <a16:creationId xmlns:a16="http://schemas.microsoft.com/office/drawing/2014/main" id="{EEEC41AC-47F4-B06F-6049-5F09B9E49C49}"/>
+              </a:ext>
+            </a:extLst>
+          </p:cNvPr>
+          <p:cNvCxnSpPr>
+            <a:cxnSpLocks/>
+            <a:stCxn id="39" idx="3"/>
+            <a:endCxn id="28" idx="3"/>
+          </p:cNvCxnSpPr>
+          <p:nvPr/>
+        </p:nvCxnSpPr>
+        <p:spPr>
+          <a:xfrm>
+            <a:off x="7177024" y="4713352"/>
+            <a:ext cx="12700" cy="1257357"/>
+          </a:xfrm>
+          <a:prstGeom prst="bentConnector3">
+            <a:avLst>
+              <a:gd name="adj1" fmla="val 5266669"/>
+            </a:avLst>
+          </a:prstGeom>
+          <a:ln w="28575">
+            <a:solidFill>
+              <a:srgbClr val="0070C0"/>
+            </a:solidFill>
+            <a:prstDash val="dash"/>
+            <a:headEnd type="none" w="med" len="med"/>
+            <a:tailEnd type="triangle" w="med" len="med"/>
+          </a:ln>
+        </p:spPr>
+        <p:style>
+          <a:lnRef idx="1">
+            <a:schemeClr val="accent1"/>
+          </a:lnRef>
+          <a:fillRef idx="0">
+            <a:schemeClr val="accent1"/>
+          </a:fillRef>
+          <a:effectRef idx="0">
+            <a:schemeClr val="accent1"/>
+          </a:effectRef>
+          <a:fontRef idx="minor">
+            <a:schemeClr val="tx1"/>
+          </a:fontRef>
+        </p:style>
+      </p:cxnSp>
+      <p:cxnSp>
+        <p:nvCxnSpPr>
+          <p:cNvPr id="18" name="연결선: 꺾임 17">
+            <a:extLst>
+              <a:ext uri="{FF2B5EF4-FFF2-40B4-BE49-F238E27FC236}">
+                <a16:creationId xmlns:a16="http://schemas.microsoft.com/office/drawing/2014/main" id="{4B270613-06E4-75DF-5EC3-690D635D7A6F}"/>
+              </a:ext>
+            </a:extLst>
+          </p:cNvPr>
+          <p:cNvCxnSpPr>
+            <a:cxnSpLocks/>
+            <a:stCxn id="39" idx="1"/>
+            <a:endCxn id="9" idx="3"/>
+          </p:cNvCxnSpPr>
+          <p:nvPr/>
+        </p:nvCxnSpPr>
+        <p:spPr>
+          <a:xfrm rot="10800000">
+            <a:off x="5159950" y="1514696"/>
+            <a:ext cx="803292" cy="3198656"/>
+          </a:xfrm>
+          <a:prstGeom prst="bentConnector3">
+            <a:avLst>
+              <a:gd name="adj1" fmla="val 50000"/>
+            </a:avLst>
+          </a:prstGeom>
+          <a:ln w="28575">
+            <a:solidFill>
+              <a:srgbClr val="0070C0"/>
+            </a:solidFill>
+            <a:prstDash val="dash"/>
+            <a:headEnd type="none" w="med" len="med"/>
+            <a:tailEnd type="triangle" w="med" len="med"/>
+          </a:ln>
+        </p:spPr>
+        <p:style>
+          <a:lnRef idx="1">
+            <a:schemeClr val="accent1"/>
+          </a:lnRef>
+          <a:fillRef idx="0">
+            <a:schemeClr val="accent1"/>
+          </a:fillRef>
+          <a:effectRef idx="0">
+            <a:schemeClr val="accent1"/>
+          </a:effectRef>
+          <a:fontRef idx="minor">
+            <a:schemeClr val="tx1"/>
+          </a:fontRef>
+        </p:style>
+      </p:cxnSp>
+      <p:sp>
+        <p:nvSpPr>
+          <p:cNvPr id="10" name="TextBox 9">
+            <a:extLst>
+              <a:ext uri="{FF2B5EF4-FFF2-40B4-BE49-F238E27FC236}">
+                <a16:creationId xmlns:a16="http://schemas.microsoft.com/office/drawing/2014/main" id="{AF122515-47FE-023B-C2D1-040BB9B40E7C}"/>
+              </a:ext>
+            </a:extLst>
+          </p:cNvPr>
+          <p:cNvSpPr txBox="1"/>
+          <p:nvPr/>
+        </p:nvSpPr>
+        <p:spPr>
+          <a:xfrm rot="16200000">
+            <a:off x="4315975" y="3665086"/>
+            <a:ext cx="2080755" cy="253916"/>
+          </a:xfrm>
+          <a:prstGeom prst="rect">
+            <a:avLst/>
+          </a:prstGeom>
+          <a:noFill/>
+        </p:spPr>
+        <p:txBody>
+          <a:bodyPr wrap="square" rtlCol="0">
+            <a:spAutoFit/>
+          </a:bodyPr>
+          <a:lstStyle/>
+          <a:p>
+            <a:r>
+              <a:rPr lang="en-US" altLang="ko-KR" sz="1050" b="1" dirty="0">
+                <a:solidFill>
+                  <a:schemeClr val="bg1"/>
+                </a:solidFill>
+              </a:rPr>
+              <a:t>NodePort</a:t>
+            </a:r>
+            <a:r>
+              <a:rPr lang="ko-KR" altLang="en-US" sz="1050" b="1" dirty="0">
+                <a:solidFill>
+                  <a:schemeClr val="bg1"/>
+                </a:solidFill>
+              </a:rPr>
+              <a:t>  </a:t>
+            </a:r>
+            <a:r>
+              <a:rPr lang="en-US" altLang="ko-KR" sz="1050" b="1" dirty="0">
+                <a:solidFill>
+                  <a:schemeClr val="bg1"/>
+                </a:solidFill>
+              </a:rPr>
+              <a:t>= 8080</a:t>
+            </a:r>
+            <a:endParaRPr lang="ko-KR" altLang="en-US" sz="1050" b="1" dirty="0">
+              <a:solidFill>
+                <a:schemeClr val="bg1"/>
+              </a:solidFill>
+            </a:endParaRPr>
+          </a:p>
+        </p:txBody>
+      </p:sp>
+      <p:cxnSp>
+        <p:nvCxnSpPr>
+          <p:cNvPr id="24" name="직선 화살표 연결선 23">
+            <a:extLst>
+              <a:ext uri="{FF2B5EF4-FFF2-40B4-BE49-F238E27FC236}">
+                <a16:creationId xmlns:a16="http://schemas.microsoft.com/office/drawing/2014/main" id="{FF1BECA9-3394-AA4F-A165-261D1783938A}"/>
+              </a:ext>
+            </a:extLst>
+          </p:cNvPr>
+          <p:cNvCxnSpPr>
+            <a:cxnSpLocks/>
+            <a:stCxn id="5" idx="3"/>
+            <a:endCxn id="9" idx="1"/>
+          </p:cNvCxnSpPr>
+          <p:nvPr/>
+        </p:nvCxnSpPr>
+        <p:spPr>
+          <a:xfrm>
+            <a:off x="3615267" y="1514696"/>
+            <a:ext cx="716272" cy="0"/>
+          </a:xfrm>
+          <a:prstGeom prst="straightConnector1">
+            <a:avLst/>
+          </a:prstGeom>
+          <a:ln w="28575">
+            <a:solidFill>
+              <a:schemeClr val="bg1"/>
+            </a:solidFill>
+            <a:prstDash val="dash"/>
+            <a:tailEnd type="triangle"/>
+          </a:ln>
+        </p:spPr>
+        <p:style>
+          <a:lnRef idx="1">
+            <a:schemeClr val="accent1"/>
+          </a:lnRef>
+          <a:fillRef idx="0">
+            <a:schemeClr val="accent1"/>
+          </a:fillRef>
+          <a:effectRef idx="0">
+            <a:schemeClr val="accent1"/>
+          </a:effectRef>
+          <a:fontRef idx="minor">
+            <a:schemeClr val="tx1"/>
+          </a:fontRef>
+        </p:style>
+      </p:cxnSp>
+      <p:sp>
+        <p:nvSpPr>
+          <p:cNvPr id="35" name="TextBox 34">
+            <a:extLst>
+              <a:ext uri="{FF2B5EF4-FFF2-40B4-BE49-F238E27FC236}">
+                <a16:creationId xmlns:a16="http://schemas.microsoft.com/office/drawing/2014/main" id="{9170823F-F273-4FD3-0459-71FD415EFECF}"/>
+              </a:ext>
+            </a:extLst>
+          </p:cNvPr>
+          <p:cNvSpPr txBox="1"/>
+          <p:nvPr/>
+        </p:nvSpPr>
+        <p:spPr>
+          <a:xfrm rot="5400000">
+            <a:off x="4717311" y="2363284"/>
+            <a:ext cx="2080755" cy="253916"/>
+          </a:xfrm>
+          <a:prstGeom prst="rect">
+            <a:avLst/>
+          </a:prstGeom>
+          <a:noFill/>
+        </p:spPr>
+        <p:txBody>
+          <a:bodyPr wrap="square" rtlCol="0">
+            <a:spAutoFit/>
+          </a:bodyPr>
+          <a:lstStyle/>
+          <a:p>
+            <a:r>
+              <a:rPr lang="en-US" altLang="ko-KR" sz="1050" b="1" dirty="0">
+                <a:solidFill>
+                  <a:schemeClr val="bg1"/>
+                </a:solidFill>
+              </a:rPr>
+              <a:t>ContainerPort = 8080</a:t>
+            </a:r>
+            <a:endParaRPr lang="ko-KR" altLang="en-US" sz="1050" b="1" dirty="0">
+              <a:solidFill>
+                <a:schemeClr val="bg1"/>
+              </a:solidFill>
+            </a:endParaRPr>
+          </a:p>
+        </p:txBody>
+      </p:sp>
+    </p:spTree>
+    <p:extLst>
+      <p:ext uri="{BB962C8B-B14F-4D97-AF65-F5344CB8AC3E}">
+        <p14:creationId xmlns:p14="http://schemas.microsoft.com/office/powerpoint/2010/main" val="766834846"/>
       </p:ext>
     </p:extLst>
   </p:cSld>
